--- a/Documents/Thesis Report Picture.pptx
+++ b/Documents/Thesis Report Picture.pptx
@@ -6,6 +6,9 @@
   </p:sldMasterIdLst>
   <p:sldIdLst>
     <p:sldId id="256" r:id="rId2"/>
+    <p:sldId id="257" r:id="rId3"/>
+    <p:sldId id="258" r:id="rId4"/>
+    <p:sldId id="259" r:id="rId5"/>
   </p:sldIdLst>
   <p:sldSz cx="9144000" cy="6858000" type="screen4x3"/>
   <p:notesSz cx="6858000" cy="9144000"/>
@@ -288,7 +291,7 @@
           <a:p>
             <a:fld id="{AEBC359E-74D2-4BE3-B89B-803EEEC24772}" type="datetimeFigureOut">
               <a:rPr lang="en-US" smtClean="0"/>
-              <a:t>10/11/2011</a:t>
+              <a:t>10/17/2011</a:t>
             </a:fld>
             <a:endParaRPr lang="en-US"/>
           </a:p>
@@ -458,7 +461,7 @@
           <a:p>
             <a:fld id="{AEBC359E-74D2-4BE3-B89B-803EEEC24772}" type="datetimeFigureOut">
               <a:rPr lang="en-US" smtClean="0"/>
-              <a:t>10/11/2011</a:t>
+              <a:t>10/17/2011</a:t>
             </a:fld>
             <a:endParaRPr lang="en-US"/>
           </a:p>
@@ -638,7 +641,7 @@
           <a:p>
             <a:fld id="{AEBC359E-74D2-4BE3-B89B-803EEEC24772}" type="datetimeFigureOut">
               <a:rPr lang="en-US" smtClean="0"/>
-              <a:t>10/11/2011</a:t>
+              <a:t>10/17/2011</a:t>
             </a:fld>
             <a:endParaRPr lang="en-US"/>
           </a:p>
@@ -808,7 +811,7 @@
           <a:p>
             <a:fld id="{AEBC359E-74D2-4BE3-B89B-803EEEC24772}" type="datetimeFigureOut">
               <a:rPr lang="en-US" smtClean="0"/>
-              <a:t>10/11/2011</a:t>
+              <a:t>10/17/2011</a:t>
             </a:fld>
             <a:endParaRPr lang="en-US"/>
           </a:p>
@@ -1054,7 +1057,7 @@
           <a:p>
             <a:fld id="{AEBC359E-74D2-4BE3-B89B-803EEEC24772}" type="datetimeFigureOut">
               <a:rPr lang="en-US" smtClean="0"/>
-              <a:t>10/11/2011</a:t>
+              <a:t>10/17/2011</a:t>
             </a:fld>
             <a:endParaRPr lang="en-US"/>
           </a:p>
@@ -1342,7 +1345,7 @@
           <a:p>
             <a:fld id="{AEBC359E-74D2-4BE3-B89B-803EEEC24772}" type="datetimeFigureOut">
               <a:rPr lang="en-US" smtClean="0"/>
-              <a:t>10/11/2011</a:t>
+              <a:t>10/17/2011</a:t>
             </a:fld>
             <a:endParaRPr lang="en-US"/>
           </a:p>
@@ -1764,7 +1767,7 @@
           <a:p>
             <a:fld id="{AEBC359E-74D2-4BE3-B89B-803EEEC24772}" type="datetimeFigureOut">
               <a:rPr lang="en-US" smtClean="0"/>
-              <a:t>10/11/2011</a:t>
+              <a:t>10/17/2011</a:t>
             </a:fld>
             <a:endParaRPr lang="en-US"/>
           </a:p>
@@ -1882,7 +1885,7 @@
           <a:p>
             <a:fld id="{AEBC359E-74D2-4BE3-B89B-803EEEC24772}" type="datetimeFigureOut">
               <a:rPr lang="en-US" smtClean="0"/>
-              <a:t>10/11/2011</a:t>
+              <a:t>10/17/2011</a:t>
             </a:fld>
             <a:endParaRPr lang="en-US"/>
           </a:p>
@@ -1977,7 +1980,7 @@
           <a:p>
             <a:fld id="{AEBC359E-74D2-4BE3-B89B-803EEEC24772}" type="datetimeFigureOut">
               <a:rPr lang="en-US" smtClean="0"/>
-              <a:t>10/11/2011</a:t>
+              <a:t>10/17/2011</a:t>
             </a:fld>
             <a:endParaRPr lang="en-US"/>
           </a:p>
@@ -2254,7 +2257,7 @@
           <a:p>
             <a:fld id="{AEBC359E-74D2-4BE3-B89B-803EEEC24772}" type="datetimeFigureOut">
               <a:rPr lang="en-US" smtClean="0"/>
-              <a:t>10/11/2011</a:t>
+              <a:t>10/17/2011</a:t>
             </a:fld>
             <a:endParaRPr lang="en-US"/>
           </a:p>
@@ -2507,7 +2510,7 @@
           <a:p>
             <a:fld id="{AEBC359E-74D2-4BE3-B89B-803EEEC24772}" type="datetimeFigureOut">
               <a:rPr lang="en-US" smtClean="0"/>
-              <a:t>10/11/2011</a:t>
+              <a:t>10/17/2011</a:t>
             </a:fld>
             <a:endParaRPr lang="en-US"/>
           </a:p>
@@ -2720,7 +2723,7 @@
           <a:p>
             <a:fld id="{AEBC359E-74D2-4BE3-B89B-803EEEC24772}" type="datetimeFigureOut">
               <a:rPr lang="en-US" smtClean="0"/>
-              <a:t>10/11/2011</a:t>
+              <a:t>10/17/2011</a:t>
             </a:fld>
             <a:endParaRPr lang="en-US"/>
           </a:p>
@@ -3130,7 +3133,7 @@
           <a:p>
             <a:pPr algn="ctr"/>
             <a:r>
-              <a:rPr lang="en-US" dirty="0" smtClean="0">
+              <a:rPr lang="en-US" sz="2400" dirty="0" smtClean="0">
                 <a:latin typeface="Times New Roman" pitchFamily="18" charset="0"/>
                 <a:cs typeface="Times New Roman" pitchFamily="18" charset="0"/>
               </a:rPr>
@@ -3140,7 +3143,7 @@
           <a:p>
             <a:pPr algn="ctr"/>
             <a:r>
-              <a:rPr lang="en-US" dirty="0">
+              <a:rPr lang="en-US" sz="2400" dirty="0">
                 <a:latin typeface="Times New Roman" pitchFamily="18" charset="0"/>
                 <a:cs typeface="Times New Roman" pitchFamily="18" charset="0"/>
               </a:rPr>
@@ -3186,10 +3189,10 @@
           <a:p>
             <a:pPr algn="ctr"/>
             <a:r>
-              <a:rPr lang="en-US" dirty="0" smtClean="0"/>
+              <a:rPr lang="en-US" sz="2400" dirty="0" smtClean="0"/>
               <a:t>Car</a:t>
             </a:r>
-            <a:endParaRPr lang="en-US" dirty="0"/>
+            <a:endParaRPr lang="en-US" sz="2400" dirty="0"/>
           </a:p>
         </p:txBody>
       </p:sp>
@@ -3230,7 +3233,7 @@
           <a:p>
             <a:pPr algn="ctr"/>
             <a:r>
-              <a:rPr lang="en-US" dirty="0" smtClean="0"/>
+              <a:rPr lang="en-US" sz="2400" dirty="0" smtClean="0"/>
               <a:t>Bus</a:t>
             </a:r>
           </a:p>
@@ -3273,10 +3276,10 @@
           <a:p>
             <a:pPr algn="ctr"/>
             <a:r>
-              <a:rPr lang="en-US" dirty="0" smtClean="0"/>
+              <a:rPr lang="en-US" sz="2400" dirty="0" smtClean="0"/>
               <a:t>Train</a:t>
             </a:r>
-            <a:endParaRPr lang="en-US" dirty="0"/>
+            <a:endParaRPr lang="en-US" sz="2400" dirty="0"/>
           </a:p>
         </p:txBody>
       </p:sp>
@@ -3317,10 +3320,10 @@
           <a:p>
             <a:pPr algn="ctr"/>
             <a:r>
-              <a:rPr lang="en-US" dirty="0" smtClean="0"/>
+              <a:rPr lang="en-US" sz="2400" dirty="0" smtClean="0"/>
               <a:t>Train</a:t>
             </a:r>
-            <a:endParaRPr lang="en-US" dirty="0"/>
+            <a:endParaRPr lang="en-US" sz="2400" dirty="0"/>
           </a:p>
         </p:txBody>
       </p:sp>
@@ -3361,7 +3364,7 @@
           <a:p>
             <a:pPr algn="ctr"/>
             <a:r>
-              <a:rPr lang="en-US" dirty="0" smtClean="0"/>
+              <a:rPr lang="en-US" sz="2400" dirty="0" smtClean="0"/>
               <a:t>Bus</a:t>
             </a:r>
           </a:p>
@@ -3468,7 +3471,7 @@
           <a:p>
             <a:pPr algn="ctr"/>
             <a:r>
-              <a:rPr lang="en-US" dirty="0" smtClean="0">
+              <a:rPr lang="en-US" sz="2400" dirty="0" smtClean="0">
                 <a:latin typeface="Times New Roman" pitchFamily="18" charset="0"/>
                 <a:cs typeface="Times New Roman" pitchFamily="18" charset="0"/>
               </a:rPr>
@@ -3478,7 +3481,7 @@
           <a:p>
             <a:pPr algn="ctr"/>
             <a:r>
-              <a:rPr lang="en-US" dirty="0">
+              <a:rPr lang="en-US" sz="2400" dirty="0">
                 <a:latin typeface="Times New Roman" pitchFamily="18" charset="0"/>
                 <a:cs typeface="Times New Roman" pitchFamily="18" charset="0"/>
               </a:rPr>
@@ -3715,7 +3718,7 @@
         <p:spPr>
           <a:xfrm>
             <a:off x="1575954" y="2284906"/>
-            <a:ext cx="1295400" cy="369332"/>
+            <a:ext cx="1548246" cy="461665"/>
           </a:xfrm>
           <a:prstGeom prst="rect">
             <a:avLst/>
@@ -3729,7 +3732,7 @@
           <a:lstStyle/>
           <a:p>
             <a:r>
-              <a:rPr lang="en-US" dirty="0" smtClean="0">
+              <a:rPr lang="en-US" sz="2400" dirty="0" smtClean="0">
                 <a:solidFill>
                   <a:schemeClr val="tx2"/>
                 </a:solidFill>
@@ -3738,7 +3741,7 @@
               </a:rPr>
               <a:t>Expensive</a:t>
             </a:r>
-            <a:endParaRPr lang="en-US" dirty="0">
+            <a:endParaRPr lang="en-US" sz="2400" dirty="0">
               <a:solidFill>
                 <a:schemeClr val="tx2"/>
               </a:solidFill>
@@ -3757,7 +3760,7 @@
         <p:spPr>
           <a:xfrm>
             <a:off x="2911186" y="2548142"/>
-            <a:ext cx="1295400" cy="369332"/>
+            <a:ext cx="1295400" cy="461665"/>
           </a:xfrm>
           <a:prstGeom prst="rect">
             <a:avLst/>
@@ -3771,7 +3774,7 @@
           <a:lstStyle/>
           <a:p>
             <a:r>
-              <a:rPr lang="en-US" dirty="0" smtClean="0">
+              <a:rPr lang="en-US" sz="2400" dirty="0" smtClean="0">
                 <a:solidFill>
                   <a:schemeClr val="tx2"/>
                 </a:solidFill>
@@ -3780,7 +3783,7 @@
               </a:rPr>
               <a:t>Standard</a:t>
             </a:r>
-            <a:endParaRPr lang="en-US" dirty="0">
+            <a:endParaRPr lang="en-US" sz="2400" dirty="0">
               <a:solidFill>
                 <a:schemeClr val="tx2"/>
               </a:solidFill>
@@ -3799,7 +3802,7 @@
         <p:spPr>
           <a:xfrm>
             <a:off x="4420465" y="1989587"/>
-            <a:ext cx="1295400" cy="369332"/>
+            <a:ext cx="1295400" cy="461665"/>
           </a:xfrm>
           <a:prstGeom prst="rect">
             <a:avLst/>
@@ -3813,7 +3816,7 @@
           <a:lstStyle/>
           <a:p>
             <a:r>
-              <a:rPr lang="en-US" dirty="0" smtClean="0">
+              <a:rPr lang="en-US" sz="2400" dirty="0" smtClean="0">
                 <a:solidFill>
                   <a:schemeClr val="tx2"/>
                 </a:solidFill>
@@ -3834,7 +3837,7 @@
         <p:spPr>
           <a:xfrm>
             <a:off x="4206586" y="3694606"/>
-            <a:ext cx="1295400" cy="369332"/>
+            <a:ext cx="1295400" cy="461665"/>
           </a:xfrm>
           <a:prstGeom prst="rect">
             <a:avLst/>
@@ -3848,7 +3851,7 @@
           <a:lstStyle/>
           <a:p>
             <a:r>
-              <a:rPr lang="en-US" dirty="0" smtClean="0">
+              <a:rPr lang="en-US" sz="2400" dirty="0" smtClean="0">
                 <a:solidFill>
                   <a:schemeClr val="tx2"/>
                 </a:solidFill>
@@ -3857,7 +3860,7 @@
               </a:rPr>
               <a:t>Male</a:t>
             </a:r>
-            <a:endParaRPr lang="en-US" dirty="0">
+            <a:endParaRPr lang="en-US" sz="2400" dirty="0">
               <a:solidFill>
                 <a:schemeClr val="tx2"/>
               </a:solidFill>
@@ -3876,7 +3879,7 @@
         <p:spPr>
           <a:xfrm>
             <a:off x="6061362" y="3694606"/>
-            <a:ext cx="1295400" cy="369332"/>
+            <a:ext cx="1295400" cy="461665"/>
           </a:xfrm>
           <a:prstGeom prst="rect">
             <a:avLst/>
@@ -3890,7 +3893,7 @@
           <a:lstStyle/>
           <a:p>
             <a:r>
-              <a:rPr lang="en-US" dirty="0" smtClean="0">
+              <a:rPr lang="en-US" sz="2400" dirty="0" smtClean="0">
                 <a:solidFill>
                   <a:schemeClr val="tx2"/>
                 </a:solidFill>
@@ -3899,7 +3902,7 @@
               </a:rPr>
               <a:t>Female</a:t>
             </a:r>
-            <a:endParaRPr lang="en-US" dirty="0">
+            <a:endParaRPr lang="en-US" sz="2400" dirty="0">
               <a:solidFill>
                 <a:schemeClr val="tx2"/>
               </a:solidFill>
@@ -3918,7 +3921,7 @@
         <p:spPr>
           <a:xfrm>
             <a:off x="5794663" y="5409107"/>
-            <a:ext cx="1295400" cy="369332"/>
+            <a:ext cx="1295400" cy="461665"/>
           </a:xfrm>
           <a:prstGeom prst="rect">
             <a:avLst/>
@@ -3932,7 +3935,7 @@
           <a:lstStyle/>
           <a:p>
             <a:r>
-              <a:rPr lang="en-US" dirty="0" smtClean="0">
+              <a:rPr lang="en-US" sz="2400" dirty="0" smtClean="0">
                 <a:solidFill>
                   <a:schemeClr val="tx2"/>
                 </a:solidFill>
@@ -3941,7 +3944,7 @@
               </a:rPr>
               <a:t>0</a:t>
             </a:r>
-            <a:endParaRPr lang="en-US" dirty="0">
+            <a:endParaRPr lang="en-US" sz="2400" dirty="0">
               <a:solidFill>
                 <a:schemeClr val="tx2"/>
               </a:solidFill>
@@ -3960,7 +3963,7 @@
         <p:spPr>
           <a:xfrm>
             <a:off x="7512627" y="5409107"/>
-            <a:ext cx="1295400" cy="369332"/>
+            <a:ext cx="1295400" cy="461665"/>
           </a:xfrm>
           <a:prstGeom prst="rect">
             <a:avLst/>
@@ -3974,7 +3977,7 @@
           <a:lstStyle/>
           <a:p>
             <a:r>
-              <a:rPr lang="en-US" dirty="0" smtClean="0">
+              <a:rPr lang="en-US" sz="2400" dirty="0" smtClean="0">
                 <a:solidFill>
                   <a:schemeClr val="tx2"/>
                 </a:solidFill>
@@ -3983,7 +3986,7 @@
               </a:rPr>
               <a:t>1</a:t>
             </a:r>
-            <a:endParaRPr lang="en-US" dirty="0">
+            <a:endParaRPr lang="en-US" sz="2400" dirty="0">
               <a:solidFill>
                 <a:schemeClr val="tx2"/>
               </a:solidFill>
@@ -3997,6 +4000,1231 @@
     <p:extLst>
       <p:ext uri="{BB962C8B-B14F-4D97-AF65-F5344CB8AC3E}">
         <p14:creationId xmlns:p14="http://schemas.microsoft.com/office/powerpoint/2010/main" val="3626825125"/>
+      </p:ext>
+    </p:extLst>
+  </p:cSld>
+  <p:clrMapOvr>
+    <a:masterClrMapping/>
+  </p:clrMapOvr>
+</p:sld>
+</file>
+
+<file path=ppt/slides/slide2.xml><?xml version="1.0" encoding="utf-8"?>
+<p:sld xmlns:a="http://schemas.openxmlformats.org/drawingml/2006/main" xmlns:r="http://schemas.openxmlformats.org/officeDocument/2006/relationships" xmlns:p="http://schemas.openxmlformats.org/presentationml/2006/main">
+  <p:cSld>
+    <p:spTree>
+      <p:nvGrpSpPr>
+        <p:cNvPr id="1" name=""/>
+        <p:cNvGrpSpPr/>
+        <p:nvPr/>
+      </p:nvGrpSpPr>
+      <p:grpSpPr>
+        <a:xfrm>
+          <a:off x="0" y="0"/>
+          <a:ext cx="0" cy="0"/>
+          <a:chOff x="0" y="0"/>
+          <a:chExt cx="0" cy="0"/>
+        </a:xfrm>
+      </p:grpSpPr>
+      <p:sp>
+        <p:nvSpPr>
+          <p:cNvPr id="2" name="Title 1"/>
+          <p:cNvSpPr>
+            <a:spLocks noGrp="1"/>
+          </p:cNvSpPr>
+          <p:nvPr>
+            <p:ph type="title"/>
+          </p:nvPr>
+        </p:nvSpPr>
+        <p:spPr/>
+        <p:txBody>
+          <a:bodyPr/>
+          <a:lstStyle/>
+          <a:p>
+            <a:endParaRPr lang="en-US"/>
+          </a:p>
+        </p:txBody>
+      </p:sp>
+      <p:sp>
+        <p:nvSpPr>
+          <p:cNvPr id="4" name="Rounded Rectangle 3"/>
+          <p:cNvSpPr/>
+          <p:nvPr/>
+        </p:nvSpPr>
+        <p:spPr>
+          <a:xfrm>
+            <a:off x="3200400" y="2362200"/>
+            <a:ext cx="2286000" cy="838200"/>
+          </a:xfrm>
+          <a:prstGeom prst="roundRect">
+            <a:avLst/>
+          </a:prstGeom>
+        </p:spPr>
+        <p:style>
+          <a:lnRef idx="2">
+            <a:schemeClr val="accent1"/>
+          </a:lnRef>
+          <a:fillRef idx="1">
+            <a:schemeClr val="lt1"/>
+          </a:fillRef>
+          <a:effectRef idx="0">
+            <a:schemeClr val="accent1"/>
+          </a:effectRef>
+          <a:fontRef idx="minor">
+            <a:schemeClr val="dk1"/>
+          </a:fontRef>
+        </p:style>
+        <p:txBody>
+          <a:bodyPr rtlCol="0" anchor="ctr"/>
+          <a:lstStyle/>
+          <a:p>
+            <a:pPr algn="ctr"/>
+            <a:r>
+              <a:rPr lang="en-US" sz="2400" dirty="0" smtClean="0">
+                <a:latin typeface="Times New Roman" pitchFamily="18" charset="0"/>
+                <a:cs typeface="Times New Roman" pitchFamily="18" charset="0"/>
+              </a:rPr>
+              <a:t>Travel cost/Km</a:t>
+            </a:r>
+          </a:p>
+          <a:p>
+            <a:pPr algn="ctr"/>
+            <a:r>
+              <a:rPr lang="en-US" sz="2400" dirty="0">
+                <a:latin typeface="Times New Roman" pitchFamily="18" charset="0"/>
+                <a:cs typeface="Times New Roman" pitchFamily="18" charset="0"/>
+              </a:rPr>
+              <a:t>?</a:t>
+            </a:r>
+          </a:p>
+        </p:txBody>
+      </p:sp>
+    </p:spTree>
+    <p:extLst>
+      <p:ext uri="{BB962C8B-B14F-4D97-AF65-F5344CB8AC3E}">
+        <p14:creationId xmlns:p14="http://schemas.microsoft.com/office/powerpoint/2010/main" val="2358621651"/>
+      </p:ext>
+    </p:extLst>
+  </p:cSld>
+  <p:clrMapOvr>
+    <a:masterClrMapping/>
+  </p:clrMapOvr>
+</p:sld>
+</file>
+
+<file path=ppt/slides/slide3.xml><?xml version="1.0" encoding="utf-8"?>
+<p:sld xmlns:a="http://schemas.openxmlformats.org/drawingml/2006/main" xmlns:r="http://schemas.openxmlformats.org/officeDocument/2006/relationships" xmlns:p="http://schemas.openxmlformats.org/presentationml/2006/main">
+  <p:cSld>
+    <p:spTree>
+      <p:nvGrpSpPr>
+        <p:cNvPr id="1" name=""/>
+        <p:cNvGrpSpPr/>
+        <p:nvPr/>
+      </p:nvGrpSpPr>
+      <p:grpSpPr>
+        <a:xfrm>
+          <a:off x="0" y="0"/>
+          <a:ext cx="0" cy="0"/>
+          <a:chOff x="0" y="0"/>
+          <a:chExt cx="0" cy="0"/>
+        </a:xfrm>
+      </p:grpSpPr>
+      <p:sp>
+        <p:nvSpPr>
+          <p:cNvPr id="4" name="Rounded Rectangle 3"/>
+          <p:cNvSpPr/>
+          <p:nvPr/>
+        </p:nvSpPr>
+        <p:spPr>
+          <a:xfrm>
+            <a:off x="2223654" y="1018309"/>
+            <a:ext cx="2286000" cy="838200"/>
+          </a:xfrm>
+          <a:prstGeom prst="roundRect">
+            <a:avLst/>
+          </a:prstGeom>
+        </p:spPr>
+        <p:style>
+          <a:lnRef idx="2">
+            <a:schemeClr val="accent1"/>
+          </a:lnRef>
+          <a:fillRef idx="1">
+            <a:schemeClr val="lt1"/>
+          </a:fillRef>
+          <a:effectRef idx="0">
+            <a:schemeClr val="accent1"/>
+          </a:effectRef>
+          <a:fontRef idx="minor">
+            <a:schemeClr val="dk1"/>
+          </a:fontRef>
+        </p:style>
+        <p:txBody>
+          <a:bodyPr rtlCol="0" anchor="ctr"/>
+          <a:lstStyle/>
+          <a:p>
+            <a:pPr algn="ctr"/>
+            <a:r>
+              <a:rPr lang="en-US" sz="2400" dirty="0" smtClean="0">
+                <a:latin typeface="Times New Roman" pitchFamily="18" charset="0"/>
+                <a:cs typeface="Times New Roman" pitchFamily="18" charset="0"/>
+              </a:rPr>
+              <a:t>Travel cost/Km</a:t>
+            </a:r>
+          </a:p>
+          <a:p>
+            <a:pPr algn="ctr"/>
+            <a:r>
+              <a:rPr lang="en-US" sz="2400" dirty="0">
+                <a:latin typeface="Times New Roman" pitchFamily="18" charset="0"/>
+                <a:cs typeface="Times New Roman" pitchFamily="18" charset="0"/>
+              </a:rPr>
+              <a:t>?</a:t>
+            </a:r>
+          </a:p>
+        </p:txBody>
+      </p:sp>
+      <p:sp>
+        <p:nvSpPr>
+          <p:cNvPr id="5" name="Oval 4"/>
+          <p:cNvSpPr/>
+          <p:nvPr/>
+        </p:nvSpPr>
+        <p:spPr>
+          <a:xfrm>
+            <a:off x="512618" y="3082636"/>
+            <a:ext cx="1295400" cy="762000"/>
+          </a:xfrm>
+          <a:prstGeom prst="ellipse">
+            <a:avLst/>
+          </a:prstGeom>
+        </p:spPr>
+        <p:style>
+          <a:lnRef idx="2">
+            <a:schemeClr val="accent1">
+              <a:shade val="50000"/>
+            </a:schemeClr>
+          </a:lnRef>
+          <a:fillRef idx="1">
+            <a:schemeClr val="accent1"/>
+          </a:fillRef>
+          <a:effectRef idx="0">
+            <a:schemeClr val="accent1"/>
+          </a:effectRef>
+          <a:fontRef idx="minor">
+            <a:schemeClr val="lt1"/>
+          </a:fontRef>
+        </p:style>
+        <p:txBody>
+          <a:bodyPr rtlCol="0" anchor="ctr"/>
+          <a:lstStyle/>
+          <a:p>
+            <a:pPr algn="ctr"/>
+            <a:r>
+              <a:rPr lang="en-US" sz="2400" dirty="0" smtClean="0"/>
+              <a:t>Car</a:t>
+            </a:r>
+            <a:endParaRPr lang="en-US" sz="2400" dirty="0"/>
+          </a:p>
+        </p:txBody>
+      </p:sp>
+      <p:sp>
+        <p:nvSpPr>
+          <p:cNvPr id="9" name="Oval 8"/>
+          <p:cNvSpPr/>
+          <p:nvPr/>
+        </p:nvSpPr>
+        <p:spPr>
+          <a:xfrm>
+            <a:off x="2718954" y="3082636"/>
+            <a:ext cx="1295400" cy="762000"/>
+          </a:xfrm>
+          <a:prstGeom prst="ellipse">
+            <a:avLst/>
+          </a:prstGeom>
+        </p:spPr>
+        <p:style>
+          <a:lnRef idx="2">
+            <a:schemeClr val="accent1">
+              <a:shade val="50000"/>
+            </a:schemeClr>
+          </a:lnRef>
+          <a:fillRef idx="1">
+            <a:schemeClr val="accent1"/>
+          </a:fillRef>
+          <a:effectRef idx="0">
+            <a:schemeClr val="accent1"/>
+          </a:effectRef>
+          <a:fontRef idx="minor">
+            <a:schemeClr val="lt1"/>
+          </a:fontRef>
+        </p:style>
+        <p:txBody>
+          <a:bodyPr rtlCol="0" anchor="ctr"/>
+          <a:lstStyle/>
+          <a:p>
+            <a:pPr algn="ctr"/>
+            <a:r>
+              <a:rPr lang="en-US" sz="2400" dirty="0" smtClean="0"/>
+              <a:t>Train</a:t>
+            </a:r>
+            <a:endParaRPr lang="en-US" sz="2400" dirty="0"/>
+          </a:p>
+        </p:txBody>
+      </p:sp>
+      <p:cxnSp>
+        <p:nvCxnSpPr>
+          <p:cNvPr id="14" name="Straight Connector 13"/>
+          <p:cNvCxnSpPr>
+            <a:stCxn id="4" idx="2"/>
+            <a:endCxn id="5" idx="0"/>
+          </p:cNvCxnSpPr>
+          <p:nvPr/>
+        </p:nvCxnSpPr>
+        <p:spPr>
+          <a:xfrm flipH="1">
+            <a:off x="1160318" y="1856509"/>
+            <a:ext cx="2206336" cy="1226127"/>
+          </a:xfrm>
+          <a:prstGeom prst="line">
+            <a:avLst/>
+          </a:prstGeom>
+        </p:spPr>
+        <p:style>
+          <a:lnRef idx="1">
+            <a:schemeClr val="accent1"/>
+          </a:lnRef>
+          <a:fillRef idx="0">
+            <a:schemeClr val="accent1"/>
+          </a:fillRef>
+          <a:effectRef idx="0">
+            <a:schemeClr val="accent1"/>
+          </a:effectRef>
+          <a:fontRef idx="minor">
+            <a:schemeClr val="tx1"/>
+          </a:fontRef>
+        </p:style>
+      </p:cxnSp>
+      <p:cxnSp>
+        <p:nvCxnSpPr>
+          <p:cNvPr id="18" name="Straight Connector 17"/>
+          <p:cNvCxnSpPr>
+            <a:stCxn id="4" idx="2"/>
+            <a:endCxn id="9" idx="0"/>
+          </p:cNvCxnSpPr>
+          <p:nvPr/>
+        </p:nvCxnSpPr>
+        <p:spPr>
+          <a:xfrm>
+            <a:off x="3366654" y="1856509"/>
+            <a:ext cx="0" cy="1226127"/>
+          </a:xfrm>
+          <a:prstGeom prst="line">
+            <a:avLst/>
+          </a:prstGeom>
+        </p:spPr>
+        <p:style>
+          <a:lnRef idx="1">
+            <a:schemeClr val="accent1"/>
+          </a:lnRef>
+          <a:fillRef idx="0">
+            <a:schemeClr val="accent1"/>
+          </a:fillRef>
+          <a:effectRef idx="0">
+            <a:schemeClr val="accent1"/>
+          </a:effectRef>
+          <a:fontRef idx="minor">
+            <a:schemeClr val="tx1"/>
+          </a:fontRef>
+        </p:style>
+      </p:cxnSp>
+      <p:sp>
+        <p:nvSpPr>
+          <p:cNvPr id="23" name="Rounded Rectangle 22"/>
+          <p:cNvSpPr/>
+          <p:nvPr/>
+        </p:nvSpPr>
+        <p:spPr>
+          <a:xfrm>
+            <a:off x="4636076" y="2743200"/>
+            <a:ext cx="1676400" cy="838200"/>
+          </a:xfrm>
+          <a:prstGeom prst="roundRect">
+            <a:avLst/>
+          </a:prstGeom>
+        </p:spPr>
+        <p:style>
+          <a:lnRef idx="1">
+            <a:schemeClr val="accent2"/>
+          </a:lnRef>
+          <a:fillRef idx="2">
+            <a:schemeClr val="accent2"/>
+          </a:fillRef>
+          <a:effectRef idx="1">
+            <a:schemeClr val="accent2"/>
+          </a:effectRef>
+          <a:fontRef idx="minor">
+            <a:schemeClr val="dk1"/>
+          </a:fontRef>
+        </p:style>
+        <p:txBody>
+          <a:bodyPr rtlCol="0" anchor="ctr"/>
+          <a:lstStyle/>
+          <a:p>
+            <a:pPr algn="ctr"/>
+            <a:r>
+              <a:rPr lang="en-US" sz="2400" dirty="0" smtClean="0">
+                <a:latin typeface="Times New Roman" pitchFamily="18" charset="0"/>
+                <a:cs typeface="Times New Roman" pitchFamily="18" charset="0"/>
+              </a:rPr>
+              <a:t>Split further</a:t>
+            </a:r>
+            <a:endParaRPr lang="en-US" sz="2400" dirty="0">
+              <a:latin typeface="Times New Roman" pitchFamily="18" charset="0"/>
+              <a:cs typeface="Times New Roman" pitchFamily="18" charset="0"/>
+            </a:endParaRPr>
+          </a:p>
+        </p:txBody>
+      </p:sp>
+      <p:cxnSp>
+        <p:nvCxnSpPr>
+          <p:cNvPr id="48" name="Straight Connector 47"/>
+          <p:cNvCxnSpPr>
+            <a:stCxn id="4" idx="2"/>
+            <a:endCxn id="23" idx="0"/>
+          </p:cNvCxnSpPr>
+          <p:nvPr/>
+        </p:nvCxnSpPr>
+        <p:spPr>
+          <a:xfrm>
+            <a:off x="3366654" y="1856509"/>
+            <a:ext cx="2107622" cy="886691"/>
+          </a:xfrm>
+          <a:prstGeom prst="line">
+            <a:avLst/>
+          </a:prstGeom>
+        </p:spPr>
+        <p:style>
+          <a:lnRef idx="1">
+            <a:schemeClr val="accent1"/>
+          </a:lnRef>
+          <a:fillRef idx="0">
+            <a:schemeClr val="accent1"/>
+          </a:fillRef>
+          <a:effectRef idx="0">
+            <a:schemeClr val="accent1"/>
+          </a:effectRef>
+          <a:fontRef idx="minor">
+            <a:schemeClr val="tx1"/>
+          </a:fontRef>
+        </p:style>
+      </p:cxnSp>
+      <p:sp>
+        <p:nvSpPr>
+          <p:cNvPr id="59" name="TextBox 58"/>
+          <p:cNvSpPr txBox="1"/>
+          <p:nvPr/>
+        </p:nvSpPr>
+        <p:spPr>
+          <a:xfrm>
+            <a:off x="1575954" y="2284906"/>
+            <a:ext cx="1548246" cy="461665"/>
+          </a:xfrm>
+          <a:prstGeom prst="rect">
+            <a:avLst/>
+          </a:prstGeom>
+          <a:noFill/>
+        </p:spPr>
+        <p:txBody>
+          <a:bodyPr wrap="square" rtlCol="0">
+            <a:spAutoFit/>
+          </a:bodyPr>
+          <a:lstStyle/>
+          <a:p>
+            <a:r>
+              <a:rPr lang="en-US" sz="2400" dirty="0" smtClean="0">
+                <a:solidFill>
+                  <a:schemeClr val="tx2"/>
+                </a:solidFill>
+                <a:latin typeface="Times New Roman" pitchFamily="18" charset="0"/>
+                <a:cs typeface="Times New Roman" pitchFamily="18" charset="0"/>
+              </a:rPr>
+              <a:t>Expensive</a:t>
+            </a:r>
+            <a:endParaRPr lang="en-US" sz="2400" dirty="0">
+              <a:solidFill>
+                <a:schemeClr val="tx2"/>
+              </a:solidFill>
+              <a:latin typeface="Times New Roman" pitchFamily="18" charset="0"/>
+              <a:cs typeface="Times New Roman" pitchFamily="18" charset="0"/>
+            </a:endParaRPr>
+          </a:p>
+        </p:txBody>
+      </p:sp>
+      <p:sp>
+        <p:nvSpPr>
+          <p:cNvPr id="60" name="TextBox 59"/>
+          <p:cNvSpPr txBox="1"/>
+          <p:nvPr/>
+        </p:nvSpPr>
+        <p:spPr>
+          <a:xfrm>
+            <a:off x="2911186" y="2548142"/>
+            <a:ext cx="1295400" cy="461665"/>
+          </a:xfrm>
+          <a:prstGeom prst="rect">
+            <a:avLst/>
+          </a:prstGeom>
+          <a:noFill/>
+        </p:spPr>
+        <p:txBody>
+          <a:bodyPr wrap="square" rtlCol="0">
+            <a:spAutoFit/>
+          </a:bodyPr>
+          <a:lstStyle/>
+          <a:p>
+            <a:r>
+              <a:rPr lang="en-US" sz="2400" dirty="0" smtClean="0">
+                <a:solidFill>
+                  <a:schemeClr val="tx2"/>
+                </a:solidFill>
+                <a:latin typeface="Times New Roman" pitchFamily="18" charset="0"/>
+                <a:cs typeface="Times New Roman" pitchFamily="18" charset="0"/>
+              </a:rPr>
+              <a:t>Standard</a:t>
+            </a:r>
+            <a:endParaRPr lang="en-US" sz="2400" dirty="0">
+              <a:solidFill>
+                <a:schemeClr val="tx2"/>
+              </a:solidFill>
+              <a:latin typeface="Times New Roman" pitchFamily="18" charset="0"/>
+              <a:cs typeface="Times New Roman" pitchFamily="18" charset="0"/>
+            </a:endParaRPr>
+          </a:p>
+        </p:txBody>
+      </p:sp>
+      <p:sp>
+        <p:nvSpPr>
+          <p:cNvPr id="61" name="TextBox 60"/>
+          <p:cNvSpPr txBox="1"/>
+          <p:nvPr/>
+        </p:nvSpPr>
+        <p:spPr>
+          <a:xfrm>
+            <a:off x="4420465" y="1989587"/>
+            <a:ext cx="1295400" cy="461665"/>
+          </a:xfrm>
+          <a:prstGeom prst="rect">
+            <a:avLst/>
+          </a:prstGeom>
+          <a:noFill/>
+        </p:spPr>
+        <p:txBody>
+          <a:bodyPr wrap="square" rtlCol="0">
+            <a:spAutoFit/>
+          </a:bodyPr>
+          <a:lstStyle/>
+          <a:p>
+            <a:r>
+              <a:rPr lang="en-US" sz="2400" dirty="0" smtClean="0">
+                <a:solidFill>
+                  <a:schemeClr val="tx2"/>
+                </a:solidFill>
+                <a:latin typeface="Times New Roman" pitchFamily="18" charset="0"/>
+                <a:cs typeface="Times New Roman" pitchFamily="18" charset="0"/>
+              </a:rPr>
+              <a:t>Cheap</a:t>
+            </a:r>
+          </a:p>
+        </p:txBody>
+      </p:sp>
+    </p:spTree>
+    <p:extLst>
+      <p:ext uri="{BB962C8B-B14F-4D97-AF65-F5344CB8AC3E}">
+        <p14:creationId xmlns:p14="http://schemas.microsoft.com/office/powerpoint/2010/main" val="1410101429"/>
+      </p:ext>
+    </p:extLst>
+  </p:cSld>
+  <p:clrMapOvr>
+    <a:masterClrMapping/>
+  </p:clrMapOvr>
+</p:sld>
+</file>
+
+<file path=ppt/slides/slide4.xml><?xml version="1.0" encoding="utf-8"?>
+<p:sld xmlns:a="http://schemas.openxmlformats.org/drawingml/2006/main" xmlns:r="http://schemas.openxmlformats.org/officeDocument/2006/relationships" xmlns:p="http://schemas.openxmlformats.org/presentationml/2006/main">
+  <p:cSld>
+    <p:spTree>
+      <p:nvGrpSpPr>
+        <p:cNvPr id="1" name=""/>
+        <p:cNvGrpSpPr/>
+        <p:nvPr/>
+      </p:nvGrpSpPr>
+      <p:grpSpPr>
+        <a:xfrm>
+          <a:off x="0" y="0"/>
+          <a:ext cx="0" cy="0"/>
+          <a:chOff x="0" y="0"/>
+          <a:chExt cx="0" cy="0"/>
+        </a:xfrm>
+      </p:grpSpPr>
+      <p:sp>
+        <p:nvSpPr>
+          <p:cNvPr id="4" name="Rounded Rectangle 3"/>
+          <p:cNvSpPr/>
+          <p:nvPr/>
+        </p:nvSpPr>
+        <p:spPr>
+          <a:xfrm>
+            <a:off x="2223654" y="1018309"/>
+            <a:ext cx="2286000" cy="838200"/>
+          </a:xfrm>
+          <a:prstGeom prst="roundRect">
+            <a:avLst/>
+          </a:prstGeom>
+        </p:spPr>
+        <p:style>
+          <a:lnRef idx="2">
+            <a:schemeClr val="accent1"/>
+          </a:lnRef>
+          <a:fillRef idx="1">
+            <a:schemeClr val="lt1"/>
+          </a:fillRef>
+          <a:effectRef idx="0">
+            <a:schemeClr val="accent1"/>
+          </a:effectRef>
+          <a:fontRef idx="minor">
+            <a:schemeClr val="dk1"/>
+          </a:fontRef>
+        </p:style>
+        <p:txBody>
+          <a:bodyPr rtlCol="0" anchor="ctr"/>
+          <a:lstStyle/>
+          <a:p>
+            <a:pPr algn="ctr"/>
+            <a:r>
+              <a:rPr lang="en-US" sz="2400" dirty="0" smtClean="0">
+                <a:latin typeface="Times New Roman" pitchFamily="18" charset="0"/>
+                <a:cs typeface="Times New Roman" pitchFamily="18" charset="0"/>
+              </a:rPr>
+              <a:t>Travel cost/Km</a:t>
+            </a:r>
+          </a:p>
+          <a:p>
+            <a:pPr algn="ctr"/>
+            <a:r>
+              <a:rPr lang="en-US" sz="2400" dirty="0">
+                <a:latin typeface="Times New Roman" pitchFamily="18" charset="0"/>
+                <a:cs typeface="Times New Roman" pitchFamily="18" charset="0"/>
+              </a:rPr>
+              <a:t>?</a:t>
+            </a:r>
+          </a:p>
+        </p:txBody>
+      </p:sp>
+      <p:sp>
+        <p:nvSpPr>
+          <p:cNvPr id="5" name="Oval 4"/>
+          <p:cNvSpPr/>
+          <p:nvPr/>
+        </p:nvSpPr>
+        <p:spPr>
+          <a:xfrm>
+            <a:off x="512618" y="3082636"/>
+            <a:ext cx="1295400" cy="762000"/>
+          </a:xfrm>
+          <a:prstGeom prst="ellipse">
+            <a:avLst/>
+          </a:prstGeom>
+        </p:spPr>
+        <p:style>
+          <a:lnRef idx="2">
+            <a:schemeClr val="accent1">
+              <a:shade val="50000"/>
+            </a:schemeClr>
+          </a:lnRef>
+          <a:fillRef idx="1">
+            <a:schemeClr val="accent1"/>
+          </a:fillRef>
+          <a:effectRef idx="0">
+            <a:schemeClr val="accent1"/>
+          </a:effectRef>
+          <a:fontRef idx="minor">
+            <a:schemeClr val="lt1"/>
+          </a:fontRef>
+        </p:style>
+        <p:txBody>
+          <a:bodyPr rtlCol="0" anchor="ctr"/>
+          <a:lstStyle/>
+          <a:p>
+            <a:pPr algn="ctr"/>
+            <a:r>
+              <a:rPr lang="en-US" sz="2400" dirty="0" smtClean="0"/>
+              <a:t>Car</a:t>
+            </a:r>
+            <a:endParaRPr lang="en-US" sz="2400" dirty="0"/>
+          </a:p>
+        </p:txBody>
+      </p:sp>
+      <p:sp>
+        <p:nvSpPr>
+          <p:cNvPr id="6" name="Oval 5"/>
+          <p:cNvSpPr/>
+          <p:nvPr/>
+        </p:nvSpPr>
+        <p:spPr>
+          <a:xfrm>
+            <a:off x="3409948" y="4374574"/>
+            <a:ext cx="1295400" cy="762000"/>
+          </a:xfrm>
+          <a:prstGeom prst="ellipse">
+            <a:avLst/>
+          </a:prstGeom>
+        </p:spPr>
+        <p:style>
+          <a:lnRef idx="2">
+            <a:schemeClr val="accent1">
+              <a:shade val="50000"/>
+            </a:schemeClr>
+          </a:lnRef>
+          <a:fillRef idx="1">
+            <a:schemeClr val="accent1"/>
+          </a:fillRef>
+          <a:effectRef idx="0">
+            <a:schemeClr val="accent1"/>
+          </a:effectRef>
+          <a:fontRef idx="minor">
+            <a:schemeClr val="lt1"/>
+          </a:fontRef>
+        </p:style>
+        <p:txBody>
+          <a:bodyPr rtlCol="0" anchor="ctr"/>
+          <a:lstStyle/>
+          <a:p>
+            <a:pPr algn="ctr"/>
+            <a:r>
+              <a:rPr lang="en-US" sz="2400" dirty="0" smtClean="0"/>
+              <a:t>Bus</a:t>
+            </a:r>
+          </a:p>
+        </p:txBody>
+      </p:sp>
+      <p:sp>
+        <p:nvSpPr>
+          <p:cNvPr id="9" name="Oval 8"/>
+          <p:cNvSpPr/>
+          <p:nvPr/>
+        </p:nvSpPr>
+        <p:spPr>
+          <a:xfrm>
+            <a:off x="2718954" y="3082636"/>
+            <a:ext cx="1295400" cy="762000"/>
+          </a:xfrm>
+          <a:prstGeom prst="ellipse">
+            <a:avLst/>
+          </a:prstGeom>
+        </p:spPr>
+        <p:style>
+          <a:lnRef idx="2">
+            <a:schemeClr val="accent1">
+              <a:shade val="50000"/>
+            </a:schemeClr>
+          </a:lnRef>
+          <a:fillRef idx="1">
+            <a:schemeClr val="accent1"/>
+          </a:fillRef>
+          <a:effectRef idx="0">
+            <a:schemeClr val="accent1"/>
+          </a:effectRef>
+          <a:fontRef idx="minor">
+            <a:schemeClr val="lt1"/>
+          </a:fontRef>
+        </p:style>
+        <p:txBody>
+          <a:bodyPr rtlCol="0" anchor="ctr"/>
+          <a:lstStyle/>
+          <a:p>
+            <a:pPr algn="ctr"/>
+            <a:r>
+              <a:rPr lang="en-US" sz="2400" dirty="0" smtClean="0"/>
+              <a:t>Train</a:t>
+            </a:r>
+            <a:endParaRPr lang="en-US" sz="2400" dirty="0"/>
+          </a:p>
+        </p:txBody>
+      </p:sp>
+      <p:cxnSp>
+        <p:nvCxnSpPr>
+          <p:cNvPr id="14" name="Straight Connector 13"/>
+          <p:cNvCxnSpPr>
+            <a:stCxn id="4" idx="2"/>
+            <a:endCxn id="5" idx="0"/>
+          </p:cNvCxnSpPr>
+          <p:nvPr/>
+        </p:nvCxnSpPr>
+        <p:spPr>
+          <a:xfrm flipH="1">
+            <a:off x="1160318" y="1856509"/>
+            <a:ext cx="2206336" cy="1226127"/>
+          </a:xfrm>
+          <a:prstGeom prst="line">
+            <a:avLst/>
+          </a:prstGeom>
+        </p:spPr>
+        <p:style>
+          <a:lnRef idx="1">
+            <a:schemeClr val="accent1"/>
+          </a:lnRef>
+          <a:fillRef idx="0">
+            <a:schemeClr val="accent1"/>
+          </a:fillRef>
+          <a:effectRef idx="0">
+            <a:schemeClr val="accent1"/>
+          </a:effectRef>
+          <a:fontRef idx="minor">
+            <a:schemeClr val="tx1"/>
+          </a:fontRef>
+        </p:style>
+      </p:cxnSp>
+      <p:cxnSp>
+        <p:nvCxnSpPr>
+          <p:cNvPr id="18" name="Straight Connector 17"/>
+          <p:cNvCxnSpPr>
+            <a:stCxn id="4" idx="2"/>
+            <a:endCxn id="9" idx="0"/>
+          </p:cNvCxnSpPr>
+          <p:nvPr/>
+        </p:nvCxnSpPr>
+        <p:spPr>
+          <a:xfrm>
+            <a:off x="3366654" y="1856509"/>
+            <a:ext cx="0" cy="1226127"/>
+          </a:xfrm>
+          <a:prstGeom prst="line">
+            <a:avLst/>
+          </a:prstGeom>
+        </p:spPr>
+        <p:style>
+          <a:lnRef idx="1">
+            <a:schemeClr val="accent1"/>
+          </a:lnRef>
+          <a:fillRef idx="0">
+            <a:schemeClr val="accent1"/>
+          </a:fillRef>
+          <a:effectRef idx="0">
+            <a:schemeClr val="accent1"/>
+          </a:effectRef>
+          <a:fontRef idx="minor">
+            <a:schemeClr val="tx1"/>
+          </a:fontRef>
+        </p:style>
+      </p:cxnSp>
+      <p:sp>
+        <p:nvSpPr>
+          <p:cNvPr id="23" name="Rounded Rectangle 22"/>
+          <p:cNvSpPr/>
+          <p:nvPr/>
+        </p:nvSpPr>
+        <p:spPr>
+          <a:xfrm>
+            <a:off x="4636076" y="2743200"/>
+            <a:ext cx="1676400" cy="838200"/>
+          </a:xfrm>
+          <a:prstGeom prst="roundRect">
+            <a:avLst/>
+          </a:prstGeom>
+        </p:spPr>
+        <p:style>
+          <a:lnRef idx="2">
+            <a:schemeClr val="accent1"/>
+          </a:lnRef>
+          <a:fillRef idx="1">
+            <a:schemeClr val="lt1"/>
+          </a:fillRef>
+          <a:effectRef idx="0">
+            <a:schemeClr val="accent1"/>
+          </a:effectRef>
+          <a:fontRef idx="minor">
+            <a:schemeClr val="dk1"/>
+          </a:fontRef>
+        </p:style>
+        <p:txBody>
+          <a:bodyPr rtlCol="0" anchor="ctr"/>
+          <a:lstStyle/>
+          <a:p>
+            <a:pPr algn="ctr"/>
+            <a:r>
+              <a:rPr lang="en-US" sz="2400" dirty="0" smtClean="0">
+                <a:latin typeface="Times New Roman" pitchFamily="18" charset="0"/>
+                <a:cs typeface="Times New Roman" pitchFamily="18" charset="0"/>
+              </a:rPr>
+              <a:t>Gender</a:t>
+            </a:r>
+          </a:p>
+          <a:p>
+            <a:pPr algn="ctr"/>
+            <a:r>
+              <a:rPr lang="en-US" sz="2400" dirty="0">
+                <a:latin typeface="Times New Roman" pitchFamily="18" charset="0"/>
+                <a:cs typeface="Times New Roman" pitchFamily="18" charset="0"/>
+              </a:rPr>
+              <a:t>?</a:t>
+            </a:r>
+          </a:p>
+        </p:txBody>
+      </p:sp>
+      <p:cxnSp>
+        <p:nvCxnSpPr>
+          <p:cNvPr id="32" name="Straight Connector 31"/>
+          <p:cNvCxnSpPr>
+            <a:stCxn id="23" idx="2"/>
+            <a:endCxn id="6" idx="0"/>
+          </p:cNvCxnSpPr>
+          <p:nvPr/>
+        </p:nvCxnSpPr>
+        <p:spPr>
+          <a:xfrm flipH="1">
+            <a:off x="4057648" y="3581400"/>
+            <a:ext cx="1416628" cy="793174"/>
+          </a:xfrm>
+          <a:prstGeom prst="line">
+            <a:avLst/>
+          </a:prstGeom>
+        </p:spPr>
+        <p:style>
+          <a:lnRef idx="1">
+            <a:schemeClr val="accent1"/>
+          </a:lnRef>
+          <a:fillRef idx="0">
+            <a:schemeClr val="accent1"/>
+          </a:fillRef>
+          <a:effectRef idx="0">
+            <a:schemeClr val="accent1"/>
+          </a:effectRef>
+          <a:fontRef idx="minor">
+            <a:schemeClr val="tx1"/>
+          </a:fontRef>
+        </p:style>
+      </p:cxnSp>
+      <p:cxnSp>
+        <p:nvCxnSpPr>
+          <p:cNvPr id="34" name="Straight Connector 33"/>
+          <p:cNvCxnSpPr>
+            <a:stCxn id="23" idx="2"/>
+          </p:cNvCxnSpPr>
+          <p:nvPr/>
+        </p:nvCxnSpPr>
+        <p:spPr>
+          <a:xfrm>
+            <a:off x="5474276" y="3581400"/>
+            <a:ext cx="1359478" cy="755074"/>
+          </a:xfrm>
+          <a:prstGeom prst="line">
+            <a:avLst/>
+          </a:prstGeom>
+        </p:spPr>
+        <p:style>
+          <a:lnRef idx="1">
+            <a:schemeClr val="accent1"/>
+          </a:lnRef>
+          <a:fillRef idx="0">
+            <a:schemeClr val="accent1"/>
+          </a:fillRef>
+          <a:effectRef idx="0">
+            <a:schemeClr val="accent1"/>
+          </a:effectRef>
+          <a:fontRef idx="minor">
+            <a:schemeClr val="tx1"/>
+          </a:fontRef>
+        </p:style>
+      </p:cxnSp>
+      <p:cxnSp>
+        <p:nvCxnSpPr>
+          <p:cNvPr id="48" name="Straight Connector 47"/>
+          <p:cNvCxnSpPr>
+            <a:stCxn id="4" idx="2"/>
+            <a:endCxn id="23" idx="0"/>
+          </p:cNvCxnSpPr>
+          <p:nvPr/>
+        </p:nvCxnSpPr>
+        <p:spPr>
+          <a:xfrm>
+            <a:off x="3366654" y="1856509"/>
+            <a:ext cx="2107622" cy="886691"/>
+          </a:xfrm>
+          <a:prstGeom prst="line">
+            <a:avLst/>
+          </a:prstGeom>
+        </p:spPr>
+        <p:style>
+          <a:lnRef idx="1">
+            <a:schemeClr val="accent1"/>
+          </a:lnRef>
+          <a:fillRef idx="0">
+            <a:schemeClr val="accent1"/>
+          </a:fillRef>
+          <a:effectRef idx="0">
+            <a:schemeClr val="accent1"/>
+          </a:effectRef>
+          <a:fontRef idx="minor">
+            <a:schemeClr val="tx1"/>
+          </a:fontRef>
+        </p:style>
+      </p:cxnSp>
+      <p:sp>
+        <p:nvSpPr>
+          <p:cNvPr id="59" name="TextBox 58"/>
+          <p:cNvSpPr txBox="1"/>
+          <p:nvPr/>
+        </p:nvSpPr>
+        <p:spPr>
+          <a:xfrm>
+            <a:off x="1575954" y="2284906"/>
+            <a:ext cx="1548246" cy="461665"/>
+          </a:xfrm>
+          <a:prstGeom prst="rect">
+            <a:avLst/>
+          </a:prstGeom>
+          <a:noFill/>
+        </p:spPr>
+        <p:txBody>
+          <a:bodyPr wrap="square" rtlCol="0">
+            <a:spAutoFit/>
+          </a:bodyPr>
+          <a:lstStyle/>
+          <a:p>
+            <a:r>
+              <a:rPr lang="en-US" sz="2400" dirty="0" smtClean="0">
+                <a:solidFill>
+                  <a:schemeClr val="tx2"/>
+                </a:solidFill>
+                <a:latin typeface="Times New Roman" pitchFamily="18" charset="0"/>
+                <a:cs typeface="Times New Roman" pitchFamily="18" charset="0"/>
+              </a:rPr>
+              <a:t>Expensive</a:t>
+            </a:r>
+            <a:endParaRPr lang="en-US" sz="2400" dirty="0">
+              <a:solidFill>
+                <a:schemeClr val="tx2"/>
+              </a:solidFill>
+              <a:latin typeface="Times New Roman" pitchFamily="18" charset="0"/>
+              <a:cs typeface="Times New Roman" pitchFamily="18" charset="0"/>
+            </a:endParaRPr>
+          </a:p>
+        </p:txBody>
+      </p:sp>
+      <p:sp>
+        <p:nvSpPr>
+          <p:cNvPr id="60" name="TextBox 59"/>
+          <p:cNvSpPr txBox="1"/>
+          <p:nvPr/>
+        </p:nvSpPr>
+        <p:spPr>
+          <a:xfrm>
+            <a:off x="2911186" y="2548142"/>
+            <a:ext cx="1295400" cy="461665"/>
+          </a:xfrm>
+          <a:prstGeom prst="rect">
+            <a:avLst/>
+          </a:prstGeom>
+          <a:noFill/>
+        </p:spPr>
+        <p:txBody>
+          <a:bodyPr wrap="square" rtlCol="0">
+            <a:spAutoFit/>
+          </a:bodyPr>
+          <a:lstStyle/>
+          <a:p>
+            <a:r>
+              <a:rPr lang="en-US" sz="2400" dirty="0" smtClean="0">
+                <a:solidFill>
+                  <a:schemeClr val="tx2"/>
+                </a:solidFill>
+                <a:latin typeface="Times New Roman" pitchFamily="18" charset="0"/>
+                <a:cs typeface="Times New Roman" pitchFamily="18" charset="0"/>
+              </a:rPr>
+              <a:t>Standard</a:t>
+            </a:r>
+            <a:endParaRPr lang="en-US" sz="2400" dirty="0">
+              <a:solidFill>
+                <a:schemeClr val="tx2"/>
+              </a:solidFill>
+              <a:latin typeface="Times New Roman" pitchFamily="18" charset="0"/>
+              <a:cs typeface="Times New Roman" pitchFamily="18" charset="0"/>
+            </a:endParaRPr>
+          </a:p>
+        </p:txBody>
+      </p:sp>
+      <p:sp>
+        <p:nvSpPr>
+          <p:cNvPr id="61" name="TextBox 60"/>
+          <p:cNvSpPr txBox="1"/>
+          <p:nvPr/>
+        </p:nvSpPr>
+        <p:spPr>
+          <a:xfrm>
+            <a:off x="4420465" y="1989587"/>
+            <a:ext cx="1295400" cy="461665"/>
+          </a:xfrm>
+          <a:prstGeom prst="rect">
+            <a:avLst/>
+          </a:prstGeom>
+          <a:noFill/>
+        </p:spPr>
+        <p:txBody>
+          <a:bodyPr wrap="square" rtlCol="0">
+            <a:spAutoFit/>
+          </a:bodyPr>
+          <a:lstStyle/>
+          <a:p>
+            <a:r>
+              <a:rPr lang="en-US" sz="2400" dirty="0" smtClean="0">
+                <a:solidFill>
+                  <a:schemeClr val="tx2"/>
+                </a:solidFill>
+                <a:latin typeface="Times New Roman" pitchFamily="18" charset="0"/>
+                <a:cs typeface="Times New Roman" pitchFamily="18" charset="0"/>
+              </a:rPr>
+              <a:t>Cheap</a:t>
+            </a:r>
+          </a:p>
+        </p:txBody>
+      </p:sp>
+      <p:sp>
+        <p:nvSpPr>
+          <p:cNvPr id="62" name="TextBox 61"/>
+          <p:cNvSpPr txBox="1"/>
+          <p:nvPr/>
+        </p:nvSpPr>
+        <p:spPr>
+          <a:xfrm>
+            <a:off x="4206586" y="3694606"/>
+            <a:ext cx="1295400" cy="461665"/>
+          </a:xfrm>
+          <a:prstGeom prst="rect">
+            <a:avLst/>
+          </a:prstGeom>
+          <a:noFill/>
+        </p:spPr>
+        <p:txBody>
+          <a:bodyPr wrap="square" rtlCol="0">
+            <a:spAutoFit/>
+          </a:bodyPr>
+          <a:lstStyle/>
+          <a:p>
+            <a:r>
+              <a:rPr lang="en-US" sz="2400" dirty="0" smtClean="0">
+                <a:solidFill>
+                  <a:schemeClr val="tx2"/>
+                </a:solidFill>
+                <a:latin typeface="Times New Roman" pitchFamily="18" charset="0"/>
+                <a:cs typeface="Times New Roman" pitchFamily="18" charset="0"/>
+              </a:rPr>
+              <a:t>Male</a:t>
+            </a:r>
+            <a:endParaRPr lang="en-US" sz="2400" dirty="0">
+              <a:solidFill>
+                <a:schemeClr val="tx2"/>
+              </a:solidFill>
+              <a:latin typeface="Times New Roman" pitchFamily="18" charset="0"/>
+              <a:cs typeface="Times New Roman" pitchFamily="18" charset="0"/>
+            </a:endParaRPr>
+          </a:p>
+        </p:txBody>
+      </p:sp>
+      <p:sp>
+        <p:nvSpPr>
+          <p:cNvPr id="63" name="TextBox 62"/>
+          <p:cNvSpPr txBox="1"/>
+          <p:nvPr/>
+        </p:nvSpPr>
+        <p:spPr>
+          <a:xfrm>
+            <a:off x="6061362" y="3694606"/>
+            <a:ext cx="1295400" cy="461665"/>
+          </a:xfrm>
+          <a:prstGeom prst="rect">
+            <a:avLst/>
+          </a:prstGeom>
+          <a:noFill/>
+        </p:spPr>
+        <p:txBody>
+          <a:bodyPr wrap="square" rtlCol="0">
+            <a:spAutoFit/>
+          </a:bodyPr>
+          <a:lstStyle/>
+          <a:p>
+            <a:r>
+              <a:rPr lang="en-US" sz="2400" dirty="0" smtClean="0">
+                <a:solidFill>
+                  <a:schemeClr val="tx2"/>
+                </a:solidFill>
+                <a:latin typeface="Times New Roman" pitchFamily="18" charset="0"/>
+                <a:cs typeface="Times New Roman" pitchFamily="18" charset="0"/>
+              </a:rPr>
+              <a:t>Female</a:t>
+            </a:r>
+            <a:endParaRPr lang="en-US" sz="2400" dirty="0">
+              <a:solidFill>
+                <a:schemeClr val="tx2"/>
+              </a:solidFill>
+              <a:latin typeface="Times New Roman" pitchFamily="18" charset="0"/>
+              <a:cs typeface="Times New Roman" pitchFamily="18" charset="0"/>
+            </a:endParaRPr>
+          </a:p>
+        </p:txBody>
+      </p:sp>
+      <p:sp>
+        <p:nvSpPr>
+          <p:cNvPr id="25" name="Rounded Rectangle 24"/>
+          <p:cNvSpPr/>
+          <p:nvPr/>
+        </p:nvSpPr>
+        <p:spPr>
+          <a:xfrm>
+            <a:off x="5992088" y="4336474"/>
+            <a:ext cx="1676400" cy="838200"/>
+          </a:xfrm>
+          <a:prstGeom prst="roundRect">
+            <a:avLst/>
+          </a:prstGeom>
+        </p:spPr>
+        <p:style>
+          <a:lnRef idx="1">
+            <a:schemeClr val="accent2"/>
+          </a:lnRef>
+          <a:fillRef idx="2">
+            <a:schemeClr val="accent2"/>
+          </a:fillRef>
+          <a:effectRef idx="1">
+            <a:schemeClr val="accent2"/>
+          </a:effectRef>
+          <a:fontRef idx="minor">
+            <a:schemeClr val="dk1"/>
+          </a:fontRef>
+        </p:style>
+        <p:txBody>
+          <a:bodyPr rtlCol="0" anchor="ctr"/>
+          <a:lstStyle/>
+          <a:p>
+            <a:pPr algn="ctr"/>
+            <a:r>
+              <a:rPr lang="en-US" sz="2400" dirty="0" smtClean="0">
+                <a:latin typeface="Times New Roman" pitchFamily="18" charset="0"/>
+                <a:cs typeface="Times New Roman" pitchFamily="18" charset="0"/>
+              </a:rPr>
+              <a:t>Split further</a:t>
+            </a:r>
+            <a:endParaRPr lang="en-US" sz="2400" dirty="0">
+              <a:latin typeface="Times New Roman" pitchFamily="18" charset="0"/>
+              <a:cs typeface="Times New Roman" pitchFamily="18" charset="0"/>
+            </a:endParaRPr>
+          </a:p>
+        </p:txBody>
+      </p:sp>
+    </p:spTree>
+    <p:extLst>
+      <p:ext uri="{BB962C8B-B14F-4D97-AF65-F5344CB8AC3E}">
+        <p14:creationId xmlns:p14="http://schemas.microsoft.com/office/powerpoint/2010/main" val="2979282722"/>
       </p:ext>
     </p:extLst>
   </p:cSld>

--- a/Documents/Thesis Report Picture.pptx
+++ b/Documents/Thesis Report Picture.pptx
@@ -9,6 +9,7 @@
     <p:sldId id="257" r:id="rId3"/>
     <p:sldId id="258" r:id="rId4"/>
     <p:sldId id="259" r:id="rId5"/>
+    <p:sldId id="260" r:id="rId6"/>
   </p:sldIdLst>
   <p:sldSz cx="9144000" cy="6858000" type="screen4x3"/>
   <p:notesSz cx="6858000" cy="9144000"/>
@@ -291,7 +292,7 @@
           <a:p>
             <a:fld id="{AEBC359E-74D2-4BE3-B89B-803EEEC24772}" type="datetimeFigureOut">
               <a:rPr lang="en-US" smtClean="0"/>
-              <a:t>10/17/2011</a:t>
+              <a:t>11/22/2011</a:t>
             </a:fld>
             <a:endParaRPr lang="en-US"/>
           </a:p>
@@ -461,7 +462,7 @@
           <a:p>
             <a:fld id="{AEBC359E-74D2-4BE3-B89B-803EEEC24772}" type="datetimeFigureOut">
               <a:rPr lang="en-US" smtClean="0"/>
-              <a:t>10/17/2011</a:t>
+              <a:t>11/22/2011</a:t>
             </a:fld>
             <a:endParaRPr lang="en-US"/>
           </a:p>
@@ -641,7 +642,7 @@
           <a:p>
             <a:fld id="{AEBC359E-74D2-4BE3-B89B-803EEEC24772}" type="datetimeFigureOut">
               <a:rPr lang="en-US" smtClean="0"/>
-              <a:t>10/17/2011</a:t>
+              <a:t>11/22/2011</a:t>
             </a:fld>
             <a:endParaRPr lang="en-US"/>
           </a:p>
@@ -811,7 +812,7 @@
           <a:p>
             <a:fld id="{AEBC359E-74D2-4BE3-B89B-803EEEC24772}" type="datetimeFigureOut">
               <a:rPr lang="en-US" smtClean="0"/>
-              <a:t>10/17/2011</a:t>
+              <a:t>11/22/2011</a:t>
             </a:fld>
             <a:endParaRPr lang="en-US"/>
           </a:p>
@@ -1057,7 +1058,7 @@
           <a:p>
             <a:fld id="{AEBC359E-74D2-4BE3-B89B-803EEEC24772}" type="datetimeFigureOut">
               <a:rPr lang="en-US" smtClean="0"/>
-              <a:t>10/17/2011</a:t>
+              <a:t>11/22/2011</a:t>
             </a:fld>
             <a:endParaRPr lang="en-US"/>
           </a:p>
@@ -1345,7 +1346,7 @@
           <a:p>
             <a:fld id="{AEBC359E-74D2-4BE3-B89B-803EEEC24772}" type="datetimeFigureOut">
               <a:rPr lang="en-US" smtClean="0"/>
-              <a:t>10/17/2011</a:t>
+              <a:t>11/22/2011</a:t>
             </a:fld>
             <a:endParaRPr lang="en-US"/>
           </a:p>
@@ -1767,7 +1768,7 @@
           <a:p>
             <a:fld id="{AEBC359E-74D2-4BE3-B89B-803EEEC24772}" type="datetimeFigureOut">
               <a:rPr lang="en-US" smtClean="0"/>
-              <a:t>10/17/2011</a:t>
+              <a:t>11/22/2011</a:t>
             </a:fld>
             <a:endParaRPr lang="en-US"/>
           </a:p>
@@ -1885,7 +1886,7 @@
           <a:p>
             <a:fld id="{AEBC359E-74D2-4BE3-B89B-803EEEC24772}" type="datetimeFigureOut">
               <a:rPr lang="en-US" smtClean="0"/>
-              <a:t>10/17/2011</a:t>
+              <a:t>11/22/2011</a:t>
             </a:fld>
             <a:endParaRPr lang="en-US"/>
           </a:p>
@@ -1980,7 +1981,7 @@
           <a:p>
             <a:fld id="{AEBC359E-74D2-4BE3-B89B-803EEEC24772}" type="datetimeFigureOut">
               <a:rPr lang="en-US" smtClean="0"/>
-              <a:t>10/17/2011</a:t>
+              <a:t>11/22/2011</a:t>
             </a:fld>
             <a:endParaRPr lang="en-US"/>
           </a:p>
@@ -2257,7 +2258,7 @@
           <a:p>
             <a:fld id="{AEBC359E-74D2-4BE3-B89B-803EEEC24772}" type="datetimeFigureOut">
               <a:rPr lang="en-US" smtClean="0"/>
-              <a:t>10/17/2011</a:t>
+              <a:t>11/22/2011</a:t>
             </a:fld>
             <a:endParaRPr lang="en-US"/>
           </a:p>
@@ -2510,7 +2511,7 @@
           <a:p>
             <a:fld id="{AEBC359E-74D2-4BE3-B89B-803EEEC24772}" type="datetimeFigureOut">
               <a:rPr lang="en-US" smtClean="0"/>
-              <a:t>10/17/2011</a:t>
+              <a:t>11/22/2011</a:t>
             </a:fld>
             <a:endParaRPr lang="en-US"/>
           </a:p>
@@ -2723,7 +2724,7 @@
           <a:p>
             <a:fld id="{AEBC359E-74D2-4BE3-B89B-803EEEC24772}" type="datetimeFigureOut">
               <a:rPr lang="en-US" smtClean="0"/>
-              <a:t>10/17/2011</a:t>
+              <a:t>11/22/2011</a:t>
             </a:fld>
             <a:endParaRPr lang="en-US"/>
           </a:p>
@@ -5225,6 +5226,739 @@
     <p:extLst>
       <p:ext uri="{BB962C8B-B14F-4D97-AF65-F5344CB8AC3E}">
         <p14:creationId xmlns:p14="http://schemas.microsoft.com/office/powerpoint/2010/main" val="2979282722"/>
+      </p:ext>
+    </p:extLst>
+  </p:cSld>
+  <p:clrMapOvr>
+    <a:masterClrMapping/>
+  </p:clrMapOvr>
+</p:sld>
+</file>
+
+<file path=ppt/slides/slide5.xml><?xml version="1.0" encoding="utf-8"?>
+<p:sld xmlns:a="http://schemas.openxmlformats.org/drawingml/2006/main" xmlns:r="http://schemas.openxmlformats.org/officeDocument/2006/relationships" xmlns:p="http://schemas.openxmlformats.org/presentationml/2006/main">
+  <p:cSld>
+    <p:spTree>
+      <p:nvGrpSpPr>
+        <p:cNvPr id="1" name=""/>
+        <p:cNvGrpSpPr/>
+        <p:nvPr/>
+      </p:nvGrpSpPr>
+      <p:grpSpPr>
+        <a:xfrm>
+          <a:off x="0" y="0"/>
+          <a:ext cx="0" cy="0"/>
+          <a:chOff x="0" y="0"/>
+          <a:chExt cx="0" cy="0"/>
+        </a:xfrm>
+      </p:grpSpPr>
+      <p:sp>
+        <p:nvSpPr>
+          <p:cNvPr id="5" name="Oval 4"/>
+          <p:cNvSpPr/>
+          <p:nvPr/>
+        </p:nvSpPr>
+        <p:spPr>
+          <a:xfrm>
+            <a:off x="3886200" y="762000"/>
+            <a:ext cx="228600" cy="228600"/>
+          </a:xfrm>
+          <a:prstGeom prst="ellipse">
+            <a:avLst/>
+          </a:prstGeom>
+        </p:spPr>
+        <p:style>
+          <a:lnRef idx="2">
+            <a:schemeClr val="accent1">
+              <a:shade val="50000"/>
+            </a:schemeClr>
+          </a:lnRef>
+          <a:fillRef idx="1">
+            <a:schemeClr val="accent1"/>
+          </a:fillRef>
+          <a:effectRef idx="0">
+            <a:schemeClr val="accent1"/>
+          </a:effectRef>
+          <a:fontRef idx="minor">
+            <a:schemeClr val="lt1"/>
+          </a:fontRef>
+        </p:style>
+        <p:txBody>
+          <a:bodyPr rtlCol="0" anchor="ctr"/>
+          <a:lstStyle/>
+          <a:p>
+            <a:pPr algn="ctr"/>
+            <a:endParaRPr lang="en-US" sz="2400">
+              <a:latin typeface="Times New Roman" pitchFamily="18" charset="0"/>
+              <a:cs typeface="Times New Roman" pitchFamily="18" charset="0"/>
+            </a:endParaRPr>
+          </a:p>
+        </p:txBody>
+      </p:sp>
+      <p:sp>
+        <p:nvSpPr>
+          <p:cNvPr id="6" name="TextBox 5"/>
+          <p:cNvSpPr txBox="1"/>
+          <p:nvPr/>
+        </p:nvSpPr>
+        <p:spPr>
+          <a:xfrm>
+            <a:off x="3177101" y="392668"/>
+            <a:ext cx="2138727" cy="461665"/>
+          </a:xfrm>
+          <a:prstGeom prst="rect">
+            <a:avLst/>
+          </a:prstGeom>
+          <a:noFill/>
+        </p:spPr>
+        <p:txBody>
+          <a:bodyPr wrap="none" rtlCol="0">
+            <a:spAutoFit/>
+          </a:bodyPr>
+          <a:lstStyle/>
+          <a:p>
+            <a:r>
+              <a:rPr lang="en-US" sz="2400" dirty="0" smtClean="0">
+                <a:latin typeface="Times New Roman" pitchFamily="18" charset="0"/>
+                <a:cs typeface="Times New Roman" pitchFamily="18" charset="0"/>
+              </a:rPr>
+              <a:t>Animate Object</a:t>
+            </a:r>
+          </a:p>
+        </p:txBody>
+      </p:sp>
+      <p:sp>
+        <p:nvSpPr>
+          <p:cNvPr id="8" name="Oval 7"/>
+          <p:cNvSpPr/>
+          <p:nvPr/>
+        </p:nvSpPr>
+        <p:spPr>
+          <a:xfrm>
+            <a:off x="3446117" y="1848305"/>
+            <a:ext cx="228600" cy="228600"/>
+          </a:xfrm>
+          <a:prstGeom prst="ellipse">
+            <a:avLst/>
+          </a:prstGeom>
+        </p:spPr>
+        <p:style>
+          <a:lnRef idx="2">
+            <a:schemeClr val="accent1">
+              <a:shade val="50000"/>
+            </a:schemeClr>
+          </a:lnRef>
+          <a:fillRef idx="1">
+            <a:schemeClr val="accent1"/>
+          </a:fillRef>
+          <a:effectRef idx="0">
+            <a:schemeClr val="accent1"/>
+          </a:effectRef>
+          <a:fontRef idx="minor">
+            <a:schemeClr val="lt1"/>
+          </a:fontRef>
+        </p:style>
+        <p:txBody>
+          <a:bodyPr rtlCol="0" anchor="ctr"/>
+          <a:lstStyle/>
+          <a:p>
+            <a:pPr algn="ctr"/>
+            <a:endParaRPr lang="en-US" sz="2400">
+              <a:latin typeface="Times New Roman" pitchFamily="18" charset="0"/>
+              <a:cs typeface="Times New Roman" pitchFamily="18" charset="0"/>
+            </a:endParaRPr>
+          </a:p>
+        </p:txBody>
+      </p:sp>
+      <p:sp>
+        <p:nvSpPr>
+          <p:cNvPr id="9" name="TextBox 8"/>
+          <p:cNvSpPr txBox="1"/>
+          <p:nvPr/>
+        </p:nvSpPr>
+        <p:spPr>
+          <a:xfrm>
+            <a:off x="3746366" y="1775494"/>
+            <a:ext cx="936475" cy="461665"/>
+          </a:xfrm>
+          <a:prstGeom prst="rect">
+            <a:avLst/>
+          </a:prstGeom>
+          <a:noFill/>
+        </p:spPr>
+        <p:txBody>
+          <a:bodyPr wrap="none" rtlCol="0">
+            <a:spAutoFit/>
+          </a:bodyPr>
+          <a:lstStyle/>
+          <a:p>
+            <a:r>
+              <a:rPr lang="en-US" sz="2400" dirty="0" smtClean="0">
+                <a:latin typeface="Times New Roman" pitchFamily="18" charset="0"/>
+                <a:cs typeface="Times New Roman" pitchFamily="18" charset="0"/>
+              </a:rPr>
+              <a:t>Agent</a:t>
+            </a:r>
+          </a:p>
+        </p:txBody>
+      </p:sp>
+      <p:sp>
+        <p:nvSpPr>
+          <p:cNvPr id="10" name="Oval 9"/>
+          <p:cNvSpPr/>
+          <p:nvPr/>
+        </p:nvSpPr>
+        <p:spPr>
+          <a:xfrm>
+            <a:off x="5127341" y="2842701"/>
+            <a:ext cx="228600" cy="228600"/>
+          </a:xfrm>
+          <a:prstGeom prst="ellipse">
+            <a:avLst/>
+          </a:prstGeom>
+        </p:spPr>
+        <p:style>
+          <a:lnRef idx="2">
+            <a:schemeClr val="accent1">
+              <a:shade val="50000"/>
+            </a:schemeClr>
+          </a:lnRef>
+          <a:fillRef idx="1">
+            <a:schemeClr val="accent1"/>
+          </a:fillRef>
+          <a:effectRef idx="0">
+            <a:schemeClr val="accent1"/>
+          </a:effectRef>
+          <a:fontRef idx="minor">
+            <a:schemeClr val="lt1"/>
+          </a:fontRef>
+        </p:style>
+        <p:txBody>
+          <a:bodyPr rtlCol="0" anchor="ctr"/>
+          <a:lstStyle/>
+          <a:p>
+            <a:pPr algn="ctr"/>
+            <a:endParaRPr lang="en-US" sz="2400">
+              <a:latin typeface="Times New Roman" pitchFamily="18" charset="0"/>
+              <a:cs typeface="Times New Roman" pitchFamily="18" charset="0"/>
+            </a:endParaRPr>
+          </a:p>
+        </p:txBody>
+      </p:sp>
+      <p:sp>
+        <p:nvSpPr>
+          <p:cNvPr id="11" name="TextBox 10"/>
+          <p:cNvSpPr txBox="1"/>
+          <p:nvPr/>
+        </p:nvSpPr>
+        <p:spPr>
+          <a:xfrm>
+            <a:off x="4554882" y="3110632"/>
+            <a:ext cx="1783693" cy="461665"/>
+          </a:xfrm>
+          <a:prstGeom prst="rect">
+            <a:avLst/>
+          </a:prstGeom>
+          <a:noFill/>
+        </p:spPr>
+        <p:txBody>
+          <a:bodyPr wrap="none" rtlCol="0">
+            <a:spAutoFit/>
+          </a:bodyPr>
+          <a:lstStyle/>
+          <a:p>
+            <a:r>
+              <a:rPr lang="en-US" sz="2400" dirty="0" smtClean="0">
+                <a:latin typeface="Times New Roman" pitchFamily="18" charset="0"/>
+                <a:cs typeface="Times New Roman" pitchFamily="18" charset="0"/>
+              </a:rPr>
+              <a:t>Organization</a:t>
+            </a:r>
+          </a:p>
+        </p:txBody>
+      </p:sp>
+      <p:sp>
+        <p:nvSpPr>
+          <p:cNvPr id="12" name="Oval 11"/>
+          <p:cNvSpPr/>
+          <p:nvPr/>
+        </p:nvSpPr>
+        <p:spPr>
+          <a:xfrm>
+            <a:off x="2423599" y="2842701"/>
+            <a:ext cx="228600" cy="228600"/>
+          </a:xfrm>
+          <a:prstGeom prst="ellipse">
+            <a:avLst/>
+          </a:prstGeom>
+        </p:spPr>
+        <p:style>
+          <a:lnRef idx="2">
+            <a:schemeClr val="accent1">
+              <a:shade val="50000"/>
+            </a:schemeClr>
+          </a:lnRef>
+          <a:fillRef idx="1">
+            <a:schemeClr val="accent1"/>
+          </a:fillRef>
+          <a:effectRef idx="0">
+            <a:schemeClr val="accent1"/>
+          </a:effectRef>
+          <a:fontRef idx="minor">
+            <a:schemeClr val="lt1"/>
+          </a:fontRef>
+        </p:style>
+        <p:txBody>
+          <a:bodyPr rtlCol="0" anchor="ctr"/>
+          <a:lstStyle/>
+          <a:p>
+            <a:pPr algn="ctr"/>
+            <a:endParaRPr lang="en-US" sz="2400">
+              <a:latin typeface="Times New Roman" pitchFamily="18" charset="0"/>
+              <a:cs typeface="Times New Roman" pitchFamily="18" charset="0"/>
+            </a:endParaRPr>
+          </a:p>
+        </p:txBody>
+      </p:sp>
+      <p:sp>
+        <p:nvSpPr>
+          <p:cNvPr id="13" name="TextBox 12"/>
+          <p:cNvSpPr txBox="1"/>
+          <p:nvPr/>
+        </p:nvSpPr>
+        <p:spPr>
+          <a:xfrm>
+            <a:off x="2122144" y="2480296"/>
+            <a:ext cx="1023037" cy="461665"/>
+          </a:xfrm>
+          <a:prstGeom prst="rect">
+            <a:avLst/>
+          </a:prstGeom>
+          <a:noFill/>
+        </p:spPr>
+        <p:txBody>
+          <a:bodyPr wrap="none" rtlCol="0">
+            <a:spAutoFit/>
+          </a:bodyPr>
+          <a:lstStyle/>
+          <a:p>
+            <a:r>
+              <a:rPr lang="en-US" sz="2400" dirty="0" smtClean="0">
+                <a:latin typeface="Times New Roman" pitchFamily="18" charset="0"/>
+                <a:cs typeface="Times New Roman" pitchFamily="18" charset="0"/>
+              </a:rPr>
+              <a:t>Person</a:t>
+            </a:r>
+          </a:p>
+        </p:txBody>
+      </p:sp>
+      <p:sp>
+        <p:nvSpPr>
+          <p:cNvPr id="14" name="Oval 13"/>
+          <p:cNvSpPr/>
+          <p:nvPr/>
+        </p:nvSpPr>
+        <p:spPr>
+          <a:xfrm>
+            <a:off x="1575699" y="3843064"/>
+            <a:ext cx="228600" cy="228600"/>
+          </a:xfrm>
+          <a:prstGeom prst="ellipse">
+            <a:avLst/>
+          </a:prstGeom>
+        </p:spPr>
+        <p:style>
+          <a:lnRef idx="2">
+            <a:schemeClr val="accent1">
+              <a:shade val="50000"/>
+            </a:schemeClr>
+          </a:lnRef>
+          <a:fillRef idx="1">
+            <a:schemeClr val="accent1"/>
+          </a:fillRef>
+          <a:effectRef idx="0">
+            <a:schemeClr val="accent1"/>
+          </a:effectRef>
+          <a:fontRef idx="minor">
+            <a:schemeClr val="lt1"/>
+          </a:fontRef>
+        </p:style>
+        <p:txBody>
+          <a:bodyPr rtlCol="0" anchor="ctr"/>
+          <a:lstStyle/>
+          <a:p>
+            <a:pPr algn="ctr"/>
+            <a:endParaRPr lang="en-US" sz="2400">
+              <a:latin typeface="Times New Roman" pitchFamily="18" charset="0"/>
+              <a:cs typeface="Times New Roman" pitchFamily="18" charset="0"/>
+            </a:endParaRPr>
+          </a:p>
+        </p:txBody>
+      </p:sp>
+      <p:sp>
+        <p:nvSpPr>
+          <p:cNvPr id="15" name="TextBox 14"/>
+          <p:cNvSpPr txBox="1"/>
+          <p:nvPr/>
+        </p:nvSpPr>
+        <p:spPr>
+          <a:xfrm>
+            <a:off x="1176236" y="4071664"/>
+            <a:ext cx="1277914" cy="461665"/>
+          </a:xfrm>
+          <a:prstGeom prst="rect">
+            <a:avLst/>
+          </a:prstGeom>
+          <a:noFill/>
+        </p:spPr>
+        <p:txBody>
+          <a:bodyPr wrap="none" rtlCol="0">
+            <a:spAutoFit/>
+          </a:bodyPr>
+          <a:lstStyle/>
+          <a:p>
+            <a:r>
+              <a:rPr lang="en-US" sz="2400" dirty="0" smtClean="0">
+                <a:latin typeface="Times New Roman" pitchFamily="18" charset="0"/>
+                <a:cs typeface="Times New Roman" pitchFamily="18" charset="0"/>
+              </a:rPr>
+              <a:t>Manager</a:t>
+            </a:r>
+          </a:p>
+        </p:txBody>
+      </p:sp>
+      <p:sp>
+        <p:nvSpPr>
+          <p:cNvPr id="16" name="Oval 15"/>
+          <p:cNvSpPr/>
+          <p:nvPr/>
+        </p:nvSpPr>
+        <p:spPr>
+          <a:xfrm>
+            <a:off x="3446117" y="3843064"/>
+            <a:ext cx="228600" cy="228600"/>
+          </a:xfrm>
+          <a:prstGeom prst="ellipse">
+            <a:avLst/>
+          </a:prstGeom>
+        </p:spPr>
+        <p:style>
+          <a:lnRef idx="2">
+            <a:schemeClr val="accent1">
+              <a:shade val="50000"/>
+            </a:schemeClr>
+          </a:lnRef>
+          <a:fillRef idx="1">
+            <a:schemeClr val="accent1"/>
+          </a:fillRef>
+          <a:effectRef idx="0">
+            <a:schemeClr val="accent1"/>
+          </a:effectRef>
+          <a:fontRef idx="minor">
+            <a:schemeClr val="lt1"/>
+          </a:fontRef>
+        </p:style>
+        <p:txBody>
+          <a:bodyPr rtlCol="0" anchor="ctr"/>
+          <a:lstStyle/>
+          <a:p>
+            <a:pPr algn="ctr"/>
+            <a:endParaRPr lang="en-US" sz="2400">
+              <a:latin typeface="Times New Roman" pitchFamily="18" charset="0"/>
+              <a:cs typeface="Times New Roman" pitchFamily="18" charset="0"/>
+            </a:endParaRPr>
+          </a:p>
+        </p:txBody>
+      </p:sp>
+      <p:sp>
+        <p:nvSpPr>
+          <p:cNvPr id="17" name="TextBox 16"/>
+          <p:cNvSpPr txBox="1"/>
+          <p:nvPr/>
+        </p:nvSpPr>
+        <p:spPr>
+          <a:xfrm>
+            <a:off x="3006035" y="4071664"/>
+            <a:ext cx="1430200" cy="461665"/>
+          </a:xfrm>
+          <a:prstGeom prst="rect">
+            <a:avLst/>
+          </a:prstGeom>
+          <a:noFill/>
+        </p:spPr>
+        <p:txBody>
+          <a:bodyPr wrap="none" rtlCol="0">
+            <a:spAutoFit/>
+          </a:bodyPr>
+          <a:lstStyle/>
+          <a:p>
+            <a:r>
+              <a:rPr lang="en-US" sz="2400" dirty="0" smtClean="0">
+                <a:latin typeface="Times New Roman" pitchFamily="18" charset="0"/>
+                <a:cs typeface="Times New Roman" pitchFamily="18" charset="0"/>
+              </a:rPr>
+              <a:t>Employee</a:t>
+            </a:r>
+          </a:p>
+        </p:txBody>
+      </p:sp>
+      <p:cxnSp>
+        <p:nvCxnSpPr>
+          <p:cNvPr id="19" name="Curved Connector 18"/>
+          <p:cNvCxnSpPr>
+            <a:stCxn id="12" idx="6"/>
+            <a:endCxn id="8" idx="4"/>
+          </p:cNvCxnSpPr>
+          <p:nvPr/>
+        </p:nvCxnSpPr>
+        <p:spPr>
+          <a:xfrm flipV="1">
+            <a:off x="2652199" y="2076905"/>
+            <a:ext cx="908218" cy="880096"/>
+          </a:xfrm>
+          <a:prstGeom prst="curvedConnector2">
+            <a:avLst/>
+          </a:prstGeom>
+          <a:ln>
+            <a:tailEnd type="arrow"/>
+          </a:ln>
+        </p:spPr>
+        <p:style>
+          <a:lnRef idx="1">
+            <a:schemeClr val="accent1"/>
+          </a:lnRef>
+          <a:fillRef idx="0">
+            <a:schemeClr val="accent1"/>
+          </a:fillRef>
+          <a:effectRef idx="0">
+            <a:schemeClr val="accent1"/>
+          </a:effectRef>
+          <a:fontRef idx="minor">
+            <a:schemeClr val="tx1"/>
+          </a:fontRef>
+        </p:style>
+      </p:cxnSp>
+      <p:cxnSp>
+        <p:nvCxnSpPr>
+          <p:cNvPr id="39" name="Curved Connector 38"/>
+          <p:cNvCxnSpPr>
+            <a:stCxn id="16" idx="0"/>
+            <a:endCxn id="12" idx="5"/>
+          </p:cNvCxnSpPr>
+          <p:nvPr/>
+        </p:nvCxnSpPr>
+        <p:spPr>
+          <a:xfrm rot="16200000" flipV="1">
+            <a:off x="2686949" y="2969596"/>
+            <a:ext cx="805241" cy="941696"/>
+          </a:xfrm>
+          <a:prstGeom prst="curvedConnector3">
+            <a:avLst>
+              <a:gd name="adj1" fmla="val 50000"/>
+            </a:avLst>
+          </a:prstGeom>
+          <a:ln>
+            <a:tailEnd type="arrow"/>
+          </a:ln>
+        </p:spPr>
+        <p:style>
+          <a:lnRef idx="1">
+            <a:schemeClr val="accent1"/>
+          </a:lnRef>
+          <a:fillRef idx="0">
+            <a:schemeClr val="accent1"/>
+          </a:fillRef>
+          <a:effectRef idx="0">
+            <a:schemeClr val="accent1"/>
+          </a:effectRef>
+          <a:fontRef idx="minor">
+            <a:schemeClr val="tx1"/>
+          </a:fontRef>
+        </p:style>
+      </p:cxnSp>
+      <p:cxnSp>
+        <p:nvCxnSpPr>
+          <p:cNvPr id="43" name="Curved Connector 42"/>
+          <p:cNvCxnSpPr>
+            <a:stCxn id="14" idx="1"/>
+            <a:endCxn id="12" idx="3"/>
+          </p:cNvCxnSpPr>
+          <p:nvPr/>
+        </p:nvCxnSpPr>
+        <p:spPr>
+          <a:xfrm rot="5400000" flipH="1" flipV="1">
+            <a:off x="1613768" y="3033233"/>
+            <a:ext cx="838719" cy="847900"/>
+          </a:xfrm>
+          <a:prstGeom prst="curvedConnector3">
+            <a:avLst/>
+          </a:prstGeom>
+          <a:ln>
+            <a:tailEnd type="arrow"/>
+          </a:ln>
+        </p:spPr>
+        <p:style>
+          <a:lnRef idx="1">
+            <a:schemeClr val="accent1"/>
+          </a:lnRef>
+          <a:fillRef idx="0">
+            <a:schemeClr val="accent1"/>
+          </a:fillRef>
+          <a:effectRef idx="0">
+            <a:schemeClr val="accent1"/>
+          </a:effectRef>
+          <a:fontRef idx="minor">
+            <a:schemeClr val="tx1"/>
+          </a:fontRef>
+        </p:style>
+      </p:cxnSp>
+      <p:cxnSp>
+        <p:nvCxnSpPr>
+          <p:cNvPr id="45" name="Curved Connector 44"/>
+          <p:cNvCxnSpPr>
+            <a:stCxn id="10" idx="1"/>
+            <a:endCxn id="8" idx="5"/>
+          </p:cNvCxnSpPr>
+          <p:nvPr/>
+        </p:nvCxnSpPr>
+        <p:spPr>
+          <a:xfrm rot="16200000" flipV="1">
+            <a:off x="3984653" y="1700013"/>
+            <a:ext cx="832752" cy="1519580"/>
+          </a:xfrm>
+          <a:prstGeom prst="curvedConnector3">
+            <a:avLst/>
+          </a:prstGeom>
+          <a:ln>
+            <a:tailEnd type="arrow"/>
+          </a:ln>
+        </p:spPr>
+        <p:style>
+          <a:lnRef idx="1">
+            <a:schemeClr val="accent1"/>
+          </a:lnRef>
+          <a:fillRef idx="0">
+            <a:schemeClr val="accent1"/>
+          </a:fillRef>
+          <a:effectRef idx="0">
+            <a:schemeClr val="accent1"/>
+          </a:effectRef>
+          <a:fontRef idx="minor">
+            <a:schemeClr val="tx1"/>
+          </a:fontRef>
+        </p:style>
+      </p:cxnSp>
+      <p:cxnSp>
+        <p:nvCxnSpPr>
+          <p:cNvPr id="47" name="Curved Connector 46"/>
+          <p:cNvCxnSpPr>
+            <a:stCxn id="8" idx="0"/>
+            <a:endCxn id="5" idx="3"/>
+          </p:cNvCxnSpPr>
+          <p:nvPr/>
+        </p:nvCxnSpPr>
+        <p:spPr>
+          <a:xfrm rot="5400000" flipH="1" flipV="1">
+            <a:off x="3294456" y="1223084"/>
+            <a:ext cx="891183" cy="359261"/>
+          </a:xfrm>
+          <a:prstGeom prst="curvedConnector3">
+            <a:avLst>
+              <a:gd name="adj1" fmla="val 62071"/>
+            </a:avLst>
+          </a:prstGeom>
+          <a:ln>
+            <a:tailEnd type="arrow"/>
+          </a:ln>
+        </p:spPr>
+        <p:style>
+          <a:lnRef idx="1">
+            <a:schemeClr val="accent1"/>
+          </a:lnRef>
+          <a:fillRef idx="0">
+            <a:schemeClr val="accent1"/>
+          </a:fillRef>
+          <a:effectRef idx="0">
+            <a:schemeClr val="accent1"/>
+          </a:effectRef>
+          <a:fontRef idx="minor">
+            <a:schemeClr val="tx1"/>
+          </a:fontRef>
+        </p:style>
+      </p:cxnSp>
+      <p:cxnSp>
+        <p:nvCxnSpPr>
+          <p:cNvPr id="54" name="Straight Arrow Connector 53"/>
+          <p:cNvCxnSpPr/>
+          <p:nvPr/>
+        </p:nvCxnSpPr>
+        <p:spPr>
+          <a:xfrm>
+            <a:off x="6750424" y="2076905"/>
+            <a:ext cx="914400" cy="0"/>
+          </a:xfrm>
+          <a:prstGeom prst="straightConnector1">
+            <a:avLst/>
+          </a:prstGeom>
+          <a:ln>
+            <a:tailEnd type="arrow"/>
+          </a:ln>
+        </p:spPr>
+        <p:style>
+          <a:lnRef idx="1">
+            <a:schemeClr val="accent1"/>
+          </a:lnRef>
+          <a:fillRef idx="0">
+            <a:schemeClr val="accent1"/>
+          </a:fillRef>
+          <a:effectRef idx="0">
+            <a:schemeClr val="accent1"/>
+          </a:effectRef>
+          <a:fontRef idx="minor">
+            <a:schemeClr val="tx1"/>
+          </a:fontRef>
+        </p:style>
+      </p:cxnSp>
+      <p:sp>
+        <p:nvSpPr>
+          <p:cNvPr id="55" name="TextBox 54"/>
+          <p:cNvSpPr txBox="1"/>
+          <p:nvPr/>
+        </p:nvSpPr>
+        <p:spPr>
+          <a:xfrm>
+            <a:off x="6642848" y="1495809"/>
+            <a:ext cx="1595309" cy="461665"/>
+          </a:xfrm>
+          <a:prstGeom prst="rect">
+            <a:avLst/>
+          </a:prstGeom>
+          <a:noFill/>
+        </p:spPr>
+        <p:txBody>
+          <a:bodyPr wrap="none" rtlCol="0">
+            <a:spAutoFit/>
+          </a:bodyPr>
+          <a:lstStyle/>
+          <a:p>
+            <a:r>
+              <a:rPr lang="en-US" sz="2400" dirty="0" smtClean="0">
+                <a:latin typeface="Times New Roman" pitchFamily="18" charset="0"/>
+                <a:cs typeface="Times New Roman" pitchFamily="18" charset="0"/>
+              </a:rPr>
+              <a:t>Subclass of</a:t>
+            </a:r>
+            <a:endParaRPr lang="en-US" sz="2400" dirty="0">
+              <a:latin typeface="Times New Roman" pitchFamily="18" charset="0"/>
+              <a:cs typeface="Times New Roman" pitchFamily="18" charset="0"/>
+            </a:endParaRPr>
+          </a:p>
+        </p:txBody>
+      </p:sp>
+    </p:spTree>
+    <p:extLst>
+      <p:ext uri="{BB962C8B-B14F-4D97-AF65-F5344CB8AC3E}">
+        <p14:creationId xmlns:p14="http://schemas.microsoft.com/office/powerpoint/2010/main" val="2673559864"/>
       </p:ext>
     </p:extLst>
   </p:cSld>

--- a/Documents/Thesis Report Picture.pptx
+++ b/Documents/Thesis Report Picture.pptx
@@ -10,6 +10,7 @@
     <p:sldId id="258" r:id="rId4"/>
     <p:sldId id="259" r:id="rId5"/>
     <p:sldId id="260" r:id="rId6"/>
+    <p:sldId id="261" r:id="rId7"/>
   </p:sldIdLst>
   <p:sldSz cx="9144000" cy="6858000" type="screen4x3"/>
   <p:notesSz cx="6858000" cy="9144000"/>
@@ -5959,6 +5960,500 @@
     <p:extLst>
       <p:ext uri="{BB962C8B-B14F-4D97-AF65-F5344CB8AC3E}">
         <p14:creationId xmlns:p14="http://schemas.microsoft.com/office/powerpoint/2010/main" val="2673559864"/>
+      </p:ext>
+    </p:extLst>
+  </p:cSld>
+  <p:clrMapOvr>
+    <a:masterClrMapping/>
+  </p:clrMapOvr>
+</p:sld>
+</file>
+
+<file path=ppt/slides/slide6.xml><?xml version="1.0" encoding="utf-8"?>
+<p:sld xmlns:a="http://schemas.openxmlformats.org/drawingml/2006/main" xmlns:r="http://schemas.openxmlformats.org/officeDocument/2006/relationships" xmlns:p="http://schemas.openxmlformats.org/presentationml/2006/main">
+  <p:cSld>
+    <p:spTree>
+      <p:nvGrpSpPr>
+        <p:cNvPr id="1" name=""/>
+        <p:cNvGrpSpPr/>
+        <p:nvPr/>
+      </p:nvGrpSpPr>
+      <p:grpSpPr>
+        <a:xfrm>
+          <a:off x="0" y="0"/>
+          <a:ext cx="0" cy="0"/>
+          <a:chOff x="0" y="0"/>
+          <a:chExt cx="0" cy="0"/>
+        </a:xfrm>
+      </p:grpSpPr>
+      <p:sp>
+        <p:nvSpPr>
+          <p:cNvPr id="5" name="Oval 4"/>
+          <p:cNvSpPr/>
+          <p:nvPr/>
+        </p:nvSpPr>
+        <p:spPr>
+          <a:xfrm>
+            <a:off x="3886200" y="762000"/>
+            <a:ext cx="228600" cy="228600"/>
+          </a:xfrm>
+          <a:prstGeom prst="ellipse">
+            <a:avLst/>
+          </a:prstGeom>
+        </p:spPr>
+        <p:style>
+          <a:lnRef idx="2">
+            <a:schemeClr val="accent1">
+              <a:shade val="50000"/>
+            </a:schemeClr>
+          </a:lnRef>
+          <a:fillRef idx="1">
+            <a:schemeClr val="accent1"/>
+          </a:fillRef>
+          <a:effectRef idx="0">
+            <a:schemeClr val="accent1"/>
+          </a:effectRef>
+          <a:fontRef idx="minor">
+            <a:schemeClr val="lt1"/>
+          </a:fontRef>
+        </p:style>
+        <p:txBody>
+          <a:bodyPr rtlCol="0" anchor="ctr"/>
+          <a:lstStyle/>
+          <a:p>
+            <a:pPr algn="ctr"/>
+            <a:endParaRPr lang="en-US" sz="2400">
+              <a:latin typeface="Times New Roman" pitchFamily="18" charset="0"/>
+              <a:cs typeface="Times New Roman" pitchFamily="18" charset="0"/>
+            </a:endParaRPr>
+          </a:p>
+        </p:txBody>
+      </p:sp>
+      <p:sp>
+        <p:nvSpPr>
+          <p:cNvPr id="6" name="TextBox 5"/>
+          <p:cNvSpPr txBox="1"/>
+          <p:nvPr/>
+        </p:nvSpPr>
+        <p:spPr>
+          <a:xfrm>
+            <a:off x="3489783" y="346639"/>
+            <a:ext cx="1021433" cy="461665"/>
+          </a:xfrm>
+          <a:prstGeom prst="rect">
+            <a:avLst/>
+          </a:prstGeom>
+          <a:noFill/>
+        </p:spPr>
+        <p:txBody>
+          <a:bodyPr wrap="none" rtlCol="0">
+            <a:spAutoFit/>
+          </a:bodyPr>
+          <a:lstStyle/>
+          <a:p>
+            <a:r>
+              <a:rPr lang="en-US" sz="2400" dirty="0" smtClean="0">
+                <a:latin typeface="Times New Roman" pitchFamily="18" charset="0"/>
+                <a:cs typeface="Times New Roman" pitchFamily="18" charset="0"/>
+              </a:rPr>
+              <a:t>Profile</a:t>
+            </a:r>
+            <a:endParaRPr lang="en-US" sz="2400" dirty="0" smtClean="0">
+              <a:latin typeface="Times New Roman" pitchFamily="18" charset="0"/>
+              <a:cs typeface="Times New Roman" pitchFamily="18" charset="0"/>
+            </a:endParaRPr>
+          </a:p>
+        </p:txBody>
+      </p:sp>
+      <p:cxnSp>
+        <p:nvCxnSpPr>
+          <p:cNvPr id="54" name="Straight Arrow Connector 53"/>
+          <p:cNvCxnSpPr/>
+          <p:nvPr/>
+        </p:nvCxnSpPr>
+        <p:spPr>
+          <a:xfrm>
+            <a:off x="7194176" y="1110031"/>
+            <a:ext cx="914400" cy="0"/>
+          </a:xfrm>
+          <a:prstGeom prst="straightConnector1">
+            <a:avLst/>
+          </a:prstGeom>
+          <a:ln>
+            <a:tailEnd type="arrow"/>
+          </a:ln>
+        </p:spPr>
+        <p:style>
+          <a:lnRef idx="1">
+            <a:schemeClr val="accent1"/>
+          </a:lnRef>
+          <a:fillRef idx="0">
+            <a:schemeClr val="accent1"/>
+          </a:fillRef>
+          <a:effectRef idx="0">
+            <a:schemeClr val="accent1"/>
+          </a:effectRef>
+          <a:fontRef idx="minor">
+            <a:schemeClr val="tx1"/>
+          </a:fontRef>
+        </p:style>
+      </p:cxnSp>
+      <p:sp>
+        <p:nvSpPr>
+          <p:cNvPr id="55" name="TextBox 54"/>
+          <p:cNvSpPr txBox="1"/>
+          <p:nvPr/>
+        </p:nvSpPr>
+        <p:spPr>
+          <a:xfrm>
+            <a:off x="7086600" y="528935"/>
+            <a:ext cx="1595309" cy="461665"/>
+          </a:xfrm>
+          <a:prstGeom prst="rect">
+            <a:avLst/>
+          </a:prstGeom>
+          <a:noFill/>
+        </p:spPr>
+        <p:txBody>
+          <a:bodyPr wrap="none" rtlCol="0">
+            <a:spAutoFit/>
+          </a:bodyPr>
+          <a:lstStyle/>
+          <a:p>
+            <a:r>
+              <a:rPr lang="en-US" sz="2400" dirty="0" smtClean="0">
+                <a:latin typeface="Times New Roman" pitchFamily="18" charset="0"/>
+                <a:cs typeface="Times New Roman" pitchFamily="18" charset="0"/>
+              </a:rPr>
+              <a:t>Subclass of</a:t>
+            </a:r>
+            <a:endParaRPr lang="en-US" sz="2400" dirty="0">
+              <a:latin typeface="Times New Roman" pitchFamily="18" charset="0"/>
+              <a:cs typeface="Times New Roman" pitchFamily="18" charset="0"/>
+            </a:endParaRPr>
+          </a:p>
+        </p:txBody>
+      </p:sp>
+      <p:sp>
+        <p:nvSpPr>
+          <p:cNvPr id="21" name="Oval 20"/>
+          <p:cNvSpPr/>
+          <p:nvPr/>
+        </p:nvSpPr>
+        <p:spPr>
+          <a:xfrm>
+            <a:off x="1006017" y="1939154"/>
+            <a:ext cx="228600" cy="228600"/>
+          </a:xfrm>
+          <a:prstGeom prst="ellipse">
+            <a:avLst/>
+          </a:prstGeom>
+        </p:spPr>
+        <p:style>
+          <a:lnRef idx="2">
+            <a:schemeClr val="accent1">
+              <a:shade val="50000"/>
+            </a:schemeClr>
+          </a:lnRef>
+          <a:fillRef idx="1">
+            <a:schemeClr val="accent1"/>
+          </a:fillRef>
+          <a:effectRef idx="0">
+            <a:schemeClr val="accent1"/>
+          </a:effectRef>
+          <a:fontRef idx="minor">
+            <a:schemeClr val="lt1"/>
+          </a:fontRef>
+        </p:style>
+        <p:txBody>
+          <a:bodyPr rtlCol="0" anchor="ctr"/>
+          <a:lstStyle/>
+          <a:p>
+            <a:pPr algn="ctr"/>
+            <a:endParaRPr lang="en-US" sz="2400">
+              <a:latin typeface="Times New Roman" pitchFamily="18" charset="0"/>
+              <a:cs typeface="Times New Roman" pitchFamily="18" charset="0"/>
+            </a:endParaRPr>
+          </a:p>
+        </p:txBody>
+      </p:sp>
+      <p:sp>
+        <p:nvSpPr>
+          <p:cNvPr id="22" name="TextBox 21"/>
+          <p:cNvSpPr txBox="1"/>
+          <p:nvPr/>
+        </p:nvSpPr>
+        <p:spPr>
+          <a:xfrm>
+            <a:off x="737840" y="2214789"/>
+            <a:ext cx="764953" cy="461665"/>
+          </a:xfrm>
+          <a:prstGeom prst="rect">
+            <a:avLst/>
+          </a:prstGeom>
+          <a:noFill/>
+        </p:spPr>
+        <p:txBody>
+          <a:bodyPr wrap="none" rtlCol="0">
+            <a:spAutoFit/>
+          </a:bodyPr>
+          <a:lstStyle/>
+          <a:p>
+            <a:r>
+              <a:rPr lang="en-US" sz="2400" dirty="0" smtClean="0">
+                <a:latin typeface="Times New Roman" pitchFamily="18" charset="0"/>
+                <a:cs typeface="Times New Roman" pitchFamily="18" charset="0"/>
+              </a:rPr>
+              <a:t>Skill</a:t>
+            </a:r>
+            <a:endParaRPr lang="en-US" sz="2400" dirty="0" smtClean="0">
+              <a:latin typeface="Times New Roman" pitchFamily="18" charset="0"/>
+              <a:cs typeface="Times New Roman" pitchFamily="18" charset="0"/>
+            </a:endParaRPr>
+          </a:p>
+        </p:txBody>
+      </p:sp>
+      <p:sp>
+        <p:nvSpPr>
+          <p:cNvPr id="23" name="Oval 22"/>
+          <p:cNvSpPr/>
+          <p:nvPr/>
+        </p:nvSpPr>
+        <p:spPr>
+          <a:xfrm>
+            <a:off x="2407568" y="1939153"/>
+            <a:ext cx="228600" cy="228600"/>
+          </a:xfrm>
+          <a:prstGeom prst="ellipse">
+            <a:avLst/>
+          </a:prstGeom>
+        </p:spPr>
+        <p:style>
+          <a:lnRef idx="2">
+            <a:schemeClr val="accent1">
+              <a:shade val="50000"/>
+            </a:schemeClr>
+          </a:lnRef>
+          <a:fillRef idx="1">
+            <a:schemeClr val="accent1"/>
+          </a:fillRef>
+          <a:effectRef idx="0">
+            <a:schemeClr val="accent1"/>
+          </a:effectRef>
+          <a:fontRef idx="minor">
+            <a:schemeClr val="lt1"/>
+          </a:fontRef>
+        </p:style>
+        <p:txBody>
+          <a:bodyPr rtlCol="0" anchor="ctr"/>
+          <a:lstStyle/>
+          <a:p>
+            <a:pPr algn="ctr"/>
+            <a:endParaRPr lang="en-US" sz="2400">
+              <a:latin typeface="Times New Roman" pitchFamily="18" charset="0"/>
+              <a:cs typeface="Times New Roman" pitchFamily="18" charset="0"/>
+            </a:endParaRPr>
+          </a:p>
+        </p:txBody>
+      </p:sp>
+      <p:sp>
+        <p:nvSpPr>
+          <p:cNvPr id="24" name="TextBox 23"/>
+          <p:cNvSpPr txBox="1"/>
+          <p:nvPr/>
+        </p:nvSpPr>
+        <p:spPr>
+          <a:xfrm>
+            <a:off x="1738641" y="2193525"/>
+            <a:ext cx="1566454" cy="461665"/>
+          </a:xfrm>
+          <a:prstGeom prst="rect">
+            <a:avLst/>
+          </a:prstGeom>
+          <a:noFill/>
+        </p:spPr>
+        <p:txBody>
+          <a:bodyPr wrap="none" rtlCol="0">
+            <a:spAutoFit/>
+          </a:bodyPr>
+          <a:lstStyle/>
+          <a:p>
+            <a:r>
+              <a:rPr lang="en-US" sz="2400" dirty="0" smtClean="0">
+                <a:latin typeface="Times New Roman" pitchFamily="18" charset="0"/>
+                <a:cs typeface="Times New Roman" pitchFamily="18" charset="0"/>
+              </a:rPr>
+              <a:t>Experience</a:t>
+            </a:r>
+            <a:endParaRPr lang="en-US" sz="2400" dirty="0" smtClean="0">
+              <a:latin typeface="Times New Roman" pitchFamily="18" charset="0"/>
+              <a:cs typeface="Times New Roman" pitchFamily="18" charset="0"/>
+            </a:endParaRPr>
+          </a:p>
+        </p:txBody>
+      </p:sp>
+      <p:sp>
+        <p:nvSpPr>
+          <p:cNvPr id="25" name="Oval 24"/>
+          <p:cNvSpPr/>
+          <p:nvPr/>
+        </p:nvSpPr>
+        <p:spPr>
+          <a:xfrm>
+            <a:off x="3886200" y="1939150"/>
+            <a:ext cx="228600" cy="228600"/>
+          </a:xfrm>
+          <a:prstGeom prst="ellipse">
+            <a:avLst/>
+          </a:prstGeom>
+        </p:spPr>
+        <p:style>
+          <a:lnRef idx="2">
+            <a:schemeClr val="accent1">
+              <a:shade val="50000"/>
+            </a:schemeClr>
+          </a:lnRef>
+          <a:fillRef idx="1">
+            <a:schemeClr val="accent1"/>
+          </a:fillRef>
+          <a:effectRef idx="0">
+            <a:schemeClr val="accent1"/>
+          </a:effectRef>
+          <a:fontRef idx="minor">
+            <a:schemeClr val="lt1"/>
+          </a:fontRef>
+        </p:style>
+        <p:txBody>
+          <a:bodyPr rtlCol="0" anchor="ctr"/>
+          <a:lstStyle/>
+          <a:p>
+            <a:pPr algn="ctr"/>
+            <a:endParaRPr lang="en-US" sz="2400">
+              <a:latin typeface="Times New Roman" pitchFamily="18" charset="0"/>
+              <a:cs typeface="Times New Roman" pitchFamily="18" charset="0"/>
+            </a:endParaRPr>
+          </a:p>
+        </p:txBody>
+      </p:sp>
+      <p:sp>
+        <p:nvSpPr>
+          <p:cNvPr id="26" name="TextBox 25"/>
+          <p:cNvSpPr txBox="1"/>
+          <p:nvPr/>
+        </p:nvSpPr>
+        <p:spPr>
+          <a:xfrm>
+            <a:off x="3285399" y="2214789"/>
+            <a:ext cx="1430200" cy="461665"/>
+          </a:xfrm>
+          <a:prstGeom prst="rect">
+            <a:avLst/>
+          </a:prstGeom>
+          <a:noFill/>
+        </p:spPr>
+        <p:txBody>
+          <a:bodyPr wrap="none" rtlCol="0">
+            <a:spAutoFit/>
+          </a:bodyPr>
+          <a:lstStyle/>
+          <a:p>
+            <a:r>
+              <a:rPr lang="en-US" sz="2400" dirty="0" smtClean="0">
+                <a:latin typeface="Times New Roman" pitchFamily="18" charset="0"/>
+                <a:cs typeface="Times New Roman" pitchFamily="18" charset="0"/>
+              </a:rPr>
+              <a:t>Education</a:t>
+            </a:r>
+            <a:endParaRPr lang="en-US" sz="2400" dirty="0" smtClean="0">
+              <a:latin typeface="Times New Roman" pitchFamily="18" charset="0"/>
+              <a:cs typeface="Times New Roman" pitchFamily="18" charset="0"/>
+            </a:endParaRPr>
+          </a:p>
+        </p:txBody>
+      </p:sp>
+      <p:sp>
+        <p:nvSpPr>
+          <p:cNvPr id="27" name="Oval 26"/>
+          <p:cNvSpPr/>
+          <p:nvPr/>
+        </p:nvSpPr>
+        <p:spPr>
+          <a:xfrm>
+            <a:off x="5477601" y="1939148"/>
+            <a:ext cx="228600" cy="228600"/>
+          </a:xfrm>
+          <a:prstGeom prst="ellipse">
+            <a:avLst/>
+          </a:prstGeom>
+        </p:spPr>
+        <p:style>
+          <a:lnRef idx="2">
+            <a:schemeClr val="accent1">
+              <a:shade val="50000"/>
+            </a:schemeClr>
+          </a:lnRef>
+          <a:fillRef idx="1">
+            <a:schemeClr val="accent1"/>
+          </a:fillRef>
+          <a:effectRef idx="0">
+            <a:schemeClr val="accent1"/>
+          </a:effectRef>
+          <a:fontRef idx="minor">
+            <a:schemeClr val="lt1"/>
+          </a:fontRef>
+        </p:style>
+        <p:txBody>
+          <a:bodyPr rtlCol="0" anchor="ctr"/>
+          <a:lstStyle/>
+          <a:p>
+            <a:pPr algn="ctr"/>
+            <a:endParaRPr lang="en-US" sz="2400">
+              <a:latin typeface="Times New Roman" pitchFamily="18" charset="0"/>
+              <a:cs typeface="Times New Roman" pitchFamily="18" charset="0"/>
+            </a:endParaRPr>
+          </a:p>
+        </p:txBody>
+      </p:sp>
+      <p:sp>
+        <p:nvSpPr>
+          <p:cNvPr id="28" name="TextBox 27"/>
+          <p:cNvSpPr txBox="1"/>
+          <p:nvPr/>
+        </p:nvSpPr>
+        <p:spPr>
+          <a:xfrm>
+            <a:off x="4697265" y="2214788"/>
+            <a:ext cx="1822935" cy="461665"/>
+          </a:xfrm>
+          <a:prstGeom prst="rect">
+            <a:avLst/>
+          </a:prstGeom>
+          <a:noFill/>
+        </p:spPr>
+        <p:txBody>
+          <a:bodyPr wrap="none" rtlCol="0">
+            <a:spAutoFit/>
+          </a:bodyPr>
+          <a:lstStyle/>
+          <a:p>
+            <a:r>
+              <a:rPr lang="en-US" sz="2400" dirty="0" smtClean="0">
+                <a:latin typeface="Times New Roman" pitchFamily="18" charset="0"/>
+                <a:cs typeface="Times New Roman" pitchFamily="18" charset="0"/>
+              </a:rPr>
+              <a:t>Achievement</a:t>
+            </a:r>
+            <a:endParaRPr lang="en-US" sz="2400" dirty="0" smtClean="0">
+              <a:latin typeface="Times New Roman" pitchFamily="18" charset="0"/>
+              <a:cs typeface="Times New Roman" pitchFamily="18" charset="0"/>
+            </a:endParaRPr>
+          </a:p>
+        </p:txBody>
+      </p:sp>
+    </p:spTree>
+    <p:extLst>
+      <p:ext uri="{BB962C8B-B14F-4D97-AF65-F5344CB8AC3E}">
+        <p14:creationId xmlns:p14="http://schemas.microsoft.com/office/powerpoint/2010/main" val="1956834760"/>
       </p:ext>
     </p:extLst>
   </p:cSld>

--- a/Documents/Thesis Report Picture.pptx
+++ b/Documents/Thesis Report Picture.pptx
@@ -11,6 +11,10 @@
     <p:sldId id="259" r:id="rId5"/>
     <p:sldId id="260" r:id="rId6"/>
     <p:sldId id="261" r:id="rId7"/>
+    <p:sldId id="262" r:id="rId8"/>
+    <p:sldId id="263" r:id="rId9"/>
+    <p:sldId id="264" r:id="rId10"/>
+    <p:sldId id="265" r:id="rId11"/>
   </p:sldIdLst>
   <p:sldSz cx="9144000" cy="6858000" type="screen4x3"/>
   <p:notesSz cx="6858000" cy="9144000"/>
@@ -293,7 +297,7 @@
           <a:p>
             <a:fld id="{AEBC359E-74D2-4BE3-B89B-803EEEC24772}" type="datetimeFigureOut">
               <a:rPr lang="en-US" smtClean="0"/>
-              <a:t>11/22/2011</a:t>
+              <a:t>12/8/2011</a:t>
             </a:fld>
             <a:endParaRPr lang="en-US"/>
           </a:p>
@@ -463,7 +467,7 @@
           <a:p>
             <a:fld id="{AEBC359E-74D2-4BE3-B89B-803EEEC24772}" type="datetimeFigureOut">
               <a:rPr lang="en-US" smtClean="0"/>
-              <a:t>11/22/2011</a:t>
+              <a:t>12/8/2011</a:t>
             </a:fld>
             <a:endParaRPr lang="en-US"/>
           </a:p>
@@ -643,7 +647,7 @@
           <a:p>
             <a:fld id="{AEBC359E-74D2-4BE3-B89B-803EEEC24772}" type="datetimeFigureOut">
               <a:rPr lang="en-US" smtClean="0"/>
-              <a:t>11/22/2011</a:t>
+              <a:t>12/8/2011</a:t>
             </a:fld>
             <a:endParaRPr lang="en-US"/>
           </a:p>
@@ -813,7 +817,7 @@
           <a:p>
             <a:fld id="{AEBC359E-74D2-4BE3-B89B-803EEEC24772}" type="datetimeFigureOut">
               <a:rPr lang="en-US" smtClean="0"/>
-              <a:t>11/22/2011</a:t>
+              <a:t>12/8/2011</a:t>
             </a:fld>
             <a:endParaRPr lang="en-US"/>
           </a:p>
@@ -1059,7 +1063,7 @@
           <a:p>
             <a:fld id="{AEBC359E-74D2-4BE3-B89B-803EEEC24772}" type="datetimeFigureOut">
               <a:rPr lang="en-US" smtClean="0"/>
-              <a:t>11/22/2011</a:t>
+              <a:t>12/8/2011</a:t>
             </a:fld>
             <a:endParaRPr lang="en-US"/>
           </a:p>
@@ -1347,7 +1351,7 @@
           <a:p>
             <a:fld id="{AEBC359E-74D2-4BE3-B89B-803EEEC24772}" type="datetimeFigureOut">
               <a:rPr lang="en-US" smtClean="0"/>
-              <a:t>11/22/2011</a:t>
+              <a:t>12/8/2011</a:t>
             </a:fld>
             <a:endParaRPr lang="en-US"/>
           </a:p>
@@ -1769,7 +1773,7 @@
           <a:p>
             <a:fld id="{AEBC359E-74D2-4BE3-B89B-803EEEC24772}" type="datetimeFigureOut">
               <a:rPr lang="en-US" smtClean="0"/>
-              <a:t>11/22/2011</a:t>
+              <a:t>12/8/2011</a:t>
             </a:fld>
             <a:endParaRPr lang="en-US"/>
           </a:p>
@@ -1887,7 +1891,7 @@
           <a:p>
             <a:fld id="{AEBC359E-74D2-4BE3-B89B-803EEEC24772}" type="datetimeFigureOut">
               <a:rPr lang="en-US" smtClean="0"/>
-              <a:t>11/22/2011</a:t>
+              <a:t>12/8/2011</a:t>
             </a:fld>
             <a:endParaRPr lang="en-US"/>
           </a:p>
@@ -1982,7 +1986,7 @@
           <a:p>
             <a:fld id="{AEBC359E-74D2-4BE3-B89B-803EEEC24772}" type="datetimeFigureOut">
               <a:rPr lang="en-US" smtClean="0"/>
-              <a:t>11/22/2011</a:t>
+              <a:t>12/8/2011</a:t>
             </a:fld>
             <a:endParaRPr lang="en-US"/>
           </a:p>
@@ -2259,7 +2263,7 @@
           <a:p>
             <a:fld id="{AEBC359E-74D2-4BE3-B89B-803EEEC24772}" type="datetimeFigureOut">
               <a:rPr lang="en-US" smtClean="0"/>
-              <a:t>11/22/2011</a:t>
+              <a:t>12/8/2011</a:t>
             </a:fld>
             <a:endParaRPr lang="en-US"/>
           </a:p>
@@ -2512,7 +2516,7 @@
           <a:p>
             <a:fld id="{AEBC359E-74D2-4BE3-B89B-803EEEC24772}" type="datetimeFigureOut">
               <a:rPr lang="en-US" smtClean="0"/>
-              <a:t>11/22/2011</a:t>
+              <a:t>12/8/2011</a:t>
             </a:fld>
             <a:endParaRPr lang="en-US"/>
           </a:p>
@@ -2725,7 +2729,7 @@
           <a:p>
             <a:fld id="{AEBC359E-74D2-4BE3-B89B-803EEEC24772}" type="datetimeFigureOut">
               <a:rPr lang="en-US" smtClean="0"/>
-              <a:t>11/22/2011</a:t>
+              <a:t>12/8/2011</a:t>
             </a:fld>
             <a:endParaRPr lang="en-US"/>
           </a:p>
@@ -4011,6 +4015,1353 @@
 </p:sld>
 </file>
 
+<file path=ppt/slides/slide10.xml><?xml version="1.0" encoding="utf-8"?>
+<p:sld xmlns:a="http://schemas.openxmlformats.org/drawingml/2006/main" xmlns:r="http://schemas.openxmlformats.org/officeDocument/2006/relationships" xmlns:p="http://schemas.openxmlformats.org/presentationml/2006/main">
+  <p:cSld>
+    <p:spTree>
+      <p:nvGrpSpPr>
+        <p:cNvPr id="1" name=""/>
+        <p:cNvGrpSpPr/>
+        <p:nvPr/>
+      </p:nvGrpSpPr>
+      <p:grpSpPr>
+        <a:xfrm>
+          <a:off x="0" y="0"/>
+          <a:ext cx="0" cy="0"/>
+          <a:chOff x="0" y="0"/>
+          <a:chExt cx="0" cy="0"/>
+        </a:xfrm>
+      </p:grpSpPr>
+      <p:sp>
+        <p:nvSpPr>
+          <p:cNvPr id="6" name="Rectangle 3"/>
+          <p:cNvSpPr>
+            <a:spLocks noChangeArrowheads="1"/>
+          </p:cNvSpPr>
+          <p:nvPr/>
+        </p:nvSpPr>
+        <p:spPr bwMode="auto">
+          <a:xfrm>
+            <a:off x="3582411" y="1610591"/>
+            <a:ext cx="609600" cy="381000"/>
+          </a:xfrm>
+          <a:prstGeom prst="rect">
+            <a:avLst/>
+          </a:prstGeom>
+          <a:solidFill>
+            <a:schemeClr val="accent1"/>
+          </a:solidFill>
+          <a:ln w="12700">
+            <a:solidFill>
+              <a:schemeClr val="tx2">
+                <a:lumMod val="60000"/>
+                <a:lumOff val="40000"/>
+              </a:schemeClr>
+            </a:solidFill>
+            <a:miter lim="800000"/>
+            <a:headEnd/>
+            <a:tailEnd/>
+          </a:ln>
+          <a:effectLst/>
+          <a:extLst>
+            <a:ext uri="{AF507438-7753-43E0-B8FC-AC1667EBCBE1}">
+              <a14:hiddenEffects xmlns:a14="http://schemas.microsoft.com/office/drawing/2010/main">
+                <a:effectLst>
+                  <a:outerShdw dist="35921" dir="2700000" algn="ctr" rotWithShape="0">
+                    <a:schemeClr val="bg2"/>
+                  </a:outerShdw>
+                </a:effectLst>
+              </a14:hiddenEffects>
+            </a:ext>
+          </a:extLst>
+        </p:spPr>
+        <p:txBody>
+          <a:bodyPr wrap="none" anchor="ctr"/>
+          <a:lstStyle/>
+          <a:p>
+            <a:endParaRPr lang="en-US"/>
+          </a:p>
+        </p:txBody>
+      </p:sp>
+      <p:sp>
+        <p:nvSpPr>
+          <p:cNvPr id="7" name="Rectangle 4"/>
+          <p:cNvSpPr>
+            <a:spLocks noChangeArrowheads="1"/>
+          </p:cNvSpPr>
+          <p:nvPr/>
+        </p:nvSpPr>
+        <p:spPr bwMode="auto">
+          <a:xfrm>
+            <a:off x="4954011" y="1610591"/>
+            <a:ext cx="609600" cy="381000"/>
+          </a:xfrm>
+          <a:prstGeom prst="rect">
+            <a:avLst/>
+          </a:prstGeom>
+          <a:solidFill>
+            <a:schemeClr val="accent1"/>
+          </a:solidFill>
+          <a:ln w="12700">
+            <a:solidFill>
+              <a:schemeClr val="tx2">
+                <a:lumMod val="60000"/>
+                <a:lumOff val="40000"/>
+              </a:schemeClr>
+            </a:solidFill>
+            <a:miter lim="800000"/>
+            <a:headEnd/>
+            <a:tailEnd/>
+          </a:ln>
+          <a:effectLst/>
+          <a:extLst>
+            <a:ext uri="{AF507438-7753-43E0-B8FC-AC1667EBCBE1}">
+              <a14:hiddenEffects xmlns:a14="http://schemas.microsoft.com/office/drawing/2010/main">
+                <a:effectLst>
+                  <a:outerShdw dist="35921" dir="2700000" algn="ctr" rotWithShape="0">
+                    <a:schemeClr val="bg2"/>
+                  </a:outerShdw>
+                </a:effectLst>
+              </a14:hiddenEffects>
+            </a:ext>
+          </a:extLst>
+        </p:spPr>
+        <p:txBody>
+          <a:bodyPr wrap="none" anchor="ctr"/>
+          <a:lstStyle/>
+          <a:p>
+            <a:endParaRPr lang="en-US"/>
+          </a:p>
+        </p:txBody>
+      </p:sp>
+      <p:sp>
+        <p:nvSpPr>
+          <p:cNvPr id="8" name="Rectangle 5"/>
+          <p:cNvSpPr>
+            <a:spLocks noChangeArrowheads="1"/>
+          </p:cNvSpPr>
+          <p:nvPr/>
+        </p:nvSpPr>
+        <p:spPr bwMode="auto">
+          <a:xfrm>
+            <a:off x="2439411" y="2296391"/>
+            <a:ext cx="609600" cy="381000"/>
+          </a:xfrm>
+          <a:prstGeom prst="rect">
+            <a:avLst/>
+          </a:prstGeom>
+          <a:solidFill>
+            <a:schemeClr val="accent1"/>
+          </a:solidFill>
+          <a:ln w="12700">
+            <a:solidFill>
+              <a:schemeClr val="tx2">
+                <a:lumMod val="60000"/>
+                <a:lumOff val="40000"/>
+              </a:schemeClr>
+            </a:solidFill>
+            <a:miter lim="800000"/>
+            <a:headEnd/>
+            <a:tailEnd/>
+          </a:ln>
+          <a:effectLst/>
+          <a:extLst>
+            <a:ext uri="{AF507438-7753-43E0-B8FC-AC1667EBCBE1}">
+              <a14:hiddenEffects xmlns:a14="http://schemas.microsoft.com/office/drawing/2010/main">
+                <a:effectLst>
+                  <a:outerShdw dist="35921" dir="2700000" algn="ctr" rotWithShape="0">
+                    <a:schemeClr val="bg2"/>
+                  </a:outerShdw>
+                </a:effectLst>
+              </a14:hiddenEffects>
+            </a:ext>
+          </a:extLst>
+        </p:spPr>
+        <p:txBody>
+          <a:bodyPr wrap="none" anchor="ctr"/>
+          <a:lstStyle/>
+          <a:p>
+            <a:endParaRPr lang="en-US"/>
+          </a:p>
+        </p:txBody>
+      </p:sp>
+      <p:sp>
+        <p:nvSpPr>
+          <p:cNvPr id="9" name="Rectangle 6"/>
+          <p:cNvSpPr>
+            <a:spLocks noChangeArrowheads="1"/>
+          </p:cNvSpPr>
+          <p:nvPr/>
+        </p:nvSpPr>
+        <p:spPr bwMode="auto">
+          <a:xfrm>
+            <a:off x="4039611" y="2524991"/>
+            <a:ext cx="609600" cy="381000"/>
+          </a:xfrm>
+          <a:prstGeom prst="rect">
+            <a:avLst/>
+          </a:prstGeom>
+          <a:solidFill>
+            <a:schemeClr val="accent1"/>
+          </a:solidFill>
+          <a:ln w="12700">
+            <a:solidFill>
+              <a:schemeClr val="tx2">
+                <a:lumMod val="60000"/>
+                <a:lumOff val="40000"/>
+              </a:schemeClr>
+            </a:solidFill>
+            <a:miter lim="800000"/>
+            <a:headEnd/>
+            <a:tailEnd/>
+          </a:ln>
+          <a:effectLst/>
+          <a:extLst>
+            <a:ext uri="{AF507438-7753-43E0-B8FC-AC1667EBCBE1}">
+              <a14:hiddenEffects xmlns:a14="http://schemas.microsoft.com/office/drawing/2010/main">
+                <a:effectLst>
+                  <a:outerShdw dist="35921" dir="2700000" algn="ctr" rotWithShape="0">
+                    <a:schemeClr val="bg2"/>
+                  </a:outerShdw>
+                </a:effectLst>
+              </a14:hiddenEffects>
+            </a:ext>
+          </a:extLst>
+        </p:spPr>
+        <p:txBody>
+          <a:bodyPr wrap="none" anchor="ctr"/>
+          <a:lstStyle/>
+          <a:p>
+            <a:endParaRPr lang="en-US"/>
+          </a:p>
+        </p:txBody>
+      </p:sp>
+      <p:sp>
+        <p:nvSpPr>
+          <p:cNvPr id="10" name="Rectangle 7"/>
+          <p:cNvSpPr>
+            <a:spLocks noChangeArrowheads="1"/>
+          </p:cNvSpPr>
+          <p:nvPr/>
+        </p:nvSpPr>
+        <p:spPr bwMode="auto">
+          <a:xfrm>
+            <a:off x="5411211" y="2296391"/>
+            <a:ext cx="609600" cy="381000"/>
+          </a:xfrm>
+          <a:prstGeom prst="rect">
+            <a:avLst/>
+          </a:prstGeom>
+          <a:solidFill>
+            <a:schemeClr val="accent1"/>
+          </a:solidFill>
+          <a:ln w="12700">
+            <a:solidFill>
+              <a:schemeClr val="tx2">
+                <a:lumMod val="60000"/>
+                <a:lumOff val="40000"/>
+              </a:schemeClr>
+            </a:solidFill>
+            <a:miter lim="800000"/>
+            <a:headEnd/>
+            <a:tailEnd/>
+          </a:ln>
+          <a:effectLst/>
+          <a:extLst>
+            <a:ext uri="{AF507438-7753-43E0-B8FC-AC1667EBCBE1}">
+              <a14:hiddenEffects xmlns:a14="http://schemas.microsoft.com/office/drawing/2010/main">
+                <a:effectLst>
+                  <a:outerShdw dist="35921" dir="2700000" algn="ctr" rotWithShape="0">
+                    <a:schemeClr val="bg2"/>
+                  </a:outerShdw>
+                </a:effectLst>
+              </a14:hiddenEffects>
+            </a:ext>
+          </a:extLst>
+        </p:spPr>
+        <p:txBody>
+          <a:bodyPr wrap="none" anchor="ctr"/>
+          <a:lstStyle/>
+          <a:p>
+            <a:endParaRPr lang="en-US"/>
+          </a:p>
+        </p:txBody>
+      </p:sp>
+      <p:sp>
+        <p:nvSpPr>
+          <p:cNvPr id="11" name="Rectangle 8"/>
+          <p:cNvSpPr>
+            <a:spLocks noChangeArrowheads="1"/>
+          </p:cNvSpPr>
+          <p:nvPr/>
+        </p:nvSpPr>
+        <p:spPr bwMode="auto">
+          <a:xfrm>
+            <a:off x="2439411" y="3134591"/>
+            <a:ext cx="609600" cy="381000"/>
+          </a:xfrm>
+          <a:prstGeom prst="rect">
+            <a:avLst/>
+          </a:prstGeom>
+          <a:solidFill>
+            <a:schemeClr val="accent1"/>
+          </a:solidFill>
+          <a:ln w="12700">
+            <a:solidFill>
+              <a:schemeClr val="tx2">
+                <a:lumMod val="60000"/>
+                <a:lumOff val="40000"/>
+              </a:schemeClr>
+            </a:solidFill>
+            <a:miter lim="800000"/>
+            <a:headEnd/>
+            <a:tailEnd/>
+          </a:ln>
+          <a:effectLst/>
+          <a:extLst>
+            <a:ext uri="{AF507438-7753-43E0-B8FC-AC1667EBCBE1}">
+              <a14:hiddenEffects xmlns:a14="http://schemas.microsoft.com/office/drawing/2010/main">
+                <a:effectLst>
+                  <a:outerShdw dist="35921" dir="2700000" algn="ctr" rotWithShape="0">
+                    <a:schemeClr val="bg2"/>
+                  </a:outerShdw>
+                </a:effectLst>
+              </a14:hiddenEffects>
+            </a:ext>
+          </a:extLst>
+        </p:spPr>
+        <p:txBody>
+          <a:bodyPr wrap="none" anchor="ctr"/>
+          <a:lstStyle/>
+          <a:p>
+            <a:endParaRPr lang="en-US"/>
+          </a:p>
+        </p:txBody>
+      </p:sp>
+      <p:sp>
+        <p:nvSpPr>
+          <p:cNvPr id="12" name="Rectangle 9"/>
+          <p:cNvSpPr>
+            <a:spLocks noChangeArrowheads="1"/>
+          </p:cNvSpPr>
+          <p:nvPr/>
+        </p:nvSpPr>
+        <p:spPr bwMode="auto">
+          <a:xfrm>
+            <a:off x="3887211" y="3134591"/>
+            <a:ext cx="609600" cy="381000"/>
+          </a:xfrm>
+          <a:prstGeom prst="rect">
+            <a:avLst/>
+          </a:prstGeom>
+          <a:solidFill>
+            <a:schemeClr val="accent1"/>
+          </a:solidFill>
+          <a:ln w="12700">
+            <a:solidFill>
+              <a:schemeClr val="tx2">
+                <a:lumMod val="60000"/>
+                <a:lumOff val="40000"/>
+              </a:schemeClr>
+            </a:solidFill>
+            <a:miter lim="800000"/>
+            <a:headEnd/>
+            <a:tailEnd/>
+          </a:ln>
+          <a:effectLst/>
+          <a:extLst>
+            <a:ext uri="{AF507438-7753-43E0-B8FC-AC1667EBCBE1}">
+              <a14:hiddenEffects xmlns:a14="http://schemas.microsoft.com/office/drawing/2010/main">
+                <a:effectLst>
+                  <a:outerShdw dist="35921" dir="2700000" algn="ctr" rotWithShape="0">
+                    <a:schemeClr val="bg2"/>
+                  </a:outerShdw>
+                </a:effectLst>
+              </a14:hiddenEffects>
+            </a:ext>
+          </a:extLst>
+        </p:spPr>
+        <p:txBody>
+          <a:bodyPr wrap="none" anchor="ctr"/>
+          <a:lstStyle/>
+          <a:p>
+            <a:endParaRPr lang="en-US"/>
+          </a:p>
+        </p:txBody>
+      </p:sp>
+      <p:sp>
+        <p:nvSpPr>
+          <p:cNvPr id="13" name="Rectangle 10"/>
+          <p:cNvSpPr>
+            <a:spLocks noChangeArrowheads="1"/>
+          </p:cNvSpPr>
+          <p:nvPr/>
+        </p:nvSpPr>
+        <p:spPr bwMode="auto">
+          <a:xfrm>
+            <a:off x="6020811" y="3134591"/>
+            <a:ext cx="609600" cy="381000"/>
+          </a:xfrm>
+          <a:prstGeom prst="rect">
+            <a:avLst/>
+          </a:prstGeom>
+          <a:solidFill>
+            <a:schemeClr val="accent1"/>
+          </a:solidFill>
+          <a:ln w="12700">
+            <a:solidFill>
+              <a:schemeClr val="tx2">
+                <a:lumMod val="60000"/>
+                <a:lumOff val="40000"/>
+              </a:schemeClr>
+            </a:solidFill>
+            <a:miter lim="800000"/>
+            <a:headEnd/>
+            <a:tailEnd/>
+          </a:ln>
+          <a:effectLst/>
+          <a:extLst>
+            <a:ext uri="{AF507438-7753-43E0-B8FC-AC1667EBCBE1}">
+              <a14:hiddenEffects xmlns:a14="http://schemas.microsoft.com/office/drawing/2010/main">
+                <a:effectLst>
+                  <a:outerShdw dist="35921" dir="2700000" algn="ctr" rotWithShape="0">
+                    <a:schemeClr val="bg2"/>
+                  </a:outerShdw>
+                </a:effectLst>
+              </a14:hiddenEffects>
+            </a:ext>
+          </a:extLst>
+        </p:spPr>
+        <p:txBody>
+          <a:bodyPr wrap="none" anchor="ctr"/>
+          <a:lstStyle/>
+          <a:p>
+            <a:endParaRPr lang="en-US"/>
+          </a:p>
+        </p:txBody>
+      </p:sp>
+      <p:sp>
+        <p:nvSpPr>
+          <p:cNvPr id="14" name="Rectangle 11"/>
+          <p:cNvSpPr>
+            <a:spLocks noChangeArrowheads="1"/>
+          </p:cNvSpPr>
+          <p:nvPr/>
+        </p:nvSpPr>
+        <p:spPr bwMode="auto">
+          <a:xfrm>
+            <a:off x="2439411" y="3972791"/>
+            <a:ext cx="609600" cy="381000"/>
+          </a:xfrm>
+          <a:prstGeom prst="rect">
+            <a:avLst/>
+          </a:prstGeom>
+          <a:solidFill>
+            <a:schemeClr val="accent1"/>
+          </a:solidFill>
+          <a:ln w="12700">
+            <a:solidFill>
+              <a:schemeClr val="tx2">
+                <a:lumMod val="60000"/>
+                <a:lumOff val="40000"/>
+              </a:schemeClr>
+            </a:solidFill>
+            <a:miter lim="800000"/>
+            <a:headEnd/>
+            <a:tailEnd/>
+          </a:ln>
+          <a:effectLst/>
+          <a:extLst>
+            <a:ext uri="{AF507438-7753-43E0-B8FC-AC1667EBCBE1}">
+              <a14:hiddenEffects xmlns:a14="http://schemas.microsoft.com/office/drawing/2010/main">
+                <a:effectLst>
+                  <a:outerShdw dist="35921" dir="2700000" algn="ctr" rotWithShape="0">
+                    <a:schemeClr val="bg2"/>
+                  </a:outerShdw>
+                </a:effectLst>
+              </a14:hiddenEffects>
+            </a:ext>
+          </a:extLst>
+        </p:spPr>
+        <p:txBody>
+          <a:bodyPr wrap="none" anchor="ctr"/>
+          <a:lstStyle/>
+          <a:p>
+            <a:endParaRPr lang="en-US"/>
+          </a:p>
+        </p:txBody>
+      </p:sp>
+      <p:sp>
+        <p:nvSpPr>
+          <p:cNvPr id="15" name="Rectangle 12"/>
+          <p:cNvSpPr>
+            <a:spLocks noChangeArrowheads="1"/>
+          </p:cNvSpPr>
+          <p:nvPr/>
+        </p:nvSpPr>
+        <p:spPr bwMode="auto">
+          <a:xfrm>
+            <a:off x="3887211" y="3972791"/>
+            <a:ext cx="609600" cy="381000"/>
+          </a:xfrm>
+          <a:prstGeom prst="rect">
+            <a:avLst/>
+          </a:prstGeom>
+          <a:solidFill>
+            <a:schemeClr val="accent1"/>
+          </a:solidFill>
+          <a:ln w="12700">
+            <a:solidFill>
+              <a:schemeClr val="tx2">
+                <a:lumMod val="60000"/>
+                <a:lumOff val="40000"/>
+              </a:schemeClr>
+            </a:solidFill>
+            <a:miter lim="800000"/>
+            <a:headEnd/>
+            <a:tailEnd/>
+          </a:ln>
+          <a:effectLst/>
+          <a:extLst>
+            <a:ext uri="{AF507438-7753-43E0-B8FC-AC1667EBCBE1}">
+              <a14:hiddenEffects xmlns:a14="http://schemas.microsoft.com/office/drawing/2010/main">
+                <a:effectLst>
+                  <a:outerShdw dist="35921" dir="2700000" algn="ctr" rotWithShape="0">
+                    <a:schemeClr val="bg2"/>
+                  </a:outerShdw>
+                </a:effectLst>
+              </a14:hiddenEffects>
+            </a:ext>
+          </a:extLst>
+        </p:spPr>
+        <p:txBody>
+          <a:bodyPr wrap="none" anchor="ctr"/>
+          <a:lstStyle/>
+          <a:p>
+            <a:endParaRPr lang="en-US"/>
+          </a:p>
+        </p:txBody>
+      </p:sp>
+      <p:sp>
+        <p:nvSpPr>
+          <p:cNvPr id="16" name="Rectangle 13"/>
+          <p:cNvSpPr>
+            <a:spLocks noChangeArrowheads="1"/>
+          </p:cNvSpPr>
+          <p:nvPr/>
+        </p:nvSpPr>
+        <p:spPr bwMode="auto">
+          <a:xfrm>
+            <a:off x="5411211" y="3972791"/>
+            <a:ext cx="609600" cy="381000"/>
+          </a:xfrm>
+          <a:prstGeom prst="rect">
+            <a:avLst/>
+          </a:prstGeom>
+          <a:solidFill>
+            <a:schemeClr val="accent1"/>
+          </a:solidFill>
+          <a:ln w="12700">
+            <a:solidFill>
+              <a:schemeClr val="tx2">
+                <a:lumMod val="60000"/>
+                <a:lumOff val="40000"/>
+              </a:schemeClr>
+            </a:solidFill>
+            <a:miter lim="800000"/>
+            <a:headEnd/>
+            <a:tailEnd/>
+          </a:ln>
+          <a:effectLst/>
+          <a:extLst>
+            <a:ext uri="{AF507438-7753-43E0-B8FC-AC1667EBCBE1}">
+              <a14:hiddenEffects xmlns:a14="http://schemas.microsoft.com/office/drawing/2010/main">
+                <a:effectLst>
+                  <a:outerShdw dist="35921" dir="2700000" algn="ctr" rotWithShape="0">
+                    <a:schemeClr val="bg2"/>
+                  </a:outerShdw>
+                </a:effectLst>
+              </a14:hiddenEffects>
+            </a:ext>
+          </a:extLst>
+        </p:spPr>
+        <p:txBody>
+          <a:bodyPr wrap="none" anchor="ctr"/>
+          <a:lstStyle/>
+          <a:p>
+            <a:endParaRPr lang="en-US"/>
+          </a:p>
+        </p:txBody>
+      </p:sp>
+      <p:sp>
+        <p:nvSpPr>
+          <p:cNvPr id="17" name="Line 14"/>
+          <p:cNvSpPr>
+            <a:spLocks noChangeShapeType="1"/>
+          </p:cNvSpPr>
+          <p:nvPr/>
+        </p:nvSpPr>
+        <p:spPr bwMode="auto">
+          <a:xfrm flipH="1">
+            <a:off x="2980749" y="1923329"/>
+            <a:ext cx="601662" cy="373062"/>
+          </a:xfrm>
+          <a:prstGeom prst="line">
+            <a:avLst/>
+          </a:prstGeom>
+          <a:noFill/>
+          <a:ln w="12700">
+            <a:solidFill>
+              <a:schemeClr val="tx2">
+                <a:lumMod val="60000"/>
+                <a:lumOff val="40000"/>
+              </a:schemeClr>
+            </a:solidFill>
+            <a:round/>
+            <a:headEnd/>
+            <a:tailEnd/>
+          </a:ln>
+          <a:effectLst/>
+          <a:extLst>
+            <a:ext uri="{909E8E84-426E-40DD-AFC4-6F175D3DCCD1}">
+              <a14:hiddenFill xmlns:a14="http://schemas.microsoft.com/office/drawing/2010/main">
+                <a:noFill/>
+              </a14:hiddenFill>
+            </a:ext>
+            <a:ext uri="{AF507438-7753-43E0-B8FC-AC1667EBCBE1}">
+              <a14:hiddenEffects xmlns:a14="http://schemas.microsoft.com/office/drawing/2010/main">
+                <a:effectLst>
+                  <a:outerShdw dist="35921" dir="2700000" algn="ctr" rotWithShape="0">
+                    <a:schemeClr val="bg2"/>
+                  </a:outerShdw>
+                </a:effectLst>
+              </a14:hiddenEffects>
+            </a:ext>
+          </a:extLst>
+        </p:spPr>
+        <p:txBody>
+          <a:bodyPr/>
+          <a:lstStyle/>
+          <a:p>
+            <a:endParaRPr lang="en-US"/>
+          </a:p>
+        </p:txBody>
+      </p:sp>
+      <p:sp>
+        <p:nvSpPr>
+          <p:cNvPr id="18" name="Line 15"/>
+          <p:cNvSpPr>
+            <a:spLocks noChangeShapeType="1"/>
+          </p:cNvSpPr>
+          <p:nvPr/>
+        </p:nvSpPr>
+        <p:spPr bwMode="auto">
+          <a:xfrm flipH="1">
+            <a:off x="3056949" y="1923329"/>
+            <a:ext cx="1897062" cy="373062"/>
+          </a:xfrm>
+          <a:prstGeom prst="line">
+            <a:avLst/>
+          </a:prstGeom>
+          <a:noFill/>
+          <a:ln w="12700">
+            <a:solidFill>
+              <a:schemeClr val="tx2">
+                <a:lumMod val="60000"/>
+                <a:lumOff val="40000"/>
+              </a:schemeClr>
+            </a:solidFill>
+            <a:round/>
+            <a:headEnd/>
+            <a:tailEnd/>
+          </a:ln>
+          <a:effectLst/>
+          <a:extLst>
+            <a:ext uri="{909E8E84-426E-40DD-AFC4-6F175D3DCCD1}">
+              <a14:hiddenFill xmlns:a14="http://schemas.microsoft.com/office/drawing/2010/main">
+                <a:noFill/>
+              </a14:hiddenFill>
+            </a:ext>
+            <a:ext uri="{AF507438-7753-43E0-B8FC-AC1667EBCBE1}">
+              <a14:hiddenEffects xmlns:a14="http://schemas.microsoft.com/office/drawing/2010/main">
+                <a:effectLst>
+                  <a:outerShdw dist="35921" dir="2700000" algn="ctr" rotWithShape="0">
+                    <a:schemeClr val="bg2"/>
+                  </a:outerShdw>
+                </a:effectLst>
+              </a14:hiddenEffects>
+            </a:ext>
+          </a:extLst>
+        </p:spPr>
+        <p:txBody>
+          <a:bodyPr/>
+          <a:lstStyle/>
+          <a:p>
+            <a:endParaRPr lang="en-US"/>
+          </a:p>
+        </p:txBody>
+      </p:sp>
+      <p:sp>
+        <p:nvSpPr>
+          <p:cNvPr id="19" name="Line 16"/>
+          <p:cNvSpPr>
+            <a:spLocks noChangeShapeType="1"/>
+          </p:cNvSpPr>
+          <p:nvPr/>
+        </p:nvSpPr>
+        <p:spPr bwMode="auto">
+          <a:xfrm>
+            <a:off x="5419149" y="1999529"/>
+            <a:ext cx="296862" cy="296862"/>
+          </a:xfrm>
+          <a:prstGeom prst="line">
+            <a:avLst/>
+          </a:prstGeom>
+          <a:noFill/>
+          <a:ln w="12700">
+            <a:solidFill>
+              <a:schemeClr val="tx2">
+                <a:lumMod val="60000"/>
+                <a:lumOff val="40000"/>
+              </a:schemeClr>
+            </a:solidFill>
+            <a:round/>
+            <a:headEnd/>
+            <a:tailEnd/>
+          </a:ln>
+          <a:effectLst/>
+          <a:extLst>
+            <a:ext uri="{909E8E84-426E-40DD-AFC4-6F175D3DCCD1}">
+              <a14:hiddenFill xmlns:a14="http://schemas.microsoft.com/office/drawing/2010/main">
+                <a:noFill/>
+              </a14:hiddenFill>
+            </a:ext>
+            <a:ext uri="{AF507438-7753-43E0-B8FC-AC1667EBCBE1}">
+              <a14:hiddenEffects xmlns:a14="http://schemas.microsoft.com/office/drawing/2010/main">
+                <a:effectLst>
+                  <a:outerShdw dist="35921" dir="2700000" algn="ctr" rotWithShape="0">
+                    <a:schemeClr val="bg2"/>
+                  </a:outerShdw>
+                </a:effectLst>
+              </a14:hiddenEffects>
+            </a:ext>
+          </a:extLst>
+        </p:spPr>
+        <p:txBody>
+          <a:bodyPr/>
+          <a:lstStyle/>
+          <a:p>
+            <a:endParaRPr lang="en-US"/>
+          </a:p>
+        </p:txBody>
+      </p:sp>
+      <p:sp>
+        <p:nvSpPr>
+          <p:cNvPr id="20" name="Line 17"/>
+          <p:cNvSpPr>
+            <a:spLocks noChangeShapeType="1"/>
+          </p:cNvSpPr>
+          <p:nvPr/>
+        </p:nvSpPr>
+        <p:spPr bwMode="auto">
+          <a:xfrm>
+            <a:off x="5876349" y="2685329"/>
+            <a:ext cx="449262" cy="449262"/>
+          </a:xfrm>
+          <a:prstGeom prst="line">
+            <a:avLst/>
+          </a:prstGeom>
+          <a:noFill/>
+          <a:ln w="12700">
+            <a:solidFill>
+              <a:schemeClr val="tx2">
+                <a:lumMod val="60000"/>
+                <a:lumOff val="40000"/>
+              </a:schemeClr>
+            </a:solidFill>
+            <a:round/>
+            <a:headEnd/>
+            <a:tailEnd/>
+          </a:ln>
+          <a:effectLst/>
+          <a:extLst>
+            <a:ext uri="{909E8E84-426E-40DD-AFC4-6F175D3DCCD1}">
+              <a14:hiddenFill xmlns:a14="http://schemas.microsoft.com/office/drawing/2010/main">
+                <a:noFill/>
+              </a14:hiddenFill>
+            </a:ext>
+            <a:ext uri="{AF507438-7753-43E0-B8FC-AC1667EBCBE1}">
+              <a14:hiddenEffects xmlns:a14="http://schemas.microsoft.com/office/drawing/2010/main">
+                <a:effectLst>
+                  <a:outerShdw dist="35921" dir="2700000" algn="ctr" rotWithShape="0">
+                    <a:schemeClr val="bg2"/>
+                  </a:outerShdw>
+                </a:effectLst>
+              </a14:hiddenEffects>
+            </a:ext>
+          </a:extLst>
+        </p:spPr>
+        <p:txBody>
+          <a:bodyPr/>
+          <a:lstStyle/>
+          <a:p>
+            <a:endParaRPr lang="en-US"/>
+          </a:p>
+        </p:txBody>
+      </p:sp>
+      <p:sp>
+        <p:nvSpPr>
+          <p:cNvPr id="21" name="Line 18"/>
+          <p:cNvSpPr>
+            <a:spLocks noChangeShapeType="1"/>
+          </p:cNvSpPr>
+          <p:nvPr/>
+        </p:nvSpPr>
+        <p:spPr bwMode="auto">
+          <a:xfrm>
+            <a:off x="4344411" y="2837729"/>
+            <a:ext cx="0" cy="296862"/>
+          </a:xfrm>
+          <a:prstGeom prst="line">
+            <a:avLst/>
+          </a:prstGeom>
+          <a:noFill/>
+          <a:ln w="12700">
+            <a:solidFill>
+              <a:schemeClr val="tx2">
+                <a:lumMod val="60000"/>
+                <a:lumOff val="40000"/>
+              </a:schemeClr>
+            </a:solidFill>
+            <a:round/>
+            <a:headEnd/>
+            <a:tailEnd/>
+          </a:ln>
+          <a:effectLst/>
+          <a:extLst>
+            <a:ext uri="{909E8E84-426E-40DD-AFC4-6F175D3DCCD1}">
+              <a14:hiddenFill xmlns:a14="http://schemas.microsoft.com/office/drawing/2010/main">
+                <a:noFill/>
+              </a14:hiddenFill>
+            </a:ext>
+            <a:ext uri="{AF507438-7753-43E0-B8FC-AC1667EBCBE1}">
+              <a14:hiddenEffects xmlns:a14="http://schemas.microsoft.com/office/drawing/2010/main">
+                <a:effectLst>
+                  <a:outerShdw dist="35921" dir="2700000" algn="ctr" rotWithShape="0">
+                    <a:schemeClr val="bg2"/>
+                  </a:outerShdw>
+                </a:effectLst>
+              </a14:hiddenEffects>
+            </a:ext>
+          </a:extLst>
+        </p:spPr>
+        <p:txBody>
+          <a:bodyPr/>
+          <a:lstStyle/>
+          <a:p>
+            <a:endParaRPr lang="en-US"/>
+          </a:p>
+        </p:txBody>
+      </p:sp>
+      <p:sp>
+        <p:nvSpPr>
+          <p:cNvPr id="22" name="Line 19"/>
+          <p:cNvSpPr>
+            <a:spLocks noChangeShapeType="1"/>
+          </p:cNvSpPr>
+          <p:nvPr/>
+        </p:nvSpPr>
+        <p:spPr bwMode="auto">
+          <a:xfrm>
+            <a:off x="4344411" y="3523529"/>
+            <a:ext cx="0" cy="449262"/>
+          </a:xfrm>
+          <a:prstGeom prst="line">
+            <a:avLst/>
+          </a:prstGeom>
+          <a:noFill/>
+          <a:ln w="12700">
+            <a:solidFill>
+              <a:schemeClr val="tx2">
+                <a:lumMod val="60000"/>
+                <a:lumOff val="40000"/>
+              </a:schemeClr>
+            </a:solidFill>
+            <a:round/>
+            <a:headEnd/>
+            <a:tailEnd/>
+          </a:ln>
+          <a:effectLst/>
+          <a:extLst>
+            <a:ext uri="{909E8E84-426E-40DD-AFC4-6F175D3DCCD1}">
+              <a14:hiddenFill xmlns:a14="http://schemas.microsoft.com/office/drawing/2010/main">
+                <a:noFill/>
+              </a14:hiddenFill>
+            </a:ext>
+            <a:ext uri="{AF507438-7753-43E0-B8FC-AC1667EBCBE1}">
+              <a14:hiddenEffects xmlns:a14="http://schemas.microsoft.com/office/drawing/2010/main">
+                <a:effectLst>
+                  <a:outerShdw dist="35921" dir="2700000" algn="ctr" rotWithShape="0">
+                    <a:schemeClr val="bg2"/>
+                  </a:outerShdw>
+                </a:effectLst>
+              </a14:hiddenEffects>
+            </a:ext>
+          </a:extLst>
+        </p:spPr>
+        <p:txBody>
+          <a:bodyPr/>
+          <a:lstStyle/>
+          <a:p>
+            <a:endParaRPr lang="en-US"/>
+          </a:p>
+        </p:txBody>
+      </p:sp>
+      <p:sp>
+        <p:nvSpPr>
+          <p:cNvPr id="23" name="Line 20"/>
+          <p:cNvSpPr>
+            <a:spLocks noChangeShapeType="1"/>
+          </p:cNvSpPr>
+          <p:nvPr/>
+        </p:nvSpPr>
+        <p:spPr bwMode="auto">
+          <a:xfrm>
+            <a:off x="4199949" y="1999529"/>
+            <a:ext cx="1744662" cy="1973262"/>
+          </a:xfrm>
+          <a:prstGeom prst="line">
+            <a:avLst/>
+          </a:prstGeom>
+          <a:noFill/>
+          <a:ln w="12700">
+            <a:solidFill>
+              <a:schemeClr val="tx2">
+                <a:lumMod val="60000"/>
+                <a:lumOff val="40000"/>
+              </a:schemeClr>
+            </a:solidFill>
+            <a:round/>
+            <a:headEnd/>
+            <a:tailEnd/>
+          </a:ln>
+          <a:effectLst/>
+          <a:extLst>
+            <a:ext uri="{909E8E84-426E-40DD-AFC4-6F175D3DCCD1}">
+              <a14:hiddenFill xmlns:a14="http://schemas.microsoft.com/office/drawing/2010/main">
+                <a:noFill/>
+              </a14:hiddenFill>
+            </a:ext>
+            <a:ext uri="{AF507438-7753-43E0-B8FC-AC1667EBCBE1}">
+              <a14:hiddenEffects xmlns:a14="http://schemas.microsoft.com/office/drawing/2010/main">
+                <a:effectLst>
+                  <a:outerShdw dist="35921" dir="2700000" algn="ctr" rotWithShape="0">
+                    <a:schemeClr val="bg2"/>
+                  </a:outerShdw>
+                </a:effectLst>
+              </a14:hiddenEffects>
+            </a:ext>
+          </a:extLst>
+        </p:spPr>
+        <p:txBody>
+          <a:bodyPr/>
+          <a:lstStyle/>
+          <a:p>
+            <a:endParaRPr lang="en-US"/>
+          </a:p>
+        </p:txBody>
+      </p:sp>
+      <p:sp>
+        <p:nvSpPr>
+          <p:cNvPr id="24" name="Line 21"/>
+          <p:cNvSpPr>
+            <a:spLocks noChangeShapeType="1"/>
+          </p:cNvSpPr>
+          <p:nvPr/>
+        </p:nvSpPr>
+        <p:spPr bwMode="auto">
+          <a:xfrm flipH="1">
+            <a:off x="4504749" y="2685329"/>
+            <a:ext cx="906462" cy="525462"/>
+          </a:xfrm>
+          <a:prstGeom prst="line">
+            <a:avLst/>
+          </a:prstGeom>
+          <a:noFill/>
+          <a:ln w="12700">
+            <a:solidFill>
+              <a:schemeClr val="tx2">
+                <a:lumMod val="60000"/>
+                <a:lumOff val="40000"/>
+              </a:schemeClr>
+            </a:solidFill>
+            <a:round/>
+            <a:headEnd/>
+            <a:tailEnd/>
+          </a:ln>
+          <a:effectLst/>
+          <a:extLst>
+            <a:ext uri="{909E8E84-426E-40DD-AFC4-6F175D3DCCD1}">
+              <a14:hiddenFill xmlns:a14="http://schemas.microsoft.com/office/drawing/2010/main">
+                <a:noFill/>
+              </a14:hiddenFill>
+            </a:ext>
+            <a:ext uri="{AF507438-7753-43E0-B8FC-AC1667EBCBE1}">
+              <a14:hiddenEffects xmlns:a14="http://schemas.microsoft.com/office/drawing/2010/main">
+                <a:effectLst>
+                  <a:outerShdw dist="35921" dir="2700000" algn="ctr" rotWithShape="0">
+                    <a:schemeClr val="bg2"/>
+                  </a:outerShdw>
+                </a:effectLst>
+              </a14:hiddenEffects>
+            </a:ext>
+          </a:extLst>
+        </p:spPr>
+        <p:txBody>
+          <a:bodyPr/>
+          <a:lstStyle/>
+          <a:p>
+            <a:endParaRPr lang="en-US"/>
+          </a:p>
+        </p:txBody>
+      </p:sp>
+      <p:sp>
+        <p:nvSpPr>
+          <p:cNvPr id="25" name="Line 22"/>
+          <p:cNvSpPr>
+            <a:spLocks noChangeShapeType="1"/>
+          </p:cNvSpPr>
+          <p:nvPr/>
+        </p:nvSpPr>
+        <p:spPr bwMode="auto">
+          <a:xfrm flipH="1">
+            <a:off x="3056949" y="3523529"/>
+            <a:ext cx="830262" cy="525462"/>
+          </a:xfrm>
+          <a:prstGeom prst="line">
+            <a:avLst/>
+          </a:prstGeom>
+          <a:noFill/>
+          <a:ln w="12700">
+            <a:solidFill>
+              <a:schemeClr val="tx2">
+                <a:lumMod val="60000"/>
+                <a:lumOff val="40000"/>
+              </a:schemeClr>
+            </a:solidFill>
+            <a:round/>
+            <a:headEnd/>
+            <a:tailEnd/>
+          </a:ln>
+          <a:effectLst/>
+          <a:extLst>
+            <a:ext uri="{909E8E84-426E-40DD-AFC4-6F175D3DCCD1}">
+              <a14:hiddenFill xmlns:a14="http://schemas.microsoft.com/office/drawing/2010/main">
+                <a:noFill/>
+              </a14:hiddenFill>
+            </a:ext>
+            <a:ext uri="{AF507438-7753-43E0-B8FC-AC1667EBCBE1}">
+              <a14:hiddenEffects xmlns:a14="http://schemas.microsoft.com/office/drawing/2010/main">
+                <a:effectLst>
+                  <a:outerShdw dist="35921" dir="2700000" algn="ctr" rotWithShape="0">
+                    <a:schemeClr val="bg2"/>
+                  </a:outerShdw>
+                </a:effectLst>
+              </a14:hiddenEffects>
+            </a:ext>
+          </a:extLst>
+        </p:spPr>
+        <p:txBody>
+          <a:bodyPr/>
+          <a:lstStyle/>
+          <a:p>
+            <a:endParaRPr lang="en-US"/>
+          </a:p>
+        </p:txBody>
+      </p:sp>
+      <p:sp>
+        <p:nvSpPr>
+          <p:cNvPr id="26" name="Line 23"/>
+          <p:cNvSpPr>
+            <a:spLocks noChangeShapeType="1"/>
+          </p:cNvSpPr>
+          <p:nvPr/>
+        </p:nvSpPr>
+        <p:spPr bwMode="auto">
+          <a:xfrm>
+            <a:off x="2744211" y="2685329"/>
+            <a:ext cx="0" cy="449262"/>
+          </a:xfrm>
+          <a:prstGeom prst="line">
+            <a:avLst/>
+          </a:prstGeom>
+          <a:noFill/>
+          <a:ln w="12700">
+            <a:solidFill>
+              <a:schemeClr val="tx2">
+                <a:lumMod val="60000"/>
+                <a:lumOff val="40000"/>
+              </a:schemeClr>
+            </a:solidFill>
+            <a:round/>
+            <a:headEnd/>
+            <a:tailEnd/>
+          </a:ln>
+          <a:effectLst/>
+          <a:extLst>
+            <a:ext uri="{909E8E84-426E-40DD-AFC4-6F175D3DCCD1}">
+              <a14:hiddenFill xmlns:a14="http://schemas.microsoft.com/office/drawing/2010/main">
+                <a:noFill/>
+              </a14:hiddenFill>
+            </a:ext>
+            <a:ext uri="{AF507438-7753-43E0-B8FC-AC1667EBCBE1}">
+              <a14:hiddenEffects xmlns:a14="http://schemas.microsoft.com/office/drawing/2010/main">
+                <a:effectLst>
+                  <a:outerShdw dist="35921" dir="2700000" algn="ctr" rotWithShape="0">
+                    <a:schemeClr val="bg2"/>
+                  </a:outerShdw>
+                </a:effectLst>
+              </a14:hiddenEffects>
+            </a:ext>
+          </a:extLst>
+        </p:spPr>
+        <p:txBody>
+          <a:bodyPr/>
+          <a:lstStyle/>
+          <a:p>
+            <a:endParaRPr lang="en-US"/>
+          </a:p>
+        </p:txBody>
+      </p:sp>
+      <p:sp>
+        <p:nvSpPr>
+          <p:cNvPr id="27" name="Line 24"/>
+          <p:cNvSpPr>
+            <a:spLocks noChangeShapeType="1"/>
+          </p:cNvSpPr>
+          <p:nvPr/>
+        </p:nvSpPr>
+        <p:spPr bwMode="auto">
+          <a:xfrm>
+            <a:off x="2744211" y="3523529"/>
+            <a:ext cx="0" cy="449262"/>
+          </a:xfrm>
+          <a:prstGeom prst="line">
+            <a:avLst/>
+          </a:prstGeom>
+          <a:noFill/>
+          <a:ln w="12700">
+            <a:solidFill>
+              <a:schemeClr val="tx2">
+                <a:lumMod val="60000"/>
+                <a:lumOff val="40000"/>
+              </a:schemeClr>
+            </a:solidFill>
+            <a:round/>
+            <a:headEnd/>
+            <a:tailEnd/>
+          </a:ln>
+          <a:effectLst/>
+          <a:extLst>
+            <a:ext uri="{909E8E84-426E-40DD-AFC4-6F175D3DCCD1}">
+              <a14:hiddenFill xmlns:a14="http://schemas.microsoft.com/office/drawing/2010/main">
+                <a:noFill/>
+              </a14:hiddenFill>
+            </a:ext>
+            <a:ext uri="{AF507438-7753-43E0-B8FC-AC1667EBCBE1}">
+              <a14:hiddenEffects xmlns:a14="http://schemas.microsoft.com/office/drawing/2010/main">
+                <a:effectLst>
+                  <a:outerShdw dist="35921" dir="2700000" algn="ctr" rotWithShape="0">
+                    <a:schemeClr val="bg2"/>
+                  </a:outerShdw>
+                </a:effectLst>
+              </a14:hiddenEffects>
+            </a:ext>
+          </a:extLst>
+        </p:spPr>
+        <p:txBody>
+          <a:bodyPr/>
+          <a:lstStyle/>
+          <a:p>
+            <a:endParaRPr lang="en-US"/>
+          </a:p>
+        </p:txBody>
+      </p:sp>
+      <p:sp>
+        <p:nvSpPr>
+          <p:cNvPr id="28" name="Line 25"/>
+          <p:cNvSpPr>
+            <a:spLocks noChangeShapeType="1"/>
+          </p:cNvSpPr>
+          <p:nvPr/>
+        </p:nvSpPr>
+        <p:spPr bwMode="auto">
+          <a:xfrm>
+            <a:off x="3056949" y="2685329"/>
+            <a:ext cx="830262" cy="601662"/>
+          </a:xfrm>
+          <a:prstGeom prst="line">
+            <a:avLst/>
+          </a:prstGeom>
+          <a:noFill/>
+          <a:ln w="12700">
+            <a:solidFill>
+              <a:schemeClr val="tx2">
+                <a:lumMod val="60000"/>
+                <a:lumOff val="40000"/>
+              </a:schemeClr>
+            </a:solidFill>
+            <a:round/>
+            <a:headEnd/>
+            <a:tailEnd/>
+          </a:ln>
+          <a:effectLst/>
+          <a:extLst>
+            <a:ext uri="{909E8E84-426E-40DD-AFC4-6F175D3DCCD1}">
+              <a14:hiddenFill xmlns:a14="http://schemas.microsoft.com/office/drawing/2010/main">
+                <a:noFill/>
+              </a14:hiddenFill>
+            </a:ext>
+            <a:ext uri="{AF507438-7753-43E0-B8FC-AC1667EBCBE1}">
+              <a14:hiddenEffects xmlns:a14="http://schemas.microsoft.com/office/drawing/2010/main">
+                <a:effectLst>
+                  <a:outerShdw dist="35921" dir="2700000" algn="ctr" rotWithShape="0">
+                    <a:schemeClr val="bg2"/>
+                  </a:outerShdw>
+                </a:effectLst>
+              </a14:hiddenEffects>
+            </a:ext>
+          </a:extLst>
+        </p:spPr>
+        <p:txBody>
+          <a:bodyPr/>
+          <a:lstStyle/>
+          <a:p>
+            <a:endParaRPr lang="en-US"/>
+          </a:p>
+        </p:txBody>
+      </p:sp>
+      <p:sp>
+        <p:nvSpPr>
+          <p:cNvPr id="29" name="Line 26"/>
+          <p:cNvSpPr>
+            <a:spLocks noChangeShapeType="1"/>
+          </p:cNvSpPr>
+          <p:nvPr/>
+        </p:nvSpPr>
+        <p:spPr bwMode="auto">
+          <a:xfrm>
+            <a:off x="4504749" y="3371129"/>
+            <a:ext cx="906462" cy="601662"/>
+          </a:xfrm>
+          <a:prstGeom prst="line">
+            <a:avLst/>
+          </a:prstGeom>
+          <a:noFill/>
+          <a:ln w="12700">
+            <a:solidFill>
+              <a:schemeClr val="tx2">
+                <a:lumMod val="60000"/>
+                <a:lumOff val="40000"/>
+              </a:schemeClr>
+            </a:solidFill>
+            <a:round/>
+            <a:headEnd/>
+            <a:tailEnd/>
+          </a:ln>
+          <a:effectLst/>
+          <a:extLst>
+            <a:ext uri="{909E8E84-426E-40DD-AFC4-6F175D3DCCD1}">
+              <a14:hiddenFill xmlns:a14="http://schemas.microsoft.com/office/drawing/2010/main">
+                <a:noFill/>
+              </a14:hiddenFill>
+            </a:ext>
+            <a:ext uri="{AF507438-7753-43E0-B8FC-AC1667EBCBE1}">
+              <a14:hiddenEffects xmlns:a14="http://schemas.microsoft.com/office/drawing/2010/main">
+                <a:effectLst>
+                  <a:outerShdw dist="35921" dir="2700000" algn="ctr" rotWithShape="0">
+                    <a:schemeClr val="bg2"/>
+                  </a:outerShdw>
+                </a:effectLst>
+              </a14:hiddenEffects>
+            </a:ext>
+          </a:extLst>
+        </p:spPr>
+        <p:txBody>
+          <a:bodyPr/>
+          <a:lstStyle/>
+          <a:p>
+            <a:endParaRPr lang="en-US"/>
+          </a:p>
+        </p:txBody>
+      </p:sp>
+      <p:sp>
+        <p:nvSpPr>
+          <p:cNvPr id="30" name="Line 27"/>
+          <p:cNvSpPr>
+            <a:spLocks noChangeShapeType="1"/>
+          </p:cNvSpPr>
+          <p:nvPr/>
+        </p:nvSpPr>
+        <p:spPr bwMode="auto">
+          <a:xfrm flipH="1">
+            <a:off x="2904549" y="1999529"/>
+            <a:ext cx="2049462" cy="1135062"/>
+          </a:xfrm>
+          <a:prstGeom prst="line">
+            <a:avLst/>
+          </a:prstGeom>
+          <a:noFill/>
+          <a:ln w="12700">
+            <a:solidFill>
+              <a:schemeClr val="tx2">
+                <a:lumMod val="60000"/>
+                <a:lumOff val="40000"/>
+              </a:schemeClr>
+            </a:solidFill>
+            <a:round/>
+            <a:headEnd/>
+            <a:tailEnd/>
+          </a:ln>
+          <a:effectLst/>
+          <a:extLst>
+            <a:ext uri="{909E8E84-426E-40DD-AFC4-6F175D3DCCD1}">
+              <a14:hiddenFill xmlns:a14="http://schemas.microsoft.com/office/drawing/2010/main">
+                <a:noFill/>
+              </a14:hiddenFill>
+            </a:ext>
+            <a:ext uri="{AF507438-7753-43E0-B8FC-AC1667EBCBE1}">
+              <a14:hiddenEffects xmlns:a14="http://schemas.microsoft.com/office/drawing/2010/main">
+                <a:effectLst>
+                  <a:outerShdw dist="35921" dir="2700000" algn="ctr" rotWithShape="0">
+                    <a:schemeClr val="bg2"/>
+                  </a:outerShdw>
+                </a:effectLst>
+              </a14:hiddenEffects>
+            </a:ext>
+          </a:extLst>
+        </p:spPr>
+        <p:txBody>
+          <a:bodyPr/>
+          <a:lstStyle/>
+          <a:p>
+            <a:endParaRPr lang="en-US"/>
+          </a:p>
+        </p:txBody>
+      </p:sp>
+    </p:spTree>
+    <p:extLst>
+      <p:ext uri="{BB962C8B-B14F-4D97-AF65-F5344CB8AC3E}">
+        <p14:creationId xmlns:p14="http://schemas.microsoft.com/office/powerpoint/2010/main" val="449489865"/>
+      </p:ext>
+    </p:extLst>
+  </p:cSld>
+  <p:clrMapOvr>
+    <a:masterClrMapping/>
+  </p:clrMapOvr>
+</p:sld>
+</file>
+
 <file path=ppt/slides/slide2.xml><?xml version="1.0" encoding="utf-8"?>
 <p:sld xmlns:a="http://schemas.openxmlformats.org/drawingml/2006/main" xmlns:r="http://schemas.openxmlformats.org/officeDocument/2006/relationships" xmlns:p="http://schemas.openxmlformats.org/presentationml/2006/main">
   <p:cSld>
@@ -6058,10 +7409,6 @@
               </a:rPr>
               <a:t>Profile</a:t>
             </a:r>
-            <a:endParaRPr lang="en-US" sz="2400" dirty="0" smtClean="0">
-              <a:latin typeface="Times New Roman" pitchFamily="18" charset="0"/>
-              <a:cs typeface="Times New Roman" pitchFamily="18" charset="0"/>
-            </a:endParaRPr>
           </a:p>
         </p:txBody>
       </p:sp>
@@ -6206,10 +7553,6 @@
               </a:rPr>
               <a:t>Skill</a:t>
             </a:r>
-            <a:endParaRPr lang="en-US" sz="2400" dirty="0" smtClean="0">
-              <a:latin typeface="Times New Roman" pitchFamily="18" charset="0"/>
-              <a:cs typeface="Times New Roman" pitchFamily="18" charset="0"/>
-            </a:endParaRPr>
           </a:p>
         </p:txBody>
       </p:sp>
@@ -6285,10 +7628,6 @@
               </a:rPr>
               <a:t>Experience</a:t>
             </a:r>
-            <a:endParaRPr lang="en-US" sz="2400" dirty="0" smtClean="0">
-              <a:latin typeface="Times New Roman" pitchFamily="18" charset="0"/>
-              <a:cs typeface="Times New Roman" pitchFamily="18" charset="0"/>
-            </a:endParaRPr>
           </a:p>
         </p:txBody>
       </p:sp>
@@ -6364,10 +7703,6 @@
               </a:rPr>
               <a:t>Education</a:t>
             </a:r>
-            <a:endParaRPr lang="en-US" sz="2400" dirty="0" smtClean="0">
-              <a:latin typeface="Times New Roman" pitchFamily="18" charset="0"/>
-              <a:cs typeface="Times New Roman" pitchFamily="18" charset="0"/>
-            </a:endParaRPr>
           </a:p>
         </p:txBody>
       </p:sp>
@@ -6443,10 +7778,6 @@
               </a:rPr>
               <a:t>Achievement</a:t>
             </a:r>
-            <a:endParaRPr lang="en-US" sz="2400" dirty="0" smtClean="0">
-              <a:latin typeface="Times New Roman" pitchFamily="18" charset="0"/>
-              <a:cs typeface="Times New Roman" pitchFamily="18" charset="0"/>
-            </a:endParaRPr>
           </a:p>
         </p:txBody>
       </p:sp>
@@ -6454,6 +7785,2586 @@
     <p:extLst>
       <p:ext uri="{BB962C8B-B14F-4D97-AF65-F5344CB8AC3E}">
         <p14:creationId xmlns:p14="http://schemas.microsoft.com/office/powerpoint/2010/main" val="1956834760"/>
+      </p:ext>
+    </p:extLst>
+  </p:cSld>
+  <p:clrMapOvr>
+    <a:masterClrMapping/>
+  </p:clrMapOvr>
+</p:sld>
+</file>
+
+<file path=ppt/slides/slide7.xml><?xml version="1.0" encoding="utf-8"?>
+<p:sld xmlns:a="http://schemas.openxmlformats.org/drawingml/2006/main" xmlns:r="http://schemas.openxmlformats.org/officeDocument/2006/relationships" xmlns:p="http://schemas.openxmlformats.org/presentationml/2006/main">
+  <p:cSld>
+    <p:spTree>
+      <p:nvGrpSpPr>
+        <p:cNvPr id="1" name=""/>
+        <p:cNvGrpSpPr/>
+        <p:nvPr/>
+      </p:nvGrpSpPr>
+      <p:grpSpPr>
+        <a:xfrm>
+          <a:off x="0" y="0"/>
+          <a:ext cx="0" cy="0"/>
+          <a:chOff x="0" y="0"/>
+          <a:chExt cx="0" cy="0"/>
+        </a:xfrm>
+      </p:grpSpPr>
+      <p:sp>
+        <p:nvSpPr>
+          <p:cNvPr id="6" name="Rectangle 4"/>
+          <p:cNvSpPr>
+            <a:spLocks noChangeArrowheads="1"/>
+          </p:cNvSpPr>
+          <p:nvPr/>
+        </p:nvSpPr>
+        <p:spPr bwMode="auto">
+          <a:xfrm>
+            <a:off x="271462" y="4388411"/>
+            <a:ext cx="8915400" cy="335989"/>
+          </a:xfrm>
+          <a:prstGeom prst="rect">
+            <a:avLst/>
+          </a:prstGeom>
+          <a:noFill/>
+          <a:ln w="9525">
+            <a:noFill/>
+            <a:miter lim="800000"/>
+            <a:headEnd/>
+            <a:tailEnd/>
+          </a:ln>
+          <a:effectLst/>
+          <a:extLst>
+            <a:ext uri="{909E8E84-426E-40DD-AFC4-6F175D3DCCD1}">
+              <a14:hiddenFill xmlns:a14="http://schemas.microsoft.com/office/drawing/2010/main">
+                <a:solidFill>
+                  <a:schemeClr val="accent1"/>
+                </a:solidFill>
+              </a14:hiddenFill>
+            </a:ext>
+            <a:ext uri="{AF507438-7753-43E0-B8FC-AC1667EBCBE1}">
+              <a14:hiddenEffects xmlns:a14="http://schemas.microsoft.com/office/drawing/2010/main">
+                <a:effectLst>
+                  <a:outerShdw dist="35921" dir="2700000" algn="ctr" rotWithShape="0">
+                    <a:schemeClr val="bg2"/>
+                  </a:outerShdw>
+                </a:effectLst>
+              </a14:hiddenEffects>
+            </a:ext>
+          </a:extLst>
+        </p:spPr>
+        <p:txBody>
+          <a:bodyPr wrap="square" lIns="90488" tIns="44450" rIns="90488" bIns="44450">
+            <a:spAutoFit/>
+          </a:bodyPr>
+          <a:lstStyle/>
+          <a:p>
+            <a:pPr eaLnBrk="0" hangingPunct="0"/>
+            <a:r>
+              <a:rPr lang="en-US" sz="1600" dirty="0">
+                <a:latin typeface="Times New Roman" pitchFamily="18" charset="0"/>
+                <a:cs typeface="Times New Roman" pitchFamily="18" charset="0"/>
+              </a:rPr>
+              <a:t>              Energy    Environment     Education      Economics     Transport     Trade       Labor     Agriculture</a:t>
+            </a:r>
+          </a:p>
+        </p:txBody>
+      </p:sp>
+      <p:sp>
+        <p:nvSpPr>
+          <p:cNvPr id="15" name="Rectangle 13"/>
+          <p:cNvSpPr>
+            <a:spLocks noChangeArrowheads="1"/>
+          </p:cNvSpPr>
+          <p:nvPr/>
+        </p:nvSpPr>
+        <p:spPr bwMode="auto">
+          <a:xfrm>
+            <a:off x="1067348" y="3740150"/>
+            <a:ext cx="520700" cy="444500"/>
+          </a:xfrm>
+          <a:prstGeom prst="rect">
+            <a:avLst/>
+          </a:prstGeom>
+          <a:solidFill>
+            <a:schemeClr val="accent1"/>
+          </a:solidFill>
+          <a:ln w="12700">
+            <a:solidFill>
+              <a:schemeClr val="tx2">
+                <a:lumMod val="60000"/>
+                <a:lumOff val="40000"/>
+              </a:schemeClr>
+            </a:solidFill>
+            <a:miter lim="800000"/>
+            <a:headEnd/>
+            <a:tailEnd/>
+          </a:ln>
+          <a:effectLst/>
+          <a:extLst>
+            <a:ext uri="{AF507438-7753-43E0-B8FC-AC1667EBCBE1}">
+              <a14:hiddenEffects xmlns:a14="http://schemas.microsoft.com/office/drawing/2010/main">
+                <a:effectLst>
+                  <a:outerShdw dist="35921" dir="2700000" algn="ctr" rotWithShape="0">
+                    <a:schemeClr val="bg2"/>
+                  </a:outerShdw>
+                </a:effectLst>
+              </a14:hiddenEffects>
+            </a:ext>
+          </a:extLst>
+        </p:spPr>
+        <p:txBody>
+          <a:bodyPr wrap="none" anchor="ctr"/>
+          <a:lstStyle/>
+          <a:p>
+            <a:endParaRPr lang="en-US"/>
+          </a:p>
+        </p:txBody>
+      </p:sp>
+      <p:sp>
+        <p:nvSpPr>
+          <p:cNvPr id="16" name="Rectangle 14"/>
+          <p:cNvSpPr>
+            <a:spLocks noChangeArrowheads="1"/>
+          </p:cNvSpPr>
+          <p:nvPr/>
+        </p:nvSpPr>
+        <p:spPr bwMode="auto">
+          <a:xfrm>
+            <a:off x="2104735" y="3740150"/>
+            <a:ext cx="520700" cy="444500"/>
+          </a:xfrm>
+          <a:prstGeom prst="rect">
+            <a:avLst/>
+          </a:prstGeom>
+          <a:solidFill>
+            <a:schemeClr val="accent1"/>
+          </a:solidFill>
+          <a:ln w="12700">
+            <a:solidFill>
+              <a:schemeClr val="tx2">
+                <a:lumMod val="60000"/>
+                <a:lumOff val="40000"/>
+              </a:schemeClr>
+            </a:solidFill>
+            <a:miter lim="800000"/>
+            <a:headEnd/>
+            <a:tailEnd/>
+          </a:ln>
+          <a:effectLst/>
+          <a:extLst>
+            <a:ext uri="{AF507438-7753-43E0-B8FC-AC1667EBCBE1}">
+              <a14:hiddenEffects xmlns:a14="http://schemas.microsoft.com/office/drawing/2010/main">
+                <a:effectLst>
+                  <a:outerShdw dist="35921" dir="2700000" algn="ctr" rotWithShape="0">
+                    <a:schemeClr val="bg2"/>
+                  </a:outerShdw>
+                </a:effectLst>
+              </a14:hiddenEffects>
+            </a:ext>
+          </a:extLst>
+        </p:spPr>
+        <p:txBody>
+          <a:bodyPr wrap="none" anchor="ctr"/>
+          <a:lstStyle/>
+          <a:p>
+            <a:endParaRPr lang="en-US"/>
+          </a:p>
+        </p:txBody>
+      </p:sp>
+      <p:sp>
+        <p:nvSpPr>
+          <p:cNvPr id="17" name="Rectangle 15"/>
+          <p:cNvSpPr>
+            <a:spLocks noChangeArrowheads="1"/>
+          </p:cNvSpPr>
+          <p:nvPr/>
+        </p:nvSpPr>
+        <p:spPr bwMode="auto">
+          <a:xfrm>
+            <a:off x="3334908" y="3740150"/>
+            <a:ext cx="520700" cy="444500"/>
+          </a:xfrm>
+          <a:prstGeom prst="rect">
+            <a:avLst/>
+          </a:prstGeom>
+          <a:solidFill>
+            <a:schemeClr val="accent1"/>
+          </a:solidFill>
+          <a:ln w="12700">
+            <a:solidFill>
+              <a:schemeClr val="tx2">
+                <a:lumMod val="60000"/>
+                <a:lumOff val="40000"/>
+              </a:schemeClr>
+            </a:solidFill>
+            <a:miter lim="800000"/>
+            <a:headEnd/>
+            <a:tailEnd/>
+          </a:ln>
+          <a:effectLst/>
+          <a:extLst>
+            <a:ext uri="{AF507438-7753-43E0-B8FC-AC1667EBCBE1}">
+              <a14:hiddenEffects xmlns:a14="http://schemas.microsoft.com/office/drawing/2010/main">
+                <a:effectLst>
+                  <a:outerShdw dist="35921" dir="2700000" algn="ctr" rotWithShape="0">
+                    <a:schemeClr val="bg2"/>
+                  </a:outerShdw>
+                </a:effectLst>
+              </a14:hiddenEffects>
+            </a:ext>
+          </a:extLst>
+        </p:spPr>
+        <p:txBody>
+          <a:bodyPr wrap="none" anchor="ctr"/>
+          <a:lstStyle/>
+          <a:p>
+            <a:endParaRPr lang="en-US"/>
+          </a:p>
+        </p:txBody>
+      </p:sp>
+      <p:sp>
+        <p:nvSpPr>
+          <p:cNvPr id="18" name="Rectangle 16"/>
+          <p:cNvSpPr>
+            <a:spLocks noChangeArrowheads="1"/>
+          </p:cNvSpPr>
+          <p:nvPr/>
+        </p:nvSpPr>
+        <p:spPr bwMode="auto">
+          <a:xfrm>
+            <a:off x="4481948" y="3740150"/>
+            <a:ext cx="520700" cy="444500"/>
+          </a:xfrm>
+          <a:prstGeom prst="rect">
+            <a:avLst/>
+          </a:prstGeom>
+          <a:solidFill>
+            <a:schemeClr val="accent1"/>
+          </a:solidFill>
+          <a:ln w="12700">
+            <a:solidFill>
+              <a:schemeClr val="tx2">
+                <a:lumMod val="60000"/>
+                <a:lumOff val="40000"/>
+              </a:schemeClr>
+            </a:solidFill>
+            <a:miter lim="800000"/>
+            <a:headEnd/>
+            <a:tailEnd/>
+          </a:ln>
+          <a:effectLst/>
+          <a:extLst>
+            <a:ext uri="{AF507438-7753-43E0-B8FC-AC1667EBCBE1}">
+              <a14:hiddenEffects xmlns:a14="http://schemas.microsoft.com/office/drawing/2010/main">
+                <a:effectLst>
+                  <a:outerShdw dist="35921" dir="2700000" algn="ctr" rotWithShape="0">
+                    <a:schemeClr val="bg2"/>
+                  </a:outerShdw>
+                </a:effectLst>
+              </a14:hiddenEffects>
+            </a:ext>
+          </a:extLst>
+        </p:spPr>
+        <p:txBody>
+          <a:bodyPr wrap="none" anchor="ctr"/>
+          <a:lstStyle/>
+          <a:p>
+            <a:endParaRPr lang="en-US"/>
+          </a:p>
+        </p:txBody>
+      </p:sp>
+      <p:sp>
+        <p:nvSpPr>
+          <p:cNvPr id="19" name="Rectangle 17"/>
+          <p:cNvSpPr>
+            <a:spLocks noChangeArrowheads="1"/>
+          </p:cNvSpPr>
+          <p:nvPr/>
+        </p:nvSpPr>
+        <p:spPr bwMode="auto">
+          <a:xfrm>
+            <a:off x="5590885" y="3740150"/>
+            <a:ext cx="520700" cy="444500"/>
+          </a:xfrm>
+          <a:prstGeom prst="rect">
+            <a:avLst/>
+          </a:prstGeom>
+          <a:solidFill>
+            <a:schemeClr val="accent1"/>
+          </a:solidFill>
+          <a:ln w="12700">
+            <a:solidFill>
+              <a:schemeClr val="tx2">
+                <a:lumMod val="60000"/>
+                <a:lumOff val="40000"/>
+              </a:schemeClr>
+            </a:solidFill>
+            <a:miter lim="800000"/>
+            <a:headEnd/>
+            <a:tailEnd/>
+          </a:ln>
+          <a:effectLst/>
+          <a:extLst>
+            <a:ext uri="{AF507438-7753-43E0-B8FC-AC1667EBCBE1}">
+              <a14:hiddenEffects xmlns:a14="http://schemas.microsoft.com/office/drawing/2010/main">
+                <a:effectLst>
+                  <a:outerShdw dist="35921" dir="2700000" algn="ctr" rotWithShape="0">
+                    <a:schemeClr val="bg2"/>
+                  </a:outerShdw>
+                </a:effectLst>
+              </a14:hiddenEffects>
+            </a:ext>
+          </a:extLst>
+        </p:spPr>
+        <p:txBody>
+          <a:bodyPr wrap="none" anchor="ctr"/>
+          <a:lstStyle/>
+          <a:p>
+            <a:endParaRPr lang="en-US"/>
+          </a:p>
+        </p:txBody>
+      </p:sp>
+      <p:sp>
+        <p:nvSpPr>
+          <p:cNvPr id="20" name="Rectangle 18"/>
+          <p:cNvSpPr>
+            <a:spLocks noChangeArrowheads="1"/>
+          </p:cNvSpPr>
+          <p:nvPr/>
+        </p:nvSpPr>
+        <p:spPr bwMode="auto">
+          <a:xfrm>
+            <a:off x="6470650" y="3740150"/>
+            <a:ext cx="520700" cy="444500"/>
+          </a:xfrm>
+          <a:prstGeom prst="rect">
+            <a:avLst/>
+          </a:prstGeom>
+          <a:solidFill>
+            <a:schemeClr val="accent1"/>
+          </a:solidFill>
+          <a:ln w="12700">
+            <a:solidFill>
+              <a:schemeClr val="tx2">
+                <a:lumMod val="60000"/>
+                <a:lumOff val="40000"/>
+              </a:schemeClr>
+            </a:solidFill>
+            <a:miter lim="800000"/>
+            <a:headEnd/>
+            <a:tailEnd/>
+          </a:ln>
+          <a:effectLst/>
+          <a:extLst>
+            <a:ext uri="{AF507438-7753-43E0-B8FC-AC1667EBCBE1}">
+              <a14:hiddenEffects xmlns:a14="http://schemas.microsoft.com/office/drawing/2010/main">
+                <a:effectLst>
+                  <a:outerShdw dist="35921" dir="2700000" algn="ctr" rotWithShape="0">
+                    <a:schemeClr val="bg2"/>
+                  </a:outerShdw>
+                </a:effectLst>
+              </a14:hiddenEffects>
+            </a:ext>
+          </a:extLst>
+        </p:spPr>
+        <p:txBody>
+          <a:bodyPr wrap="none" anchor="ctr"/>
+          <a:lstStyle/>
+          <a:p>
+            <a:endParaRPr lang="en-US"/>
+          </a:p>
+        </p:txBody>
+      </p:sp>
+      <p:sp>
+        <p:nvSpPr>
+          <p:cNvPr id="21" name="Rectangle 19"/>
+          <p:cNvSpPr>
+            <a:spLocks noChangeArrowheads="1"/>
+          </p:cNvSpPr>
+          <p:nvPr/>
+        </p:nvSpPr>
+        <p:spPr bwMode="auto">
+          <a:xfrm>
+            <a:off x="7319244" y="3740150"/>
+            <a:ext cx="520700" cy="444500"/>
+          </a:xfrm>
+          <a:prstGeom prst="rect">
+            <a:avLst/>
+          </a:prstGeom>
+          <a:solidFill>
+            <a:schemeClr val="accent1"/>
+          </a:solidFill>
+          <a:ln w="12700">
+            <a:solidFill>
+              <a:schemeClr val="tx2">
+                <a:lumMod val="60000"/>
+                <a:lumOff val="40000"/>
+              </a:schemeClr>
+            </a:solidFill>
+            <a:miter lim="800000"/>
+            <a:headEnd/>
+            <a:tailEnd/>
+          </a:ln>
+          <a:effectLst/>
+          <a:extLst>
+            <a:ext uri="{AF507438-7753-43E0-B8FC-AC1667EBCBE1}">
+              <a14:hiddenEffects xmlns:a14="http://schemas.microsoft.com/office/drawing/2010/main">
+                <a:effectLst>
+                  <a:outerShdw dist="35921" dir="2700000" algn="ctr" rotWithShape="0">
+                    <a:schemeClr val="bg2"/>
+                  </a:outerShdw>
+                </a:effectLst>
+              </a14:hiddenEffects>
+            </a:ext>
+          </a:extLst>
+        </p:spPr>
+        <p:txBody>
+          <a:bodyPr wrap="none" anchor="ctr"/>
+          <a:lstStyle/>
+          <a:p>
+            <a:endParaRPr lang="en-US"/>
+          </a:p>
+        </p:txBody>
+      </p:sp>
+      <p:sp>
+        <p:nvSpPr>
+          <p:cNvPr id="22" name="Rectangle 20"/>
+          <p:cNvSpPr>
+            <a:spLocks noChangeArrowheads="1"/>
+          </p:cNvSpPr>
+          <p:nvPr/>
+        </p:nvSpPr>
+        <p:spPr bwMode="auto">
+          <a:xfrm>
+            <a:off x="8160325" y="3740150"/>
+            <a:ext cx="520700" cy="444500"/>
+          </a:xfrm>
+          <a:prstGeom prst="rect">
+            <a:avLst/>
+          </a:prstGeom>
+          <a:solidFill>
+            <a:schemeClr val="accent1"/>
+          </a:solidFill>
+          <a:ln w="12700">
+            <a:solidFill>
+              <a:schemeClr val="tx2">
+                <a:lumMod val="60000"/>
+                <a:lumOff val="40000"/>
+              </a:schemeClr>
+            </a:solidFill>
+            <a:miter lim="800000"/>
+            <a:headEnd/>
+            <a:tailEnd/>
+          </a:ln>
+          <a:effectLst/>
+          <a:extLst>
+            <a:ext uri="{AF507438-7753-43E0-B8FC-AC1667EBCBE1}">
+              <a14:hiddenEffects xmlns:a14="http://schemas.microsoft.com/office/drawing/2010/main">
+                <a:effectLst>
+                  <a:outerShdw dist="35921" dir="2700000" algn="ctr" rotWithShape="0">
+                    <a:schemeClr val="bg2"/>
+                  </a:outerShdw>
+                </a:effectLst>
+              </a14:hiddenEffects>
+            </a:ext>
+          </a:extLst>
+        </p:spPr>
+        <p:txBody>
+          <a:bodyPr wrap="none" anchor="ctr"/>
+          <a:lstStyle/>
+          <a:p>
+            <a:endParaRPr lang="en-US"/>
+          </a:p>
+        </p:txBody>
+      </p:sp>
+      <p:cxnSp>
+        <p:nvCxnSpPr>
+          <p:cNvPr id="24" name="Straight Connector 23"/>
+          <p:cNvCxnSpPr>
+            <a:stCxn id="15" idx="0"/>
+          </p:cNvCxnSpPr>
+          <p:nvPr/>
+        </p:nvCxnSpPr>
+        <p:spPr>
+          <a:xfrm flipV="1">
+            <a:off x="1327698" y="3352800"/>
+            <a:ext cx="0" cy="387350"/>
+          </a:xfrm>
+          <a:prstGeom prst="line">
+            <a:avLst/>
+          </a:prstGeom>
+          <a:ln>
+            <a:solidFill>
+              <a:schemeClr val="tx2">
+                <a:lumMod val="60000"/>
+                <a:lumOff val="40000"/>
+              </a:schemeClr>
+            </a:solidFill>
+          </a:ln>
+        </p:spPr>
+        <p:style>
+          <a:lnRef idx="1">
+            <a:schemeClr val="accent1"/>
+          </a:lnRef>
+          <a:fillRef idx="0">
+            <a:schemeClr val="accent1"/>
+          </a:fillRef>
+          <a:effectRef idx="0">
+            <a:schemeClr val="accent1"/>
+          </a:effectRef>
+          <a:fontRef idx="minor">
+            <a:schemeClr val="tx1"/>
+          </a:fontRef>
+        </p:style>
+      </p:cxnSp>
+      <p:cxnSp>
+        <p:nvCxnSpPr>
+          <p:cNvPr id="26" name="Straight Connector 25"/>
+          <p:cNvCxnSpPr/>
+          <p:nvPr/>
+        </p:nvCxnSpPr>
+        <p:spPr>
+          <a:xfrm>
+            <a:off x="1327698" y="3352800"/>
+            <a:ext cx="7092977" cy="0"/>
+          </a:xfrm>
+          <a:prstGeom prst="line">
+            <a:avLst/>
+          </a:prstGeom>
+          <a:ln>
+            <a:solidFill>
+              <a:schemeClr val="tx2">
+                <a:lumMod val="60000"/>
+                <a:lumOff val="40000"/>
+              </a:schemeClr>
+            </a:solidFill>
+          </a:ln>
+        </p:spPr>
+        <p:style>
+          <a:lnRef idx="1">
+            <a:schemeClr val="accent1"/>
+          </a:lnRef>
+          <a:fillRef idx="0">
+            <a:schemeClr val="accent1"/>
+          </a:fillRef>
+          <a:effectRef idx="0">
+            <a:schemeClr val="accent1"/>
+          </a:effectRef>
+          <a:fontRef idx="minor">
+            <a:schemeClr val="tx1"/>
+          </a:fontRef>
+        </p:style>
+      </p:cxnSp>
+      <p:cxnSp>
+        <p:nvCxnSpPr>
+          <p:cNvPr id="28" name="Straight Connector 27"/>
+          <p:cNvCxnSpPr/>
+          <p:nvPr/>
+        </p:nvCxnSpPr>
+        <p:spPr>
+          <a:xfrm flipV="1">
+            <a:off x="5851235" y="3352800"/>
+            <a:ext cx="0" cy="387350"/>
+          </a:xfrm>
+          <a:prstGeom prst="line">
+            <a:avLst/>
+          </a:prstGeom>
+          <a:ln>
+            <a:solidFill>
+              <a:schemeClr val="tx2">
+                <a:lumMod val="60000"/>
+                <a:lumOff val="40000"/>
+              </a:schemeClr>
+            </a:solidFill>
+          </a:ln>
+        </p:spPr>
+        <p:style>
+          <a:lnRef idx="1">
+            <a:schemeClr val="accent1"/>
+          </a:lnRef>
+          <a:fillRef idx="0">
+            <a:schemeClr val="accent1"/>
+          </a:fillRef>
+          <a:effectRef idx="0">
+            <a:schemeClr val="accent1"/>
+          </a:effectRef>
+          <a:fontRef idx="minor">
+            <a:schemeClr val="tx1"/>
+          </a:fontRef>
+        </p:style>
+      </p:cxnSp>
+      <p:cxnSp>
+        <p:nvCxnSpPr>
+          <p:cNvPr id="29" name="Straight Connector 28"/>
+          <p:cNvCxnSpPr/>
+          <p:nvPr/>
+        </p:nvCxnSpPr>
+        <p:spPr>
+          <a:xfrm flipV="1">
+            <a:off x="4729162" y="3352800"/>
+            <a:ext cx="0" cy="387350"/>
+          </a:xfrm>
+          <a:prstGeom prst="line">
+            <a:avLst/>
+          </a:prstGeom>
+          <a:ln>
+            <a:solidFill>
+              <a:schemeClr val="tx2">
+                <a:lumMod val="60000"/>
+                <a:lumOff val="40000"/>
+              </a:schemeClr>
+            </a:solidFill>
+          </a:ln>
+        </p:spPr>
+        <p:style>
+          <a:lnRef idx="1">
+            <a:schemeClr val="accent1"/>
+          </a:lnRef>
+          <a:fillRef idx="0">
+            <a:schemeClr val="accent1"/>
+          </a:fillRef>
+          <a:effectRef idx="0">
+            <a:schemeClr val="accent1"/>
+          </a:effectRef>
+          <a:fontRef idx="minor">
+            <a:schemeClr val="tx1"/>
+          </a:fontRef>
+        </p:style>
+      </p:cxnSp>
+      <p:cxnSp>
+        <p:nvCxnSpPr>
+          <p:cNvPr id="30" name="Straight Connector 29"/>
+          <p:cNvCxnSpPr/>
+          <p:nvPr/>
+        </p:nvCxnSpPr>
+        <p:spPr>
+          <a:xfrm flipV="1">
+            <a:off x="3600020" y="3352800"/>
+            <a:ext cx="0" cy="387350"/>
+          </a:xfrm>
+          <a:prstGeom prst="line">
+            <a:avLst/>
+          </a:prstGeom>
+          <a:ln>
+            <a:solidFill>
+              <a:schemeClr val="tx2">
+                <a:lumMod val="60000"/>
+                <a:lumOff val="40000"/>
+              </a:schemeClr>
+            </a:solidFill>
+          </a:ln>
+        </p:spPr>
+        <p:style>
+          <a:lnRef idx="1">
+            <a:schemeClr val="accent1"/>
+          </a:lnRef>
+          <a:fillRef idx="0">
+            <a:schemeClr val="accent1"/>
+          </a:fillRef>
+          <a:effectRef idx="0">
+            <a:schemeClr val="accent1"/>
+          </a:effectRef>
+          <a:fontRef idx="minor">
+            <a:schemeClr val="tx1"/>
+          </a:fontRef>
+        </p:style>
+      </p:cxnSp>
+      <p:cxnSp>
+        <p:nvCxnSpPr>
+          <p:cNvPr id="31" name="Straight Connector 30"/>
+          <p:cNvCxnSpPr/>
+          <p:nvPr/>
+        </p:nvCxnSpPr>
+        <p:spPr>
+          <a:xfrm flipV="1">
+            <a:off x="2365085" y="3352800"/>
+            <a:ext cx="0" cy="387350"/>
+          </a:xfrm>
+          <a:prstGeom prst="line">
+            <a:avLst/>
+          </a:prstGeom>
+          <a:ln>
+            <a:solidFill>
+              <a:schemeClr val="tx2">
+                <a:lumMod val="60000"/>
+                <a:lumOff val="40000"/>
+              </a:schemeClr>
+            </a:solidFill>
+          </a:ln>
+        </p:spPr>
+        <p:style>
+          <a:lnRef idx="1">
+            <a:schemeClr val="accent1"/>
+          </a:lnRef>
+          <a:fillRef idx="0">
+            <a:schemeClr val="accent1"/>
+          </a:fillRef>
+          <a:effectRef idx="0">
+            <a:schemeClr val="accent1"/>
+          </a:effectRef>
+          <a:fontRef idx="minor">
+            <a:schemeClr val="tx1"/>
+          </a:fontRef>
+        </p:style>
+      </p:cxnSp>
+      <p:cxnSp>
+        <p:nvCxnSpPr>
+          <p:cNvPr id="32" name="Straight Connector 31"/>
+          <p:cNvCxnSpPr/>
+          <p:nvPr/>
+        </p:nvCxnSpPr>
+        <p:spPr>
+          <a:xfrm flipV="1">
+            <a:off x="6740812" y="3352800"/>
+            <a:ext cx="0" cy="387350"/>
+          </a:xfrm>
+          <a:prstGeom prst="line">
+            <a:avLst/>
+          </a:prstGeom>
+          <a:ln>
+            <a:solidFill>
+              <a:schemeClr val="tx2">
+                <a:lumMod val="60000"/>
+                <a:lumOff val="40000"/>
+              </a:schemeClr>
+            </a:solidFill>
+          </a:ln>
+        </p:spPr>
+        <p:style>
+          <a:lnRef idx="1">
+            <a:schemeClr val="accent1"/>
+          </a:lnRef>
+          <a:fillRef idx="0">
+            <a:schemeClr val="accent1"/>
+          </a:fillRef>
+          <a:effectRef idx="0">
+            <a:schemeClr val="accent1"/>
+          </a:effectRef>
+          <a:fontRef idx="minor">
+            <a:schemeClr val="tx1"/>
+          </a:fontRef>
+        </p:style>
+      </p:cxnSp>
+      <p:cxnSp>
+        <p:nvCxnSpPr>
+          <p:cNvPr id="33" name="Straight Connector 32"/>
+          <p:cNvCxnSpPr/>
+          <p:nvPr/>
+        </p:nvCxnSpPr>
+        <p:spPr>
+          <a:xfrm flipV="1">
+            <a:off x="7579594" y="3352800"/>
+            <a:ext cx="0" cy="387350"/>
+          </a:xfrm>
+          <a:prstGeom prst="line">
+            <a:avLst/>
+          </a:prstGeom>
+          <a:ln>
+            <a:solidFill>
+              <a:schemeClr val="tx2">
+                <a:lumMod val="60000"/>
+                <a:lumOff val="40000"/>
+              </a:schemeClr>
+            </a:solidFill>
+          </a:ln>
+        </p:spPr>
+        <p:style>
+          <a:lnRef idx="1">
+            <a:schemeClr val="accent1"/>
+          </a:lnRef>
+          <a:fillRef idx="0">
+            <a:schemeClr val="accent1"/>
+          </a:fillRef>
+          <a:effectRef idx="0">
+            <a:schemeClr val="accent1"/>
+          </a:effectRef>
+          <a:fontRef idx="minor">
+            <a:schemeClr val="tx1"/>
+          </a:fontRef>
+        </p:style>
+      </p:cxnSp>
+      <p:cxnSp>
+        <p:nvCxnSpPr>
+          <p:cNvPr id="34" name="Straight Connector 33"/>
+          <p:cNvCxnSpPr/>
+          <p:nvPr/>
+        </p:nvCxnSpPr>
+        <p:spPr>
+          <a:xfrm flipV="1">
+            <a:off x="8420675" y="3352800"/>
+            <a:ext cx="0" cy="387350"/>
+          </a:xfrm>
+          <a:prstGeom prst="line">
+            <a:avLst/>
+          </a:prstGeom>
+          <a:ln>
+            <a:solidFill>
+              <a:schemeClr val="tx2">
+                <a:lumMod val="60000"/>
+                <a:lumOff val="40000"/>
+              </a:schemeClr>
+            </a:solidFill>
+          </a:ln>
+        </p:spPr>
+        <p:style>
+          <a:lnRef idx="1">
+            <a:schemeClr val="accent1"/>
+          </a:lnRef>
+          <a:fillRef idx="0">
+            <a:schemeClr val="accent1"/>
+          </a:fillRef>
+          <a:effectRef idx="0">
+            <a:schemeClr val="accent1"/>
+          </a:effectRef>
+          <a:fontRef idx="minor">
+            <a:schemeClr val="tx1"/>
+          </a:fontRef>
+        </p:style>
+      </p:cxnSp>
+    </p:spTree>
+    <p:extLst>
+      <p:ext uri="{BB962C8B-B14F-4D97-AF65-F5344CB8AC3E}">
+        <p14:creationId xmlns:p14="http://schemas.microsoft.com/office/powerpoint/2010/main" val="1262668292"/>
+      </p:ext>
+    </p:extLst>
+  </p:cSld>
+  <p:clrMapOvr>
+    <a:masterClrMapping/>
+  </p:clrMapOvr>
+</p:sld>
+</file>
+
+<file path=ppt/slides/slide8.xml><?xml version="1.0" encoding="utf-8"?>
+<p:sld xmlns:a="http://schemas.openxmlformats.org/drawingml/2006/main" xmlns:r="http://schemas.openxmlformats.org/officeDocument/2006/relationships" xmlns:p="http://schemas.openxmlformats.org/presentationml/2006/main">
+  <p:cSld>
+    <p:spTree>
+      <p:nvGrpSpPr>
+        <p:cNvPr id="1" name=""/>
+        <p:cNvGrpSpPr/>
+        <p:nvPr/>
+      </p:nvGrpSpPr>
+      <p:grpSpPr>
+        <a:xfrm>
+          <a:off x="0" y="0"/>
+          <a:ext cx="0" cy="0"/>
+          <a:chOff x="0" y="0"/>
+          <a:chExt cx="0" cy="0"/>
+        </a:xfrm>
+      </p:grpSpPr>
+      <p:sp>
+        <p:nvSpPr>
+          <p:cNvPr id="4" name="Rectangle 3"/>
+          <p:cNvSpPr>
+            <a:spLocks noChangeArrowheads="1"/>
+          </p:cNvSpPr>
+          <p:nvPr/>
+        </p:nvSpPr>
+        <p:spPr bwMode="auto">
+          <a:xfrm>
+            <a:off x="3663950" y="871105"/>
+            <a:ext cx="596900" cy="444500"/>
+          </a:xfrm>
+          <a:prstGeom prst="rect">
+            <a:avLst/>
+          </a:prstGeom>
+          <a:solidFill>
+            <a:schemeClr val="accent1"/>
+          </a:solidFill>
+          <a:ln w="12700">
+            <a:solidFill>
+              <a:schemeClr val="tx2">
+                <a:lumMod val="60000"/>
+                <a:lumOff val="40000"/>
+              </a:schemeClr>
+            </a:solidFill>
+            <a:miter lim="800000"/>
+            <a:headEnd/>
+            <a:tailEnd/>
+          </a:ln>
+          <a:effectLst/>
+          <a:extLst>
+            <a:ext uri="{AF507438-7753-43E0-B8FC-AC1667EBCBE1}">
+              <a14:hiddenEffects xmlns:a14="http://schemas.microsoft.com/office/drawing/2010/main">
+                <a:effectLst>
+                  <a:outerShdw dist="35921" dir="2700000" algn="ctr" rotWithShape="0">
+                    <a:schemeClr val="bg2"/>
+                  </a:outerShdw>
+                </a:effectLst>
+              </a14:hiddenEffects>
+            </a:ext>
+          </a:extLst>
+        </p:spPr>
+        <p:txBody>
+          <a:bodyPr wrap="none" anchor="ctr"/>
+          <a:lstStyle/>
+          <a:p>
+            <a:endParaRPr lang="en-US"/>
+          </a:p>
+        </p:txBody>
+      </p:sp>
+      <p:sp>
+        <p:nvSpPr>
+          <p:cNvPr id="5" name="Rectangle 4"/>
+          <p:cNvSpPr>
+            <a:spLocks noChangeArrowheads="1"/>
+          </p:cNvSpPr>
+          <p:nvPr/>
+        </p:nvSpPr>
+        <p:spPr bwMode="auto">
+          <a:xfrm>
+            <a:off x="2749550" y="1785505"/>
+            <a:ext cx="596900" cy="444500"/>
+          </a:xfrm>
+          <a:prstGeom prst="rect">
+            <a:avLst/>
+          </a:prstGeom>
+          <a:solidFill>
+            <a:schemeClr val="accent1"/>
+          </a:solidFill>
+          <a:ln w="12700">
+            <a:solidFill>
+              <a:schemeClr val="tx2">
+                <a:lumMod val="60000"/>
+                <a:lumOff val="40000"/>
+              </a:schemeClr>
+            </a:solidFill>
+            <a:miter lim="800000"/>
+            <a:headEnd/>
+            <a:tailEnd/>
+          </a:ln>
+          <a:effectLst/>
+          <a:extLst>
+            <a:ext uri="{AF507438-7753-43E0-B8FC-AC1667EBCBE1}">
+              <a14:hiddenEffects xmlns:a14="http://schemas.microsoft.com/office/drawing/2010/main">
+                <a:effectLst>
+                  <a:outerShdw dist="35921" dir="2700000" algn="ctr" rotWithShape="0">
+                    <a:schemeClr val="bg2"/>
+                  </a:outerShdw>
+                </a:effectLst>
+              </a14:hiddenEffects>
+            </a:ext>
+          </a:extLst>
+        </p:spPr>
+        <p:txBody>
+          <a:bodyPr wrap="none" anchor="ctr"/>
+          <a:lstStyle/>
+          <a:p>
+            <a:endParaRPr lang="en-US"/>
+          </a:p>
+        </p:txBody>
+      </p:sp>
+      <p:sp>
+        <p:nvSpPr>
+          <p:cNvPr id="6" name="Rectangle 5"/>
+          <p:cNvSpPr>
+            <a:spLocks noChangeArrowheads="1"/>
+          </p:cNvSpPr>
+          <p:nvPr/>
+        </p:nvSpPr>
+        <p:spPr bwMode="auto">
+          <a:xfrm>
+            <a:off x="3663950" y="1785505"/>
+            <a:ext cx="596900" cy="444500"/>
+          </a:xfrm>
+          <a:prstGeom prst="rect">
+            <a:avLst/>
+          </a:prstGeom>
+          <a:solidFill>
+            <a:schemeClr val="accent1"/>
+          </a:solidFill>
+          <a:ln w="12700">
+            <a:solidFill>
+              <a:schemeClr val="tx2">
+                <a:lumMod val="60000"/>
+                <a:lumOff val="40000"/>
+              </a:schemeClr>
+            </a:solidFill>
+            <a:miter lim="800000"/>
+            <a:headEnd/>
+            <a:tailEnd/>
+          </a:ln>
+          <a:effectLst/>
+          <a:extLst>
+            <a:ext uri="{AF507438-7753-43E0-B8FC-AC1667EBCBE1}">
+              <a14:hiddenEffects xmlns:a14="http://schemas.microsoft.com/office/drawing/2010/main">
+                <a:effectLst>
+                  <a:outerShdw dist="35921" dir="2700000" algn="ctr" rotWithShape="0">
+                    <a:schemeClr val="bg2"/>
+                  </a:outerShdw>
+                </a:effectLst>
+              </a14:hiddenEffects>
+            </a:ext>
+          </a:extLst>
+        </p:spPr>
+        <p:txBody>
+          <a:bodyPr wrap="none" anchor="ctr"/>
+          <a:lstStyle/>
+          <a:p>
+            <a:endParaRPr lang="en-US"/>
+          </a:p>
+        </p:txBody>
+      </p:sp>
+      <p:sp>
+        <p:nvSpPr>
+          <p:cNvPr id="7" name="Rectangle 6"/>
+          <p:cNvSpPr>
+            <a:spLocks noChangeArrowheads="1"/>
+          </p:cNvSpPr>
+          <p:nvPr/>
+        </p:nvSpPr>
+        <p:spPr bwMode="auto">
+          <a:xfrm>
+            <a:off x="4959350" y="1785505"/>
+            <a:ext cx="596900" cy="444500"/>
+          </a:xfrm>
+          <a:prstGeom prst="rect">
+            <a:avLst/>
+          </a:prstGeom>
+          <a:solidFill>
+            <a:schemeClr val="accent1"/>
+          </a:solidFill>
+          <a:ln w="12700">
+            <a:solidFill>
+              <a:schemeClr val="tx2">
+                <a:lumMod val="60000"/>
+                <a:lumOff val="40000"/>
+              </a:schemeClr>
+            </a:solidFill>
+            <a:miter lim="800000"/>
+            <a:headEnd/>
+            <a:tailEnd/>
+          </a:ln>
+          <a:effectLst/>
+          <a:extLst>
+            <a:ext uri="{AF507438-7753-43E0-B8FC-AC1667EBCBE1}">
+              <a14:hiddenEffects xmlns:a14="http://schemas.microsoft.com/office/drawing/2010/main">
+                <a:effectLst>
+                  <a:outerShdw dist="35921" dir="2700000" algn="ctr" rotWithShape="0">
+                    <a:schemeClr val="bg2"/>
+                  </a:outerShdw>
+                </a:effectLst>
+              </a14:hiddenEffects>
+            </a:ext>
+          </a:extLst>
+        </p:spPr>
+        <p:txBody>
+          <a:bodyPr wrap="none" anchor="ctr"/>
+          <a:lstStyle/>
+          <a:p>
+            <a:endParaRPr lang="en-US"/>
+          </a:p>
+        </p:txBody>
+      </p:sp>
+      <p:sp>
+        <p:nvSpPr>
+          <p:cNvPr id="8" name="Rectangle 7"/>
+          <p:cNvSpPr>
+            <a:spLocks noChangeArrowheads="1"/>
+          </p:cNvSpPr>
+          <p:nvPr/>
+        </p:nvSpPr>
+        <p:spPr bwMode="auto">
+          <a:xfrm>
+            <a:off x="5416550" y="2623705"/>
+            <a:ext cx="596900" cy="444500"/>
+          </a:xfrm>
+          <a:prstGeom prst="rect">
+            <a:avLst/>
+          </a:prstGeom>
+          <a:solidFill>
+            <a:schemeClr val="accent1"/>
+          </a:solidFill>
+          <a:ln w="12700">
+            <a:solidFill>
+              <a:schemeClr val="tx2">
+                <a:lumMod val="60000"/>
+                <a:lumOff val="40000"/>
+              </a:schemeClr>
+            </a:solidFill>
+            <a:miter lim="800000"/>
+            <a:headEnd/>
+            <a:tailEnd/>
+          </a:ln>
+          <a:effectLst/>
+          <a:extLst>
+            <a:ext uri="{AF507438-7753-43E0-B8FC-AC1667EBCBE1}">
+              <a14:hiddenEffects xmlns:a14="http://schemas.microsoft.com/office/drawing/2010/main">
+                <a:effectLst>
+                  <a:outerShdw dist="35921" dir="2700000" algn="ctr" rotWithShape="0">
+                    <a:schemeClr val="bg2"/>
+                  </a:outerShdw>
+                </a:effectLst>
+              </a14:hiddenEffects>
+            </a:ext>
+          </a:extLst>
+        </p:spPr>
+        <p:txBody>
+          <a:bodyPr wrap="none" anchor="ctr"/>
+          <a:lstStyle/>
+          <a:p>
+            <a:endParaRPr lang="en-US"/>
+          </a:p>
+        </p:txBody>
+      </p:sp>
+      <p:sp>
+        <p:nvSpPr>
+          <p:cNvPr id="9" name="Rectangle 8"/>
+          <p:cNvSpPr>
+            <a:spLocks noChangeArrowheads="1"/>
+          </p:cNvSpPr>
+          <p:nvPr/>
+        </p:nvSpPr>
+        <p:spPr bwMode="auto">
+          <a:xfrm>
+            <a:off x="4502150" y="2547505"/>
+            <a:ext cx="596900" cy="444500"/>
+          </a:xfrm>
+          <a:prstGeom prst="rect">
+            <a:avLst/>
+          </a:prstGeom>
+          <a:solidFill>
+            <a:schemeClr val="accent1"/>
+          </a:solidFill>
+          <a:ln w="12700">
+            <a:solidFill>
+              <a:schemeClr val="tx2">
+                <a:lumMod val="60000"/>
+                <a:lumOff val="40000"/>
+              </a:schemeClr>
+            </a:solidFill>
+            <a:miter lim="800000"/>
+            <a:headEnd/>
+            <a:tailEnd/>
+          </a:ln>
+          <a:effectLst/>
+          <a:extLst>
+            <a:ext uri="{AF507438-7753-43E0-B8FC-AC1667EBCBE1}">
+              <a14:hiddenEffects xmlns:a14="http://schemas.microsoft.com/office/drawing/2010/main">
+                <a:effectLst>
+                  <a:outerShdw dist="35921" dir="2700000" algn="ctr" rotWithShape="0">
+                    <a:schemeClr val="bg2"/>
+                  </a:outerShdw>
+                </a:effectLst>
+              </a14:hiddenEffects>
+            </a:ext>
+          </a:extLst>
+        </p:spPr>
+        <p:txBody>
+          <a:bodyPr wrap="none" anchor="ctr"/>
+          <a:lstStyle/>
+          <a:p>
+            <a:endParaRPr lang="en-US"/>
+          </a:p>
+        </p:txBody>
+      </p:sp>
+      <p:sp>
+        <p:nvSpPr>
+          <p:cNvPr id="10" name="Rectangle 9"/>
+          <p:cNvSpPr>
+            <a:spLocks noChangeArrowheads="1"/>
+          </p:cNvSpPr>
+          <p:nvPr/>
+        </p:nvSpPr>
+        <p:spPr bwMode="auto">
+          <a:xfrm>
+            <a:off x="2749550" y="2471305"/>
+            <a:ext cx="596900" cy="444500"/>
+          </a:xfrm>
+          <a:prstGeom prst="rect">
+            <a:avLst/>
+          </a:prstGeom>
+          <a:solidFill>
+            <a:schemeClr val="accent1"/>
+          </a:solidFill>
+          <a:ln w="12700">
+            <a:solidFill>
+              <a:schemeClr val="tx2">
+                <a:lumMod val="60000"/>
+                <a:lumOff val="40000"/>
+              </a:schemeClr>
+            </a:solidFill>
+            <a:miter lim="800000"/>
+            <a:headEnd/>
+            <a:tailEnd/>
+          </a:ln>
+          <a:effectLst/>
+          <a:extLst>
+            <a:ext uri="{AF507438-7753-43E0-B8FC-AC1667EBCBE1}">
+              <a14:hiddenEffects xmlns:a14="http://schemas.microsoft.com/office/drawing/2010/main">
+                <a:effectLst>
+                  <a:outerShdw dist="35921" dir="2700000" algn="ctr" rotWithShape="0">
+                    <a:schemeClr val="bg2"/>
+                  </a:outerShdw>
+                </a:effectLst>
+              </a14:hiddenEffects>
+            </a:ext>
+          </a:extLst>
+        </p:spPr>
+        <p:txBody>
+          <a:bodyPr wrap="none" anchor="ctr"/>
+          <a:lstStyle/>
+          <a:p>
+            <a:endParaRPr lang="en-US"/>
+          </a:p>
+        </p:txBody>
+      </p:sp>
+      <p:sp>
+        <p:nvSpPr>
+          <p:cNvPr id="12" name="Rectangle 11"/>
+          <p:cNvSpPr>
+            <a:spLocks noChangeArrowheads="1"/>
+          </p:cNvSpPr>
+          <p:nvPr/>
+        </p:nvSpPr>
+        <p:spPr bwMode="auto">
+          <a:xfrm>
+            <a:off x="5797550" y="3309505"/>
+            <a:ext cx="596900" cy="444500"/>
+          </a:xfrm>
+          <a:prstGeom prst="rect">
+            <a:avLst/>
+          </a:prstGeom>
+          <a:solidFill>
+            <a:schemeClr val="accent1"/>
+          </a:solidFill>
+          <a:ln w="12700">
+            <a:solidFill>
+              <a:schemeClr val="tx2">
+                <a:lumMod val="60000"/>
+                <a:lumOff val="40000"/>
+              </a:schemeClr>
+            </a:solidFill>
+            <a:miter lim="800000"/>
+            <a:headEnd/>
+            <a:tailEnd/>
+          </a:ln>
+          <a:effectLst/>
+          <a:extLst>
+            <a:ext uri="{AF507438-7753-43E0-B8FC-AC1667EBCBE1}">
+              <a14:hiddenEffects xmlns:a14="http://schemas.microsoft.com/office/drawing/2010/main">
+                <a:effectLst>
+                  <a:outerShdw dist="35921" dir="2700000" algn="ctr" rotWithShape="0">
+                    <a:schemeClr val="bg2"/>
+                  </a:outerShdw>
+                </a:effectLst>
+              </a14:hiddenEffects>
+            </a:ext>
+          </a:extLst>
+        </p:spPr>
+        <p:txBody>
+          <a:bodyPr wrap="none" anchor="ctr"/>
+          <a:lstStyle/>
+          <a:p>
+            <a:endParaRPr lang="en-US"/>
+          </a:p>
+        </p:txBody>
+      </p:sp>
+      <p:sp>
+        <p:nvSpPr>
+          <p:cNvPr id="13" name="Rectangle 12"/>
+          <p:cNvSpPr>
+            <a:spLocks noChangeArrowheads="1"/>
+          </p:cNvSpPr>
+          <p:nvPr/>
+        </p:nvSpPr>
+        <p:spPr bwMode="auto">
+          <a:xfrm>
+            <a:off x="5035550" y="3309505"/>
+            <a:ext cx="596900" cy="444500"/>
+          </a:xfrm>
+          <a:prstGeom prst="rect">
+            <a:avLst/>
+          </a:prstGeom>
+          <a:solidFill>
+            <a:schemeClr val="accent1"/>
+          </a:solidFill>
+          <a:ln w="12700">
+            <a:solidFill>
+              <a:schemeClr val="tx2">
+                <a:lumMod val="60000"/>
+                <a:lumOff val="40000"/>
+              </a:schemeClr>
+            </a:solidFill>
+            <a:miter lim="800000"/>
+            <a:headEnd/>
+            <a:tailEnd/>
+          </a:ln>
+          <a:effectLst/>
+          <a:extLst>
+            <a:ext uri="{AF507438-7753-43E0-B8FC-AC1667EBCBE1}">
+              <a14:hiddenEffects xmlns:a14="http://schemas.microsoft.com/office/drawing/2010/main">
+                <a:effectLst>
+                  <a:outerShdw dist="35921" dir="2700000" algn="ctr" rotWithShape="0">
+                    <a:schemeClr val="bg2"/>
+                  </a:outerShdw>
+                </a:effectLst>
+              </a14:hiddenEffects>
+            </a:ext>
+          </a:extLst>
+        </p:spPr>
+        <p:txBody>
+          <a:bodyPr wrap="none" anchor="ctr"/>
+          <a:lstStyle/>
+          <a:p>
+            <a:endParaRPr lang="en-US"/>
+          </a:p>
+        </p:txBody>
+      </p:sp>
+      <p:cxnSp>
+        <p:nvCxnSpPr>
+          <p:cNvPr id="26" name="Straight Connector 25"/>
+          <p:cNvCxnSpPr>
+            <a:stCxn id="4" idx="2"/>
+            <a:endCxn id="5" idx="0"/>
+          </p:cNvCxnSpPr>
+          <p:nvPr/>
+        </p:nvCxnSpPr>
+        <p:spPr>
+          <a:xfrm flipH="1">
+            <a:off x="3048000" y="1315605"/>
+            <a:ext cx="914400" cy="469900"/>
+          </a:xfrm>
+          <a:prstGeom prst="line">
+            <a:avLst/>
+          </a:prstGeom>
+          <a:ln>
+            <a:solidFill>
+              <a:schemeClr val="tx2">
+                <a:lumMod val="60000"/>
+                <a:lumOff val="40000"/>
+              </a:schemeClr>
+            </a:solidFill>
+          </a:ln>
+        </p:spPr>
+        <p:style>
+          <a:lnRef idx="1">
+            <a:schemeClr val="accent1"/>
+          </a:lnRef>
+          <a:fillRef idx="0">
+            <a:schemeClr val="accent1"/>
+          </a:fillRef>
+          <a:effectRef idx="0">
+            <a:schemeClr val="accent1"/>
+          </a:effectRef>
+          <a:fontRef idx="minor">
+            <a:schemeClr val="tx1"/>
+          </a:fontRef>
+        </p:style>
+      </p:cxnSp>
+      <p:cxnSp>
+        <p:nvCxnSpPr>
+          <p:cNvPr id="28" name="Straight Connector 27"/>
+          <p:cNvCxnSpPr>
+            <a:stCxn id="4" idx="2"/>
+            <a:endCxn id="6" idx="0"/>
+          </p:cNvCxnSpPr>
+          <p:nvPr/>
+        </p:nvCxnSpPr>
+        <p:spPr>
+          <a:xfrm>
+            <a:off x="3962400" y="1315605"/>
+            <a:ext cx="0" cy="469900"/>
+          </a:xfrm>
+          <a:prstGeom prst="line">
+            <a:avLst/>
+          </a:prstGeom>
+          <a:ln>
+            <a:solidFill>
+              <a:schemeClr val="tx2">
+                <a:lumMod val="60000"/>
+                <a:lumOff val="40000"/>
+              </a:schemeClr>
+            </a:solidFill>
+          </a:ln>
+        </p:spPr>
+        <p:style>
+          <a:lnRef idx="1">
+            <a:schemeClr val="accent1"/>
+          </a:lnRef>
+          <a:fillRef idx="0">
+            <a:schemeClr val="accent1"/>
+          </a:fillRef>
+          <a:effectRef idx="0">
+            <a:schemeClr val="accent1"/>
+          </a:effectRef>
+          <a:fontRef idx="minor">
+            <a:schemeClr val="tx1"/>
+          </a:fontRef>
+        </p:style>
+      </p:cxnSp>
+      <p:cxnSp>
+        <p:nvCxnSpPr>
+          <p:cNvPr id="30" name="Straight Connector 29"/>
+          <p:cNvCxnSpPr>
+            <a:stCxn id="4" idx="2"/>
+            <a:endCxn id="7" idx="0"/>
+          </p:cNvCxnSpPr>
+          <p:nvPr/>
+        </p:nvCxnSpPr>
+        <p:spPr>
+          <a:xfrm>
+            <a:off x="3962400" y="1315605"/>
+            <a:ext cx="1295400" cy="469900"/>
+          </a:xfrm>
+          <a:prstGeom prst="line">
+            <a:avLst/>
+          </a:prstGeom>
+          <a:ln>
+            <a:solidFill>
+              <a:schemeClr val="tx2">
+                <a:lumMod val="60000"/>
+                <a:lumOff val="40000"/>
+              </a:schemeClr>
+            </a:solidFill>
+          </a:ln>
+        </p:spPr>
+        <p:style>
+          <a:lnRef idx="1">
+            <a:schemeClr val="accent1"/>
+          </a:lnRef>
+          <a:fillRef idx="0">
+            <a:schemeClr val="accent1"/>
+          </a:fillRef>
+          <a:effectRef idx="0">
+            <a:schemeClr val="accent1"/>
+          </a:effectRef>
+          <a:fontRef idx="minor">
+            <a:schemeClr val="tx1"/>
+          </a:fontRef>
+        </p:style>
+      </p:cxnSp>
+      <p:cxnSp>
+        <p:nvCxnSpPr>
+          <p:cNvPr id="32" name="Straight Connector 31"/>
+          <p:cNvCxnSpPr>
+            <a:stCxn id="5" idx="2"/>
+            <a:endCxn id="10" idx="0"/>
+          </p:cNvCxnSpPr>
+          <p:nvPr/>
+        </p:nvCxnSpPr>
+        <p:spPr>
+          <a:xfrm>
+            <a:off x="3048000" y="2230005"/>
+            <a:ext cx="0" cy="241300"/>
+          </a:xfrm>
+          <a:prstGeom prst="line">
+            <a:avLst/>
+          </a:prstGeom>
+          <a:ln>
+            <a:solidFill>
+              <a:schemeClr val="tx2">
+                <a:lumMod val="60000"/>
+                <a:lumOff val="40000"/>
+              </a:schemeClr>
+            </a:solidFill>
+          </a:ln>
+        </p:spPr>
+        <p:style>
+          <a:lnRef idx="1">
+            <a:schemeClr val="accent1"/>
+          </a:lnRef>
+          <a:fillRef idx="0">
+            <a:schemeClr val="accent1"/>
+          </a:fillRef>
+          <a:effectRef idx="0">
+            <a:schemeClr val="accent1"/>
+          </a:effectRef>
+          <a:fontRef idx="minor">
+            <a:schemeClr val="tx1"/>
+          </a:fontRef>
+        </p:style>
+      </p:cxnSp>
+      <p:cxnSp>
+        <p:nvCxnSpPr>
+          <p:cNvPr id="36" name="Straight Connector 35"/>
+          <p:cNvCxnSpPr>
+            <a:stCxn id="7" idx="2"/>
+            <a:endCxn id="9" idx="0"/>
+          </p:cNvCxnSpPr>
+          <p:nvPr/>
+        </p:nvCxnSpPr>
+        <p:spPr>
+          <a:xfrm flipH="1">
+            <a:off x="4800600" y="2230005"/>
+            <a:ext cx="457200" cy="317500"/>
+          </a:xfrm>
+          <a:prstGeom prst="line">
+            <a:avLst/>
+          </a:prstGeom>
+          <a:ln>
+            <a:solidFill>
+              <a:schemeClr val="tx2">
+                <a:lumMod val="60000"/>
+                <a:lumOff val="40000"/>
+              </a:schemeClr>
+            </a:solidFill>
+          </a:ln>
+        </p:spPr>
+        <p:style>
+          <a:lnRef idx="1">
+            <a:schemeClr val="accent1"/>
+          </a:lnRef>
+          <a:fillRef idx="0">
+            <a:schemeClr val="accent1"/>
+          </a:fillRef>
+          <a:effectRef idx="0">
+            <a:schemeClr val="accent1"/>
+          </a:effectRef>
+          <a:fontRef idx="minor">
+            <a:schemeClr val="tx1"/>
+          </a:fontRef>
+        </p:style>
+      </p:cxnSp>
+      <p:cxnSp>
+        <p:nvCxnSpPr>
+          <p:cNvPr id="40" name="Straight Connector 39"/>
+          <p:cNvCxnSpPr>
+            <a:stCxn id="7" idx="2"/>
+            <a:endCxn id="8" idx="0"/>
+          </p:cNvCxnSpPr>
+          <p:nvPr/>
+        </p:nvCxnSpPr>
+        <p:spPr>
+          <a:xfrm>
+            <a:off x="5257800" y="2230005"/>
+            <a:ext cx="457200" cy="393700"/>
+          </a:xfrm>
+          <a:prstGeom prst="line">
+            <a:avLst/>
+          </a:prstGeom>
+          <a:ln>
+            <a:solidFill>
+              <a:schemeClr val="tx2">
+                <a:lumMod val="60000"/>
+                <a:lumOff val="40000"/>
+              </a:schemeClr>
+            </a:solidFill>
+          </a:ln>
+        </p:spPr>
+        <p:style>
+          <a:lnRef idx="1">
+            <a:schemeClr val="accent1"/>
+          </a:lnRef>
+          <a:fillRef idx="0">
+            <a:schemeClr val="accent1"/>
+          </a:fillRef>
+          <a:effectRef idx="0">
+            <a:schemeClr val="accent1"/>
+          </a:effectRef>
+          <a:fontRef idx="minor">
+            <a:schemeClr val="tx1"/>
+          </a:fontRef>
+        </p:style>
+      </p:cxnSp>
+      <p:cxnSp>
+        <p:nvCxnSpPr>
+          <p:cNvPr id="42" name="Straight Connector 41"/>
+          <p:cNvCxnSpPr>
+            <a:stCxn id="8" idx="2"/>
+            <a:endCxn id="13" idx="0"/>
+          </p:cNvCxnSpPr>
+          <p:nvPr/>
+        </p:nvCxnSpPr>
+        <p:spPr>
+          <a:xfrm flipH="1">
+            <a:off x="5334000" y="3068205"/>
+            <a:ext cx="381000" cy="241300"/>
+          </a:xfrm>
+          <a:prstGeom prst="line">
+            <a:avLst/>
+          </a:prstGeom>
+          <a:ln>
+            <a:solidFill>
+              <a:schemeClr val="tx2">
+                <a:lumMod val="60000"/>
+                <a:lumOff val="40000"/>
+              </a:schemeClr>
+            </a:solidFill>
+          </a:ln>
+        </p:spPr>
+        <p:style>
+          <a:lnRef idx="1">
+            <a:schemeClr val="accent1"/>
+          </a:lnRef>
+          <a:fillRef idx="0">
+            <a:schemeClr val="accent1"/>
+          </a:fillRef>
+          <a:effectRef idx="0">
+            <a:schemeClr val="accent1"/>
+          </a:effectRef>
+          <a:fontRef idx="minor">
+            <a:schemeClr val="tx1"/>
+          </a:fontRef>
+        </p:style>
+      </p:cxnSp>
+      <p:cxnSp>
+        <p:nvCxnSpPr>
+          <p:cNvPr id="44" name="Straight Connector 43"/>
+          <p:cNvCxnSpPr>
+            <a:stCxn id="8" idx="2"/>
+            <a:endCxn id="12" idx="0"/>
+          </p:cNvCxnSpPr>
+          <p:nvPr/>
+        </p:nvCxnSpPr>
+        <p:spPr>
+          <a:xfrm>
+            <a:off x="5715000" y="3068205"/>
+            <a:ext cx="381000" cy="241300"/>
+          </a:xfrm>
+          <a:prstGeom prst="line">
+            <a:avLst/>
+          </a:prstGeom>
+          <a:ln>
+            <a:solidFill>
+              <a:schemeClr val="tx2">
+                <a:lumMod val="60000"/>
+                <a:lumOff val="40000"/>
+              </a:schemeClr>
+            </a:solidFill>
+          </a:ln>
+        </p:spPr>
+        <p:style>
+          <a:lnRef idx="1">
+            <a:schemeClr val="accent1"/>
+          </a:lnRef>
+          <a:fillRef idx="0">
+            <a:schemeClr val="accent1"/>
+          </a:fillRef>
+          <a:effectRef idx="0">
+            <a:schemeClr val="accent1"/>
+          </a:effectRef>
+          <a:fontRef idx="minor">
+            <a:schemeClr val="tx1"/>
+          </a:fontRef>
+        </p:style>
+      </p:cxnSp>
+    </p:spTree>
+    <p:extLst>
+      <p:ext uri="{BB962C8B-B14F-4D97-AF65-F5344CB8AC3E}">
+        <p14:creationId xmlns:p14="http://schemas.microsoft.com/office/powerpoint/2010/main" val="1915884218"/>
+      </p:ext>
+    </p:extLst>
+  </p:cSld>
+  <p:clrMapOvr>
+    <a:masterClrMapping/>
+  </p:clrMapOvr>
+</p:sld>
+</file>
+
+<file path=ppt/slides/slide9.xml><?xml version="1.0" encoding="utf-8"?>
+<p:sld xmlns:a="http://schemas.openxmlformats.org/drawingml/2006/main" xmlns:r="http://schemas.openxmlformats.org/officeDocument/2006/relationships" xmlns:p="http://schemas.openxmlformats.org/presentationml/2006/main">
+  <p:cSld>
+    <p:spTree>
+      <p:nvGrpSpPr>
+        <p:cNvPr id="1" name=""/>
+        <p:cNvGrpSpPr/>
+        <p:nvPr/>
+      </p:nvGrpSpPr>
+      <p:grpSpPr>
+        <a:xfrm>
+          <a:off x="0" y="0"/>
+          <a:ext cx="0" cy="0"/>
+          <a:chOff x="0" y="0"/>
+          <a:chExt cx="0" cy="0"/>
+        </a:xfrm>
+      </p:grpSpPr>
+      <p:sp>
+        <p:nvSpPr>
+          <p:cNvPr id="4" name="Rectangle 4"/>
+          <p:cNvSpPr>
+            <a:spLocks noChangeArrowheads="1"/>
+          </p:cNvSpPr>
+          <p:nvPr/>
+        </p:nvSpPr>
+        <p:spPr bwMode="auto">
+          <a:xfrm>
+            <a:off x="4257314" y="2841264"/>
+            <a:ext cx="533400" cy="533400"/>
+          </a:xfrm>
+          <a:prstGeom prst="rect">
+            <a:avLst/>
+          </a:prstGeom>
+          <a:solidFill>
+            <a:schemeClr val="accent1"/>
+          </a:solidFill>
+          <a:ln w="12700">
+            <a:solidFill>
+              <a:schemeClr val="tx2">
+                <a:lumMod val="60000"/>
+                <a:lumOff val="40000"/>
+              </a:schemeClr>
+            </a:solidFill>
+            <a:miter lim="800000"/>
+            <a:headEnd/>
+            <a:tailEnd/>
+          </a:ln>
+          <a:effectLst/>
+          <a:extLst>
+            <a:ext uri="{AF507438-7753-43E0-B8FC-AC1667EBCBE1}">
+              <a14:hiddenEffects xmlns:a14="http://schemas.microsoft.com/office/drawing/2010/main">
+                <a:effectLst>
+                  <a:outerShdw dist="35921" dir="2700000" algn="ctr" rotWithShape="0">
+                    <a:schemeClr val="bg2"/>
+                  </a:outerShdw>
+                </a:effectLst>
+              </a14:hiddenEffects>
+            </a:ext>
+          </a:extLst>
+        </p:spPr>
+        <p:txBody>
+          <a:bodyPr wrap="none" anchor="ctr"/>
+          <a:lstStyle/>
+          <a:p>
+            <a:endParaRPr lang="en-US"/>
+          </a:p>
+        </p:txBody>
+      </p:sp>
+      <p:sp>
+        <p:nvSpPr>
+          <p:cNvPr id="5" name="Rectangle 5"/>
+          <p:cNvSpPr>
+            <a:spLocks noChangeArrowheads="1"/>
+          </p:cNvSpPr>
+          <p:nvPr/>
+        </p:nvSpPr>
+        <p:spPr bwMode="auto">
+          <a:xfrm>
+            <a:off x="5171714" y="1926864"/>
+            <a:ext cx="533400" cy="533400"/>
+          </a:xfrm>
+          <a:prstGeom prst="rect">
+            <a:avLst/>
+          </a:prstGeom>
+          <a:solidFill>
+            <a:schemeClr val="accent1"/>
+          </a:solidFill>
+          <a:ln w="12700">
+            <a:solidFill>
+              <a:schemeClr val="tx2">
+                <a:lumMod val="60000"/>
+                <a:lumOff val="40000"/>
+              </a:schemeClr>
+            </a:solidFill>
+            <a:miter lim="800000"/>
+            <a:headEnd/>
+            <a:tailEnd/>
+          </a:ln>
+          <a:effectLst/>
+          <a:extLst>
+            <a:ext uri="{AF507438-7753-43E0-B8FC-AC1667EBCBE1}">
+              <a14:hiddenEffects xmlns:a14="http://schemas.microsoft.com/office/drawing/2010/main">
+                <a:effectLst>
+                  <a:outerShdw dist="35921" dir="2700000" algn="ctr" rotWithShape="0">
+                    <a:schemeClr val="bg2"/>
+                  </a:outerShdw>
+                </a:effectLst>
+              </a14:hiddenEffects>
+            </a:ext>
+          </a:extLst>
+        </p:spPr>
+        <p:txBody>
+          <a:bodyPr wrap="none" anchor="ctr"/>
+          <a:lstStyle/>
+          <a:p>
+            <a:endParaRPr lang="en-US"/>
+          </a:p>
+        </p:txBody>
+      </p:sp>
+      <p:sp>
+        <p:nvSpPr>
+          <p:cNvPr id="6" name="Rectangle 6"/>
+          <p:cNvSpPr>
+            <a:spLocks noChangeArrowheads="1"/>
+          </p:cNvSpPr>
+          <p:nvPr/>
+        </p:nvSpPr>
+        <p:spPr bwMode="auto">
+          <a:xfrm>
+            <a:off x="5400314" y="2841264"/>
+            <a:ext cx="533400" cy="533400"/>
+          </a:xfrm>
+          <a:prstGeom prst="rect">
+            <a:avLst/>
+          </a:prstGeom>
+          <a:solidFill>
+            <a:schemeClr val="accent1"/>
+          </a:solidFill>
+          <a:ln w="12700">
+            <a:solidFill>
+              <a:schemeClr val="tx2">
+                <a:lumMod val="60000"/>
+                <a:lumOff val="40000"/>
+              </a:schemeClr>
+            </a:solidFill>
+            <a:miter lim="800000"/>
+            <a:headEnd/>
+            <a:tailEnd/>
+          </a:ln>
+          <a:effectLst/>
+          <a:extLst>
+            <a:ext uri="{AF507438-7753-43E0-B8FC-AC1667EBCBE1}">
+              <a14:hiddenEffects xmlns:a14="http://schemas.microsoft.com/office/drawing/2010/main">
+                <a:effectLst>
+                  <a:outerShdw dist="35921" dir="2700000" algn="ctr" rotWithShape="0">
+                    <a:schemeClr val="bg2"/>
+                  </a:outerShdw>
+                </a:effectLst>
+              </a14:hiddenEffects>
+            </a:ext>
+          </a:extLst>
+        </p:spPr>
+        <p:txBody>
+          <a:bodyPr wrap="none" anchor="ctr"/>
+          <a:lstStyle/>
+          <a:p>
+            <a:endParaRPr lang="en-US"/>
+          </a:p>
+        </p:txBody>
+      </p:sp>
+      <p:sp>
+        <p:nvSpPr>
+          <p:cNvPr id="7" name="Rectangle 7"/>
+          <p:cNvSpPr>
+            <a:spLocks noChangeArrowheads="1"/>
+          </p:cNvSpPr>
+          <p:nvPr/>
+        </p:nvSpPr>
+        <p:spPr bwMode="auto">
+          <a:xfrm>
+            <a:off x="5095514" y="3755664"/>
+            <a:ext cx="533400" cy="533400"/>
+          </a:xfrm>
+          <a:prstGeom prst="rect">
+            <a:avLst/>
+          </a:prstGeom>
+          <a:solidFill>
+            <a:schemeClr val="accent1"/>
+          </a:solidFill>
+          <a:ln w="12700">
+            <a:solidFill>
+              <a:schemeClr val="tx2">
+                <a:lumMod val="60000"/>
+                <a:lumOff val="40000"/>
+              </a:schemeClr>
+            </a:solidFill>
+            <a:miter lim="800000"/>
+            <a:headEnd/>
+            <a:tailEnd/>
+          </a:ln>
+          <a:effectLst/>
+          <a:extLst>
+            <a:ext uri="{AF507438-7753-43E0-B8FC-AC1667EBCBE1}">
+              <a14:hiddenEffects xmlns:a14="http://schemas.microsoft.com/office/drawing/2010/main">
+                <a:effectLst>
+                  <a:outerShdw dist="35921" dir="2700000" algn="ctr" rotWithShape="0">
+                    <a:schemeClr val="bg2"/>
+                  </a:outerShdw>
+                </a:effectLst>
+              </a14:hiddenEffects>
+            </a:ext>
+          </a:extLst>
+        </p:spPr>
+        <p:txBody>
+          <a:bodyPr wrap="none" anchor="ctr"/>
+          <a:lstStyle/>
+          <a:p>
+            <a:endParaRPr lang="en-US"/>
+          </a:p>
+        </p:txBody>
+      </p:sp>
+      <p:sp>
+        <p:nvSpPr>
+          <p:cNvPr id="8" name="Rectangle 8"/>
+          <p:cNvSpPr>
+            <a:spLocks noChangeArrowheads="1"/>
+          </p:cNvSpPr>
+          <p:nvPr/>
+        </p:nvSpPr>
+        <p:spPr bwMode="auto">
+          <a:xfrm>
+            <a:off x="4257314" y="4136664"/>
+            <a:ext cx="533400" cy="533400"/>
+          </a:xfrm>
+          <a:prstGeom prst="rect">
+            <a:avLst/>
+          </a:prstGeom>
+          <a:solidFill>
+            <a:schemeClr val="accent1"/>
+          </a:solidFill>
+          <a:ln w="12700">
+            <a:solidFill>
+              <a:schemeClr val="tx2">
+                <a:lumMod val="60000"/>
+                <a:lumOff val="40000"/>
+              </a:schemeClr>
+            </a:solidFill>
+            <a:miter lim="800000"/>
+            <a:headEnd/>
+            <a:tailEnd/>
+          </a:ln>
+          <a:effectLst/>
+          <a:extLst>
+            <a:ext uri="{AF507438-7753-43E0-B8FC-AC1667EBCBE1}">
+              <a14:hiddenEffects xmlns:a14="http://schemas.microsoft.com/office/drawing/2010/main">
+                <a:effectLst>
+                  <a:outerShdw dist="35921" dir="2700000" algn="ctr" rotWithShape="0">
+                    <a:schemeClr val="bg2"/>
+                  </a:outerShdw>
+                </a:effectLst>
+              </a14:hiddenEffects>
+            </a:ext>
+          </a:extLst>
+        </p:spPr>
+        <p:txBody>
+          <a:bodyPr wrap="none" anchor="ctr"/>
+          <a:lstStyle/>
+          <a:p>
+            <a:endParaRPr lang="en-US"/>
+          </a:p>
+        </p:txBody>
+      </p:sp>
+      <p:sp>
+        <p:nvSpPr>
+          <p:cNvPr id="9" name="Rectangle 9"/>
+          <p:cNvSpPr>
+            <a:spLocks noChangeArrowheads="1"/>
+          </p:cNvSpPr>
+          <p:nvPr/>
+        </p:nvSpPr>
+        <p:spPr bwMode="auto">
+          <a:xfrm>
+            <a:off x="3495314" y="3755664"/>
+            <a:ext cx="533400" cy="533400"/>
+          </a:xfrm>
+          <a:prstGeom prst="rect">
+            <a:avLst/>
+          </a:prstGeom>
+          <a:solidFill>
+            <a:schemeClr val="accent1"/>
+          </a:solidFill>
+          <a:ln w="12700">
+            <a:solidFill>
+              <a:schemeClr val="tx2">
+                <a:lumMod val="60000"/>
+                <a:lumOff val="40000"/>
+              </a:schemeClr>
+            </a:solidFill>
+            <a:miter lim="800000"/>
+            <a:headEnd/>
+            <a:tailEnd/>
+          </a:ln>
+          <a:effectLst/>
+          <a:extLst>
+            <a:ext uri="{AF507438-7753-43E0-B8FC-AC1667EBCBE1}">
+              <a14:hiddenEffects xmlns:a14="http://schemas.microsoft.com/office/drawing/2010/main">
+                <a:effectLst>
+                  <a:outerShdw dist="35921" dir="2700000" algn="ctr" rotWithShape="0">
+                    <a:schemeClr val="bg2"/>
+                  </a:outerShdw>
+                </a:effectLst>
+              </a14:hiddenEffects>
+            </a:ext>
+          </a:extLst>
+        </p:spPr>
+        <p:txBody>
+          <a:bodyPr wrap="none" anchor="ctr"/>
+          <a:lstStyle/>
+          <a:p>
+            <a:endParaRPr lang="en-US"/>
+          </a:p>
+        </p:txBody>
+      </p:sp>
+      <p:sp>
+        <p:nvSpPr>
+          <p:cNvPr id="10" name="Rectangle 10"/>
+          <p:cNvSpPr>
+            <a:spLocks noChangeArrowheads="1"/>
+          </p:cNvSpPr>
+          <p:nvPr/>
+        </p:nvSpPr>
+        <p:spPr bwMode="auto">
+          <a:xfrm>
+            <a:off x="2961914" y="2841264"/>
+            <a:ext cx="533400" cy="533400"/>
+          </a:xfrm>
+          <a:prstGeom prst="rect">
+            <a:avLst/>
+          </a:prstGeom>
+          <a:solidFill>
+            <a:schemeClr val="accent1"/>
+          </a:solidFill>
+          <a:ln w="12700">
+            <a:solidFill>
+              <a:schemeClr val="tx2">
+                <a:lumMod val="60000"/>
+                <a:lumOff val="40000"/>
+              </a:schemeClr>
+            </a:solidFill>
+            <a:miter lim="800000"/>
+            <a:headEnd/>
+            <a:tailEnd/>
+          </a:ln>
+          <a:effectLst/>
+          <a:extLst>
+            <a:ext uri="{AF507438-7753-43E0-B8FC-AC1667EBCBE1}">
+              <a14:hiddenEffects xmlns:a14="http://schemas.microsoft.com/office/drawing/2010/main">
+                <a:effectLst>
+                  <a:outerShdw dist="35921" dir="2700000" algn="ctr" rotWithShape="0">
+                    <a:schemeClr val="bg2"/>
+                  </a:outerShdw>
+                </a:effectLst>
+              </a14:hiddenEffects>
+            </a:ext>
+          </a:extLst>
+        </p:spPr>
+        <p:txBody>
+          <a:bodyPr wrap="none" anchor="ctr"/>
+          <a:lstStyle/>
+          <a:p>
+            <a:endParaRPr lang="en-US"/>
+          </a:p>
+        </p:txBody>
+      </p:sp>
+      <p:sp>
+        <p:nvSpPr>
+          <p:cNvPr id="11" name="Rectangle 11"/>
+          <p:cNvSpPr>
+            <a:spLocks noChangeArrowheads="1"/>
+          </p:cNvSpPr>
+          <p:nvPr/>
+        </p:nvSpPr>
+        <p:spPr bwMode="auto">
+          <a:xfrm>
+            <a:off x="3419114" y="1926864"/>
+            <a:ext cx="533400" cy="533400"/>
+          </a:xfrm>
+          <a:prstGeom prst="rect">
+            <a:avLst/>
+          </a:prstGeom>
+          <a:solidFill>
+            <a:schemeClr val="accent1"/>
+          </a:solidFill>
+          <a:ln w="12700">
+            <a:solidFill>
+              <a:schemeClr val="tx2">
+                <a:lumMod val="60000"/>
+                <a:lumOff val="40000"/>
+              </a:schemeClr>
+            </a:solidFill>
+            <a:miter lim="800000"/>
+            <a:headEnd/>
+            <a:tailEnd/>
+          </a:ln>
+          <a:effectLst/>
+          <a:extLst>
+            <a:ext uri="{AF507438-7753-43E0-B8FC-AC1667EBCBE1}">
+              <a14:hiddenEffects xmlns:a14="http://schemas.microsoft.com/office/drawing/2010/main">
+                <a:effectLst>
+                  <a:outerShdw dist="35921" dir="2700000" algn="ctr" rotWithShape="0">
+                    <a:schemeClr val="bg2"/>
+                  </a:outerShdw>
+                </a:effectLst>
+              </a14:hiddenEffects>
+            </a:ext>
+          </a:extLst>
+        </p:spPr>
+        <p:txBody>
+          <a:bodyPr wrap="none" anchor="ctr"/>
+          <a:lstStyle/>
+          <a:p>
+            <a:endParaRPr lang="en-US"/>
+          </a:p>
+        </p:txBody>
+      </p:sp>
+      <p:sp>
+        <p:nvSpPr>
+          <p:cNvPr id="12" name="Rectangle 12"/>
+          <p:cNvSpPr>
+            <a:spLocks noChangeArrowheads="1"/>
+          </p:cNvSpPr>
+          <p:nvPr/>
+        </p:nvSpPr>
+        <p:spPr bwMode="auto">
+          <a:xfrm>
+            <a:off x="4257314" y="1545864"/>
+            <a:ext cx="533400" cy="533400"/>
+          </a:xfrm>
+          <a:prstGeom prst="rect">
+            <a:avLst/>
+          </a:prstGeom>
+          <a:solidFill>
+            <a:schemeClr val="accent1"/>
+          </a:solidFill>
+          <a:ln w="12700">
+            <a:solidFill>
+              <a:schemeClr val="tx2">
+                <a:lumMod val="60000"/>
+                <a:lumOff val="40000"/>
+              </a:schemeClr>
+            </a:solidFill>
+            <a:miter lim="800000"/>
+            <a:headEnd/>
+            <a:tailEnd/>
+          </a:ln>
+          <a:effectLst/>
+          <a:extLst>
+            <a:ext uri="{AF507438-7753-43E0-B8FC-AC1667EBCBE1}">
+              <a14:hiddenEffects xmlns:a14="http://schemas.microsoft.com/office/drawing/2010/main">
+                <a:effectLst>
+                  <a:outerShdw dist="35921" dir="2700000" algn="ctr" rotWithShape="0">
+                    <a:schemeClr val="bg2"/>
+                  </a:outerShdw>
+                </a:effectLst>
+              </a14:hiddenEffects>
+            </a:ext>
+          </a:extLst>
+        </p:spPr>
+        <p:txBody>
+          <a:bodyPr wrap="none" anchor="ctr"/>
+          <a:lstStyle/>
+          <a:p>
+            <a:endParaRPr lang="en-US"/>
+          </a:p>
+        </p:txBody>
+      </p:sp>
+      <p:sp>
+        <p:nvSpPr>
+          <p:cNvPr id="13" name="Line 13"/>
+          <p:cNvSpPr>
+            <a:spLocks noChangeShapeType="1"/>
+          </p:cNvSpPr>
+          <p:nvPr/>
+        </p:nvSpPr>
+        <p:spPr bwMode="auto">
+          <a:xfrm>
+            <a:off x="4485914" y="2087202"/>
+            <a:ext cx="0" cy="754062"/>
+          </a:xfrm>
+          <a:prstGeom prst="line">
+            <a:avLst/>
+          </a:prstGeom>
+          <a:noFill/>
+          <a:ln w="12700">
+            <a:solidFill>
+              <a:schemeClr val="tx2">
+                <a:lumMod val="60000"/>
+                <a:lumOff val="40000"/>
+              </a:schemeClr>
+            </a:solidFill>
+            <a:round/>
+            <a:headEnd/>
+            <a:tailEnd/>
+          </a:ln>
+          <a:effectLst/>
+          <a:extLst>
+            <a:ext uri="{909E8E84-426E-40DD-AFC4-6F175D3DCCD1}">
+              <a14:hiddenFill xmlns:a14="http://schemas.microsoft.com/office/drawing/2010/main">
+                <a:noFill/>
+              </a14:hiddenFill>
+            </a:ext>
+            <a:ext uri="{AF507438-7753-43E0-B8FC-AC1667EBCBE1}">
+              <a14:hiddenEffects xmlns:a14="http://schemas.microsoft.com/office/drawing/2010/main">
+                <a:effectLst>
+                  <a:outerShdw dist="35921" dir="2700000" algn="ctr" rotWithShape="0">
+                    <a:schemeClr val="bg2"/>
+                  </a:outerShdw>
+                </a:effectLst>
+              </a14:hiddenEffects>
+            </a:ext>
+          </a:extLst>
+        </p:spPr>
+        <p:txBody>
+          <a:bodyPr/>
+          <a:lstStyle/>
+          <a:p>
+            <a:endParaRPr lang="en-US"/>
+          </a:p>
+        </p:txBody>
+      </p:sp>
+      <p:sp>
+        <p:nvSpPr>
+          <p:cNvPr id="14" name="Line 14"/>
+          <p:cNvSpPr>
+            <a:spLocks noChangeShapeType="1"/>
+          </p:cNvSpPr>
+          <p:nvPr/>
+        </p:nvSpPr>
+        <p:spPr bwMode="auto">
+          <a:xfrm flipH="1">
+            <a:off x="4798652" y="2315802"/>
+            <a:ext cx="373062" cy="525462"/>
+          </a:xfrm>
+          <a:prstGeom prst="line">
+            <a:avLst/>
+          </a:prstGeom>
+          <a:noFill/>
+          <a:ln w="12700">
+            <a:solidFill>
+              <a:schemeClr val="tx2">
+                <a:lumMod val="60000"/>
+                <a:lumOff val="40000"/>
+              </a:schemeClr>
+            </a:solidFill>
+            <a:round/>
+            <a:headEnd/>
+            <a:tailEnd/>
+          </a:ln>
+          <a:effectLst/>
+          <a:extLst>
+            <a:ext uri="{909E8E84-426E-40DD-AFC4-6F175D3DCCD1}">
+              <a14:hiddenFill xmlns:a14="http://schemas.microsoft.com/office/drawing/2010/main">
+                <a:noFill/>
+              </a14:hiddenFill>
+            </a:ext>
+            <a:ext uri="{AF507438-7753-43E0-B8FC-AC1667EBCBE1}">
+              <a14:hiddenEffects xmlns:a14="http://schemas.microsoft.com/office/drawing/2010/main">
+                <a:effectLst>
+                  <a:outerShdw dist="35921" dir="2700000" algn="ctr" rotWithShape="0">
+                    <a:schemeClr val="bg2"/>
+                  </a:outerShdw>
+                </a:effectLst>
+              </a14:hiddenEffects>
+            </a:ext>
+          </a:extLst>
+        </p:spPr>
+        <p:txBody>
+          <a:bodyPr/>
+          <a:lstStyle/>
+          <a:p>
+            <a:endParaRPr lang="en-US"/>
+          </a:p>
+        </p:txBody>
+      </p:sp>
+      <p:sp>
+        <p:nvSpPr>
+          <p:cNvPr id="15" name="Line 15"/>
+          <p:cNvSpPr>
+            <a:spLocks noChangeShapeType="1"/>
+          </p:cNvSpPr>
+          <p:nvPr/>
+        </p:nvSpPr>
+        <p:spPr bwMode="auto">
+          <a:xfrm flipH="1">
+            <a:off x="4798652" y="3146064"/>
+            <a:ext cx="601662" cy="0"/>
+          </a:xfrm>
+          <a:prstGeom prst="line">
+            <a:avLst/>
+          </a:prstGeom>
+          <a:noFill/>
+          <a:ln w="12700">
+            <a:solidFill>
+              <a:schemeClr val="tx2">
+                <a:lumMod val="60000"/>
+                <a:lumOff val="40000"/>
+              </a:schemeClr>
+            </a:solidFill>
+            <a:round/>
+            <a:headEnd/>
+            <a:tailEnd/>
+          </a:ln>
+          <a:effectLst/>
+          <a:extLst>
+            <a:ext uri="{909E8E84-426E-40DD-AFC4-6F175D3DCCD1}">
+              <a14:hiddenFill xmlns:a14="http://schemas.microsoft.com/office/drawing/2010/main">
+                <a:noFill/>
+              </a14:hiddenFill>
+            </a:ext>
+            <a:ext uri="{AF507438-7753-43E0-B8FC-AC1667EBCBE1}">
+              <a14:hiddenEffects xmlns:a14="http://schemas.microsoft.com/office/drawing/2010/main">
+                <a:effectLst>
+                  <a:outerShdw dist="35921" dir="2700000" algn="ctr" rotWithShape="0">
+                    <a:schemeClr val="bg2"/>
+                  </a:outerShdw>
+                </a:effectLst>
+              </a14:hiddenEffects>
+            </a:ext>
+          </a:extLst>
+        </p:spPr>
+        <p:txBody>
+          <a:bodyPr/>
+          <a:lstStyle/>
+          <a:p>
+            <a:endParaRPr lang="en-US"/>
+          </a:p>
+        </p:txBody>
+      </p:sp>
+      <p:sp>
+        <p:nvSpPr>
+          <p:cNvPr id="16" name="Line 16"/>
+          <p:cNvSpPr>
+            <a:spLocks noChangeShapeType="1"/>
+          </p:cNvSpPr>
+          <p:nvPr/>
+        </p:nvSpPr>
+        <p:spPr bwMode="auto">
+          <a:xfrm flipH="1" flipV="1">
+            <a:off x="4792302" y="3376252"/>
+            <a:ext cx="296862" cy="373062"/>
+          </a:xfrm>
+          <a:prstGeom prst="line">
+            <a:avLst/>
+          </a:prstGeom>
+          <a:noFill/>
+          <a:ln w="12700">
+            <a:solidFill>
+              <a:schemeClr val="tx2">
+                <a:lumMod val="60000"/>
+                <a:lumOff val="40000"/>
+              </a:schemeClr>
+            </a:solidFill>
+            <a:round/>
+            <a:headEnd/>
+            <a:tailEnd/>
+          </a:ln>
+          <a:effectLst/>
+          <a:extLst>
+            <a:ext uri="{909E8E84-426E-40DD-AFC4-6F175D3DCCD1}">
+              <a14:hiddenFill xmlns:a14="http://schemas.microsoft.com/office/drawing/2010/main">
+                <a:noFill/>
+              </a14:hiddenFill>
+            </a:ext>
+            <a:ext uri="{AF507438-7753-43E0-B8FC-AC1667EBCBE1}">
+              <a14:hiddenEffects xmlns:a14="http://schemas.microsoft.com/office/drawing/2010/main">
+                <a:effectLst>
+                  <a:outerShdw dist="35921" dir="2700000" algn="ctr" rotWithShape="0">
+                    <a:schemeClr val="bg2"/>
+                  </a:outerShdw>
+                </a:effectLst>
+              </a14:hiddenEffects>
+            </a:ext>
+          </a:extLst>
+        </p:spPr>
+        <p:txBody>
+          <a:bodyPr/>
+          <a:lstStyle/>
+          <a:p>
+            <a:endParaRPr lang="en-US"/>
+          </a:p>
+        </p:txBody>
+      </p:sp>
+      <p:sp>
+        <p:nvSpPr>
+          <p:cNvPr id="17" name="Line 17"/>
+          <p:cNvSpPr>
+            <a:spLocks noChangeShapeType="1"/>
+          </p:cNvSpPr>
+          <p:nvPr/>
+        </p:nvSpPr>
+        <p:spPr bwMode="auto">
+          <a:xfrm flipV="1">
+            <a:off x="4485914" y="3376252"/>
+            <a:ext cx="0" cy="754062"/>
+          </a:xfrm>
+          <a:prstGeom prst="line">
+            <a:avLst/>
+          </a:prstGeom>
+          <a:noFill/>
+          <a:ln w="12700">
+            <a:solidFill>
+              <a:schemeClr val="tx2">
+                <a:lumMod val="60000"/>
+                <a:lumOff val="40000"/>
+              </a:schemeClr>
+            </a:solidFill>
+            <a:round/>
+            <a:headEnd/>
+            <a:tailEnd/>
+          </a:ln>
+          <a:effectLst/>
+          <a:extLst>
+            <a:ext uri="{909E8E84-426E-40DD-AFC4-6F175D3DCCD1}">
+              <a14:hiddenFill xmlns:a14="http://schemas.microsoft.com/office/drawing/2010/main">
+                <a:noFill/>
+              </a14:hiddenFill>
+            </a:ext>
+            <a:ext uri="{AF507438-7753-43E0-B8FC-AC1667EBCBE1}">
+              <a14:hiddenEffects xmlns:a14="http://schemas.microsoft.com/office/drawing/2010/main">
+                <a:effectLst>
+                  <a:outerShdw dist="35921" dir="2700000" algn="ctr" rotWithShape="0">
+                    <a:schemeClr val="bg2"/>
+                  </a:outerShdw>
+                </a:effectLst>
+              </a14:hiddenEffects>
+            </a:ext>
+          </a:extLst>
+        </p:spPr>
+        <p:txBody>
+          <a:bodyPr/>
+          <a:lstStyle/>
+          <a:p>
+            <a:endParaRPr lang="en-US"/>
+          </a:p>
+        </p:txBody>
+      </p:sp>
+      <p:sp>
+        <p:nvSpPr>
+          <p:cNvPr id="18" name="Line 18"/>
+          <p:cNvSpPr>
+            <a:spLocks noChangeShapeType="1"/>
+          </p:cNvSpPr>
+          <p:nvPr/>
+        </p:nvSpPr>
+        <p:spPr bwMode="auto">
+          <a:xfrm flipV="1">
+            <a:off x="3801702" y="3223852"/>
+            <a:ext cx="449262" cy="525462"/>
+          </a:xfrm>
+          <a:prstGeom prst="line">
+            <a:avLst/>
+          </a:prstGeom>
+          <a:noFill/>
+          <a:ln w="12700">
+            <a:solidFill>
+              <a:schemeClr val="tx2">
+                <a:lumMod val="60000"/>
+                <a:lumOff val="40000"/>
+              </a:schemeClr>
+            </a:solidFill>
+            <a:round/>
+            <a:headEnd/>
+            <a:tailEnd/>
+          </a:ln>
+          <a:effectLst/>
+          <a:extLst>
+            <a:ext uri="{909E8E84-426E-40DD-AFC4-6F175D3DCCD1}">
+              <a14:hiddenFill xmlns:a14="http://schemas.microsoft.com/office/drawing/2010/main">
+                <a:noFill/>
+              </a14:hiddenFill>
+            </a:ext>
+            <a:ext uri="{AF507438-7753-43E0-B8FC-AC1667EBCBE1}">
+              <a14:hiddenEffects xmlns:a14="http://schemas.microsoft.com/office/drawing/2010/main">
+                <a:effectLst>
+                  <a:outerShdw dist="35921" dir="2700000" algn="ctr" rotWithShape="0">
+                    <a:schemeClr val="bg2"/>
+                  </a:outerShdw>
+                </a:effectLst>
+              </a14:hiddenEffects>
+            </a:ext>
+          </a:extLst>
+        </p:spPr>
+        <p:txBody>
+          <a:bodyPr/>
+          <a:lstStyle/>
+          <a:p>
+            <a:endParaRPr lang="en-US"/>
+          </a:p>
+        </p:txBody>
+      </p:sp>
+      <p:sp>
+        <p:nvSpPr>
+          <p:cNvPr id="19" name="Line 19"/>
+          <p:cNvSpPr>
+            <a:spLocks noChangeShapeType="1"/>
+          </p:cNvSpPr>
+          <p:nvPr/>
+        </p:nvSpPr>
+        <p:spPr bwMode="auto">
+          <a:xfrm>
+            <a:off x="3503252" y="3069864"/>
+            <a:ext cx="754062" cy="0"/>
+          </a:xfrm>
+          <a:prstGeom prst="line">
+            <a:avLst/>
+          </a:prstGeom>
+          <a:noFill/>
+          <a:ln w="12700">
+            <a:solidFill>
+              <a:schemeClr val="tx2">
+                <a:lumMod val="60000"/>
+                <a:lumOff val="40000"/>
+              </a:schemeClr>
+            </a:solidFill>
+            <a:round/>
+            <a:headEnd/>
+            <a:tailEnd/>
+          </a:ln>
+          <a:effectLst/>
+          <a:extLst>
+            <a:ext uri="{909E8E84-426E-40DD-AFC4-6F175D3DCCD1}">
+              <a14:hiddenFill xmlns:a14="http://schemas.microsoft.com/office/drawing/2010/main">
+                <a:noFill/>
+              </a14:hiddenFill>
+            </a:ext>
+            <a:ext uri="{AF507438-7753-43E0-B8FC-AC1667EBCBE1}">
+              <a14:hiddenEffects xmlns:a14="http://schemas.microsoft.com/office/drawing/2010/main">
+                <a:effectLst>
+                  <a:outerShdw dist="35921" dir="2700000" algn="ctr" rotWithShape="0">
+                    <a:schemeClr val="bg2"/>
+                  </a:outerShdw>
+                </a:effectLst>
+              </a14:hiddenEffects>
+            </a:ext>
+          </a:extLst>
+        </p:spPr>
+        <p:txBody>
+          <a:bodyPr/>
+          <a:lstStyle/>
+          <a:p>
+            <a:endParaRPr lang="en-US"/>
+          </a:p>
+        </p:txBody>
+      </p:sp>
+      <p:sp>
+        <p:nvSpPr>
+          <p:cNvPr id="20" name="Line 20"/>
+          <p:cNvSpPr>
+            <a:spLocks noChangeShapeType="1"/>
+          </p:cNvSpPr>
+          <p:nvPr/>
+        </p:nvSpPr>
+        <p:spPr bwMode="auto">
+          <a:xfrm>
+            <a:off x="3960452" y="2468202"/>
+            <a:ext cx="296862" cy="373062"/>
+          </a:xfrm>
+          <a:prstGeom prst="line">
+            <a:avLst/>
+          </a:prstGeom>
+          <a:noFill/>
+          <a:ln w="12700">
+            <a:solidFill>
+              <a:schemeClr val="tx2">
+                <a:lumMod val="60000"/>
+                <a:lumOff val="40000"/>
+              </a:schemeClr>
+            </a:solidFill>
+            <a:round/>
+            <a:headEnd/>
+            <a:tailEnd/>
+          </a:ln>
+          <a:effectLst/>
+          <a:extLst>
+            <a:ext uri="{909E8E84-426E-40DD-AFC4-6F175D3DCCD1}">
+              <a14:hiddenFill xmlns:a14="http://schemas.microsoft.com/office/drawing/2010/main">
+                <a:noFill/>
+              </a14:hiddenFill>
+            </a:ext>
+            <a:ext uri="{AF507438-7753-43E0-B8FC-AC1667EBCBE1}">
+              <a14:hiddenEffects xmlns:a14="http://schemas.microsoft.com/office/drawing/2010/main">
+                <a:effectLst>
+                  <a:outerShdw dist="35921" dir="2700000" algn="ctr" rotWithShape="0">
+                    <a:schemeClr val="bg2"/>
+                  </a:outerShdw>
+                </a:effectLst>
+              </a14:hiddenEffects>
+            </a:ext>
+          </a:extLst>
+        </p:spPr>
+        <p:txBody>
+          <a:bodyPr/>
+          <a:lstStyle/>
+          <a:p>
+            <a:endParaRPr lang="en-US"/>
+          </a:p>
+        </p:txBody>
+      </p:sp>
+    </p:spTree>
+    <p:extLst>
+      <p:ext uri="{BB962C8B-B14F-4D97-AF65-F5344CB8AC3E}">
+        <p14:creationId xmlns:p14="http://schemas.microsoft.com/office/powerpoint/2010/main" val="4157387576"/>
       </p:ext>
     </p:extLst>
   </p:cSld>

--- a/Documents/Thesis Report Picture.pptx
+++ b/Documents/Thesis Report Picture.pptx
@@ -15,6 +15,10 @@
     <p:sldId id="263" r:id="rId9"/>
     <p:sldId id="264" r:id="rId10"/>
     <p:sldId id="265" r:id="rId11"/>
+    <p:sldId id="266" r:id="rId12"/>
+    <p:sldId id="267" r:id="rId13"/>
+    <p:sldId id="269" r:id="rId14"/>
+    <p:sldId id="268" r:id="rId15"/>
   </p:sldIdLst>
   <p:sldSz cx="9144000" cy="6858000" type="screen4x3"/>
   <p:notesSz cx="6858000" cy="9144000"/>
@@ -116,6 +120,5525 @@
 </p:presentation>
 </file>
 
+<file path=ppt/diagrams/colors1.xml><?xml version="1.0" encoding="utf-8"?>
+<dgm:colorsDef xmlns:dgm="http://schemas.openxmlformats.org/drawingml/2006/diagram" xmlns:a="http://schemas.openxmlformats.org/drawingml/2006/main" uniqueId="urn:microsoft.com/office/officeart/2005/8/colors/colorful2">
+  <dgm:title val=""/>
+  <dgm:desc val=""/>
+  <dgm:catLst>
+    <dgm:cat type="colorful" pri="10200"/>
+  </dgm:catLst>
+  <dgm:styleLbl name="node0">
+    <dgm:fillClrLst meth="repeat">
+      <a:schemeClr val="accent1"/>
+    </dgm:fillClrLst>
+    <dgm:linClrLst meth="repeat">
+      <a:schemeClr val="lt1"/>
+    </dgm:linClrLst>
+    <dgm:effectClrLst/>
+    <dgm:txLinClrLst/>
+    <dgm:txFillClrLst/>
+    <dgm:txEffectClrLst/>
+  </dgm:styleLbl>
+  <dgm:styleLbl name="node1">
+    <dgm:fillClrLst>
+      <a:schemeClr val="accent2"/>
+      <a:schemeClr val="accent3"/>
+    </dgm:fillClrLst>
+    <dgm:linClrLst meth="repeat">
+      <a:schemeClr val="lt1"/>
+    </dgm:linClrLst>
+    <dgm:effectClrLst/>
+    <dgm:txLinClrLst/>
+    <dgm:txFillClrLst/>
+    <dgm:txEffectClrLst/>
+  </dgm:styleLbl>
+  <dgm:styleLbl name="alignNode1">
+    <dgm:fillClrLst>
+      <a:schemeClr val="accent2"/>
+      <a:schemeClr val="accent3"/>
+    </dgm:fillClrLst>
+    <dgm:linClrLst>
+      <a:schemeClr val="accent2"/>
+      <a:schemeClr val="accent3"/>
+    </dgm:linClrLst>
+    <dgm:effectClrLst/>
+    <dgm:txLinClrLst/>
+    <dgm:txFillClrLst/>
+    <dgm:txEffectClrLst/>
+  </dgm:styleLbl>
+  <dgm:styleLbl name="lnNode1">
+    <dgm:fillClrLst>
+      <a:schemeClr val="accent2"/>
+      <a:schemeClr val="accent3"/>
+    </dgm:fillClrLst>
+    <dgm:linClrLst meth="repeat">
+      <a:schemeClr val="lt1"/>
+    </dgm:linClrLst>
+    <dgm:effectClrLst/>
+    <dgm:txLinClrLst/>
+    <dgm:txFillClrLst/>
+    <dgm:txEffectClrLst/>
+  </dgm:styleLbl>
+  <dgm:styleLbl name="vennNode1">
+    <dgm:fillClrLst>
+      <a:schemeClr val="accent2">
+        <a:alpha val="50000"/>
+      </a:schemeClr>
+      <a:schemeClr val="accent3">
+        <a:alpha val="50000"/>
+      </a:schemeClr>
+    </dgm:fillClrLst>
+    <dgm:linClrLst meth="repeat">
+      <a:schemeClr val="lt1"/>
+    </dgm:linClrLst>
+    <dgm:effectClrLst/>
+    <dgm:txLinClrLst/>
+    <dgm:txFillClrLst/>
+    <dgm:txEffectClrLst/>
+  </dgm:styleLbl>
+  <dgm:styleLbl name="node2">
+    <dgm:fillClrLst>
+      <a:schemeClr val="accent3"/>
+    </dgm:fillClrLst>
+    <dgm:linClrLst meth="repeat">
+      <a:schemeClr val="lt1"/>
+    </dgm:linClrLst>
+    <dgm:effectClrLst/>
+    <dgm:txLinClrLst/>
+    <dgm:txFillClrLst/>
+    <dgm:txEffectClrLst/>
+  </dgm:styleLbl>
+  <dgm:styleLbl name="node3">
+    <dgm:fillClrLst>
+      <a:schemeClr val="accent4"/>
+    </dgm:fillClrLst>
+    <dgm:linClrLst meth="repeat">
+      <a:schemeClr val="lt1"/>
+    </dgm:linClrLst>
+    <dgm:effectClrLst/>
+    <dgm:txLinClrLst/>
+    <dgm:txFillClrLst/>
+    <dgm:txEffectClrLst/>
+  </dgm:styleLbl>
+  <dgm:styleLbl name="node4">
+    <dgm:fillClrLst>
+      <a:schemeClr val="accent5"/>
+    </dgm:fillClrLst>
+    <dgm:linClrLst meth="repeat">
+      <a:schemeClr val="lt1"/>
+    </dgm:linClrLst>
+    <dgm:effectClrLst/>
+    <dgm:txLinClrLst/>
+    <dgm:txFillClrLst/>
+    <dgm:txEffectClrLst/>
+  </dgm:styleLbl>
+  <dgm:styleLbl name="fgImgPlace1">
+    <dgm:fillClrLst>
+      <a:schemeClr val="accent2">
+        <a:tint val="50000"/>
+      </a:schemeClr>
+      <a:schemeClr val="accent3">
+        <a:tint val="50000"/>
+      </a:schemeClr>
+    </dgm:fillClrLst>
+    <dgm:linClrLst meth="repeat">
+      <a:schemeClr val="lt1"/>
+    </dgm:linClrLst>
+    <dgm:effectClrLst/>
+    <dgm:txLinClrLst/>
+    <dgm:txFillClrLst meth="repeat">
+      <a:schemeClr val="lt1"/>
+    </dgm:txFillClrLst>
+    <dgm:txEffectClrLst/>
+  </dgm:styleLbl>
+  <dgm:styleLbl name="alignImgPlace1">
+    <dgm:fillClrLst>
+      <a:schemeClr val="accent2">
+        <a:tint val="50000"/>
+      </a:schemeClr>
+      <a:schemeClr val="accent3">
+        <a:tint val="20000"/>
+      </a:schemeClr>
+    </dgm:fillClrLst>
+    <dgm:linClrLst meth="repeat">
+      <a:schemeClr val="lt1"/>
+    </dgm:linClrLst>
+    <dgm:effectClrLst/>
+    <dgm:txLinClrLst/>
+    <dgm:txFillClrLst meth="repeat">
+      <a:schemeClr val="lt1"/>
+    </dgm:txFillClrLst>
+    <dgm:txEffectClrLst/>
+  </dgm:styleLbl>
+  <dgm:styleLbl name="bgImgPlace1">
+    <dgm:fillClrLst>
+      <a:schemeClr val="accent2">
+        <a:tint val="50000"/>
+      </a:schemeClr>
+      <a:schemeClr val="accent3">
+        <a:tint val="20000"/>
+      </a:schemeClr>
+    </dgm:fillClrLst>
+    <dgm:linClrLst meth="repeat">
+      <a:schemeClr val="lt1"/>
+    </dgm:linClrLst>
+    <dgm:effectClrLst/>
+    <dgm:txLinClrLst/>
+    <dgm:txFillClrLst meth="repeat">
+      <a:schemeClr val="lt1"/>
+    </dgm:txFillClrLst>
+    <dgm:txEffectClrLst/>
+  </dgm:styleLbl>
+  <dgm:styleLbl name="sibTrans2D1">
+    <dgm:fillClrLst>
+      <a:schemeClr val="accent2"/>
+      <a:schemeClr val="accent3"/>
+    </dgm:fillClrLst>
+    <dgm:linClrLst meth="repeat">
+      <a:schemeClr val="lt1"/>
+    </dgm:linClrLst>
+    <dgm:effectClrLst/>
+    <dgm:txLinClrLst/>
+    <dgm:txFillClrLst/>
+    <dgm:txEffectClrLst/>
+  </dgm:styleLbl>
+  <dgm:styleLbl name="fgSibTrans2D1">
+    <dgm:fillClrLst>
+      <a:schemeClr val="accent2"/>
+      <a:schemeClr val="accent3"/>
+    </dgm:fillClrLst>
+    <dgm:linClrLst meth="repeat">
+      <a:schemeClr val="lt1"/>
+    </dgm:linClrLst>
+    <dgm:effectClrLst/>
+    <dgm:txLinClrLst/>
+    <dgm:txFillClrLst meth="repeat">
+      <a:schemeClr val="lt1"/>
+    </dgm:txFillClrLst>
+    <dgm:txEffectClrLst/>
+  </dgm:styleLbl>
+  <dgm:styleLbl name="bgSibTrans2D1">
+    <dgm:fillClrLst>
+      <a:schemeClr val="accent2"/>
+      <a:schemeClr val="accent3"/>
+    </dgm:fillClrLst>
+    <dgm:linClrLst meth="repeat">
+      <a:schemeClr val="lt1"/>
+    </dgm:linClrLst>
+    <dgm:effectClrLst/>
+    <dgm:txLinClrLst/>
+    <dgm:txFillClrLst meth="repeat">
+      <a:schemeClr val="lt1"/>
+    </dgm:txFillClrLst>
+    <dgm:txEffectClrLst/>
+  </dgm:styleLbl>
+  <dgm:styleLbl name="sibTrans1D1">
+    <dgm:fillClrLst/>
+    <dgm:linClrLst>
+      <a:schemeClr val="accent2"/>
+      <a:schemeClr val="accent3"/>
+    </dgm:linClrLst>
+    <dgm:effectClrLst/>
+    <dgm:txLinClrLst/>
+    <dgm:txFillClrLst meth="repeat">
+      <a:schemeClr val="tx1"/>
+    </dgm:txFillClrLst>
+    <dgm:txEffectClrLst/>
+  </dgm:styleLbl>
+  <dgm:styleLbl name="callout">
+    <dgm:fillClrLst meth="repeat">
+      <a:schemeClr val="accent2"/>
+    </dgm:fillClrLst>
+    <dgm:linClrLst meth="repeat">
+      <a:schemeClr val="accent2">
+        <a:tint val="50000"/>
+      </a:schemeClr>
+    </dgm:linClrLst>
+    <dgm:effectClrLst/>
+    <dgm:txLinClrLst/>
+    <dgm:txFillClrLst meth="repeat">
+      <a:schemeClr val="tx1"/>
+    </dgm:txFillClrLst>
+    <dgm:txEffectClrLst/>
+  </dgm:styleLbl>
+  <dgm:styleLbl name="asst0">
+    <dgm:fillClrLst meth="repeat">
+      <a:schemeClr val="accent2"/>
+    </dgm:fillClrLst>
+    <dgm:linClrLst meth="repeat">
+      <a:schemeClr val="lt1">
+        <a:shade val="80000"/>
+      </a:schemeClr>
+    </dgm:linClrLst>
+    <dgm:effectClrLst/>
+    <dgm:txLinClrLst/>
+    <dgm:txFillClrLst/>
+    <dgm:txEffectClrLst/>
+  </dgm:styleLbl>
+  <dgm:styleLbl name="asst1">
+    <dgm:fillClrLst meth="repeat">
+      <a:schemeClr val="accent3"/>
+    </dgm:fillClrLst>
+    <dgm:linClrLst meth="repeat">
+      <a:schemeClr val="lt1">
+        <a:shade val="80000"/>
+      </a:schemeClr>
+    </dgm:linClrLst>
+    <dgm:effectClrLst/>
+    <dgm:txLinClrLst/>
+    <dgm:txFillClrLst/>
+    <dgm:txEffectClrLst/>
+  </dgm:styleLbl>
+  <dgm:styleLbl name="asst2">
+    <dgm:fillClrLst>
+      <a:schemeClr val="accent4"/>
+    </dgm:fillClrLst>
+    <dgm:linClrLst meth="repeat">
+      <a:schemeClr val="lt1"/>
+    </dgm:linClrLst>
+    <dgm:effectClrLst/>
+    <dgm:txLinClrLst/>
+    <dgm:txFillClrLst/>
+    <dgm:txEffectClrLst/>
+  </dgm:styleLbl>
+  <dgm:styleLbl name="asst3">
+    <dgm:fillClrLst>
+      <a:schemeClr val="accent5"/>
+    </dgm:fillClrLst>
+    <dgm:linClrLst meth="repeat">
+      <a:schemeClr val="lt1"/>
+    </dgm:linClrLst>
+    <dgm:effectClrLst/>
+    <dgm:txLinClrLst/>
+    <dgm:txFillClrLst/>
+    <dgm:txEffectClrLst/>
+  </dgm:styleLbl>
+  <dgm:styleLbl name="asst4">
+    <dgm:fillClrLst>
+      <a:schemeClr val="accent6"/>
+    </dgm:fillClrLst>
+    <dgm:linClrLst meth="repeat">
+      <a:schemeClr val="lt1"/>
+    </dgm:linClrLst>
+    <dgm:effectClrLst/>
+    <dgm:txLinClrLst/>
+    <dgm:txFillClrLst/>
+    <dgm:txEffectClrLst/>
+  </dgm:styleLbl>
+  <dgm:styleLbl name="parChTrans2D1">
+    <dgm:fillClrLst meth="repeat">
+      <a:schemeClr val="accent2"/>
+    </dgm:fillClrLst>
+    <dgm:linClrLst meth="repeat">
+      <a:schemeClr val="lt1"/>
+    </dgm:linClrLst>
+    <dgm:effectClrLst/>
+    <dgm:txLinClrLst/>
+    <dgm:txFillClrLst meth="repeat">
+      <a:schemeClr val="lt1"/>
+    </dgm:txFillClrLst>
+    <dgm:txEffectClrLst/>
+  </dgm:styleLbl>
+  <dgm:styleLbl name="parChTrans2D2">
+    <dgm:fillClrLst meth="repeat">
+      <a:schemeClr val="accent3"/>
+    </dgm:fillClrLst>
+    <dgm:linClrLst meth="repeat">
+      <a:schemeClr val="lt1"/>
+    </dgm:linClrLst>
+    <dgm:effectClrLst/>
+    <dgm:txLinClrLst/>
+    <dgm:txFillClrLst/>
+    <dgm:txEffectClrLst/>
+  </dgm:styleLbl>
+  <dgm:styleLbl name="parChTrans2D3">
+    <dgm:fillClrLst meth="repeat">
+      <a:schemeClr val="accent4"/>
+    </dgm:fillClrLst>
+    <dgm:linClrLst meth="repeat">
+      <a:schemeClr val="lt1"/>
+    </dgm:linClrLst>
+    <dgm:effectClrLst/>
+    <dgm:txLinClrLst/>
+    <dgm:txFillClrLst/>
+    <dgm:txEffectClrLst/>
+  </dgm:styleLbl>
+  <dgm:styleLbl name="parChTrans2D4">
+    <dgm:fillClrLst meth="repeat">
+      <a:schemeClr val="accent5"/>
+    </dgm:fillClrLst>
+    <dgm:linClrLst meth="repeat">
+      <a:schemeClr val="lt1"/>
+    </dgm:linClrLst>
+    <dgm:effectClrLst/>
+    <dgm:txLinClrLst/>
+    <dgm:txFillClrLst meth="repeat">
+      <a:schemeClr val="lt1"/>
+    </dgm:txFillClrLst>
+    <dgm:txEffectClrLst/>
+  </dgm:styleLbl>
+  <dgm:styleLbl name="parChTrans1D1">
+    <dgm:fillClrLst meth="repeat">
+      <a:schemeClr val="accent2"/>
+    </dgm:fillClrLst>
+    <dgm:linClrLst meth="repeat">
+      <a:schemeClr val="accent2"/>
+    </dgm:linClrLst>
+    <dgm:effectClrLst/>
+    <dgm:txLinClrLst/>
+    <dgm:txFillClrLst meth="repeat">
+      <a:schemeClr val="tx1"/>
+    </dgm:txFillClrLst>
+    <dgm:txEffectClrLst/>
+  </dgm:styleLbl>
+  <dgm:styleLbl name="parChTrans1D2">
+    <dgm:fillClrLst meth="repeat">
+      <a:schemeClr val="accent2">
+        <a:tint val="90000"/>
+      </a:schemeClr>
+    </dgm:fillClrLst>
+    <dgm:linClrLst meth="repeat">
+      <a:schemeClr val="accent3"/>
+    </dgm:linClrLst>
+    <dgm:effectClrLst/>
+    <dgm:txLinClrLst/>
+    <dgm:txFillClrLst meth="repeat">
+      <a:schemeClr val="tx1"/>
+    </dgm:txFillClrLst>
+    <dgm:txEffectClrLst/>
+  </dgm:styleLbl>
+  <dgm:styleLbl name="parChTrans1D3">
+    <dgm:fillClrLst meth="repeat">
+      <a:schemeClr val="accent2">
+        <a:tint val="70000"/>
+      </a:schemeClr>
+    </dgm:fillClrLst>
+    <dgm:linClrLst meth="repeat">
+      <a:schemeClr val="accent4"/>
+    </dgm:linClrLst>
+    <dgm:effectClrLst/>
+    <dgm:txLinClrLst/>
+    <dgm:txFillClrLst meth="repeat">
+      <a:schemeClr val="tx1"/>
+    </dgm:txFillClrLst>
+    <dgm:txEffectClrLst/>
+  </dgm:styleLbl>
+  <dgm:styleLbl name="parChTrans1D4">
+    <dgm:fillClrLst meth="repeat">
+      <a:schemeClr val="accent2">
+        <a:tint val="50000"/>
+      </a:schemeClr>
+    </dgm:fillClrLst>
+    <dgm:linClrLst meth="repeat">
+      <a:schemeClr val="accent5"/>
+    </dgm:linClrLst>
+    <dgm:effectClrLst/>
+    <dgm:txLinClrLst/>
+    <dgm:txFillClrLst meth="repeat">
+      <a:schemeClr val="tx1"/>
+    </dgm:txFillClrLst>
+    <dgm:txEffectClrLst/>
+  </dgm:styleLbl>
+  <dgm:styleLbl name="fgAcc1">
+    <dgm:fillClrLst meth="repeat">
+      <a:schemeClr val="lt1">
+        <a:alpha val="90000"/>
+      </a:schemeClr>
+    </dgm:fillClrLst>
+    <dgm:linClrLst>
+      <a:schemeClr val="accent2"/>
+      <a:schemeClr val="accent3"/>
+    </dgm:linClrLst>
+    <dgm:effectClrLst/>
+    <dgm:txLinClrLst/>
+    <dgm:txFillClrLst meth="repeat">
+      <a:schemeClr val="dk1"/>
+    </dgm:txFillClrLst>
+    <dgm:txEffectClrLst/>
+  </dgm:styleLbl>
+  <dgm:styleLbl name="conFgAcc1">
+    <dgm:fillClrLst meth="repeat">
+      <a:schemeClr val="lt1">
+        <a:alpha val="90000"/>
+      </a:schemeClr>
+    </dgm:fillClrLst>
+    <dgm:linClrLst>
+      <a:schemeClr val="accent2"/>
+      <a:schemeClr val="accent3"/>
+    </dgm:linClrLst>
+    <dgm:effectClrLst/>
+    <dgm:txLinClrLst/>
+    <dgm:txFillClrLst meth="repeat">
+      <a:schemeClr val="dk1"/>
+    </dgm:txFillClrLst>
+    <dgm:txEffectClrLst/>
+  </dgm:styleLbl>
+  <dgm:styleLbl name="alignAcc1">
+    <dgm:fillClrLst meth="repeat">
+      <a:schemeClr val="lt1">
+        <a:alpha val="90000"/>
+      </a:schemeClr>
+    </dgm:fillClrLst>
+    <dgm:linClrLst>
+      <a:schemeClr val="accent2"/>
+      <a:schemeClr val="accent3"/>
+    </dgm:linClrLst>
+    <dgm:effectClrLst/>
+    <dgm:txLinClrLst/>
+    <dgm:txFillClrLst meth="repeat">
+      <a:schemeClr val="dk1"/>
+    </dgm:txFillClrLst>
+    <dgm:txEffectClrLst/>
+  </dgm:styleLbl>
+  <dgm:styleLbl name="trAlignAcc1">
+    <dgm:fillClrLst meth="repeat">
+      <a:schemeClr val="lt1">
+        <a:alpha val="40000"/>
+      </a:schemeClr>
+    </dgm:fillClrLst>
+    <dgm:linClrLst meth="repeat">
+      <a:schemeClr val="accent2"/>
+    </dgm:linClrLst>
+    <dgm:effectClrLst/>
+    <dgm:txLinClrLst/>
+    <dgm:txFillClrLst meth="repeat">
+      <a:schemeClr val="dk1"/>
+    </dgm:txFillClrLst>
+    <dgm:txEffectClrLst/>
+  </dgm:styleLbl>
+  <dgm:styleLbl name="bgAcc1">
+    <dgm:fillClrLst meth="repeat">
+      <a:schemeClr val="lt1">
+        <a:alpha val="90000"/>
+      </a:schemeClr>
+    </dgm:fillClrLst>
+    <dgm:linClrLst>
+      <a:schemeClr val="accent2"/>
+      <a:schemeClr val="accent3"/>
+    </dgm:linClrLst>
+    <dgm:effectClrLst/>
+    <dgm:txLinClrLst/>
+    <dgm:txFillClrLst meth="repeat">
+      <a:schemeClr val="dk1"/>
+    </dgm:txFillClrLst>
+    <dgm:txEffectClrLst/>
+  </dgm:styleLbl>
+  <dgm:styleLbl name="solidFgAcc1">
+    <dgm:fillClrLst meth="repeat">
+      <a:schemeClr val="lt1"/>
+    </dgm:fillClrLst>
+    <dgm:linClrLst>
+      <a:schemeClr val="accent2"/>
+      <a:schemeClr val="accent3"/>
+    </dgm:linClrLst>
+    <dgm:effectClrLst/>
+    <dgm:txLinClrLst/>
+    <dgm:txFillClrLst meth="repeat">
+      <a:schemeClr val="dk1"/>
+    </dgm:txFillClrLst>
+    <dgm:txEffectClrLst/>
+  </dgm:styleLbl>
+  <dgm:styleLbl name="solidAlignAcc1">
+    <dgm:fillClrLst meth="repeat">
+      <a:schemeClr val="lt1"/>
+    </dgm:fillClrLst>
+    <dgm:linClrLst>
+      <a:schemeClr val="accent2"/>
+      <a:schemeClr val="accent3"/>
+    </dgm:linClrLst>
+    <dgm:effectClrLst/>
+    <dgm:txLinClrLst/>
+    <dgm:txFillClrLst meth="repeat">
+      <a:schemeClr val="dk1"/>
+    </dgm:txFillClrLst>
+    <dgm:txEffectClrLst/>
+  </dgm:styleLbl>
+  <dgm:styleLbl name="solidBgAcc1">
+    <dgm:fillClrLst meth="repeat">
+      <a:schemeClr val="lt1"/>
+    </dgm:fillClrLst>
+    <dgm:linClrLst>
+      <a:schemeClr val="accent2"/>
+      <a:schemeClr val="accent3"/>
+    </dgm:linClrLst>
+    <dgm:effectClrLst/>
+    <dgm:txLinClrLst/>
+    <dgm:txFillClrLst meth="repeat">
+      <a:schemeClr val="dk1"/>
+    </dgm:txFillClrLst>
+    <dgm:txEffectClrLst/>
+  </dgm:styleLbl>
+  <dgm:styleLbl name="fgAccFollowNode1">
+    <dgm:fillClrLst>
+      <a:schemeClr val="accent2">
+        <a:tint val="40000"/>
+        <a:alpha val="90000"/>
+      </a:schemeClr>
+      <a:schemeClr val="accent3">
+        <a:tint val="40000"/>
+        <a:alpha val="90000"/>
+      </a:schemeClr>
+    </dgm:fillClrLst>
+    <dgm:linClrLst>
+      <a:schemeClr val="accent2">
+        <a:tint val="40000"/>
+        <a:alpha val="90000"/>
+      </a:schemeClr>
+      <a:schemeClr val="accent3">
+        <a:tint val="40000"/>
+        <a:alpha val="90000"/>
+      </a:schemeClr>
+    </dgm:linClrLst>
+    <dgm:effectClrLst/>
+    <dgm:txLinClrLst/>
+    <dgm:txFillClrLst meth="repeat">
+      <a:schemeClr val="dk1"/>
+    </dgm:txFillClrLst>
+    <dgm:txEffectClrLst/>
+  </dgm:styleLbl>
+  <dgm:styleLbl name="alignAccFollowNode1">
+    <dgm:fillClrLst>
+      <a:schemeClr val="accent2">
+        <a:tint val="40000"/>
+        <a:alpha val="90000"/>
+      </a:schemeClr>
+      <a:schemeClr val="accent3">
+        <a:tint val="40000"/>
+        <a:alpha val="90000"/>
+      </a:schemeClr>
+    </dgm:fillClrLst>
+    <dgm:linClrLst>
+      <a:schemeClr val="accent2">
+        <a:tint val="40000"/>
+        <a:alpha val="90000"/>
+      </a:schemeClr>
+      <a:schemeClr val="accent3">
+        <a:tint val="40000"/>
+        <a:alpha val="90000"/>
+      </a:schemeClr>
+    </dgm:linClrLst>
+    <dgm:effectClrLst/>
+    <dgm:txLinClrLst/>
+    <dgm:txFillClrLst meth="repeat">
+      <a:schemeClr val="dk1"/>
+    </dgm:txFillClrLst>
+    <dgm:txEffectClrLst/>
+  </dgm:styleLbl>
+  <dgm:styleLbl name="bgAccFollowNode1">
+    <dgm:fillClrLst>
+      <a:schemeClr val="accent2">
+        <a:tint val="40000"/>
+        <a:alpha val="90000"/>
+      </a:schemeClr>
+      <a:schemeClr val="accent3">
+        <a:tint val="40000"/>
+        <a:alpha val="90000"/>
+      </a:schemeClr>
+    </dgm:fillClrLst>
+    <dgm:linClrLst>
+      <a:schemeClr val="accent2">
+        <a:tint val="40000"/>
+        <a:alpha val="90000"/>
+      </a:schemeClr>
+      <a:schemeClr val="accent3">
+        <a:tint val="40000"/>
+        <a:alpha val="90000"/>
+      </a:schemeClr>
+    </dgm:linClrLst>
+    <dgm:effectClrLst/>
+    <dgm:txLinClrLst/>
+    <dgm:txFillClrLst meth="repeat">
+      <a:schemeClr val="dk1"/>
+    </dgm:txFillClrLst>
+    <dgm:txEffectClrLst/>
+  </dgm:styleLbl>
+  <dgm:styleLbl name="fgAcc0">
+    <dgm:fillClrLst meth="repeat">
+      <a:schemeClr val="lt1">
+        <a:alpha val="90000"/>
+      </a:schemeClr>
+    </dgm:fillClrLst>
+    <dgm:linClrLst>
+      <a:schemeClr val="accent1"/>
+    </dgm:linClrLst>
+    <dgm:effectClrLst/>
+    <dgm:txLinClrLst/>
+    <dgm:txFillClrLst meth="repeat">
+      <a:schemeClr val="dk1"/>
+    </dgm:txFillClrLst>
+    <dgm:txEffectClrLst/>
+  </dgm:styleLbl>
+  <dgm:styleLbl name="fgAcc2">
+    <dgm:fillClrLst meth="repeat">
+      <a:schemeClr val="lt1">
+        <a:alpha val="90000"/>
+      </a:schemeClr>
+    </dgm:fillClrLst>
+    <dgm:linClrLst>
+      <a:schemeClr val="accent3"/>
+    </dgm:linClrLst>
+    <dgm:effectClrLst/>
+    <dgm:txLinClrLst/>
+    <dgm:txFillClrLst meth="repeat">
+      <a:schemeClr val="dk1"/>
+    </dgm:txFillClrLst>
+    <dgm:txEffectClrLst/>
+  </dgm:styleLbl>
+  <dgm:styleLbl name="fgAcc3">
+    <dgm:fillClrLst meth="repeat">
+      <a:schemeClr val="lt1">
+        <a:alpha val="90000"/>
+      </a:schemeClr>
+    </dgm:fillClrLst>
+    <dgm:linClrLst>
+      <a:schemeClr val="accent4"/>
+    </dgm:linClrLst>
+    <dgm:effectClrLst/>
+    <dgm:txLinClrLst/>
+    <dgm:txFillClrLst meth="repeat">
+      <a:schemeClr val="dk1"/>
+    </dgm:txFillClrLst>
+    <dgm:txEffectClrLst/>
+  </dgm:styleLbl>
+  <dgm:styleLbl name="fgAcc4">
+    <dgm:fillClrLst meth="repeat">
+      <a:schemeClr val="lt1">
+        <a:alpha val="90000"/>
+      </a:schemeClr>
+    </dgm:fillClrLst>
+    <dgm:linClrLst>
+      <a:schemeClr val="accent5"/>
+    </dgm:linClrLst>
+    <dgm:effectClrLst/>
+    <dgm:txLinClrLst/>
+    <dgm:txFillClrLst meth="repeat">
+      <a:schemeClr val="dk1"/>
+    </dgm:txFillClrLst>
+    <dgm:txEffectClrLst/>
+  </dgm:styleLbl>
+  <dgm:styleLbl name="bgShp">
+    <dgm:fillClrLst meth="repeat">
+      <a:schemeClr val="accent2">
+        <a:tint val="40000"/>
+      </a:schemeClr>
+    </dgm:fillClrLst>
+    <dgm:linClrLst meth="repeat">
+      <a:schemeClr val="dk1"/>
+    </dgm:linClrLst>
+    <dgm:effectClrLst/>
+    <dgm:txLinClrLst/>
+    <dgm:txFillClrLst meth="repeat">
+      <a:schemeClr val="dk1"/>
+    </dgm:txFillClrLst>
+    <dgm:txEffectClrLst/>
+  </dgm:styleLbl>
+  <dgm:styleLbl name="dkBgShp">
+    <dgm:fillClrLst meth="repeat">
+      <a:schemeClr val="accent2">
+        <a:shade val="90000"/>
+      </a:schemeClr>
+    </dgm:fillClrLst>
+    <dgm:linClrLst meth="repeat">
+      <a:schemeClr val="dk1"/>
+    </dgm:linClrLst>
+    <dgm:effectClrLst/>
+    <dgm:txLinClrLst/>
+    <dgm:txFillClrLst meth="repeat">
+      <a:schemeClr val="lt1"/>
+    </dgm:txFillClrLst>
+    <dgm:txEffectClrLst/>
+  </dgm:styleLbl>
+  <dgm:styleLbl name="trBgShp">
+    <dgm:fillClrLst meth="repeat">
+      <a:schemeClr val="accent2">
+        <a:tint val="50000"/>
+        <a:alpha val="40000"/>
+      </a:schemeClr>
+    </dgm:fillClrLst>
+    <dgm:linClrLst meth="repeat">
+      <a:schemeClr val="accent2"/>
+    </dgm:linClrLst>
+    <dgm:effectClrLst/>
+    <dgm:txLinClrLst/>
+    <dgm:txFillClrLst meth="repeat">
+      <a:schemeClr val="lt1"/>
+    </dgm:txFillClrLst>
+    <dgm:txEffectClrLst/>
+  </dgm:styleLbl>
+  <dgm:styleLbl name="fgShp">
+    <dgm:fillClrLst meth="repeat">
+      <a:schemeClr val="accent2">
+        <a:tint val="40000"/>
+      </a:schemeClr>
+    </dgm:fillClrLst>
+    <dgm:linClrLst meth="repeat">
+      <a:schemeClr val="lt1"/>
+    </dgm:linClrLst>
+    <dgm:effectClrLst/>
+    <dgm:txLinClrLst/>
+    <dgm:txFillClrLst meth="repeat">
+      <a:schemeClr val="dk1"/>
+    </dgm:txFillClrLst>
+    <dgm:txEffectClrLst/>
+  </dgm:styleLbl>
+  <dgm:styleLbl name="revTx">
+    <dgm:fillClrLst meth="repeat">
+      <a:schemeClr val="lt1">
+        <a:alpha val="0"/>
+      </a:schemeClr>
+    </dgm:fillClrLst>
+    <dgm:linClrLst meth="repeat">
+      <a:schemeClr val="dk1">
+        <a:alpha val="0"/>
+      </a:schemeClr>
+    </dgm:linClrLst>
+    <dgm:effectClrLst/>
+    <dgm:txLinClrLst/>
+    <dgm:txFillClrLst meth="repeat">
+      <a:schemeClr val="tx1"/>
+    </dgm:txFillClrLst>
+    <dgm:txEffectClrLst/>
+  </dgm:styleLbl>
+</dgm:colorsDef>
+</file>
+
+<file path=ppt/diagrams/data1.xml><?xml version="1.0" encoding="utf-8"?>
+<dgm:dataModel xmlns:dgm="http://schemas.openxmlformats.org/drawingml/2006/diagram" xmlns:a="http://schemas.openxmlformats.org/drawingml/2006/main">
+  <dgm:ptLst>
+    <dgm:pt modelId="{4FD1A248-6CFA-41A5-973A-57438E99BB4D}" type="doc">
+      <dgm:prSet loTypeId="urn:microsoft.com/office/officeart/2005/8/layout/process4" loCatId="process" qsTypeId="urn:microsoft.com/office/officeart/2005/8/quickstyle/3d1" qsCatId="3D" csTypeId="urn:microsoft.com/office/officeart/2005/8/colors/colorful2" csCatId="colorful" phldr="1"/>
+      <dgm:spPr/>
+      <dgm:t>
+        <a:bodyPr/>
+        <a:lstStyle/>
+        <a:p>
+          <a:endParaRPr lang="en-US"/>
+        </a:p>
+      </dgm:t>
+    </dgm:pt>
+    <dgm:pt modelId="{D18A456B-D536-4B9C-8BE1-536E137D21B4}">
+      <dgm:prSet phldrT="[Text]" custT="1"/>
+      <dgm:spPr/>
+      <dgm:t>
+        <a:bodyPr>
+          <a:scene3d>
+            <a:camera prst="orthographicFront"/>
+            <a:lightRig rig="soft" dir="t">
+              <a:rot lat="0" lon="0" rev="10800000"/>
+            </a:lightRig>
+          </a:scene3d>
+          <a:sp3d>
+            <a:bevelT w="27940" h="12700"/>
+            <a:contourClr>
+              <a:srgbClr val="DDDDDD"/>
+            </a:contourClr>
+          </a:sp3d>
+        </a:bodyPr>
+        <a:lstStyle/>
+        <a:p>
+          <a:r>
+            <a:rPr lang="en-US" sz="1600" b="1" cap="none" spc="0" dirty="0" smtClean="0">
+              <a:ln w="17780" cmpd="sng">
+                <a:solidFill>
+                  <a:schemeClr val="accent1">
+                    <a:tint val="3000"/>
+                  </a:schemeClr>
+                </a:solidFill>
+                <a:prstDash val="solid"/>
+                <a:miter lim="800000"/>
+              </a:ln>
+              <a:gradFill>
+                <a:gsLst>
+                  <a:gs pos="10000">
+                    <a:schemeClr val="accent1">
+                      <a:tint val="63000"/>
+                      <a:sat val="105000"/>
+                    </a:schemeClr>
+                  </a:gs>
+                  <a:gs pos="90000">
+                    <a:schemeClr val="accent1">
+                      <a:shade val="50000"/>
+                      <a:satMod val="100000"/>
+                    </a:schemeClr>
+                  </a:gs>
+                </a:gsLst>
+                <a:lin ang="5400000"/>
+              </a:gradFill>
+              <a:effectLst>
+                <a:outerShdw blurRad="55000" dist="50800" dir="5400000" algn="tl">
+                  <a:srgbClr val="000000">
+                    <a:alpha val="33000"/>
+                  </a:srgbClr>
+                </a:outerShdw>
+              </a:effectLst>
+              <a:latin typeface="Times New Roman" pitchFamily="18" charset="0"/>
+              <a:ea typeface="Verdana" pitchFamily="34" charset="0"/>
+              <a:cs typeface="Times New Roman" pitchFamily="18" charset="0"/>
+            </a:rPr>
+            <a:t>2. Create Analysis Services Data Source</a:t>
+          </a:r>
+          <a:endParaRPr lang="en-US" sz="1600" b="1" cap="none" spc="0" dirty="0">
+            <a:ln w="17780" cmpd="sng">
+              <a:solidFill>
+                <a:schemeClr val="accent1">
+                  <a:tint val="3000"/>
+                </a:schemeClr>
+              </a:solidFill>
+              <a:prstDash val="solid"/>
+              <a:miter lim="800000"/>
+            </a:ln>
+            <a:gradFill>
+              <a:gsLst>
+                <a:gs pos="10000">
+                  <a:schemeClr val="accent1">
+                    <a:tint val="63000"/>
+                    <a:sat val="105000"/>
+                  </a:schemeClr>
+                </a:gs>
+                <a:gs pos="90000">
+                  <a:schemeClr val="accent1">
+                    <a:shade val="50000"/>
+                    <a:satMod val="100000"/>
+                  </a:schemeClr>
+                </a:gs>
+              </a:gsLst>
+              <a:lin ang="5400000"/>
+            </a:gradFill>
+            <a:effectLst>
+              <a:outerShdw blurRad="55000" dist="50800" dir="5400000" algn="tl">
+                <a:srgbClr val="000000">
+                  <a:alpha val="33000"/>
+                </a:srgbClr>
+              </a:outerShdw>
+            </a:effectLst>
+            <a:latin typeface="Times New Roman" pitchFamily="18" charset="0"/>
+            <a:ea typeface="Verdana" pitchFamily="34" charset="0"/>
+            <a:cs typeface="Times New Roman" pitchFamily="18" charset="0"/>
+          </a:endParaRPr>
+        </a:p>
+      </dgm:t>
+    </dgm:pt>
+    <dgm:pt modelId="{E775A6F2-27E3-403A-BB04-DB3C95F1EC19}" type="parTrans" cxnId="{53CA2A13-9ADF-4EA1-911B-84F55BB52925}">
+      <dgm:prSet/>
+      <dgm:spPr/>
+      <dgm:t>
+        <a:bodyPr>
+          <a:scene3d>
+            <a:camera prst="orthographicFront"/>
+            <a:lightRig rig="balanced" dir="t">
+              <a:rot lat="0" lon="0" rev="2100000"/>
+            </a:lightRig>
+          </a:scene3d>
+          <a:sp3d extrusionH="57150" prstMaterial="metal">
+            <a:bevelT w="38100" h="25400"/>
+            <a:contourClr>
+              <a:schemeClr val="bg2"/>
+            </a:contourClr>
+          </a:sp3d>
+        </a:bodyPr>
+        <a:lstStyle/>
+        <a:p>
+          <a:endParaRPr lang="en-US" sz="1600" b="1" cap="none" spc="0">
+            <a:ln w="17780" cmpd="sng">
+              <a:solidFill>
+                <a:schemeClr val="accent1">
+                  <a:tint val="3000"/>
+                </a:schemeClr>
+              </a:solidFill>
+              <a:prstDash val="solid"/>
+              <a:miter lim="800000"/>
+            </a:ln>
+            <a:gradFill>
+              <a:gsLst>
+                <a:gs pos="10000">
+                  <a:schemeClr val="accent1">
+                    <a:tint val="63000"/>
+                    <a:sat val="105000"/>
+                  </a:schemeClr>
+                </a:gs>
+                <a:gs pos="90000">
+                  <a:schemeClr val="accent1">
+                    <a:shade val="50000"/>
+                    <a:satMod val="100000"/>
+                  </a:schemeClr>
+                </a:gs>
+              </a:gsLst>
+              <a:lin ang="5400000"/>
+            </a:gradFill>
+            <a:effectLst>
+              <a:outerShdw blurRad="55000" dist="50800" dir="5400000" algn="tl">
+                <a:srgbClr val="000000">
+                  <a:alpha val="33000"/>
+                </a:srgbClr>
+              </a:outerShdw>
+            </a:effectLst>
+          </a:endParaRPr>
+        </a:p>
+      </dgm:t>
+    </dgm:pt>
+    <dgm:pt modelId="{F694FD01-4100-419C-BFC5-DA4CF67B460E}" type="sibTrans" cxnId="{53CA2A13-9ADF-4EA1-911B-84F55BB52925}">
+      <dgm:prSet/>
+      <dgm:spPr/>
+      <dgm:t>
+        <a:bodyPr>
+          <a:scene3d>
+            <a:camera prst="orthographicFront"/>
+            <a:lightRig rig="balanced" dir="t">
+              <a:rot lat="0" lon="0" rev="2100000"/>
+            </a:lightRig>
+          </a:scene3d>
+          <a:sp3d extrusionH="57150" prstMaterial="metal">
+            <a:bevelT w="38100" h="25400"/>
+            <a:contourClr>
+              <a:schemeClr val="bg2"/>
+            </a:contourClr>
+          </a:sp3d>
+        </a:bodyPr>
+        <a:lstStyle/>
+        <a:p>
+          <a:endParaRPr lang="en-US" sz="1600" b="1" cap="none" spc="0">
+            <a:ln w="17780" cmpd="sng">
+              <a:solidFill>
+                <a:schemeClr val="accent1">
+                  <a:tint val="3000"/>
+                </a:schemeClr>
+              </a:solidFill>
+              <a:prstDash val="solid"/>
+              <a:miter lim="800000"/>
+            </a:ln>
+            <a:gradFill>
+              <a:gsLst>
+                <a:gs pos="10000">
+                  <a:schemeClr val="accent1">
+                    <a:tint val="63000"/>
+                    <a:sat val="105000"/>
+                  </a:schemeClr>
+                </a:gs>
+                <a:gs pos="90000">
+                  <a:schemeClr val="accent1">
+                    <a:shade val="50000"/>
+                    <a:satMod val="100000"/>
+                  </a:schemeClr>
+                </a:gs>
+              </a:gsLst>
+              <a:lin ang="5400000"/>
+            </a:gradFill>
+            <a:effectLst>
+              <a:outerShdw blurRad="55000" dist="50800" dir="5400000" algn="tl">
+                <a:srgbClr val="000000">
+                  <a:alpha val="33000"/>
+                </a:srgbClr>
+              </a:outerShdw>
+            </a:effectLst>
+          </a:endParaRPr>
+        </a:p>
+      </dgm:t>
+    </dgm:pt>
+    <dgm:pt modelId="{D28633D4-708C-44AF-9674-55E8F112E606}">
+      <dgm:prSet phldrT="[Text]" custT="1"/>
+      <dgm:spPr/>
+      <dgm:t>
+        <a:bodyPr>
+          <a:scene3d>
+            <a:camera prst="orthographicFront"/>
+            <a:lightRig rig="balanced" dir="t">
+              <a:rot lat="0" lon="0" rev="2100000"/>
+            </a:lightRig>
+          </a:scene3d>
+          <a:sp3d extrusionH="57150" prstMaterial="metal">
+            <a:bevelT w="38100" h="25400"/>
+            <a:contourClr>
+              <a:schemeClr val="bg2"/>
+            </a:contourClr>
+          </a:sp3d>
+        </a:bodyPr>
+        <a:lstStyle/>
+        <a:p>
+          <a:r>
+            <a:rPr lang="en-US" sz="1600" b="1" cap="none" spc="0" dirty="0" smtClean="0">
+              <a:ln w="17780" cmpd="sng">
+                <a:solidFill>
+                  <a:schemeClr val="accent1">
+                    <a:tint val="3000"/>
+                  </a:schemeClr>
+                </a:solidFill>
+                <a:prstDash val="solid"/>
+                <a:miter lim="800000"/>
+              </a:ln>
+              <a:gradFill>
+                <a:gsLst>
+                  <a:gs pos="10000">
+                    <a:schemeClr val="accent1">
+                      <a:tint val="63000"/>
+                      <a:sat val="105000"/>
+                    </a:schemeClr>
+                  </a:gs>
+                  <a:gs pos="90000">
+                    <a:schemeClr val="accent1">
+                      <a:shade val="50000"/>
+                      <a:satMod val="100000"/>
+                    </a:schemeClr>
+                  </a:gs>
+                </a:gsLst>
+                <a:lin ang="5400000"/>
+              </a:gradFill>
+              <a:effectLst>
+                <a:outerShdw blurRad="55000" dist="50800" dir="5400000" algn="tl">
+                  <a:srgbClr val="000000">
+                    <a:alpha val="33000"/>
+                  </a:srgbClr>
+                </a:outerShdw>
+              </a:effectLst>
+              <a:latin typeface="Times New Roman" pitchFamily="18" charset="0"/>
+              <a:ea typeface="Verdana" pitchFamily="34" charset="0"/>
+              <a:cs typeface="Times New Roman" pitchFamily="18" charset="0"/>
+            </a:rPr>
+            <a:t>3. Create Analysis Service Data Source View</a:t>
+          </a:r>
+          <a:endParaRPr lang="en-US" sz="1600" b="1" cap="none" spc="0" dirty="0">
+            <a:ln w="17780" cmpd="sng">
+              <a:solidFill>
+                <a:schemeClr val="accent1">
+                  <a:tint val="3000"/>
+                </a:schemeClr>
+              </a:solidFill>
+              <a:prstDash val="solid"/>
+              <a:miter lim="800000"/>
+            </a:ln>
+            <a:gradFill>
+              <a:gsLst>
+                <a:gs pos="10000">
+                  <a:schemeClr val="accent1">
+                    <a:tint val="63000"/>
+                    <a:sat val="105000"/>
+                  </a:schemeClr>
+                </a:gs>
+                <a:gs pos="90000">
+                  <a:schemeClr val="accent1">
+                    <a:shade val="50000"/>
+                    <a:satMod val="100000"/>
+                  </a:schemeClr>
+                </a:gs>
+              </a:gsLst>
+              <a:lin ang="5400000"/>
+            </a:gradFill>
+            <a:effectLst>
+              <a:outerShdw blurRad="55000" dist="50800" dir="5400000" algn="tl">
+                <a:srgbClr val="000000">
+                  <a:alpha val="33000"/>
+                </a:srgbClr>
+              </a:outerShdw>
+            </a:effectLst>
+            <a:latin typeface="Times New Roman" pitchFamily="18" charset="0"/>
+            <a:ea typeface="Verdana" pitchFamily="34" charset="0"/>
+            <a:cs typeface="Times New Roman" pitchFamily="18" charset="0"/>
+          </a:endParaRPr>
+        </a:p>
+      </dgm:t>
+    </dgm:pt>
+    <dgm:pt modelId="{5F84D1BE-6E46-4757-ADB6-E079461E48FA}" type="parTrans" cxnId="{87F8A6B2-71D0-4B6B-84F8-5F723E5D1989}">
+      <dgm:prSet/>
+      <dgm:spPr/>
+      <dgm:t>
+        <a:bodyPr>
+          <a:scene3d>
+            <a:camera prst="orthographicFront"/>
+            <a:lightRig rig="balanced" dir="t">
+              <a:rot lat="0" lon="0" rev="2100000"/>
+            </a:lightRig>
+          </a:scene3d>
+          <a:sp3d extrusionH="57150" prstMaterial="metal">
+            <a:bevelT w="38100" h="25400"/>
+            <a:contourClr>
+              <a:schemeClr val="bg2"/>
+            </a:contourClr>
+          </a:sp3d>
+        </a:bodyPr>
+        <a:lstStyle/>
+        <a:p>
+          <a:endParaRPr lang="en-US" sz="1600" b="1" cap="none" spc="0">
+            <a:ln w="17780" cmpd="sng">
+              <a:solidFill>
+                <a:schemeClr val="accent1">
+                  <a:tint val="3000"/>
+                </a:schemeClr>
+              </a:solidFill>
+              <a:prstDash val="solid"/>
+              <a:miter lim="800000"/>
+            </a:ln>
+            <a:gradFill>
+              <a:gsLst>
+                <a:gs pos="10000">
+                  <a:schemeClr val="accent1">
+                    <a:tint val="63000"/>
+                    <a:sat val="105000"/>
+                  </a:schemeClr>
+                </a:gs>
+                <a:gs pos="90000">
+                  <a:schemeClr val="accent1">
+                    <a:shade val="50000"/>
+                    <a:satMod val="100000"/>
+                  </a:schemeClr>
+                </a:gs>
+              </a:gsLst>
+              <a:lin ang="5400000"/>
+            </a:gradFill>
+            <a:effectLst>
+              <a:outerShdw blurRad="55000" dist="50800" dir="5400000" algn="tl">
+                <a:srgbClr val="000000">
+                  <a:alpha val="33000"/>
+                </a:srgbClr>
+              </a:outerShdw>
+            </a:effectLst>
+          </a:endParaRPr>
+        </a:p>
+      </dgm:t>
+    </dgm:pt>
+    <dgm:pt modelId="{9BB42828-E00C-4FC3-BFF7-B6432BC9881B}" type="sibTrans" cxnId="{87F8A6B2-71D0-4B6B-84F8-5F723E5D1989}">
+      <dgm:prSet/>
+      <dgm:spPr/>
+      <dgm:t>
+        <a:bodyPr>
+          <a:scene3d>
+            <a:camera prst="orthographicFront"/>
+            <a:lightRig rig="balanced" dir="t">
+              <a:rot lat="0" lon="0" rev="2100000"/>
+            </a:lightRig>
+          </a:scene3d>
+          <a:sp3d extrusionH="57150" prstMaterial="metal">
+            <a:bevelT w="38100" h="25400"/>
+            <a:contourClr>
+              <a:schemeClr val="bg2"/>
+            </a:contourClr>
+          </a:sp3d>
+        </a:bodyPr>
+        <a:lstStyle/>
+        <a:p>
+          <a:endParaRPr lang="en-US" sz="1600" b="1" cap="none" spc="0">
+            <a:ln w="17780" cmpd="sng">
+              <a:solidFill>
+                <a:schemeClr val="accent1">
+                  <a:tint val="3000"/>
+                </a:schemeClr>
+              </a:solidFill>
+              <a:prstDash val="solid"/>
+              <a:miter lim="800000"/>
+            </a:ln>
+            <a:gradFill>
+              <a:gsLst>
+                <a:gs pos="10000">
+                  <a:schemeClr val="accent1">
+                    <a:tint val="63000"/>
+                    <a:sat val="105000"/>
+                  </a:schemeClr>
+                </a:gs>
+                <a:gs pos="90000">
+                  <a:schemeClr val="accent1">
+                    <a:shade val="50000"/>
+                    <a:satMod val="100000"/>
+                  </a:schemeClr>
+                </a:gs>
+              </a:gsLst>
+              <a:lin ang="5400000"/>
+            </a:gradFill>
+            <a:effectLst>
+              <a:outerShdw blurRad="55000" dist="50800" dir="5400000" algn="tl">
+                <a:srgbClr val="000000">
+                  <a:alpha val="33000"/>
+                </a:srgbClr>
+              </a:outerShdw>
+            </a:effectLst>
+          </a:endParaRPr>
+        </a:p>
+      </dgm:t>
+    </dgm:pt>
+    <dgm:pt modelId="{6CC80194-E7D1-4367-99DF-6633093B9BA8}">
+      <dgm:prSet phldrT="[Text]" custT="1"/>
+      <dgm:spPr/>
+      <dgm:t>
+        <a:bodyPr>
+          <a:scene3d>
+            <a:camera prst="orthographicFront"/>
+            <a:lightRig rig="balanced" dir="t">
+              <a:rot lat="0" lon="0" rev="2100000"/>
+            </a:lightRig>
+          </a:scene3d>
+          <a:sp3d extrusionH="57150" prstMaterial="metal">
+            <a:bevelT w="38100" h="25400"/>
+            <a:contourClr>
+              <a:schemeClr val="bg2"/>
+            </a:contourClr>
+          </a:sp3d>
+        </a:bodyPr>
+        <a:lstStyle/>
+        <a:p>
+          <a:r>
+            <a:rPr lang="en-US" sz="1600" b="1" cap="none" spc="0" dirty="0" smtClean="0">
+              <a:ln w="17780" cmpd="sng">
+                <a:solidFill>
+                  <a:schemeClr val="accent1">
+                    <a:tint val="3000"/>
+                  </a:schemeClr>
+                </a:solidFill>
+                <a:prstDash val="solid"/>
+                <a:miter lim="800000"/>
+              </a:ln>
+              <a:gradFill>
+                <a:gsLst>
+                  <a:gs pos="10000">
+                    <a:schemeClr val="accent1">
+                      <a:tint val="63000"/>
+                      <a:sat val="105000"/>
+                    </a:schemeClr>
+                  </a:gs>
+                  <a:gs pos="90000">
+                    <a:schemeClr val="accent1">
+                      <a:shade val="50000"/>
+                      <a:satMod val="100000"/>
+                    </a:schemeClr>
+                  </a:gs>
+                </a:gsLst>
+                <a:lin ang="5400000"/>
+              </a:gradFill>
+              <a:effectLst>
+                <a:outerShdw blurRad="55000" dist="50800" dir="5400000" algn="tl">
+                  <a:srgbClr val="000000">
+                    <a:alpha val="33000"/>
+                  </a:srgbClr>
+                </a:outerShdw>
+              </a:effectLst>
+              <a:latin typeface="Times New Roman" pitchFamily="18" charset="0"/>
+              <a:ea typeface="Verdana" pitchFamily="34" charset="0"/>
+              <a:cs typeface="Times New Roman" pitchFamily="18" charset="0"/>
+            </a:rPr>
+            <a:t>4. Select Algorithm and declare parameters</a:t>
+          </a:r>
+          <a:endParaRPr lang="en-US" sz="1600" b="1" cap="none" spc="0" dirty="0">
+            <a:ln w="17780" cmpd="sng">
+              <a:solidFill>
+                <a:schemeClr val="accent1">
+                  <a:tint val="3000"/>
+                </a:schemeClr>
+              </a:solidFill>
+              <a:prstDash val="solid"/>
+              <a:miter lim="800000"/>
+            </a:ln>
+            <a:gradFill>
+              <a:gsLst>
+                <a:gs pos="10000">
+                  <a:schemeClr val="accent1">
+                    <a:tint val="63000"/>
+                    <a:sat val="105000"/>
+                  </a:schemeClr>
+                </a:gs>
+                <a:gs pos="90000">
+                  <a:schemeClr val="accent1">
+                    <a:shade val="50000"/>
+                    <a:satMod val="100000"/>
+                  </a:schemeClr>
+                </a:gs>
+              </a:gsLst>
+              <a:lin ang="5400000"/>
+            </a:gradFill>
+            <a:effectLst>
+              <a:outerShdw blurRad="55000" dist="50800" dir="5400000" algn="tl">
+                <a:srgbClr val="000000">
+                  <a:alpha val="33000"/>
+                </a:srgbClr>
+              </a:outerShdw>
+            </a:effectLst>
+            <a:latin typeface="Times New Roman" pitchFamily="18" charset="0"/>
+            <a:ea typeface="Verdana" pitchFamily="34" charset="0"/>
+            <a:cs typeface="Times New Roman" pitchFamily="18" charset="0"/>
+          </a:endParaRPr>
+        </a:p>
+      </dgm:t>
+    </dgm:pt>
+    <dgm:pt modelId="{9A49A830-1BA0-4D41-A243-C1C7E4FFF665}" type="parTrans" cxnId="{88CA2BCF-BF3F-4B5D-9FFC-490A32F7D764}">
+      <dgm:prSet/>
+      <dgm:spPr/>
+      <dgm:t>
+        <a:bodyPr>
+          <a:scene3d>
+            <a:camera prst="orthographicFront"/>
+            <a:lightRig rig="balanced" dir="t">
+              <a:rot lat="0" lon="0" rev="2100000"/>
+            </a:lightRig>
+          </a:scene3d>
+          <a:sp3d extrusionH="57150" prstMaterial="metal">
+            <a:bevelT w="38100" h="25400"/>
+            <a:contourClr>
+              <a:schemeClr val="bg2"/>
+            </a:contourClr>
+          </a:sp3d>
+        </a:bodyPr>
+        <a:lstStyle/>
+        <a:p>
+          <a:endParaRPr lang="en-US" sz="1600" b="1" cap="none" spc="0">
+            <a:ln w="17780" cmpd="sng">
+              <a:solidFill>
+                <a:schemeClr val="accent1">
+                  <a:tint val="3000"/>
+                </a:schemeClr>
+              </a:solidFill>
+              <a:prstDash val="solid"/>
+              <a:miter lim="800000"/>
+            </a:ln>
+            <a:gradFill>
+              <a:gsLst>
+                <a:gs pos="10000">
+                  <a:schemeClr val="accent1">
+                    <a:tint val="63000"/>
+                    <a:sat val="105000"/>
+                  </a:schemeClr>
+                </a:gs>
+                <a:gs pos="90000">
+                  <a:schemeClr val="accent1">
+                    <a:shade val="50000"/>
+                    <a:satMod val="100000"/>
+                  </a:schemeClr>
+                </a:gs>
+              </a:gsLst>
+              <a:lin ang="5400000"/>
+            </a:gradFill>
+            <a:effectLst>
+              <a:outerShdw blurRad="55000" dist="50800" dir="5400000" algn="tl">
+                <a:srgbClr val="000000">
+                  <a:alpha val="33000"/>
+                </a:srgbClr>
+              </a:outerShdw>
+            </a:effectLst>
+          </a:endParaRPr>
+        </a:p>
+      </dgm:t>
+    </dgm:pt>
+    <dgm:pt modelId="{83633C24-FBB9-498B-868D-FCFBB5700535}" type="sibTrans" cxnId="{88CA2BCF-BF3F-4B5D-9FFC-490A32F7D764}">
+      <dgm:prSet/>
+      <dgm:spPr/>
+      <dgm:t>
+        <a:bodyPr>
+          <a:scene3d>
+            <a:camera prst="orthographicFront"/>
+            <a:lightRig rig="balanced" dir="t">
+              <a:rot lat="0" lon="0" rev="2100000"/>
+            </a:lightRig>
+          </a:scene3d>
+          <a:sp3d extrusionH="57150" prstMaterial="metal">
+            <a:bevelT w="38100" h="25400"/>
+            <a:contourClr>
+              <a:schemeClr val="bg2"/>
+            </a:contourClr>
+          </a:sp3d>
+        </a:bodyPr>
+        <a:lstStyle/>
+        <a:p>
+          <a:endParaRPr lang="en-US" sz="1600" b="1" cap="none" spc="0">
+            <a:ln w="17780" cmpd="sng">
+              <a:solidFill>
+                <a:schemeClr val="accent1">
+                  <a:tint val="3000"/>
+                </a:schemeClr>
+              </a:solidFill>
+              <a:prstDash val="solid"/>
+              <a:miter lim="800000"/>
+            </a:ln>
+            <a:gradFill>
+              <a:gsLst>
+                <a:gs pos="10000">
+                  <a:schemeClr val="accent1">
+                    <a:tint val="63000"/>
+                    <a:sat val="105000"/>
+                  </a:schemeClr>
+                </a:gs>
+                <a:gs pos="90000">
+                  <a:schemeClr val="accent1">
+                    <a:shade val="50000"/>
+                    <a:satMod val="100000"/>
+                  </a:schemeClr>
+                </a:gs>
+              </a:gsLst>
+              <a:lin ang="5400000"/>
+            </a:gradFill>
+            <a:effectLst>
+              <a:outerShdw blurRad="55000" dist="50800" dir="5400000" algn="tl">
+                <a:srgbClr val="000000">
+                  <a:alpha val="33000"/>
+                </a:srgbClr>
+              </a:outerShdw>
+            </a:effectLst>
+          </a:endParaRPr>
+        </a:p>
+      </dgm:t>
+    </dgm:pt>
+    <dgm:pt modelId="{D851DEF2-A205-4728-BAFE-DAA917AAEA71}">
+      <dgm:prSet phldrT="[Text]" custT="1"/>
+      <dgm:spPr/>
+      <dgm:t>
+        <a:bodyPr>
+          <a:scene3d>
+            <a:camera prst="orthographicFront"/>
+            <a:lightRig rig="balanced" dir="t">
+              <a:rot lat="0" lon="0" rev="2100000"/>
+            </a:lightRig>
+          </a:scene3d>
+          <a:sp3d extrusionH="57150" prstMaterial="metal">
+            <a:bevelT w="38100" h="25400"/>
+            <a:contourClr>
+              <a:schemeClr val="bg2"/>
+            </a:contourClr>
+          </a:sp3d>
+        </a:bodyPr>
+        <a:lstStyle/>
+        <a:p>
+          <a:r>
+            <a:rPr lang="en-US" sz="1600" b="1" cap="none" spc="0" dirty="0" smtClean="0">
+              <a:ln w="17780" cmpd="sng">
+                <a:solidFill>
+                  <a:schemeClr val="accent1">
+                    <a:tint val="3000"/>
+                  </a:schemeClr>
+                </a:solidFill>
+                <a:prstDash val="solid"/>
+                <a:miter lim="800000"/>
+              </a:ln>
+              <a:gradFill>
+                <a:gsLst>
+                  <a:gs pos="10000">
+                    <a:schemeClr val="accent1">
+                      <a:tint val="63000"/>
+                      <a:sat val="105000"/>
+                    </a:schemeClr>
+                  </a:gs>
+                  <a:gs pos="90000">
+                    <a:schemeClr val="accent1">
+                      <a:shade val="50000"/>
+                      <a:satMod val="100000"/>
+                    </a:schemeClr>
+                  </a:gs>
+                </a:gsLst>
+                <a:lin ang="5400000"/>
+              </a:gradFill>
+              <a:effectLst>
+                <a:outerShdw blurRad="55000" dist="50800" dir="5400000" algn="tl">
+                  <a:srgbClr val="000000">
+                    <a:alpha val="33000"/>
+                  </a:srgbClr>
+                </a:outerShdw>
+              </a:effectLst>
+              <a:latin typeface="Times New Roman" pitchFamily="18" charset="0"/>
+              <a:ea typeface="Verdana" pitchFamily="34" charset="0"/>
+              <a:cs typeface="Times New Roman" pitchFamily="18" charset="0"/>
+            </a:rPr>
+            <a:t>5. Create Mining structures and mining models</a:t>
+          </a:r>
+          <a:endParaRPr lang="en-US" sz="1600" b="1" cap="none" spc="0" dirty="0">
+            <a:ln w="17780" cmpd="sng">
+              <a:solidFill>
+                <a:schemeClr val="accent1">
+                  <a:tint val="3000"/>
+                </a:schemeClr>
+              </a:solidFill>
+              <a:prstDash val="solid"/>
+              <a:miter lim="800000"/>
+            </a:ln>
+            <a:gradFill>
+              <a:gsLst>
+                <a:gs pos="10000">
+                  <a:schemeClr val="accent1">
+                    <a:tint val="63000"/>
+                    <a:sat val="105000"/>
+                  </a:schemeClr>
+                </a:gs>
+                <a:gs pos="90000">
+                  <a:schemeClr val="accent1">
+                    <a:shade val="50000"/>
+                    <a:satMod val="100000"/>
+                  </a:schemeClr>
+                </a:gs>
+              </a:gsLst>
+              <a:lin ang="5400000"/>
+            </a:gradFill>
+            <a:effectLst>
+              <a:outerShdw blurRad="55000" dist="50800" dir="5400000" algn="tl">
+                <a:srgbClr val="000000">
+                  <a:alpha val="33000"/>
+                </a:srgbClr>
+              </a:outerShdw>
+            </a:effectLst>
+            <a:latin typeface="Times New Roman" pitchFamily="18" charset="0"/>
+            <a:ea typeface="Verdana" pitchFamily="34" charset="0"/>
+            <a:cs typeface="Times New Roman" pitchFamily="18" charset="0"/>
+          </a:endParaRPr>
+        </a:p>
+      </dgm:t>
+    </dgm:pt>
+    <dgm:pt modelId="{5A97AEB4-C457-4925-8668-8D1E2313CCB8}" type="parTrans" cxnId="{93DA936D-0831-4E27-8D1B-E82820F735AF}">
+      <dgm:prSet/>
+      <dgm:spPr/>
+      <dgm:t>
+        <a:bodyPr>
+          <a:scene3d>
+            <a:camera prst="orthographicFront"/>
+            <a:lightRig rig="balanced" dir="t">
+              <a:rot lat="0" lon="0" rev="2100000"/>
+            </a:lightRig>
+          </a:scene3d>
+          <a:sp3d extrusionH="57150" prstMaterial="metal">
+            <a:bevelT w="38100" h="25400"/>
+            <a:contourClr>
+              <a:schemeClr val="bg2"/>
+            </a:contourClr>
+          </a:sp3d>
+        </a:bodyPr>
+        <a:lstStyle/>
+        <a:p>
+          <a:endParaRPr lang="en-US" sz="1600" b="1" cap="none" spc="0">
+            <a:ln w="17780" cmpd="sng">
+              <a:solidFill>
+                <a:schemeClr val="accent1">
+                  <a:tint val="3000"/>
+                </a:schemeClr>
+              </a:solidFill>
+              <a:prstDash val="solid"/>
+              <a:miter lim="800000"/>
+            </a:ln>
+            <a:gradFill>
+              <a:gsLst>
+                <a:gs pos="10000">
+                  <a:schemeClr val="accent1">
+                    <a:tint val="63000"/>
+                    <a:sat val="105000"/>
+                  </a:schemeClr>
+                </a:gs>
+                <a:gs pos="90000">
+                  <a:schemeClr val="accent1">
+                    <a:shade val="50000"/>
+                    <a:satMod val="100000"/>
+                  </a:schemeClr>
+                </a:gs>
+              </a:gsLst>
+              <a:lin ang="5400000"/>
+            </a:gradFill>
+            <a:effectLst>
+              <a:outerShdw blurRad="55000" dist="50800" dir="5400000" algn="tl">
+                <a:srgbClr val="000000">
+                  <a:alpha val="33000"/>
+                </a:srgbClr>
+              </a:outerShdw>
+            </a:effectLst>
+          </a:endParaRPr>
+        </a:p>
+      </dgm:t>
+    </dgm:pt>
+    <dgm:pt modelId="{5F2851CC-C5DE-4954-B7EC-68985A9EEBEA}" type="sibTrans" cxnId="{93DA936D-0831-4E27-8D1B-E82820F735AF}">
+      <dgm:prSet/>
+      <dgm:spPr/>
+      <dgm:t>
+        <a:bodyPr>
+          <a:scene3d>
+            <a:camera prst="orthographicFront"/>
+            <a:lightRig rig="balanced" dir="t">
+              <a:rot lat="0" lon="0" rev="2100000"/>
+            </a:lightRig>
+          </a:scene3d>
+          <a:sp3d extrusionH="57150" prstMaterial="metal">
+            <a:bevelT w="38100" h="25400"/>
+            <a:contourClr>
+              <a:schemeClr val="bg2"/>
+            </a:contourClr>
+          </a:sp3d>
+        </a:bodyPr>
+        <a:lstStyle/>
+        <a:p>
+          <a:endParaRPr lang="en-US" sz="1600" b="1" cap="none" spc="0">
+            <a:ln w="17780" cmpd="sng">
+              <a:solidFill>
+                <a:schemeClr val="accent1">
+                  <a:tint val="3000"/>
+                </a:schemeClr>
+              </a:solidFill>
+              <a:prstDash val="solid"/>
+              <a:miter lim="800000"/>
+            </a:ln>
+            <a:gradFill>
+              <a:gsLst>
+                <a:gs pos="10000">
+                  <a:schemeClr val="accent1">
+                    <a:tint val="63000"/>
+                    <a:sat val="105000"/>
+                  </a:schemeClr>
+                </a:gs>
+                <a:gs pos="90000">
+                  <a:schemeClr val="accent1">
+                    <a:shade val="50000"/>
+                    <a:satMod val="100000"/>
+                  </a:schemeClr>
+                </a:gs>
+              </a:gsLst>
+              <a:lin ang="5400000"/>
+            </a:gradFill>
+            <a:effectLst>
+              <a:outerShdw blurRad="55000" dist="50800" dir="5400000" algn="tl">
+                <a:srgbClr val="000000">
+                  <a:alpha val="33000"/>
+                </a:srgbClr>
+              </a:outerShdw>
+            </a:effectLst>
+          </a:endParaRPr>
+        </a:p>
+      </dgm:t>
+    </dgm:pt>
+    <dgm:pt modelId="{2139A81A-65CE-443C-B053-0C7D90844589}">
+      <dgm:prSet phldrT="[Text]" custT="1"/>
+      <dgm:spPr/>
+      <dgm:t>
+        <a:bodyPr>
+          <a:scene3d>
+            <a:camera prst="orthographicFront"/>
+            <a:lightRig rig="balanced" dir="t">
+              <a:rot lat="0" lon="0" rev="2100000"/>
+            </a:lightRig>
+          </a:scene3d>
+          <a:sp3d extrusionH="57150" prstMaterial="metal">
+            <a:bevelT w="38100" h="25400"/>
+            <a:contourClr>
+              <a:schemeClr val="bg2"/>
+            </a:contourClr>
+          </a:sp3d>
+        </a:bodyPr>
+        <a:lstStyle/>
+        <a:p>
+          <a:r>
+            <a:rPr lang="en-US" sz="1600" b="1" cap="none" spc="0" dirty="0" smtClean="0">
+              <a:ln w="17780" cmpd="sng">
+                <a:solidFill>
+                  <a:schemeClr val="accent1">
+                    <a:tint val="3000"/>
+                  </a:schemeClr>
+                </a:solidFill>
+                <a:prstDash val="solid"/>
+                <a:miter lim="800000"/>
+              </a:ln>
+              <a:gradFill>
+                <a:gsLst>
+                  <a:gs pos="10000">
+                    <a:schemeClr val="accent1">
+                      <a:tint val="63000"/>
+                      <a:sat val="105000"/>
+                    </a:schemeClr>
+                  </a:gs>
+                  <a:gs pos="90000">
+                    <a:schemeClr val="accent1">
+                      <a:shade val="50000"/>
+                      <a:satMod val="100000"/>
+                    </a:schemeClr>
+                  </a:gs>
+                </a:gsLst>
+                <a:lin ang="5400000"/>
+              </a:gradFill>
+              <a:effectLst>
+                <a:outerShdw blurRad="55000" dist="50800" dir="5400000" algn="tl">
+                  <a:srgbClr val="000000">
+                    <a:alpha val="33000"/>
+                  </a:srgbClr>
+                </a:outerShdw>
+              </a:effectLst>
+              <a:latin typeface="Times New Roman" pitchFamily="18" charset="0"/>
+              <a:ea typeface="Verdana" pitchFamily="34" charset="0"/>
+              <a:cs typeface="Times New Roman" pitchFamily="18" charset="0"/>
+            </a:rPr>
+            <a:t>7. Export Mining Model data to database (Database Engine)</a:t>
+          </a:r>
+          <a:endParaRPr lang="en-US" sz="1600" b="1" cap="none" spc="0" dirty="0">
+            <a:ln w="17780" cmpd="sng">
+              <a:solidFill>
+                <a:schemeClr val="accent1">
+                  <a:tint val="3000"/>
+                </a:schemeClr>
+              </a:solidFill>
+              <a:prstDash val="solid"/>
+              <a:miter lim="800000"/>
+            </a:ln>
+            <a:gradFill>
+              <a:gsLst>
+                <a:gs pos="10000">
+                  <a:schemeClr val="accent1">
+                    <a:tint val="63000"/>
+                    <a:sat val="105000"/>
+                  </a:schemeClr>
+                </a:gs>
+                <a:gs pos="90000">
+                  <a:schemeClr val="accent1">
+                    <a:shade val="50000"/>
+                    <a:satMod val="100000"/>
+                  </a:schemeClr>
+                </a:gs>
+              </a:gsLst>
+              <a:lin ang="5400000"/>
+            </a:gradFill>
+            <a:effectLst>
+              <a:outerShdw blurRad="55000" dist="50800" dir="5400000" algn="tl">
+                <a:srgbClr val="000000">
+                  <a:alpha val="33000"/>
+                </a:srgbClr>
+              </a:outerShdw>
+            </a:effectLst>
+            <a:latin typeface="Times New Roman" pitchFamily="18" charset="0"/>
+            <a:ea typeface="Verdana" pitchFamily="34" charset="0"/>
+            <a:cs typeface="Times New Roman" pitchFamily="18" charset="0"/>
+          </a:endParaRPr>
+        </a:p>
+      </dgm:t>
+    </dgm:pt>
+    <dgm:pt modelId="{0CBB6BD7-B020-4382-9275-8B5AD0150707}" type="parTrans" cxnId="{2A340A30-AA19-404D-BACB-FF010753216B}">
+      <dgm:prSet/>
+      <dgm:spPr/>
+      <dgm:t>
+        <a:bodyPr>
+          <a:scene3d>
+            <a:camera prst="orthographicFront"/>
+            <a:lightRig rig="balanced" dir="t">
+              <a:rot lat="0" lon="0" rev="2100000"/>
+            </a:lightRig>
+          </a:scene3d>
+          <a:sp3d extrusionH="57150" prstMaterial="metal">
+            <a:bevelT w="38100" h="25400"/>
+            <a:contourClr>
+              <a:schemeClr val="bg2"/>
+            </a:contourClr>
+          </a:sp3d>
+        </a:bodyPr>
+        <a:lstStyle/>
+        <a:p>
+          <a:endParaRPr lang="en-US" sz="1600" b="1" cap="none" spc="0">
+            <a:ln w="17780" cmpd="sng">
+              <a:solidFill>
+                <a:schemeClr val="accent1">
+                  <a:tint val="3000"/>
+                </a:schemeClr>
+              </a:solidFill>
+              <a:prstDash val="solid"/>
+              <a:miter lim="800000"/>
+            </a:ln>
+            <a:gradFill>
+              <a:gsLst>
+                <a:gs pos="10000">
+                  <a:schemeClr val="accent1">
+                    <a:tint val="63000"/>
+                    <a:sat val="105000"/>
+                  </a:schemeClr>
+                </a:gs>
+                <a:gs pos="90000">
+                  <a:schemeClr val="accent1">
+                    <a:shade val="50000"/>
+                    <a:satMod val="100000"/>
+                  </a:schemeClr>
+                </a:gs>
+              </a:gsLst>
+              <a:lin ang="5400000"/>
+            </a:gradFill>
+            <a:effectLst>
+              <a:outerShdw blurRad="55000" dist="50800" dir="5400000" algn="tl">
+                <a:srgbClr val="000000">
+                  <a:alpha val="33000"/>
+                </a:srgbClr>
+              </a:outerShdw>
+            </a:effectLst>
+          </a:endParaRPr>
+        </a:p>
+      </dgm:t>
+    </dgm:pt>
+    <dgm:pt modelId="{10AB3DE6-563F-472F-89C5-7023F5B70BFC}" type="sibTrans" cxnId="{2A340A30-AA19-404D-BACB-FF010753216B}">
+      <dgm:prSet/>
+      <dgm:spPr/>
+      <dgm:t>
+        <a:bodyPr>
+          <a:scene3d>
+            <a:camera prst="orthographicFront"/>
+            <a:lightRig rig="balanced" dir="t">
+              <a:rot lat="0" lon="0" rev="2100000"/>
+            </a:lightRig>
+          </a:scene3d>
+          <a:sp3d extrusionH="57150" prstMaterial="metal">
+            <a:bevelT w="38100" h="25400"/>
+            <a:contourClr>
+              <a:schemeClr val="bg2"/>
+            </a:contourClr>
+          </a:sp3d>
+        </a:bodyPr>
+        <a:lstStyle/>
+        <a:p>
+          <a:endParaRPr lang="en-US" sz="1600" b="1" cap="none" spc="0">
+            <a:ln w="17780" cmpd="sng">
+              <a:solidFill>
+                <a:schemeClr val="accent1">
+                  <a:tint val="3000"/>
+                </a:schemeClr>
+              </a:solidFill>
+              <a:prstDash val="solid"/>
+              <a:miter lim="800000"/>
+            </a:ln>
+            <a:gradFill>
+              <a:gsLst>
+                <a:gs pos="10000">
+                  <a:schemeClr val="accent1">
+                    <a:tint val="63000"/>
+                    <a:sat val="105000"/>
+                  </a:schemeClr>
+                </a:gs>
+                <a:gs pos="90000">
+                  <a:schemeClr val="accent1">
+                    <a:shade val="50000"/>
+                    <a:satMod val="100000"/>
+                  </a:schemeClr>
+                </a:gs>
+              </a:gsLst>
+              <a:lin ang="5400000"/>
+            </a:gradFill>
+            <a:effectLst>
+              <a:outerShdw blurRad="55000" dist="50800" dir="5400000" algn="tl">
+                <a:srgbClr val="000000">
+                  <a:alpha val="33000"/>
+                </a:srgbClr>
+              </a:outerShdw>
+            </a:effectLst>
+          </a:endParaRPr>
+        </a:p>
+      </dgm:t>
+    </dgm:pt>
+    <dgm:pt modelId="{845F252D-438F-4082-9AD4-B767CF145353}">
+      <dgm:prSet phldrT="[Text]" custT="1"/>
+      <dgm:spPr/>
+      <dgm:t>
+        <a:bodyPr>
+          <a:scene3d>
+            <a:camera prst="orthographicFront"/>
+            <a:lightRig rig="soft" dir="t">
+              <a:rot lat="0" lon="0" rev="10800000"/>
+            </a:lightRig>
+          </a:scene3d>
+          <a:sp3d>
+            <a:bevelT w="27940" h="12700"/>
+            <a:contourClr>
+              <a:srgbClr val="DDDDDD"/>
+            </a:contourClr>
+          </a:sp3d>
+        </a:bodyPr>
+        <a:lstStyle/>
+        <a:p>
+          <a:r>
+            <a:rPr lang="en-US" sz="1600" b="1" cap="none" spc="0" dirty="0" smtClean="0">
+              <a:ln w="17780" cmpd="sng">
+                <a:solidFill>
+                  <a:schemeClr val="accent1">
+                    <a:tint val="3000"/>
+                  </a:schemeClr>
+                </a:solidFill>
+                <a:prstDash val="solid"/>
+                <a:miter lim="800000"/>
+              </a:ln>
+              <a:gradFill>
+                <a:gsLst>
+                  <a:gs pos="10000">
+                    <a:schemeClr val="accent1">
+                      <a:tint val="63000"/>
+                      <a:sat val="105000"/>
+                    </a:schemeClr>
+                  </a:gs>
+                  <a:gs pos="90000">
+                    <a:schemeClr val="accent1">
+                      <a:shade val="50000"/>
+                      <a:satMod val="100000"/>
+                    </a:schemeClr>
+                  </a:gs>
+                </a:gsLst>
+                <a:lin ang="5400000"/>
+              </a:gradFill>
+              <a:effectLst>
+                <a:outerShdw blurRad="55000" dist="50800" dir="5400000" algn="tl">
+                  <a:srgbClr val="000000">
+                    <a:alpha val="33000"/>
+                  </a:srgbClr>
+                </a:outerShdw>
+              </a:effectLst>
+              <a:latin typeface="Times New Roman" pitchFamily="18" charset="0"/>
+              <a:ea typeface="Verdana" pitchFamily="34" charset="0"/>
+              <a:cs typeface="Times New Roman" pitchFamily="18" charset="0"/>
+            </a:rPr>
+            <a:t>1. Preprocessing data and export data to view</a:t>
+          </a:r>
+          <a:endParaRPr lang="en-US" sz="1600" b="1" cap="none" spc="0" dirty="0">
+            <a:ln w="17780" cmpd="sng">
+              <a:solidFill>
+                <a:schemeClr val="accent1">
+                  <a:tint val="3000"/>
+                </a:schemeClr>
+              </a:solidFill>
+              <a:prstDash val="solid"/>
+              <a:miter lim="800000"/>
+            </a:ln>
+            <a:gradFill>
+              <a:gsLst>
+                <a:gs pos="10000">
+                  <a:schemeClr val="accent1">
+                    <a:tint val="63000"/>
+                    <a:sat val="105000"/>
+                  </a:schemeClr>
+                </a:gs>
+                <a:gs pos="90000">
+                  <a:schemeClr val="accent1">
+                    <a:shade val="50000"/>
+                    <a:satMod val="100000"/>
+                  </a:schemeClr>
+                </a:gs>
+              </a:gsLst>
+              <a:lin ang="5400000"/>
+            </a:gradFill>
+            <a:effectLst>
+              <a:outerShdw blurRad="55000" dist="50800" dir="5400000" algn="tl">
+                <a:srgbClr val="000000">
+                  <a:alpha val="33000"/>
+                </a:srgbClr>
+              </a:outerShdw>
+            </a:effectLst>
+            <a:latin typeface="Times New Roman" pitchFamily="18" charset="0"/>
+            <a:ea typeface="Verdana" pitchFamily="34" charset="0"/>
+            <a:cs typeface="Times New Roman" pitchFamily="18" charset="0"/>
+          </a:endParaRPr>
+        </a:p>
+      </dgm:t>
+    </dgm:pt>
+    <dgm:pt modelId="{541E66B8-0407-43E5-A507-8E986B3CE932}" type="parTrans" cxnId="{75F50798-DB15-4D5D-A622-E2FDEE4BFCD0}">
+      <dgm:prSet/>
+      <dgm:spPr/>
+      <dgm:t>
+        <a:bodyPr/>
+        <a:lstStyle/>
+        <a:p>
+          <a:endParaRPr lang="en-US"/>
+        </a:p>
+      </dgm:t>
+    </dgm:pt>
+    <dgm:pt modelId="{B83A4629-D988-491B-8084-FEA8AD6C13D7}" type="sibTrans" cxnId="{75F50798-DB15-4D5D-A622-E2FDEE4BFCD0}">
+      <dgm:prSet/>
+      <dgm:spPr/>
+      <dgm:t>
+        <a:bodyPr/>
+        <a:lstStyle/>
+        <a:p>
+          <a:endParaRPr lang="en-US"/>
+        </a:p>
+      </dgm:t>
+    </dgm:pt>
+    <dgm:pt modelId="{FD4ABFBB-B11E-4E6D-ACAD-01A167DB79C4}">
+      <dgm:prSet phldrT="[Text]" custT="1"/>
+      <dgm:spPr/>
+      <dgm:t>
+        <a:bodyPr>
+          <a:scene3d>
+            <a:camera prst="orthographicFront"/>
+            <a:lightRig rig="balanced" dir="t">
+              <a:rot lat="0" lon="0" rev="2100000"/>
+            </a:lightRig>
+          </a:scene3d>
+          <a:sp3d extrusionH="57150" prstMaterial="metal">
+            <a:bevelT w="38100" h="25400"/>
+            <a:contourClr>
+              <a:schemeClr val="bg2"/>
+            </a:contourClr>
+          </a:sp3d>
+        </a:bodyPr>
+        <a:lstStyle/>
+        <a:p>
+          <a:r>
+            <a:rPr lang="en-US" sz="1600" b="1" cap="none" spc="0" dirty="0" smtClean="0">
+              <a:ln w="17780" cmpd="sng">
+                <a:solidFill>
+                  <a:schemeClr val="accent1">
+                    <a:tint val="3000"/>
+                  </a:schemeClr>
+                </a:solidFill>
+                <a:prstDash val="solid"/>
+                <a:miter lim="800000"/>
+              </a:ln>
+              <a:gradFill>
+                <a:gsLst>
+                  <a:gs pos="10000">
+                    <a:schemeClr val="accent1">
+                      <a:tint val="63000"/>
+                      <a:sat val="105000"/>
+                    </a:schemeClr>
+                  </a:gs>
+                  <a:gs pos="90000">
+                    <a:schemeClr val="accent1">
+                      <a:shade val="50000"/>
+                      <a:satMod val="100000"/>
+                    </a:schemeClr>
+                  </a:gs>
+                </a:gsLst>
+                <a:lin ang="5400000"/>
+              </a:gradFill>
+              <a:effectLst>
+                <a:outerShdw blurRad="55000" dist="50800" dir="5400000" algn="tl">
+                  <a:srgbClr val="000000">
+                    <a:alpha val="33000"/>
+                  </a:srgbClr>
+                </a:outerShdw>
+              </a:effectLst>
+              <a:latin typeface="Times New Roman" pitchFamily="18" charset="0"/>
+              <a:ea typeface="Verdana" pitchFamily="34" charset="0"/>
+              <a:cs typeface="Times New Roman" pitchFamily="18" charset="0"/>
+            </a:rPr>
+            <a:t>8. Clean up and close connections</a:t>
+          </a:r>
+          <a:endParaRPr lang="en-US" sz="1600" b="1" cap="none" spc="0" dirty="0">
+            <a:ln w="17780" cmpd="sng">
+              <a:solidFill>
+                <a:schemeClr val="accent1">
+                  <a:tint val="3000"/>
+                </a:schemeClr>
+              </a:solidFill>
+              <a:prstDash val="solid"/>
+              <a:miter lim="800000"/>
+            </a:ln>
+            <a:gradFill>
+              <a:gsLst>
+                <a:gs pos="10000">
+                  <a:schemeClr val="accent1">
+                    <a:tint val="63000"/>
+                    <a:sat val="105000"/>
+                  </a:schemeClr>
+                </a:gs>
+                <a:gs pos="90000">
+                  <a:schemeClr val="accent1">
+                    <a:shade val="50000"/>
+                    <a:satMod val="100000"/>
+                  </a:schemeClr>
+                </a:gs>
+              </a:gsLst>
+              <a:lin ang="5400000"/>
+            </a:gradFill>
+            <a:effectLst>
+              <a:outerShdw blurRad="55000" dist="50800" dir="5400000" algn="tl">
+                <a:srgbClr val="000000">
+                  <a:alpha val="33000"/>
+                </a:srgbClr>
+              </a:outerShdw>
+            </a:effectLst>
+            <a:latin typeface="Times New Roman" pitchFamily="18" charset="0"/>
+            <a:ea typeface="Verdana" pitchFamily="34" charset="0"/>
+            <a:cs typeface="Times New Roman" pitchFamily="18" charset="0"/>
+          </a:endParaRPr>
+        </a:p>
+      </dgm:t>
+    </dgm:pt>
+    <dgm:pt modelId="{BC651104-E873-477B-A60A-30ADBA17A6DC}" type="parTrans" cxnId="{5A1EFF9E-183B-4D9E-B649-5AC9A34D1B8C}">
+      <dgm:prSet/>
+      <dgm:spPr/>
+      <dgm:t>
+        <a:bodyPr/>
+        <a:lstStyle/>
+        <a:p>
+          <a:endParaRPr lang="en-US"/>
+        </a:p>
+      </dgm:t>
+    </dgm:pt>
+    <dgm:pt modelId="{A2892F98-95C5-447D-B5A2-5D53BECABDE3}" type="sibTrans" cxnId="{5A1EFF9E-183B-4D9E-B649-5AC9A34D1B8C}">
+      <dgm:prSet/>
+      <dgm:spPr/>
+      <dgm:t>
+        <a:bodyPr/>
+        <a:lstStyle/>
+        <a:p>
+          <a:endParaRPr lang="en-US"/>
+        </a:p>
+      </dgm:t>
+    </dgm:pt>
+    <dgm:pt modelId="{910E38C0-92F0-4AC3-856E-8BE9318DAD23}">
+      <dgm:prSet phldrT="[Text]" custT="1"/>
+      <dgm:spPr/>
+      <dgm:t>
+        <a:bodyPr>
+          <a:scene3d>
+            <a:camera prst="orthographicFront"/>
+            <a:lightRig rig="balanced" dir="t">
+              <a:rot lat="0" lon="0" rev="2100000"/>
+            </a:lightRig>
+          </a:scene3d>
+          <a:sp3d extrusionH="57150" prstMaterial="metal">
+            <a:bevelT w="38100" h="25400"/>
+            <a:contourClr>
+              <a:schemeClr val="bg2"/>
+            </a:contourClr>
+          </a:sp3d>
+        </a:bodyPr>
+        <a:lstStyle/>
+        <a:p>
+          <a:r>
+            <a:rPr lang="en-US" sz="1600" b="1" cap="none" spc="0" smtClean="0">
+              <a:ln w="17780" cmpd="sng">
+                <a:solidFill>
+                  <a:schemeClr val="accent1">
+                    <a:tint val="3000"/>
+                  </a:schemeClr>
+                </a:solidFill>
+                <a:prstDash val="solid"/>
+                <a:miter lim="800000"/>
+              </a:ln>
+              <a:gradFill>
+                <a:gsLst>
+                  <a:gs pos="10000">
+                    <a:schemeClr val="accent1">
+                      <a:tint val="63000"/>
+                      <a:sat val="105000"/>
+                    </a:schemeClr>
+                  </a:gs>
+                  <a:gs pos="90000">
+                    <a:schemeClr val="accent1">
+                      <a:shade val="50000"/>
+                      <a:satMod val="100000"/>
+                    </a:schemeClr>
+                  </a:gs>
+                </a:gsLst>
+                <a:lin ang="5400000"/>
+              </a:gradFill>
+              <a:effectLst>
+                <a:outerShdw blurRad="55000" dist="50800" dir="5400000" algn="tl">
+                  <a:srgbClr val="000000">
+                    <a:alpha val="33000"/>
+                  </a:srgbClr>
+                </a:outerShdw>
+              </a:effectLst>
+              <a:latin typeface="Times New Roman" pitchFamily="18" charset="0"/>
+              <a:ea typeface="Verdana" pitchFamily="34" charset="0"/>
+              <a:cs typeface="Times New Roman" pitchFamily="18" charset="0"/>
+            </a:rPr>
+            <a:t>6. Processing Mining Model</a:t>
+          </a:r>
+          <a:endParaRPr lang="en-US" sz="1600" b="1" cap="none" spc="0" dirty="0">
+            <a:ln w="17780" cmpd="sng">
+              <a:solidFill>
+                <a:schemeClr val="accent1">
+                  <a:tint val="3000"/>
+                </a:schemeClr>
+              </a:solidFill>
+              <a:prstDash val="solid"/>
+              <a:miter lim="800000"/>
+            </a:ln>
+            <a:gradFill>
+              <a:gsLst>
+                <a:gs pos="10000">
+                  <a:schemeClr val="accent1">
+                    <a:tint val="63000"/>
+                    <a:sat val="105000"/>
+                  </a:schemeClr>
+                </a:gs>
+                <a:gs pos="90000">
+                  <a:schemeClr val="accent1">
+                    <a:shade val="50000"/>
+                    <a:satMod val="100000"/>
+                  </a:schemeClr>
+                </a:gs>
+              </a:gsLst>
+              <a:lin ang="5400000"/>
+            </a:gradFill>
+            <a:effectLst>
+              <a:outerShdw blurRad="55000" dist="50800" dir="5400000" algn="tl">
+                <a:srgbClr val="000000">
+                  <a:alpha val="33000"/>
+                </a:srgbClr>
+              </a:outerShdw>
+            </a:effectLst>
+            <a:latin typeface="Times New Roman" pitchFamily="18" charset="0"/>
+            <a:ea typeface="Verdana" pitchFamily="34" charset="0"/>
+            <a:cs typeface="Times New Roman" pitchFamily="18" charset="0"/>
+          </a:endParaRPr>
+        </a:p>
+      </dgm:t>
+    </dgm:pt>
+    <dgm:pt modelId="{90C1D420-3529-4D47-83C8-411CBEBC9313}" type="parTrans" cxnId="{7ACE1D42-325B-4D12-A027-E24170278C3F}">
+      <dgm:prSet/>
+      <dgm:spPr/>
+      <dgm:t>
+        <a:bodyPr/>
+        <a:lstStyle/>
+        <a:p>
+          <a:endParaRPr lang="en-US"/>
+        </a:p>
+      </dgm:t>
+    </dgm:pt>
+    <dgm:pt modelId="{CD9D0FF1-BA3D-42F9-8462-20BFEDD195BF}" type="sibTrans" cxnId="{7ACE1D42-325B-4D12-A027-E24170278C3F}">
+      <dgm:prSet/>
+      <dgm:spPr/>
+      <dgm:t>
+        <a:bodyPr/>
+        <a:lstStyle/>
+        <a:p>
+          <a:endParaRPr lang="en-US"/>
+        </a:p>
+      </dgm:t>
+    </dgm:pt>
+    <dgm:pt modelId="{53C0C079-DD0C-445B-8E13-33018E11AA5E}" type="pres">
+      <dgm:prSet presAssocID="{4FD1A248-6CFA-41A5-973A-57438E99BB4D}" presName="Name0" presStyleCnt="0">
+        <dgm:presLayoutVars>
+          <dgm:dir/>
+          <dgm:animLvl val="lvl"/>
+          <dgm:resizeHandles val="exact"/>
+        </dgm:presLayoutVars>
+      </dgm:prSet>
+      <dgm:spPr/>
+    </dgm:pt>
+    <dgm:pt modelId="{6163F8D6-8333-4912-B050-60B4CE4F0486}" type="pres">
+      <dgm:prSet presAssocID="{FD4ABFBB-B11E-4E6D-ACAD-01A167DB79C4}" presName="boxAndChildren" presStyleCnt="0"/>
+      <dgm:spPr/>
+    </dgm:pt>
+    <dgm:pt modelId="{A61B2339-8366-4111-8F73-67EF3F113E4A}" type="pres">
+      <dgm:prSet presAssocID="{FD4ABFBB-B11E-4E6D-ACAD-01A167DB79C4}" presName="parentTextBox" presStyleLbl="node1" presStyleIdx="0" presStyleCnt="8"/>
+      <dgm:spPr/>
+      <dgm:t>
+        <a:bodyPr/>
+        <a:lstStyle/>
+        <a:p>
+          <a:endParaRPr lang="en-US"/>
+        </a:p>
+      </dgm:t>
+    </dgm:pt>
+    <dgm:pt modelId="{553B009C-ACBA-4D5A-B2EB-FE417302314F}" type="pres">
+      <dgm:prSet presAssocID="{10AB3DE6-563F-472F-89C5-7023F5B70BFC}" presName="sp" presStyleCnt="0"/>
+      <dgm:spPr/>
+    </dgm:pt>
+    <dgm:pt modelId="{3546D0EE-D5D6-4045-9429-53033718D812}" type="pres">
+      <dgm:prSet presAssocID="{2139A81A-65CE-443C-B053-0C7D90844589}" presName="arrowAndChildren" presStyleCnt="0"/>
+      <dgm:spPr/>
+    </dgm:pt>
+    <dgm:pt modelId="{6B53B39A-8B54-49BE-9D9D-CAD2969480A0}" type="pres">
+      <dgm:prSet presAssocID="{2139A81A-65CE-443C-B053-0C7D90844589}" presName="parentTextArrow" presStyleLbl="node1" presStyleIdx="1" presStyleCnt="8"/>
+      <dgm:spPr/>
+      <dgm:t>
+        <a:bodyPr/>
+        <a:lstStyle/>
+        <a:p>
+          <a:endParaRPr lang="en-US"/>
+        </a:p>
+      </dgm:t>
+    </dgm:pt>
+    <dgm:pt modelId="{0AD8CAF8-4405-406A-A082-B7070964A122}" type="pres">
+      <dgm:prSet presAssocID="{CD9D0FF1-BA3D-42F9-8462-20BFEDD195BF}" presName="sp" presStyleCnt="0"/>
+      <dgm:spPr/>
+    </dgm:pt>
+    <dgm:pt modelId="{0477FAB4-A7CF-41C1-9133-7FBE6D52DF3A}" type="pres">
+      <dgm:prSet presAssocID="{910E38C0-92F0-4AC3-856E-8BE9318DAD23}" presName="arrowAndChildren" presStyleCnt="0"/>
+      <dgm:spPr/>
+    </dgm:pt>
+    <dgm:pt modelId="{AE3A404D-D0C1-450D-BDB3-6FCA1E0EFD6F}" type="pres">
+      <dgm:prSet presAssocID="{910E38C0-92F0-4AC3-856E-8BE9318DAD23}" presName="parentTextArrow" presStyleLbl="node1" presStyleIdx="2" presStyleCnt="8"/>
+      <dgm:spPr/>
+      <dgm:t>
+        <a:bodyPr/>
+        <a:lstStyle/>
+        <a:p>
+          <a:endParaRPr lang="en-US"/>
+        </a:p>
+      </dgm:t>
+    </dgm:pt>
+    <dgm:pt modelId="{6418FFFC-4A61-4336-BD1C-3E609F50CF83}" type="pres">
+      <dgm:prSet presAssocID="{5F2851CC-C5DE-4954-B7EC-68985A9EEBEA}" presName="sp" presStyleCnt="0"/>
+      <dgm:spPr/>
+    </dgm:pt>
+    <dgm:pt modelId="{B8564EDA-54EC-469F-B284-0F4EC845E3D7}" type="pres">
+      <dgm:prSet presAssocID="{D851DEF2-A205-4728-BAFE-DAA917AAEA71}" presName="arrowAndChildren" presStyleCnt="0"/>
+      <dgm:spPr/>
+    </dgm:pt>
+    <dgm:pt modelId="{1C9A3B25-0DFC-4C02-BE56-CE508DCA8953}" type="pres">
+      <dgm:prSet presAssocID="{D851DEF2-A205-4728-BAFE-DAA917AAEA71}" presName="parentTextArrow" presStyleLbl="node1" presStyleIdx="3" presStyleCnt="8"/>
+      <dgm:spPr/>
+      <dgm:t>
+        <a:bodyPr/>
+        <a:lstStyle/>
+        <a:p>
+          <a:endParaRPr lang="en-US"/>
+        </a:p>
+      </dgm:t>
+    </dgm:pt>
+    <dgm:pt modelId="{CFFF00B8-11D0-4B7F-901B-F882183D8D2B}" type="pres">
+      <dgm:prSet presAssocID="{83633C24-FBB9-498B-868D-FCFBB5700535}" presName="sp" presStyleCnt="0"/>
+      <dgm:spPr/>
+    </dgm:pt>
+    <dgm:pt modelId="{E79FB78F-18A9-4EDA-874E-41CC124D337C}" type="pres">
+      <dgm:prSet presAssocID="{6CC80194-E7D1-4367-99DF-6633093B9BA8}" presName="arrowAndChildren" presStyleCnt="0"/>
+      <dgm:spPr/>
+    </dgm:pt>
+    <dgm:pt modelId="{A90049AA-CBD6-4AEF-9EBA-5C7B5F86C71F}" type="pres">
+      <dgm:prSet presAssocID="{6CC80194-E7D1-4367-99DF-6633093B9BA8}" presName="parentTextArrow" presStyleLbl="node1" presStyleIdx="4" presStyleCnt="8"/>
+      <dgm:spPr/>
+      <dgm:t>
+        <a:bodyPr/>
+        <a:lstStyle/>
+        <a:p>
+          <a:endParaRPr lang="en-US"/>
+        </a:p>
+      </dgm:t>
+    </dgm:pt>
+    <dgm:pt modelId="{CD0A88A9-D499-437C-9B29-8E866E803EBC}" type="pres">
+      <dgm:prSet presAssocID="{9BB42828-E00C-4FC3-BFF7-B6432BC9881B}" presName="sp" presStyleCnt="0"/>
+      <dgm:spPr/>
+    </dgm:pt>
+    <dgm:pt modelId="{E8BC6539-1E3E-4F81-9C30-50D3EE42E113}" type="pres">
+      <dgm:prSet presAssocID="{D28633D4-708C-44AF-9674-55E8F112E606}" presName="arrowAndChildren" presStyleCnt="0"/>
+      <dgm:spPr/>
+    </dgm:pt>
+    <dgm:pt modelId="{3AC56C42-DFCB-4D8D-BA1D-03C9949DD54E}" type="pres">
+      <dgm:prSet presAssocID="{D28633D4-708C-44AF-9674-55E8F112E606}" presName="parentTextArrow" presStyleLbl="node1" presStyleIdx="5" presStyleCnt="8"/>
+      <dgm:spPr/>
+      <dgm:t>
+        <a:bodyPr/>
+        <a:lstStyle/>
+        <a:p>
+          <a:endParaRPr lang="en-US"/>
+        </a:p>
+      </dgm:t>
+    </dgm:pt>
+    <dgm:pt modelId="{4B2AAFC8-041E-494C-89F6-E7AE11C76BD4}" type="pres">
+      <dgm:prSet presAssocID="{F694FD01-4100-419C-BFC5-DA4CF67B460E}" presName="sp" presStyleCnt="0"/>
+      <dgm:spPr/>
+    </dgm:pt>
+    <dgm:pt modelId="{23623D10-235D-41C3-AB5C-3D77882200EE}" type="pres">
+      <dgm:prSet presAssocID="{D18A456B-D536-4B9C-8BE1-536E137D21B4}" presName="arrowAndChildren" presStyleCnt="0"/>
+      <dgm:spPr/>
+    </dgm:pt>
+    <dgm:pt modelId="{56E09A99-A56C-4723-832F-E8CEEE729B73}" type="pres">
+      <dgm:prSet presAssocID="{D18A456B-D536-4B9C-8BE1-536E137D21B4}" presName="parentTextArrow" presStyleLbl="node1" presStyleIdx="6" presStyleCnt="8"/>
+      <dgm:spPr/>
+      <dgm:t>
+        <a:bodyPr/>
+        <a:lstStyle/>
+        <a:p>
+          <a:endParaRPr lang="en-US"/>
+        </a:p>
+      </dgm:t>
+    </dgm:pt>
+    <dgm:pt modelId="{22675F40-8F65-4C32-9712-AB78C54FB738}" type="pres">
+      <dgm:prSet presAssocID="{B83A4629-D988-491B-8084-FEA8AD6C13D7}" presName="sp" presStyleCnt="0"/>
+      <dgm:spPr/>
+    </dgm:pt>
+    <dgm:pt modelId="{7B1F42B7-2992-4296-AB40-989030AE669E}" type="pres">
+      <dgm:prSet presAssocID="{845F252D-438F-4082-9AD4-B767CF145353}" presName="arrowAndChildren" presStyleCnt="0"/>
+      <dgm:spPr/>
+    </dgm:pt>
+    <dgm:pt modelId="{FA5DED89-4573-4A62-99C6-B233D4E4BEF8}" type="pres">
+      <dgm:prSet presAssocID="{845F252D-438F-4082-9AD4-B767CF145353}" presName="parentTextArrow" presStyleLbl="node1" presStyleIdx="7" presStyleCnt="8"/>
+      <dgm:spPr/>
+      <dgm:t>
+        <a:bodyPr/>
+        <a:lstStyle/>
+        <a:p>
+          <a:endParaRPr lang="en-US"/>
+        </a:p>
+      </dgm:t>
+    </dgm:pt>
+  </dgm:ptLst>
+  <dgm:cxnLst>
+    <dgm:cxn modelId="{358B6FC8-FB77-4790-A94F-07D52D743CE2}" type="presOf" srcId="{FD4ABFBB-B11E-4E6D-ACAD-01A167DB79C4}" destId="{A61B2339-8366-4111-8F73-67EF3F113E4A}" srcOrd="0" destOrd="0" presId="urn:microsoft.com/office/officeart/2005/8/layout/process4"/>
+    <dgm:cxn modelId="{055B7C6B-86D2-4625-9E09-1034A307A5E8}" type="presOf" srcId="{910E38C0-92F0-4AC3-856E-8BE9318DAD23}" destId="{AE3A404D-D0C1-450D-BDB3-6FCA1E0EFD6F}" srcOrd="0" destOrd="0" presId="urn:microsoft.com/office/officeart/2005/8/layout/process4"/>
+    <dgm:cxn modelId="{2A340A30-AA19-404D-BACB-FF010753216B}" srcId="{4FD1A248-6CFA-41A5-973A-57438E99BB4D}" destId="{2139A81A-65CE-443C-B053-0C7D90844589}" srcOrd="6" destOrd="0" parTransId="{0CBB6BD7-B020-4382-9275-8B5AD0150707}" sibTransId="{10AB3DE6-563F-472F-89C5-7023F5B70BFC}"/>
+    <dgm:cxn modelId="{C8890A62-B1D9-40D8-B0CA-33EA22033A3F}" type="presOf" srcId="{D18A456B-D536-4B9C-8BE1-536E137D21B4}" destId="{56E09A99-A56C-4723-832F-E8CEEE729B73}" srcOrd="0" destOrd="0" presId="urn:microsoft.com/office/officeart/2005/8/layout/process4"/>
+    <dgm:cxn modelId="{1B701BDD-8F20-4CDD-BCAF-D7C45B426513}" type="presOf" srcId="{845F252D-438F-4082-9AD4-B767CF145353}" destId="{FA5DED89-4573-4A62-99C6-B233D4E4BEF8}" srcOrd="0" destOrd="0" presId="urn:microsoft.com/office/officeart/2005/8/layout/process4"/>
+    <dgm:cxn modelId="{75F50798-DB15-4D5D-A622-E2FDEE4BFCD0}" srcId="{4FD1A248-6CFA-41A5-973A-57438E99BB4D}" destId="{845F252D-438F-4082-9AD4-B767CF145353}" srcOrd="0" destOrd="0" parTransId="{541E66B8-0407-43E5-A507-8E986B3CE932}" sibTransId="{B83A4629-D988-491B-8084-FEA8AD6C13D7}"/>
+    <dgm:cxn modelId="{03208A7C-7C6F-4C4F-A142-B8BAC10D04D3}" type="presOf" srcId="{6CC80194-E7D1-4367-99DF-6633093B9BA8}" destId="{A90049AA-CBD6-4AEF-9EBA-5C7B5F86C71F}" srcOrd="0" destOrd="0" presId="urn:microsoft.com/office/officeart/2005/8/layout/process4"/>
+    <dgm:cxn modelId="{84EC8081-5100-40AC-8AC4-AA0894E8E213}" type="presOf" srcId="{4FD1A248-6CFA-41A5-973A-57438E99BB4D}" destId="{53C0C079-DD0C-445B-8E13-33018E11AA5E}" srcOrd="0" destOrd="0" presId="urn:microsoft.com/office/officeart/2005/8/layout/process4"/>
+    <dgm:cxn modelId="{5A1EFF9E-183B-4D9E-B649-5AC9A34D1B8C}" srcId="{4FD1A248-6CFA-41A5-973A-57438E99BB4D}" destId="{FD4ABFBB-B11E-4E6D-ACAD-01A167DB79C4}" srcOrd="7" destOrd="0" parTransId="{BC651104-E873-477B-A60A-30ADBA17A6DC}" sibTransId="{A2892F98-95C5-447D-B5A2-5D53BECABDE3}"/>
+    <dgm:cxn modelId="{87F8A6B2-71D0-4B6B-84F8-5F723E5D1989}" srcId="{4FD1A248-6CFA-41A5-973A-57438E99BB4D}" destId="{D28633D4-708C-44AF-9674-55E8F112E606}" srcOrd="2" destOrd="0" parTransId="{5F84D1BE-6E46-4757-ADB6-E079461E48FA}" sibTransId="{9BB42828-E00C-4FC3-BFF7-B6432BC9881B}"/>
+    <dgm:cxn modelId="{7ACE1D42-325B-4D12-A027-E24170278C3F}" srcId="{4FD1A248-6CFA-41A5-973A-57438E99BB4D}" destId="{910E38C0-92F0-4AC3-856E-8BE9318DAD23}" srcOrd="5" destOrd="0" parTransId="{90C1D420-3529-4D47-83C8-411CBEBC9313}" sibTransId="{CD9D0FF1-BA3D-42F9-8462-20BFEDD195BF}"/>
+    <dgm:cxn modelId="{FF31F902-98FB-4711-99E0-79CB34B0D30A}" type="presOf" srcId="{D851DEF2-A205-4728-BAFE-DAA917AAEA71}" destId="{1C9A3B25-0DFC-4C02-BE56-CE508DCA8953}" srcOrd="0" destOrd="0" presId="urn:microsoft.com/office/officeart/2005/8/layout/process4"/>
+    <dgm:cxn modelId="{53CA2A13-9ADF-4EA1-911B-84F55BB52925}" srcId="{4FD1A248-6CFA-41A5-973A-57438E99BB4D}" destId="{D18A456B-D536-4B9C-8BE1-536E137D21B4}" srcOrd="1" destOrd="0" parTransId="{E775A6F2-27E3-403A-BB04-DB3C95F1EC19}" sibTransId="{F694FD01-4100-419C-BFC5-DA4CF67B460E}"/>
+    <dgm:cxn modelId="{10B6D9D3-E676-4E7B-AD7F-15560C758FA4}" type="presOf" srcId="{2139A81A-65CE-443C-B053-0C7D90844589}" destId="{6B53B39A-8B54-49BE-9D9D-CAD2969480A0}" srcOrd="0" destOrd="0" presId="urn:microsoft.com/office/officeart/2005/8/layout/process4"/>
+    <dgm:cxn modelId="{8A7A9B29-44B4-421F-8AAA-94BCFECB045A}" type="presOf" srcId="{D28633D4-708C-44AF-9674-55E8F112E606}" destId="{3AC56C42-DFCB-4D8D-BA1D-03C9949DD54E}" srcOrd="0" destOrd="0" presId="urn:microsoft.com/office/officeart/2005/8/layout/process4"/>
+    <dgm:cxn modelId="{93DA936D-0831-4E27-8D1B-E82820F735AF}" srcId="{4FD1A248-6CFA-41A5-973A-57438E99BB4D}" destId="{D851DEF2-A205-4728-BAFE-DAA917AAEA71}" srcOrd="4" destOrd="0" parTransId="{5A97AEB4-C457-4925-8668-8D1E2313CCB8}" sibTransId="{5F2851CC-C5DE-4954-B7EC-68985A9EEBEA}"/>
+    <dgm:cxn modelId="{88CA2BCF-BF3F-4B5D-9FFC-490A32F7D764}" srcId="{4FD1A248-6CFA-41A5-973A-57438E99BB4D}" destId="{6CC80194-E7D1-4367-99DF-6633093B9BA8}" srcOrd="3" destOrd="0" parTransId="{9A49A830-1BA0-4D41-A243-C1C7E4FFF665}" sibTransId="{83633C24-FBB9-498B-868D-FCFBB5700535}"/>
+    <dgm:cxn modelId="{246B371E-2B38-4BFF-9F4F-D558D611C746}" type="presParOf" srcId="{53C0C079-DD0C-445B-8E13-33018E11AA5E}" destId="{6163F8D6-8333-4912-B050-60B4CE4F0486}" srcOrd="0" destOrd="0" presId="urn:microsoft.com/office/officeart/2005/8/layout/process4"/>
+    <dgm:cxn modelId="{0C351D05-1C6A-45AD-A48C-1BCB988EA012}" type="presParOf" srcId="{6163F8D6-8333-4912-B050-60B4CE4F0486}" destId="{A61B2339-8366-4111-8F73-67EF3F113E4A}" srcOrd="0" destOrd="0" presId="urn:microsoft.com/office/officeart/2005/8/layout/process4"/>
+    <dgm:cxn modelId="{20ADB3CF-4844-4BF2-8EED-760BC21CA6B6}" type="presParOf" srcId="{53C0C079-DD0C-445B-8E13-33018E11AA5E}" destId="{553B009C-ACBA-4D5A-B2EB-FE417302314F}" srcOrd="1" destOrd="0" presId="urn:microsoft.com/office/officeart/2005/8/layout/process4"/>
+    <dgm:cxn modelId="{AEFC5B45-6270-4C41-B35F-23D98935D5D7}" type="presParOf" srcId="{53C0C079-DD0C-445B-8E13-33018E11AA5E}" destId="{3546D0EE-D5D6-4045-9429-53033718D812}" srcOrd="2" destOrd="0" presId="urn:microsoft.com/office/officeart/2005/8/layout/process4"/>
+    <dgm:cxn modelId="{49D7A8A3-7C94-49D6-A2E4-D7E65B4904CB}" type="presParOf" srcId="{3546D0EE-D5D6-4045-9429-53033718D812}" destId="{6B53B39A-8B54-49BE-9D9D-CAD2969480A0}" srcOrd="0" destOrd="0" presId="urn:microsoft.com/office/officeart/2005/8/layout/process4"/>
+    <dgm:cxn modelId="{29422714-4DD7-4886-8E30-270D3DE2BA28}" type="presParOf" srcId="{53C0C079-DD0C-445B-8E13-33018E11AA5E}" destId="{0AD8CAF8-4405-406A-A082-B7070964A122}" srcOrd="3" destOrd="0" presId="urn:microsoft.com/office/officeart/2005/8/layout/process4"/>
+    <dgm:cxn modelId="{44F19AAD-22AA-4470-8EAD-189796AF6B92}" type="presParOf" srcId="{53C0C079-DD0C-445B-8E13-33018E11AA5E}" destId="{0477FAB4-A7CF-41C1-9133-7FBE6D52DF3A}" srcOrd="4" destOrd="0" presId="urn:microsoft.com/office/officeart/2005/8/layout/process4"/>
+    <dgm:cxn modelId="{1A5EE13C-C814-4DD5-A1FE-DFC2B3154DAE}" type="presParOf" srcId="{0477FAB4-A7CF-41C1-9133-7FBE6D52DF3A}" destId="{AE3A404D-D0C1-450D-BDB3-6FCA1E0EFD6F}" srcOrd="0" destOrd="0" presId="urn:microsoft.com/office/officeart/2005/8/layout/process4"/>
+    <dgm:cxn modelId="{4B39139F-5F84-408C-9629-5F63375BBB18}" type="presParOf" srcId="{53C0C079-DD0C-445B-8E13-33018E11AA5E}" destId="{6418FFFC-4A61-4336-BD1C-3E609F50CF83}" srcOrd="5" destOrd="0" presId="urn:microsoft.com/office/officeart/2005/8/layout/process4"/>
+    <dgm:cxn modelId="{639CB286-1985-493B-8554-7E200CF11F68}" type="presParOf" srcId="{53C0C079-DD0C-445B-8E13-33018E11AA5E}" destId="{B8564EDA-54EC-469F-B284-0F4EC845E3D7}" srcOrd="6" destOrd="0" presId="urn:microsoft.com/office/officeart/2005/8/layout/process4"/>
+    <dgm:cxn modelId="{478F83AC-A894-4C5A-BB09-1CEEF7ACDA93}" type="presParOf" srcId="{B8564EDA-54EC-469F-B284-0F4EC845E3D7}" destId="{1C9A3B25-0DFC-4C02-BE56-CE508DCA8953}" srcOrd="0" destOrd="0" presId="urn:microsoft.com/office/officeart/2005/8/layout/process4"/>
+    <dgm:cxn modelId="{5A665166-34FF-4386-9DAB-27410AD29F39}" type="presParOf" srcId="{53C0C079-DD0C-445B-8E13-33018E11AA5E}" destId="{CFFF00B8-11D0-4B7F-901B-F882183D8D2B}" srcOrd="7" destOrd="0" presId="urn:microsoft.com/office/officeart/2005/8/layout/process4"/>
+    <dgm:cxn modelId="{0C158340-44AA-46F1-99A8-2802400ADD66}" type="presParOf" srcId="{53C0C079-DD0C-445B-8E13-33018E11AA5E}" destId="{E79FB78F-18A9-4EDA-874E-41CC124D337C}" srcOrd="8" destOrd="0" presId="urn:microsoft.com/office/officeart/2005/8/layout/process4"/>
+    <dgm:cxn modelId="{3DC74CB7-7151-41FC-BF6A-ED867F399C77}" type="presParOf" srcId="{E79FB78F-18A9-4EDA-874E-41CC124D337C}" destId="{A90049AA-CBD6-4AEF-9EBA-5C7B5F86C71F}" srcOrd="0" destOrd="0" presId="urn:microsoft.com/office/officeart/2005/8/layout/process4"/>
+    <dgm:cxn modelId="{F4FCCB35-C56F-40C6-90DE-303EC24687B1}" type="presParOf" srcId="{53C0C079-DD0C-445B-8E13-33018E11AA5E}" destId="{CD0A88A9-D499-437C-9B29-8E866E803EBC}" srcOrd="9" destOrd="0" presId="urn:microsoft.com/office/officeart/2005/8/layout/process4"/>
+    <dgm:cxn modelId="{E4B228BF-4487-49BA-9EBC-7528824D77D1}" type="presParOf" srcId="{53C0C079-DD0C-445B-8E13-33018E11AA5E}" destId="{E8BC6539-1E3E-4F81-9C30-50D3EE42E113}" srcOrd="10" destOrd="0" presId="urn:microsoft.com/office/officeart/2005/8/layout/process4"/>
+    <dgm:cxn modelId="{49630C20-E4BE-433A-A0B1-756004B9BCE1}" type="presParOf" srcId="{E8BC6539-1E3E-4F81-9C30-50D3EE42E113}" destId="{3AC56C42-DFCB-4D8D-BA1D-03C9949DD54E}" srcOrd="0" destOrd="0" presId="urn:microsoft.com/office/officeart/2005/8/layout/process4"/>
+    <dgm:cxn modelId="{FF809F7E-837F-4432-982C-1FF504C98C73}" type="presParOf" srcId="{53C0C079-DD0C-445B-8E13-33018E11AA5E}" destId="{4B2AAFC8-041E-494C-89F6-E7AE11C76BD4}" srcOrd="11" destOrd="0" presId="urn:microsoft.com/office/officeart/2005/8/layout/process4"/>
+    <dgm:cxn modelId="{9E0814E5-6F74-45FA-8259-0658259FD7BB}" type="presParOf" srcId="{53C0C079-DD0C-445B-8E13-33018E11AA5E}" destId="{23623D10-235D-41C3-AB5C-3D77882200EE}" srcOrd="12" destOrd="0" presId="urn:microsoft.com/office/officeart/2005/8/layout/process4"/>
+    <dgm:cxn modelId="{CF48876E-13EA-4427-8DC3-1DE52AD332EA}" type="presParOf" srcId="{23623D10-235D-41C3-AB5C-3D77882200EE}" destId="{56E09A99-A56C-4723-832F-E8CEEE729B73}" srcOrd="0" destOrd="0" presId="urn:microsoft.com/office/officeart/2005/8/layout/process4"/>
+    <dgm:cxn modelId="{825AFDA6-F226-45D6-9914-64479A39D09F}" type="presParOf" srcId="{53C0C079-DD0C-445B-8E13-33018E11AA5E}" destId="{22675F40-8F65-4C32-9712-AB78C54FB738}" srcOrd="13" destOrd="0" presId="urn:microsoft.com/office/officeart/2005/8/layout/process4"/>
+    <dgm:cxn modelId="{E29353BF-336C-4E3E-9175-C3E73B97571C}" type="presParOf" srcId="{53C0C079-DD0C-445B-8E13-33018E11AA5E}" destId="{7B1F42B7-2992-4296-AB40-989030AE669E}" srcOrd="14" destOrd="0" presId="urn:microsoft.com/office/officeart/2005/8/layout/process4"/>
+    <dgm:cxn modelId="{AC4E87C3-2ED1-4A4B-AB7D-FEBAD98A75EE}" type="presParOf" srcId="{7B1F42B7-2992-4296-AB40-989030AE669E}" destId="{FA5DED89-4573-4A62-99C6-B233D4E4BEF8}" srcOrd="0" destOrd="0" presId="urn:microsoft.com/office/officeart/2005/8/layout/process4"/>
+  </dgm:cxnLst>
+  <dgm:bg/>
+  <dgm:whole/>
+  <dgm:extLst>
+    <a:ext uri="http://schemas.microsoft.com/office/drawing/2008/diagram">
+      <dsp:dataModelExt xmlns:dsp="http://schemas.microsoft.com/office/drawing/2008/diagram" relId="rId6" minVer="http://schemas.openxmlformats.org/drawingml/2006/diagram"/>
+    </a:ext>
+  </dgm:extLst>
+</dgm:dataModel>
+</file>
+
+<file path=ppt/diagrams/drawing1.xml><?xml version="1.0" encoding="utf-8"?>
+<dsp:drawing xmlns:dgm="http://schemas.openxmlformats.org/drawingml/2006/diagram" xmlns:dsp="http://schemas.microsoft.com/office/drawing/2008/diagram" xmlns:a="http://schemas.openxmlformats.org/drawingml/2006/main">
+  <dsp:spTree>
+    <dsp:nvGrpSpPr>
+      <dsp:cNvPr id="0" name=""/>
+      <dsp:cNvGrpSpPr/>
+    </dsp:nvGrpSpPr>
+    <dsp:grpSpPr/>
+    <dsp:sp modelId="{A61B2339-8366-4111-8F73-67EF3F113E4A}">
+      <dsp:nvSpPr>
+        <dsp:cNvPr id="0" name=""/>
+        <dsp:cNvSpPr/>
+      </dsp:nvSpPr>
+      <dsp:spPr>
+        <a:xfrm>
+          <a:off x="0" y="5223177"/>
+          <a:ext cx="5943600" cy="489737"/>
+        </a:xfrm>
+        <a:prstGeom prst="rect">
+          <a:avLst/>
+        </a:prstGeom>
+        <a:gradFill rotWithShape="0">
+          <a:gsLst>
+            <a:gs pos="0">
+              <a:schemeClr val="accent2">
+                <a:hueOff val="0"/>
+                <a:satOff val="0"/>
+                <a:lumOff val="0"/>
+                <a:alphaOff val="0"/>
+                <a:shade val="51000"/>
+                <a:satMod val="130000"/>
+              </a:schemeClr>
+            </a:gs>
+            <a:gs pos="80000">
+              <a:schemeClr val="accent2">
+                <a:hueOff val="0"/>
+                <a:satOff val="0"/>
+                <a:lumOff val="0"/>
+                <a:alphaOff val="0"/>
+                <a:shade val="93000"/>
+                <a:satMod val="130000"/>
+              </a:schemeClr>
+            </a:gs>
+            <a:gs pos="100000">
+              <a:schemeClr val="accent2">
+                <a:hueOff val="0"/>
+                <a:satOff val="0"/>
+                <a:lumOff val="0"/>
+                <a:alphaOff val="0"/>
+                <a:shade val="94000"/>
+                <a:satMod val="135000"/>
+              </a:schemeClr>
+            </a:gs>
+          </a:gsLst>
+          <a:lin ang="16200000" scaled="0"/>
+        </a:gradFill>
+        <a:ln>
+          <a:noFill/>
+        </a:ln>
+        <a:effectLst>
+          <a:outerShdw blurRad="40000" dist="23000" dir="5400000" rotWithShape="0">
+            <a:srgbClr val="000000">
+              <a:alpha val="35000"/>
+            </a:srgbClr>
+          </a:outerShdw>
+        </a:effectLst>
+        <a:scene3d>
+          <a:camera prst="orthographicFront"/>
+          <a:lightRig rig="flat" dir="t"/>
+        </a:scene3d>
+        <a:sp3d prstMaterial="plastic">
+          <a:bevelT w="120900" h="88900"/>
+          <a:bevelB w="88900" h="31750" prst="angle"/>
+        </a:sp3d>
+      </dsp:spPr>
+      <dsp:style>
+        <a:lnRef idx="0">
+          <a:scrgbClr r="0" g="0" b="0"/>
+        </a:lnRef>
+        <a:fillRef idx="3">
+          <a:scrgbClr r="0" g="0" b="0"/>
+        </a:fillRef>
+        <a:effectRef idx="2">
+          <a:scrgbClr r="0" g="0" b="0"/>
+        </a:effectRef>
+        <a:fontRef idx="minor">
+          <a:schemeClr val="lt1"/>
+        </a:fontRef>
+      </dsp:style>
+      <dsp:txBody>
+        <a:bodyPr spcFirstLastPara="0" vert="horz" wrap="square" lIns="113792" tIns="113792" rIns="113792" bIns="113792" numCol="1" spcCol="1270" anchor="ctr" anchorCtr="0">
+          <a:noAutofit/>
+          <a:scene3d>
+            <a:camera prst="orthographicFront"/>
+            <a:lightRig rig="balanced" dir="t">
+              <a:rot lat="0" lon="0" rev="2100000"/>
+            </a:lightRig>
+          </a:scene3d>
+          <a:sp3d extrusionH="57150" prstMaterial="metal">
+            <a:bevelT w="38100" h="25400"/>
+            <a:contourClr>
+              <a:schemeClr val="bg2"/>
+            </a:contourClr>
+          </a:sp3d>
+        </a:bodyPr>
+        <a:lstStyle/>
+        <a:p>
+          <a:pPr lvl="0" algn="ctr" defTabSz="711200">
+            <a:lnSpc>
+              <a:spcPct val="90000"/>
+            </a:lnSpc>
+            <a:spcBef>
+              <a:spcPct val="0"/>
+            </a:spcBef>
+            <a:spcAft>
+              <a:spcPct val="35000"/>
+            </a:spcAft>
+          </a:pPr>
+          <a:r>
+            <a:rPr lang="en-US" sz="1600" b="1" kern="1200" cap="none" spc="0" dirty="0" smtClean="0">
+              <a:ln w="17780" cmpd="sng">
+                <a:solidFill>
+                  <a:schemeClr val="accent1">
+                    <a:tint val="3000"/>
+                  </a:schemeClr>
+                </a:solidFill>
+                <a:prstDash val="solid"/>
+                <a:miter lim="800000"/>
+              </a:ln>
+              <a:gradFill>
+                <a:gsLst>
+                  <a:gs pos="10000">
+                    <a:schemeClr val="accent1">
+                      <a:tint val="63000"/>
+                      <a:sat val="105000"/>
+                    </a:schemeClr>
+                  </a:gs>
+                  <a:gs pos="90000">
+                    <a:schemeClr val="accent1">
+                      <a:shade val="50000"/>
+                      <a:satMod val="100000"/>
+                    </a:schemeClr>
+                  </a:gs>
+                </a:gsLst>
+                <a:lin ang="5400000"/>
+              </a:gradFill>
+              <a:effectLst>
+                <a:outerShdw blurRad="55000" dist="50800" dir="5400000" algn="tl">
+                  <a:srgbClr val="000000">
+                    <a:alpha val="33000"/>
+                  </a:srgbClr>
+                </a:outerShdw>
+              </a:effectLst>
+              <a:latin typeface="Times New Roman" pitchFamily="18" charset="0"/>
+              <a:ea typeface="Verdana" pitchFamily="34" charset="0"/>
+              <a:cs typeface="Times New Roman" pitchFamily="18" charset="0"/>
+            </a:rPr>
+            <a:t>8. Clean up and close connections</a:t>
+          </a:r>
+          <a:endParaRPr lang="en-US" sz="1600" b="1" kern="1200" cap="none" spc="0" dirty="0">
+            <a:ln w="17780" cmpd="sng">
+              <a:solidFill>
+                <a:schemeClr val="accent1">
+                  <a:tint val="3000"/>
+                </a:schemeClr>
+              </a:solidFill>
+              <a:prstDash val="solid"/>
+              <a:miter lim="800000"/>
+            </a:ln>
+            <a:gradFill>
+              <a:gsLst>
+                <a:gs pos="10000">
+                  <a:schemeClr val="accent1">
+                    <a:tint val="63000"/>
+                    <a:sat val="105000"/>
+                  </a:schemeClr>
+                </a:gs>
+                <a:gs pos="90000">
+                  <a:schemeClr val="accent1">
+                    <a:shade val="50000"/>
+                    <a:satMod val="100000"/>
+                  </a:schemeClr>
+                </a:gs>
+              </a:gsLst>
+              <a:lin ang="5400000"/>
+            </a:gradFill>
+            <a:effectLst>
+              <a:outerShdw blurRad="55000" dist="50800" dir="5400000" algn="tl">
+                <a:srgbClr val="000000">
+                  <a:alpha val="33000"/>
+                </a:srgbClr>
+              </a:outerShdw>
+            </a:effectLst>
+            <a:latin typeface="Times New Roman" pitchFamily="18" charset="0"/>
+            <a:ea typeface="Verdana" pitchFamily="34" charset="0"/>
+            <a:cs typeface="Times New Roman" pitchFamily="18" charset="0"/>
+          </a:endParaRPr>
+        </a:p>
+      </dsp:txBody>
+      <dsp:txXfrm>
+        <a:off x="0" y="5223177"/>
+        <a:ext cx="5943600" cy="489737"/>
+      </dsp:txXfrm>
+    </dsp:sp>
+    <dsp:sp modelId="{6B53B39A-8B54-49BE-9D9D-CAD2969480A0}">
+      <dsp:nvSpPr>
+        <dsp:cNvPr id="0" name=""/>
+        <dsp:cNvSpPr/>
+      </dsp:nvSpPr>
+      <dsp:spPr>
+        <a:xfrm rot="10800000">
+          <a:off x="0" y="4477306"/>
+          <a:ext cx="5943600" cy="753216"/>
+        </a:xfrm>
+        <a:prstGeom prst="upArrowCallout">
+          <a:avLst/>
+        </a:prstGeom>
+        <a:gradFill rotWithShape="0">
+          <a:gsLst>
+            <a:gs pos="0">
+              <a:schemeClr val="accent2">
+                <a:hueOff val="668788"/>
+                <a:satOff val="-834"/>
+                <a:lumOff val="196"/>
+                <a:alphaOff val="0"/>
+                <a:shade val="51000"/>
+                <a:satMod val="130000"/>
+              </a:schemeClr>
+            </a:gs>
+            <a:gs pos="80000">
+              <a:schemeClr val="accent2">
+                <a:hueOff val="668788"/>
+                <a:satOff val="-834"/>
+                <a:lumOff val="196"/>
+                <a:alphaOff val="0"/>
+                <a:shade val="93000"/>
+                <a:satMod val="130000"/>
+              </a:schemeClr>
+            </a:gs>
+            <a:gs pos="100000">
+              <a:schemeClr val="accent2">
+                <a:hueOff val="668788"/>
+                <a:satOff val="-834"/>
+                <a:lumOff val="196"/>
+                <a:alphaOff val="0"/>
+                <a:shade val="94000"/>
+                <a:satMod val="135000"/>
+              </a:schemeClr>
+            </a:gs>
+          </a:gsLst>
+          <a:lin ang="16200000" scaled="0"/>
+        </a:gradFill>
+        <a:ln>
+          <a:noFill/>
+        </a:ln>
+        <a:effectLst>
+          <a:outerShdw blurRad="40000" dist="23000" dir="5400000" rotWithShape="0">
+            <a:srgbClr val="000000">
+              <a:alpha val="35000"/>
+            </a:srgbClr>
+          </a:outerShdw>
+        </a:effectLst>
+        <a:scene3d>
+          <a:camera prst="orthographicFront"/>
+          <a:lightRig rig="flat" dir="t"/>
+        </a:scene3d>
+        <a:sp3d prstMaterial="plastic">
+          <a:bevelT w="120900" h="88900"/>
+          <a:bevelB w="88900" h="31750" prst="angle"/>
+        </a:sp3d>
+      </dsp:spPr>
+      <dsp:style>
+        <a:lnRef idx="0">
+          <a:scrgbClr r="0" g="0" b="0"/>
+        </a:lnRef>
+        <a:fillRef idx="3">
+          <a:scrgbClr r="0" g="0" b="0"/>
+        </a:fillRef>
+        <a:effectRef idx="2">
+          <a:scrgbClr r="0" g="0" b="0"/>
+        </a:effectRef>
+        <a:fontRef idx="minor">
+          <a:schemeClr val="lt1"/>
+        </a:fontRef>
+      </dsp:style>
+      <dsp:txBody>
+        <a:bodyPr spcFirstLastPara="0" vert="horz" wrap="square" lIns="113792" tIns="113792" rIns="113792" bIns="113792" numCol="1" spcCol="1270" anchor="ctr" anchorCtr="0">
+          <a:noAutofit/>
+          <a:scene3d>
+            <a:camera prst="orthographicFront"/>
+            <a:lightRig rig="balanced" dir="t">
+              <a:rot lat="0" lon="0" rev="2100000"/>
+            </a:lightRig>
+          </a:scene3d>
+          <a:sp3d extrusionH="57150" prstMaterial="metal">
+            <a:bevelT w="38100" h="25400"/>
+            <a:contourClr>
+              <a:schemeClr val="bg2"/>
+            </a:contourClr>
+          </a:sp3d>
+        </a:bodyPr>
+        <a:lstStyle/>
+        <a:p>
+          <a:pPr lvl="0" algn="ctr" defTabSz="711200">
+            <a:lnSpc>
+              <a:spcPct val="90000"/>
+            </a:lnSpc>
+            <a:spcBef>
+              <a:spcPct val="0"/>
+            </a:spcBef>
+            <a:spcAft>
+              <a:spcPct val="35000"/>
+            </a:spcAft>
+          </a:pPr>
+          <a:r>
+            <a:rPr lang="en-US" sz="1600" b="1" kern="1200" cap="none" spc="0" dirty="0" smtClean="0">
+              <a:ln w="17780" cmpd="sng">
+                <a:solidFill>
+                  <a:schemeClr val="accent1">
+                    <a:tint val="3000"/>
+                  </a:schemeClr>
+                </a:solidFill>
+                <a:prstDash val="solid"/>
+                <a:miter lim="800000"/>
+              </a:ln>
+              <a:gradFill>
+                <a:gsLst>
+                  <a:gs pos="10000">
+                    <a:schemeClr val="accent1">
+                      <a:tint val="63000"/>
+                      <a:sat val="105000"/>
+                    </a:schemeClr>
+                  </a:gs>
+                  <a:gs pos="90000">
+                    <a:schemeClr val="accent1">
+                      <a:shade val="50000"/>
+                      <a:satMod val="100000"/>
+                    </a:schemeClr>
+                  </a:gs>
+                </a:gsLst>
+                <a:lin ang="5400000"/>
+              </a:gradFill>
+              <a:effectLst>
+                <a:outerShdw blurRad="55000" dist="50800" dir="5400000" algn="tl">
+                  <a:srgbClr val="000000">
+                    <a:alpha val="33000"/>
+                  </a:srgbClr>
+                </a:outerShdw>
+              </a:effectLst>
+              <a:latin typeface="Times New Roman" pitchFamily="18" charset="0"/>
+              <a:ea typeface="Verdana" pitchFamily="34" charset="0"/>
+              <a:cs typeface="Times New Roman" pitchFamily="18" charset="0"/>
+            </a:rPr>
+            <a:t>7. Export Mining Model data to database (Database Engine)</a:t>
+          </a:r>
+          <a:endParaRPr lang="en-US" sz="1600" b="1" kern="1200" cap="none" spc="0" dirty="0">
+            <a:ln w="17780" cmpd="sng">
+              <a:solidFill>
+                <a:schemeClr val="accent1">
+                  <a:tint val="3000"/>
+                </a:schemeClr>
+              </a:solidFill>
+              <a:prstDash val="solid"/>
+              <a:miter lim="800000"/>
+            </a:ln>
+            <a:gradFill>
+              <a:gsLst>
+                <a:gs pos="10000">
+                  <a:schemeClr val="accent1">
+                    <a:tint val="63000"/>
+                    <a:sat val="105000"/>
+                  </a:schemeClr>
+                </a:gs>
+                <a:gs pos="90000">
+                  <a:schemeClr val="accent1">
+                    <a:shade val="50000"/>
+                    <a:satMod val="100000"/>
+                  </a:schemeClr>
+                </a:gs>
+              </a:gsLst>
+              <a:lin ang="5400000"/>
+            </a:gradFill>
+            <a:effectLst>
+              <a:outerShdw blurRad="55000" dist="50800" dir="5400000" algn="tl">
+                <a:srgbClr val="000000">
+                  <a:alpha val="33000"/>
+                </a:srgbClr>
+              </a:outerShdw>
+            </a:effectLst>
+            <a:latin typeface="Times New Roman" pitchFamily="18" charset="0"/>
+            <a:ea typeface="Verdana" pitchFamily="34" charset="0"/>
+            <a:cs typeface="Times New Roman" pitchFamily="18" charset="0"/>
+          </a:endParaRPr>
+        </a:p>
+      </dsp:txBody>
+      <dsp:txXfrm rot="10800000">
+        <a:off x="0" y="4477306"/>
+        <a:ext cx="5943600" cy="489417"/>
+      </dsp:txXfrm>
+    </dsp:sp>
+    <dsp:sp modelId="{AE3A404D-D0C1-450D-BDB3-6FCA1E0EFD6F}">
+      <dsp:nvSpPr>
+        <dsp:cNvPr id="0" name=""/>
+        <dsp:cNvSpPr/>
+      </dsp:nvSpPr>
+      <dsp:spPr>
+        <a:xfrm rot="10800000">
+          <a:off x="0" y="3731436"/>
+          <a:ext cx="5943600" cy="753216"/>
+        </a:xfrm>
+        <a:prstGeom prst="upArrowCallout">
+          <a:avLst/>
+        </a:prstGeom>
+        <a:gradFill rotWithShape="0">
+          <a:gsLst>
+            <a:gs pos="0">
+              <a:schemeClr val="accent2">
+                <a:hueOff val="1337577"/>
+                <a:satOff val="-1668"/>
+                <a:lumOff val="392"/>
+                <a:alphaOff val="0"/>
+                <a:shade val="51000"/>
+                <a:satMod val="130000"/>
+              </a:schemeClr>
+            </a:gs>
+            <a:gs pos="80000">
+              <a:schemeClr val="accent2">
+                <a:hueOff val="1337577"/>
+                <a:satOff val="-1668"/>
+                <a:lumOff val="392"/>
+                <a:alphaOff val="0"/>
+                <a:shade val="93000"/>
+                <a:satMod val="130000"/>
+              </a:schemeClr>
+            </a:gs>
+            <a:gs pos="100000">
+              <a:schemeClr val="accent2">
+                <a:hueOff val="1337577"/>
+                <a:satOff val="-1668"/>
+                <a:lumOff val="392"/>
+                <a:alphaOff val="0"/>
+                <a:shade val="94000"/>
+                <a:satMod val="135000"/>
+              </a:schemeClr>
+            </a:gs>
+          </a:gsLst>
+          <a:lin ang="16200000" scaled="0"/>
+        </a:gradFill>
+        <a:ln>
+          <a:noFill/>
+        </a:ln>
+        <a:effectLst>
+          <a:outerShdw blurRad="40000" dist="23000" dir="5400000" rotWithShape="0">
+            <a:srgbClr val="000000">
+              <a:alpha val="35000"/>
+            </a:srgbClr>
+          </a:outerShdw>
+        </a:effectLst>
+        <a:scene3d>
+          <a:camera prst="orthographicFront"/>
+          <a:lightRig rig="flat" dir="t"/>
+        </a:scene3d>
+        <a:sp3d prstMaterial="plastic">
+          <a:bevelT w="120900" h="88900"/>
+          <a:bevelB w="88900" h="31750" prst="angle"/>
+        </a:sp3d>
+      </dsp:spPr>
+      <dsp:style>
+        <a:lnRef idx="0">
+          <a:scrgbClr r="0" g="0" b="0"/>
+        </a:lnRef>
+        <a:fillRef idx="3">
+          <a:scrgbClr r="0" g="0" b="0"/>
+        </a:fillRef>
+        <a:effectRef idx="2">
+          <a:scrgbClr r="0" g="0" b="0"/>
+        </a:effectRef>
+        <a:fontRef idx="minor">
+          <a:schemeClr val="lt1"/>
+        </a:fontRef>
+      </dsp:style>
+      <dsp:txBody>
+        <a:bodyPr spcFirstLastPara="0" vert="horz" wrap="square" lIns="113792" tIns="113792" rIns="113792" bIns="113792" numCol="1" spcCol="1270" anchor="ctr" anchorCtr="0">
+          <a:noAutofit/>
+          <a:scene3d>
+            <a:camera prst="orthographicFront"/>
+            <a:lightRig rig="balanced" dir="t">
+              <a:rot lat="0" lon="0" rev="2100000"/>
+            </a:lightRig>
+          </a:scene3d>
+          <a:sp3d extrusionH="57150" prstMaterial="metal">
+            <a:bevelT w="38100" h="25400"/>
+            <a:contourClr>
+              <a:schemeClr val="bg2"/>
+            </a:contourClr>
+          </a:sp3d>
+        </a:bodyPr>
+        <a:lstStyle/>
+        <a:p>
+          <a:pPr lvl="0" algn="ctr" defTabSz="711200">
+            <a:lnSpc>
+              <a:spcPct val="90000"/>
+            </a:lnSpc>
+            <a:spcBef>
+              <a:spcPct val="0"/>
+            </a:spcBef>
+            <a:spcAft>
+              <a:spcPct val="35000"/>
+            </a:spcAft>
+          </a:pPr>
+          <a:r>
+            <a:rPr lang="en-US" sz="1600" b="1" kern="1200" cap="none" spc="0" smtClean="0">
+              <a:ln w="17780" cmpd="sng">
+                <a:solidFill>
+                  <a:schemeClr val="accent1">
+                    <a:tint val="3000"/>
+                  </a:schemeClr>
+                </a:solidFill>
+                <a:prstDash val="solid"/>
+                <a:miter lim="800000"/>
+              </a:ln>
+              <a:gradFill>
+                <a:gsLst>
+                  <a:gs pos="10000">
+                    <a:schemeClr val="accent1">
+                      <a:tint val="63000"/>
+                      <a:sat val="105000"/>
+                    </a:schemeClr>
+                  </a:gs>
+                  <a:gs pos="90000">
+                    <a:schemeClr val="accent1">
+                      <a:shade val="50000"/>
+                      <a:satMod val="100000"/>
+                    </a:schemeClr>
+                  </a:gs>
+                </a:gsLst>
+                <a:lin ang="5400000"/>
+              </a:gradFill>
+              <a:effectLst>
+                <a:outerShdw blurRad="55000" dist="50800" dir="5400000" algn="tl">
+                  <a:srgbClr val="000000">
+                    <a:alpha val="33000"/>
+                  </a:srgbClr>
+                </a:outerShdw>
+              </a:effectLst>
+              <a:latin typeface="Times New Roman" pitchFamily="18" charset="0"/>
+              <a:ea typeface="Verdana" pitchFamily="34" charset="0"/>
+              <a:cs typeface="Times New Roman" pitchFamily="18" charset="0"/>
+            </a:rPr>
+            <a:t>6. Processing Mining Model</a:t>
+          </a:r>
+          <a:endParaRPr lang="en-US" sz="1600" b="1" kern="1200" cap="none" spc="0" dirty="0">
+            <a:ln w="17780" cmpd="sng">
+              <a:solidFill>
+                <a:schemeClr val="accent1">
+                  <a:tint val="3000"/>
+                </a:schemeClr>
+              </a:solidFill>
+              <a:prstDash val="solid"/>
+              <a:miter lim="800000"/>
+            </a:ln>
+            <a:gradFill>
+              <a:gsLst>
+                <a:gs pos="10000">
+                  <a:schemeClr val="accent1">
+                    <a:tint val="63000"/>
+                    <a:sat val="105000"/>
+                  </a:schemeClr>
+                </a:gs>
+                <a:gs pos="90000">
+                  <a:schemeClr val="accent1">
+                    <a:shade val="50000"/>
+                    <a:satMod val="100000"/>
+                  </a:schemeClr>
+                </a:gs>
+              </a:gsLst>
+              <a:lin ang="5400000"/>
+            </a:gradFill>
+            <a:effectLst>
+              <a:outerShdw blurRad="55000" dist="50800" dir="5400000" algn="tl">
+                <a:srgbClr val="000000">
+                  <a:alpha val="33000"/>
+                </a:srgbClr>
+              </a:outerShdw>
+            </a:effectLst>
+            <a:latin typeface="Times New Roman" pitchFamily="18" charset="0"/>
+            <a:ea typeface="Verdana" pitchFamily="34" charset="0"/>
+            <a:cs typeface="Times New Roman" pitchFamily="18" charset="0"/>
+          </a:endParaRPr>
+        </a:p>
+      </dsp:txBody>
+      <dsp:txXfrm rot="10800000">
+        <a:off x="0" y="3731436"/>
+        <a:ext cx="5943600" cy="489417"/>
+      </dsp:txXfrm>
+    </dsp:sp>
+    <dsp:sp modelId="{1C9A3B25-0DFC-4C02-BE56-CE508DCA8953}">
+      <dsp:nvSpPr>
+        <dsp:cNvPr id="0" name=""/>
+        <dsp:cNvSpPr/>
+      </dsp:nvSpPr>
+      <dsp:spPr>
+        <a:xfrm rot="10800000">
+          <a:off x="0" y="2985566"/>
+          <a:ext cx="5943600" cy="753216"/>
+        </a:xfrm>
+        <a:prstGeom prst="upArrowCallout">
+          <a:avLst/>
+        </a:prstGeom>
+        <a:gradFill rotWithShape="0">
+          <a:gsLst>
+            <a:gs pos="0">
+              <a:schemeClr val="accent2">
+                <a:hueOff val="2006365"/>
+                <a:satOff val="-2502"/>
+                <a:lumOff val="588"/>
+                <a:alphaOff val="0"/>
+                <a:shade val="51000"/>
+                <a:satMod val="130000"/>
+              </a:schemeClr>
+            </a:gs>
+            <a:gs pos="80000">
+              <a:schemeClr val="accent2">
+                <a:hueOff val="2006365"/>
+                <a:satOff val="-2502"/>
+                <a:lumOff val="588"/>
+                <a:alphaOff val="0"/>
+                <a:shade val="93000"/>
+                <a:satMod val="130000"/>
+              </a:schemeClr>
+            </a:gs>
+            <a:gs pos="100000">
+              <a:schemeClr val="accent2">
+                <a:hueOff val="2006365"/>
+                <a:satOff val="-2502"/>
+                <a:lumOff val="588"/>
+                <a:alphaOff val="0"/>
+                <a:shade val="94000"/>
+                <a:satMod val="135000"/>
+              </a:schemeClr>
+            </a:gs>
+          </a:gsLst>
+          <a:lin ang="16200000" scaled="0"/>
+        </a:gradFill>
+        <a:ln>
+          <a:noFill/>
+        </a:ln>
+        <a:effectLst>
+          <a:outerShdw blurRad="40000" dist="23000" dir="5400000" rotWithShape="0">
+            <a:srgbClr val="000000">
+              <a:alpha val="35000"/>
+            </a:srgbClr>
+          </a:outerShdw>
+        </a:effectLst>
+        <a:scene3d>
+          <a:camera prst="orthographicFront"/>
+          <a:lightRig rig="flat" dir="t"/>
+        </a:scene3d>
+        <a:sp3d prstMaterial="plastic">
+          <a:bevelT w="120900" h="88900"/>
+          <a:bevelB w="88900" h="31750" prst="angle"/>
+        </a:sp3d>
+      </dsp:spPr>
+      <dsp:style>
+        <a:lnRef idx="0">
+          <a:scrgbClr r="0" g="0" b="0"/>
+        </a:lnRef>
+        <a:fillRef idx="3">
+          <a:scrgbClr r="0" g="0" b="0"/>
+        </a:fillRef>
+        <a:effectRef idx="2">
+          <a:scrgbClr r="0" g="0" b="0"/>
+        </a:effectRef>
+        <a:fontRef idx="minor">
+          <a:schemeClr val="lt1"/>
+        </a:fontRef>
+      </dsp:style>
+      <dsp:txBody>
+        <a:bodyPr spcFirstLastPara="0" vert="horz" wrap="square" lIns="113792" tIns="113792" rIns="113792" bIns="113792" numCol="1" spcCol="1270" anchor="ctr" anchorCtr="0">
+          <a:noAutofit/>
+          <a:scene3d>
+            <a:camera prst="orthographicFront"/>
+            <a:lightRig rig="balanced" dir="t">
+              <a:rot lat="0" lon="0" rev="2100000"/>
+            </a:lightRig>
+          </a:scene3d>
+          <a:sp3d extrusionH="57150" prstMaterial="metal">
+            <a:bevelT w="38100" h="25400"/>
+            <a:contourClr>
+              <a:schemeClr val="bg2"/>
+            </a:contourClr>
+          </a:sp3d>
+        </a:bodyPr>
+        <a:lstStyle/>
+        <a:p>
+          <a:pPr lvl="0" algn="ctr" defTabSz="711200">
+            <a:lnSpc>
+              <a:spcPct val="90000"/>
+            </a:lnSpc>
+            <a:spcBef>
+              <a:spcPct val="0"/>
+            </a:spcBef>
+            <a:spcAft>
+              <a:spcPct val="35000"/>
+            </a:spcAft>
+          </a:pPr>
+          <a:r>
+            <a:rPr lang="en-US" sz="1600" b="1" kern="1200" cap="none" spc="0" dirty="0" smtClean="0">
+              <a:ln w="17780" cmpd="sng">
+                <a:solidFill>
+                  <a:schemeClr val="accent1">
+                    <a:tint val="3000"/>
+                  </a:schemeClr>
+                </a:solidFill>
+                <a:prstDash val="solid"/>
+                <a:miter lim="800000"/>
+              </a:ln>
+              <a:gradFill>
+                <a:gsLst>
+                  <a:gs pos="10000">
+                    <a:schemeClr val="accent1">
+                      <a:tint val="63000"/>
+                      <a:sat val="105000"/>
+                    </a:schemeClr>
+                  </a:gs>
+                  <a:gs pos="90000">
+                    <a:schemeClr val="accent1">
+                      <a:shade val="50000"/>
+                      <a:satMod val="100000"/>
+                    </a:schemeClr>
+                  </a:gs>
+                </a:gsLst>
+                <a:lin ang="5400000"/>
+              </a:gradFill>
+              <a:effectLst>
+                <a:outerShdw blurRad="55000" dist="50800" dir="5400000" algn="tl">
+                  <a:srgbClr val="000000">
+                    <a:alpha val="33000"/>
+                  </a:srgbClr>
+                </a:outerShdw>
+              </a:effectLst>
+              <a:latin typeface="Times New Roman" pitchFamily="18" charset="0"/>
+              <a:ea typeface="Verdana" pitchFamily="34" charset="0"/>
+              <a:cs typeface="Times New Roman" pitchFamily="18" charset="0"/>
+            </a:rPr>
+            <a:t>5. Create Mining structures and mining models</a:t>
+          </a:r>
+          <a:endParaRPr lang="en-US" sz="1600" b="1" kern="1200" cap="none" spc="0" dirty="0">
+            <a:ln w="17780" cmpd="sng">
+              <a:solidFill>
+                <a:schemeClr val="accent1">
+                  <a:tint val="3000"/>
+                </a:schemeClr>
+              </a:solidFill>
+              <a:prstDash val="solid"/>
+              <a:miter lim="800000"/>
+            </a:ln>
+            <a:gradFill>
+              <a:gsLst>
+                <a:gs pos="10000">
+                  <a:schemeClr val="accent1">
+                    <a:tint val="63000"/>
+                    <a:sat val="105000"/>
+                  </a:schemeClr>
+                </a:gs>
+                <a:gs pos="90000">
+                  <a:schemeClr val="accent1">
+                    <a:shade val="50000"/>
+                    <a:satMod val="100000"/>
+                  </a:schemeClr>
+                </a:gs>
+              </a:gsLst>
+              <a:lin ang="5400000"/>
+            </a:gradFill>
+            <a:effectLst>
+              <a:outerShdw blurRad="55000" dist="50800" dir="5400000" algn="tl">
+                <a:srgbClr val="000000">
+                  <a:alpha val="33000"/>
+                </a:srgbClr>
+              </a:outerShdw>
+            </a:effectLst>
+            <a:latin typeface="Times New Roman" pitchFamily="18" charset="0"/>
+            <a:ea typeface="Verdana" pitchFamily="34" charset="0"/>
+            <a:cs typeface="Times New Roman" pitchFamily="18" charset="0"/>
+          </a:endParaRPr>
+        </a:p>
+      </dsp:txBody>
+      <dsp:txXfrm rot="10800000">
+        <a:off x="0" y="2985566"/>
+        <a:ext cx="5943600" cy="489417"/>
+      </dsp:txXfrm>
+    </dsp:sp>
+    <dsp:sp modelId="{A90049AA-CBD6-4AEF-9EBA-5C7B5F86C71F}">
+      <dsp:nvSpPr>
+        <dsp:cNvPr id="0" name=""/>
+        <dsp:cNvSpPr/>
+      </dsp:nvSpPr>
+      <dsp:spPr>
+        <a:xfrm rot="10800000">
+          <a:off x="0" y="2239696"/>
+          <a:ext cx="5943600" cy="753216"/>
+        </a:xfrm>
+        <a:prstGeom prst="upArrowCallout">
+          <a:avLst/>
+        </a:prstGeom>
+        <a:gradFill rotWithShape="0">
+          <a:gsLst>
+            <a:gs pos="0">
+              <a:schemeClr val="accent2">
+                <a:hueOff val="2675154"/>
+                <a:satOff val="-3337"/>
+                <a:lumOff val="785"/>
+                <a:alphaOff val="0"/>
+                <a:shade val="51000"/>
+                <a:satMod val="130000"/>
+              </a:schemeClr>
+            </a:gs>
+            <a:gs pos="80000">
+              <a:schemeClr val="accent2">
+                <a:hueOff val="2675154"/>
+                <a:satOff val="-3337"/>
+                <a:lumOff val="785"/>
+                <a:alphaOff val="0"/>
+                <a:shade val="93000"/>
+                <a:satMod val="130000"/>
+              </a:schemeClr>
+            </a:gs>
+            <a:gs pos="100000">
+              <a:schemeClr val="accent2">
+                <a:hueOff val="2675154"/>
+                <a:satOff val="-3337"/>
+                <a:lumOff val="785"/>
+                <a:alphaOff val="0"/>
+                <a:shade val="94000"/>
+                <a:satMod val="135000"/>
+              </a:schemeClr>
+            </a:gs>
+          </a:gsLst>
+          <a:lin ang="16200000" scaled="0"/>
+        </a:gradFill>
+        <a:ln>
+          <a:noFill/>
+        </a:ln>
+        <a:effectLst>
+          <a:outerShdw blurRad="40000" dist="23000" dir="5400000" rotWithShape="0">
+            <a:srgbClr val="000000">
+              <a:alpha val="35000"/>
+            </a:srgbClr>
+          </a:outerShdw>
+        </a:effectLst>
+        <a:scene3d>
+          <a:camera prst="orthographicFront"/>
+          <a:lightRig rig="flat" dir="t"/>
+        </a:scene3d>
+        <a:sp3d prstMaterial="plastic">
+          <a:bevelT w="120900" h="88900"/>
+          <a:bevelB w="88900" h="31750" prst="angle"/>
+        </a:sp3d>
+      </dsp:spPr>
+      <dsp:style>
+        <a:lnRef idx="0">
+          <a:scrgbClr r="0" g="0" b="0"/>
+        </a:lnRef>
+        <a:fillRef idx="3">
+          <a:scrgbClr r="0" g="0" b="0"/>
+        </a:fillRef>
+        <a:effectRef idx="2">
+          <a:scrgbClr r="0" g="0" b="0"/>
+        </a:effectRef>
+        <a:fontRef idx="minor">
+          <a:schemeClr val="lt1"/>
+        </a:fontRef>
+      </dsp:style>
+      <dsp:txBody>
+        <a:bodyPr spcFirstLastPara="0" vert="horz" wrap="square" lIns="113792" tIns="113792" rIns="113792" bIns="113792" numCol="1" spcCol="1270" anchor="ctr" anchorCtr="0">
+          <a:noAutofit/>
+          <a:scene3d>
+            <a:camera prst="orthographicFront"/>
+            <a:lightRig rig="balanced" dir="t">
+              <a:rot lat="0" lon="0" rev="2100000"/>
+            </a:lightRig>
+          </a:scene3d>
+          <a:sp3d extrusionH="57150" prstMaterial="metal">
+            <a:bevelT w="38100" h="25400"/>
+            <a:contourClr>
+              <a:schemeClr val="bg2"/>
+            </a:contourClr>
+          </a:sp3d>
+        </a:bodyPr>
+        <a:lstStyle/>
+        <a:p>
+          <a:pPr lvl="0" algn="ctr" defTabSz="711200">
+            <a:lnSpc>
+              <a:spcPct val="90000"/>
+            </a:lnSpc>
+            <a:spcBef>
+              <a:spcPct val="0"/>
+            </a:spcBef>
+            <a:spcAft>
+              <a:spcPct val="35000"/>
+            </a:spcAft>
+          </a:pPr>
+          <a:r>
+            <a:rPr lang="en-US" sz="1600" b="1" kern="1200" cap="none" spc="0" dirty="0" smtClean="0">
+              <a:ln w="17780" cmpd="sng">
+                <a:solidFill>
+                  <a:schemeClr val="accent1">
+                    <a:tint val="3000"/>
+                  </a:schemeClr>
+                </a:solidFill>
+                <a:prstDash val="solid"/>
+                <a:miter lim="800000"/>
+              </a:ln>
+              <a:gradFill>
+                <a:gsLst>
+                  <a:gs pos="10000">
+                    <a:schemeClr val="accent1">
+                      <a:tint val="63000"/>
+                      <a:sat val="105000"/>
+                    </a:schemeClr>
+                  </a:gs>
+                  <a:gs pos="90000">
+                    <a:schemeClr val="accent1">
+                      <a:shade val="50000"/>
+                      <a:satMod val="100000"/>
+                    </a:schemeClr>
+                  </a:gs>
+                </a:gsLst>
+                <a:lin ang="5400000"/>
+              </a:gradFill>
+              <a:effectLst>
+                <a:outerShdw blurRad="55000" dist="50800" dir="5400000" algn="tl">
+                  <a:srgbClr val="000000">
+                    <a:alpha val="33000"/>
+                  </a:srgbClr>
+                </a:outerShdw>
+              </a:effectLst>
+              <a:latin typeface="Times New Roman" pitchFamily="18" charset="0"/>
+              <a:ea typeface="Verdana" pitchFamily="34" charset="0"/>
+              <a:cs typeface="Times New Roman" pitchFamily="18" charset="0"/>
+            </a:rPr>
+            <a:t>4. Select Algorithm and declare parameters</a:t>
+          </a:r>
+          <a:endParaRPr lang="en-US" sz="1600" b="1" kern="1200" cap="none" spc="0" dirty="0">
+            <a:ln w="17780" cmpd="sng">
+              <a:solidFill>
+                <a:schemeClr val="accent1">
+                  <a:tint val="3000"/>
+                </a:schemeClr>
+              </a:solidFill>
+              <a:prstDash val="solid"/>
+              <a:miter lim="800000"/>
+            </a:ln>
+            <a:gradFill>
+              <a:gsLst>
+                <a:gs pos="10000">
+                  <a:schemeClr val="accent1">
+                    <a:tint val="63000"/>
+                    <a:sat val="105000"/>
+                  </a:schemeClr>
+                </a:gs>
+                <a:gs pos="90000">
+                  <a:schemeClr val="accent1">
+                    <a:shade val="50000"/>
+                    <a:satMod val="100000"/>
+                  </a:schemeClr>
+                </a:gs>
+              </a:gsLst>
+              <a:lin ang="5400000"/>
+            </a:gradFill>
+            <a:effectLst>
+              <a:outerShdw blurRad="55000" dist="50800" dir="5400000" algn="tl">
+                <a:srgbClr val="000000">
+                  <a:alpha val="33000"/>
+                </a:srgbClr>
+              </a:outerShdw>
+            </a:effectLst>
+            <a:latin typeface="Times New Roman" pitchFamily="18" charset="0"/>
+            <a:ea typeface="Verdana" pitchFamily="34" charset="0"/>
+            <a:cs typeface="Times New Roman" pitchFamily="18" charset="0"/>
+          </a:endParaRPr>
+        </a:p>
+      </dsp:txBody>
+      <dsp:txXfrm rot="10800000">
+        <a:off x="0" y="2239696"/>
+        <a:ext cx="5943600" cy="489417"/>
+      </dsp:txXfrm>
+    </dsp:sp>
+    <dsp:sp modelId="{3AC56C42-DFCB-4D8D-BA1D-03C9949DD54E}">
+      <dsp:nvSpPr>
+        <dsp:cNvPr id="0" name=""/>
+        <dsp:cNvSpPr/>
+      </dsp:nvSpPr>
+      <dsp:spPr>
+        <a:xfrm rot="10800000">
+          <a:off x="0" y="1493825"/>
+          <a:ext cx="5943600" cy="753216"/>
+        </a:xfrm>
+        <a:prstGeom prst="upArrowCallout">
+          <a:avLst/>
+        </a:prstGeom>
+        <a:gradFill rotWithShape="0">
+          <a:gsLst>
+            <a:gs pos="0">
+              <a:schemeClr val="accent2">
+                <a:hueOff val="3343942"/>
+                <a:satOff val="-4171"/>
+                <a:lumOff val="981"/>
+                <a:alphaOff val="0"/>
+                <a:shade val="51000"/>
+                <a:satMod val="130000"/>
+              </a:schemeClr>
+            </a:gs>
+            <a:gs pos="80000">
+              <a:schemeClr val="accent2">
+                <a:hueOff val="3343942"/>
+                <a:satOff val="-4171"/>
+                <a:lumOff val="981"/>
+                <a:alphaOff val="0"/>
+                <a:shade val="93000"/>
+                <a:satMod val="130000"/>
+              </a:schemeClr>
+            </a:gs>
+            <a:gs pos="100000">
+              <a:schemeClr val="accent2">
+                <a:hueOff val="3343942"/>
+                <a:satOff val="-4171"/>
+                <a:lumOff val="981"/>
+                <a:alphaOff val="0"/>
+                <a:shade val="94000"/>
+                <a:satMod val="135000"/>
+              </a:schemeClr>
+            </a:gs>
+          </a:gsLst>
+          <a:lin ang="16200000" scaled="0"/>
+        </a:gradFill>
+        <a:ln>
+          <a:noFill/>
+        </a:ln>
+        <a:effectLst>
+          <a:outerShdw blurRad="40000" dist="23000" dir="5400000" rotWithShape="0">
+            <a:srgbClr val="000000">
+              <a:alpha val="35000"/>
+            </a:srgbClr>
+          </a:outerShdw>
+        </a:effectLst>
+        <a:scene3d>
+          <a:camera prst="orthographicFront"/>
+          <a:lightRig rig="flat" dir="t"/>
+        </a:scene3d>
+        <a:sp3d prstMaterial="plastic">
+          <a:bevelT w="120900" h="88900"/>
+          <a:bevelB w="88900" h="31750" prst="angle"/>
+        </a:sp3d>
+      </dsp:spPr>
+      <dsp:style>
+        <a:lnRef idx="0">
+          <a:scrgbClr r="0" g="0" b="0"/>
+        </a:lnRef>
+        <a:fillRef idx="3">
+          <a:scrgbClr r="0" g="0" b="0"/>
+        </a:fillRef>
+        <a:effectRef idx="2">
+          <a:scrgbClr r="0" g="0" b="0"/>
+        </a:effectRef>
+        <a:fontRef idx="minor">
+          <a:schemeClr val="lt1"/>
+        </a:fontRef>
+      </dsp:style>
+      <dsp:txBody>
+        <a:bodyPr spcFirstLastPara="0" vert="horz" wrap="square" lIns="113792" tIns="113792" rIns="113792" bIns="113792" numCol="1" spcCol="1270" anchor="ctr" anchorCtr="0">
+          <a:noAutofit/>
+          <a:scene3d>
+            <a:camera prst="orthographicFront"/>
+            <a:lightRig rig="balanced" dir="t">
+              <a:rot lat="0" lon="0" rev="2100000"/>
+            </a:lightRig>
+          </a:scene3d>
+          <a:sp3d extrusionH="57150" prstMaterial="metal">
+            <a:bevelT w="38100" h="25400"/>
+            <a:contourClr>
+              <a:schemeClr val="bg2"/>
+            </a:contourClr>
+          </a:sp3d>
+        </a:bodyPr>
+        <a:lstStyle/>
+        <a:p>
+          <a:pPr lvl="0" algn="ctr" defTabSz="711200">
+            <a:lnSpc>
+              <a:spcPct val="90000"/>
+            </a:lnSpc>
+            <a:spcBef>
+              <a:spcPct val="0"/>
+            </a:spcBef>
+            <a:spcAft>
+              <a:spcPct val="35000"/>
+            </a:spcAft>
+          </a:pPr>
+          <a:r>
+            <a:rPr lang="en-US" sz="1600" b="1" kern="1200" cap="none" spc="0" dirty="0" smtClean="0">
+              <a:ln w="17780" cmpd="sng">
+                <a:solidFill>
+                  <a:schemeClr val="accent1">
+                    <a:tint val="3000"/>
+                  </a:schemeClr>
+                </a:solidFill>
+                <a:prstDash val="solid"/>
+                <a:miter lim="800000"/>
+              </a:ln>
+              <a:gradFill>
+                <a:gsLst>
+                  <a:gs pos="10000">
+                    <a:schemeClr val="accent1">
+                      <a:tint val="63000"/>
+                      <a:sat val="105000"/>
+                    </a:schemeClr>
+                  </a:gs>
+                  <a:gs pos="90000">
+                    <a:schemeClr val="accent1">
+                      <a:shade val="50000"/>
+                      <a:satMod val="100000"/>
+                    </a:schemeClr>
+                  </a:gs>
+                </a:gsLst>
+                <a:lin ang="5400000"/>
+              </a:gradFill>
+              <a:effectLst>
+                <a:outerShdw blurRad="55000" dist="50800" dir="5400000" algn="tl">
+                  <a:srgbClr val="000000">
+                    <a:alpha val="33000"/>
+                  </a:srgbClr>
+                </a:outerShdw>
+              </a:effectLst>
+              <a:latin typeface="Times New Roman" pitchFamily="18" charset="0"/>
+              <a:ea typeface="Verdana" pitchFamily="34" charset="0"/>
+              <a:cs typeface="Times New Roman" pitchFamily="18" charset="0"/>
+            </a:rPr>
+            <a:t>3. Create Analysis Service Data Source View</a:t>
+          </a:r>
+          <a:endParaRPr lang="en-US" sz="1600" b="1" kern="1200" cap="none" spc="0" dirty="0">
+            <a:ln w="17780" cmpd="sng">
+              <a:solidFill>
+                <a:schemeClr val="accent1">
+                  <a:tint val="3000"/>
+                </a:schemeClr>
+              </a:solidFill>
+              <a:prstDash val="solid"/>
+              <a:miter lim="800000"/>
+            </a:ln>
+            <a:gradFill>
+              <a:gsLst>
+                <a:gs pos="10000">
+                  <a:schemeClr val="accent1">
+                    <a:tint val="63000"/>
+                    <a:sat val="105000"/>
+                  </a:schemeClr>
+                </a:gs>
+                <a:gs pos="90000">
+                  <a:schemeClr val="accent1">
+                    <a:shade val="50000"/>
+                    <a:satMod val="100000"/>
+                  </a:schemeClr>
+                </a:gs>
+              </a:gsLst>
+              <a:lin ang="5400000"/>
+            </a:gradFill>
+            <a:effectLst>
+              <a:outerShdw blurRad="55000" dist="50800" dir="5400000" algn="tl">
+                <a:srgbClr val="000000">
+                  <a:alpha val="33000"/>
+                </a:srgbClr>
+              </a:outerShdw>
+            </a:effectLst>
+            <a:latin typeface="Times New Roman" pitchFamily="18" charset="0"/>
+            <a:ea typeface="Verdana" pitchFamily="34" charset="0"/>
+            <a:cs typeface="Times New Roman" pitchFamily="18" charset="0"/>
+          </a:endParaRPr>
+        </a:p>
+      </dsp:txBody>
+      <dsp:txXfrm rot="10800000">
+        <a:off x="0" y="1493825"/>
+        <a:ext cx="5943600" cy="489417"/>
+      </dsp:txXfrm>
+    </dsp:sp>
+    <dsp:sp modelId="{56E09A99-A56C-4723-832F-E8CEEE729B73}">
+      <dsp:nvSpPr>
+        <dsp:cNvPr id="0" name=""/>
+        <dsp:cNvSpPr/>
+      </dsp:nvSpPr>
+      <dsp:spPr>
+        <a:xfrm rot="10800000">
+          <a:off x="0" y="747955"/>
+          <a:ext cx="5943600" cy="753216"/>
+        </a:xfrm>
+        <a:prstGeom prst="upArrowCallout">
+          <a:avLst/>
+        </a:prstGeom>
+        <a:gradFill rotWithShape="0">
+          <a:gsLst>
+            <a:gs pos="0">
+              <a:schemeClr val="accent2">
+                <a:hueOff val="4012731"/>
+                <a:satOff val="-5005"/>
+                <a:lumOff val="1177"/>
+                <a:alphaOff val="0"/>
+                <a:shade val="51000"/>
+                <a:satMod val="130000"/>
+              </a:schemeClr>
+            </a:gs>
+            <a:gs pos="80000">
+              <a:schemeClr val="accent2">
+                <a:hueOff val="4012731"/>
+                <a:satOff val="-5005"/>
+                <a:lumOff val="1177"/>
+                <a:alphaOff val="0"/>
+                <a:shade val="93000"/>
+                <a:satMod val="130000"/>
+              </a:schemeClr>
+            </a:gs>
+            <a:gs pos="100000">
+              <a:schemeClr val="accent2">
+                <a:hueOff val="4012731"/>
+                <a:satOff val="-5005"/>
+                <a:lumOff val="1177"/>
+                <a:alphaOff val="0"/>
+                <a:shade val="94000"/>
+                <a:satMod val="135000"/>
+              </a:schemeClr>
+            </a:gs>
+          </a:gsLst>
+          <a:lin ang="16200000" scaled="0"/>
+        </a:gradFill>
+        <a:ln>
+          <a:noFill/>
+        </a:ln>
+        <a:effectLst>
+          <a:outerShdw blurRad="40000" dist="23000" dir="5400000" rotWithShape="0">
+            <a:srgbClr val="000000">
+              <a:alpha val="35000"/>
+            </a:srgbClr>
+          </a:outerShdw>
+        </a:effectLst>
+        <a:scene3d>
+          <a:camera prst="orthographicFront"/>
+          <a:lightRig rig="flat" dir="t"/>
+        </a:scene3d>
+        <a:sp3d prstMaterial="plastic">
+          <a:bevelT w="120900" h="88900"/>
+          <a:bevelB w="88900" h="31750" prst="angle"/>
+        </a:sp3d>
+      </dsp:spPr>
+      <dsp:style>
+        <a:lnRef idx="0">
+          <a:scrgbClr r="0" g="0" b="0"/>
+        </a:lnRef>
+        <a:fillRef idx="3">
+          <a:scrgbClr r="0" g="0" b="0"/>
+        </a:fillRef>
+        <a:effectRef idx="2">
+          <a:scrgbClr r="0" g="0" b="0"/>
+        </a:effectRef>
+        <a:fontRef idx="minor">
+          <a:schemeClr val="lt1"/>
+        </a:fontRef>
+      </dsp:style>
+      <dsp:txBody>
+        <a:bodyPr spcFirstLastPara="0" vert="horz" wrap="square" lIns="113792" tIns="113792" rIns="113792" bIns="113792" numCol="1" spcCol="1270" anchor="ctr" anchorCtr="0">
+          <a:noAutofit/>
+          <a:scene3d>
+            <a:camera prst="orthographicFront"/>
+            <a:lightRig rig="soft" dir="t">
+              <a:rot lat="0" lon="0" rev="10800000"/>
+            </a:lightRig>
+          </a:scene3d>
+          <a:sp3d>
+            <a:bevelT w="27940" h="12700"/>
+            <a:contourClr>
+              <a:srgbClr val="DDDDDD"/>
+            </a:contourClr>
+          </a:sp3d>
+        </a:bodyPr>
+        <a:lstStyle/>
+        <a:p>
+          <a:pPr lvl="0" algn="ctr" defTabSz="711200">
+            <a:lnSpc>
+              <a:spcPct val="90000"/>
+            </a:lnSpc>
+            <a:spcBef>
+              <a:spcPct val="0"/>
+            </a:spcBef>
+            <a:spcAft>
+              <a:spcPct val="35000"/>
+            </a:spcAft>
+          </a:pPr>
+          <a:r>
+            <a:rPr lang="en-US" sz="1600" b="1" kern="1200" cap="none" spc="0" dirty="0" smtClean="0">
+              <a:ln w="17780" cmpd="sng">
+                <a:solidFill>
+                  <a:schemeClr val="accent1">
+                    <a:tint val="3000"/>
+                  </a:schemeClr>
+                </a:solidFill>
+                <a:prstDash val="solid"/>
+                <a:miter lim="800000"/>
+              </a:ln>
+              <a:gradFill>
+                <a:gsLst>
+                  <a:gs pos="10000">
+                    <a:schemeClr val="accent1">
+                      <a:tint val="63000"/>
+                      <a:sat val="105000"/>
+                    </a:schemeClr>
+                  </a:gs>
+                  <a:gs pos="90000">
+                    <a:schemeClr val="accent1">
+                      <a:shade val="50000"/>
+                      <a:satMod val="100000"/>
+                    </a:schemeClr>
+                  </a:gs>
+                </a:gsLst>
+                <a:lin ang="5400000"/>
+              </a:gradFill>
+              <a:effectLst>
+                <a:outerShdw blurRad="55000" dist="50800" dir="5400000" algn="tl">
+                  <a:srgbClr val="000000">
+                    <a:alpha val="33000"/>
+                  </a:srgbClr>
+                </a:outerShdw>
+              </a:effectLst>
+              <a:latin typeface="Times New Roman" pitchFamily="18" charset="0"/>
+              <a:ea typeface="Verdana" pitchFamily="34" charset="0"/>
+              <a:cs typeface="Times New Roman" pitchFamily="18" charset="0"/>
+            </a:rPr>
+            <a:t>2. Create Analysis Services Data Source</a:t>
+          </a:r>
+          <a:endParaRPr lang="en-US" sz="1600" b="1" kern="1200" cap="none" spc="0" dirty="0">
+            <a:ln w="17780" cmpd="sng">
+              <a:solidFill>
+                <a:schemeClr val="accent1">
+                  <a:tint val="3000"/>
+                </a:schemeClr>
+              </a:solidFill>
+              <a:prstDash val="solid"/>
+              <a:miter lim="800000"/>
+            </a:ln>
+            <a:gradFill>
+              <a:gsLst>
+                <a:gs pos="10000">
+                  <a:schemeClr val="accent1">
+                    <a:tint val="63000"/>
+                    <a:sat val="105000"/>
+                  </a:schemeClr>
+                </a:gs>
+                <a:gs pos="90000">
+                  <a:schemeClr val="accent1">
+                    <a:shade val="50000"/>
+                    <a:satMod val="100000"/>
+                  </a:schemeClr>
+                </a:gs>
+              </a:gsLst>
+              <a:lin ang="5400000"/>
+            </a:gradFill>
+            <a:effectLst>
+              <a:outerShdw blurRad="55000" dist="50800" dir="5400000" algn="tl">
+                <a:srgbClr val="000000">
+                  <a:alpha val="33000"/>
+                </a:srgbClr>
+              </a:outerShdw>
+            </a:effectLst>
+            <a:latin typeface="Times New Roman" pitchFamily="18" charset="0"/>
+            <a:ea typeface="Verdana" pitchFamily="34" charset="0"/>
+            <a:cs typeface="Times New Roman" pitchFamily="18" charset="0"/>
+          </a:endParaRPr>
+        </a:p>
+      </dsp:txBody>
+      <dsp:txXfrm rot="10800000">
+        <a:off x="0" y="747955"/>
+        <a:ext cx="5943600" cy="489417"/>
+      </dsp:txXfrm>
+    </dsp:sp>
+    <dsp:sp modelId="{FA5DED89-4573-4A62-99C6-B233D4E4BEF8}">
+      <dsp:nvSpPr>
+        <dsp:cNvPr id="0" name=""/>
+        <dsp:cNvSpPr/>
+      </dsp:nvSpPr>
+      <dsp:spPr>
+        <a:xfrm rot="10800000">
+          <a:off x="0" y="2085"/>
+          <a:ext cx="5943600" cy="753216"/>
+        </a:xfrm>
+        <a:prstGeom prst="upArrowCallout">
+          <a:avLst/>
+        </a:prstGeom>
+        <a:gradFill rotWithShape="0">
+          <a:gsLst>
+            <a:gs pos="0">
+              <a:schemeClr val="accent2">
+                <a:hueOff val="4681519"/>
+                <a:satOff val="-5839"/>
+                <a:lumOff val="1373"/>
+                <a:alphaOff val="0"/>
+                <a:shade val="51000"/>
+                <a:satMod val="130000"/>
+              </a:schemeClr>
+            </a:gs>
+            <a:gs pos="80000">
+              <a:schemeClr val="accent2">
+                <a:hueOff val="4681519"/>
+                <a:satOff val="-5839"/>
+                <a:lumOff val="1373"/>
+                <a:alphaOff val="0"/>
+                <a:shade val="93000"/>
+                <a:satMod val="130000"/>
+              </a:schemeClr>
+            </a:gs>
+            <a:gs pos="100000">
+              <a:schemeClr val="accent2">
+                <a:hueOff val="4681519"/>
+                <a:satOff val="-5839"/>
+                <a:lumOff val="1373"/>
+                <a:alphaOff val="0"/>
+                <a:shade val="94000"/>
+                <a:satMod val="135000"/>
+              </a:schemeClr>
+            </a:gs>
+          </a:gsLst>
+          <a:lin ang="16200000" scaled="0"/>
+        </a:gradFill>
+        <a:ln>
+          <a:noFill/>
+        </a:ln>
+        <a:effectLst>
+          <a:outerShdw blurRad="40000" dist="23000" dir="5400000" rotWithShape="0">
+            <a:srgbClr val="000000">
+              <a:alpha val="35000"/>
+            </a:srgbClr>
+          </a:outerShdw>
+        </a:effectLst>
+        <a:scene3d>
+          <a:camera prst="orthographicFront"/>
+          <a:lightRig rig="flat" dir="t"/>
+        </a:scene3d>
+        <a:sp3d prstMaterial="plastic">
+          <a:bevelT w="120900" h="88900"/>
+          <a:bevelB w="88900" h="31750" prst="angle"/>
+        </a:sp3d>
+      </dsp:spPr>
+      <dsp:style>
+        <a:lnRef idx="0">
+          <a:scrgbClr r="0" g="0" b="0"/>
+        </a:lnRef>
+        <a:fillRef idx="3">
+          <a:scrgbClr r="0" g="0" b="0"/>
+        </a:fillRef>
+        <a:effectRef idx="2">
+          <a:scrgbClr r="0" g="0" b="0"/>
+        </a:effectRef>
+        <a:fontRef idx="minor">
+          <a:schemeClr val="lt1"/>
+        </a:fontRef>
+      </dsp:style>
+      <dsp:txBody>
+        <a:bodyPr spcFirstLastPara="0" vert="horz" wrap="square" lIns="113792" tIns="113792" rIns="113792" bIns="113792" numCol="1" spcCol="1270" anchor="ctr" anchorCtr="0">
+          <a:noAutofit/>
+          <a:scene3d>
+            <a:camera prst="orthographicFront"/>
+            <a:lightRig rig="soft" dir="t">
+              <a:rot lat="0" lon="0" rev="10800000"/>
+            </a:lightRig>
+          </a:scene3d>
+          <a:sp3d>
+            <a:bevelT w="27940" h="12700"/>
+            <a:contourClr>
+              <a:srgbClr val="DDDDDD"/>
+            </a:contourClr>
+          </a:sp3d>
+        </a:bodyPr>
+        <a:lstStyle/>
+        <a:p>
+          <a:pPr lvl="0" algn="ctr" defTabSz="711200">
+            <a:lnSpc>
+              <a:spcPct val="90000"/>
+            </a:lnSpc>
+            <a:spcBef>
+              <a:spcPct val="0"/>
+            </a:spcBef>
+            <a:spcAft>
+              <a:spcPct val="35000"/>
+            </a:spcAft>
+          </a:pPr>
+          <a:r>
+            <a:rPr lang="en-US" sz="1600" b="1" kern="1200" cap="none" spc="0" dirty="0" smtClean="0">
+              <a:ln w="17780" cmpd="sng">
+                <a:solidFill>
+                  <a:schemeClr val="accent1">
+                    <a:tint val="3000"/>
+                  </a:schemeClr>
+                </a:solidFill>
+                <a:prstDash val="solid"/>
+                <a:miter lim="800000"/>
+              </a:ln>
+              <a:gradFill>
+                <a:gsLst>
+                  <a:gs pos="10000">
+                    <a:schemeClr val="accent1">
+                      <a:tint val="63000"/>
+                      <a:sat val="105000"/>
+                    </a:schemeClr>
+                  </a:gs>
+                  <a:gs pos="90000">
+                    <a:schemeClr val="accent1">
+                      <a:shade val="50000"/>
+                      <a:satMod val="100000"/>
+                    </a:schemeClr>
+                  </a:gs>
+                </a:gsLst>
+                <a:lin ang="5400000"/>
+              </a:gradFill>
+              <a:effectLst>
+                <a:outerShdw blurRad="55000" dist="50800" dir="5400000" algn="tl">
+                  <a:srgbClr val="000000">
+                    <a:alpha val="33000"/>
+                  </a:srgbClr>
+                </a:outerShdw>
+              </a:effectLst>
+              <a:latin typeface="Times New Roman" pitchFamily="18" charset="0"/>
+              <a:ea typeface="Verdana" pitchFamily="34" charset="0"/>
+              <a:cs typeface="Times New Roman" pitchFamily="18" charset="0"/>
+            </a:rPr>
+            <a:t>1. Preprocessing data and export data to view</a:t>
+          </a:r>
+          <a:endParaRPr lang="en-US" sz="1600" b="1" kern="1200" cap="none" spc="0" dirty="0">
+            <a:ln w="17780" cmpd="sng">
+              <a:solidFill>
+                <a:schemeClr val="accent1">
+                  <a:tint val="3000"/>
+                </a:schemeClr>
+              </a:solidFill>
+              <a:prstDash val="solid"/>
+              <a:miter lim="800000"/>
+            </a:ln>
+            <a:gradFill>
+              <a:gsLst>
+                <a:gs pos="10000">
+                  <a:schemeClr val="accent1">
+                    <a:tint val="63000"/>
+                    <a:sat val="105000"/>
+                  </a:schemeClr>
+                </a:gs>
+                <a:gs pos="90000">
+                  <a:schemeClr val="accent1">
+                    <a:shade val="50000"/>
+                    <a:satMod val="100000"/>
+                  </a:schemeClr>
+                </a:gs>
+              </a:gsLst>
+              <a:lin ang="5400000"/>
+            </a:gradFill>
+            <a:effectLst>
+              <a:outerShdw blurRad="55000" dist="50800" dir="5400000" algn="tl">
+                <a:srgbClr val="000000">
+                  <a:alpha val="33000"/>
+                </a:srgbClr>
+              </a:outerShdw>
+            </a:effectLst>
+            <a:latin typeface="Times New Roman" pitchFamily="18" charset="0"/>
+            <a:ea typeface="Verdana" pitchFamily="34" charset="0"/>
+            <a:cs typeface="Times New Roman" pitchFamily="18" charset="0"/>
+          </a:endParaRPr>
+        </a:p>
+      </dsp:txBody>
+      <dsp:txXfrm rot="10800000">
+        <a:off x="0" y="2085"/>
+        <a:ext cx="5943600" cy="489417"/>
+      </dsp:txXfrm>
+    </dsp:sp>
+  </dsp:spTree>
+</dsp:drawing>
+</file>
+
+<file path=ppt/diagrams/layout1.xml><?xml version="1.0" encoding="utf-8"?>
+<dgm:layoutDef xmlns:dgm="http://schemas.openxmlformats.org/drawingml/2006/diagram" xmlns:a="http://schemas.openxmlformats.org/drawingml/2006/main" uniqueId="urn:microsoft.com/office/officeart/2005/8/layout/process4">
+  <dgm:title val=""/>
+  <dgm:desc val=""/>
+  <dgm:catLst>
+    <dgm:cat type="process" pri="16000"/>
+    <dgm:cat type="list" pri="20000"/>
+  </dgm:catLst>
+  <dgm:sampData>
+    <dgm:dataModel>
+      <dgm:ptLst>
+        <dgm:pt modelId="0" type="doc"/>
+        <dgm:pt modelId="1">
+          <dgm:prSet phldr="1"/>
+        </dgm:pt>
+        <dgm:pt modelId="11">
+          <dgm:prSet phldr="1"/>
+        </dgm:pt>
+        <dgm:pt modelId="12">
+          <dgm:prSet phldr="1"/>
+        </dgm:pt>
+        <dgm:pt modelId="2">
+          <dgm:prSet phldr="1"/>
+        </dgm:pt>
+        <dgm:pt modelId="21">
+          <dgm:prSet phldr="1"/>
+        </dgm:pt>
+        <dgm:pt modelId="22">
+          <dgm:prSet phldr="1"/>
+        </dgm:pt>
+        <dgm:pt modelId="3">
+          <dgm:prSet phldr="1"/>
+        </dgm:pt>
+        <dgm:pt modelId="31">
+          <dgm:prSet phldr="1"/>
+        </dgm:pt>
+        <dgm:pt modelId="32">
+          <dgm:prSet phldr="1"/>
+        </dgm:pt>
+      </dgm:ptLst>
+      <dgm:cxnLst>
+        <dgm:cxn modelId="4" srcId="0" destId="1" srcOrd="0" destOrd="0"/>
+        <dgm:cxn modelId="5" srcId="0" destId="2" srcOrd="1" destOrd="0"/>
+        <dgm:cxn modelId="6" srcId="0" destId="3" srcOrd="2" destOrd="0"/>
+        <dgm:cxn modelId="13" srcId="1" destId="11" srcOrd="0" destOrd="0"/>
+        <dgm:cxn modelId="14" srcId="1" destId="12" srcOrd="1" destOrd="0"/>
+        <dgm:cxn modelId="23" srcId="2" destId="21" srcOrd="0" destOrd="0"/>
+        <dgm:cxn modelId="24" srcId="2" destId="22" srcOrd="1" destOrd="0"/>
+        <dgm:cxn modelId="33" srcId="3" destId="31" srcOrd="0" destOrd="0"/>
+        <dgm:cxn modelId="34" srcId="3" destId="32" srcOrd="1" destOrd="0"/>
+      </dgm:cxnLst>
+      <dgm:bg/>
+      <dgm:whole/>
+    </dgm:dataModel>
+  </dgm:sampData>
+  <dgm:styleData>
+    <dgm:dataModel>
+      <dgm:ptLst>
+        <dgm:pt modelId="0" type="doc"/>
+        <dgm:pt modelId="1"/>
+        <dgm:pt modelId="11"/>
+        <dgm:pt modelId="2"/>
+        <dgm:pt modelId="21"/>
+      </dgm:ptLst>
+      <dgm:cxnLst>
+        <dgm:cxn modelId="4" srcId="0" destId="1" srcOrd="0" destOrd="0"/>
+        <dgm:cxn modelId="5" srcId="0" destId="2" srcOrd="1" destOrd="0"/>
+        <dgm:cxn modelId="13" srcId="1" destId="11" srcOrd="0" destOrd="0"/>
+        <dgm:cxn modelId="23" srcId="2" destId="21" srcOrd="0" destOrd="0"/>
+      </dgm:cxnLst>
+      <dgm:bg/>
+      <dgm:whole/>
+    </dgm:dataModel>
+  </dgm:styleData>
+  <dgm:clrData>
+    <dgm:dataModel>
+      <dgm:ptLst>
+        <dgm:pt modelId="0" type="doc"/>
+        <dgm:pt modelId="1"/>
+        <dgm:pt modelId="11"/>
+        <dgm:pt modelId="2"/>
+        <dgm:pt modelId="21"/>
+        <dgm:pt modelId="3"/>
+        <dgm:pt modelId="31"/>
+        <dgm:pt modelId="4"/>
+        <dgm:pt modelId="41"/>
+      </dgm:ptLst>
+      <dgm:cxnLst>
+        <dgm:cxn modelId="5" srcId="0" destId="1" srcOrd="0" destOrd="0"/>
+        <dgm:cxn modelId="6" srcId="0" destId="2" srcOrd="1" destOrd="0"/>
+        <dgm:cxn modelId="7" srcId="0" destId="3" srcOrd="2" destOrd="0"/>
+        <dgm:cxn modelId="8" srcId="0" destId="4" srcOrd="3" destOrd="0"/>
+        <dgm:cxn modelId="13" srcId="1" destId="11" srcOrd="0" destOrd="0"/>
+        <dgm:cxn modelId="23" srcId="2" destId="21" srcOrd="0" destOrd="0"/>
+        <dgm:cxn modelId="33" srcId="3" destId="31" srcOrd="0" destOrd="0"/>
+        <dgm:cxn modelId="43" srcId="4" destId="41" srcOrd="0" destOrd="0"/>
+      </dgm:cxnLst>
+      <dgm:bg/>
+      <dgm:whole/>
+    </dgm:dataModel>
+  </dgm:clrData>
+  <dgm:layoutNode name="Name0">
+    <dgm:varLst>
+      <dgm:dir/>
+      <dgm:animLvl val="lvl"/>
+      <dgm:resizeHandles val="exact"/>
+    </dgm:varLst>
+    <dgm:alg type="lin">
+      <dgm:param type="linDir" val="fromB"/>
+    </dgm:alg>
+    <dgm:shape xmlns:r="http://schemas.openxmlformats.org/officeDocument/2006/relationships" r:blip="">
+      <dgm:adjLst/>
+    </dgm:shape>
+    <dgm:presOf/>
+    <dgm:constrLst>
+      <dgm:constr type="h" for="ch" forName="boxAndChildren" refType="h"/>
+      <dgm:constr type="h" for="ch" forName="arrowAndChildren" refType="h" refFor="ch" refForName="boxAndChildren" op="equ" fact="1.538"/>
+      <dgm:constr type="w" for="ch" forName="arrowAndChildren" refType="w"/>
+      <dgm:constr type="w" for="ch" forName="boxAndChildren" refType="w"/>
+      <dgm:constr type="h" for="ch" forName="sp" refType="h" fact="-0.015"/>
+      <dgm:constr type="primFontSz" for="des" forName="parentTextBox" val="65"/>
+      <dgm:constr type="primFontSz" for="des" forName="parentTextArrow" refType="primFontSz" refFor="des" refForName="parentTextBox" op="equ"/>
+      <dgm:constr type="primFontSz" for="des" forName="childTextArrow" val="65"/>
+      <dgm:constr type="primFontSz" for="des" forName="childTextBox" refType="primFontSz" refFor="des" refForName="childTextArrow" op="equ"/>
+    </dgm:constrLst>
+    <dgm:ruleLst/>
+    <dgm:forEach name="Name1" axis="ch" ptType="node" st="-1" step="-1">
+      <dgm:choose name="Name2">
+        <dgm:if name="Name3" axis="self" ptType="node" func="revPos" op="equ" val="1">
+          <dgm:layoutNode name="boxAndChildren">
+            <dgm:alg type="composite"/>
+            <dgm:shape xmlns:r="http://schemas.openxmlformats.org/officeDocument/2006/relationships" r:blip="">
+              <dgm:adjLst/>
+            </dgm:shape>
+            <dgm:presOf/>
+            <dgm:choose name="Name4">
+              <dgm:if name="Name5" axis="ch" ptType="node" func="cnt" op="gte" val="1">
+                <dgm:constrLst>
+                  <dgm:constr type="w" for="ch" forName="parentTextBox" refType="w"/>
+                  <dgm:constr type="h" for="ch" forName="parentTextBox" refType="h" fact="0.54"/>
+                  <dgm:constr type="t" for="ch" forName="parentTextBox"/>
+                  <dgm:constr type="w" for="ch" forName="entireBox" refType="w"/>
+                  <dgm:constr type="h" for="ch" forName="entireBox" refType="h"/>
+                  <dgm:constr type="w" for="ch" forName="descendantBox" refType="w"/>
+                  <dgm:constr type="b" for="ch" forName="descendantBox" refType="h" fact="0.98"/>
+                  <dgm:constr type="h" for="ch" forName="descendantBox" refType="h" fact="0.46"/>
+                </dgm:constrLst>
+              </dgm:if>
+              <dgm:else name="Name6">
+                <dgm:constrLst>
+                  <dgm:constr type="w" for="ch" forName="parentTextBox" refType="w"/>
+                  <dgm:constr type="h" for="ch" forName="parentTextBox" refType="h"/>
+                </dgm:constrLst>
+              </dgm:else>
+            </dgm:choose>
+            <dgm:ruleLst/>
+            <dgm:layoutNode name="parentTextBox">
+              <dgm:alg type="tx"/>
+              <dgm:choose name="Name7">
+                <dgm:if name="Name8" axis="ch" ptType="node" func="cnt" op="gte" val="1">
+                  <dgm:shape xmlns:r="http://schemas.openxmlformats.org/officeDocument/2006/relationships" type="rect" r:blip="" zOrderOff="1" hideGeom="1">
+                    <dgm:adjLst/>
+                  </dgm:shape>
+                </dgm:if>
+                <dgm:else name="Name9">
+                  <dgm:shape xmlns:r="http://schemas.openxmlformats.org/officeDocument/2006/relationships" type="rect" r:blip="">
+                    <dgm:adjLst/>
+                  </dgm:shape>
+                </dgm:else>
+              </dgm:choose>
+              <dgm:presOf axis="self"/>
+              <dgm:constrLst/>
+              <dgm:ruleLst>
+                <dgm:rule type="primFontSz" val="5" fact="NaN" max="NaN"/>
+              </dgm:ruleLst>
+            </dgm:layoutNode>
+            <dgm:choose name="Name10">
+              <dgm:if name="Name11" axis="ch" ptType="node" func="cnt" op="gte" val="1">
+                <dgm:layoutNode name="entireBox">
+                  <dgm:alg type="sp"/>
+                  <dgm:shape xmlns:r="http://schemas.openxmlformats.org/officeDocument/2006/relationships" type="rect" r:blip="">
+                    <dgm:adjLst/>
+                  </dgm:shape>
+                  <dgm:presOf axis="self"/>
+                  <dgm:constrLst/>
+                  <dgm:ruleLst/>
+                </dgm:layoutNode>
+                <dgm:layoutNode name="descendantBox" styleLbl="fgAccFollowNode1">
+                  <dgm:choose name="Name12">
+                    <dgm:if name="Name13" func="var" arg="dir" op="equ" val="norm">
+                      <dgm:alg type="lin"/>
+                    </dgm:if>
+                    <dgm:else name="Name14">
+                      <dgm:alg type="lin">
+                        <dgm:param type="linDir" val="fromR"/>
+                      </dgm:alg>
+                    </dgm:else>
+                  </dgm:choose>
+                  <dgm:shape xmlns:r="http://schemas.openxmlformats.org/officeDocument/2006/relationships" r:blip="">
+                    <dgm:adjLst/>
+                  </dgm:shape>
+                  <dgm:presOf/>
+                  <dgm:constrLst>
+                    <dgm:constr type="w" for="ch" forName="childTextBox" refType="w"/>
+                    <dgm:constr type="h" for="ch" forName="childTextBox" refType="h"/>
+                  </dgm:constrLst>
+                  <dgm:ruleLst/>
+                  <dgm:forEach name="Name15" axis="ch" ptType="node">
+                    <dgm:layoutNode name="childTextBox" styleLbl="fgAccFollowNode1">
+                      <dgm:varLst>
+                        <dgm:bulletEnabled val="1"/>
+                      </dgm:varLst>
+                      <dgm:alg type="tx"/>
+                      <dgm:shape xmlns:r="http://schemas.openxmlformats.org/officeDocument/2006/relationships" type="rect" r:blip="">
+                        <dgm:adjLst/>
+                      </dgm:shape>
+                      <dgm:presOf axis="desOrSelf" ptType="node"/>
+                      <dgm:constrLst>
+                        <dgm:constr type="tMarg" refType="primFontSz" fact="0.1"/>
+                        <dgm:constr type="bMarg" refType="primFontSz" fact="0.1"/>
+                      </dgm:constrLst>
+                      <dgm:ruleLst>
+                        <dgm:rule type="primFontSz" val="5" fact="NaN" max="NaN"/>
+                      </dgm:ruleLst>
+                    </dgm:layoutNode>
+                  </dgm:forEach>
+                </dgm:layoutNode>
+              </dgm:if>
+              <dgm:else name="Name16"/>
+            </dgm:choose>
+          </dgm:layoutNode>
+        </dgm:if>
+        <dgm:else name="Name17">
+          <dgm:layoutNode name="arrowAndChildren">
+            <dgm:alg type="composite"/>
+            <dgm:shape xmlns:r="http://schemas.openxmlformats.org/officeDocument/2006/relationships" r:blip="">
+              <dgm:adjLst/>
+            </dgm:shape>
+            <dgm:presOf/>
+            <dgm:choose name="Name18">
+              <dgm:if name="Name19" axis="ch" ptType="node" func="cnt" op="gte" val="1">
+                <dgm:constrLst>
+                  <dgm:constr type="w" for="ch" forName="parentTextArrow" refType="w"/>
+                  <dgm:constr type="t" for="ch" forName="parentTextArrow"/>
+                  <dgm:constr type="h" for="ch" forName="parentTextArrow" refType="h" fact="0.351"/>
+                  <dgm:constr type="w" for="ch" forName="arrow" refType="w"/>
+                  <dgm:constr type="h" for="ch" forName="arrow" refType="h"/>
+                  <dgm:constr type="w" for="ch" forName="descendantArrow" refType="w"/>
+                  <dgm:constr type="b" for="ch" forName="descendantArrow" refType="h" fact="0.65"/>
+                  <dgm:constr type="h" for="ch" forName="descendantArrow" refType="h" fact="0.299"/>
+                </dgm:constrLst>
+              </dgm:if>
+              <dgm:else name="Name20">
+                <dgm:constrLst>
+                  <dgm:constr type="w" for="ch" forName="parentTextArrow" refType="w"/>
+                  <dgm:constr type="h" for="ch" forName="parentTextArrow" refType="h"/>
+                </dgm:constrLst>
+              </dgm:else>
+            </dgm:choose>
+            <dgm:ruleLst/>
+            <dgm:layoutNode name="parentTextArrow">
+              <dgm:alg type="tx"/>
+              <dgm:choose name="Name21">
+                <dgm:if name="Name22" axis="ch" ptType="node" func="cnt" op="gte" val="1">
+                  <dgm:shape xmlns:r="http://schemas.openxmlformats.org/officeDocument/2006/relationships" type="rect" r:blip="" zOrderOff="1" hideGeom="1">
+                    <dgm:adjLst/>
+                  </dgm:shape>
+                </dgm:if>
+                <dgm:else name="Name23">
+                  <dgm:shape xmlns:r="http://schemas.openxmlformats.org/officeDocument/2006/relationships" rot="180" type="upArrowCallout" r:blip="">
+                    <dgm:adjLst/>
+                  </dgm:shape>
+                </dgm:else>
+              </dgm:choose>
+              <dgm:presOf axis="self"/>
+              <dgm:constrLst/>
+              <dgm:ruleLst>
+                <dgm:rule type="primFontSz" val="5" fact="NaN" max="NaN"/>
+              </dgm:ruleLst>
+            </dgm:layoutNode>
+            <dgm:choose name="Name24">
+              <dgm:if name="Name25" axis="ch" ptType="node" func="cnt" op="gte" val="1">
+                <dgm:layoutNode name="arrow">
+                  <dgm:alg type="sp"/>
+                  <dgm:shape xmlns:r="http://schemas.openxmlformats.org/officeDocument/2006/relationships" rot="180" type="upArrowCallout" r:blip="">
+                    <dgm:adjLst/>
+                  </dgm:shape>
+                  <dgm:presOf axis="self"/>
+                  <dgm:constrLst/>
+                  <dgm:ruleLst/>
+                </dgm:layoutNode>
+                <dgm:layoutNode name="descendantArrow">
+                  <dgm:choose name="Name26">
+                    <dgm:if name="Name27" func="var" arg="dir" op="equ" val="norm">
+                      <dgm:alg type="lin"/>
+                    </dgm:if>
+                    <dgm:else name="Name28">
+                      <dgm:alg type="lin">
+                        <dgm:param type="linDir" val="fromR"/>
+                      </dgm:alg>
+                    </dgm:else>
+                  </dgm:choose>
+                  <dgm:shape xmlns:r="http://schemas.openxmlformats.org/officeDocument/2006/relationships" r:blip="">
+                    <dgm:adjLst/>
+                  </dgm:shape>
+                  <dgm:presOf/>
+                  <dgm:constrLst>
+                    <dgm:constr type="w" for="ch" forName="childTextArrow" refType="w"/>
+                    <dgm:constr type="h" for="ch" forName="childTextArrow" refType="h"/>
+                  </dgm:constrLst>
+                  <dgm:ruleLst/>
+                  <dgm:forEach name="Name29" axis="ch" ptType="node">
+                    <dgm:layoutNode name="childTextArrow" styleLbl="fgAccFollowNode1">
+                      <dgm:varLst>
+                        <dgm:bulletEnabled val="1"/>
+                      </dgm:varLst>
+                      <dgm:alg type="tx"/>
+                      <dgm:shape xmlns:r="http://schemas.openxmlformats.org/officeDocument/2006/relationships" type="rect" r:blip="">
+                        <dgm:adjLst/>
+                      </dgm:shape>
+                      <dgm:presOf axis="desOrSelf" ptType="node"/>
+                      <dgm:constrLst>
+                        <dgm:constr type="tMarg" refType="primFontSz" fact="0.1"/>
+                        <dgm:constr type="bMarg" refType="primFontSz" fact="0.1"/>
+                      </dgm:constrLst>
+                      <dgm:ruleLst>
+                        <dgm:rule type="primFontSz" val="5" fact="NaN" max="NaN"/>
+                      </dgm:ruleLst>
+                    </dgm:layoutNode>
+                  </dgm:forEach>
+                </dgm:layoutNode>
+              </dgm:if>
+              <dgm:else name="Name30"/>
+            </dgm:choose>
+          </dgm:layoutNode>
+        </dgm:else>
+      </dgm:choose>
+      <dgm:forEach name="Name31" axis="precedSib" ptType="sibTrans" st="-1" cnt="1">
+        <dgm:layoutNode name="sp">
+          <dgm:alg type="sp"/>
+          <dgm:shape xmlns:r="http://schemas.openxmlformats.org/officeDocument/2006/relationships" r:blip="">
+            <dgm:adjLst/>
+          </dgm:shape>
+          <dgm:presOf axis="self"/>
+          <dgm:constrLst/>
+          <dgm:ruleLst/>
+        </dgm:layoutNode>
+      </dgm:forEach>
+    </dgm:forEach>
+  </dgm:layoutNode>
+</dgm:layoutDef>
+</file>
+
+<file path=ppt/diagrams/quickStyle1.xml><?xml version="1.0" encoding="utf-8"?>
+<dgm:styleDef xmlns:dgm="http://schemas.openxmlformats.org/drawingml/2006/diagram" xmlns:a="http://schemas.openxmlformats.org/drawingml/2006/main" uniqueId="urn:microsoft.com/office/officeart/2005/8/quickstyle/3d1">
+  <dgm:title val=""/>
+  <dgm:desc val=""/>
+  <dgm:catLst>
+    <dgm:cat type="3D" pri="11100"/>
+  </dgm:catLst>
+  <dgm:scene3d>
+    <a:camera prst="orthographicFront"/>
+    <a:lightRig rig="threePt" dir="t"/>
+  </dgm:scene3d>
+  <dgm:styleLbl name="node0">
+    <dgm:scene3d>
+      <a:camera prst="orthographicFront"/>
+      <a:lightRig rig="flat" dir="t"/>
+    </dgm:scene3d>
+    <dgm:sp3d prstMaterial="plastic">
+      <a:bevelT w="120900" h="88900"/>
+      <a:bevelB w="88900" h="31750" prst="angle"/>
+    </dgm:sp3d>
+    <dgm:txPr/>
+    <dgm:style>
+      <a:lnRef idx="0">
+        <a:scrgbClr r="0" g="0" b="0"/>
+      </a:lnRef>
+      <a:fillRef idx="3">
+        <a:scrgbClr r="0" g="0" b="0"/>
+      </a:fillRef>
+      <a:effectRef idx="2">
+        <a:scrgbClr r="0" g="0" b="0"/>
+      </a:effectRef>
+      <a:fontRef idx="minor">
+        <a:schemeClr val="lt1"/>
+      </a:fontRef>
+    </dgm:style>
+  </dgm:styleLbl>
+  <dgm:styleLbl name="lnNode1">
+    <dgm:scene3d>
+      <a:camera prst="orthographicFront"/>
+      <a:lightRig rig="flat" dir="t"/>
+    </dgm:scene3d>
+    <dgm:sp3d prstMaterial="plastic">
+      <a:bevelT w="120900" h="88900"/>
+      <a:bevelB w="88900" h="31750" prst="angle"/>
+    </dgm:sp3d>
+    <dgm:txPr/>
+    <dgm:style>
+      <a:lnRef idx="0">
+        <a:scrgbClr r="0" g="0" b="0"/>
+      </a:lnRef>
+      <a:fillRef idx="3">
+        <a:scrgbClr r="0" g="0" b="0"/>
+      </a:fillRef>
+      <a:effectRef idx="1">
+        <a:scrgbClr r="0" g="0" b="0"/>
+      </a:effectRef>
+      <a:fontRef idx="minor">
+        <a:schemeClr val="lt1"/>
+      </a:fontRef>
+    </dgm:style>
+  </dgm:styleLbl>
+  <dgm:styleLbl name="vennNode1">
+    <dgm:scene3d>
+      <a:camera prst="orthographicFront"/>
+      <a:lightRig rig="flat" dir="t"/>
+    </dgm:scene3d>
+    <dgm:sp3d prstMaterial="plastic">
+      <a:bevelT w="120900" h="88900"/>
+      <a:bevelB w="88900" h="31750" prst="angle"/>
+    </dgm:sp3d>
+    <dgm:txPr/>
+    <dgm:style>
+      <a:lnRef idx="0">
+        <a:scrgbClr r="0" g="0" b="0"/>
+      </a:lnRef>
+      <a:fillRef idx="1">
+        <a:scrgbClr r="0" g="0" b="0"/>
+      </a:fillRef>
+      <a:effectRef idx="1">
+        <a:scrgbClr r="0" g="0" b="0"/>
+      </a:effectRef>
+      <a:fontRef idx="minor">
+        <a:schemeClr val="tx1"/>
+      </a:fontRef>
+    </dgm:style>
+  </dgm:styleLbl>
+  <dgm:styleLbl name="alignNode1">
+    <dgm:scene3d>
+      <a:camera prst="orthographicFront"/>
+      <a:lightRig rig="flat" dir="t"/>
+    </dgm:scene3d>
+    <dgm:sp3d prstMaterial="plastic">
+      <a:bevelT w="120900" h="88900"/>
+      <a:bevelB w="88900" h="31750" prst="angle"/>
+    </dgm:sp3d>
+    <dgm:txPr/>
+    <dgm:style>
+      <a:lnRef idx="1">
+        <a:scrgbClr r="0" g="0" b="0"/>
+      </a:lnRef>
+      <a:fillRef idx="3">
+        <a:scrgbClr r="0" g="0" b="0"/>
+      </a:fillRef>
+      <a:effectRef idx="2">
+        <a:scrgbClr r="0" g="0" b="0"/>
+      </a:effectRef>
+      <a:fontRef idx="minor">
+        <a:schemeClr val="lt1"/>
+      </a:fontRef>
+    </dgm:style>
+  </dgm:styleLbl>
+  <dgm:styleLbl name="node1">
+    <dgm:scene3d>
+      <a:camera prst="orthographicFront"/>
+      <a:lightRig rig="flat" dir="t"/>
+    </dgm:scene3d>
+    <dgm:sp3d prstMaterial="plastic">
+      <a:bevelT w="120900" h="88900"/>
+      <a:bevelB w="88900" h="31750" prst="angle"/>
+    </dgm:sp3d>
+    <dgm:txPr/>
+    <dgm:style>
+      <a:lnRef idx="0">
+        <a:scrgbClr r="0" g="0" b="0"/>
+      </a:lnRef>
+      <a:fillRef idx="3">
+        <a:scrgbClr r="0" g="0" b="0"/>
+      </a:fillRef>
+      <a:effectRef idx="2">
+        <a:scrgbClr r="0" g="0" b="0"/>
+      </a:effectRef>
+      <a:fontRef idx="minor">
+        <a:schemeClr val="lt1"/>
+      </a:fontRef>
+    </dgm:style>
+  </dgm:styleLbl>
+  <dgm:styleLbl name="node2">
+    <dgm:scene3d>
+      <a:camera prst="orthographicFront"/>
+      <a:lightRig rig="flat" dir="t"/>
+    </dgm:scene3d>
+    <dgm:sp3d prstMaterial="plastic">
+      <a:bevelT w="120900" h="88900"/>
+      <a:bevelB w="88900" h="31750" prst="angle"/>
+    </dgm:sp3d>
+    <dgm:txPr/>
+    <dgm:style>
+      <a:lnRef idx="0">
+        <a:scrgbClr r="0" g="0" b="0"/>
+      </a:lnRef>
+      <a:fillRef idx="3">
+        <a:scrgbClr r="0" g="0" b="0"/>
+      </a:fillRef>
+      <a:effectRef idx="1">
+        <a:scrgbClr r="0" g="0" b="0"/>
+      </a:effectRef>
+      <a:fontRef idx="minor">
+        <a:schemeClr val="lt1"/>
+      </a:fontRef>
+    </dgm:style>
+  </dgm:styleLbl>
+  <dgm:styleLbl name="node3">
+    <dgm:scene3d>
+      <a:camera prst="orthographicFront"/>
+      <a:lightRig rig="flat" dir="t"/>
+    </dgm:scene3d>
+    <dgm:sp3d prstMaterial="plastic">
+      <a:bevelT w="120900" h="88900"/>
+      <a:bevelB w="88900" h="31750" prst="angle"/>
+    </dgm:sp3d>
+    <dgm:txPr/>
+    <dgm:style>
+      <a:lnRef idx="0">
+        <a:scrgbClr r="0" g="0" b="0"/>
+      </a:lnRef>
+      <a:fillRef idx="3">
+        <a:scrgbClr r="0" g="0" b="0"/>
+      </a:fillRef>
+      <a:effectRef idx="1">
+        <a:scrgbClr r="0" g="0" b="0"/>
+      </a:effectRef>
+      <a:fontRef idx="minor">
+        <a:schemeClr val="lt1"/>
+      </a:fontRef>
+    </dgm:style>
+  </dgm:styleLbl>
+  <dgm:styleLbl name="node4">
+    <dgm:scene3d>
+      <a:camera prst="orthographicFront"/>
+      <a:lightRig rig="flat" dir="t"/>
+    </dgm:scene3d>
+    <dgm:sp3d prstMaterial="plastic">
+      <a:bevelT w="120900" h="88900"/>
+      <a:bevelB w="88900" h="31750" prst="angle"/>
+    </dgm:sp3d>
+    <dgm:txPr/>
+    <dgm:style>
+      <a:lnRef idx="0">
+        <a:scrgbClr r="0" g="0" b="0"/>
+      </a:lnRef>
+      <a:fillRef idx="3">
+        <a:scrgbClr r="0" g="0" b="0"/>
+      </a:fillRef>
+      <a:effectRef idx="1">
+        <a:scrgbClr r="0" g="0" b="0"/>
+      </a:effectRef>
+      <a:fontRef idx="minor">
+        <a:schemeClr val="lt1"/>
+      </a:fontRef>
+    </dgm:style>
+  </dgm:styleLbl>
+  <dgm:styleLbl name="fgImgPlace1">
+    <dgm:scene3d>
+      <a:camera prst="orthographicFront"/>
+      <a:lightRig rig="flat" dir="t"/>
+    </dgm:scene3d>
+    <dgm:sp3d z="127000" prstMaterial="plastic">
+      <a:bevelT w="88900" h="88900"/>
+      <a:bevelB w="88900" h="31750" prst="angle"/>
+    </dgm:sp3d>
+    <dgm:txPr/>
+    <dgm:style>
+      <a:lnRef idx="0">
+        <a:scrgbClr r="0" g="0" b="0"/>
+      </a:lnRef>
+      <a:fillRef idx="3">
+        <a:scrgbClr r="0" g="0" b="0"/>
+      </a:fillRef>
+      <a:effectRef idx="2">
+        <a:scrgbClr r="0" g="0" b="0"/>
+      </a:effectRef>
+      <a:fontRef idx="minor"/>
+    </dgm:style>
+  </dgm:styleLbl>
+  <dgm:styleLbl name="alignImgPlace1">
+    <dgm:scene3d>
+      <a:camera prst="orthographicFront"/>
+      <a:lightRig rig="flat" dir="t"/>
+    </dgm:scene3d>
+    <dgm:sp3d prstMaterial="plastic">
+      <a:bevelT w="88900" h="88900"/>
+      <a:bevelB w="88900" h="31750" prst="angle"/>
+    </dgm:sp3d>
+    <dgm:txPr/>
+    <dgm:style>
+      <a:lnRef idx="0">
+        <a:scrgbClr r="0" g="0" b="0"/>
+      </a:lnRef>
+      <a:fillRef idx="3">
+        <a:scrgbClr r="0" g="0" b="0"/>
+      </a:fillRef>
+      <a:effectRef idx="2">
+        <a:scrgbClr r="0" g="0" b="0"/>
+      </a:effectRef>
+      <a:fontRef idx="minor"/>
+    </dgm:style>
+  </dgm:styleLbl>
+  <dgm:styleLbl name="bgImgPlace1">
+    <dgm:scene3d>
+      <a:camera prst="orthographicFront"/>
+      <a:lightRig rig="flat" dir="t"/>
+    </dgm:scene3d>
+    <dgm:sp3d z="-190500" prstMaterial="plastic">
+      <a:bevelT w="88900" h="88900"/>
+      <a:bevelB w="88900" h="31750" prst="angle"/>
+    </dgm:sp3d>
+    <dgm:txPr/>
+    <dgm:style>
+      <a:lnRef idx="0">
+        <a:scrgbClr r="0" g="0" b="0"/>
+      </a:lnRef>
+      <a:fillRef idx="3">
+        <a:scrgbClr r="0" g="0" b="0"/>
+      </a:fillRef>
+      <a:effectRef idx="2">
+        <a:scrgbClr r="0" g="0" b="0"/>
+      </a:effectRef>
+      <a:fontRef idx="minor"/>
+    </dgm:style>
+  </dgm:styleLbl>
+  <dgm:styleLbl name="sibTrans2D1">
+    <dgm:scene3d>
+      <a:camera prst="orthographicFront"/>
+      <a:lightRig rig="flat" dir="t"/>
+    </dgm:scene3d>
+    <dgm:sp3d z="-80000" prstMaterial="plastic">
+      <a:bevelT w="50800" h="50800"/>
+      <a:bevelB w="25400" h="25400" prst="angle"/>
+    </dgm:sp3d>
+    <dgm:txPr/>
+    <dgm:style>
+      <a:lnRef idx="0">
+        <a:scrgbClr r="0" g="0" b="0"/>
+      </a:lnRef>
+      <a:fillRef idx="3">
+        <a:scrgbClr r="0" g="0" b="0"/>
+      </a:fillRef>
+      <a:effectRef idx="2">
+        <a:scrgbClr r="0" g="0" b="0"/>
+      </a:effectRef>
+      <a:fontRef idx="minor">
+        <a:schemeClr val="lt1"/>
+      </a:fontRef>
+    </dgm:style>
+  </dgm:styleLbl>
+  <dgm:styleLbl name="fgSibTrans2D1">
+    <dgm:scene3d>
+      <a:camera prst="orthographicFront"/>
+      <a:lightRig rig="flat" dir="t"/>
+    </dgm:scene3d>
+    <dgm:sp3d z="127000" prstMaterial="plastic">
+      <a:bevelT w="50800" h="50800"/>
+      <a:bevelB w="25400" h="25400" prst="angle"/>
+    </dgm:sp3d>
+    <dgm:txPr/>
+    <dgm:style>
+      <a:lnRef idx="0">
+        <a:scrgbClr r="0" g="0" b="0"/>
+      </a:lnRef>
+      <a:fillRef idx="3">
+        <a:scrgbClr r="0" g="0" b="0"/>
+      </a:fillRef>
+      <a:effectRef idx="2">
+        <a:scrgbClr r="0" g="0" b="0"/>
+      </a:effectRef>
+      <a:fontRef idx="minor">
+        <a:schemeClr val="lt1"/>
+      </a:fontRef>
+    </dgm:style>
+  </dgm:styleLbl>
+  <dgm:styleLbl name="bgSibTrans2D1">
+    <dgm:scene3d>
+      <a:camera prst="orthographicFront"/>
+      <a:lightRig rig="flat" dir="t"/>
+    </dgm:scene3d>
+    <dgm:sp3d z="-190500" prstMaterial="plastic">
+      <a:bevelT w="50800" h="50800"/>
+      <a:bevelB w="25400" h="25400" prst="angle"/>
+    </dgm:sp3d>
+    <dgm:txPr/>
+    <dgm:style>
+      <a:lnRef idx="0">
+        <a:scrgbClr r="0" g="0" b="0"/>
+      </a:lnRef>
+      <a:fillRef idx="3">
+        <a:scrgbClr r="0" g="0" b="0"/>
+      </a:fillRef>
+      <a:effectRef idx="2">
+        <a:scrgbClr r="0" g="0" b="0"/>
+      </a:effectRef>
+      <a:fontRef idx="minor">
+        <a:schemeClr val="lt1"/>
+      </a:fontRef>
+    </dgm:style>
+  </dgm:styleLbl>
+  <dgm:styleLbl name="sibTrans1D1">
+    <dgm:scene3d>
+      <a:camera prst="orthographicFront"/>
+      <a:lightRig rig="flat" dir="t"/>
+    </dgm:scene3d>
+    <dgm:sp3d z="-40000" prstMaterial="matte"/>
+    <dgm:txPr/>
+    <dgm:style>
+      <a:lnRef idx="1">
+        <a:scrgbClr r="0" g="0" b="0"/>
+      </a:lnRef>
+      <a:fillRef idx="0">
+        <a:scrgbClr r="0" g="0" b="0"/>
+      </a:fillRef>
+      <a:effectRef idx="0">
+        <a:scrgbClr r="0" g="0" b="0"/>
+      </a:effectRef>
+      <a:fontRef idx="minor"/>
+    </dgm:style>
+  </dgm:styleLbl>
+  <dgm:styleLbl name="callout">
+    <dgm:scene3d>
+      <a:camera prst="orthographicFront"/>
+      <a:lightRig rig="threePt" dir="t"/>
+    </dgm:scene3d>
+    <dgm:sp3d z="127000" prstMaterial="matte"/>
+    <dgm:txPr/>
+    <dgm:style>
+      <a:lnRef idx="2">
+        <a:scrgbClr r="0" g="0" b="0"/>
+      </a:lnRef>
+      <a:fillRef idx="1">
+        <a:scrgbClr r="0" g="0" b="0"/>
+      </a:fillRef>
+      <a:effectRef idx="0">
+        <a:scrgbClr r="0" g="0" b="0"/>
+      </a:effectRef>
+      <a:fontRef idx="minor"/>
+    </dgm:style>
+  </dgm:styleLbl>
+  <dgm:styleLbl name="asst0">
+    <dgm:scene3d>
+      <a:camera prst="orthographicFront"/>
+      <a:lightRig rig="flat" dir="t"/>
+    </dgm:scene3d>
+    <dgm:sp3d prstMaterial="plastic">
+      <a:bevelT w="120900" h="88900"/>
+      <a:bevelB w="88900" h="31750" prst="angle"/>
+    </dgm:sp3d>
+    <dgm:txPr/>
+    <dgm:style>
+      <a:lnRef idx="0">
+        <a:scrgbClr r="0" g="0" b="0"/>
+      </a:lnRef>
+      <a:fillRef idx="3">
+        <a:scrgbClr r="0" g="0" b="0"/>
+      </a:fillRef>
+      <a:effectRef idx="1">
+        <a:scrgbClr r="0" g="0" b="0"/>
+      </a:effectRef>
+      <a:fontRef idx="minor">
+        <a:schemeClr val="lt1"/>
+      </a:fontRef>
+    </dgm:style>
+  </dgm:styleLbl>
+  <dgm:styleLbl name="asst1">
+    <dgm:scene3d>
+      <a:camera prst="orthographicFront"/>
+      <a:lightRig rig="flat" dir="t"/>
+    </dgm:scene3d>
+    <dgm:sp3d prstMaterial="plastic">
+      <a:bevelT w="120900" h="88900"/>
+      <a:bevelB w="88900" h="31750" prst="angle"/>
+    </dgm:sp3d>
+    <dgm:txPr/>
+    <dgm:style>
+      <a:lnRef idx="0">
+        <a:scrgbClr r="0" g="0" b="0"/>
+      </a:lnRef>
+      <a:fillRef idx="3">
+        <a:scrgbClr r="0" g="0" b="0"/>
+      </a:fillRef>
+      <a:effectRef idx="1">
+        <a:scrgbClr r="0" g="0" b="0"/>
+      </a:effectRef>
+      <a:fontRef idx="minor">
+        <a:schemeClr val="lt1"/>
+      </a:fontRef>
+    </dgm:style>
+  </dgm:styleLbl>
+  <dgm:styleLbl name="asst2">
+    <dgm:scene3d>
+      <a:camera prst="orthographicFront"/>
+      <a:lightRig rig="flat" dir="t"/>
+    </dgm:scene3d>
+    <dgm:sp3d prstMaterial="plastic">
+      <a:bevelT w="120900" h="88900"/>
+      <a:bevelB w="88900" h="31750" prst="angle"/>
+    </dgm:sp3d>
+    <dgm:txPr/>
+    <dgm:style>
+      <a:lnRef idx="0">
+        <a:scrgbClr r="0" g="0" b="0"/>
+      </a:lnRef>
+      <a:fillRef idx="3">
+        <a:scrgbClr r="0" g="0" b="0"/>
+      </a:fillRef>
+      <a:effectRef idx="1">
+        <a:scrgbClr r="0" g="0" b="0"/>
+      </a:effectRef>
+      <a:fontRef idx="minor">
+        <a:schemeClr val="lt1"/>
+      </a:fontRef>
+    </dgm:style>
+  </dgm:styleLbl>
+  <dgm:styleLbl name="asst3">
+    <dgm:scene3d>
+      <a:camera prst="orthographicFront"/>
+      <a:lightRig rig="flat" dir="t"/>
+    </dgm:scene3d>
+    <dgm:sp3d prstMaterial="plastic">
+      <a:bevelT w="120900" h="88900"/>
+      <a:bevelB w="88900" h="31750" prst="angle"/>
+    </dgm:sp3d>
+    <dgm:txPr/>
+    <dgm:style>
+      <a:lnRef idx="0">
+        <a:scrgbClr r="0" g="0" b="0"/>
+      </a:lnRef>
+      <a:fillRef idx="3">
+        <a:scrgbClr r="0" g="0" b="0"/>
+      </a:fillRef>
+      <a:effectRef idx="1">
+        <a:scrgbClr r="0" g="0" b="0"/>
+      </a:effectRef>
+      <a:fontRef idx="minor">
+        <a:schemeClr val="lt1"/>
+      </a:fontRef>
+    </dgm:style>
+  </dgm:styleLbl>
+  <dgm:styleLbl name="parChTrans2D1">
+    <dgm:scene3d>
+      <a:camera prst="orthographicFront"/>
+      <a:lightRig rig="flat" dir="t"/>
+    </dgm:scene3d>
+    <dgm:sp3d z="-100000" prstMaterial="plastic">
+      <a:bevelT w="120900" h="88900"/>
+      <a:bevelB w="88900" h="31750" prst="angle"/>
+    </dgm:sp3d>
+    <dgm:txPr/>
+    <dgm:style>
+      <a:lnRef idx="0">
+        <a:scrgbClr r="0" g="0" b="0"/>
+      </a:lnRef>
+      <a:fillRef idx="3">
+        <a:scrgbClr r="0" g="0" b="0"/>
+      </a:fillRef>
+      <a:effectRef idx="1">
+        <a:scrgbClr r="0" g="0" b="0"/>
+      </a:effectRef>
+      <a:fontRef idx="minor">
+        <a:schemeClr val="lt1"/>
+      </a:fontRef>
+    </dgm:style>
+  </dgm:styleLbl>
+  <dgm:styleLbl name="parChTrans2D2">
+    <dgm:scene3d>
+      <a:camera prst="orthographicFront"/>
+      <a:lightRig rig="flat" dir="t"/>
+    </dgm:scene3d>
+    <dgm:sp3d z="-60000" prstMaterial="plastic">
+      <a:bevelT w="120900" h="88900"/>
+      <a:bevelB w="88900" h="31750" prst="angle"/>
+    </dgm:sp3d>
+    <dgm:txPr/>
+    <dgm:style>
+      <a:lnRef idx="0">
+        <a:scrgbClr r="0" g="0" b="0"/>
+      </a:lnRef>
+      <a:fillRef idx="3">
+        <a:scrgbClr r="0" g="0" b="0"/>
+      </a:fillRef>
+      <a:effectRef idx="1">
+        <a:scrgbClr r="0" g="0" b="0"/>
+      </a:effectRef>
+      <a:fontRef idx="minor">
+        <a:schemeClr val="lt1"/>
+      </a:fontRef>
+    </dgm:style>
+  </dgm:styleLbl>
+  <dgm:styleLbl name="parChTrans2D3">
+    <dgm:scene3d>
+      <a:camera prst="orthographicFront"/>
+      <a:lightRig rig="flat" dir="t"/>
+    </dgm:scene3d>
+    <dgm:sp3d z="-60000" prstMaterial="plastic">
+      <a:bevelT w="120900" h="88900"/>
+      <a:bevelB w="88900" h="31750" prst="angle"/>
+    </dgm:sp3d>
+    <dgm:txPr/>
+    <dgm:style>
+      <a:lnRef idx="0">
+        <a:scrgbClr r="0" g="0" b="0"/>
+      </a:lnRef>
+      <a:fillRef idx="3">
+        <a:scrgbClr r="0" g="0" b="0"/>
+      </a:fillRef>
+      <a:effectRef idx="1">
+        <a:scrgbClr r="0" g="0" b="0"/>
+      </a:effectRef>
+      <a:fontRef idx="minor">
+        <a:schemeClr val="lt1"/>
+      </a:fontRef>
+    </dgm:style>
+  </dgm:styleLbl>
+  <dgm:styleLbl name="parChTrans2D4">
+    <dgm:scene3d>
+      <a:camera prst="orthographicFront"/>
+      <a:lightRig rig="flat" dir="t"/>
+    </dgm:scene3d>
+    <dgm:sp3d z="-60000" prstMaterial="plastic">
+      <a:bevelT w="120900" h="88900"/>
+      <a:bevelB w="88900" h="31750" prst="angle"/>
+    </dgm:sp3d>
+    <dgm:txPr/>
+    <dgm:style>
+      <a:lnRef idx="0">
+        <a:scrgbClr r="0" g="0" b="0"/>
+      </a:lnRef>
+      <a:fillRef idx="3">
+        <a:scrgbClr r="0" g="0" b="0"/>
+      </a:fillRef>
+      <a:effectRef idx="1">
+        <a:scrgbClr r="0" g="0" b="0"/>
+      </a:effectRef>
+      <a:fontRef idx="minor">
+        <a:schemeClr val="lt1"/>
+      </a:fontRef>
+    </dgm:style>
+  </dgm:styleLbl>
+  <dgm:styleLbl name="parChTrans1D1">
+    <dgm:scene3d>
+      <a:camera prst="orthographicFront"/>
+      <a:lightRig rig="flat" dir="t"/>
+    </dgm:scene3d>
+    <dgm:sp3d prstMaterial="matte"/>
+    <dgm:txPr/>
+    <dgm:style>
+      <a:lnRef idx="2">
+        <a:scrgbClr r="0" g="0" b="0"/>
+      </a:lnRef>
+      <a:fillRef idx="0">
+        <a:scrgbClr r="0" g="0" b="0"/>
+      </a:fillRef>
+      <a:effectRef idx="0">
+        <a:scrgbClr r="0" g="0" b="0"/>
+      </a:effectRef>
+      <a:fontRef idx="minor"/>
+    </dgm:style>
+  </dgm:styleLbl>
+  <dgm:styleLbl name="parChTrans1D2">
+    <dgm:scene3d>
+      <a:camera prst="orthographicFront"/>
+      <a:lightRig rig="flat" dir="t"/>
+    </dgm:scene3d>
+    <dgm:sp3d prstMaterial="matte"/>
+    <dgm:txPr/>
+    <dgm:style>
+      <a:lnRef idx="2">
+        <a:scrgbClr r="0" g="0" b="0"/>
+      </a:lnRef>
+      <a:fillRef idx="0">
+        <a:scrgbClr r="0" g="0" b="0"/>
+      </a:fillRef>
+      <a:effectRef idx="0">
+        <a:scrgbClr r="0" g="0" b="0"/>
+      </a:effectRef>
+      <a:fontRef idx="minor"/>
+    </dgm:style>
+  </dgm:styleLbl>
+  <dgm:styleLbl name="parChTrans1D3">
+    <dgm:scene3d>
+      <a:camera prst="orthographicFront"/>
+      <a:lightRig rig="flat" dir="t"/>
+    </dgm:scene3d>
+    <dgm:sp3d prstMaterial="matte"/>
+    <dgm:txPr/>
+    <dgm:style>
+      <a:lnRef idx="2">
+        <a:scrgbClr r="0" g="0" b="0"/>
+      </a:lnRef>
+      <a:fillRef idx="0">
+        <a:scrgbClr r="0" g="0" b="0"/>
+      </a:fillRef>
+      <a:effectRef idx="0">
+        <a:scrgbClr r="0" g="0" b="0"/>
+      </a:effectRef>
+      <a:fontRef idx="minor"/>
+    </dgm:style>
+  </dgm:styleLbl>
+  <dgm:styleLbl name="parChTrans1D4">
+    <dgm:scene3d>
+      <a:camera prst="orthographicFront"/>
+      <a:lightRig rig="flat" dir="t"/>
+    </dgm:scene3d>
+    <dgm:sp3d prstMaterial="matte"/>
+    <dgm:txPr/>
+    <dgm:style>
+      <a:lnRef idx="2">
+        <a:scrgbClr r="0" g="0" b="0"/>
+      </a:lnRef>
+      <a:fillRef idx="0">
+        <a:scrgbClr r="0" g="0" b="0"/>
+      </a:fillRef>
+      <a:effectRef idx="0">
+        <a:scrgbClr r="0" g="0" b="0"/>
+      </a:effectRef>
+      <a:fontRef idx="minor"/>
+    </dgm:style>
+  </dgm:styleLbl>
+  <dgm:styleLbl name="fgAcc1">
+    <dgm:scene3d>
+      <a:camera prst="orthographicFront"/>
+      <a:lightRig rig="flat" dir="t"/>
+    </dgm:scene3d>
+    <dgm:sp3d z="190500" extrusionH="12700" prstMaterial="plastic">
+      <a:bevelT w="50800" h="50800"/>
+    </dgm:sp3d>
+    <dgm:txPr/>
+    <dgm:style>
+      <a:lnRef idx="1">
+        <a:scrgbClr r="0" g="0" b="0"/>
+      </a:lnRef>
+      <a:fillRef idx="1">
+        <a:scrgbClr r="0" g="0" b="0"/>
+      </a:fillRef>
+      <a:effectRef idx="2">
+        <a:scrgbClr r="0" g="0" b="0"/>
+      </a:effectRef>
+      <a:fontRef idx="minor"/>
+    </dgm:style>
+  </dgm:styleLbl>
+  <dgm:styleLbl name="conFgAcc1">
+    <dgm:scene3d>
+      <a:camera prst="orthographicFront"/>
+      <a:lightRig rig="flat" dir="t"/>
+    </dgm:scene3d>
+    <dgm:sp3d z="190500" extrusionH="12700" prstMaterial="plastic">
+      <a:bevelT w="50800" h="50800"/>
+    </dgm:sp3d>
+    <dgm:txPr/>
+    <dgm:style>
+      <a:lnRef idx="1">
+        <a:scrgbClr r="0" g="0" b="0"/>
+      </a:lnRef>
+      <a:fillRef idx="1">
+        <a:scrgbClr r="0" g="0" b="0"/>
+      </a:fillRef>
+      <a:effectRef idx="2">
+        <a:scrgbClr r="0" g="0" b="0"/>
+      </a:effectRef>
+      <a:fontRef idx="minor"/>
+    </dgm:style>
+  </dgm:styleLbl>
+  <dgm:styleLbl name="alignAcc1">
+    <dgm:scene3d>
+      <a:camera prst="orthographicFront"/>
+      <a:lightRig rig="flat" dir="t"/>
+    </dgm:scene3d>
+    <dgm:sp3d extrusionH="12700" prstMaterial="plastic">
+      <a:bevelT w="50800" h="50800"/>
+    </dgm:sp3d>
+    <dgm:txPr/>
+    <dgm:style>
+      <a:lnRef idx="1">
+        <a:scrgbClr r="0" g="0" b="0"/>
+      </a:lnRef>
+      <a:fillRef idx="1">
+        <a:scrgbClr r="0" g="0" b="0"/>
+      </a:fillRef>
+      <a:effectRef idx="2">
+        <a:scrgbClr r="0" g="0" b="0"/>
+      </a:effectRef>
+      <a:fontRef idx="minor"/>
+    </dgm:style>
+  </dgm:styleLbl>
+  <dgm:styleLbl name="trAlignAcc1">
+    <dgm:scene3d>
+      <a:camera prst="orthographicFront"/>
+      <a:lightRig rig="flat" dir="t"/>
+    </dgm:scene3d>
+    <dgm:sp3d extrusionH="12700" prstMaterial="plastic">
+      <a:bevelT w="50800" h="50800"/>
+    </dgm:sp3d>
+    <dgm:txPr/>
+    <dgm:style>
+      <a:lnRef idx="1">
+        <a:scrgbClr r="0" g="0" b="0"/>
+      </a:lnRef>
+      <a:fillRef idx="1">
+        <a:scrgbClr r="0" g="0" b="0"/>
+      </a:fillRef>
+      <a:effectRef idx="2">
+        <a:scrgbClr r="0" g="0" b="0"/>
+      </a:effectRef>
+      <a:fontRef idx="minor"/>
+    </dgm:style>
+  </dgm:styleLbl>
+  <dgm:styleLbl name="bgAcc1">
+    <dgm:scene3d>
+      <a:camera prst="orthographicFront"/>
+      <a:lightRig rig="flat" dir="t"/>
+    </dgm:scene3d>
+    <dgm:sp3d z="-190500" extrusionH="12700" prstMaterial="plastic">
+      <a:bevelT w="50800" h="50800"/>
+    </dgm:sp3d>
+    <dgm:txPr/>
+    <dgm:style>
+      <a:lnRef idx="1">
+        <a:scrgbClr r="0" g="0" b="0"/>
+      </a:lnRef>
+      <a:fillRef idx="1">
+        <a:scrgbClr r="0" g="0" b="0"/>
+      </a:fillRef>
+      <a:effectRef idx="2">
+        <a:scrgbClr r="0" g="0" b="0"/>
+      </a:effectRef>
+      <a:fontRef idx="minor"/>
+    </dgm:style>
+  </dgm:styleLbl>
+  <dgm:styleLbl name="solidFgAcc1">
+    <dgm:scene3d>
+      <a:camera prst="orthographicFront"/>
+      <a:lightRig rig="flat" dir="t"/>
+    </dgm:scene3d>
+    <dgm:sp3d z="190500" extrusionH="12700" prstMaterial="plastic">
+      <a:bevelT w="50800" h="50800"/>
+    </dgm:sp3d>
+    <dgm:txPr/>
+    <dgm:style>
+      <a:lnRef idx="1">
+        <a:scrgbClr r="0" g="0" b="0"/>
+      </a:lnRef>
+      <a:fillRef idx="1">
+        <a:scrgbClr r="0" g="0" b="0"/>
+      </a:fillRef>
+      <a:effectRef idx="2">
+        <a:scrgbClr r="0" g="0" b="0"/>
+      </a:effectRef>
+      <a:fontRef idx="minor"/>
+    </dgm:style>
+  </dgm:styleLbl>
+  <dgm:styleLbl name="solidAlignAcc1">
+    <dgm:scene3d>
+      <a:camera prst="orthographicFront"/>
+      <a:lightRig rig="flat" dir="t"/>
+    </dgm:scene3d>
+    <dgm:sp3d extrusionH="12700" prstMaterial="plastic">
+      <a:bevelT w="50800" h="50800"/>
+    </dgm:sp3d>
+    <dgm:txPr/>
+    <dgm:style>
+      <a:lnRef idx="1">
+        <a:scrgbClr r="0" g="0" b="0"/>
+      </a:lnRef>
+      <a:fillRef idx="1">
+        <a:scrgbClr r="0" g="0" b="0"/>
+      </a:fillRef>
+      <a:effectRef idx="2">
+        <a:scrgbClr r="0" g="0" b="0"/>
+      </a:effectRef>
+      <a:fontRef idx="minor"/>
+    </dgm:style>
+  </dgm:styleLbl>
+  <dgm:styleLbl name="solidBgAcc1">
+    <dgm:scene3d>
+      <a:camera prst="orthographicFront"/>
+      <a:lightRig rig="flat" dir="t"/>
+    </dgm:scene3d>
+    <dgm:sp3d z="-190500" extrusionH="12700" prstMaterial="plastic">
+      <a:bevelT w="50800" h="50800"/>
+    </dgm:sp3d>
+    <dgm:txPr/>
+    <dgm:style>
+      <a:lnRef idx="1">
+        <a:scrgbClr r="0" g="0" b="0"/>
+      </a:lnRef>
+      <a:fillRef idx="1">
+        <a:scrgbClr r="0" g="0" b="0"/>
+      </a:fillRef>
+      <a:effectRef idx="2">
+        <a:scrgbClr r="0" g="0" b="0"/>
+      </a:effectRef>
+      <a:fontRef idx="minor"/>
+    </dgm:style>
+  </dgm:styleLbl>
+  <dgm:styleLbl name="fgAccFollowNode1">
+    <dgm:scene3d>
+      <a:camera prst="orthographicFront"/>
+      <a:lightRig rig="flat" dir="t"/>
+    </dgm:scene3d>
+    <dgm:sp3d z="190500" extrusionH="12700" prstMaterial="plastic">
+      <a:bevelT w="50800" h="50800"/>
+    </dgm:sp3d>
+    <dgm:txPr/>
+    <dgm:style>
+      <a:lnRef idx="1">
+        <a:scrgbClr r="0" g="0" b="0"/>
+      </a:lnRef>
+      <a:fillRef idx="1">
+        <a:scrgbClr r="0" g="0" b="0"/>
+      </a:fillRef>
+      <a:effectRef idx="2">
+        <a:scrgbClr r="0" g="0" b="0"/>
+      </a:effectRef>
+      <a:fontRef idx="minor"/>
+    </dgm:style>
+  </dgm:styleLbl>
+  <dgm:styleLbl name="alignAccFollowNode1">
+    <dgm:scene3d>
+      <a:camera prst="orthographicFront"/>
+      <a:lightRig rig="flat" dir="t"/>
+    </dgm:scene3d>
+    <dgm:sp3d extrusionH="12700" prstMaterial="plastic">
+      <a:bevelT w="50800" h="50800"/>
+    </dgm:sp3d>
+    <dgm:txPr/>
+    <dgm:style>
+      <a:lnRef idx="1">
+        <a:scrgbClr r="0" g="0" b="0"/>
+      </a:lnRef>
+      <a:fillRef idx="1">
+        <a:scrgbClr r="0" g="0" b="0"/>
+      </a:fillRef>
+      <a:effectRef idx="2">
+        <a:scrgbClr r="0" g="0" b="0"/>
+      </a:effectRef>
+      <a:fontRef idx="minor"/>
+    </dgm:style>
+  </dgm:styleLbl>
+  <dgm:styleLbl name="bgAccFollowNode1">
+    <dgm:scene3d>
+      <a:camera prst="orthographicFront"/>
+      <a:lightRig rig="flat" dir="t"/>
+    </dgm:scene3d>
+    <dgm:sp3d z="-190500" extrusionH="12700" prstMaterial="plastic">
+      <a:bevelT w="50800" h="50800"/>
+    </dgm:sp3d>
+    <dgm:txPr/>
+    <dgm:style>
+      <a:lnRef idx="1">
+        <a:scrgbClr r="0" g="0" b="0"/>
+      </a:lnRef>
+      <a:fillRef idx="1">
+        <a:scrgbClr r="0" g="0" b="0"/>
+      </a:fillRef>
+      <a:effectRef idx="2">
+        <a:scrgbClr r="0" g="0" b="0"/>
+      </a:effectRef>
+      <a:fontRef idx="minor"/>
+    </dgm:style>
+  </dgm:styleLbl>
+  <dgm:styleLbl name="fgAcc0">
+    <dgm:scene3d>
+      <a:camera prst="orthographicFront"/>
+      <a:lightRig rig="flat" dir="t"/>
+    </dgm:scene3d>
+    <dgm:sp3d z="190500" extrusionH="12700" prstMaterial="plastic">
+      <a:bevelT w="50800" h="50800"/>
+    </dgm:sp3d>
+    <dgm:txPr/>
+    <dgm:style>
+      <a:lnRef idx="1">
+        <a:scrgbClr r="0" g="0" b="0"/>
+      </a:lnRef>
+      <a:fillRef idx="1">
+        <a:scrgbClr r="0" g="0" b="0"/>
+      </a:fillRef>
+      <a:effectRef idx="2">
+        <a:scrgbClr r="0" g="0" b="0"/>
+      </a:effectRef>
+      <a:fontRef idx="minor"/>
+    </dgm:style>
+  </dgm:styleLbl>
+  <dgm:styleLbl name="fgAcc2">
+    <dgm:scene3d>
+      <a:camera prst="orthographicFront"/>
+      <a:lightRig rig="flat" dir="t"/>
+    </dgm:scene3d>
+    <dgm:sp3d z="190500" extrusionH="12700" prstMaterial="plastic">
+      <a:bevelT w="50800" h="50800"/>
+    </dgm:sp3d>
+    <dgm:txPr/>
+    <dgm:style>
+      <a:lnRef idx="1">
+        <a:scrgbClr r="0" g="0" b="0"/>
+      </a:lnRef>
+      <a:fillRef idx="1">
+        <a:scrgbClr r="0" g="0" b="0"/>
+      </a:fillRef>
+      <a:effectRef idx="2">
+        <a:scrgbClr r="0" g="0" b="0"/>
+      </a:effectRef>
+      <a:fontRef idx="minor"/>
+    </dgm:style>
+  </dgm:styleLbl>
+  <dgm:styleLbl name="fgAcc3">
+    <dgm:scene3d>
+      <a:camera prst="orthographicFront"/>
+      <a:lightRig rig="flat" dir="t"/>
+    </dgm:scene3d>
+    <dgm:sp3d z="190500" extrusionH="12700" prstMaterial="plastic">
+      <a:bevelT w="50800" h="50800"/>
+    </dgm:sp3d>
+    <dgm:txPr/>
+    <dgm:style>
+      <a:lnRef idx="1">
+        <a:scrgbClr r="0" g="0" b="0"/>
+      </a:lnRef>
+      <a:fillRef idx="1">
+        <a:scrgbClr r="0" g="0" b="0"/>
+      </a:fillRef>
+      <a:effectRef idx="2">
+        <a:scrgbClr r="0" g="0" b="0"/>
+      </a:effectRef>
+      <a:fontRef idx="minor"/>
+    </dgm:style>
+  </dgm:styleLbl>
+  <dgm:styleLbl name="fgAcc4">
+    <dgm:scene3d>
+      <a:camera prst="orthographicFront"/>
+      <a:lightRig rig="flat" dir="t"/>
+    </dgm:scene3d>
+    <dgm:sp3d z="190500" extrusionH="12700" prstMaterial="plastic">
+      <a:bevelT w="50800" h="50800"/>
+    </dgm:sp3d>
+    <dgm:txPr/>
+    <dgm:style>
+      <a:lnRef idx="1">
+        <a:scrgbClr r="0" g="0" b="0"/>
+      </a:lnRef>
+      <a:fillRef idx="1">
+        <a:scrgbClr r="0" g="0" b="0"/>
+      </a:fillRef>
+      <a:effectRef idx="2">
+        <a:scrgbClr r="0" g="0" b="0"/>
+      </a:effectRef>
+      <a:fontRef idx="minor"/>
+    </dgm:style>
+  </dgm:styleLbl>
+  <dgm:styleLbl name="bgShp">
+    <dgm:scene3d>
+      <a:camera prst="orthographicFront"/>
+      <a:lightRig rig="flat" dir="t"/>
+    </dgm:scene3d>
+    <dgm:sp3d z="-190500" extrusionH="12700" prstMaterial="plastic">
+      <a:bevelT w="50800" h="50800"/>
+    </dgm:sp3d>
+    <dgm:txPr/>
+    <dgm:style>
+      <a:lnRef idx="0">
+        <a:scrgbClr r="0" g="0" b="0"/>
+      </a:lnRef>
+      <a:fillRef idx="3">
+        <a:scrgbClr r="0" g="0" b="0"/>
+      </a:fillRef>
+      <a:effectRef idx="0">
+        <a:scrgbClr r="0" g="0" b="0"/>
+      </a:effectRef>
+      <a:fontRef idx="minor"/>
+    </dgm:style>
+  </dgm:styleLbl>
+  <dgm:styleLbl name="dkBgShp">
+    <dgm:scene3d>
+      <a:camera prst="orthographicFront"/>
+      <a:lightRig rig="flat" dir="t"/>
+    </dgm:scene3d>
+    <dgm:sp3d z="-190500" extrusionH="12700" prstMaterial="plastic">
+      <a:bevelT w="50800" h="50800"/>
+    </dgm:sp3d>
+    <dgm:txPr/>
+    <dgm:style>
+      <a:lnRef idx="0">
+        <a:scrgbClr r="0" g="0" b="0"/>
+      </a:lnRef>
+      <a:fillRef idx="2">
+        <a:scrgbClr r="0" g="0" b="0"/>
+      </a:fillRef>
+      <a:effectRef idx="0">
+        <a:scrgbClr r="0" g="0" b="0"/>
+      </a:effectRef>
+      <a:fontRef idx="minor"/>
+    </dgm:style>
+  </dgm:styleLbl>
+  <dgm:styleLbl name="trBgShp">
+    <dgm:scene3d>
+      <a:camera prst="orthographicFront"/>
+      <a:lightRig rig="flat" dir="t"/>
+    </dgm:scene3d>
+    <dgm:sp3d z="-190500" extrusionH="12700" prstMaterial="matte"/>
+    <dgm:txPr/>
+    <dgm:style>
+      <a:lnRef idx="0">
+        <a:scrgbClr r="0" g="0" b="0"/>
+      </a:lnRef>
+      <a:fillRef idx="1">
+        <a:scrgbClr r="0" g="0" b="0"/>
+      </a:fillRef>
+      <a:effectRef idx="0">
+        <a:scrgbClr r="0" g="0" b="0"/>
+      </a:effectRef>
+      <a:fontRef idx="minor"/>
+    </dgm:style>
+  </dgm:styleLbl>
+  <dgm:styleLbl name="fgShp">
+    <dgm:scene3d>
+      <a:camera prst="orthographicFront"/>
+      <a:lightRig rig="flat" dir="t"/>
+    </dgm:scene3d>
+    <dgm:sp3d z="190500" prstMaterial="plastic">
+      <a:bevelT w="120900" h="88900"/>
+      <a:bevelB w="88900" h="31750" prst="angle"/>
+    </dgm:sp3d>
+    <dgm:txPr/>
+    <dgm:style>
+      <a:lnRef idx="0">
+        <a:scrgbClr r="0" g="0" b="0"/>
+      </a:lnRef>
+      <a:fillRef idx="1">
+        <a:scrgbClr r="0" g="0" b="0"/>
+      </a:fillRef>
+      <a:effectRef idx="3">
+        <a:scrgbClr r="0" g="0" b="0"/>
+      </a:effectRef>
+      <a:fontRef idx="minor">
+        <a:schemeClr val="lt1"/>
+      </a:fontRef>
+    </dgm:style>
+  </dgm:styleLbl>
+  <dgm:styleLbl name="revTx">
+    <dgm:scene3d>
+      <a:camera prst="orthographicFront"/>
+      <a:lightRig rig="threePt" dir="t"/>
+    </dgm:scene3d>
+    <dgm:sp3d/>
+    <dgm:txPr/>
+    <dgm:style>
+      <a:lnRef idx="0">
+        <a:scrgbClr r="0" g="0" b="0"/>
+      </a:lnRef>
+      <a:fillRef idx="0">
+        <a:scrgbClr r="0" g="0" b="0"/>
+      </a:fillRef>
+      <a:effectRef idx="0">
+        <a:scrgbClr r="0" g="0" b="0"/>
+      </a:effectRef>
+      <a:fontRef idx="minor"/>
+    </dgm:style>
+  </dgm:styleLbl>
+</dgm:styleDef>
+</file>
+
 <file path=ppt/slideLayouts/slideLayout1.xml><?xml version="1.0" encoding="utf-8"?>
 <p:sldLayout xmlns:a="http://schemas.openxmlformats.org/drawingml/2006/main" xmlns:r="http://schemas.openxmlformats.org/officeDocument/2006/relationships" xmlns:p="http://schemas.openxmlformats.org/presentationml/2006/main" type="title" preserve="1">
   <p:cSld name="Title Slide">
@@ -297,7 +5820,7 @@
           <a:p>
             <a:fld id="{AEBC359E-74D2-4BE3-B89B-803EEEC24772}" type="datetimeFigureOut">
               <a:rPr lang="en-US" smtClean="0"/>
-              <a:t>12/8/2011</a:t>
+              <a:t>12/15/2011</a:t>
             </a:fld>
             <a:endParaRPr lang="en-US"/>
           </a:p>
@@ -467,7 +5990,7 @@
           <a:p>
             <a:fld id="{AEBC359E-74D2-4BE3-B89B-803EEEC24772}" type="datetimeFigureOut">
               <a:rPr lang="en-US" smtClean="0"/>
-              <a:t>12/8/2011</a:t>
+              <a:t>12/15/2011</a:t>
             </a:fld>
             <a:endParaRPr lang="en-US"/>
           </a:p>
@@ -647,7 +6170,7 @@
           <a:p>
             <a:fld id="{AEBC359E-74D2-4BE3-B89B-803EEEC24772}" type="datetimeFigureOut">
               <a:rPr lang="en-US" smtClean="0"/>
-              <a:t>12/8/2011</a:t>
+              <a:t>12/15/2011</a:t>
             </a:fld>
             <a:endParaRPr lang="en-US"/>
           </a:p>
@@ -817,7 +6340,7 @@
           <a:p>
             <a:fld id="{AEBC359E-74D2-4BE3-B89B-803EEEC24772}" type="datetimeFigureOut">
               <a:rPr lang="en-US" smtClean="0"/>
-              <a:t>12/8/2011</a:t>
+              <a:t>12/15/2011</a:t>
             </a:fld>
             <a:endParaRPr lang="en-US"/>
           </a:p>
@@ -1063,7 +6586,7 @@
           <a:p>
             <a:fld id="{AEBC359E-74D2-4BE3-B89B-803EEEC24772}" type="datetimeFigureOut">
               <a:rPr lang="en-US" smtClean="0"/>
-              <a:t>12/8/2011</a:t>
+              <a:t>12/15/2011</a:t>
             </a:fld>
             <a:endParaRPr lang="en-US"/>
           </a:p>
@@ -1351,7 +6874,7 @@
           <a:p>
             <a:fld id="{AEBC359E-74D2-4BE3-B89B-803EEEC24772}" type="datetimeFigureOut">
               <a:rPr lang="en-US" smtClean="0"/>
-              <a:t>12/8/2011</a:t>
+              <a:t>12/15/2011</a:t>
             </a:fld>
             <a:endParaRPr lang="en-US"/>
           </a:p>
@@ -1773,7 +7296,7 @@
           <a:p>
             <a:fld id="{AEBC359E-74D2-4BE3-B89B-803EEEC24772}" type="datetimeFigureOut">
               <a:rPr lang="en-US" smtClean="0"/>
-              <a:t>12/8/2011</a:t>
+              <a:t>12/15/2011</a:t>
             </a:fld>
             <a:endParaRPr lang="en-US"/>
           </a:p>
@@ -1891,7 +7414,7 @@
           <a:p>
             <a:fld id="{AEBC359E-74D2-4BE3-B89B-803EEEC24772}" type="datetimeFigureOut">
               <a:rPr lang="en-US" smtClean="0"/>
-              <a:t>12/8/2011</a:t>
+              <a:t>12/15/2011</a:t>
             </a:fld>
             <a:endParaRPr lang="en-US"/>
           </a:p>
@@ -1986,7 +7509,7 @@
           <a:p>
             <a:fld id="{AEBC359E-74D2-4BE3-B89B-803EEEC24772}" type="datetimeFigureOut">
               <a:rPr lang="en-US" smtClean="0"/>
-              <a:t>12/8/2011</a:t>
+              <a:t>12/15/2011</a:t>
             </a:fld>
             <a:endParaRPr lang="en-US"/>
           </a:p>
@@ -2263,7 +7786,7 @@
           <a:p>
             <a:fld id="{AEBC359E-74D2-4BE3-B89B-803EEEC24772}" type="datetimeFigureOut">
               <a:rPr lang="en-US" smtClean="0"/>
-              <a:t>12/8/2011</a:t>
+              <a:t>12/15/2011</a:t>
             </a:fld>
             <a:endParaRPr lang="en-US"/>
           </a:p>
@@ -2516,7 +8039,7 @@
           <a:p>
             <a:fld id="{AEBC359E-74D2-4BE3-B89B-803EEEC24772}" type="datetimeFigureOut">
               <a:rPr lang="en-US" smtClean="0"/>
-              <a:t>12/8/2011</a:t>
+              <a:t>12/15/2011</a:t>
             </a:fld>
             <a:endParaRPr lang="en-US"/>
           </a:p>
@@ -2729,7 +8252,7 @@
           <a:p>
             <a:fld id="{AEBC359E-74D2-4BE3-B89B-803EEEC24772}" type="datetimeFigureOut">
               <a:rPr lang="en-US" smtClean="0"/>
-              <a:t>12/8/2011</a:t>
+              <a:t>12/15/2011</a:t>
             </a:fld>
             <a:endParaRPr lang="en-US"/>
           </a:p>
@@ -5353,6 +10876,1172 @@
     <p:extLst>
       <p:ext uri="{BB962C8B-B14F-4D97-AF65-F5344CB8AC3E}">
         <p14:creationId xmlns:p14="http://schemas.microsoft.com/office/powerpoint/2010/main" val="449489865"/>
+      </p:ext>
+    </p:extLst>
+  </p:cSld>
+  <p:clrMapOvr>
+    <a:masterClrMapping/>
+  </p:clrMapOvr>
+</p:sld>
+</file>
+
+<file path=ppt/slides/slide11.xml><?xml version="1.0" encoding="utf-8"?>
+<p:sld xmlns:a="http://schemas.openxmlformats.org/drawingml/2006/main" xmlns:r="http://schemas.openxmlformats.org/officeDocument/2006/relationships" xmlns:p="http://schemas.openxmlformats.org/presentationml/2006/main">
+  <p:cSld>
+    <p:spTree>
+      <p:nvGrpSpPr>
+        <p:cNvPr id="1" name=""/>
+        <p:cNvGrpSpPr/>
+        <p:nvPr/>
+      </p:nvGrpSpPr>
+      <p:grpSpPr>
+        <a:xfrm>
+          <a:off x="0" y="0"/>
+          <a:ext cx="0" cy="0"/>
+          <a:chOff x="0" y="0"/>
+          <a:chExt cx="0" cy="0"/>
+        </a:xfrm>
+      </p:grpSpPr>
+      <p:sp>
+        <p:nvSpPr>
+          <p:cNvPr id="4" name="Rectangle 3"/>
+          <p:cNvSpPr/>
+          <p:nvPr/>
+        </p:nvSpPr>
+        <p:spPr>
+          <a:xfrm>
+            <a:off x="3415145" y="2209800"/>
+            <a:ext cx="2701636" cy="1752600"/>
+          </a:xfrm>
+          <a:prstGeom prst="rect">
+            <a:avLst/>
+          </a:prstGeom>
+        </p:spPr>
+        <p:style>
+          <a:lnRef idx="2">
+            <a:schemeClr val="accent1">
+              <a:shade val="50000"/>
+            </a:schemeClr>
+          </a:lnRef>
+          <a:fillRef idx="1">
+            <a:schemeClr val="accent1"/>
+          </a:fillRef>
+          <a:effectRef idx="0">
+            <a:schemeClr val="accent1"/>
+          </a:effectRef>
+          <a:fontRef idx="minor">
+            <a:schemeClr val="lt1"/>
+          </a:fontRef>
+        </p:style>
+        <p:txBody>
+          <a:bodyPr rtlCol="0" anchor="ctr"/>
+          <a:lstStyle/>
+          <a:p>
+            <a:pPr algn="ctr"/>
+            <a:r>
+              <a:rPr lang="en-US" sz="2400" dirty="0" smtClean="0">
+                <a:latin typeface="Times New Roman" pitchFamily="18" charset="0"/>
+                <a:cs typeface="Times New Roman" pitchFamily="18" charset="0"/>
+              </a:rPr>
+              <a:t>Microsoft </a:t>
+            </a:r>
+          </a:p>
+          <a:p>
+            <a:pPr algn="ctr"/>
+            <a:r>
+              <a:rPr lang="en-US" sz="2400" dirty="0" smtClean="0">
+                <a:latin typeface="Times New Roman" pitchFamily="18" charset="0"/>
+                <a:cs typeface="Times New Roman" pitchFamily="18" charset="0"/>
+              </a:rPr>
+              <a:t>Analysis Services</a:t>
+            </a:r>
+            <a:endParaRPr lang="en-US" sz="2400" dirty="0">
+              <a:latin typeface="Times New Roman" pitchFamily="18" charset="0"/>
+              <a:cs typeface="Times New Roman" pitchFamily="18" charset="0"/>
+            </a:endParaRPr>
+          </a:p>
+        </p:txBody>
+      </p:sp>
+      <p:graphicFrame>
+        <p:nvGraphicFramePr>
+          <p:cNvPr id="6" name="Table 5"/>
+          <p:cNvGraphicFramePr>
+            <a:graphicFrameLocks noGrp="1"/>
+          </p:cNvGraphicFramePr>
+          <p:nvPr>
+            <p:extLst>
+              <p:ext uri="{D42A27DB-BD31-4B8C-83A1-F6EECF244321}">
+                <p14:modId xmlns:p14="http://schemas.microsoft.com/office/powerpoint/2010/main" val="2220230895"/>
+              </p:ext>
+            </p:extLst>
+          </p:nvPr>
+        </p:nvGraphicFramePr>
+        <p:xfrm>
+          <a:off x="457200" y="2438400"/>
+          <a:ext cx="1905000" cy="1327785"/>
+        </p:xfrm>
+        <a:graphic>
+          <a:graphicData uri="http://schemas.openxmlformats.org/drawingml/2006/table">
+            <a:tbl>
+              <a:tblPr>
+                <a:tableStyleId>{69C7853C-536D-4A76-A0AE-DD22124D55A5}</a:tableStyleId>
+              </a:tblPr>
+              <a:tblGrid>
+                <a:gridCol w="1905000"/>
+              </a:tblGrid>
+              <a:tr h="190500">
+                <a:tc>
+                  <a:txBody>
+                    <a:bodyPr/>
+                    <a:lstStyle/>
+                    <a:p>
+                      <a:pPr algn="ctr" fontAlgn="b"/>
+                      <a:r>
+                        <a:rPr lang="en-US" sz="1400" u="none" strike="noStrike" dirty="0">
+                          <a:effectLst/>
+                          <a:latin typeface="Verdana" pitchFamily="34" charset="0"/>
+                          <a:ea typeface="Verdana" pitchFamily="34" charset="0"/>
+                          <a:cs typeface="Verdana" pitchFamily="34" charset="0"/>
+                        </a:rPr>
+                        <a:t>Data Source</a:t>
+                      </a:r>
+                      <a:endParaRPr lang="en-US" sz="1400" b="0" i="0" u="none" strike="noStrike" dirty="0">
+                        <a:solidFill>
+                          <a:srgbClr val="000000"/>
+                        </a:solidFill>
+                        <a:effectLst/>
+                        <a:latin typeface="Verdana" pitchFamily="34" charset="0"/>
+                        <a:ea typeface="Verdana" pitchFamily="34" charset="0"/>
+                        <a:cs typeface="Verdana" pitchFamily="34" charset="0"/>
+                      </a:endParaRPr>
+                    </a:p>
+                  </a:txBody>
+                  <a:tcPr marL="9525" marR="9525" marT="9525" marB="0" anchor="ctr"/>
+                </a:tc>
+              </a:tr>
+              <a:tr h="190500">
+                <a:tc>
+                  <a:txBody>
+                    <a:bodyPr/>
+                    <a:lstStyle/>
+                    <a:p>
+                      <a:pPr algn="ctr" fontAlgn="b"/>
+                      <a:r>
+                        <a:rPr lang="en-US" sz="1400" u="none" strike="noStrike" dirty="0">
+                          <a:effectLst/>
+                          <a:latin typeface="Verdana" pitchFamily="34" charset="0"/>
+                          <a:ea typeface="Verdana" pitchFamily="34" charset="0"/>
+                          <a:cs typeface="Verdana" pitchFamily="34" charset="0"/>
+                        </a:rPr>
+                        <a:t>Data Source View</a:t>
+                      </a:r>
+                      <a:endParaRPr lang="en-US" sz="1400" b="0" i="0" u="none" strike="noStrike" dirty="0">
+                        <a:solidFill>
+                          <a:srgbClr val="000000"/>
+                        </a:solidFill>
+                        <a:effectLst/>
+                        <a:latin typeface="Verdana" pitchFamily="34" charset="0"/>
+                        <a:ea typeface="Verdana" pitchFamily="34" charset="0"/>
+                        <a:cs typeface="Verdana" pitchFamily="34" charset="0"/>
+                      </a:endParaRPr>
+                    </a:p>
+                  </a:txBody>
+                  <a:tcPr marL="9525" marR="9525" marT="9525" marB="0" anchor="ctr"/>
+                </a:tc>
+              </a:tr>
+              <a:tr h="190500">
+                <a:tc>
+                  <a:txBody>
+                    <a:bodyPr/>
+                    <a:lstStyle/>
+                    <a:p>
+                      <a:pPr algn="ctr" fontAlgn="b"/>
+                      <a:r>
+                        <a:rPr lang="en-US" sz="1400" u="none" strike="noStrike" dirty="0">
+                          <a:effectLst/>
+                          <a:latin typeface="Verdana" pitchFamily="34" charset="0"/>
+                          <a:ea typeface="Verdana" pitchFamily="34" charset="0"/>
+                          <a:cs typeface="Verdana" pitchFamily="34" charset="0"/>
+                        </a:rPr>
+                        <a:t>Mining Structure</a:t>
+                      </a:r>
+                      <a:endParaRPr lang="en-US" sz="1400" b="0" i="0" u="none" strike="noStrike" dirty="0">
+                        <a:solidFill>
+                          <a:srgbClr val="000000"/>
+                        </a:solidFill>
+                        <a:effectLst/>
+                        <a:latin typeface="Verdana" pitchFamily="34" charset="0"/>
+                        <a:ea typeface="Verdana" pitchFamily="34" charset="0"/>
+                        <a:cs typeface="Verdana" pitchFamily="34" charset="0"/>
+                      </a:endParaRPr>
+                    </a:p>
+                  </a:txBody>
+                  <a:tcPr marL="9525" marR="9525" marT="9525" marB="0" anchor="ctr"/>
+                </a:tc>
+              </a:tr>
+              <a:tr h="190500">
+                <a:tc>
+                  <a:txBody>
+                    <a:bodyPr/>
+                    <a:lstStyle/>
+                    <a:p>
+                      <a:pPr algn="ctr" fontAlgn="b"/>
+                      <a:r>
+                        <a:rPr lang="en-US" sz="1400" u="none" strike="noStrike" dirty="0">
+                          <a:effectLst/>
+                          <a:latin typeface="Verdana" pitchFamily="34" charset="0"/>
+                          <a:ea typeface="Verdana" pitchFamily="34" charset="0"/>
+                          <a:cs typeface="Verdana" pitchFamily="34" charset="0"/>
+                        </a:rPr>
+                        <a:t>Mining Model</a:t>
+                      </a:r>
+                      <a:endParaRPr lang="en-US" sz="1400" b="0" i="0" u="none" strike="noStrike" dirty="0">
+                        <a:solidFill>
+                          <a:srgbClr val="000000"/>
+                        </a:solidFill>
+                        <a:effectLst/>
+                        <a:latin typeface="Verdana" pitchFamily="34" charset="0"/>
+                        <a:ea typeface="Verdana" pitchFamily="34" charset="0"/>
+                        <a:cs typeface="Verdana" pitchFamily="34" charset="0"/>
+                      </a:endParaRPr>
+                    </a:p>
+                  </a:txBody>
+                  <a:tcPr marL="9525" marR="9525" marT="9525" marB="0" anchor="ctr"/>
+                </a:tc>
+              </a:tr>
+              <a:tr h="190500">
+                <a:tc>
+                  <a:txBody>
+                    <a:bodyPr/>
+                    <a:lstStyle/>
+                    <a:p>
+                      <a:pPr algn="ctr" fontAlgn="b"/>
+                      <a:r>
+                        <a:rPr lang="en-US" sz="1400" u="none" strike="noStrike" dirty="0">
+                          <a:effectLst/>
+                          <a:latin typeface="Verdana" pitchFamily="34" charset="0"/>
+                          <a:ea typeface="Verdana" pitchFamily="34" charset="0"/>
+                          <a:cs typeface="Verdana" pitchFamily="34" charset="0"/>
+                        </a:rPr>
+                        <a:t>Algorithm </a:t>
+                      </a:r>
+                      <a:r>
+                        <a:rPr lang="en-US" sz="1400" u="none" strike="noStrike" dirty="0" smtClean="0">
+                          <a:effectLst/>
+                          <a:latin typeface="Verdana" pitchFamily="34" charset="0"/>
+                          <a:ea typeface="Verdana" pitchFamily="34" charset="0"/>
+                          <a:cs typeface="Verdana" pitchFamily="34" charset="0"/>
+                        </a:rPr>
+                        <a:t>name and Parameters</a:t>
+                      </a:r>
+                      <a:endParaRPr lang="en-US" sz="1400" b="0" i="0" u="none" strike="noStrike" dirty="0">
+                        <a:solidFill>
+                          <a:srgbClr val="000000"/>
+                        </a:solidFill>
+                        <a:effectLst/>
+                        <a:latin typeface="Verdana" pitchFamily="34" charset="0"/>
+                        <a:ea typeface="Verdana" pitchFamily="34" charset="0"/>
+                        <a:cs typeface="Verdana" pitchFamily="34" charset="0"/>
+                      </a:endParaRPr>
+                    </a:p>
+                  </a:txBody>
+                  <a:tcPr marL="9525" marR="9525" marT="9525" marB="0" anchor="ctr"/>
+                </a:tc>
+              </a:tr>
+            </a:tbl>
+          </a:graphicData>
+        </a:graphic>
+      </p:graphicFrame>
+      <p:graphicFrame>
+        <p:nvGraphicFramePr>
+          <p:cNvPr id="7" name="Table 6"/>
+          <p:cNvGraphicFramePr>
+            <a:graphicFrameLocks noGrp="1"/>
+          </p:cNvGraphicFramePr>
+          <p:nvPr>
+            <p:extLst>
+              <p:ext uri="{D42A27DB-BD31-4B8C-83A1-F6EECF244321}">
+                <p14:modId xmlns:p14="http://schemas.microsoft.com/office/powerpoint/2010/main" val="2097450248"/>
+              </p:ext>
+            </p:extLst>
+          </p:nvPr>
+        </p:nvGraphicFramePr>
+        <p:xfrm>
+          <a:off x="6761015" y="2812475"/>
+          <a:ext cx="1600200" cy="533400"/>
+        </p:xfrm>
+        <a:graphic>
+          <a:graphicData uri="http://schemas.openxmlformats.org/drawingml/2006/table">
+            <a:tbl>
+              <a:tblPr>
+                <a:tableStyleId>{69C7853C-536D-4A76-A0AE-DD22124D55A5}</a:tableStyleId>
+              </a:tblPr>
+              <a:tblGrid>
+                <a:gridCol w="1600200"/>
+              </a:tblGrid>
+              <a:tr h="533400">
+                <a:tc>
+                  <a:txBody>
+                    <a:bodyPr/>
+                    <a:lstStyle/>
+                    <a:p>
+                      <a:pPr algn="ctr" fontAlgn="b"/>
+                      <a:r>
+                        <a:rPr lang="en-US" sz="1400" u="none" strike="noStrike" dirty="0" smtClean="0">
+                          <a:effectLst/>
+                          <a:latin typeface="Verdana" pitchFamily="34" charset="0"/>
+                          <a:ea typeface="Verdana" pitchFamily="34" charset="0"/>
+                          <a:cs typeface="Verdana" pitchFamily="34" charset="0"/>
+                        </a:rPr>
+                        <a:t>Model content</a:t>
+                      </a:r>
+                      <a:endParaRPr lang="en-US" sz="1400" b="0" i="0" u="none" strike="noStrike" dirty="0">
+                        <a:solidFill>
+                          <a:srgbClr val="000000"/>
+                        </a:solidFill>
+                        <a:effectLst/>
+                        <a:latin typeface="Verdana" pitchFamily="34" charset="0"/>
+                        <a:ea typeface="Verdana" pitchFamily="34" charset="0"/>
+                        <a:cs typeface="Verdana" pitchFamily="34" charset="0"/>
+                      </a:endParaRPr>
+                    </a:p>
+                  </a:txBody>
+                  <a:tcPr marL="9525" marR="9525" marT="9525" marB="0" anchor="ctr"/>
+                </a:tc>
+              </a:tr>
+            </a:tbl>
+          </a:graphicData>
+        </a:graphic>
+      </p:graphicFrame>
+      <p:cxnSp>
+        <p:nvCxnSpPr>
+          <p:cNvPr id="9" name="Straight Arrow Connector 8"/>
+          <p:cNvCxnSpPr/>
+          <p:nvPr/>
+        </p:nvCxnSpPr>
+        <p:spPr>
+          <a:xfrm>
+            <a:off x="2348345" y="2514600"/>
+            <a:ext cx="1066800" cy="0"/>
+          </a:xfrm>
+          <a:prstGeom prst="straightConnector1">
+            <a:avLst/>
+          </a:prstGeom>
+          <a:ln>
+            <a:tailEnd type="arrow"/>
+          </a:ln>
+        </p:spPr>
+        <p:style>
+          <a:lnRef idx="2">
+            <a:schemeClr val="accent1"/>
+          </a:lnRef>
+          <a:fillRef idx="0">
+            <a:schemeClr val="accent1"/>
+          </a:fillRef>
+          <a:effectRef idx="1">
+            <a:schemeClr val="accent1"/>
+          </a:effectRef>
+          <a:fontRef idx="minor">
+            <a:schemeClr val="tx1"/>
+          </a:fontRef>
+        </p:style>
+      </p:cxnSp>
+      <p:cxnSp>
+        <p:nvCxnSpPr>
+          <p:cNvPr id="11" name="Straight Arrow Connector 10"/>
+          <p:cNvCxnSpPr/>
+          <p:nvPr/>
+        </p:nvCxnSpPr>
+        <p:spPr>
+          <a:xfrm>
+            <a:off x="2348345" y="2743200"/>
+            <a:ext cx="1066800" cy="0"/>
+          </a:xfrm>
+          <a:prstGeom prst="straightConnector1">
+            <a:avLst/>
+          </a:prstGeom>
+          <a:ln>
+            <a:tailEnd type="arrow"/>
+          </a:ln>
+        </p:spPr>
+        <p:style>
+          <a:lnRef idx="2">
+            <a:schemeClr val="accent1"/>
+          </a:lnRef>
+          <a:fillRef idx="0">
+            <a:schemeClr val="accent1"/>
+          </a:fillRef>
+          <a:effectRef idx="1">
+            <a:schemeClr val="accent1"/>
+          </a:effectRef>
+          <a:fontRef idx="minor">
+            <a:schemeClr val="tx1"/>
+          </a:fontRef>
+        </p:style>
+      </p:cxnSp>
+      <p:cxnSp>
+        <p:nvCxnSpPr>
+          <p:cNvPr id="12" name="Straight Arrow Connector 11"/>
+          <p:cNvCxnSpPr/>
+          <p:nvPr/>
+        </p:nvCxnSpPr>
+        <p:spPr>
+          <a:xfrm>
+            <a:off x="2348345" y="2989116"/>
+            <a:ext cx="1066800" cy="0"/>
+          </a:xfrm>
+          <a:prstGeom prst="straightConnector1">
+            <a:avLst/>
+          </a:prstGeom>
+          <a:ln>
+            <a:tailEnd type="arrow"/>
+          </a:ln>
+        </p:spPr>
+        <p:style>
+          <a:lnRef idx="2">
+            <a:schemeClr val="accent1"/>
+          </a:lnRef>
+          <a:fillRef idx="0">
+            <a:schemeClr val="accent1"/>
+          </a:fillRef>
+          <a:effectRef idx="1">
+            <a:schemeClr val="accent1"/>
+          </a:effectRef>
+          <a:fontRef idx="minor">
+            <a:schemeClr val="tx1"/>
+          </a:fontRef>
+        </p:style>
+      </p:cxnSp>
+      <p:cxnSp>
+        <p:nvCxnSpPr>
+          <p:cNvPr id="13" name="Straight Arrow Connector 12"/>
+          <p:cNvCxnSpPr/>
+          <p:nvPr/>
+        </p:nvCxnSpPr>
+        <p:spPr>
+          <a:xfrm>
+            <a:off x="2348345" y="3221180"/>
+            <a:ext cx="1066800" cy="0"/>
+          </a:xfrm>
+          <a:prstGeom prst="straightConnector1">
+            <a:avLst/>
+          </a:prstGeom>
+          <a:ln>
+            <a:tailEnd type="arrow"/>
+          </a:ln>
+        </p:spPr>
+        <p:style>
+          <a:lnRef idx="2">
+            <a:schemeClr val="accent1"/>
+          </a:lnRef>
+          <a:fillRef idx="0">
+            <a:schemeClr val="accent1"/>
+          </a:fillRef>
+          <a:effectRef idx="1">
+            <a:schemeClr val="accent1"/>
+          </a:effectRef>
+          <a:fontRef idx="minor">
+            <a:schemeClr val="tx1"/>
+          </a:fontRef>
+        </p:style>
+      </p:cxnSp>
+      <p:cxnSp>
+        <p:nvCxnSpPr>
+          <p:cNvPr id="14" name="Straight Arrow Connector 13"/>
+          <p:cNvCxnSpPr/>
+          <p:nvPr/>
+        </p:nvCxnSpPr>
+        <p:spPr>
+          <a:xfrm>
+            <a:off x="2348345" y="3505200"/>
+            <a:ext cx="1066800" cy="0"/>
+          </a:xfrm>
+          <a:prstGeom prst="straightConnector1">
+            <a:avLst/>
+          </a:prstGeom>
+          <a:ln>
+            <a:tailEnd type="arrow"/>
+          </a:ln>
+        </p:spPr>
+        <p:style>
+          <a:lnRef idx="2">
+            <a:schemeClr val="accent1"/>
+          </a:lnRef>
+          <a:fillRef idx="0">
+            <a:schemeClr val="accent1"/>
+          </a:fillRef>
+          <a:effectRef idx="1">
+            <a:schemeClr val="accent1"/>
+          </a:effectRef>
+          <a:fontRef idx="minor">
+            <a:schemeClr val="tx1"/>
+          </a:fontRef>
+        </p:style>
+      </p:cxnSp>
+      <p:cxnSp>
+        <p:nvCxnSpPr>
+          <p:cNvPr id="16" name="Straight Arrow Connector 15"/>
+          <p:cNvCxnSpPr>
+            <a:stCxn id="4" idx="3"/>
+            <a:endCxn id="7" idx="1"/>
+          </p:cNvCxnSpPr>
+          <p:nvPr/>
+        </p:nvCxnSpPr>
+        <p:spPr>
+          <a:xfrm flipV="1">
+            <a:off x="6116781" y="3079175"/>
+            <a:ext cx="644234" cy="6925"/>
+          </a:xfrm>
+          <a:prstGeom prst="straightConnector1">
+            <a:avLst/>
+          </a:prstGeom>
+          <a:ln>
+            <a:tailEnd type="arrow"/>
+          </a:ln>
+        </p:spPr>
+        <p:style>
+          <a:lnRef idx="2">
+            <a:schemeClr val="accent1"/>
+          </a:lnRef>
+          <a:fillRef idx="0">
+            <a:schemeClr val="accent1"/>
+          </a:fillRef>
+          <a:effectRef idx="1">
+            <a:schemeClr val="accent1"/>
+          </a:effectRef>
+          <a:fontRef idx="minor">
+            <a:schemeClr val="tx1"/>
+          </a:fontRef>
+        </p:style>
+      </p:cxnSp>
+    </p:spTree>
+    <p:extLst>
+      <p:ext uri="{BB962C8B-B14F-4D97-AF65-F5344CB8AC3E}">
+        <p14:creationId xmlns:p14="http://schemas.microsoft.com/office/powerpoint/2010/main" val="72720300"/>
+      </p:ext>
+    </p:extLst>
+  </p:cSld>
+  <p:clrMapOvr>
+    <a:masterClrMapping/>
+  </p:clrMapOvr>
+</p:sld>
+</file>
+
+<file path=ppt/slides/slide12.xml><?xml version="1.0" encoding="utf-8"?>
+<p:sld xmlns:a="http://schemas.openxmlformats.org/drawingml/2006/main" xmlns:r="http://schemas.openxmlformats.org/officeDocument/2006/relationships" xmlns:p="http://schemas.openxmlformats.org/presentationml/2006/main">
+  <p:cSld>
+    <p:spTree>
+      <p:nvGrpSpPr>
+        <p:cNvPr id="1" name=""/>
+        <p:cNvGrpSpPr/>
+        <p:nvPr/>
+      </p:nvGrpSpPr>
+      <p:grpSpPr>
+        <a:xfrm>
+          <a:off x="0" y="0"/>
+          <a:ext cx="0" cy="0"/>
+          <a:chOff x="0" y="0"/>
+          <a:chExt cx="0" cy="0"/>
+        </a:xfrm>
+      </p:grpSpPr>
+      <p:graphicFrame>
+        <p:nvGraphicFramePr>
+          <p:cNvPr id="4" name="Diagram 3"/>
+          <p:cNvGraphicFramePr/>
+          <p:nvPr>
+            <p:extLst>
+              <p:ext uri="{D42A27DB-BD31-4B8C-83A1-F6EECF244321}">
+                <p14:modId xmlns:p14="http://schemas.microsoft.com/office/powerpoint/2010/main" val="2233629894"/>
+              </p:ext>
+            </p:extLst>
+          </p:nvPr>
+        </p:nvGraphicFramePr>
+        <p:xfrm>
+          <a:off x="1828800" y="381000"/>
+          <a:ext cx="5943600" cy="5715000"/>
+        </p:xfrm>
+        <a:graphic>
+          <a:graphicData uri="http://schemas.openxmlformats.org/drawingml/2006/diagram">
+            <dgm:relIds xmlns:dgm="http://schemas.openxmlformats.org/drawingml/2006/diagram" xmlns:r="http://schemas.openxmlformats.org/officeDocument/2006/relationships" r:dm="rId2" r:lo="rId3" r:qs="rId4" r:cs="rId5"/>
+          </a:graphicData>
+        </a:graphic>
+      </p:graphicFrame>
+    </p:spTree>
+    <p:extLst>
+      <p:ext uri="{BB962C8B-B14F-4D97-AF65-F5344CB8AC3E}">
+        <p14:creationId xmlns:p14="http://schemas.microsoft.com/office/powerpoint/2010/main" val="106524010"/>
+      </p:ext>
+    </p:extLst>
+  </p:cSld>
+  <p:clrMapOvr>
+    <a:masterClrMapping/>
+  </p:clrMapOvr>
+</p:sld>
+</file>
+
+<file path=ppt/slides/slide13.xml><?xml version="1.0" encoding="utf-8"?>
+<p:sld xmlns:a="http://schemas.openxmlformats.org/drawingml/2006/main" xmlns:r="http://schemas.openxmlformats.org/officeDocument/2006/relationships" xmlns:p="http://schemas.openxmlformats.org/presentationml/2006/main">
+  <p:cSld>
+    <p:spTree>
+      <p:nvGrpSpPr>
+        <p:cNvPr id="1" name=""/>
+        <p:cNvGrpSpPr/>
+        <p:nvPr/>
+      </p:nvGrpSpPr>
+      <p:grpSpPr>
+        <a:xfrm>
+          <a:off x="0" y="0"/>
+          <a:ext cx="0" cy="0"/>
+          <a:chOff x="0" y="0"/>
+          <a:chExt cx="0" cy="0"/>
+        </a:xfrm>
+      </p:grpSpPr>
+      <p:sp>
+        <p:nvSpPr>
+          <p:cNvPr id="4" name="Rectangle 3"/>
+          <p:cNvSpPr/>
+          <p:nvPr/>
+        </p:nvSpPr>
+        <p:spPr>
+          <a:xfrm>
+            <a:off x="2763982" y="2209800"/>
+            <a:ext cx="2701636" cy="1752600"/>
+          </a:xfrm>
+          <a:prstGeom prst="rect">
+            <a:avLst/>
+          </a:prstGeom>
+        </p:spPr>
+        <p:style>
+          <a:lnRef idx="2">
+            <a:schemeClr val="accent1">
+              <a:shade val="50000"/>
+            </a:schemeClr>
+          </a:lnRef>
+          <a:fillRef idx="1">
+            <a:schemeClr val="accent1"/>
+          </a:fillRef>
+          <a:effectRef idx="0">
+            <a:schemeClr val="accent1"/>
+          </a:effectRef>
+          <a:fontRef idx="minor">
+            <a:schemeClr val="lt1"/>
+          </a:fontRef>
+        </p:style>
+        <p:txBody>
+          <a:bodyPr rtlCol="0" anchor="ctr"/>
+          <a:lstStyle/>
+          <a:p>
+            <a:pPr algn="ctr"/>
+            <a:r>
+              <a:rPr lang="en-US" sz="3200" b="1" dirty="0" smtClean="0">
+                <a:latin typeface="Times New Roman" pitchFamily="18" charset="0"/>
+                <a:cs typeface="Times New Roman" pitchFamily="18" charset="0"/>
+              </a:rPr>
+              <a:t>Decision Tree</a:t>
+            </a:r>
+          </a:p>
+          <a:p>
+            <a:pPr algn="ctr"/>
+            <a:r>
+              <a:rPr lang="en-US" sz="3200" b="1" dirty="0" smtClean="0">
+                <a:latin typeface="Times New Roman" pitchFamily="18" charset="0"/>
+                <a:cs typeface="Times New Roman" pitchFamily="18" charset="0"/>
+              </a:rPr>
+              <a:t>Engine</a:t>
+            </a:r>
+            <a:endParaRPr lang="en-US" sz="3200" b="1" dirty="0">
+              <a:latin typeface="Times New Roman" pitchFamily="18" charset="0"/>
+              <a:cs typeface="Times New Roman" pitchFamily="18" charset="0"/>
+            </a:endParaRPr>
+          </a:p>
+        </p:txBody>
+      </p:sp>
+      <p:graphicFrame>
+        <p:nvGraphicFramePr>
+          <p:cNvPr id="7" name="Table 6"/>
+          <p:cNvGraphicFramePr>
+            <a:graphicFrameLocks noGrp="1"/>
+          </p:cNvGraphicFramePr>
+          <p:nvPr>
+            <p:extLst>
+              <p:ext uri="{D42A27DB-BD31-4B8C-83A1-F6EECF244321}">
+                <p14:modId xmlns:p14="http://schemas.microsoft.com/office/powerpoint/2010/main" val="4016895710"/>
+              </p:ext>
+            </p:extLst>
+          </p:nvPr>
+        </p:nvGraphicFramePr>
+        <p:xfrm>
+          <a:off x="6075215" y="2362200"/>
+          <a:ext cx="2701640" cy="533400"/>
+        </p:xfrm>
+        <a:graphic>
+          <a:graphicData uri="http://schemas.openxmlformats.org/drawingml/2006/table">
+            <a:tbl>
+              <a:tblPr>
+                <a:tableStyleId>{69C7853C-536D-4A76-A0AE-DD22124D55A5}</a:tableStyleId>
+              </a:tblPr>
+              <a:tblGrid>
+                <a:gridCol w="2701640"/>
+              </a:tblGrid>
+              <a:tr h="533400">
+                <a:tc>
+                  <a:txBody>
+                    <a:bodyPr/>
+                    <a:lstStyle/>
+                    <a:p>
+                      <a:pPr algn="ctr" fontAlgn="b"/>
+                      <a:r>
+                        <a:rPr lang="en-US" sz="1400" u="none" strike="noStrike" dirty="0" err="1" smtClean="0">
+                          <a:effectLst/>
+                          <a:latin typeface="Verdana" pitchFamily="34" charset="0"/>
+                          <a:ea typeface="Verdana" pitchFamily="34" charset="0"/>
+                          <a:cs typeface="Verdana" pitchFamily="34" charset="0"/>
+                        </a:rPr>
+                        <a:t>DecisionTreeNode</a:t>
+                      </a:r>
+                      <a:r>
+                        <a:rPr lang="en-US" sz="1400" u="none" strike="noStrike" dirty="0" smtClean="0">
+                          <a:effectLst/>
+                          <a:latin typeface="Verdana" pitchFamily="34" charset="0"/>
+                          <a:ea typeface="Verdana" pitchFamily="34" charset="0"/>
+                          <a:cs typeface="Verdana" pitchFamily="34" charset="0"/>
+                        </a:rPr>
+                        <a:t> table</a:t>
+                      </a:r>
+                      <a:endParaRPr lang="en-US" sz="1400" b="0" i="0" u="none" strike="noStrike" dirty="0">
+                        <a:solidFill>
+                          <a:srgbClr val="000000"/>
+                        </a:solidFill>
+                        <a:effectLst/>
+                        <a:latin typeface="Verdana" pitchFamily="34" charset="0"/>
+                        <a:ea typeface="Verdana" pitchFamily="34" charset="0"/>
+                        <a:cs typeface="Verdana" pitchFamily="34" charset="0"/>
+                      </a:endParaRPr>
+                    </a:p>
+                  </a:txBody>
+                  <a:tcPr marL="9525" marR="9525" marT="9525" marB="0" anchor="ctr"/>
+                </a:tc>
+              </a:tr>
+            </a:tbl>
+          </a:graphicData>
+        </a:graphic>
+      </p:graphicFrame>
+      <p:cxnSp>
+        <p:nvCxnSpPr>
+          <p:cNvPr id="12" name="Straight Arrow Connector 11"/>
+          <p:cNvCxnSpPr/>
+          <p:nvPr/>
+        </p:nvCxnSpPr>
+        <p:spPr>
+          <a:xfrm>
+            <a:off x="2112819" y="2628900"/>
+            <a:ext cx="671945" cy="0"/>
+          </a:xfrm>
+          <a:prstGeom prst="straightConnector1">
+            <a:avLst/>
+          </a:prstGeom>
+          <a:ln>
+            <a:tailEnd type="arrow"/>
+          </a:ln>
+        </p:spPr>
+        <p:style>
+          <a:lnRef idx="2">
+            <a:schemeClr val="accent1"/>
+          </a:lnRef>
+          <a:fillRef idx="0">
+            <a:schemeClr val="accent1"/>
+          </a:fillRef>
+          <a:effectRef idx="1">
+            <a:schemeClr val="accent1"/>
+          </a:effectRef>
+          <a:fontRef idx="minor">
+            <a:schemeClr val="tx1"/>
+          </a:fontRef>
+        </p:style>
+      </p:cxnSp>
+      <p:cxnSp>
+        <p:nvCxnSpPr>
+          <p:cNvPr id="16" name="Straight Arrow Connector 15"/>
+          <p:cNvCxnSpPr>
+            <a:endCxn id="7" idx="1"/>
+          </p:cNvCxnSpPr>
+          <p:nvPr/>
+        </p:nvCxnSpPr>
+        <p:spPr>
+          <a:xfrm flipV="1">
+            <a:off x="5430982" y="2628900"/>
+            <a:ext cx="644233" cy="6926"/>
+          </a:xfrm>
+          <a:prstGeom prst="straightConnector1">
+            <a:avLst/>
+          </a:prstGeom>
+          <a:ln>
+            <a:tailEnd type="arrow"/>
+          </a:ln>
+        </p:spPr>
+        <p:style>
+          <a:lnRef idx="2">
+            <a:schemeClr val="accent1"/>
+          </a:lnRef>
+          <a:fillRef idx="0">
+            <a:schemeClr val="accent1"/>
+          </a:fillRef>
+          <a:effectRef idx="1">
+            <a:schemeClr val="accent1"/>
+          </a:effectRef>
+          <a:fontRef idx="minor">
+            <a:schemeClr val="tx1"/>
+          </a:fontRef>
+        </p:style>
+      </p:cxnSp>
+      <p:graphicFrame>
+        <p:nvGraphicFramePr>
+          <p:cNvPr id="15" name="Table 14"/>
+          <p:cNvGraphicFramePr>
+            <a:graphicFrameLocks noGrp="1"/>
+          </p:cNvGraphicFramePr>
+          <p:nvPr>
+            <p:extLst>
+              <p:ext uri="{D42A27DB-BD31-4B8C-83A1-F6EECF244321}">
+                <p14:modId xmlns:p14="http://schemas.microsoft.com/office/powerpoint/2010/main" val="1282568384"/>
+              </p:ext>
+            </p:extLst>
+          </p:nvPr>
+        </p:nvGraphicFramePr>
+        <p:xfrm>
+          <a:off x="512619" y="2362200"/>
+          <a:ext cx="1600200" cy="533400"/>
+        </p:xfrm>
+        <a:graphic>
+          <a:graphicData uri="http://schemas.openxmlformats.org/drawingml/2006/table">
+            <a:tbl>
+              <a:tblPr>
+                <a:tableStyleId>{69C7853C-536D-4A76-A0AE-DD22124D55A5}</a:tableStyleId>
+              </a:tblPr>
+              <a:tblGrid>
+                <a:gridCol w="1600200"/>
+              </a:tblGrid>
+              <a:tr h="533400">
+                <a:tc>
+                  <a:txBody>
+                    <a:bodyPr/>
+                    <a:lstStyle/>
+                    <a:p>
+                      <a:pPr algn="ctr" fontAlgn="b"/>
+                      <a:r>
+                        <a:rPr lang="en-US" sz="1400" b="0" i="0" u="none" strike="noStrike" dirty="0" smtClean="0">
+                          <a:solidFill>
+                            <a:schemeClr val="dk1"/>
+                          </a:solidFill>
+                          <a:effectLst/>
+                          <a:latin typeface="Verdana" pitchFamily="34" charset="0"/>
+                          <a:ea typeface="Verdana" pitchFamily="34" charset="0"/>
+                          <a:cs typeface="Verdana" pitchFamily="34" charset="0"/>
+                        </a:rPr>
+                        <a:t>Taxonomy</a:t>
+                      </a:r>
+                      <a:endParaRPr lang="en-US" sz="1400" b="0" i="0" u="none" strike="noStrike" dirty="0">
+                        <a:solidFill>
+                          <a:srgbClr val="000000"/>
+                        </a:solidFill>
+                        <a:effectLst/>
+                        <a:latin typeface="Verdana" pitchFamily="34" charset="0"/>
+                        <a:ea typeface="Verdana" pitchFamily="34" charset="0"/>
+                        <a:cs typeface="Verdana" pitchFamily="34" charset="0"/>
+                      </a:endParaRPr>
+                    </a:p>
+                  </a:txBody>
+                  <a:tcPr marL="9525" marR="9525" marT="9525" marB="0" anchor="ctr"/>
+                </a:tc>
+              </a:tr>
+            </a:tbl>
+          </a:graphicData>
+        </a:graphic>
+      </p:graphicFrame>
+      <p:cxnSp>
+        <p:nvCxnSpPr>
+          <p:cNvPr id="17" name="Straight Arrow Connector 16"/>
+          <p:cNvCxnSpPr/>
+          <p:nvPr/>
+        </p:nvCxnSpPr>
+        <p:spPr>
+          <a:xfrm>
+            <a:off x="2112819" y="3467100"/>
+            <a:ext cx="671945" cy="0"/>
+          </a:xfrm>
+          <a:prstGeom prst="straightConnector1">
+            <a:avLst/>
+          </a:prstGeom>
+          <a:ln>
+            <a:tailEnd type="arrow"/>
+          </a:ln>
+        </p:spPr>
+        <p:style>
+          <a:lnRef idx="2">
+            <a:schemeClr val="accent1"/>
+          </a:lnRef>
+          <a:fillRef idx="0">
+            <a:schemeClr val="accent1"/>
+          </a:fillRef>
+          <a:effectRef idx="1">
+            <a:schemeClr val="accent1"/>
+          </a:effectRef>
+          <a:fontRef idx="minor">
+            <a:schemeClr val="tx1"/>
+          </a:fontRef>
+        </p:style>
+      </p:cxnSp>
+      <p:graphicFrame>
+        <p:nvGraphicFramePr>
+          <p:cNvPr id="18" name="Table 17"/>
+          <p:cNvGraphicFramePr>
+            <a:graphicFrameLocks noGrp="1"/>
+          </p:cNvGraphicFramePr>
+          <p:nvPr>
+            <p:extLst>
+              <p:ext uri="{D42A27DB-BD31-4B8C-83A1-F6EECF244321}">
+                <p14:modId xmlns:p14="http://schemas.microsoft.com/office/powerpoint/2010/main" val="1565680816"/>
+              </p:ext>
+            </p:extLst>
+          </p:nvPr>
+        </p:nvGraphicFramePr>
+        <p:xfrm>
+          <a:off x="512619" y="3200400"/>
+          <a:ext cx="1600200" cy="533400"/>
+        </p:xfrm>
+        <a:graphic>
+          <a:graphicData uri="http://schemas.openxmlformats.org/drawingml/2006/table">
+            <a:tbl>
+              <a:tblPr>
+                <a:tableStyleId>{69C7853C-536D-4A76-A0AE-DD22124D55A5}</a:tableStyleId>
+              </a:tblPr>
+              <a:tblGrid>
+                <a:gridCol w="1600200"/>
+              </a:tblGrid>
+              <a:tr h="533400">
+                <a:tc>
+                  <a:txBody>
+                    <a:bodyPr/>
+                    <a:lstStyle/>
+                    <a:p>
+                      <a:pPr algn="ctr" fontAlgn="b"/>
+                      <a:r>
+                        <a:rPr lang="en-US" sz="1400" b="0" i="0" u="none" strike="noStrike" dirty="0" smtClean="0">
+                          <a:solidFill>
+                            <a:schemeClr val="dk1"/>
+                          </a:solidFill>
+                          <a:effectLst/>
+                          <a:latin typeface="Verdana" pitchFamily="34" charset="0"/>
+                          <a:ea typeface="Verdana" pitchFamily="34" charset="0"/>
+                          <a:cs typeface="Verdana" pitchFamily="34" charset="0"/>
+                        </a:rPr>
+                        <a:t>Algorithm</a:t>
+                      </a:r>
+                      <a:r>
+                        <a:rPr lang="en-US" sz="1400" b="0" i="0" u="none" strike="noStrike" baseline="0" dirty="0" smtClean="0">
+                          <a:solidFill>
+                            <a:schemeClr val="dk1"/>
+                          </a:solidFill>
+                          <a:effectLst/>
+                          <a:latin typeface="Verdana" pitchFamily="34" charset="0"/>
+                          <a:ea typeface="Verdana" pitchFamily="34" charset="0"/>
+                          <a:cs typeface="Verdana" pitchFamily="34" charset="0"/>
+                        </a:rPr>
+                        <a:t> and Parameters</a:t>
+                      </a:r>
+                      <a:endParaRPr lang="en-US" sz="1400" b="0" i="0" u="none" strike="noStrike" dirty="0">
+                        <a:solidFill>
+                          <a:srgbClr val="000000"/>
+                        </a:solidFill>
+                        <a:effectLst/>
+                        <a:latin typeface="Verdana" pitchFamily="34" charset="0"/>
+                        <a:ea typeface="Verdana" pitchFamily="34" charset="0"/>
+                        <a:cs typeface="Verdana" pitchFamily="34" charset="0"/>
+                      </a:endParaRPr>
+                    </a:p>
+                  </a:txBody>
+                  <a:tcPr marL="9525" marR="9525" marT="9525" marB="0" anchor="ctr"/>
+                </a:tc>
+              </a:tr>
+            </a:tbl>
+          </a:graphicData>
+        </a:graphic>
+      </p:graphicFrame>
+      <p:graphicFrame>
+        <p:nvGraphicFramePr>
+          <p:cNvPr id="19" name="Table 18"/>
+          <p:cNvGraphicFramePr>
+            <a:graphicFrameLocks noGrp="1"/>
+          </p:cNvGraphicFramePr>
+          <p:nvPr>
+            <p:extLst>
+              <p:ext uri="{D42A27DB-BD31-4B8C-83A1-F6EECF244321}">
+                <p14:modId xmlns:p14="http://schemas.microsoft.com/office/powerpoint/2010/main" val="3072784138"/>
+              </p:ext>
+            </p:extLst>
+          </p:nvPr>
+        </p:nvGraphicFramePr>
+        <p:xfrm>
+          <a:off x="6095994" y="3207325"/>
+          <a:ext cx="2687785" cy="533400"/>
+        </p:xfrm>
+        <a:graphic>
+          <a:graphicData uri="http://schemas.openxmlformats.org/drawingml/2006/table">
+            <a:tbl>
+              <a:tblPr>
+                <a:tableStyleId>{69C7853C-536D-4A76-A0AE-DD22124D55A5}</a:tableStyleId>
+              </a:tblPr>
+              <a:tblGrid>
+                <a:gridCol w="2687785"/>
+              </a:tblGrid>
+              <a:tr h="533400">
+                <a:tc>
+                  <a:txBody>
+                    <a:bodyPr/>
+                    <a:lstStyle/>
+                    <a:p>
+                      <a:pPr algn="ctr" fontAlgn="b"/>
+                      <a:r>
+                        <a:rPr lang="en-US" sz="1400" u="none" strike="noStrike" dirty="0" err="1" smtClean="0">
+                          <a:effectLst/>
+                          <a:latin typeface="Verdana" pitchFamily="34" charset="0"/>
+                          <a:ea typeface="Verdana" pitchFamily="34" charset="0"/>
+                          <a:cs typeface="Verdana" pitchFamily="34" charset="0"/>
+                        </a:rPr>
+                        <a:t>DecisionTreeNodeDistribution</a:t>
+                      </a:r>
+                      <a:r>
+                        <a:rPr lang="en-US" sz="1400" u="none" strike="noStrike" dirty="0" smtClean="0">
+                          <a:effectLst/>
+                          <a:latin typeface="Verdana" pitchFamily="34" charset="0"/>
+                          <a:ea typeface="Verdana" pitchFamily="34" charset="0"/>
+                          <a:cs typeface="Verdana" pitchFamily="34" charset="0"/>
+                        </a:rPr>
+                        <a:t> table</a:t>
+                      </a:r>
+                      <a:endParaRPr lang="en-US" sz="1400" b="0" i="0" u="none" strike="noStrike" dirty="0">
+                        <a:solidFill>
+                          <a:srgbClr val="000000"/>
+                        </a:solidFill>
+                        <a:effectLst/>
+                        <a:latin typeface="Verdana" pitchFamily="34" charset="0"/>
+                        <a:ea typeface="Verdana" pitchFamily="34" charset="0"/>
+                        <a:cs typeface="Verdana" pitchFamily="34" charset="0"/>
+                      </a:endParaRPr>
+                    </a:p>
+                  </a:txBody>
+                  <a:tcPr marL="9525" marR="9525" marT="9525" marB="0" anchor="ctr"/>
+                </a:tc>
+              </a:tr>
+            </a:tbl>
+          </a:graphicData>
+        </a:graphic>
+      </p:graphicFrame>
+      <p:cxnSp>
+        <p:nvCxnSpPr>
+          <p:cNvPr id="20" name="Straight Arrow Connector 19"/>
+          <p:cNvCxnSpPr/>
+          <p:nvPr/>
+        </p:nvCxnSpPr>
+        <p:spPr>
+          <a:xfrm flipV="1">
+            <a:off x="5410200" y="3474025"/>
+            <a:ext cx="644232" cy="6926"/>
+          </a:xfrm>
+          <a:prstGeom prst="straightConnector1">
+            <a:avLst/>
+          </a:prstGeom>
+          <a:ln>
+            <a:tailEnd type="arrow"/>
+          </a:ln>
+        </p:spPr>
+        <p:style>
+          <a:lnRef idx="2">
+            <a:schemeClr val="accent1"/>
+          </a:lnRef>
+          <a:fillRef idx="0">
+            <a:schemeClr val="accent1"/>
+          </a:fillRef>
+          <a:effectRef idx="1">
+            <a:schemeClr val="accent1"/>
+          </a:effectRef>
+          <a:fontRef idx="minor">
+            <a:schemeClr val="tx1"/>
+          </a:fontRef>
+        </p:style>
+      </p:cxnSp>
+    </p:spTree>
+    <p:extLst>
+      <p:ext uri="{BB962C8B-B14F-4D97-AF65-F5344CB8AC3E}">
+        <p14:creationId xmlns:p14="http://schemas.microsoft.com/office/powerpoint/2010/main" val="181746299"/>
+      </p:ext>
+    </p:extLst>
+  </p:cSld>
+  <p:clrMapOvr>
+    <a:masterClrMapping/>
+  </p:clrMapOvr>
+</p:sld>
+</file>
+
+<file path=ppt/slides/slide14.xml><?xml version="1.0" encoding="utf-8"?>
+<p:sld xmlns:a="http://schemas.openxmlformats.org/drawingml/2006/main" xmlns:r="http://schemas.openxmlformats.org/officeDocument/2006/relationships" xmlns:p="http://schemas.openxmlformats.org/presentationml/2006/main">
+  <p:cSld>
+    <p:spTree>
+      <p:nvGrpSpPr>
+        <p:cNvPr id="1" name=""/>
+        <p:cNvGrpSpPr/>
+        <p:nvPr/>
+      </p:nvGrpSpPr>
+      <p:grpSpPr>
+        <a:xfrm>
+          <a:off x="0" y="0"/>
+          <a:ext cx="0" cy="0"/>
+          <a:chOff x="0" y="0"/>
+          <a:chExt cx="0" cy="0"/>
+        </a:xfrm>
+      </p:grpSpPr>
+      <p:sp>
+        <p:nvSpPr>
+          <p:cNvPr id="2" name="Title 1"/>
+          <p:cNvSpPr>
+            <a:spLocks noGrp="1"/>
+          </p:cNvSpPr>
+          <p:nvPr>
+            <p:ph type="title"/>
+          </p:nvPr>
+        </p:nvSpPr>
+        <p:spPr/>
+        <p:txBody>
+          <a:bodyPr/>
+          <a:lstStyle/>
+          <a:p>
+            <a:endParaRPr lang="en-US"/>
+          </a:p>
+        </p:txBody>
+      </p:sp>
+      <p:sp>
+        <p:nvSpPr>
+          <p:cNvPr id="3" name="Content Placeholder 2"/>
+          <p:cNvSpPr>
+            <a:spLocks noGrp="1"/>
+          </p:cNvSpPr>
+          <p:nvPr>
+            <p:ph idx="1"/>
+          </p:nvPr>
+        </p:nvSpPr>
+        <p:spPr/>
+        <p:txBody>
+          <a:bodyPr/>
+          <a:lstStyle/>
+          <a:p>
+            <a:endParaRPr lang="en-US" dirty="0"/>
+          </a:p>
+        </p:txBody>
+      </p:sp>
+    </p:spTree>
+    <p:extLst>
+      <p:ext uri="{BB962C8B-B14F-4D97-AF65-F5344CB8AC3E}">
+        <p14:creationId xmlns:p14="http://schemas.microsoft.com/office/powerpoint/2010/main" val="2679406341"/>
       </p:ext>
     </p:extLst>
   </p:cSld>

--- a/Documents/Thesis Report Picture.pptx
+++ b/Documents/Thesis Report Picture.pptx
@@ -2387,6 +2387,13 @@
         </dgm:presLayoutVars>
       </dgm:prSet>
       <dgm:spPr/>
+      <dgm:t>
+        <a:bodyPr/>
+        <a:lstStyle/>
+        <a:p>
+          <a:endParaRPr lang="en-US"/>
+        </a:p>
+      </dgm:t>
     </dgm:pt>
     <dgm:pt modelId="{6163F8D6-8333-4912-B050-60B4CE4F0486}" type="pres">
       <dgm:prSet presAssocID="{FD4ABFBB-B11E-4E6D-ACAD-01A167DB79C4}" presName="boxAndChildren" presStyleCnt="0"/>
@@ -2544,14 +2551,14 @@
     <dgm:cxn modelId="{C8890A62-B1D9-40D8-B0CA-33EA22033A3F}" type="presOf" srcId="{D18A456B-D536-4B9C-8BE1-536E137D21B4}" destId="{56E09A99-A56C-4723-832F-E8CEEE729B73}" srcOrd="0" destOrd="0" presId="urn:microsoft.com/office/officeart/2005/8/layout/process4"/>
     <dgm:cxn modelId="{1B701BDD-8F20-4CDD-BCAF-D7C45B426513}" type="presOf" srcId="{845F252D-438F-4082-9AD4-B767CF145353}" destId="{FA5DED89-4573-4A62-99C6-B233D4E4BEF8}" srcOrd="0" destOrd="0" presId="urn:microsoft.com/office/officeart/2005/8/layout/process4"/>
     <dgm:cxn modelId="{75F50798-DB15-4D5D-A622-E2FDEE4BFCD0}" srcId="{4FD1A248-6CFA-41A5-973A-57438E99BB4D}" destId="{845F252D-438F-4082-9AD4-B767CF145353}" srcOrd="0" destOrd="0" parTransId="{541E66B8-0407-43E5-A507-8E986B3CE932}" sibTransId="{B83A4629-D988-491B-8084-FEA8AD6C13D7}"/>
+    <dgm:cxn modelId="{84EC8081-5100-40AC-8AC4-AA0894E8E213}" type="presOf" srcId="{4FD1A248-6CFA-41A5-973A-57438E99BB4D}" destId="{53C0C079-DD0C-445B-8E13-33018E11AA5E}" srcOrd="0" destOrd="0" presId="urn:microsoft.com/office/officeart/2005/8/layout/process4"/>
     <dgm:cxn modelId="{03208A7C-7C6F-4C4F-A142-B8BAC10D04D3}" type="presOf" srcId="{6CC80194-E7D1-4367-99DF-6633093B9BA8}" destId="{A90049AA-CBD6-4AEF-9EBA-5C7B5F86C71F}" srcOrd="0" destOrd="0" presId="urn:microsoft.com/office/officeart/2005/8/layout/process4"/>
-    <dgm:cxn modelId="{84EC8081-5100-40AC-8AC4-AA0894E8E213}" type="presOf" srcId="{4FD1A248-6CFA-41A5-973A-57438E99BB4D}" destId="{53C0C079-DD0C-445B-8E13-33018E11AA5E}" srcOrd="0" destOrd="0" presId="urn:microsoft.com/office/officeart/2005/8/layout/process4"/>
     <dgm:cxn modelId="{5A1EFF9E-183B-4D9E-B649-5AC9A34D1B8C}" srcId="{4FD1A248-6CFA-41A5-973A-57438E99BB4D}" destId="{FD4ABFBB-B11E-4E6D-ACAD-01A167DB79C4}" srcOrd="7" destOrd="0" parTransId="{BC651104-E873-477B-A60A-30ADBA17A6DC}" sibTransId="{A2892F98-95C5-447D-B5A2-5D53BECABDE3}"/>
     <dgm:cxn modelId="{87F8A6B2-71D0-4B6B-84F8-5F723E5D1989}" srcId="{4FD1A248-6CFA-41A5-973A-57438E99BB4D}" destId="{D28633D4-708C-44AF-9674-55E8F112E606}" srcOrd="2" destOrd="0" parTransId="{5F84D1BE-6E46-4757-ADB6-E079461E48FA}" sibTransId="{9BB42828-E00C-4FC3-BFF7-B6432BC9881B}"/>
     <dgm:cxn modelId="{7ACE1D42-325B-4D12-A027-E24170278C3F}" srcId="{4FD1A248-6CFA-41A5-973A-57438E99BB4D}" destId="{910E38C0-92F0-4AC3-856E-8BE9318DAD23}" srcOrd="5" destOrd="0" parTransId="{90C1D420-3529-4D47-83C8-411CBEBC9313}" sibTransId="{CD9D0FF1-BA3D-42F9-8462-20BFEDD195BF}"/>
     <dgm:cxn modelId="{FF31F902-98FB-4711-99E0-79CB34B0D30A}" type="presOf" srcId="{D851DEF2-A205-4728-BAFE-DAA917AAEA71}" destId="{1C9A3B25-0DFC-4C02-BE56-CE508DCA8953}" srcOrd="0" destOrd="0" presId="urn:microsoft.com/office/officeart/2005/8/layout/process4"/>
+    <dgm:cxn modelId="{10B6D9D3-E676-4E7B-AD7F-15560C758FA4}" type="presOf" srcId="{2139A81A-65CE-443C-B053-0C7D90844589}" destId="{6B53B39A-8B54-49BE-9D9D-CAD2969480A0}" srcOrd="0" destOrd="0" presId="urn:microsoft.com/office/officeart/2005/8/layout/process4"/>
     <dgm:cxn modelId="{53CA2A13-9ADF-4EA1-911B-84F55BB52925}" srcId="{4FD1A248-6CFA-41A5-973A-57438E99BB4D}" destId="{D18A456B-D536-4B9C-8BE1-536E137D21B4}" srcOrd="1" destOrd="0" parTransId="{E775A6F2-27E3-403A-BB04-DB3C95F1EC19}" sibTransId="{F694FD01-4100-419C-BFC5-DA4CF67B460E}"/>
-    <dgm:cxn modelId="{10B6D9D3-E676-4E7B-AD7F-15560C758FA4}" type="presOf" srcId="{2139A81A-65CE-443C-B053-0C7D90844589}" destId="{6B53B39A-8B54-49BE-9D9D-CAD2969480A0}" srcOrd="0" destOrd="0" presId="urn:microsoft.com/office/officeart/2005/8/layout/process4"/>
     <dgm:cxn modelId="{8A7A9B29-44B4-421F-8AAA-94BCFECB045A}" type="presOf" srcId="{D28633D4-708C-44AF-9674-55E8F112E606}" destId="{3AC56C42-DFCB-4D8D-BA1D-03C9949DD54E}" srcOrd="0" destOrd="0" presId="urn:microsoft.com/office/officeart/2005/8/layout/process4"/>
     <dgm:cxn modelId="{93DA936D-0831-4E27-8D1B-E82820F735AF}" srcId="{4FD1A248-6CFA-41A5-973A-57438E99BB4D}" destId="{D851DEF2-A205-4728-BAFE-DAA917AAEA71}" srcOrd="4" destOrd="0" parTransId="{5A97AEB4-C457-4925-8668-8D1E2313CCB8}" sibTransId="{5F2851CC-C5DE-4954-B7EC-68985A9EEBEA}"/>
     <dgm:cxn modelId="{88CA2BCF-BF3F-4B5D-9FFC-490A32F7D764}" srcId="{4FD1A248-6CFA-41A5-973A-57438E99BB4D}" destId="{6CC80194-E7D1-4367-99DF-6633093B9BA8}" srcOrd="3" destOrd="0" parTransId="{9A49A830-1BA0-4D41-A243-C1C7E4FFF665}" sibTransId="{83633C24-FBB9-498B-868D-FCFBB5700535}"/>
@@ -9535,6 +9542,13 @@
   <p:clrMapOvr>
     <a:masterClrMapping/>
   </p:clrMapOvr>
+  <p:timing>
+    <p:tnLst>
+      <p:par>
+        <p:cTn id="1" dur="indefinite" restart="never" nodeType="tmRoot"/>
+      </p:par>
+    </p:tnLst>
+  </p:timing>
 </p:sld>
 </file>
 
@@ -10882,6 +10896,13 @@
   <p:clrMapOvr>
     <a:masterClrMapping/>
   </p:clrMapOvr>
+  <p:timing>
+    <p:tnLst>
+      <p:par>
+        <p:cTn id="1" dur="indefinite" restart="never" nodeType="tmRoot"/>
+      </p:par>
+    </p:tnLst>
+  </p:timing>
 </p:sld>
 </file>
 
@@ -11424,6 +11445,13 @@
   <p:clrMapOvr>
     <a:masterClrMapping/>
   </p:clrMapOvr>
+  <p:timing>
+    <p:tnLst>
+      <p:par>
+        <p:cTn id="1" dur="indefinite" restart="never" nodeType="tmRoot"/>
+      </p:par>
+    </p:tnLst>
+  </p:timing>
 </p:sld>
 </file>
 
@@ -11476,6 +11504,13 @@
   <p:clrMapOvr>
     <a:masterClrMapping/>
   </p:clrMapOvr>
+  <p:timing>
+    <p:tnLst>
+      <p:par>
+        <p:cTn id="1" dur="indefinite" restart="never" nodeType="tmRoot"/>
+      </p:par>
+    </p:tnLst>
+  </p:timing>
 </p:sld>
 </file>
 
@@ -11980,6 +12015,13 @@
   <p:clrMapOvr>
     <a:masterClrMapping/>
   </p:clrMapOvr>
+  <p:timing>
+    <p:tnLst>
+      <p:par>
+        <p:cTn id="1" dur="indefinite" restart="never" nodeType="tmRoot"/>
+      </p:par>
+    </p:tnLst>
+  </p:timing>
 </p:sld>
 </file>
 
@@ -12000,44 +12042,839 @@
           <a:chExt cx="0" cy="0"/>
         </a:xfrm>
       </p:grpSpPr>
-      <p:sp>
-        <p:nvSpPr>
-          <p:cNvPr id="2" name="Title 1"/>
-          <p:cNvSpPr>
-            <a:spLocks noGrp="1"/>
-          </p:cNvSpPr>
-          <p:nvPr>
-            <p:ph type="title"/>
-          </p:nvPr>
-        </p:nvSpPr>
-        <p:spPr/>
-        <p:txBody>
-          <a:bodyPr/>
-          <a:lstStyle/>
-          <a:p>
-            <a:endParaRPr lang="en-US"/>
-          </a:p>
-        </p:txBody>
-      </p:sp>
-      <p:sp>
-        <p:nvSpPr>
-          <p:cNvPr id="3" name="Content Placeholder 2"/>
-          <p:cNvSpPr>
-            <a:spLocks noGrp="1"/>
-          </p:cNvSpPr>
-          <p:nvPr>
-            <p:ph idx="1"/>
-          </p:nvPr>
-        </p:nvSpPr>
-        <p:spPr/>
-        <p:txBody>
-          <a:bodyPr/>
-          <a:lstStyle/>
-          <a:p>
-            <a:endParaRPr lang="en-US" dirty="0"/>
-          </a:p>
-        </p:txBody>
-      </p:sp>
+      <p:grpSp>
+        <p:nvGrpSpPr>
+          <p:cNvPr id="99" name="Group 98"/>
+          <p:cNvGrpSpPr/>
+          <p:nvPr/>
+        </p:nvGrpSpPr>
+        <p:grpSpPr>
+          <a:xfrm>
+            <a:off x="1600200" y="955389"/>
+            <a:ext cx="5856289" cy="2261464"/>
+            <a:chOff x="1310408" y="733139"/>
+            <a:chExt cx="5856289" cy="2261464"/>
+          </a:xfrm>
+        </p:grpSpPr>
+        <p:sp>
+          <p:nvSpPr>
+            <p:cNvPr id="4" name="Rectangle 3"/>
+            <p:cNvSpPr>
+              <a:spLocks noChangeArrowheads="1"/>
+            </p:cNvSpPr>
+            <p:nvPr/>
+          </p:nvSpPr>
+          <p:spPr bwMode="auto">
+            <a:xfrm>
+              <a:off x="3691659" y="733139"/>
+              <a:ext cx="1136650" cy="444500"/>
+            </a:xfrm>
+            <a:prstGeom prst="rect">
+              <a:avLst/>
+            </a:prstGeom>
+            <a:solidFill>
+              <a:schemeClr val="bg1"/>
+            </a:solidFill>
+            <a:ln w="12700">
+              <a:solidFill>
+                <a:schemeClr val="tx2">
+                  <a:lumMod val="60000"/>
+                  <a:lumOff val="40000"/>
+                </a:schemeClr>
+              </a:solidFill>
+              <a:miter lim="800000"/>
+              <a:headEnd/>
+              <a:tailEnd/>
+            </a:ln>
+            <a:effectLst/>
+            <a:extLst/>
+          </p:spPr>
+          <p:txBody>
+            <a:bodyPr wrap="none" anchor="ctr"/>
+            <a:lstStyle/>
+            <a:p>
+              <a:r>
+                <a:rPr lang="en-US" dirty="0" smtClean="0"/>
+                <a:t>Product A</a:t>
+              </a:r>
+            </a:p>
+          </p:txBody>
+        </p:sp>
+        <p:sp>
+          <p:nvSpPr>
+            <p:cNvPr id="5" name="Rectangle 4"/>
+            <p:cNvSpPr>
+              <a:spLocks noChangeArrowheads="1"/>
+            </p:cNvSpPr>
+            <p:nvPr/>
+          </p:nvSpPr>
+          <p:spPr bwMode="auto">
+            <a:xfrm>
+              <a:off x="2234045" y="1785505"/>
+              <a:ext cx="914400" cy="444500"/>
+            </a:xfrm>
+            <a:prstGeom prst="rect">
+              <a:avLst/>
+            </a:prstGeom>
+            <a:solidFill>
+              <a:schemeClr val="bg1"/>
+            </a:solidFill>
+            <a:ln w="12700">
+              <a:solidFill>
+                <a:schemeClr val="tx2">
+                  <a:lumMod val="60000"/>
+                  <a:lumOff val="40000"/>
+                </a:schemeClr>
+              </a:solidFill>
+              <a:miter lim="800000"/>
+              <a:headEnd/>
+              <a:tailEnd/>
+            </a:ln>
+            <a:effectLst/>
+            <a:extLst/>
+          </p:spPr>
+          <p:txBody>
+            <a:bodyPr wrap="none" anchor="ctr"/>
+            <a:lstStyle/>
+            <a:p>
+              <a:r>
+                <a:rPr lang="en-US" dirty="0" smtClean="0"/>
+                <a:t>Feature</a:t>
+              </a:r>
+              <a:endParaRPr lang="en-US" dirty="0"/>
+            </a:p>
+          </p:txBody>
+        </p:sp>
+        <p:sp>
+          <p:nvSpPr>
+            <p:cNvPr id="6" name="Rectangle 5"/>
+            <p:cNvSpPr>
+              <a:spLocks noChangeArrowheads="1"/>
+            </p:cNvSpPr>
+            <p:nvPr/>
+          </p:nvSpPr>
+          <p:spPr bwMode="auto">
+            <a:xfrm>
+              <a:off x="4124179" y="1785505"/>
+              <a:ext cx="596900" cy="444500"/>
+            </a:xfrm>
+            <a:prstGeom prst="rect">
+              <a:avLst/>
+            </a:prstGeom>
+            <a:solidFill>
+              <a:schemeClr val="bg1"/>
+            </a:solidFill>
+            <a:ln w="12700">
+              <a:solidFill>
+                <a:schemeClr val="tx2">
+                  <a:lumMod val="60000"/>
+                  <a:lumOff val="40000"/>
+                </a:schemeClr>
+              </a:solidFill>
+              <a:miter lim="800000"/>
+              <a:headEnd/>
+              <a:tailEnd/>
+            </a:ln>
+            <a:effectLst/>
+            <a:extLst/>
+          </p:spPr>
+          <p:txBody>
+            <a:bodyPr wrap="none" anchor="ctr"/>
+            <a:lstStyle/>
+            <a:p>
+              <a:r>
+                <a:rPr lang="en-US" dirty="0" smtClean="0"/>
+                <a:t>Color</a:t>
+              </a:r>
+              <a:endParaRPr lang="en-US" dirty="0"/>
+            </a:p>
+          </p:txBody>
+        </p:sp>
+        <p:sp>
+          <p:nvSpPr>
+            <p:cNvPr id="7" name="Rectangle 6"/>
+            <p:cNvSpPr>
+              <a:spLocks noChangeArrowheads="1"/>
+            </p:cNvSpPr>
+            <p:nvPr/>
+          </p:nvSpPr>
+          <p:spPr bwMode="auto">
+            <a:xfrm>
+              <a:off x="5375420" y="1785505"/>
+              <a:ext cx="1365250" cy="444500"/>
+            </a:xfrm>
+            <a:prstGeom prst="rect">
+              <a:avLst/>
+            </a:prstGeom>
+            <a:solidFill>
+              <a:schemeClr val="bg1"/>
+            </a:solidFill>
+            <a:ln w="12700">
+              <a:solidFill>
+                <a:schemeClr val="tx2">
+                  <a:lumMod val="60000"/>
+                  <a:lumOff val="40000"/>
+                </a:schemeClr>
+              </a:solidFill>
+              <a:miter lim="800000"/>
+              <a:headEnd/>
+              <a:tailEnd/>
+            </a:ln>
+            <a:effectLst/>
+            <a:extLst/>
+          </p:spPr>
+          <p:txBody>
+            <a:bodyPr wrap="none" anchor="ctr"/>
+            <a:lstStyle/>
+            <a:p>
+              <a:r>
+                <a:rPr lang="en-US" dirty="0" smtClean="0"/>
+                <a:t>Specification</a:t>
+              </a:r>
+              <a:endParaRPr lang="en-US" dirty="0"/>
+            </a:p>
+          </p:txBody>
+        </p:sp>
+        <p:sp>
+          <p:nvSpPr>
+            <p:cNvPr id="8" name="Rectangle 7"/>
+            <p:cNvSpPr>
+              <a:spLocks noChangeArrowheads="1"/>
+            </p:cNvSpPr>
+            <p:nvPr/>
+          </p:nvSpPr>
+          <p:spPr bwMode="auto">
+            <a:xfrm>
+              <a:off x="6314643" y="2550103"/>
+              <a:ext cx="852054" cy="444500"/>
+            </a:xfrm>
+            <a:prstGeom prst="rect">
+              <a:avLst/>
+            </a:prstGeom>
+            <a:solidFill>
+              <a:schemeClr val="bg1"/>
+            </a:solidFill>
+            <a:ln w="12700">
+              <a:solidFill>
+                <a:schemeClr val="tx2">
+                  <a:lumMod val="60000"/>
+                  <a:lumOff val="40000"/>
+                </a:schemeClr>
+              </a:solidFill>
+              <a:miter lim="800000"/>
+              <a:headEnd/>
+              <a:tailEnd/>
+            </a:ln>
+            <a:effectLst/>
+            <a:extLst/>
+          </p:spPr>
+          <p:txBody>
+            <a:bodyPr wrap="none" anchor="ctr"/>
+            <a:lstStyle/>
+            <a:p>
+              <a:r>
+                <a:rPr lang="en-US" dirty="0" smtClean="0"/>
+                <a:t>Weight</a:t>
+              </a:r>
+              <a:endParaRPr lang="en-US" dirty="0"/>
+            </a:p>
+          </p:txBody>
+        </p:sp>
+        <p:sp>
+          <p:nvSpPr>
+            <p:cNvPr id="9" name="Rectangle 8"/>
+            <p:cNvSpPr>
+              <a:spLocks noChangeArrowheads="1"/>
+            </p:cNvSpPr>
+            <p:nvPr/>
+          </p:nvSpPr>
+          <p:spPr bwMode="auto">
+            <a:xfrm>
+              <a:off x="5482216" y="2547505"/>
+              <a:ext cx="596900" cy="444500"/>
+            </a:xfrm>
+            <a:prstGeom prst="rect">
+              <a:avLst/>
+            </a:prstGeom>
+            <a:solidFill>
+              <a:schemeClr val="bg1"/>
+            </a:solidFill>
+            <a:ln w="12700">
+              <a:solidFill>
+                <a:schemeClr val="tx2">
+                  <a:lumMod val="60000"/>
+                  <a:lumOff val="40000"/>
+                </a:schemeClr>
+              </a:solidFill>
+              <a:miter lim="800000"/>
+              <a:headEnd/>
+              <a:tailEnd/>
+            </a:ln>
+            <a:effectLst/>
+            <a:extLst/>
+          </p:spPr>
+          <p:txBody>
+            <a:bodyPr wrap="none" anchor="ctr"/>
+            <a:lstStyle/>
+            <a:p>
+              <a:r>
+                <a:rPr lang="en-US" dirty="0" smtClean="0"/>
+                <a:t>Size</a:t>
+              </a:r>
+              <a:endParaRPr lang="en-US" dirty="0"/>
+            </a:p>
+          </p:txBody>
+        </p:sp>
+        <p:sp>
+          <p:nvSpPr>
+            <p:cNvPr id="10" name="Rectangle 9"/>
+            <p:cNvSpPr>
+              <a:spLocks noChangeArrowheads="1"/>
+            </p:cNvSpPr>
+            <p:nvPr/>
+          </p:nvSpPr>
+          <p:spPr bwMode="auto">
+            <a:xfrm>
+              <a:off x="1310408" y="2550103"/>
+              <a:ext cx="1086428" cy="444500"/>
+            </a:xfrm>
+            <a:prstGeom prst="rect">
+              <a:avLst/>
+            </a:prstGeom>
+            <a:solidFill>
+              <a:schemeClr val="bg1"/>
+            </a:solidFill>
+            <a:ln w="12700">
+              <a:solidFill>
+                <a:schemeClr val="tx2">
+                  <a:lumMod val="60000"/>
+                  <a:lumOff val="40000"/>
+                </a:schemeClr>
+              </a:solidFill>
+              <a:miter lim="800000"/>
+              <a:headEnd/>
+              <a:tailEnd/>
+            </a:ln>
+            <a:effectLst/>
+            <a:extLst/>
+          </p:spPr>
+          <p:txBody>
+            <a:bodyPr wrap="none" anchor="ctr"/>
+            <a:lstStyle/>
+            <a:p>
+              <a:r>
+                <a:rPr lang="en-US" dirty="0" smtClean="0"/>
+                <a:t>Feature A</a:t>
+              </a:r>
+              <a:endParaRPr lang="en-US" dirty="0"/>
+            </a:p>
+          </p:txBody>
+        </p:sp>
+        <p:cxnSp>
+          <p:nvCxnSpPr>
+            <p:cNvPr id="13" name="Straight Connector 12"/>
+            <p:cNvCxnSpPr>
+              <a:stCxn id="4" idx="2"/>
+              <a:endCxn id="5" idx="0"/>
+            </p:cNvCxnSpPr>
+            <p:nvPr/>
+          </p:nvCxnSpPr>
+          <p:spPr>
+            <a:xfrm flipH="1">
+              <a:off x="2691245" y="1177639"/>
+              <a:ext cx="1568739" cy="607866"/>
+            </a:xfrm>
+            <a:prstGeom prst="line">
+              <a:avLst/>
+            </a:prstGeom>
+            <a:ln>
+              <a:solidFill>
+                <a:schemeClr val="tx2">
+                  <a:lumMod val="60000"/>
+                  <a:lumOff val="40000"/>
+                </a:schemeClr>
+              </a:solidFill>
+            </a:ln>
+          </p:spPr>
+          <p:style>
+            <a:lnRef idx="1">
+              <a:schemeClr val="accent1"/>
+            </a:lnRef>
+            <a:fillRef idx="0">
+              <a:schemeClr val="accent1"/>
+            </a:fillRef>
+            <a:effectRef idx="0">
+              <a:schemeClr val="accent1"/>
+            </a:effectRef>
+            <a:fontRef idx="minor">
+              <a:schemeClr val="tx1"/>
+            </a:fontRef>
+          </p:style>
+        </p:cxnSp>
+        <p:cxnSp>
+          <p:nvCxnSpPr>
+            <p:cNvPr id="14" name="Straight Connector 13"/>
+            <p:cNvCxnSpPr>
+              <a:stCxn id="4" idx="2"/>
+              <a:endCxn id="6" idx="0"/>
+            </p:cNvCxnSpPr>
+            <p:nvPr/>
+          </p:nvCxnSpPr>
+          <p:spPr>
+            <a:xfrm>
+              <a:off x="4259984" y="1177639"/>
+              <a:ext cx="162645" cy="607866"/>
+            </a:xfrm>
+            <a:prstGeom prst="line">
+              <a:avLst/>
+            </a:prstGeom>
+            <a:ln>
+              <a:solidFill>
+                <a:schemeClr val="tx2">
+                  <a:lumMod val="60000"/>
+                  <a:lumOff val="40000"/>
+                </a:schemeClr>
+              </a:solidFill>
+            </a:ln>
+          </p:spPr>
+          <p:style>
+            <a:lnRef idx="1">
+              <a:schemeClr val="accent1"/>
+            </a:lnRef>
+            <a:fillRef idx="0">
+              <a:schemeClr val="accent1"/>
+            </a:fillRef>
+            <a:effectRef idx="0">
+              <a:schemeClr val="accent1"/>
+            </a:effectRef>
+            <a:fontRef idx="minor">
+              <a:schemeClr val="tx1"/>
+            </a:fontRef>
+          </p:style>
+        </p:cxnSp>
+        <p:cxnSp>
+          <p:nvCxnSpPr>
+            <p:cNvPr id="15" name="Straight Connector 14"/>
+            <p:cNvCxnSpPr>
+              <a:stCxn id="4" idx="2"/>
+              <a:endCxn id="7" idx="0"/>
+            </p:cNvCxnSpPr>
+            <p:nvPr/>
+          </p:nvCxnSpPr>
+          <p:spPr>
+            <a:xfrm>
+              <a:off x="4259984" y="1177639"/>
+              <a:ext cx="1798061" cy="607866"/>
+            </a:xfrm>
+            <a:prstGeom prst="line">
+              <a:avLst/>
+            </a:prstGeom>
+            <a:ln>
+              <a:solidFill>
+                <a:schemeClr val="tx2">
+                  <a:lumMod val="60000"/>
+                  <a:lumOff val="40000"/>
+                </a:schemeClr>
+              </a:solidFill>
+            </a:ln>
+          </p:spPr>
+          <p:style>
+            <a:lnRef idx="1">
+              <a:schemeClr val="accent1"/>
+            </a:lnRef>
+            <a:fillRef idx="0">
+              <a:schemeClr val="accent1"/>
+            </a:fillRef>
+            <a:effectRef idx="0">
+              <a:schemeClr val="accent1"/>
+            </a:effectRef>
+            <a:fontRef idx="minor">
+              <a:schemeClr val="tx1"/>
+            </a:fontRef>
+          </p:style>
+        </p:cxnSp>
+        <p:cxnSp>
+          <p:nvCxnSpPr>
+            <p:cNvPr id="16" name="Straight Connector 15"/>
+            <p:cNvCxnSpPr>
+              <a:stCxn id="5" idx="2"/>
+              <a:endCxn id="10" idx="0"/>
+            </p:cNvCxnSpPr>
+            <p:nvPr/>
+          </p:nvCxnSpPr>
+          <p:spPr>
+            <a:xfrm flipH="1">
+              <a:off x="1853622" y="2230005"/>
+              <a:ext cx="837623" cy="320098"/>
+            </a:xfrm>
+            <a:prstGeom prst="line">
+              <a:avLst/>
+            </a:prstGeom>
+            <a:ln>
+              <a:solidFill>
+                <a:schemeClr val="tx2">
+                  <a:lumMod val="60000"/>
+                  <a:lumOff val="40000"/>
+                </a:schemeClr>
+              </a:solidFill>
+            </a:ln>
+          </p:spPr>
+          <p:style>
+            <a:lnRef idx="1">
+              <a:schemeClr val="accent1"/>
+            </a:lnRef>
+            <a:fillRef idx="0">
+              <a:schemeClr val="accent1"/>
+            </a:fillRef>
+            <a:effectRef idx="0">
+              <a:schemeClr val="accent1"/>
+            </a:effectRef>
+            <a:fontRef idx="minor">
+              <a:schemeClr val="tx1"/>
+            </a:fontRef>
+          </p:style>
+        </p:cxnSp>
+        <p:cxnSp>
+          <p:nvCxnSpPr>
+            <p:cNvPr id="17" name="Straight Connector 16"/>
+            <p:cNvCxnSpPr>
+              <a:stCxn id="7" idx="2"/>
+              <a:endCxn id="9" idx="0"/>
+            </p:cNvCxnSpPr>
+            <p:nvPr/>
+          </p:nvCxnSpPr>
+          <p:spPr>
+            <a:xfrm flipH="1">
+              <a:off x="5780666" y="2230005"/>
+              <a:ext cx="277379" cy="317500"/>
+            </a:xfrm>
+            <a:prstGeom prst="line">
+              <a:avLst/>
+            </a:prstGeom>
+            <a:ln>
+              <a:solidFill>
+                <a:schemeClr val="tx2">
+                  <a:lumMod val="60000"/>
+                  <a:lumOff val="40000"/>
+                </a:schemeClr>
+              </a:solidFill>
+            </a:ln>
+          </p:spPr>
+          <p:style>
+            <a:lnRef idx="1">
+              <a:schemeClr val="accent1"/>
+            </a:lnRef>
+            <a:fillRef idx="0">
+              <a:schemeClr val="accent1"/>
+            </a:fillRef>
+            <a:effectRef idx="0">
+              <a:schemeClr val="accent1"/>
+            </a:effectRef>
+            <a:fontRef idx="minor">
+              <a:schemeClr val="tx1"/>
+            </a:fontRef>
+          </p:style>
+        </p:cxnSp>
+        <p:cxnSp>
+          <p:nvCxnSpPr>
+            <p:cNvPr id="18" name="Straight Connector 17"/>
+            <p:cNvCxnSpPr>
+              <a:stCxn id="7" idx="2"/>
+              <a:endCxn id="8" idx="0"/>
+            </p:cNvCxnSpPr>
+            <p:nvPr/>
+          </p:nvCxnSpPr>
+          <p:spPr>
+            <a:xfrm>
+              <a:off x="6058045" y="2230005"/>
+              <a:ext cx="682625" cy="320098"/>
+            </a:xfrm>
+            <a:prstGeom prst="line">
+              <a:avLst/>
+            </a:prstGeom>
+            <a:ln>
+              <a:solidFill>
+                <a:schemeClr val="tx2">
+                  <a:lumMod val="60000"/>
+                  <a:lumOff val="40000"/>
+                </a:schemeClr>
+              </a:solidFill>
+            </a:ln>
+          </p:spPr>
+          <p:style>
+            <a:lnRef idx="1">
+              <a:schemeClr val="accent1"/>
+            </a:lnRef>
+            <a:fillRef idx="0">
+              <a:schemeClr val="accent1"/>
+            </a:fillRef>
+            <a:effectRef idx="0">
+              <a:schemeClr val="accent1"/>
+            </a:effectRef>
+            <a:fontRef idx="minor">
+              <a:schemeClr val="tx1"/>
+            </a:fontRef>
+          </p:style>
+        </p:cxnSp>
+        <p:sp>
+          <p:nvSpPr>
+            <p:cNvPr id="31" name="Rectangle 30"/>
+            <p:cNvSpPr>
+              <a:spLocks noChangeArrowheads="1"/>
+            </p:cNvSpPr>
+            <p:nvPr/>
+          </p:nvSpPr>
+          <p:spPr bwMode="auto">
+            <a:xfrm>
+              <a:off x="2605231" y="2547505"/>
+              <a:ext cx="1086428" cy="444500"/>
+            </a:xfrm>
+            <a:prstGeom prst="rect">
+              <a:avLst/>
+            </a:prstGeom>
+            <a:solidFill>
+              <a:schemeClr val="bg1"/>
+            </a:solidFill>
+            <a:ln w="12700">
+              <a:solidFill>
+                <a:schemeClr val="tx2">
+                  <a:lumMod val="60000"/>
+                  <a:lumOff val="40000"/>
+                </a:schemeClr>
+              </a:solidFill>
+              <a:miter lim="800000"/>
+              <a:headEnd/>
+              <a:tailEnd/>
+            </a:ln>
+            <a:effectLst/>
+            <a:extLst/>
+          </p:spPr>
+          <p:txBody>
+            <a:bodyPr wrap="none" anchor="ctr"/>
+            <a:lstStyle/>
+            <a:p>
+              <a:r>
+                <a:rPr lang="en-US" dirty="0" smtClean="0"/>
+                <a:t>Feature B</a:t>
+              </a:r>
+              <a:endParaRPr lang="en-US" dirty="0"/>
+            </a:p>
+          </p:txBody>
+        </p:sp>
+        <p:cxnSp>
+          <p:nvCxnSpPr>
+            <p:cNvPr id="32" name="Straight Connector 31"/>
+            <p:cNvCxnSpPr>
+              <a:stCxn id="5" idx="2"/>
+              <a:endCxn id="31" idx="0"/>
+            </p:cNvCxnSpPr>
+            <p:nvPr/>
+          </p:nvCxnSpPr>
+          <p:spPr>
+            <a:xfrm>
+              <a:off x="2691245" y="2230005"/>
+              <a:ext cx="457200" cy="317500"/>
+            </a:xfrm>
+            <a:prstGeom prst="line">
+              <a:avLst/>
+            </a:prstGeom>
+            <a:ln>
+              <a:solidFill>
+                <a:schemeClr val="tx2">
+                  <a:lumMod val="60000"/>
+                  <a:lumOff val="40000"/>
+                </a:schemeClr>
+              </a:solidFill>
+            </a:ln>
+          </p:spPr>
+          <p:style>
+            <a:lnRef idx="1">
+              <a:schemeClr val="accent1"/>
+            </a:lnRef>
+            <a:fillRef idx="0">
+              <a:schemeClr val="accent1"/>
+            </a:fillRef>
+            <a:effectRef idx="0">
+              <a:schemeClr val="accent1"/>
+            </a:effectRef>
+            <a:fontRef idx="minor">
+              <a:schemeClr val="tx1"/>
+            </a:fontRef>
+          </p:style>
+        </p:cxnSp>
+        <p:sp>
+          <p:nvSpPr>
+            <p:cNvPr id="67" name="Rectangle 66"/>
+            <p:cNvSpPr>
+              <a:spLocks noChangeArrowheads="1"/>
+            </p:cNvSpPr>
+            <p:nvPr/>
+          </p:nvSpPr>
+          <p:spPr bwMode="auto">
+            <a:xfrm>
+              <a:off x="3848388" y="2541155"/>
+              <a:ext cx="596900" cy="444500"/>
+            </a:xfrm>
+            <a:prstGeom prst="rect">
+              <a:avLst/>
+            </a:prstGeom>
+            <a:solidFill>
+              <a:schemeClr val="bg1"/>
+            </a:solidFill>
+            <a:ln w="12700">
+              <a:solidFill>
+                <a:schemeClr val="tx2">
+                  <a:lumMod val="60000"/>
+                  <a:lumOff val="40000"/>
+                </a:schemeClr>
+              </a:solidFill>
+              <a:miter lim="800000"/>
+              <a:headEnd/>
+              <a:tailEnd/>
+            </a:ln>
+            <a:effectLst/>
+            <a:extLst/>
+          </p:spPr>
+          <p:txBody>
+            <a:bodyPr wrap="none" anchor="ctr"/>
+            <a:lstStyle/>
+            <a:p>
+              <a:r>
+                <a:rPr lang="en-US" dirty="0" smtClean="0"/>
+                <a:t>Red</a:t>
+              </a:r>
+              <a:endParaRPr lang="en-US" dirty="0"/>
+            </a:p>
+          </p:txBody>
+        </p:sp>
+        <p:cxnSp>
+          <p:nvCxnSpPr>
+            <p:cNvPr id="68" name="Straight Connector 67"/>
+            <p:cNvCxnSpPr>
+              <a:stCxn id="6" idx="2"/>
+              <a:endCxn id="67" idx="0"/>
+            </p:cNvCxnSpPr>
+            <p:nvPr/>
+          </p:nvCxnSpPr>
+          <p:spPr>
+            <a:xfrm flipH="1">
+              <a:off x="4146838" y="2230005"/>
+              <a:ext cx="275791" cy="311150"/>
+            </a:xfrm>
+            <a:prstGeom prst="line">
+              <a:avLst/>
+            </a:prstGeom>
+            <a:ln>
+              <a:solidFill>
+                <a:schemeClr val="tx2">
+                  <a:lumMod val="60000"/>
+                  <a:lumOff val="40000"/>
+                </a:schemeClr>
+              </a:solidFill>
+            </a:ln>
+          </p:spPr>
+          <p:style>
+            <a:lnRef idx="1">
+              <a:schemeClr val="accent1"/>
+            </a:lnRef>
+            <a:fillRef idx="0">
+              <a:schemeClr val="accent1"/>
+            </a:fillRef>
+            <a:effectRef idx="0">
+              <a:schemeClr val="accent1"/>
+            </a:effectRef>
+            <a:fontRef idx="minor">
+              <a:schemeClr val="tx1"/>
+            </a:fontRef>
+          </p:style>
+        </p:cxnSp>
+        <p:sp>
+          <p:nvSpPr>
+            <p:cNvPr id="71" name="Rectangle 70"/>
+            <p:cNvSpPr>
+              <a:spLocks noChangeArrowheads="1"/>
+            </p:cNvSpPr>
+            <p:nvPr/>
+          </p:nvSpPr>
+          <p:spPr bwMode="auto">
+            <a:xfrm>
+              <a:off x="4597688" y="2550103"/>
+              <a:ext cx="596900" cy="444500"/>
+            </a:xfrm>
+            <a:prstGeom prst="rect">
+              <a:avLst/>
+            </a:prstGeom>
+            <a:solidFill>
+              <a:schemeClr val="bg1"/>
+            </a:solidFill>
+            <a:ln w="12700">
+              <a:solidFill>
+                <a:schemeClr val="tx2">
+                  <a:lumMod val="60000"/>
+                  <a:lumOff val="40000"/>
+                </a:schemeClr>
+              </a:solidFill>
+              <a:miter lim="800000"/>
+              <a:headEnd/>
+              <a:tailEnd/>
+            </a:ln>
+            <a:effectLst/>
+            <a:extLst/>
+          </p:spPr>
+          <p:txBody>
+            <a:bodyPr wrap="none" anchor="ctr"/>
+            <a:lstStyle/>
+            <a:p>
+              <a:r>
+                <a:rPr lang="en-US" dirty="0" smtClean="0"/>
+                <a:t>Blue</a:t>
+              </a:r>
+              <a:endParaRPr lang="en-US" dirty="0"/>
+            </a:p>
+          </p:txBody>
+        </p:sp>
+        <p:cxnSp>
+          <p:nvCxnSpPr>
+            <p:cNvPr id="72" name="Straight Connector 71"/>
+            <p:cNvCxnSpPr>
+              <a:stCxn id="6" idx="2"/>
+              <a:endCxn id="71" idx="0"/>
+            </p:cNvCxnSpPr>
+            <p:nvPr/>
+          </p:nvCxnSpPr>
+          <p:spPr>
+            <a:xfrm>
+              <a:off x="4422629" y="2230005"/>
+              <a:ext cx="473509" cy="320098"/>
+            </a:xfrm>
+            <a:prstGeom prst="line">
+              <a:avLst/>
+            </a:prstGeom>
+            <a:ln>
+              <a:solidFill>
+                <a:schemeClr val="tx2">
+                  <a:lumMod val="60000"/>
+                  <a:lumOff val="40000"/>
+                </a:schemeClr>
+              </a:solidFill>
+            </a:ln>
+          </p:spPr>
+          <p:style>
+            <a:lnRef idx="1">
+              <a:schemeClr val="accent1"/>
+            </a:lnRef>
+            <a:fillRef idx="0">
+              <a:schemeClr val="accent1"/>
+            </a:fillRef>
+            <a:effectRef idx="0">
+              <a:schemeClr val="accent1"/>
+            </a:effectRef>
+            <a:fontRef idx="minor">
+              <a:schemeClr val="tx1"/>
+            </a:fontRef>
+          </p:style>
+        </p:cxnSp>
+      </p:grpSp>
     </p:spTree>
     <p:extLst>
       <p:ext uri="{BB962C8B-B14F-4D97-AF65-F5344CB8AC3E}">
@@ -12048,6 +12885,13 @@
   <p:clrMapOvr>
     <a:masterClrMapping/>
   </p:clrMapOvr>
+  <p:timing>
+    <p:tnLst>
+      <p:par>
+        <p:cTn id="1" dur="indefinite" restart="never" nodeType="tmRoot"/>
+      </p:par>
+    </p:tnLst>
+  </p:timing>
 </p:sld>
 </file>
 
@@ -12151,6 +12995,13 @@
   <p:clrMapOvr>
     <a:masterClrMapping/>
   </p:clrMapOvr>
+  <p:timing>
+    <p:tnLst>
+      <p:par>
+        <p:cTn id="1" dur="indefinite" restart="never" nodeType="tmRoot"/>
+      </p:par>
+    </p:tnLst>
+  </p:timing>
 </p:sld>
 </file>
 
@@ -12589,6 +13440,13 @@
   <p:clrMapOvr>
     <a:masterClrMapping/>
   </p:clrMapOvr>
+  <p:timing>
+    <p:tnLst>
+      <p:par>
+        <p:cTn id="1" dur="indefinite" restart="never" nodeType="tmRoot"/>
+      </p:par>
+    </p:tnLst>
+  </p:timing>
 </p:sld>
 </file>
 
@@ -13273,6 +14131,13 @@
   <p:clrMapOvr>
     <a:masterClrMapping/>
   </p:clrMapOvr>
+  <p:timing>
+    <p:tnLst>
+      <p:par>
+        <p:cTn id="1" dur="indefinite" restart="never" nodeType="tmRoot"/>
+      </p:par>
+    </p:tnLst>
+  </p:timing>
 </p:sld>
 </file>
 
@@ -14006,6 +14871,13 @@
   <p:clrMapOvr>
     <a:masterClrMapping/>
   </p:clrMapOvr>
+  <p:timing>
+    <p:tnLst>
+      <p:par>
+        <p:cTn id="1" dur="indefinite" restart="never" nodeType="tmRoot"/>
+      </p:par>
+    </p:tnLst>
+  </p:timing>
 </p:sld>
 </file>
 
@@ -14480,6 +15352,13 @@
   <p:clrMapOvr>
     <a:masterClrMapping/>
   </p:clrMapOvr>
+  <p:timing>
+    <p:tnLst>
+      <p:par>
+        <p:cTn id="1" dur="indefinite" restart="never" nodeType="tmRoot"/>
+      </p:par>
+    </p:tnLst>
+  </p:timing>
 </p:sld>
 </file>
 
@@ -15322,6 +16201,13 @@
   <p:clrMapOvr>
     <a:masterClrMapping/>
   </p:clrMapOvr>
+  <p:timing>
+    <p:tnLst>
+      <p:par>
+        <p:cTn id="1" dur="indefinite" restart="never" nodeType="tmRoot"/>
+      </p:par>
+    </p:tnLst>
+  </p:timing>
 </p:sld>
 </file>
 
@@ -16139,6 +17025,13 @@
   <p:clrMapOvr>
     <a:masterClrMapping/>
   </p:clrMapOvr>
+  <p:timing>
+    <p:tnLst>
+      <p:par>
+        <p:cTn id="1" dur="indefinite" restart="never" nodeType="tmRoot"/>
+      </p:par>
+    </p:tnLst>
+  </p:timing>
 </p:sld>
 </file>
 
@@ -17060,6 +17953,13 @@
   <p:clrMapOvr>
     <a:masterClrMapping/>
   </p:clrMapOvr>
+  <p:timing>
+    <p:tnLst>
+      <p:par>
+        <p:cTn id="1" dur="indefinite" restart="never" nodeType="tmRoot"/>
+      </p:par>
+    </p:tnLst>
+  </p:timing>
 </p:sld>
 </file>
 

--- a/Documents/Thesis Report Picture.pptx
+++ b/Documents/Thesis Report Picture.pptx
@@ -19,6 +19,7 @@
     <p:sldId id="267" r:id="rId13"/>
     <p:sldId id="269" r:id="rId14"/>
     <p:sldId id="268" r:id="rId15"/>
+    <p:sldId id="270" r:id="rId16"/>
   </p:sldIdLst>
   <p:sldSz cx="9144000" cy="6858000" type="screen4x3"/>
   <p:notesSz cx="6858000" cy="9144000"/>
@@ -5827,7 +5828,7 @@
           <a:p>
             <a:fld id="{AEBC359E-74D2-4BE3-B89B-803EEEC24772}" type="datetimeFigureOut">
               <a:rPr lang="en-US" smtClean="0"/>
-              <a:t>12/15/2011</a:t>
+              <a:t>12/18/2011</a:t>
             </a:fld>
             <a:endParaRPr lang="en-US"/>
           </a:p>
@@ -5997,7 +5998,7 @@
           <a:p>
             <a:fld id="{AEBC359E-74D2-4BE3-B89B-803EEEC24772}" type="datetimeFigureOut">
               <a:rPr lang="en-US" smtClean="0"/>
-              <a:t>12/15/2011</a:t>
+              <a:t>12/18/2011</a:t>
             </a:fld>
             <a:endParaRPr lang="en-US"/>
           </a:p>
@@ -6177,7 +6178,7 @@
           <a:p>
             <a:fld id="{AEBC359E-74D2-4BE3-B89B-803EEEC24772}" type="datetimeFigureOut">
               <a:rPr lang="en-US" smtClean="0"/>
-              <a:t>12/15/2011</a:t>
+              <a:t>12/18/2011</a:t>
             </a:fld>
             <a:endParaRPr lang="en-US"/>
           </a:p>
@@ -6347,7 +6348,7 @@
           <a:p>
             <a:fld id="{AEBC359E-74D2-4BE3-B89B-803EEEC24772}" type="datetimeFigureOut">
               <a:rPr lang="en-US" smtClean="0"/>
-              <a:t>12/15/2011</a:t>
+              <a:t>12/18/2011</a:t>
             </a:fld>
             <a:endParaRPr lang="en-US"/>
           </a:p>
@@ -6593,7 +6594,7 @@
           <a:p>
             <a:fld id="{AEBC359E-74D2-4BE3-B89B-803EEEC24772}" type="datetimeFigureOut">
               <a:rPr lang="en-US" smtClean="0"/>
-              <a:t>12/15/2011</a:t>
+              <a:t>12/18/2011</a:t>
             </a:fld>
             <a:endParaRPr lang="en-US"/>
           </a:p>
@@ -6881,7 +6882,7 @@
           <a:p>
             <a:fld id="{AEBC359E-74D2-4BE3-B89B-803EEEC24772}" type="datetimeFigureOut">
               <a:rPr lang="en-US" smtClean="0"/>
-              <a:t>12/15/2011</a:t>
+              <a:t>12/18/2011</a:t>
             </a:fld>
             <a:endParaRPr lang="en-US"/>
           </a:p>
@@ -7303,7 +7304,7 @@
           <a:p>
             <a:fld id="{AEBC359E-74D2-4BE3-B89B-803EEEC24772}" type="datetimeFigureOut">
               <a:rPr lang="en-US" smtClean="0"/>
-              <a:t>12/15/2011</a:t>
+              <a:t>12/18/2011</a:t>
             </a:fld>
             <a:endParaRPr lang="en-US"/>
           </a:p>
@@ -7421,7 +7422,7 @@
           <a:p>
             <a:fld id="{AEBC359E-74D2-4BE3-B89B-803EEEC24772}" type="datetimeFigureOut">
               <a:rPr lang="en-US" smtClean="0"/>
-              <a:t>12/15/2011</a:t>
+              <a:t>12/18/2011</a:t>
             </a:fld>
             <a:endParaRPr lang="en-US"/>
           </a:p>
@@ -7516,7 +7517,7 @@
           <a:p>
             <a:fld id="{AEBC359E-74D2-4BE3-B89B-803EEEC24772}" type="datetimeFigureOut">
               <a:rPr lang="en-US" smtClean="0"/>
-              <a:t>12/15/2011</a:t>
+              <a:t>12/18/2011</a:t>
             </a:fld>
             <a:endParaRPr lang="en-US"/>
           </a:p>
@@ -7793,7 +7794,7 @@
           <a:p>
             <a:fld id="{AEBC359E-74D2-4BE3-B89B-803EEEC24772}" type="datetimeFigureOut">
               <a:rPr lang="en-US" smtClean="0"/>
-              <a:t>12/15/2011</a:t>
+              <a:t>12/18/2011</a:t>
             </a:fld>
             <a:endParaRPr lang="en-US"/>
           </a:p>
@@ -8046,7 +8047,7 @@
           <a:p>
             <a:fld id="{AEBC359E-74D2-4BE3-B89B-803EEEC24772}" type="datetimeFigureOut">
               <a:rPr lang="en-US" smtClean="0"/>
-              <a:t>12/15/2011</a:t>
+              <a:t>12/18/2011</a:t>
             </a:fld>
             <a:endParaRPr lang="en-US"/>
           </a:p>
@@ -8259,7 +8260,7 @@
           <a:p>
             <a:fld id="{AEBC359E-74D2-4BE3-B89B-803EEEC24772}" type="datetimeFigureOut">
               <a:rPr lang="en-US" smtClean="0"/>
-              <a:t>12/15/2011</a:t>
+              <a:t>12/18/2011</a:t>
             </a:fld>
             <a:endParaRPr lang="en-US"/>
           </a:p>
@@ -12895,6 +12896,743 @@
 </p:sld>
 </file>
 
+<file path=ppt/slides/slide15.xml><?xml version="1.0" encoding="utf-8"?>
+<p:sld xmlns:a="http://schemas.openxmlformats.org/drawingml/2006/main" xmlns:r="http://schemas.openxmlformats.org/officeDocument/2006/relationships" xmlns:p="http://schemas.openxmlformats.org/presentationml/2006/main">
+  <p:cSld>
+    <p:spTree>
+      <p:nvGrpSpPr>
+        <p:cNvPr id="1" name=""/>
+        <p:cNvGrpSpPr/>
+        <p:nvPr/>
+      </p:nvGrpSpPr>
+      <p:grpSpPr>
+        <a:xfrm>
+          <a:off x="0" y="0"/>
+          <a:ext cx="0" cy="0"/>
+          <a:chOff x="0" y="0"/>
+          <a:chExt cx="0" cy="0"/>
+        </a:xfrm>
+      </p:grpSpPr>
+      <p:pic>
+        <p:nvPicPr>
+          <p:cNvPr id="1026" name="Picture 2"/>
+          <p:cNvPicPr>
+            <a:picLocks noChangeAspect="1" noChangeArrowheads="1"/>
+          </p:cNvPicPr>
+          <p:nvPr/>
+        </p:nvPicPr>
+        <p:blipFill>
+          <a:blip r:embed="rId2">
+            <a:extLst>
+              <a:ext uri="{28A0092B-C50C-407E-A947-70E740481C1C}">
+                <a14:useLocalDpi xmlns:a14="http://schemas.microsoft.com/office/drawing/2010/main" val="0"/>
+              </a:ext>
+            </a:extLst>
+          </a:blip>
+          <a:srcRect/>
+          <a:stretch>
+            <a:fillRect/>
+          </a:stretch>
+        </p:blipFill>
+        <p:spPr bwMode="auto">
+          <a:xfrm>
+            <a:off x="152400" y="152400"/>
+            <a:ext cx="4629150" cy="2114550"/>
+          </a:xfrm>
+          <a:prstGeom prst="rect">
+            <a:avLst/>
+          </a:prstGeom>
+          <a:noFill/>
+          <a:ln>
+            <a:noFill/>
+          </a:ln>
+          <a:effectLst/>
+          <a:extLst>
+            <a:ext uri="{909E8E84-426E-40DD-AFC4-6F175D3DCCD1}">
+              <a14:hiddenFill xmlns:a14="http://schemas.microsoft.com/office/drawing/2010/main">
+                <a:solidFill>
+                  <a:schemeClr val="accent1"/>
+                </a:solidFill>
+              </a14:hiddenFill>
+            </a:ext>
+            <a:ext uri="{91240B29-F687-4F45-9708-019B960494DF}">
+              <a14:hiddenLine xmlns:a14="http://schemas.microsoft.com/office/drawing/2010/main" w="9525">
+                <a:solidFill>
+                  <a:schemeClr val="tx1"/>
+                </a:solidFill>
+                <a:miter lim="800000"/>
+                <a:headEnd/>
+                <a:tailEnd/>
+              </a14:hiddenLine>
+            </a:ext>
+            <a:ext uri="{AF507438-7753-43E0-B8FC-AC1667EBCBE1}">
+              <a14:hiddenEffects xmlns:a14="http://schemas.microsoft.com/office/drawing/2010/main">
+                <a:effectLst>
+                  <a:outerShdw dist="35921" dir="2700000" algn="ctr" rotWithShape="0">
+                    <a:schemeClr val="bg2"/>
+                  </a:outerShdw>
+                </a:effectLst>
+              </a14:hiddenEffects>
+            </a:ext>
+          </a:extLst>
+        </p:spPr>
+      </p:pic>
+      <p:sp>
+        <p:nvSpPr>
+          <p:cNvPr id="10" name="Rectangle 9"/>
+          <p:cNvSpPr/>
+          <p:nvPr/>
+        </p:nvSpPr>
+        <p:spPr>
+          <a:xfrm>
+            <a:off x="1447800" y="4876800"/>
+            <a:ext cx="1447800" cy="685800"/>
+          </a:xfrm>
+          <a:prstGeom prst="rect">
+            <a:avLst/>
+          </a:prstGeom>
+        </p:spPr>
+        <p:style>
+          <a:lnRef idx="3">
+            <a:schemeClr val="lt1"/>
+          </a:lnRef>
+          <a:fillRef idx="1">
+            <a:schemeClr val="accent5"/>
+          </a:fillRef>
+          <a:effectRef idx="1">
+            <a:schemeClr val="accent5"/>
+          </a:effectRef>
+          <a:fontRef idx="minor">
+            <a:schemeClr val="lt1"/>
+          </a:fontRef>
+        </p:style>
+        <p:txBody>
+          <a:bodyPr rtlCol="0" anchor="t"/>
+          <a:lstStyle/>
+          <a:p>
+            <a:pPr algn="ctr"/>
+            <a:r>
+              <a:rPr lang="en-US" dirty="0" smtClean="0"/>
+              <a:t>Leaves</a:t>
+            </a:r>
+            <a:endParaRPr lang="en-US" dirty="0"/>
+          </a:p>
+        </p:txBody>
+      </p:sp>
+      <p:sp>
+        <p:nvSpPr>
+          <p:cNvPr id="12" name="Rectangle 11"/>
+          <p:cNvSpPr/>
+          <p:nvPr/>
+        </p:nvSpPr>
+        <p:spPr>
+          <a:xfrm>
+            <a:off x="4610100" y="4876800"/>
+            <a:ext cx="1714500" cy="685800"/>
+          </a:xfrm>
+          <a:prstGeom prst="rect">
+            <a:avLst/>
+          </a:prstGeom>
+        </p:spPr>
+        <p:style>
+          <a:lnRef idx="3">
+            <a:schemeClr val="lt1"/>
+          </a:lnRef>
+          <a:fillRef idx="1">
+            <a:schemeClr val="accent5"/>
+          </a:fillRef>
+          <a:effectRef idx="1">
+            <a:schemeClr val="accent5"/>
+          </a:effectRef>
+          <a:fontRef idx="minor">
+            <a:schemeClr val="lt1"/>
+          </a:fontRef>
+        </p:style>
+        <p:txBody>
+          <a:bodyPr rtlCol="0" anchor="t"/>
+          <a:lstStyle/>
+          <a:p>
+            <a:pPr algn="ctr"/>
+            <a:r>
+              <a:rPr lang="en-US" dirty="0" smtClean="0"/>
+              <a:t>Composite</a:t>
+            </a:r>
+            <a:endParaRPr lang="en-US" dirty="0"/>
+          </a:p>
+        </p:txBody>
+      </p:sp>
+      <p:sp>
+        <p:nvSpPr>
+          <p:cNvPr id="13" name="Rectangle 12"/>
+          <p:cNvSpPr/>
+          <p:nvPr/>
+        </p:nvSpPr>
+        <p:spPr>
+          <a:xfrm>
+            <a:off x="3048000" y="3429000"/>
+            <a:ext cx="1562100" cy="762000"/>
+          </a:xfrm>
+          <a:prstGeom prst="rect">
+            <a:avLst/>
+          </a:prstGeom>
+        </p:spPr>
+        <p:style>
+          <a:lnRef idx="3">
+            <a:schemeClr val="lt1"/>
+          </a:lnRef>
+          <a:fillRef idx="1">
+            <a:schemeClr val="accent5"/>
+          </a:fillRef>
+          <a:effectRef idx="1">
+            <a:schemeClr val="accent5"/>
+          </a:effectRef>
+          <a:fontRef idx="minor">
+            <a:schemeClr val="lt1"/>
+          </a:fontRef>
+        </p:style>
+        <p:txBody>
+          <a:bodyPr rtlCol="0" anchor="t"/>
+          <a:lstStyle/>
+          <a:p>
+            <a:pPr algn="ctr"/>
+            <a:r>
+              <a:rPr lang="en-US" dirty="0" smtClean="0"/>
+              <a:t>Component </a:t>
+            </a:r>
+          </a:p>
+          <a:p>
+            <a:pPr algn="ctr"/>
+            <a:r>
+              <a:rPr lang="en-US" dirty="0" smtClean="0"/>
+              <a:t>(Node)</a:t>
+            </a:r>
+            <a:endParaRPr lang="en-US" dirty="0"/>
+          </a:p>
+        </p:txBody>
+      </p:sp>
+      <p:sp>
+        <p:nvSpPr>
+          <p:cNvPr id="11" name="Oval 10"/>
+          <p:cNvSpPr/>
+          <p:nvPr/>
+        </p:nvSpPr>
+        <p:spPr>
+          <a:xfrm>
+            <a:off x="4391025" y="3162300"/>
+            <a:ext cx="781050" cy="533400"/>
+          </a:xfrm>
+          <a:prstGeom prst="ellipse">
+            <a:avLst/>
+          </a:prstGeom>
+        </p:spPr>
+        <p:style>
+          <a:lnRef idx="2">
+            <a:schemeClr val="accent6"/>
+          </a:lnRef>
+          <a:fillRef idx="1">
+            <a:schemeClr val="lt1"/>
+          </a:fillRef>
+          <a:effectRef idx="0">
+            <a:schemeClr val="accent6"/>
+          </a:effectRef>
+          <a:fontRef idx="minor">
+            <a:schemeClr val="dk1"/>
+          </a:fontRef>
+        </p:style>
+        <p:txBody>
+          <a:bodyPr rtlCol="0" anchor="ctr"/>
+          <a:lstStyle/>
+          <a:p>
+            <a:pPr algn="ctr"/>
+            <a:r>
+              <a:rPr lang="en-US" sz="1200" dirty="0" smtClean="0"/>
+              <a:t>Node</a:t>
+            </a:r>
+            <a:endParaRPr lang="en-US" sz="1200" dirty="0"/>
+          </a:p>
+        </p:txBody>
+      </p:sp>
+      <p:cxnSp>
+        <p:nvCxnSpPr>
+          <p:cNvPr id="20" name="Straight Arrow Connector 19"/>
+          <p:cNvCxnSpPr>
+            <a:stCxn id="10" idx="0"/>
+            <a:endCxn id="13" idx="1"/>
+          </p:cNvCxnSpPr>
+          <p:nvPr/>
+        </p:nvCxnSpPr>
+        <p:spPr>
+          <a:xfrm rot="5400000" flipH="1" flipV="1">
+            <a:off x="2076450" y="3905250"/>
+            <a:ext cx="1066800" cy="876300"/>
+          </a:xfrm>
+          <a:prstGeom prst="curvedConnector2">
+            <a:avLst/>
+          </a:prstGeom>
+          <a:ln w="19050">
+            <a:headEnd type="none" w="med" len="med"/>
+            <a:tailEnd type="triangle" w="med" len="med"/>
+          </a:ln>
+        </p:spPr>
+        <p:style>
+          <a:lnRef idx="1">
+            <a:schemeClr val="accent1"/>
+          </a:lnRef>
+          <a:fillRef idx="0">
+            <a:schemeClr val="accent1"/>
+          </a:fillRef>
+          <a:effectRef idx="0">
+            <a:schemeClr val="accent1"/>
+          </a:effectRef>
+          <a:fontRef idx="minor">
+            <a:schemeClr val="tx1"/>
+          </a:fontRef>
+        </p:style>
+      </p:cxnSp>
+      <p:cxnSp>
+        <p:nvCxnSpPr>
+          <p:cNvPr id="22" name="Straight Arrow Connector 21"/>
+          <p:cNvCxnSpPr>
+            <a:stCxn id="12" idx="0"/>
+            <a:endCxn id="13" idx="3"/>
+          </p:cNvCxnSpPr>
+          <p:nvPr/>
+        </p:nvCxnSpPr>
+        <p:spPr>
+          <a:xfrm rot="16200000" flipV="1">
+            <a:off x="4505325" y="3914775"/>
+            <a:ext cx="1066800" cy="857250"/>
+          </a:xfrm>
+          <a:prstGeom prst="curvedConnector2">
+            <a:avLst/>
+          </a:prstGeom>
+          <a:ln>
+            <a:tailEnd type="arrow"/>
+          </a:ln>
+        </p:spPr>
+        <p:style>
+          <a:lnRef idx="1">
+            <a:schemeClr val="accent1"/>
+          </a:lnRef>
+          <a:fillRef idx="0">
+            <a:schemeClr val="accent1"/>
+          </a:fillRef>
+          <a:effectRef idx="0">
+            <a:schemeClr val="accent1"/>
+          </a:effectRef>
+          <a:fontRef idx="minor">
+            <a:schemeClr val="tx1"/>
+          </a:fontRef>
+        </p:style>
+      </p:cxnSp>
+      <p:sp>
+        <p:nvSpPr>
+          <p:cNvPr id="24" name="Oval 23"/>
+          <p:cNvSpPr/>
+          <p:nvPr/>
+        </p:nvSpPr>
+        <p:spPr>
+          <a:xfrm>
+            <a:off x="5934075" y="4638675"/>
+            <a:ext cx="781050" cy="533400"/>
+          </a:xfrm>
+          <a:prstGeom prst="ellipse">
+            <a:avLst/>
+          </a:prstGeom>
+        </p:spPr>
+        <p:style>
+          <a:lnRef idx="2">
+            <a:schemeClr val="accent6"/>
+          </a:lnRef>
+          <a:fillRef idx="1">
+            <a:schemeClr val="lt1"/>
+          </a:fillRef>
+          <a:effectRef idx="0">
+            <a:schemeClr val="accent6"/>
+          </a:effectRef>
+          <a:fontRef idx="minor">
+            <a:schemeClr val="dk1"/>
+          </a:fontRef>
+        </p:style>
+        <p:txBody>
+          <a:bodyPr rtlCol="0" anchor="ctr"/>
+          <a:lstStyle/>
+          <a:p>
+            <a:pPr algn="ctr"/>
+            <a:r>
+              <a:rPr lang="en-US" sz="1200" dirty="0" smtClean="0"/>
+              <a:t>Node</a:t>
+            </a:r>
+            <a:endParaRPr lang="en-US" sz="1200" dirty="0"/>
+          </a:p>
+        </p:txBody>
+      </p:sp>
+      <p:sp>
+        <p:nvSpPr>
+          <p:cNvPr id="25" name="Oval 24"/>
+          <p:cNvSpPr/>
+          <p:nvPr/>
+        </p:nvSpPr>
+        <p:spPr>
+          <a:xfrm>
+            <a:off x="2505075" y="4657725"/>
+            <a:ext cx="781050" cy="533400"/>
+          </a:xfrm>
+          <a:prstGeom prst="ellipse">
+            <a:avLst/>
+          </a:prstGeom>
+        </p:spPr>
+        <p:style>
+          <a:lnRef idx="2">
+            <a:schemeClr val="accent6"/>
+          </a:lnRef>
+          <a:fillRef idx="1">
+            <a:schemeClr val="lt1"/>
+          </a:fillRef>
+          <a:effectRef idx="0">
+            <a:schemeClr val="accent6"/>
+          </a:effectRef>
+          <a:fontRef idx="minor">
+            <a:schemeClr val="dk1"/>
+          </a:fontRef>
+        </p:style>
+        <p:txBody>
+          <a:bodyPr rtlCol="0" anchor="ctr"/>
+          <a:lstStyle/>
+          <a:p>
+            <a:pPr algn="ctr"/>
+            <a:r>
+              <a:rPr lang="en-US" sz="1200" dirty="0" smtClean="0"/>
+              <a:t>Node</a:t>
+            </a:r>
+            <a:endParaRPr lang="en-US" sz="1200" dirty="0"/>
+          </a:p>
+        </p:txBody>
+      </p:sp>
+      <p:cxnSp>
+        <p:nvCxnSpPr>
+          <p:cNvPr id="30" name="Straight Arrow Connector 29"/>
+          <p:cNvCxnSpPr>
+            <a:stCxn id="12" idx="1"/>
+            <a:endCxn id="13" idx="2"/>
+          </p:cNvCxnSpPr>
+          <p:nvPr/>
+        </p:nvCxnSpPr>
+        <p:spPr>
+          <a:xfrm rot="10800000">
+            <a:off x="3829050" y="4191000"/>
+            <a:ext cx="781050" cy="1028700"/>
+          </a:xfrm>
+          <a:prstGeom prst="curvedConnector2">
+            <a:avLst/>
+          </a:prstGeom>
+          <a:ln>
+            <a:tailEnd type="arrow"/>
+          </a:ln>
+        </p:spPr>
+        <p:style>
+          <a:lnRef idx="1">
+            <a:schemeClr val="accent1"/>
+          </a:lnRef>
+          <a:fillRef idx="0">
+            <a:schemeClr val="accent1"/>
+          </a:fillRef>
+          <a:effectRef idx="0">
+            <a:schemeClr val="accent1"/>
+          </a:effectRef>
+          <a:fontRef idx="minor">
+            <a:schemeClr val="tx1"/>
+          </a:fontRef>
+        </p:style>
+      </p:cxnSp>
+      <p:sp>
+        <p:nvSpPr>
+          <p:cNvPr id="31" name="TextBox 30"/>
+          <p:cNvSpPr txBox="1"/>
+          <p:nvPr/>
+        </p:nvSpPr>
+        <p:spPr>
+          <a:xfrm>
+            <a:off x="1905000" y="4006334"/>
+            <a:ext cx="806631" cy="369332"/>
+          </a:xfrm>
+          <a:prstGeom prst="rect">
+            <a:avLst/>
+          </a:prstGeom>
+          <a:noFill/>
+        </p:spPr>
+        <p:txBody>
+          <a:bodyPr wrap="none" rtlCol="0">
+            <a:spAutoFit/>
+          </a:bodyPr>
+          <a:lstStyle/>
+          <a:p>
+            <a:r>
+              <a:rPr lang="en-US" dirty="0" smtClean="0"/>
+              <a:t>inherit</a:t>
+            </a:r>
+            <a:endParaRPr lang="en-US" dirty="0"/>
+          </a:p>
+        </p:txBody>
+      </p:sp>
+      <p:sp>
+        <p:nvSpPr>
+          <p:cNvPr id="33" name="TextBox 32"/>
+          <p:cNvSpPr txBox="1"/>
+          <p:nvPr/>
+        </p:nvSpPr>
+        <p:spPr>
+          <a:xfrm>
+            <a:off x="3641544" y="4532352"/>
+            <a:ext cx="806631" cy="369332"/>
+          </a:xfrm>
+          <a:prstGeom prst="rect">
+            <a:avLst/>
+          </a:prstGeom>
+          <a:noFill/>
+        </p:spPr>
+        <p:txBody>
+          <a:bodyPr wrap="none" rtlCol="0">
+            <a:spAutoFit/>
+          </a:bodyPr>
+          <a:lstStyle/>
+          <a:p>
+            <a:r>
+              <a:rPr lang="en-US" dirty="0" smtClean="0"/>
+              <a:t>inherit</a:t>
+            </a:r>
+            <a:endParaRPr lang="en-US" dirty="0"/>
+          </a:p>
+        </p:txBody>
+      </p:sp>
+      <p:sp>
+        <p:nvSpPr>
+          <p:cNvPr id="34" name="TextBox 33"/>
+          <p:cNvSpPr txBox="1"/>
+          <p:nvPr/>
+        </p:nvSpPr>
+        <p:spPr>
+          <a:xfrm>
+            <a:off x="4819650" y="4006334"/>
+            <a:ext cx="1294650" cy="369332"/>
+          </a:xfrm>
+          <a:prstGeom prst="rect">
+            <a:avLst/>
+          </a:prstGeom>
+          <a:noFill/>
+        </p:spPr>
+        <p:txBody>
+          <a:bodyPr wrap="none" rtlCol="0">
+            <a:spAutoFit/>
+          </a:bodyPr>
+          <a:lstStyle/>
+          <a:p>
+            <a:r>
+              <a:rPr lang="en-US" dirty="0" smtClean="0"/>
+              <a:t>aggregation</a:t>
+            </a:r>
+            <a:endParaRPr lang="en-US" dirty="0"/>
+          </a:p>
+        </p:txBody>
+      </p:sp>
+      <p:sp>
+        <p:nvSpPr>
+          <p:cNvPr id="32" name="Rectangular Callout 31"/>
+          <p:cNvSpPr/>
+          <p:nvPr/>
+        </p:nvSpPr>
+        <p:spPr>
+          <a:xfrm>
+            <a:off x="2196056" y="3298866"/>
+            <a:ext cx="977810" cy="381000"/>
+          </a:xfrm>
+          <a:prstGeom prst="wedgeRectCallout">
+            <a:avLst>
+              <a:gd name="adj1" fmla="val 30316"/>
+              <a:gd name="adj2" fmla="val 66953"/>
+            </a:avLst>
+          </a:prstGeom>
+        </p:spPr>
+        <p:style>
+          <a:lnRef idx="2">
+            <a:schemeClr val="accent5"/>
+          </a:lnRef>
+          <a:fillRef idx="1">
+            <a:schemeClr val="lt1"/>
+          </a:fillRef>
+          <a:effectRef idx="0">
+            <a:schemeClr val="accent5"/>
+          </a:effectRef>
+          <a:fontRef idx="minor">
+            <a:schemeClr val="dk1"/>
+          </a:fontRef>
+        </p:style>
+        <p:txBody>
+          <a:bodyPr rtlCol="0" anchor="ctr"/>
+          <a:lstStyle/>
+          <a:p>
+            <a:pPr algn="ctr"/>
+            <a:r>
+              <a:rPr lang="en-US" dirty="0" smtClean="0"/>
+              <a:t>abstract</a:t>
+            </a:r>
+            <a:endParaRPr lang="en-US" dirty="0"/>
+          </a:p>
+        </p:txBody>
+      </p:sp>
+      <p:cxnSp>
+        <p:nvCxnSpPr>
+          <p:cNvPr id="42" name="Straight Arrow Connector 41"/>
+          <p:cNvCxnSpPr/>
+          <p:nvPr/>
+        </p:nvCxnSpPr>
+        <p:spPr>
+          <a:xfrm rot="16200000" flipH="1">
+            <a:off x="2328863" y="1100137"/>
+            <a:ext cx="4105274" cy="2971800"/>
+          </a:xfrm>
+          <a:prstGeom prst="curvedConnector3">
+            <a:avLst>
+              <a:gd name="adj1" fmla="val 16445"/>
+            </a:avLst>
+          </a:prstGeom>
+          <a:ln>
+            <a:prstDash val="lgDash"/>
+            <a:tailEnd type="arrow"/>
+          </a:ln>
+        </p:spPr>
+        <p:style>
+          <a:lnRef idx="1">
+            <a:schemeClr val="accent2"/>
+          </a:lnRef>
+          <a:fillRef idx="0">
+            <a:schemeClr val="accent2"/>
+          </a:fillRef>
+          <a:effectRef idx="0">
+            <a:schemeClr val="accent2"/>
+          </a:effectRef>
+          <a:fontRef idx="minor">
+            <a:schemeClr val="tx1"/>
+          </a:fontRef>
+        </p:style>
+      </p:cxnSp>
+      <p:cxnSp>
+        <p:nvCxnSpPr>
+          <p:cNvPr id="50" name="Straight Arrow Connector 49"/>
+          <p:cNvCxnSpPr>
+            <a:endCxn id="13" idx="0"/>
+          </p:cNvCxnSpPr>
+          <p:nvPr/>
+        </p:nvCxnSpPr>
+        <p:spPr>
+          <a:xfrm>
+            <a:off x="2711631" y="838200"/>
+            <a:ext cx="1117419" cy="2590800"/>
+          </a:xfrm>
+          <a:prstGeom prst="straightConnector1">
+            <a:avLst/>
+          </a:prstGeom>
+          <a:ln>
+            <a:prstDash val="lgDash"/>
+            <a:tailEnd type="arrow"/>
+          </a:ln>
+        </p:spPr>
+        <p:style>
+          <a:lnRef idx="1">
+            <a:schemeClr val="accent2"/>
+          </a:lnRef>
+          <a:fillRef idx="0">
+            <a:schemeClr val="accent2"/>
+          </a:fillRef>
+          <a:effectRef idx="0">
+            <a:schemeClr val="accent2"/>
+          </a:effectRef>
+          <a:fontRef idx="minor">
+            <a:schemeClr val="tx1"/>
+          </a:fontRef>
+        </p:style>
+      </p:cxnSp>
+      <p:cxnSp>
+        <p:nvCxnSpPr>
+          <p:cNvPr id="52" name="Straight Arrow Connector 51"/>
+          <p:cNvCxnSpPr/>
+          <p:nvPr/>
+        </p:nvCxnSpPr>
+        <p:spPr>
+          <a:xfrm>
+            <a:off x="2308315" y="1676400"/>
+            <a:ext cx="1333229" cy="1622466"/>
+          </a:xfrm>
+          <a:prstGeom prst="straightConnector1">
+            <a:avLst/>
+          </a:prstGeom>
+          <a:ln>
+            <a:prstDash val="lgDash"/>
+            <a:tailEnd type="arrow"/>
+          </a:ln>
+        </p:spPr>
+        <p:style>
+          <a:lnRef idx="1">
+            <a:schemeClr val="accent2"/>
+          </a:lnRef>
+          <a:fillRef idx="0">
+            <a:schemeClr val="accent2"/>
+          </a:fillRef>
+          <a:effectRef idx="0">
+            <a:schemeClr val="accent2"/>
+          </a:effectRef>
+          <a:fontRef idx="minor">
+            <a:schemeClr val="tx1"/>
+          </a:fontRef>
+        </p:style>
+      </p:cxnSp>
+      <p:cxnSp>
+        <p:nvCxnSpPr>
+          <p:cNvPr id="55" name="Straight Arrow Connector 54"/>
+          <p:cNvCxnSpPr/>
+          <p:nvPr/>
+        </p:nvCxnSpPr>
+        <p:spPr>
+          <a:xfrm>
+            <a:off x="1905000" y="2133600"/>
+            <a:ext cx="1518624" cy="1165266"/>
+          </a:xfrm>
+          <a:prstGeom prst="straightConnector1">
+            <a:avLst/>
+          </a:prstGeom>
+          <a:ln>
+            <a:prstDash val="lgDash"/>
+            <a:tailEnd type="arrow"/>
+          </a:ln>
+        </p:spPr>
+        <p:style>
+          <a:lnRef idx="1">
+            <a:schemeClr val="accent2"/>
+          </a:lnRef>
+          <a:fillRef idx="0">
+            <a:schemeClr val="accent2"/>
+          </a:fillRef>
+          <a:effectRef idx="0">
+            <a:schemeClr val="accent2"/>
+          </a:effectRef>
+          <a:fontRef idx="minor">
+            <a:schemeClr val="tx1"/>
+          </a:fontRef>
+        </p:style>
+      </p:cxnSp>
+    </p:spTree>
+    <p:extLst>
+      <p:ext uri="{BB962C8B-B14F-4D97-AF65-F5344CB8AC3E}">
+        <p14:creationId xmlns:p14="http://schemas.microsoft.com/office/powerpoint/2010/main" val="1196023735"/>
+      </p:ext>
+    </p:extLst>
+  </p:cSld>
+  <p:clrMapOvr>
+    <a:masterClrMapping/>
+  </p:clrMapOvr>
+</p:sld>
+</file>
+
 <file path=ppt/slides/slide2.xml><?xml version="1.0" encoding="utf-8"?>
 <p:sld xmlns:a="http://schemas.openxmlformats.org/drawingml/2006/main" xmlns:r="http://schemas.openxmlformats.org/officeDocument/2006/relationships" xmlns:p="http://schemas.openxmlformats.org/presentationml/2006/main">
   <p:cSld>

--- a/Documents/Thesis Report Picture.pptx
+++ b/Documents/Thesis Report Picture.pptx
@@ -20,6 +20,7 @@
     <p:sldId id="269" r:id="rId14"/>
     <p:sldId id="268" r:id="rId15"/>
     <p:sldId id="270" r:id="rId16"/>
+    <p:sldId id="271" r:id="rId17"/>
   </p:sldIdLst>
   <p:sldSz cx="9144000" cy="6858000" type="screen4x3"/>
   <p:notesSz cx="6858000" cy="9144000"/>
@@ -938,7 +939,7 @@
         <a:lstStyle/>
         <a:p>
           <a:r>
-            <a:rPr lang="en-US" sz="1600" b="1" cap="none" spc="0" dirty="0" smtClean="0">
+            <a:rPr lang="en-US" sz="1600" b="1" cap="none" spc="0" smtClean="0">
               <a:ln w="17780" cmpd="sng">
                 <a:solidFill>
                   <a:schemeClr val="accent1">
@@ -978,7 +979,7 @@
             </a:rPr>
             <a:t>2. Create Analysis Services Data Source</a:t>
           </a:r>
-          <a:endParaRPr lang="en-US" sz="1600" b="1" cap="none" spc="0" dirty="0">
+          <a:endParaRPr lang="en-US" sz="1600" b="1" cap="none" spc="0">
             <a:ln w="17780" cmpd="sng">
               <a:solidFill>
                 <a:schemeClr val="accent1">
@@ -1156,7 +1157,7 @@
         <a:lstStyle/>
         <a:p>
           <a:r>
-            <a:rPr lang="en-US" sz="1600" b="1" cap="none" spc="0" dirty="0" smtClean="0">
+            <a:rPr lang="en-US" sz="1600" b="1" cap="none" spc="0" smtClean="0">
               <a:ln w="17780" cmpd="sng">
                 <a:solidFill>
                   <a:schemeClr val="accent1">
@@ -1196,7 +1197,7 @@
             </a:rPr>
             <a:t>3. Create Analysis Service Data Source View</a:t>
           </a:r>
-          <a:endParaRPr lang="en-US" sz="1600" b="1" cap="none" spc="0" dirty="0">
+          <a:endParaRPr lang="en-US" sz="1600" b="1" cap="none" spc="0">
             <a:ln w="17780" cmpd="sng">
               <a:solidFill>
                 <a:schemeClr val="accent1">
@@ -1374,7 +1375,7 @@
         <a:lstStyle/>
         <a:p>
           <a:r>
-            <a:rPr lang="en-US" sz="1600" b="1" cap="none" spc="0" dirty="0" smtClean="0">
+            <a:rPr lang="en-US" sz="1600" b="1" cap="none" spc="0" smtClean="0">
               <a:ln w="17780" cmpd="sng">
                 <a:solidFill>
                   <a:schemeClr val="accent1">
@@ -1414,7 +1415,7 @@
             </a:rPr>
             <a:t>4. Select Algorithm and declare parameters</a:t>
           </a:r>
-          <a:endParaRPr lang="en-US" sz="1600" b="1" cap="none" spc="0" dirty="0">
+          <a:endParaRPr lang="en-US" sz="1600" b="1" cap="none" spc="0">
             <a:ln w="17780" cmpd="sng">
               <a:solidFill>
                 <a:schemeClr val="accent1">
@@ -1592,7 +1593,7 @@
         <a:lstStyle/>
         <a:p>
           <a:r>
-            <a:rPr lang="en-US" sz="1600" b="1" cap="none" spc="0" dirty="0" smtClean="0">
+            <a:rPr lang="en-US" sz="1600" b="1" cap="none" spc="0" smtClean="0">
               <a:ln w="17780" cmpd="sng">
                 <a:solidFill>
                   <a:schemeClr val="accent1">
@@ -1632,7 +1633,7 @@
             </a:rPr>
             <a:t>5. Create Mining structures and mining models</a:t>
           </a:r>
-          <a:endParaRPr lang="en-US" sz="1600" b="1" cap="none" spc="0" dirty="0">
+          <a:endParaRPr lang="en-US" sz="1600" b="1" cap="none" spc="0">
             <a:ln w="17780" cmpd="sng">
               <a:solidFill>
                 <a:schemeClr val="accent1">
@@ -1810,7 +1811,7 @@
         <a:lstStyle/>
         <a:p>
           <a:r>
-            <a:rPr lang="en-US" sz="1600" b="1" cap="none" spc="0" dirty="0" smtClean="0">
+            <a:rPr lang="en-US" sz="1600" b="1" cap="none" spc="0" smtClean="0">
               <a:ln w="17780" cmpd="sng">
                 <a:solidFill>
                   <a:schemeClr val="accent1">
@@ -1850,7 +1851,7 @@
             </a:rPr>
             <a:t>7. Export Mining Model data to database (Database Engine)</a:t>
           </a:r>
-          <a:endParaRPr lang="en-US" sz="1600" b="1" cap="none" spc="0" dirty="0">
+          <a:endParaRPr lang="en-US" sz="1600" b="1" cap="none" spc="0">
             <a:ln w="17780" cmpd="sng">
               <a:solidFill>
                 <a:schemeClr val="accent1">
@@ -2028,7 +2029,7 @@
         <a:lstStyle/>
         <a:p>
           <a:r>
-            <a:rPr lang="en-US" sz="1600" b="1" cap="none" spc="0" dirty="0" smtClean="0">
+            <a:rPr lang="en-US" sz="1600" b="1" cap="none" spc="0" smtClean="0">
               <a:ln w="17780" cmpd="sng">
                 <a:solidFill>
                   <a:schemeClr val="accent1">
@@ -2068,7 +2069,7 @@
             </a:rPr>
             <a:t>1. Preprocessing data and export data to view</a:t>
           </a:r>
-          <a:endParaRPr lang="en-US" sz="1600" b="1" cap="none" spc="0" dirty="0">
+          <a:endParaRPr lang="en-US" sz="1600" b="1" cap="none" spc="0">
             <a:ln w="17780" cmpd="sng">
               <a:solidFill>
                 <a:schemeClr val="accent1">
@@ -2152,7 +2153,7 @@
         <a:lstStyle/>
         <a:p>
           <a:r>
-            <a:rPr lang="en-US" sz="1600" b="1" cap="none" spc="0" dirty="0" smtClean="0">
+            <a:rPr lang="en-US" sz="1600" b="1" cap="none" spc="0" smtClean="0">
               <a:ln w="17780" cmpd="sng">
                 <a:solidFill>
                   <a:schemeClr val="accent1">
@@ -2192,7 +2193,7 @@
             </a:rPr>
             <a:t>8. Clean up and close connections</a:t>
           </a:r>
-          <a:endParaRPr lang="en-US" sz="1600" b="1" cap="none" spc="0" dirty="0">
+          <a:endParaRPr lang="en-US" sz="1600" b="1" cap="none" spc="0">
             <a:ln w="17780" cmpd="sng">
               <a:solidFill>
                 <a:schemeClr val="accent1">
@@ -2316,7 +2317,7 @@
             </a:rPr>
             <a:t>6. Processing Mining Model</a:t>
           </a:r>
-          <a:endParaRPr lang="en-US" sz="1600" b="1" cap="none" spc="0" dirty="0">
+          <a:endParaRPr lang="en-US" sz="1600" b="1" cap="none" spc="0">
             <a:ln w="17780" cmpd="sng">
               <a:solidFill>
                 <a:schemeClr val="accent1">
@@ -2716,7 +2717,7 @@
             </a:spcAft>
           </a:pPr>
           <a:r>
-            <a:rPr lang="en-US" sz="1600" b="1" kern="1200" cap="none" spc="0" dirty="0" smtClean="0">
+            <a:rPr lang="en-US" sz="1600" b="1" kern="1200" cap="none" spc="0" smtClean="0">
               <a:ln w="17780" cmpd="sng">
                 <a:solidFill>
                   <a:schemeClr val="accent1">
@@ -2756,7 +2757,7 @@
             </a:rPr>
             <a:t>8. Clean up and close connections</a:t>
           </a:r>
-          <a:endParaRPr lang="en-US" sz="1600" b="1" kern="1200" cap="none" spc="0" dirty="0">
+          <a:endParaRPr lang="en-US" sz="1600" b="1" kern="1200" cap="none" spc="0">
             <a:ln w="17780" cmpd="sng">
               <a:solidFill>
                 <a:schemeClr val="accent1">
@@ -2912,7 +2913,7 @@
             </a:spcAft>
           </a:pPr>
           <a:r>
-            <a:rPr lang="en-US" sz="1600" b="1" kern="1200" cap="none" spc="0" dirty="0" smtClean="0">
+            <a:rPr lang="en-US" sz="1600" b="1" kern="1200" cap="none" spc="0" smtClean="0">
               <a:ln w="17780" cmpd="sng">
                 <a:solidFill>
                   <a:schemeClr val="accent1">
@@ -2952,7 +2953,7 @@
             </a:rPr>
             <a:t>7. Export Mining Model data to database (Database Engine)</a:t>
           </a:r>
-          <a:endParaRPr lang="en-US" sz="1600" b="1" kern="1200" cap="none" spc="0" dirty="0">
+          <a:endParaRPr lang="en-US" sz="1600" b="1" kern="1200" cap="none" spc="0">
             <a:ln w="17780" cmpd="sng">
               <a:solidFill>
                 <a:schemeClr val="accent1">
@@ -3148,7 +3149,7 @@
             </a:rPr>
             <a:t>6. Processing Mining Model</a:t>
           </a:r>
-          <a:endParaRPr lang="en-US" sz="1600" b="1" kern="1200" cap="none" spc="0" dirty="0">
+          <a:endParaRPr lang="en-US" sz="1600" b="1" kern="1200" cap="none" spc="0">
             <a:ln w="17780" cmpd="sng">
               <a:solidFill>
                 <a:schemeClr val="accent1">
@@ -3304,7 +3305,7 @@
             </a:spcAft>
           </a:pPr>
           <a:r>
-            <a:rPr lang="en-US" sz="1600" b="1" kern="1200" cap="none" spc="0" dirty="0" smtClean="0">
+            <a:rPr lang="en-US" sz="1600" b="1" kern="1200" cap="none" spc="0" smtClean="0">
               <a:ln w="17780" cmpd="sng">
                 <a:solidFill>
                   <a:schemeClr val="accent1">
@@ -3344,7 +3345,7 @@
             </a:rPr>
             <a:t>5. Create Mining structures and mining models</a:t>
           </a:r>
-          <a:endParaRPr lang="en-US" sz="1600" b="1" kern="1200" cap="none" spc="0" dirty="0">
+          <a:endParaRPr lang="en-US" sz="1600" b="1" kern="1200" cap="none" spc="0">
             <a:ln w="17780" cmpd="sng">
               <a:solidFill>
                 <a:schemeClr val="accent1">
@@ -3500,7 +3501,7 @@
             </a:spcAft>
           </a:pPr>
           <a:r>
-            <a:rPr lang="en-US" sz="1600" b="1" kern="1200" cap="none" spc="0" dirty="0" smtClean="0">
+            <a:rPr lang="en-US" sz="1600" b="1" kern="1200" cap="none" spc="0" smtClean="0">
               <a:ln w="17780" cmpd="sng">
                 <a:solidFill>
                   <a:schemeClr val="accent1">
@@ -3540,7 +3541,7 @@
             </a:rPr>
             <a:t>4. Select Algorithm and declare parameters</a:t>
           </a:r>
-          <a:endParaRPr lang="en-US" sz="1600" b="1" kern="1200" cap="none" spc="0" dirty="0">
+          <a:endParaRPr lang="en-US" sz="1600" b="1" kern="1200" cap="none" spc="0">
             <a:ln w="17780" cmpd="sng">
               <a:solidFill>
                 <a:schemeClr val="accent1">
@@ -3696,7 +3697,7 @@
             </a:spcAft>
           </a:pPr>
           <a:r>
-            <a:rPr lang="en-US" sz="1600" b="1" kern="1200" cap="none" spc="0" dirty="0" smtClean="0">
+            <a:rPr lang="en-US" sz="1600" b="1" kern="1200" cap="none" spc="0" smtClean="0">
               <a:ln w="17780" cmpd="sng">
                 <a:solidFill>
                   <a:schemeClr val="accent1">
@@ -3736,7 +3737,7 @@
             </a:rPr>
             <a:t>3. Create Analysis Service Data Source View</a:t>
           </a:r>
-          <a:endParaRPr lang="en-US" sz="1600" b="1" kern="1200" cap="none" spc="0" dirty="0">
+          <a:endParaRPr lang="en-US" sz="1600" b="1" kern="1200" cap="none" spc="0">
             <a:ln w="17780" cmpd="sng">
               <a:solidFill>
                 <a:schemeClr val="accent1">
@@ -3892,7 +3893,7 @@
             </a:spcAft>
           </a:pPr>
           <a:r>
-            <a:rPr lang="en-US" sz="1600" b="1" kern="1200" cap="none" spc="0" dirty="0" smtClean="0">
+            <a:rPr lang="en-US" sz="1600" b="1" kern="1200" cap="none" spc="0" smtClean="0">
               <a:ln w="17780" cmpd="sng">
                 <a:solidFill>
                   <a:schemeClr val="accent1">
@@ -3932,7 +3933,7 @@
             </a:rPr>
             <a:t>2. Create Analysis Services Data Source</a:t>
           </a:r>
-          <a:endParaRPr lang="en-US" sz="1600" b="1" kern="1200" cap="none" spc="0" dirty="0">
+          <a:endParaRPr lang="en-US" sz="1600" b="1" kern="1200" cap="none" spc="0">
             <a:ln w="17780" cmpd="sng">
               <a:solidFill>
                 <a:schemeClr val="accent1">
@@ -4088,7 +4089,7 @@
             </a:spcAft>
           </a:pPr>
           <a:r>
-            <a:rPr lang="en-US" sz="1600" b="1" kern="1200" cap="none" spc="0" dirty="0" smtClean="0">
+            <a:rPr lang="en-US" sz="1600" b="1" kern="1200" cap="none" spc="0" smtClean="0">
               <a:ln w="17780" cmpd="sng">
                 <a:solidFill>
                   <a:schemeClr val="accent1">
@@ -4128,7 +4129,7 @@
             </a:rPr>
             <a:t>1. Preprocessing data and export data to view</a:t>
           </a:r>
-          <a:endParaRPr lang="en-US" sz="1600" b="1" kern="1200" cap="none" spc="0" dirty="0">
+          <a:endParaRPr lang="en-US" sz="1600" b="1" kern="1200" cap="none" spc="0">
             <a:ln w="17780" cmpd="sng">
               <a:solidFill>
                 <a:schemeClr val="accent1">
@@ -8670,7 +8671,7 @@
           <a:p>
             <a:pPr algn="ctr"/>
             <a:r>
-              <a:rPr lang="en-US" sz="2400" dirty="0" smtClean="0">
+              <a:rPr lang="en-US" sz="2400" smtClean="0">
                 <a:latin typeface="Times New Roman" pitchFamily="18" charset="0"/>
                 <a:cs typeface="Times New Roman" pitchFamily="18" charset="0"/>
               </a:rPr>
@@ -8680,7 +8681,7 @@
           <a:p>
             <a:pPr algn="ctr"/>
             <a:r>
-              <a:rPr lang="en-US" sz="2400" dirty="0">
+              <a:rPr lang="en-US" sz="2400">
                 <a:latin typeface="Times New Roman" pitchFamily="18" charset="0"/>
                 <a:cs typeface="Times New Roman" pitchFamily="18" charset="0"/>
               </a:rPr>
@@ -8726,10 +8727,10 @@
           <a:p>
             <a:pPr algn="ctr"/>
             <a:r>
-              <a:rPr lang="en-US" sz="2400" dirty="0" smtClean="0"/>
+              <a:rPr lang="en-US" sz="2400" smtClean="0"/>
               <a:t>Car</a:t>
             </a:r>
-            <a:endParaRPr lang="en-US" sz="2400" dirty="0"/>
+            <a:endParaRPr lang="en-US" sz="2400"/>
           </a:p>
         </p:txBody>
       </p:sp>
@@ -8770,7 +8771,7 @@
           <a:p>
             <a:pPr algn="ctr"/>
             <a:r>
-              <a:rPr lang="en-US" sz="2400" dirty="0" smtClean="0"/>
+              <a:rPr lang="en-US" sz="2400" smtClean="0"/>
               <a:t>Bus</a:t>
             </a:r>
           </a:p>
@@ -8813,10 +8814,10 @@
           <a:p>
             <a:pPr algn="ctr"/>
             <a:r>
-              <a:rPr lang="en-US" sz="2400" dirty="0" smtClean="0"/>
+              <a:rPr lang="en-US" sz="2400" smtClean="0"/>
               <a:t>Train</a:t>
             </a:r>
-            <a:endParaRPr lang="en-US" sz="2400" dirty="0"/>
+            <a:endParaRPr lang="en-US" sz="2400"/>
           </a:p>
         </p:txBody>
       </p:sp>
@@ -8857,10 +8858,10 @@
           <a:p>
             <a:pPr algn="ctr"/>
             <a:r>
-              <a:rPr lang="en-US" sz="2400" dirty="0" smtClean="0"/>
+              <a:rPr lang="en-US" sz="2400" smtClean="0"/>
               <a:t>Train</a:t>
             </a:r>
-            <a:endParaRPr lang="en-US" sz="2400" dirty="0"/>
+            <a:endParaRPr lang="en-US" sz="2400"/>
           </a:p>
         </p:txBody>
       </p:sp>
@@ -8901,7 +8902,7 @@
           <a:p>
             <a:pPr algn="ctr"/>
             <a:r>
-              <a:rPr lang="en-US" sz="2400" dirty="0" smtClean="0"/>
+              <a:rPr lang="en-US" sz="2400" smtClean="0"/>
               <a:t>Bus</a:t>
             </a:r>
           </a:p>
@@ -9008,7 +9009,7 @@
           <a:p>
             <a:pPr algn="ctr"/>
             <a:r>
-              <a:rPr lang="en-US" sz="2400" dirty="0" smtClean="0">
+              <a:rPr lang="en-US" sz="2400" smtClean="0">
                 <a:latin typeface="Times New Roman" pitchFamily="18" charset="0"/>
                 <a:cs typeface="Times New Roman" pitchFamily="18" charset="0"/>
               </a:rPr>
@@ -9018,7 +9019,7 @@
           <a:p>
             <a:pPr algn="ctr"/>
             <a:r>
-              <a:rPr lang="en-US" sz="2400" dirty="0">
+              <a:rPr lang="en-US" sz="2400">
                 <a:latin typeface="Times New Roman" pitchFamily="18" charset="0"/>
                 <a:cs typeface="Times New Roman" pitchFamily="18" charset="0"/>
               </a:rPr>
@@ -9062,7 +9063,7 @@
           <a:p>
             <a:pPr algn="ctr"/>
             <a:r>
-              <a:rPr lang="en-US" dirty="0" smtClean="0">
+              <a:rPr lang="en-US" smtClean="0">
                 <a:latin typeface="Times New Roman" pitchFamily="18" charset="0"/>
                 <a:cs typeface="Times New Roman" pitchFamily="18" charset="0"/>
               </a:rPr>
@@ -9072,7 +9073,7 @@
           <a:p>
             <a:pPr algn="ctr"/>
             <a:r>
-              <a:rPr lang="en-US" dirty="0">
+              <a:rPr lang="en-US">
                 <a:latin typeface="Times New Roman" pitchFamily="18" charset="0"/>
                 <a:cs typeface="Times New Roman" pitchFamily="18" charset="0"/>
               </a:rPr>
@@ -9269,7 +9270,7 @@
           <a:lstStyle/>
           <a:p>
             <a:r>
-              <a:rPr lang="en-US" sz="2400" dirty="0" smtClean="0">
+              <a:rPr lang="en-US" sz="2400" smtClean="0">
                 <a:solidFill>
                   <a:schemeClr val="tx2"/>
                 </a:solidFill>
@@ -9278,7 +9279,7 @@
               </a:rPr>
               <a:t>Expensive</a:t>
             </a:r>
-            <a:endParaRPr lang="en-US" sz="2400" dirty="0">
+            <a:endParaRPr lang="en-US" sz="2400">
               <a:solidFill>
                 <a:schemeClr val="tx2"/>
               </a:solidFill>
@@ -9311,7 +9312,7 @@
           <a:lstStyle/>
           <a:p>
             <a:r>
-              <a:rPr lang="en-US" sz="2400" dirty="0" smtClean="0">
+              <a:rPr lang="en-US" sz="2400" smtClean="0">
                 <a:solidFill>
                   <a:schemeClr val="tx2"/>
                 </a:solidFill>
@@ -9320,7 +9321,7 @@
               </a:rPr>
               <a:t>Standard</a:t>
             </a:r>
-            <a:endParaRPr lang="en-US" sz="2400" dirty="0">
+            <a:endParaRPr lang="en-US" sz="2400">
               <a:solidFill>
                 <a:schemeClr val="tx2"/>
               </a:solidFill>
@@ -9353,7 +9354,7 @@
           <a:lstStyle/>
           <a:p>
             <a:r>
-              <a:rPr lang="en-US" sz="2400" dirty="0" smtClean="0">
+              <a:rPr lang="en-US" sz="2400" smtClean="0">
                 <a:solidFill>
                   <a:schemeClr val="tx2"/>
                 </a:solidFill>
@@ -9388,7 +9389,7 @@
           <a:lstStyle/>
           <a:p>
             <a:r>
-              <a:rPr lang="en-US" sz="2400" dirty="0" smtClean="0">
+              <a:rPr lang="en-US" sz="2400" smtClean="0">
                 <a:solidFill>
                   <a:schemeClr val="tx2"/>
                 </a:solidFill>
@@ -9397,7 +9398,7 @@
               </a:rPr>
               <a:t>Male</a:t>
             </a:r>
-            <a:endParaRPr lang="en-US" sz="2400" dirty="0">
+            <a:endParaRPr lang="en-US" sz="2400">
               <a:solidFill>
                 <a:schemeClr val="tx2"/>
               </a:solidFill>
@@ -9430,7 +9431,7 @@
           <a:lstStyle/>
           <a:p>
             <a:r>
-              <a:rPr lang="en-US" sz="2400" dirty="0" smtClean="0">
+              <a:rPr lang="en-US" sz="2400" smtClean="0">
                 <a:solidFill>
                   <a:schemeClr val="tx2"/>
                 </a:solidFill>
@@ -9439,7 +9440,7 @@
               </a:rPr>
               <a:t>Female</a:t>
             </a:r>
-            <a:endParaRPr lang="en-US" sz="2400" dirty="0">
+            <a:endParaRPr lang="en-US" sz="2400">
               <a:solidFill>
                 <a:schemeClr val="tx2"/>
               </a:solidFill>
@@ -9472,7 +9473,7 @@
           <a:lstStyle/>
           <a:p>
             <a:r>
-              <a:rPr lang="en-US" sz="2400" dirty="0" smtClean="0">
+              <a:rPr lang="en-US" sz="2400" smtClean="0">
                 <a:solidFill>
                   <a:schemeClr val="tx2"/>
                 </a:solidFill>
@@ -9481,7 +9482,7 @@
               </a:rPr>
               <a:t>0</a:t>
             </a:r>
-            <a:endParaRPr lang="en-US" sz="2400" dirty="0">
+            <a:endParaRPr lang="en-US" sz="2400">
               <a:solidFill>
                 <a:schemeClr val="tx2"/>
               </a:solidFill>
@@ -9514,7 +9515,7 @@
           <a:lstStyle/>
           <a:p>
             <a:r>
-              <a:rPr lang="en-US" sz="2400" dirty="0" smtClean="0">
+              <a:rPr lang="en-US" sz="2400" smtClean="0">
                 <a:solidFill>
                   <a:schemeClr val="tx2"/>
                 </a:solidFill>
@@ -9523,7 +9524,7 @@
               </a:rPr>
               <a:t>1</a:t>
             </a:r>
-            <a:endParaRPr lang="en-US" sz="2400" dirty="0">
+            <a:endParaRPr lang="en-US" sz="2400">
               <a:solidFill>
                 <a:schemeClr val="tx2"/>
               </a:solidFill>
@@ -10961,7 +10962,7 @@
           <a:p>
             <a:pPr algn="ctr"/>
             <a:r>
-              <a:rPr lang="en-US" sz="2400" dirty="0" smtClean="0">
+              <a:rPr lang="en-US" sz="2400" smtClean="0">
                 <a:latin typeface="Times New Roman" pitchFamily="18" charset="0"/>
                 <a:cs typeface="Times New Roman" pitchFamily="18" charset="0"/>
               </a:rPr>
@@ -10971,13 +10972,13 @@
           <a:p>
             <a:pPr algn="ctr"/>
             <a:r>
-              <a:rPr lang="en-US" sz="2400" dirty="0" smtClean="0">
+              <a:rPr lang="en-US" sz="2400" smtClean="0">
                 <a:latin typeface="Times New Roman" pitchFamily="18" charset="0"/>
                 <a:cs typeface="Times New Roman" pitchFamily="18" charset="0"/>
               </a:rPr>
               <a:t>Analysis Services</a:t>
             </a:r>
-            <a:endParaRPr lang="en-US" sz="2400" dirty="0">
+            <a:endParaRPr lang="en-US" sz="2400">
               <a:latin typeface="Times New Roman" pitchFamily="18" charset="0"/>
               <a:cs typeface="Times New Roman" pitchFamily="18" charset="0"/>
             </a:endParaRPr>
@@ -11019,7 +11020,7 @@
                     <a:p>
                       <a:pPr algn="ctr" fontAlgn="b"/>
                       <a:r>
-                        <a:rPr lang="en-US" sz="1400" u="none" strike="noStrike" dirty="0">
+                        <a:rPr lang="en-US" sz="1400" u="none" strike="noStrike">
                           <a:effectLst/>
                           <a:latin typeface="Verdana" pitchFamily="34" charset="0"/>
                           <a:ea typeface="Verdana" pitchFamily="34" charset="0"/>
@@ -11027,7 +11028,7 @@
                         </a:rPr>
                         <a:t>Data Source</a:t>
                       </a:r>
-                      <a:endParaRPr lang="en-US" sz="1400" b="0" i="0" u="none" strike="noStrike" dirty="0">
+                      <a:endParaRPr lang="en-US" sz="1400" b="0" i="0" u="none" strike="noStrike">
                         <a:solidFill>
                           <a:srgbClr val="000000"/>
                         </a:solidFill>
@@ -11049,7 +11050,7 @@
                     <a:p>
                       <a:pPr algn="ctr" fontAlgn="b"/>
                       <a:r>
-                        <a:rPr lang="en-US" sz="1400" u="none" strike="noStrike" dirty="0">
+                        <a:rPr lang="en-US" sz="1400" u="none" strike="noStrike">
                           <a:effectLst/>
                           <a:latin typeface="Verdana" pitchFamily="34" charset="0"/>
                           <a:ea typeface="Verdana" pitchFamily="34" charset="0"/>
@@ -11057,7 +11058,7 @@
                         </a:rPr>
                         <a:t>Data Source View</a:t>
                       </a:r>
-                      <a:endParaRPr lang="en-US" sz="1400" b="0" i="0" u="none" strike="noStrike" dirty="0">
+                      <a:endParaRPr lang="en-US" sz="1400" b="0" i="0" u="none" strike="noStrike">
                         <a:solidFill>
                           <a:srgbClr val="000000"/>
                         </a:solidFill>
@@ -11079,7 +11080,7 @@
                     <a:p>
                       <a:pPr algn="ctr" fontAlgn="b"/>
                       <a:r>
-                        <a:rPr lang="en-US" sz="1400" u="none" strike="noStrike" dirty="0">
+                        <a:rPr lang="en-US" sz="1400" u="none" strike="noStrike">
                           <a:effectLst/>
                           <a:latin typeface="Verdana" pitchFamily="34" charset="0"/>
                           <a:ea typeface="Verdana" pitchFamily="34" charset="0"/>
@@ -11087,7 +11088,7 @@
                         </a:rPr>
                         <a:t>Mining Structure</a:t>
                       </a:r>
-                      <a:endParaRPr lang="en-US" sz="1400" b="0" i="0" u="none" strike="noStrike" dirty="0">
+                      <a:endParaRPr lang="en-US" sz="1400" b="0" i="0" u="none" strike="noStrike">
                         <a:solidFill>
                           <a:srgbClr val="000000"/>
                         </a:solidFill>
@@ -11109,7 +11110,7 @@
                     <a:p>
                       <a:pPr algn="ctr" fontAlgn="b"/>
                       <a:r>
-                        <a:rPr lang="en-US" sz="1400" u="none" strike="noStrike" dirty="0">
+                        <a:rPr lang="en-US" sz="1400" u="none" strike="noStrike">
                           <a:effectLst/>
                           <a:latin typeface="Verdana" pitchFamily="34" charset="0"/>
                           <a:ea typeface="Verdana" pitchFamily="34" charset="0"/>
@@ -11117,7 +11118,7 @@
                         </a:rPr>
                         <a:t>Mining Model</a:t>
                       </a:r>
-                      <a:endParaRPr lang="en-US" sz="1400" b="0" i="0" u="none" strike="noStrike" dirty="0">
+                      <a:endParaRPr lang="en-US" sz="1400" b="0" i="0" u="none" strike="noStrike">
                         <a:solidFill>
                           <a:srgbClr val="000000"/>
                         </a:solidFill>
@@ -11139,7 +11140,7 @@
                     <a:p>
                       <a:pPr algn="ctr" fontAlgn="b"/>
                       <a:r>
-                        <a:rPr lang="en-US" sz="1400" u="none" strike="noStrike" dirty="0">
+                        <a:rPr lang="en-US" sz="1400" u="none" strike="noStrike">
                           <a:effectLst/>
                           <a:latin typeface="Verdana" pitchFamily="34" charset="0"/>
                           <a:ea typeface="Verdana" pitchFamily="34" charset="0"/>
@@ -11148,7 +11149,7 @@
                         <a:t>Algorithm </a:t>
                       </a:r>
                       <a:r>
-                        <a:rPr lang="en-US" sz="1400" u="none" strike="noStrike" dirty="0" smtClean="0">
+                        <a:rPr lang="en-US" sz="1400" u="none" strike="noStrike" smtClean="0">
                           <a:effectLst/>
                           <a:latin typeface="Verdana" pitchFamily="34" charset="0"/>
                           <a:ea typeface="Verdana" pitchFamily="34" charset="0"/>
@@ -11156,7 +11157,7 @@
                         </a:rPr>
                         <a:t>name and Parameters</a:t>
                       </a:r>
-                      <a:endParaRPr lang="en-US" sz="1400" b="0" i="0" u="none" strike="noStrike" dirty="0">
+                      <a:endParaRPr lang="en-US" sz="1400" b="0" i="0" u="none" strike="noStrike">
                         <a:solidFill>
                           <a:srgbClr val="000000"/>
                         </a:solidFill>
@@ -11209,7 +11210,7 @@
                     <a:p>
                       <a:pPr algn="ctr" fontAlgn="b"/>
                       <a:r>
-                        <a:rPr lang="en-US" sz="1400" u="none" strike="noStrike" dirty="0" smtClean="0">
+                        <a:rPr lang="en-US" sz="1400" u="none" strike="noStrike" smtClean="0">
                           <a:effectLst/>
                           <a:latin typeface="Verdana" pitchFamily="34" charset="0"/>
                           <a:ea typeface="Verdana" pitchFamily="34" charset="0"/>
@@ -11217,7 +11218,7 @@
                         </a:rPr>
                         <a:t>Model content</a:t>
                       </a:r>
-                      <a:endParaRPr lang="en-US" sz="1400" b="0" i="0" u="none" strike="noStrike" dirty="0">
+                      <a:endParaRPr lang="en-US" sz="1400" b="0" i="0" u="none" strike="noStrike">
                         <a:solidFill>
                           <a:srgbClr val="000000"/>
                         </a:solidFill>
@@ -11569,7 +11570,7 @@
           <a:p>
             <a:pPr algn="ctr"/>
             <a:r>
-              <a:rPr lang="en-US" sz="3200" b="1" dirty="0" smtClean="0">
+              <a:rPr lang="en-US" sz="3200" b="1" smtClean="0">
                 <a:latin typeface="Times New Roman" pitchFamily="18" charset="0"/>
                 <a:cs typeface="Times New Roman" pitchFamily="18" charset="0"/>
               </a:rPr>
@@ -11579,13 +11580,13 @@
           <a:p>
             <a:pPr algn="ctr"/>
             <a:r>
-              <a:rPr lang="en-US" sz="3200" b="1" dirty="0" smtClean="0">
+              <a:rPr lang="en-US" sz="3200" b="1" smtClean="0">
                 <a:latin typeface="Times New Roman" pitchFamily="18" charset="0"/>
                 <a:cs typeface="Times New Roman" pitchFamily="18" charset="0"/>
               </a:rPr>
               <a:t>Engine</a:t>
             </a:r>
-            <a:endParaRPr lang="en-US" sz="3200" b="1" dirty="0">
+            <a:endParaRPr lang="en-US" sz="3200" b="1">
               <a:latin typeface="Times New Roman" pitchFamily="18" charset="0"/>
               <a:cs typeface="Times New Roman" pitchFamily="18" charset="0"/>
             </a:endParaRPr>
@@ -11627,7 +11628,7 @@
                     <a:p>
                       <a:pPr algn="ctr" fontAlgn="b"/>
                       <a:r>
-                        <a:rPr lang="en-US" sz="1400" u="none" strike="noStrike" dirty="0" err="1" smtClean="0">
+                        <a:rPr lang="en-US" sz="1400" u="none" strike="noStrike" err="1" smtClean="0">
                           <a:effectLst/>
                           <a:latin typeface="Verdana" pitchFamily="34" charset="0"/>
                           <a:ea typeface="Verdana" pitchFamily="34" charset="0"/>
@@ -11636,7 +11637,7 @@
                         <a:t>DecisionTreeNode</a:t>
                       </a:r>
                       <a:r>
-                        <a:rPr lang="en-US" sz="1400" u="none" strike="noStrike" dirty="0" smtClean="0">
+                        <a:rPr lang="en-US" sz="1400" u="none" strike="noStrike" smtClean="0">
                           <a:effectLst/>
                           <a:latin typeface="Verdana" pitchFamily="34" charset="0"/>
                           <a:ea typeface="Verdana" pitchFamily="34" charset="0"/>
@@ -11644,7 +11645,7 @@
                         </a:rPr>
                         <a:t> table</a:t>
                       </a:r>
-                      <a:endParaRPr lang="en-US" sz="1400" b="0" i="0" u="none" strike="noStrike" dirty="0">
+                      <a:endParaRPr lang="en-US" sz="1400" b="0" i="0" u="none" strike="noStrike">
                         <a:solidFill>
                           <a:srgbClr val="000000"/>
                         </a:solidFill>
@@ -11765,7 +11766,7 @@
                     <a:p>
                       <a:pPr algn="ctr" fontAlgn="b"/>
                       <a:r>
-                        <a:rPr lang="en-US" sz="1400" b="0" i="0" u="none" strike="noStrike" dirty="0" smtClean="0">
+                        <a:rPr lang="en-US" sz="1400" b="0" i="0" u="none" strike="noStrike" smtClean="0">
                           <a:solidFill>
                             <a:schemeClr val="dk1"/>
                           </a:solidFill>
@@ -11776,7 +11777,7 @@
                         </a:rPr>
                         <a:t>Taxonomy</a:t>
                       </a:r>
-                      <a:endParaRPr lang="en-US" sz="1400" b="0" i="0" u="none" strike="noStrike" dirty="0">
+                      <a:endParaRPr lang="en-US" sz="1400" b="0" i="0" u="none" strike="noStrike">
                         <a:solidFill>
                           <a:srgbClr val="000000"/>
                         </a:solidFill>
@@ -11862,7 +11863,7 @@
                     <a:p>
                       <a:pPr algn="ctr" fontAlgn="b"/>
                       <a:r>
-                        <a:rPr lang="en-US" sz="1400" b="0" i="0" u="none" strike="noStrike" dirty="0" smtClean="0">
+                        <a:rPr lang="en-US" sz="1400" b="0" i="0" u="none" strike="noStrike" smtClean="0">
                           <a:solidFill>
                             <a:schemeClr val="dk1"/>
                           </a:solidFill>
@@ -11874,7 +11875,7 @@
                         <a:t>Algorithm</a:t>
                       </a:r>
                       <a:r>
-                        <a:rPr lang="en-US" sz="1400" b="0" i="0" u="none" strike="noStrike" baseline="0" dirty="0" smtClean="0">
+                        <a:rPr lang="en-US" sz="1400" b="0" i="0" u="none" strike="noStrike" baseline="0" smtClean="0">
                           <a:solidFill>
                             <a:schemeClr val="dk1"/>
                           </a:solidFill>
@@ -11885,7 +11886,7 @@
                         </a:rPr>
                         <a:t> and Parameters</a:t>
                       </a:r>
-                      <a:endParaRPr lang="en-US" sz="1400" b="0" i="0" u="none" strike="noStrike" dirty="0">
+                      <a:endParaRPr lang="en-US" sz="1400" b="0" i="0" u="none" strike="noStrike">
                         <a:solidFill>
                           <a:srgbClr val="000000"/>
                         </a:solidFill>
@@ -11938,7 +11939,7 @@
                     <a:p>
                       <a:pPr algn="ctr" fontAlgn="b"/>
                       <a:r>
-                        <a:rPr lang="en-US" sz="1400" u="none" strike="noStrike" dirty="0" err="1" smtClean="0">
+                        <a:rPr lang="en-US" sz="1400" u="none" strike="noStrike" err="1" smtClean="0">
                           <a:effectLst/>
                           <a:latin typeface="Verdana" pitchFamily="34" charset="0"/>
                           <a:ea typeface="Verdana" pitchFamily="34" charset="0"/>
@@ -11947,7 +11948,7 @@
                         <a:t>DecisionTreeNodeDistribution</a:t>
                       </a:r>
                       <a:r>
-                        <a:rPr lang="en-US" sz="1400" u="none" strike="noStrike" dirty="0" smtClean="0">
+                        <a:rPr lang="en-US" sz="1400" u="none" strike="noStrike" smtClean="0">
                           <a:effectLst/>
                           <a:latin typeface="Verdana" pitchFamily="34" charset="0"/>
                           <a:ea typeface="Verdana" pitchFamily="34" charset="0"/>
@@ -11955,7 +11956,7 @@
                         </a:rPr>
                         <a:t> table</a:t>
                       </a:r>
-                      <a:endParaRPr lang="en-US" sz="1400" b="0" i="0" u="none" strike="noStrike" dirty="0">
+                      <a:endParaRPr lang="en-US" sz="1400" b="0" i="0" u="none" strike="noStrike">
                         <a:solidFill>
                           <a:srgbClr val="000000"/>
                         </a:solidFill>
@@ -12095,7 +12096,7 @@
             <a:lstStyle/>
             <a:p>
               <a:r>
-                <a:rPr lang="en-US" dirty="0" smtClean="0"/>
+                <a:rPr lang="en-US" smtClean="0"/>
                 <a:t>Product A</a:t>
               </a:r>
             </a:p>
@@ -12139,10 +12140,10 @@
             <a:lstStyle/>
             <a:p>
               <a:r>
-                <a:rPr lang="en-US" dirty="0" smtClean="0"/>
+                <a:rPr lang="en-US" smtClean="0"/>
                 <a:t>Feature</a:t>
               </a:r>
-              <a:endParaRPr lang="en-US" dirty="0"/>
+              <a:endParaRPr lang="en-US"/>
             </a:p>
           </p:txBody>
         </p:sp>
@@ -12184,10 +12185,10 @@
             <a:lstStyle/>
             <a:p>
               <a:r>
-                <a:rPr lang="en-US" dirty="0" smtClean="0"/>
+                <a:rPr lang="en-US" smtClean="0"/>
                 <a:t>Color</a:t>
               </a:r>
-              <a:endParaRPr lang="en-US" dirty="0"/>
+              <a:endParaRPr lang="en-US"/>
             </a:p>
           </p:txBody>
         </p:sp>
@@ -12229,10 +12230,10 @@
             <a:lstStyle/>
             <a:p>
               <a:r>
-                <a:rPr lang="en-US" dirty="0" smtClean="0"/>
+                <a:rPr lang="en-US" smtClean="0"/>
                 <a:t>Specification</a:t>
               </a:r>
-              <a:endParaRPr lang="en-US" dirty="0"/>
+              <a:endParaRPr lang="en-US"/>
             </a:p>
           </p:txBody>
         </p:sp>
@@ -12274,10 +12275,10 @@
             <a:lstStyle/>
             <a:p>
               <a:r>
-                <a:rPr lang="en-US" dirty="0" smtClean="0"/>
+                <a:rPr lang="en-US" smtClean="0"/>
                 <a:t>Weight</a:t>
               </a:r>
-              <a:endParaRPr lang="en-US" dirty="0"/>
+              <a:endParaRPr lang="en-US"/>
             </a:p>
           </p:txBody>
         </p:sp>
@@ -12319,10 +12320,10 @@
             <a:lstStyle/>
             <a:p>
               <a:r>
-                <a:rPr lang="en-US" dirty="0" smtClean="0"/>
+                <a:rPr lang="en-US" smtClean="0"/>
                 <a:t>Size</a:t>
               </a:r>
-              <a:endParaRPr lang="en-US" dirty="0"/>
+              <a:endParaRPr lang="en-US"/>
             </a:p>
           </p:txBody>
         </p:sp>
@@ -12364,10 +12365,10 @@
             <a:lstStyle/>
             <a:p>
               <a:r>
-                <a:rPr lang="en-US" dirty="0" smtClean="0"/>
+                <a:rPr lang="en-US" smtClean="0"/>
                 <a:t>Feature A</a:t>
               </a:r>
-              <a:endParaRPr lang="en-US" dirty="0"/>
+              <a:endParaRPr lang="en-US"/>
             </a:p>
           </p:txBody>
         </p:sp>
@@ -12655,10 +12656,10 @@
             <a:lstStyle/>
             <a:p>
               <a:r>
-                <a:rPr lang="en-US" dirty="0" smtClean="0"/>
+                <a:rPr lang="en-US" smtClean="0"/>
                 <a:t>Feature B</a:t>
               </a:r>
-              <a:endParaRPr lang="en-US" dirty="0"/>
+              <a:endParaRPr lang="en-US"/>
             </a:p>
           </p:txBody>
         </p:sp>
@@ -12741,10 +12742,10 @@
             <a:lstStyle/>
             <a:p>
               <a:r>
-                <a:rPr lang="en-US" dirty="0" smtClean="0"/>
+                <a:rPr lang="en-US" smtClean="0"/>
                 <a:t>Red</a:t>
               </a:r>
-              <a:endParaRPr lang="en-US" dirty="0"/>
+              <a:endParaRPr lang="en-US"/>
             </a:p>
           </p:txBody>
         </p:sp>
@@ -12827,10 +12828,10 @@
             <a:lstStyle/>
             <a:p>
               <a:r>
-                <a:rPr lang="en-US" dirty="0" smtClean="0"/>
+                <a:rPr lang="en-US" smtClean="0"/>
                 <a:t>Blue</a:t>
               </a:r>
-              <a:endParaRPr lang="en-US" dirty="0"/>
+              <a:endParaRPr lang="en-US"/>
             </a:p>
           </p:txBody>
         </p:sp>
@@ -13012,10 +13013,10 @@
           <a:p>
             <a:pPr algn="ctr"/>
             <a:r>
-              <a:rPr lang="en-US" dirty="0" smtClean="0"/>
+              <a:rPr lang="en-US" smtClean="0"/>
               <a:t>Leaves</a:t>
             </a:r>
-            <a:endParaRPr lang="en-US" dirty="0"/>
+            <a:endParaRPr lang="en-US"/>
           </a:p>
         </p:txBody>
       </p:sp>
@@ -13054,10 +13055,10 @@
           <a:p>
             <a:pPr algn="ctr"/>
             <a:r>
-              <a:rPr lang="en-US" dirty="0" smtClean="0"/>
+              <a:rPr lang="en-US" smtClean="0"/>
               <a:t>Composite</a:t>
             </a:r>
-            <a:endParaRPr lang="en-US" dirty="0"/>
+            <a:endParaRPr lang="en-US"/>
           </a:p>
         </p:txBody>
       </p:sp>
@@ -13096,17 +13097,17 @@
           <a:p>
             <a:pPr algn="ctr"/>
             <a:r>
-              <a:rPr lang="en-US" dirty="0" smtClean="0"/>
+              <a:rPr lang="en-US" smtClean="0"/>
               <a:t>Component </a:t>
             </a:r>
           </a:p>
           <a:p>
             <a:pPr algn="ctr"/>
             <a:r>
-              <a:rPr lang="en-US" dirty="0" smtClean="0"/>
+              <a:rPr lang="en-US" smtClean="0"/>
               <a:t>(Node)</a:t>
             </a:r>
-            <a:endParaRPr lang="en-US" dirty="0"/>
+            <a:endParaRPr lang="en-US"/>
           </a:p>
         </p:txBody>
       </p:sp>
@@ -13145,10 +13146,10 @@
           <a:p>
             <a:pPr algn="ctr"/>
             <a:r>
-              <a:rPr lang="en-US" sz="1200" dirty="0" smtClean="0"/>
+              <a:rPr lang="en-US" sz="1200" smtClean="0"/>
               <a:t>Node</a:t>
             </a:r>
-            <a:endParaRPr lang="en-US" sz="1200" dirty="0"/>
+            <a:endParaRPr lang="en-US" sz="1200"/>
           </a:p>
         </p:txBody>
       </p:sp>
@@ -13260,10 +13261,10 @@
           <a:p>
             <a:pPr algn="ctr"/>
             <a:r>
-              <a:rPr lang="en-US" sz="1200" dirty="0" smtClean="0"/>
+              <a:rPr lang="en-US" sz="1200" smtClean="0"/>
               <a:t>Node</a:t>
             </a:r>
-            <a:endParaRPr lang="en-US" sz="1200" dirty="0"/>
+            <a:endParaRPr lang="en-US" sz="1200"/>
           </a:p>
         </p:txBody>
       </p:sp>
@@ -13302,10 +13303,10 @@
           <a:p>
             <a:pPr algn="ctr"/>
             <a:r>
-              <a:rPr lang="en-US" sz="1200" dirty="0" smtClean="0"/>
+              <a:rPr lang="en-US" sz="1200" smtClean="0"/>
               <a:t>Node</a:t>
             </a:r>
-            <a:endParaRPr lang="en-US" sz="1200" dirty="0"/>
+            <a:endParaRPr lang="en-US" sz="1200"/>
           </a:p>
         </p:txBody>
       </p:sp>
@@ -13368,10 +13369,10 @@
           <a:lstStyle/>
           <a:p>
             <a:r>
-              <a:rPr lang="en-US" dirty="0" smtClean="0"/>
+              <a:rPr lang="en-US" smtClean="0"/>
               <a:t>inherit</a:t>
             </a:r>
-            <a:endParaRPr lang="en-US" dirty="0"/>
+            <a:endParaRPr lang="en-US"/>
           </a:p>
         </p:txBody>
       </p:sp>
@@ -13398,10 +13399,10 @@
           <a:lstStyle/>
           <a:p>
             <a:r>
-              <a:rPr lang="en-US" dirty="0" smtClean="0"/>
+              <a:rPr lang="en-US" smtClean="0"/>
               <a:t>inherit</a:t>
             </a:r>
-            <a:endParaRPr lang="en-US" dirty="0"/>
+            <a:endParaRPr lang="en-US"/>
           </a:p>
         </p:txBody>
       </p:sp>
@@ -13428,10 +13429,10 @@
           <a:lstStyle/>
           <a:p>
             <a:r>
-              <a:rPr lang="en-US" dirty="0" smtClean="0"/>
+              <a:rPr lang="en-US" smtClean="0"/>
               <a:t>aggregation</a:t>
             </a:r>
-            <a:endParaRPr lang="en-US" dirty="0"/>
+            <a:endParaRPr lang="en-US"/>
           </a:p>
         </p:txBody>
       </p:sp>
@@ -13473,10 +13474,10 @@
           <a:p>
             <a:pPr algn="ctr"/>
             <a:r>
-              <a:rPr lang="en-US" dirty="0" smtClean="0"/>
+              <a:rPr lang="en-US" smtClean="0"/>
               <a:t>abstract</a:t>
             </a:r>
-            <a:endParaRPr lang="en-US" dirty="0"/>
+            <a:endParaRPr lang="en-US"/>
           </a:p>
         </p:txBody>
       </p:sp>
@@ -13630,6 +13631,1182 @@
   <p:clrMapOvr>
     <a:masterClrMapping/>
   </p:clrMapOvr>
+  <p:timing>
+    <p:tnLst>
+      <p:par>
+        <p:cTn id="1" dur="indefinite" restart="never" nodeType="tmRoot"/>
+      </p:par>
+    </p:tnLst>
+  </p:timing>
+</p:sld>
+</file>
+
+<file path=ppt/slides/slide16.xml><?xml version="1.0" encoding="utf-8"?>
+<p:sld xmlns:a="http://schemas.openxmlformats.org/drawingml/2006/main" xmlns:r="http://schemas.openxmlformats.org/officeDocument/2006/relationships" xmlns:p="http://schemas.openxmlformats.org/presentationml/2006/main">
+  <p:cSld>
+    <p:spTree>
+      <p:nvGrpSpPr>
+        <p:cNvPr id="1" name=""/>
+        <p:cNvGrpSpPr/>
+        <p:nvPr/>
+      </p:nvGrpSpPr>
+      <p:grpSpPr>
+        <a:xfrm>
+          <a:off x="0" y="0"/>
+          <a:ext cx="0" cy="0"/>
+          <a:chOff x="0" y="0"/>
+          <a:chExt cx="0" cy="0"/>
+        </a:xfrm>
+      </p:grpSpPr>
+      <p:sp>
+        <p:nvSpPr>
+          <p:cNvPr id="8" name="Rounded Rectangle 7"/>
+          <p:cNvSpPr/>
+          <p:nvPr/>
+        </p:nvSpPr>
+        <p:spPr>
+          <a:xfrm>
+            <a:off x="685799" y="4648200"/>
+            <a:ext cx="7010401" cy="1447800"/>
+          </a:xfrm>
+          <a:prstGeom prst="roundRect">
+            <a:avLst/>
+          </a:prstGeom>
+          <a:noFill/>
+        </p:spPr>
+        <p:style>
+          <a:lnRef idx="2">
+            <a:schemeClr val="accent1">
+              <a:shade val="50000"/>
+            </a:schemeClr>
+          </a:lnRef>
+          <a:fillRef idx="1">
+            <a:schemeClr val="accent1"/>
+          </a:fillRef>
+          <a:effectRef idx="0">
+            <a:schemeClr val="accent1"/>
+          </a:effectRef>
+          <a:fontRef idx="minor">
+            <a:schemeClr val="lt1"/>
+          </a:fontRef>
+        </p:style>
+        <p:txBody>
+          <a:bodyPr rtlCol="0" anchor="b"/>
+          <a:lstStyle/>
+          <a:p>
+            <a:pPr algn="ctr"/>
+            <a:r>
+              <a:rPr lang="en-US" sz="1500" b="1" smtClean="0">
+                <a:solidFill>
+                  <a:schemeClr val="tx1"/>
+                </a:solidFill>
+              </a:rPr>
+              <a:t>Client Website (Web Tier)</a:t>
+            </a:r>
+            <a:endParaRPr lang="en-US" sz="1500" b="1">
+              <a:solidFill>
+                <a:schemeClr val="tx1"/>
+              </a:solidFill>
+            </a:endParaRPr>
+          </a:p>
+        </p:txBody>
+      </p:sp>
+      <p:sp>
+        <p:nvSpPr>
+          <p:cNvPr id="14" name="Rounded Rectangle 13"/>
+          <p:cNvSpPr/>
+          <p:nvPr/>
+        </p:nvSpPr>
+        <p:spPr>
+          <a:xfrm>
+            <a:off x="685799" y="1143000"/>
+            <a:ext cx="7239001" cy="2667000"/>
+          </a:xfrm>
+          <a:prstGeom prst="roundRect">
+            <a:avLst/>
+          </a:prstGeom>
+          <a:noFill/>
+          <a:ln>
+            <a:solidFill>
+              <a:srgbClr val="FF0000"/>
+            </a:solidFill>
+          </a:ln>
+        </p:spPr>
+        <p:style>
+          <a:lnRef idx="2">
+            <a:schemeClr val="accent1">
+              <a:shade val="50000"/>
+            </a:schemeClr>
+          </a:lnRef>
+          <a:fillRef idx="1">
+            <a:schemeClr val="accent1"/>
+          </a:fillRef>
+          <a:effectRef idx="0">
+            <a:schemeClr val="accent1"/>
+          </a:effectRef>
+          <a:fontRef idx="minor">
+            <a:schemeClr val="lt1"/>
+          </a:fontRef>
+        </p:style>
+        <p:txBody>
+          <a:bodyPr rtlCol="0" anchor="t"/>
+          <a:lstStyle/>
+          <a:p>
+            <a:pPr algn="ctr"/>
+            <a:r>
+              <a:rPr lang="en-US" sz="1500" b="1" err="1" smtClean="0">
+                <a:solidFill>
+                  <a:schemeClr val="tx1"/>
+                </a:solidFill>
+              </a:rPr>
+              <a:t>JobZoom</a:t>
+            </a:r>
+            <a:r>
+              <a:rPr lang="en-US" sz="1500" b="1" smtClean="0">
+                <a:solidFill>
+                  <a:schemeClr val="tx1"/>
+                </a:solidFill>
+              </a:rPr>
+              <a:t> Framework </a:t>
+            </a:r>
+            <a:endParaRPr lang="en-US" sz="1500" b="1">
+              <a:solidFill>
+                <a:schemeClr val="tx1"/>
+              </a:solidFill>
+            </a:endParaRPr>
+          </a:p>
+        </p:txBody>
+      </p:sp>
+      <p:pic>
+        <p:nvPicPr>
+          <p:cNvPr id="2050" name="Picture 2"/>
+          <p:cNvPicPr>
+            <a:picLocks noChangeAspect="1" noChangeArrowheads="1"/>
+          </p:cNvPicPr>
+          <p:nvPr/>
+        </p:nvPicPr>
+        <p:blipFill>
+          <a:blip r:embed="rId2">
+            <a:extLst>
+              <a:ext uri="{28A0092B-C50C-407E-A947-70E740481C1C}">
+                <a14:useLocalDpi xmlns:a14="http://schemas.microsoft.com/office/drawing/2010/main" val="0"/>
+              </a:ext>
+            </a:extLst>
+          </a:blip>
+          <a:srcRect/>
+          <a:stretch>
+            <a:fillRect/>
+          </a:stretch>
+        </p:blipFill>
+        <p:spPr bwMode="auto">
+          <a:xfrm>
+            <a:off x="914400" y="1676400"/>
+            <a:ext cx="6696075" cy="3838575"/>
+          </a:xfrm>
+          <a:prstGeom prst="rect">
+            <a:avLst/>
+          </a:prstGeom>
+          <a:noFill/>
+          <a:ln>
+            <a:noFill/>
+          </a:ln>
+          <a:effectLst/>
+          <a:extLst>
+            <a:ext uri="{909E8E84-426E-40DD-AFC4-6F175D3DCCD1}">
+              <a14:hiddenFill xmlns:a14="http://schemas.microsoft.com/office/drawing/2010/main">
+                <a:solidFill>
+                  <a:schemeClr val="accent1"/>
+                </a:solidFill>
+              </a14:hiddenFill>
+            </a:ext>
+            <a:ext uri="{91240B29-F687-4F45-9708-019B960494DF}">
+              <a14:hiddenLine xmlns:a14="http://schemas.microsoft.com/office/drawing/2010/main" w="9525">
+                <a:solidFill>
+                  <a:schemeClr val="tx1"/>
+                </a:solidFill>
+                <a:miter lim="800000"/>
+                <a:headEnd/>
+                <a:tailEnd/>
+              </a14:hiddenLine>
+            </a:ext>
+            <a:ext uri="{AF507438-7753-43E0-B8FC-AC1667EBCBE1}">
+              <a14:hiddenEffects xmlns:a14="http://schemas.microsoft.com/office/drawing/2010/main">
+                <a:effectLst>
+                  <a:outerShdw dist="35921" dir="2700000" algn="ctr" rotWithShape="0">
+                    <a:schemeClr val="bg2"/>
+                  </a:outerShdw>
+                </a:effectLst>
+              </a14:hiddenEffects>
+            </a:ext>
+          </a:extLst>
+        </p:spPr>
+      </p:pic>
+      <p:sp>
+        <p:nvSpPr>
+          <p:cNvPr id="9" name="Rounded Rectangle 8"/>
+          <p:cNvSpPr/>
+          <p:nvPr/>
+        </p:nvSpPr>
+        <p:spPr>
+          <a:xfrm>
+            <a:off x="8763000" y="1143000"/>
+            <a:ext cx="1752600" cy="4191000"/>
+          </a:xfrm>
+          <a:prstGeom prst="roundRect">
+            <a:avLst/>
+          </a:prstGeom>
+          <a:noFill/>
+          <a:ln>
+            <a:solidFill>
+              <a:srgbClr val="FFC000"/>
+            </a:solidFill>
+          </a:ln>
+        </p:spPr>
+        <p:style>
+          <a:lnRef idx="2">
+            <a:schemeClr val="accent1">
+              <a:shade val="50000"/>
+            </a:schemeClr>
+          </a:lnRef>
+          <a:fillRef idx="1">
+            <a:schemeClr val="accent1"/>
+          </a:fillRef>
+          <a:effectRef idx="0">
+            <a:schemeClr val="accent1"/>
+          </a:effectRef>
+          <a:fontRef idx="minor">
+            <a:schemeClr val="lt1"/>
+          </a:fontRef>
+        </p:style>
+        <p:txBody>
+          <a:bodyPr rtlCol="0" anchor="t"/>
+          <a:lstStyle/>
+          <a:p>
+            <a:pPr algn="ctr"/>
+            <a:r>
+              <a:rPr lang="en-US" sz="1500" b="1" smtClean="0">
+                <a:solidFill>
+                  <a:schemeClr val="tx1"/>
+                </a:solidFill>
+              </a:rPr>
+              <a:t>Data Tier</a:t>
+            </a:r>
+            <a:endParaRPr lang="en-US" sz="1500" b="1">
+              <a:solidFill>
+                <a:schemeClr val="tx1"/>
+              </a:solidFill>
+            </a:endParaRPr>
+          </a:p>
+        </p:txBody>
+      </p:sp>
+      <p:sp>
+        <p:nvSpPr>
+          <p:cNvPr id="10" name="Rounded Rectangle 9"/>
+          <p:cNvSpPr/>
+          <p:nvPr/>
+        </p:nvSpPr>
+        <p:spPr>
+          <a:xfrm>
+            <a:off x="1524000" y="-609600"/>
+            <a:ext cx="3124200" cy="1295400"/>
+          </a:xfrm>
+          <a:prstGeom prst="roundRect">
+            <a:avLst/>
+          </a:prstGeom>
+          <a:noFill/>
+        </p:spPr>
+        <p:style>
+          <a:lnRef idx="2">
+            <a:schemeClr val="accent1">
+              <a:shade val="50000"/>
+            </a:schemeClr>
+          </a:lnRef>
+          <a:fillRef idx="1">
+            <a:schemeClr val="accent1"/>
+          </a:fillRef>
+          <a:effectRef idx="0">
+            <a:schemeClr val="accent1"/>
+          </a:effectRef>
+          <a:fontRef idx="minor">
+            <a:schemeClr val="lt1"/>
+          </a:fontRef>
+        </p:style>
+        <p:txBody>
+          <a:bodyPr rtlCol="0" anchor="t"/>
+          <a:lstStyle/>
+          <a:p>
+            <a:pPr algn="ctr"/>
+            <a:r>
+              <a:rPr lang="en-US" sz="1500" b="1" smtClean="0">
+                <a:solidFill>
+                  <a:schemeClr val="tx1"/>
+                </a:solidFill>
+              </a:rPr>
+              <a:t>Windows Services Tier</a:t>
+            </a:r>
+            <a:endParaRPr lang="en-US" sz="1500" b="1">
+              <a:solidFill>
+                <a:schemeClr val="tx1"/>
+              </a:solidFill>
+            </a:endParaRPr>
+          </a:p>
+        </p:txBody>
+      </p:sp>
+      <p:pic>
+        <p:nvPicPr>
+          <p:cNvPr id="2054" name="Picture 6"/>
+          <p:cNvPicPr>
+            <a:picLocks noChangeAspect="1" noChangeArrowheads="1"/>
+          </p:cNvPicPr>
+          <p:nvPr/>
+        </p:nvPicPr>
+        <p:blipFill>
+          <a:blip r:embed="rId3">
+            <a:extLst>
+              <a:ext uri="{28A0092B-C50C-407E-A947-70E740481C1C}">
+                <a14:useLocalDpi xmlns:a14="http://schemas.microsoft.com/office/drawing/2010/main" val="0"/>
+              </a:ext>
+            </a:extLst>
+          </a:blip>
+          <a:srcRect/>
+          <a:stretch>
+            <a:fillRect/>
+          </a:stretch>
+        </p:blipFill>
+        <p:spPr bwMode="auto">
+          <a:xfrm>
+            <a:off x="9142639" y="2536743"/>
+            <a:ext cx="819150" cy="733425"/>
+          </a:xfrm>
+          <a:prstGeom prst="rect">
+            <a:avLst/>
+          </a:prstGeom>
+          <a:noFill/>
+          <a:ln>
+            <a:noFill/>
+          </a:ln>
+          <a:effectLst/>
+          <a:extLst>
+            <a:ext uri="{909E8E84-426E-40DD-AFC4-6F175D3DCCD1}">
+              <a14:hiddenFill xmlns:a14="http://schemas.microsoft.com/office/drawing/2010/main">
+                <a:solidFill>
+                  <a:schemeClr val="accent1"/>
+                </a:solidFill>
+              </a14:hiddenFill>
+            </a:ext>
+            <a:ext uri="{91240B29-F687-4F45-9708-019B960494DF}">
+              <a14:hiddenLine xmlns:a14="http://schemas.microsoft.com/office/drawing/2010/main" w="9525">
+                <a:solidFill>
+                  <a:schemeClr val="tx1"/>
+                </a:solidFill>
+                <a:miter lim="800000"/>
+                <a:headEnd/>
+                <a:tailEnd/>
+              </a14:hiddenLine>
+            </a:ext>
+            <a:ext uri="{AF507438-7753-43E0-B8FC-AC1667EBCBE1}">
+              <a14:hiddenEffects xmlns:a14="http://schemas.microsoft.com/office/drawing/2010/main">
+                <a:effectLst>
+                  <a:outerShdw dist="35921" dir="2700000" algn="ctr" rotWithShape="0">
+                    <a:schemeClr val="bg2"/>
+                  </a:outerShdw>
+                </a:effectLst>
+              </a14:hiddenEffects>
+            </a:ext>
+          </a:extLst>
+        </p:spPr>
+      </p:pic>
+      <p:sp>
+        <p:nvSpPr>
+          <p:cNvPr id="11" name="Rounded Rectangle 10"/>
+          <p:cNvSpPr/>
+          <p:nvPr/>
+        </p:nvSpPr>
+        <p:spPr>
+          <a:xfrm>
+            <a:off x="9071882" y="1524000"/>
+            <a:ext cx="922564" cy="776287"/>
+          </a:xfrm>
+          <a:prstGeom prst="roundRect">
+            <a:avLst/>
+          </a:prstGeom>
+        </p:spPr>
+        <p:style>
+          <a:lnRef idx="3">
+            <a:schemeClr val="lt1"/>
+          </a:lnRef>
+          <a:fillRef idx="1">
+            <a:schemeClr val="accent6"/>
+          </a:fillRef>
+          <a:effectRef idx="1">
+            <a:schemeClr val="accent6"/>
+          </a:effectRef>
+          <a:fontRef idx="minor">
+            <a:schemeClr val="lt1"/>
+          </a:fontRef>
+        </p:style>
+        <p:txBody>
+          <a:bodyPr rtlCol="0" anchor="ctr"/>
+          <a:lstStyle/>
+          <a:p>
+            <a:pPr algn="ctr"/>
+            <a:r>
+              <a:rPr lang="en-US" sz="1200" smtClean="0">
+                <a:solidFill>
+                  <a:schemeClr val="tx1"/>
+                </a:solidFill>
+              </a:rPr>
+              <a:t>Analysis Service</a:t>
+            </a:r>
+            <a:endParaRPr lang="en-US" sz="1200">
+              <a:solidFill>
+                <a:schemeClr val="tx1"/>
+              </a:solidFill>
+            </a:endParaRPr>
+          </a:p>
+        </p:txBody>
+      </p:sp>
+      <p:pic>
+        <p:nvPicPr>
+          <p:cNvPr id="2055" name="Picture 7"/>
+          <p:cNvPicPr>
+            <a:picLocks noChangeAspect="1" noChangeArrowheads="1"/>
+          </p:cNvPicPr>
+          <p:nvPr/>
+        </p:nvPicPr>
+        <p:blipFill>
+          <a:blip r:embed="rId4">
+            <a:extLst>
+              <a:ext uri="{28A0092B-C50C-407E-A947-70E740481C1C}">
+                <a14:useLocalDpi xmlns:a14="http://schemas.microsoft.com/office/drawing/2010/main" val="0"/>
+              </a:ext>
+            </a:extLst>
+          </a:blip>
+          <a:srcRect/>
+          <a:stretch>
+            <a:fillRect/>
+          </a:stretch>
+        </p:blipFill>
+        <p:spPr bwMode="auto">
+          <a:xfrm>
+            <a:off x="9144000" y="4448175"/>
+            <a:ext cx="819150" cy="733425"/>
+          </a:xfrm>
+          <a:prstGeom prst="rect">
+            <a:avLst/>
+          </a:prstGeom>
+          <a:noFill/>
+          <a:ln>
+            <a:noFill/>
+          </a:ln>
+          <a:effectLst/>
+          <a:extLst>
+            <a:ext uri="{909E8E84-426E-40DD-AFC4-6F175D3DCCD1}">
+              <a14:hiddenFill xmlns:a14="http://schemas.microsoft.com/office/drawing/2010/main">
+                <a:solidFill>
+                  <a:schemeClr val="accent1"/>
+                </a:solidFill>
+              </a14:hiddenFill>
+            </a:ext>
+            <a:ext uri="{91240B29-F687-4F45-9708-019B960494DF}">
+              <a14:hiddenLine xmlns:a14="http://schemas.microsoft.com/office/drawing/2010/main" w="9525">
+                <a:solidFill>
+                  <a:schemeClr val="tx1"/>
+                </a:solidFill>
+                <a:miter lim="800000"/>
+                <a:headEnd/>
+                <a:tailEnd/>
+              </a14:hiddenLine>
+            </a:ext>
+            <a:ext uri="{AF507438-7753-43E0-B8FC-AC1667EBCBE1}">
+              <a14:hiddenEffects xmlns:a14="http://schemas.microsoft.com/office/drawing/2010/main">
+                <a:effectLst>
+                  <a:outerShdw dist="35921" dir="2700000" algn="ctr" rotWithShape="0">
+                    <a:schemeClr val="bg2"/>
+                  </a:outerShdw>
+                </a:effectLst>
+              </a14:hiddenEffects>
+            </a:ext>
+          </a:extLst>
+        </p:spPr>
+      </p:pic>
+      <p:sp>
+        <p:nvSpPr>
+          <p:cNvPr id="12" name="Rounded Rectangle 11"/>
+          <p:cNvSpPr/>
+          <p:nvPr/>
+        </p:nvSpPr>
+        <p:spPr>
+          <a:xfrm>
+            <a:off x="3218793" y="-90652"/>
+            <a:ext cx="1143000" cy="533400"/>
+          </a:xfrm>
+          <a:prstGeom prst="roundRect">
+            <a:avLst/>
+          </a:prstGeom>
+        </p:spPr>
+        <p:style>
+          <a:lnRef idx="2">
+            <a:schemeClr val="accent4">
+              <a:shade val="50000"/>
+            </a:schemeClr>
+          </a:lnRef>
+          <a:fillRef idx="1">
+            <a:schemeClr val="accent4"/>
+          </a:fillRef>
+          <a:effectRef idx="0">
+            <a:schemeClr val="accent4"/>
+          </a:effectRef>
+          <a:fontRef idx="minor">
+            <a:schemeClr val="lt1"/>
+          </a:fontRef>
+        </p:style>
+        <p:txBody>
+          <a:bodyPr rtlCol="0" anchor="ctr"/>
+          <a:lstStyle/>
+          <a:p>
+            <a:pPr algn="ctr"/>
+            <a:r>
+              <a:rPr lang="en-US" sz="1200" smtClean="0"/>
+              <a:t>Data mining service</a:t>
+            </a:r>
+            <a:endParaRPr lang="en-US" sz="1200"/>
+          </a:p>
+        </p:txBody>
+      </p:sp>
+      <p:sp>
+        <p:nvSpPr>
+          <p:cNvPr id="13" name="Rounded Rectangle 12"/>
+          <p:cNvSpPr/>
+          <p:nvPr/>
+        </p:nvSpPr>
+        <p:spPr>
+          <a:xfrm>
+            <a:off x="1752600" y="-76200"/>
+            <a:ext cx="1143000" cy="533400"/>
+          </a:xfrm>
+          <a:prstGeom prst="roundRect">
+            <a:avLst/>
+          </a:prstGeom>
+        </p:spPr>
+        <p:style>
+          <a:lnRef idx="2">
+            <a:schemeClr val="accent3">
+              <a:shade val="50000"/>
+            </a:schemeClr>
+          </a:lnRef>
+          <a:fillRef idx="1">
+            <a:schemeClr val="accent3"/>
+          </a:fillRef>
+          <a:effectRef idx="0">
+            <a:schemeClr val="accent3"/>
+          </a:effectRef>
+          <a:fontRef idx="minor">
+            <a:schemeClr val="lt1"/>
+          </a:fontRef>
+        </p:style>
+        <p:txBody>
+          <a:bodyPr rtlCol="0" anchor="ctr"/>
+          <a:lstStyle/>
+          <a:p>
+            <a:pPr algn="ctr"/>
+            <a:r>
+              <a:rPr lang="en-US" sz="1200" smtClean="0"/>
+              <a:t>Taxonomy service</a:t>
+            </a:r>
+            <a:endParaRPr lang="en-US" sz="1200"/>
+          </a:p>
+        </p:txBody>
+      </p:sp>
+      <p:cxnSp>
+        <p:nvCxnSpPr>
+          <p:cNvPr id="16" name="Curved Connector 15"/>
+          <p:cNvCxnSpPr>
+            <a:endCxn id="12" idx="2"/>
+          </p:cNvCxnSpPr>
+          <p:nvPr/>
+        </p:nvCxnSpPr>
+        <p:spPr>
+          <a:xfrm rot="16200000" flipV="1">
+            <a:off x="3373821" y="859220"/>
+            <a:ext cx="1690852" cy="857907"/>
+          </a:xfrm>
+          <a:prstGeom prst="curvedConnector3">
+            <a:avLst/>
+          </a:prstGeom>
+          <a:ln w="12700">
+            <a:solidFill>
+              <a:srgbClr val="FF0000"/>
+            </a:solidFill>
+            <a:tailEnd type="arrow"/>
+          </a:ln>
+        </p:spPr>
+        <p:style>
+          <a:lnRef idx="1">
+            <a:schemeClr val="accent1"/>
+          </a:lnRef>
+          <a:fillRef idx="0">
+            <a:schemeClr val="accent1"/>
+          </a:fillRef>
+          <a:effectRef idx="0">
+            <a:schemeClr val="accent1"/>
+          </a:effectRef>
+          <a:fontRef idx="minor">
+            <a:schemeClr val="tx1"/>
+          </a:fontRef>
+        </p:style>
+      </p:cxnSp>
+      <p:cxnSp>
+        <p:nvCxnSpPr>
+          <p:cNvPr id="18" name="Curved Connector 17"/>
+          <p:cNvCxnSpPr>
+            <a:endCxn id="13" idx="2"/>
+          </p:cNvCxnSpPr>
+          <p:nvPr/>
+        </p:nvCxnSpPr>
+        <p:spPr>
+          <a:xfrm rot="16200000" flipV="1">
+            <a:off x="1933247" y="848053"/>
+            <a:ext cx="1676400" cy="894693"/>
+          </a:xfrm>
+          <a:prstGeom prst="curvedConnector3">
+            <a:avLst/>
+          </a:prstGeom>
+          <a:ln w="12700">
+            <a:solidFill>
+              <a:srgbClr val="FF0000"/>
+            </a:solidFill>
+            <a:tailEnd type="arrow"/>
+          </a:ln>
+        </p:spPr>
+        <p:style>
+          <a:lnRef idx="1">
+            <a:schemeClr val="accent1"/>
+          </a:lnRef>
+          <a:fillRef idx="0">
+            <a:schemeClr val="accent1"/>
+          </a:fillRef>
+          <a:effectRef idx="0">
+            <a:schemeClr val="accent1"/>
+          </a:effectRef>
+          <a:fontRef idx="minor">
+            <a:schemeClr val="tx1"/>
+          </a:fontRef>
+        </p:style>
+      </p:cxnSp>
+      <p:cxnSp>
+        <p:nvCxnSpPr>
+          <p:cNvPr id="20" name="Curved Connector 19"/>
+          <p:cNvCxnSpPr>
+            <a:endCxn id="2054" idx="1"/>
+          </p:cNvCxnSpPr>
+          <p:nvPr/>
+        </p:nvCxnSpPr>
+        <p:spPr>
+          <a:xfrm flipV="1">
+            <a:off x="5105400" y="2903456"/>
+            <a:ext cx="4037239" cy="335044"/>
+          </a:xfrm>
+          <a:prstGeom prst="curvedConnector3">
+            <a:avLst/>
+          </a:prstGeom>
+          <a:ln w="12700">
+            <a:solidFill>
+              <a:srgbClr val="FFC000"/>
+            </a:solidFill>
+            <a:tailEnd type="arrow"/>
+          </a:ln>
+        </p:spPr>
+        <p:style>
+          <a:lnRef idx="1">
+            <a:schemeClr val="accent1"/>
+          </a:lnRef>
+          <a:fillRef idx="0">
+            <a:schemeClr val="accent1"/>
+          </a:fillRef>
+          <a:effectRef idx="0">
+            <a:schemeClr val="accent1"/>
+          </a:effectRef>
+          <a:fontRef idx="minor">
+            <a:schemeClr val="tx1"/>
+          </a:fontRef>
+        </p:style>
+      </p:cxnSp>
+      <p:cxnSp>
+        <p:nvCxnSpPr>
+          <p:cNvPr id="23" name="Curved Connector 22"/>
+          <p:cNvCxnSpPr>
+            <a:endCxn id="2055" idx="1"/>
+          </p:cNvCxnSpPr>
+          <p:nvPr/>
+        </p:nvCxnSpPr>
+        <p:spPr>
+          <a:xfrm flipV="1">
+            <a:off x="4190999" y="4814888"/>
+            <a:ext cx="4953001" cy="366712"/>
+          </a:xfrm>
+          <a:prstGeom prst="curvedConnector3">
+            <a:avLst/>
+          </a:prstGeom>
+          <a:ln w="12700">
+            <a:solidFill>
+              <a:srgbClr val="0070C0"/>
+            </a:solidFill>
+            <a:tailEnd type="arrow"/>
+          </a:ln>
+        </p:spPr>
+        <p:style>
+          <a:lnRef idx="1">
+            <a:schemeClr val="accent1"/>
+          </a:lnRef>
+          <a:fillRef idx="0">
+            <a:schemeClr val="accent1"/>
+          </a:fillRef>
+          <a:effectRef idx="0">
+            <a:schemeClr val="accent1"/>
+          </a:effectRef>
+          <a:fontRef idx="minor">
+            <a:schemeClr val="tx1"/>
+          </a:fontRef>
+        </p:style>
+      </p:cxnSp>
+      <p:cxnSp>
+        <p:nvCxnSpPr>
+          <p:cNvPr id="27" name="Curved Connector 26"/>
+          <p:cNvCxnSpPr>
+            <a:stCxn id="12" idx="3"/>
+            <a:endCxn id="11" idx="1"/>
+          </p:cNvCxnSpPr>
+          <p:nvPr/>
+        </p:nvCxnSpPr>
+        <p:spPr>
+          <a:xfrm>
+            <a:off x="4361793" y="176048"/>
+            <a:ext cx="4710089" cy="1736096"/>
+          </a:xfrm>
+          <a:prstGeom prst="curvedConnector3">
+            <a:avLst/>
+          </a:prstGeom>
+          <a:ln>
+            <a:tailEnd type="arrow"/>
+          </a:ln>
+        </p:spPr>
+        <p:style>
+          <a:lnRef idx="1">
+            <a:schemeClr val="accent6"/>
+          </a:lnRef>
+          <a:fillRef idx="0">
+            <a:schemeClr val="accent6"/>
+          </a:fillRef>
+          <a:effectRef idx="0">
+            <a:schemeClr val="accent6"/>
+          </a:effectRef>
+          <a:fontRef idx="minor">
+            <a:schemeClr val="tx1"/>
+          </a:fontRef>
+        </p:style>
+      </p:cxnSp>
+      <p:cxnSp>
+        <p:nvCxnSpPr>
+          <p:cNvPr id="29" name="Curved Connector 28"/>
+          <p:cNvCxnSpPr>
+            <a:stCxn id="13" idx="3"/>
+          </p:cNvCxnSpPr>
+          <p:nvPr/>
+        </p:nvCxnSpPr>
+        <p:spPr>
+          <a:xfrm>
+            <a:off x="2895600" y="190500"/>
+            <a:ext cx="6553200" cy="2476500"/>
+          </a:xfrm>
+          <a:prstGeom prst="curvedConnector3">
+            <a:avLst/>
+          </a:prstGeom>
+          <a:ln>
+            <a:tailEnd type="arrow"/>
+          </a:ln>
+        </p:spPr>
+        <p:style>
+          <a:lnRef idx="1">
+            <a:schemeClr val="accent6"/>
+          </a:lnRef>
+          <a:fillRef idx="0">
+            <a:schemeClr val="accent6"/>
+          </a:fillRef>
+          <a:effectRef idx="0">
+            <a:schemeClr val="accent6"/>
+          </a:effectRef>
+          <a:fontRef idx="minor">
+            <a:schemeClr val="tx1"/>
+          </a:fontRef>
+        </p:style>
+      </p:cxnSp>
+      <p:pic>
+        <p:nvPicPr>
+          <p:cNvPr id="31" name="Picture 30"/>
+          <p:cNvPicPr>
+            <a:picLocks noChangeAspect="1"/>
+          </p:cNvPicPr>
+          <p:nvPr/>
+        </p:nvPicPr>
+        <p:blipFill>
+          <a:blip r:embed="rId5" cstate="print">
+            <a:extLst>
+              <a:ext uri="{28A0092B-C50C-407E-A947-70E740481C1C}">
+                <a14:useLocalDpi xmlns:a14="http://schemas.microsoft.com/office/drawing/2010/main" val="0"/>
+              </a:ext>
+            </a:extLst>
+          </a:blip>
+          <a:stretch>
+            <a:fillRect/>
+          </a:stretch>
+        </p:blipFill>
+        <p:spPr>
+          <a:xfrm>
+            <a:off x="9533164" y="2903455"/>
+            <a:ext cx="1566569" cy="1287545"/>
+          </a:xfrm>
+          <a:prstGeom prst="rect">
+            <a:avLst/>
+          </a:prstGeom>
+        </p:spPr>
+      </p:pic>
+      <p:pic>
+        <p:nvPicPr>
+          <p:cNvPr id="2048" name="Picture 2047"/>
+          <p:cNvPicPr>
+            <a:picLocks noChangeAspect="1"/>
+          </p:cNvPicPr>
+          <p:nvPr/>
+        </p:nvPicPr>
+        <p:blipFill>
+          <a:blip r:embed="rId6" cstate="print">
+            <a:extLst>
+              <a:ext uri="{28A0092B-C50C-407E-A947-70E740481C1C}">
+                <a14:useLocalDpi xmlns:a14="http://schemas.microsoft.com/office/drawing/2010/main" val="0"/>
+              </a:ext>
+            </a:extLst>
+          </a:blip>
+          <a:stretch>
+            <a:fillRect/>
+          </a:stretch>
+        </p:blipFill>
+        <p:spPr>
+          <a:xfrm>
+            <a:off x="914400" y="-389246"/>
+            <a:ext cx="846446" cy="846446"/>
+          </a:xfrm>
+          <a:prstGeom prst="rect">
+            <a:avLst/>
+          </a:prstGeom>
+        </p:spPr>
+      </p:pic>
+      <p:sp>
+        <p:nvSpPr>
+          <p:cNvPr id="2049" name="TextBox 2048"/>
+          <p:cNvSpPr txBox="1"/>
+          <p:nvPr/>
+        </p:nvSpPr>
+        <p:spPr>
+          <a:xfrm>
+            <a:off x="2466494" y="1167642"/>
+            <a:ext cx="460382" cy="323165"/>
+          </a:xfrm>
+          <a:prstGeom prst="rect">
+            <a:avLst/>
+          </a:prstGeom>
+          <a:noFill/>
+        </p:spPr>
+        <p:txBody>
+          <a:bodyPr wrap="none" rtlCol="0">
+            <a:spAutoFit/>
+          </a:bodyPr>
+          <a:lstStyle/>
+          <a:p>
+            <a:r>
+              <a:rPr lang="en-US" sz="1500" b="1" smtClean="0"/>
+              <a:t>use</a:t>
+            </a:r>
+            <a:endParaRPr lang="en-US" sz="1500" b="1"/>
+          </a:p>
+        </p:txBody>
+      </p:sp>
+      <p:sp>
+        <p:nvSpPr>
+          <p:cNvPr id="45" name="TextBox 44"/>
+          <p:cNvSpPr txBox="1"/>
+          <p:nvPr/>
+        </p:nvSpPr>
+        <p:spPr>
+          <a:xfrm>
+            <a:off x="3668633" y="784283"/>
+            <a:ext cx="460382" cy="323165"/>
+          </a:xfrm>
+          <a:prstGeom prst="rect">
+            <a:avLst/>
+          </a:prstGeom>
+          <a:noFill/>
+        </p:spPr>
+        <p:txBody>
+          <a:bodyPr wrap="none" rtlCol="0">
+            <a:spAutoFit/>
+          </a:bodyPr>
+          <a:lstStyle/>
+          <a:p>
+            <a:r>
+              <a:rPr lang="en-US" sz="1500" b="1" smtClean="0"/>
+              <a:t>use</a:t>
+            </a:r>
+            <a:endParaRPr lang="en-US" sz="1500" b="1"/>
+          </a:p>
+        </p:txBody>
+      </p:sp>
+      <p:sp>
+        <p:nvSpPr>
+          <p:cNvPr id="46" name="TextBox 45"/>
+          <p:cNvSpPr txBox="1"/>
+          <p:nvPr/>
+        </p:nvSpPr>
+        <p:spPr>
+          <a:xfrm>
+            <a:off x="5480890" y="784283"/>
+            <a:ext cx="788229" cy="323165"/>
+          </a:xfrm>
+          <a:prstGeom prst="rect">
+            <a:avLst/>
+          </a:prstGeom>
+          <a:noFill/>
+        </p:spPr>
+        <p:txBody>
+          <a:bodyPr wrap="none" rtlCol="0">
+            <a:spAutoFit/>
+          </a:bodyPr>
+          <a:lstStyle/>
+          <a:p>
+            <a:r>
+              <a:rPr lang="en-US" sz="1500" b="1" smtClean="0"/>
+              <a:t>process</a:t>
+            </a:r>
+            <a:endParaRPr lang="en-US" sz="1500" b="1"/>
+          </a:p>
+        </p:txBody>
+      </p:sp>
+      <p:sp>
+        <p:nvSpPr>
+          <p:cNvPr id="47" name="TextBox 46"/>
+          <p:cNvSpPr txBox="1"/>
+          <p:nvPr/>
+        </p:nvSpPr>
+        <p:spPr>
+          <a:xfrm>
+            <a:off x="6189260" y="720931"/>
+            <a:ext cx="788229" cy="323165"/>
+          </a:xfrm>
+          <a:prstGeom prst="rect">
+            <a:avLst/>
+          </a:prstGeom>
+          <a:noFill/>
+        </p:spPr>
+        <p:txBody>
+          <a:bodyPr wrap="none" rtlCol="0">
+            <a:spAutoFit/>
+          </a:bodyPr>
+          <a:lstStyle/>
+          <a:p>
+            <a:r>
+              <a:rPr lang="en-US" sz="1500" b="1" smtClean="0"/>
+              <a:t>process</a:t>
+            </a:r>
+            <a:endParaRPr lang="en-US" sz="1500" b="1"/>
+          </a:p>
+        </p:txBody>
+      </p:sp>
+      <p:sp>
+        <p:nvSpPr>
+          <p:cNvPr id="48" name="TextBox 47"/>
+          <p:cNvSpPr txBox="1"/>
+          <p:nvPr/>
+        </p:nvSpPr>
+        <p:spPr>
+          <a:xfrm>
+            <a:off x="8097211" y="2777683"/>
+            <a:ext cx="647165" cy="323165"/>
+          </a:xfrm>
+          <a:prstGeom prst="rect">
+            <a:avLst/>
+          </a:prstGeom>
+          <a:noFill/>
+        </p:spPr>
+        <p:txBody>
+          <a:bodyPr wrap="none" rtlCol="0">
+            <a:spAutoFit/>
+          </a:bodyPr>
+          <a:lstStyle/>
+          <a:p>
+            <a:r>
+              <a:rPr lang="en-US" sz="1500" b="1" smtClean="0"/>
+              <a:t>query</a:t>
+            </a:r>
+            <a:endParaRPr lang="en-US" sz="1500" b="1"/>
+          </a:p>
+        </p:txBody>
+      </p:sp>
+      <p:sp>
+        <p:nvSpPr>
+          <p:cNvPr id="49" name="TextBox 48"/>
+          <p:cNvSpPr txBox="1"/>
+          <p:nvPr/>
+        </p:nvSpPr>
+        <p:spPr>
+          <a:xfrm>
+            <a:off x="7923663" y="4709562"/>
+            <a:ext cx="647165" cy="323165"/>
+          </a:xfrm>
+          <a:prstGeom prst="rect">
+            <a:avLst/>
+          </a:prstGeom>
+          <a:noFill/>
+        </p:spPr>
+        <p:txBody>
+          <a:bodyPr wrap="none" rtlCol="0">
+            <a:spAutoFit/>
+          </a:bodyPr>
+          <a:lstStyle/>
+          <a:p>
+            <a:r>
+              <a:rPr lang="en-US" sz="1500" b="1" smtClean="0"/>
+              <a:t>query</a:t>
+            </a:r>
+            <a:endParaRPr lang="en-US" sz="1500" b="1"/>
+          </a:p>
+        </p:txBody>
+      </p:sp>
+      <p:sp>
+        <p:nvSpPr>
+          <p:cNvPr id="2056" name="Rectangular Callout 2055"/>
+          <p:cNvSpPr/>
+          <p:nvPr/>
+        </p:nvSpPr>
+        <p:spPr>
+          <a:xfrm>
+            <a:off x="-762000" y="2103973"/>
+            <a:ext cx="1295399" cy="865539"/>
+          </a:xfrm>
+          <a:prstGeom prst="wedgeRectCallout">
+            <a:avLst>
+              <a:gd name="adj1" fmla="val 65559"/>
+              <a:gd name="adj2" fmla="val 15196"/>
+            </a:avLst>
+          </a:prstGeom>
+        </p:spPr>
+        <p:style>
+          <a:lnRef idx="3">
+            <a:schemeClr val="lt1"/>
+          </a:lnRef>
+          <a:fillRef idx="1">
+            <a:schemeClr val="accent6"/>
+          </a:fillRef>
+          <a:effectRef idx="1">
+            <a:schemeClr val="accent6"/>
+          </a:effectRef>
+          <a:fontRef idx="minor">
+            <a:schemeClr val="lt1"/>
+          </a:fontRef>
+        </p:style>
+        <p:txBody>
+          <a:bodyPr rtlCol="0" anchor="ctr"/>
+          <a:lstStyle/>
+          <a:p>
+            <a:pPr algn="ctr"/>
+            <a:r>
+              <a:rPr lang="en-US" sz="1500" b="1" smtClean="0"/>
+              <a:t>JobZoom framework</a:t>
+            </a:r>
+          </a:p>
+          <a:p>
+            <a:pPr algn="ctr"/>
+            <a:r>
+              <a:rPr lang="en-US" sz="1500" b="1" smtClean="0"/>
+              <a:t>.Dll Library</a:t>
+            </a:r>
+            <a:endParaRPr lang="en-US" sz="1500" b="1"/>
+          </a:p>
+        </p:txBody>
+      </p:sp>
+      <p:sp>
+        <p:nvSpPr>
+          <p:cNvPr id="2057" name="Rounded Rectangular Callout 2056"/>
+          <p:cNvSpPr/>
+          <p:nvPr/>
+        </p:nvSpPr>
+        <p:spPr>
+          <a:xfrm>
+            <a:off x="-834789" y="5514975"/>
+            <a:ext cx="1524000" cy="962025"/>
+          </a:xfrm>
+          <a:prstGeom prst="wedgeRoundRectCallout">
+            <a:avLst>
+              <a:gd name="adj1" fmla="val 62206"/>
+              <a:gd name="adj2" fmla="val -26820"/>
+              <a:gd name="adj3" fmla="val 16667"/>
+            </a:avLst>
+          </a:prstGeom>
+        </p:spPr>
+        <p:style>
+          <a:lnRef idx="3">
+            <a:schemeClr val="lt1"/>
+          </a:lnRef>
+          <a:fillRef idx="1">
+            <a:schemeClr val="accent5"/>
+          </a:fillRef>
+          <a:effectRef idx="1">
+            <a:schemeClr val="accent5"/>
+          </a:effectRef>
+          <a:fontRef idx="minor">
+            <a:schemeClr val="lt1"/>
+          </a:fontRef>
+        </p:style>
+        <p:txBody>
+          <a:bodyPr rtlCol="0" anchor="ctr"/>
+          <a:lstStyle/>
+          <a:p>
+            <a:pPr algn="ctr"/>
+            <a:r>
+              <a:rPr lang="en-US" sz="1500" b="1"/>
+              <a:t>I</a:t>
+            </a:r>
+            <a:r>
+              <a:rPr lang="en-US" sz="1500" b="1" smtClean="0"/>
+              <a:t>mplement JobZoom framework </a:t>
+            </a:r>
+          </a:p>
+          <a:p>
+            <a:pPr algn="ctr"/>
+            <a:r>
+              <a:rPr lang="en-US" sz="1500" b="1" smtClean="0"/>
+              <a:t>.dll library)</a:t>
+            </a:r>
+            <a:endParaRPr lang="en-US" sz="1500" b="1"/>
+          </a:p>
+        </p:txBody>
+      </p:sp>
+    </p:spTree>
+    <p:extLst>
+      <p:ext uri="{BB962C8B-B14F-4D97-AF65-F5344CB8AC3E}">
+        <p14:creationId xmlns:p14="http://schemas.microsoft.com/office/powerpoint/2010/main" val="3237981930"/>
+      </p:ext>
+    </p:extLst>
+  </p:cSld>
+  <p:clrMapOvr>
+    <a:masterClrMapping/>
+  </p:clrMapOvr>
+  <p:timing>
+    <p:tnLst>
+      <p:par>
+        <p:cTn id="1" dur="indefinite" restart="never" nodeType="tmRoot"/>
+      </p:par>
+    </p:tnLst>
+  </p:timing>
 </p:sld>
 </file>
 
@@ -13704,7 +14881,7 @@
           <a:p>
             <a:pPr algn="ctr"/>
             <a:r>
-              <a:rPr lang="en-US" sz="2400" dirty="0" smtClean="0">
+              <a:rPr lang="en-US" sz="2400" smtClean="0">
                 <a:latin typeface="Times New Roman" pitchFamily="18" charset="0"/>
                 <a:cs typeface="Times New Roman" pitchFamily="18" charset="0"/>
               </a:rPr>
@@ -13714,7 +14891,7 @@
           <a:p>
             <a:pPr algn="ctr"/>
             <a:r>
-              <a:rPr lang="en-US" sz="2400" dirty="0">
+              <a:rPr lang="en-US" sz="2400">
                 <a:latin typeface="Times New Roman" pitchFamily="18" charset="0"/>
                 <a:cs typeface="Times New Roman" pitchFamily="18" charset="0"/>
               </a:rPr>
@@ -13795,7 +14972,7 @@
           <a:p>
             <a:pPr algn="ctr"/>
             <a:r>
-              <a:rPr lang="en-US" sz="2400" dirty="0" smtClean="0">
+              <a:rPr lang="en-US" sz="2400" smtClean="0">
                 <a:latin typeface="Times New Roman" pitchFamily="18" charset="0"/>
                 <a:cs typeface="Times New Roman" pitchFamily="18" charset="0"/>
               </a:rPr>
@@ -13805,7 +14982,7 @@
           <a:p>
             <a:pPr algn="ctr"/>
             <a:r>
-              <a:rPr lang="en-US" sz="2400" dirty="0">
+              <a:rPr lang="en-US" sz="2400">
                 <a:latin typeface="Times New Roman" pitchFamily="18" charset="0"/>
                 <a:cs typeface="Times New Roman" pitchFamily="18" charset="0"/>
               </a:rPr>
@@ -13851,10 +15028,10 @@
           <a:p>
             <a:pPr algn="ctr"/>
             <a:r>
-              <a:rPr lang="en-US" sz="2400" dirty="0" smtClean="0"/>
+              <a:rPr lang="en-US" sz="2400" smtClean="0"/>
               <a:t>Car</a:t>
             </a:r>
-            <a:endParaRPr lang="en-US" sz="2400" dirty="0"/>
+            <a:endParaRPr lang="en-US" sz="2400"/>
           </a:p>
         </p:txBody>
       </p:sp>
@@ -13895,10 +15072,10 @@
           <a:p>
             <a:pPr algn="ctr"/>
             <a:r>
-              <a:rPr lang="en-US" sz="2400" dirty="0" smtClean="0"/>
+              <a:rPr lang="en-US" sz="2400" smtClean="0"/>
               <a:t>Train</a:t>
             </a:r>
-            <a:endParaRPr lang="en-US" sz="2400" dirty="0"/>
+            <a:endParaRPr lang="en-US" sz="2400"/>
           </a:p>
         </p:txBody>
       </p:sp>
@@ -14003,13 +15180,13 @@
           <a:p>
             <a:pPr algn="ctr"/>
             <a:r>
-              <a:rPr lang="en-US" sz="2400" dirty="0" smtClean="0">
+              <a:rPr lang="en-US" sz="2400" smtClean="0">
                 <a:latin typeface="Times New Roman" pitchFamily="18" charset="0"/>
                 <a:cs typeface="Times New Roman" pitchFamily="18" charset="0"/>
               </a:rPr>
               <a:t>Split further</a:t>
             </a:r>
-            <a:endParaRPr lang="en-US" sz="2400" dirty="0">
+            <a:endParaRPr lang="en-US" sz="2400">
               <a:latin typeface="Times New Roman" pitchFamily="18" charset="0"/>
               <a:cs typeface="Times New Roman" pitchFamily="18" charset="0"/>
             </a:endParaRPr>
@@ -14072,7 +15249,7 @@
           <a:lstStyle/>
           <a:p>
             <a:r>
-              <a:rPr lang="en-US" sz="2400" dirty="0" smtClean="0">
+              <a:rPr lang="en-US" sz="2400" smtClean="0">
                 <a:solidFill>
                   <a:schemeClr val="tx2"/>
                 </a:solidFill>
@@ -14081,7 +15258,7 @@
               </a:rPr>
               <a:t>Expensive</a:t>
             </a:r>
-            <a:endParaRPr lang="en-US" sz="2400" dirty="0">
+            <a:endParaRPr lang="en-US" sz="2400">
               <a:solidFill>
                 <a:schemeClr val="tx2"/>
               </a:solidFill>
@@ -14114,7 +15291,7 @@
           <a:lstStyle/>
           <a:p>
             <a:r>
-              <a:rPr lang="en-US" sz="2400" dirty="0" smtClean="0">
+              <a:rPr lang="en-US" sz="2400" smtClean="0">
                 <a:solidFill>
                   <a:schemeClr val="tx2"/>
                 </a:solidFill>
@@ -14123,7 +15300,7 @@
               </a:rPr>
               <a:t>Standard</a:t>
             </a:r>
-            <a:endParaRPr lang="en-US" sz="2400" dirty="0">
+            <a:endParaRPr lang="en-US" sz="2400">
               <a:solidFill>
                 <a:schemeClr val="tx2"/>
               </a:solidFill>
@@ -14156,7 +15333,7 @@
           <a:lstStyle/>
           <a:p>
             <a:r>
-              <a:rPr lang="en-US" sz="2400" dirty="0" smtClean="0">
+              <a:rPr lang="en-US" sz="2400" smtClean="0">
                 <a:solidFill>
                   <a:schemeClr val="tx2"/>
                 </a:solidFill>
@@ -14240,7 +15417,7 @@
           <a:p>
             <a:pPr algn="ctr"/>
             <a:r>
-              <a:rPr lang="en-US" sz="2400" dirty="0" smtClean="0">
+              <a:rPr lang="en-US" sz="2400" smtClean="0">
                 <a:latin typeface="Times New Roman" pitchFamily="18" charset="0"/>
                 <a:cs typeface="Times New Roman" pitchFamily="18" charset="0"/>
               </a:rPr>
@@ -14250,7 +15427,7 @@
           <a:p>
             <a:pPr algn="ctr"/>
             <a:r>
-              <a:rPr lang="en-US" sz="2400" dirty="0">
+              <a:rPr lang="en-US" sz="2400">
                 <a:latin typeface="Times New Roman" pitchFamily="18" charset="0"/>
                 <a:cs typeface="Times New Roman" pitchFamily="18" charset="0"/>
               </a:rPr>
@@ -14296,10 +15473,10 @@
           <a:p>
             <a:pPr algn="ctr"/>
             <a:r>
-              <a:rPr lang="en-US" sz="2400" dirty="0" smtClean="0"/>
+              <a:rPr lang="en-US" sz="2400" smtClean="0"/>
               <a:t>Car</a:t>
             </a:r>
-            <a:endParaRPr lang="en-US" sz="2400" dirty="0"/>
+            <a:endParaRPr lang="en-US" sz="2400"/>
           </a:p>
         </p:txBody>
       </p:sp>
@@ -14340,7 +15517,7 @@
           <a:p>
             <a:pPr algn="ctr"/>
             <a:r>
-              <a:rPr lang="en-US" sz="2400" dirty="0" smtClean="0"/>
+              <a:rPr lang="en-US" sz="2400" smtClean="0"/>
               <a:t>Bus</a:t>
             </a:r>
           </a:p>
@@ -14383,10 +15560,10 @@
           <a:p>
             <a:pPr algn="ctr"/>
             <a:r>
-              <a:rPr lang="en-US" sz="2400" dirty="0" smtClean="0"/>
+              <a:rPr lang="en-US" sz="2400" smtClean="0"/>
               <a:t>Train</a:t>
             </a:r>
-            <a:endParaRPr lang="en-US" sz="2400" dirty="0"/>
+            <a:endParaRPr lang="en-US" sz="2400"/>
           </a:p>
         </p:txBody>
       </p:sp>
@@ -14491,7 +15668,7 @@
           <a:p>
             <a:pPr algn="ctr"/>
             <a:r>
-              <a:rPr lang="en-US" sz="2400" dirty="0" smtClean="0">
+              <a:rPr lang="en-US" sz="2400" smtClean="0">
                 <a:latin typeface="Times New Roman" pitchFamily="18" charset="0"/>
                 <a:cs typeface="Times New Roman" pitchFamily="18" charset="0"/>
               </a:rPr>
@@ -14501,7 +15678,7 @@
           <a:p>
             <a:pPr algn="ctr"/>
             <a:r>
-              <a:rPr lang="en-US" sz="2400" dirty="0">
+              <a:rPr lang="en-US" sz="2400">
                 <a:latin typeface="Times New Roman" pitchFamily="18" charset="0"/>
                 <a:cs typeface="Times New Roman" pitchFamily="18" charset="0"/>
               </a:rPr>
@@ -14631,7 +15808,7 @@
           <a:lstStyle/>
           <a:p>
             <a:r>
-              <a:rPr lang="en-US" sz="2400" dirty="0" smtClean="0">
+              <a:rPr lang="en-US" sz="2400" smtClean="0">
                 <a:solidFill>
                   <a:schemeClr val="tx2"/>
                 </a:solidFill>
@@ -14640,7 +15817,7 @@
               </a:rPr>
               <a:t>Expensive</a:t>
             </a:r>
-            <a:endParaRPr lang="en-US" sz="2400" dirty="0">
+            <a:endParaRPr lang="en-US" sz="2400">
               <a:solidFill>
                 <a:schemeClr val="tx2"/>
               </a:solidFill>
@@ -14673,7 +15850,7 @@
           <a:lstStyle/>
           <a:p>
             <a:r>
-              <a:rPr lang="en-US" sz="2400" dirty="0" smtClean="0">
+              <a:rPr lang="en-US" sz="2400" smtClean="0">
                 <a:solidFill>
                   <a:schemeClr val="tx2"/>
                 </a:solidFill>
@@ -14682,7 +15859,7 @@
               </a:rPr>
               <a:t>Standard</a:t>
             </a:r>
-            <a:endParaRPr lang="en-US" sz="2400" dirty="0">
+            <a:endParaRPr lang="en-US" sz="2400">
               <a:solidFill>
                 <a:schemeClr val="tx2"/>
               </a:solidFill>
@@ -14715,7 +15892,7 @@
           <a:lstStyle/>
           <a:p>
             <a:r>
-              <a:rPr lang="en-US" sz="2400" dirty="0" smtClean="0">
+              <a:rPr lang="en-US" sz="2400" smtClean="0">
                 <a:solidFill>
                   <a:schemeClr val="tx2"/>
                 </a:solidFill>
@@ -14750,7 +15927,7 @@
           <a:lstStyle/>
           <a:p>
             <a:r>
-              <a:rPr lang="en-US" sz="2400" dirty="0" smtClean="0">
+              <a:rPr lang="en-US" sz="2400" smtClean="0">
                 <a:solidFill>
                   <a:schemeClr val="tx2"/>
                 </a:solidFill>
@@ -14759,7 +15936,7 @@
               </a:rPr>
               <a:t>Male</a:t>
             </a:r>
-            <a:endParaRPr lang="en-US" sz="2400" dirty="0">
+            <a:endParaRPr lang="en-US" sz="2400">
               <a:solidFill>
                 <a:schemeClr val="tx2"/>
               </a:solidFill>
@@ -14792,7 +15969,7 @@
           <a:lstStyle/>
           <a:p>
             <a:r>
-              <a:rPr lang="en-US" sz="2400" dirty="0" smtClean="0">
+              <a:rPr lang="en-US" sz="2400" smtClean="0">
                 <a:solidFill>
                   <a:schemeClr val="tx2"/>
                 </a:solidFill>
@@ -14801,7 +15978,7 @@
               </a:rPr>
               <a:t>Female</a:t>
             </a:r>
-            <a:endParaRPr lang="en-US" sz="2400" dirty="0">
+            <a:endParaRPr lang="en-US" sz="2400">
               <a:solidFill>
                 <a:schemeClr val="tx2"/>
               </a:solidFill>
@@ -14846,13 +16023,13 @@
           <a:p>
             <a:pPr algn="ctr"/>
             <a:r>
-              <a:rPr lang="en-US" sz="2400" dirty="0" smtClean="0">
+              <a:rPr lang="en-US" sz="2400" smtClean="0">
                 <a:latin typeface="Times New Roman" pitchFamily="18" charset="0"/>
                 <a:cs typeface="Times New Roman" pitchFamily="18" charset="0"/>
               </a:rPr>
               <a:t>Split further</a:t>
             </a:r>
-            <a:endParaRPr lang="en-US" sz="2400" dirty="0">
+            <a:endParaRPr lang="en-US" sz="2400">
               <a:latin typeface="Times New Roman" pitchFamily="18" charset="0"/>
               <a:cs typeface="Times New Roman" pitchFamily="18" charset="0"/>
             </a:endParaRPr>
@@ -14962,7 +16139,7 @@
           <a:lstStyle/>
           <a:p>
             <a:r>
-              <a:rPr lang="en-US" sz="2400" dirty="0" smtClean="0">
+              <a:rPr lang="en-US" sz="2400" smtClean="0">
                 <a:latin typeface="Times New Roman" pitchFamily="18" charset="0"/>
                 <a:cs typeface="Times New Roman" pitchFamily="18" charset="0"/>
               </a:rPr>
@@ -15037,7 +16214,7 @@
           <a:lstStyle/>
           <a:p>
             <a:r>
-              <a:rPr lang="en-US" sz="2400" dirty="0" smtClean="0">
+              <a:rPr lang="en-US" sz="2400" smtClean="0">
                 <a:latin typeface="Times New Roman" pitchFamily="18" charset="0"/>
                 <a:cs typeface="Times New Roman" pitchFamily="18" charset="0"/>
               </a:rPr>
@@ -15112,7 +16289,7 @@
           <a:lstStyle/>
           <a:p>
             <a:r>
-              <a:rPr lang="en-US" sz="2400" dirty="0" smtClean="0">
+              <a:rPr lang="en-US" sz="2400" smtClean="0">
                 <a:latin typeface="Times New Roman" pitchFamily="18" charset="0"/>
                 <a:cs typeface="Times New Roman" pitchFamily="18" charset="0"/>
               </a:rPr>
@@ -15187,7 +16364,7 @@
           <a:lstStyle/>
           <a:p>
             <a:r>
-              <a:rPr lang="en-US" sz="2400" dirty="0" smtClean="0">
+              <a:rPr lang="en-US" sz="2400" smtClean="0">
                 <a:latin typeface="Times New Roman" pitchFamily="18" charset="0"/>
                 <a:cs typeface="Times New Roman" pitchFamily="18" charset="0"/>
               </a:rPr>
@@ -15262,7 +16439,7 @@
           <a:lstStyle/>
           <a:p>
             <a:r>
-              <a:rPr lang="en-US" sz="2400" dirty="0" smtClean="0">
+              <a:rPr lang="en-US" sz="2400" smtClean="0">
                 <a:latin typeface="Times New Roman" pitchFamily="18" charset="0"/>
                 <a:cs typeface="Times New Roman" pitchFamily="18" charset="0"/>
               </a:rPr>
@@ -15337,7 +16514,7 @@
           <a:lstStyle/>
           <a:p>
             <a:r>
-              <a:rPr lang="en-US" sz="2400" dirty="0" smtClean="0">
+              <a:rPr lang="en-US" sz="2400" smtClean="0">
                 <a:latin typeface="Times New Roman" pitchFamily="18" charset="0"/>
                 <a:cs typeface="Times New Roman" pitchFamily="18" charset="0"/>
               </a:rPr>
@@ -15586,13 +16763,13 @@
           <a:lstStyle/>
           <a:p>
             <a:r>
-              <a:rPr lang="en-US" sz="2400" dirty="0" smtClean="0">
+              <a:rPr lang="en-US" sz="2400" smtClean="0">
                 <a:latin typeface="Times New Roman" pitchFamily="18" charset="0"/>
                 <a:cs typeface="Times New Roman" pitchFamily="18" charset="0"/>
               </a:rPr>
               <a:t>Subclass of</a:t>
             </a:r>
-            <a:endParaRPr lang="en-US" sz="2400" dirty="0">
+            <a:endParaRPr lang="en-US" sz="2400">
               <a:latin typeface="Times New Roman" pitchFamily="18" charset="0"/>
               <a:cs typeface="Times New Roman" pitchFamily="18" charset="0"/>
             </a:endParaRPr>
@@ -15702,7 +16879,7 @@
           <a:lstStyle/>
           <a:p>
             <a:r>
-              <a:rPr lang="en-US" sz="2400" dirty="0" smtClean="0">
+              <a:rPr lang="en-US" sz="2400" smtClean="0">
                 <a:latin typeface="Times New Roman" pitchFamily="18" charset="0"/>
                 <a:cs typeface="Times New Roman" pitchFamily="18" charset="0"/>
               </a:rPr>
@@ -15767,13 +16944,13 @@
           <a:lstStyle/>
           <a:p>
             <a:r>
-              <a:rPr lang="en-US" sz="2400" dirty="0" smtClean="0">
+              <a:rPr lang="en-US" sz="2400" smtClean="0">
                 <a:latin typeface="Times New Roman" pitchFamily="18" charset="0"/>
                 <a:cs typeface="Times New Roman" pitchFamily="18" charset="0"/>
               </a:rPr>
               <a:t>Subclass of</a:t>
             </a:r>
-            <a:endParaRPr lang="en-US" sz="2400" dirty="0">
+            <a:endParaRPr lang="en-US" sz="2400">
               <a:latin typeface="Times New Roman" pitchFamily="18" charset="0"/>
               <a:cs typeface="Times New Roman" pitchFamily="18" charset="0"/>
             </a:endParaRPr>
@@ -15846,7 +17023,7 @@
           <a:lstStyle/>
           <a:p>
             <a:r>
-              <a:rPr lang="en-US" sz="2400" dirty="0" smtClean="0">
+              <a:rPr lang="en-US" sz="2400" smtClean="0">
                 <a:latin typeface="Times New Roman" pitchFamily="18" charset="0"/>
                 <a:cs typeface="Times New Roman" pitchFamily="18" charset="0"/>
               </a:rPr>
@@ -15921,7 +17098,7 @@
           <a:lstStyle/>
           <a:p>
             <a:r>
-              <a:rPr lang="en-US" sz="2400" dirty="0" smtClean="0">
+              <a:rPr lang="en-US" sz="2400" smtClean="0">
                 <a:latin typeface="Times New Roman" pitchFamily="18" charset="0"/>
                 <a:cs typeface="Times New Roman" pitchFamily="18" charset="0"/>
               </a:rPr>
@@ -15996,7 +17173,7 @@
           <a:lstStyle/>
           <a:p>
             <a:r>
-              <a:rPr lang="en-US" sz="2400" dirty="0" smtClean="0">
+              <a:rPr lang="en-US" sz="2400" smtClean="0">
                 <a:latin typeface="Times New Roman" pitchFamily="18" charset="0"/>
                 <a:cs typeface="Times New Roman" pitchFamily="18" charset="0"/>
               </a:rPr>
@@ -16071,7 +17248,7 @@
           <a:lstStyle/>
           <a:p>
             <a:r>
-              <a:rPr lang="en-US" sz="2400" dirty="0" smtClean="0">
+              <a:rPr lang="en-US" sz="2400" smtClean="0">
                 <a:latin typeface="Times New Roman" pitchFamily="18" charset="0"/>
                 <a:cs typeface="Times New Roman" pitchFamily="18" charset="0"/>
               </a:rPr>
@@ -16168,7 +17345,7 @@
           <a:p>
             <a:pPr eaLnBrk="0" hangingPunct="0"/>
             <a:r>
-              <a:rPr lang="en-US" sz="1600" dirty="0">
+              <a:rPr lang="en-US" sz="1600">
                 <a:latin typeface="Times New Roman" pitchFamily="18" charset="0"/>
                 <a:cs typeface="Times New Roman" pitchFamily="18" charset="0"/>
               </a:rPr>

--- a/Documents/Thesis Report Picture.pptx
+++ b/Documents/Thesis Report Picture.pptx
@@ -21,6 +21,7 @@
     <p:sldId id="268" r:id="rId15"/>
     <p:sldId id="270" r:id="rId16"/>
     <p:sldId id="271" r:id="rId17"/>
+    <p:sldId id="272" r:id="rId18"/>
   </p:sldIdLst>
   <p:sldSz cx="9144000" cy="6858000" type="screen4x3"/>
   <p:notesSz cx="6858000" cy="9144000"/>
@@ -14810,6 +14811,674 @@
 </p:sld>
 </file>
 
+<file path=ppt/slides/slide17.xml><?xml version="1.0" encoding="utf-8"?>
+<p:sld xmlns:a="http://schemas.openxmlformats.org/drawingml/2006/main" xmlns:r="http://schemas.openxmlformats.org/officeDocument/2006/relationships" xmlns:p="http://schemas.openxmlformats.org/presentationml/2006/main">
+  <p:cSld>
+    <p:spTree>
+      <p:nvGrpSpPr>
+        <p:cNvPr id="1" name=""/>
+        <p:cNvGrpSpPr/>
+        <p:nvPr/>
+      </p:nvGrpSpPr>
+      <p:grpSpPr>
+        <a:xfrm>
+          <a:off x="0" y="0"/>
+          <a:ext cx="0" cy="0"/>
+          <a:chOff x="0" y="0"/>
+          <a:chExt cx="0" cy="0"/>
+        </a:xfrm>
+      </p:grpSpPr>
+      <p:pic>
+        <p:nvPicPr>
+          <p:cNvPr id="4" name="Picture 3"/>
+          <p:cNvPicPr>
+            <a:picLocks noChangeAspect="1"/>
+          </p:cNvPicPr>
+          <p:nvPr/>
+        </p:nvPicPr>
+        <p:blipFill>
+          <a:blip r:embed="rId2">
+            <a:extLst>
+              <a:ext uri="{28A0092B-C50C-407E-A947-70E740481C1C}">
+                <a14:useLocalDpi xmlns:a14="http://schemas.microsoft.com/office/drawing/2010/main" val="0"/>
+              </a:ext>
+            </a:extLst>
+          </a:blip>
+          <a:stretch>
+            <a:fillRect/>
+          </a:stretch>
+        </p:blipFill>
+        <p:spPr>
+          <a:xfrm>
+            <a:off x="383160" y="656503"/>
+            <a:ext cx="8409524" cy="5514286"/>
+          </a:xfrm>
+          <a:prstGeom prst="rect">
+            <a:avLst/>
+          </a:prstGeom>
+        </p:spPr>
+      </p:pic>
+      <p:sp>
+        <p:nvSpPr>
+          <p:cNvPr id="5" name="Rounded Rectangle 4"/>
+          <p:cNvSpPr/>
+          <p:nvPr/>
+        </p:nvSpPr>
+        <p:spPr>
+          <a:xfrm>
+            <a:off x="0" y="2057400"/>
+            <a:ext cx="2514600" cy="2362200"/>
+          </a:xfrm>
+          <a:prstGeom prst="roundRect">
+            <a:avLst/>
+          </a:prstGeom>
+          <a:noFill/>
+          <a:ln>
+            <a:solidFill>
+              <a:srgbClr val="FF0000"/>
+            </a:solidFill>
+          </a:ln>
+        </p:spPr>
+        <p:style>
+          <a:lnRef idx="2">
+            <a:schemeClr val="accent1">
+              <a:shade val="50000"/>
+            </a:schemeClr>
+          </a:lnRef>
+          <a:fillRef idx="1">
+            <a:schemeClr val="accent1"/>
+          </a:fillRef>
+          <a:effectRef idx="0">
+            <a:schemeClr val="accent1"/>
+          </a:effectRef>
+          <a:fontRef idx="minor">
+            <a:schemeClr val="lt1"/>
+          </a:fontRef>
+        </p:style>
+        <p:txBody>
+          <a:bodyPr rtlCol="0" anchor="t"/>
+          <a:lstStyle/>
+          <a:p>
+            <a:pPr algn="ctr"/>
+            <a:r>
+              <a:rPr lang="en-US" smtClean="0">
+                <a:solidFill>
+                  <a:schemeClr val="tx1"/>
+                </a:solidFill>
+              </a:rPr>
+              <a:t>Thông tin hồ ứng viên</a:t>
+            </a:r>
+            <a:endParaRPr lang="en-US">
+              <a:solidFill>
+                <a:schemeClr val="tx1"/>
+              </a:solidFill>
+            </a:endParaRPr>
+          </a:p>
+        </p:txBody>
+      </p:sp>
+      <p:sp>
+        <p:nvSpPr>
+          <p:cNvPr id="6" name="Rounded Rectangle 5"/>
+          <p:cNvSpPr/>
+          <p:nvPr/>
+        </p:nvSpPr>
+        <p:spPr>
+          <a:xfrm>
+            <a:off x="4587922" y="2057400"/>
+            <a:ext cx="2514600" cy="2552700"/>
+          </a:xfrm>
+          <a:prstGeom prst="roundRect">
+            <a:avLst/>
+          </a:prstGeom>
+          <a:noFill/>
+          <a:ln>
+            <a:solidFill>
+              <a:srgbClr val="FF0000"/>
+            </a:solidFill>
+          </a:ln>
+        </p:spPr>
+        <p:style>
+          <a:lnRef idx="2">
+            <a:schemeClr val="accent1">
+              <a:shade val="50000"/>
+            </a:schemeClr>
+          </a:lnRef>
+          <a:fillRef idx="1">
+            <a:schemeClr val="accent1"/>
+          </a:fillRef>
+          <a:effectRef idx="0">
+            <a:schemeClr val="accent1"/>
+          </a:effectRef>
+          <a:fontRef idx="minor">
+            <a:schemeClr val="lt1"/>
+          </a:fontRef>
+        </p:style>
+        <p:txBody>
+          <a:bodyPr rtlCol="0" anchor="t"/>
+          <a:lstStyle/>
+          <a:p>
+            <a:pPr algn="ctr"/>
+            <a:r>
+              <a:rPr lang="en-US" smtClean="0">
+                <a:solidFill>
+                  <a:schemeClr val="tx1"/>
+                </a:solidFill>
+              </a:rPr>
+              <a:t>Hồ sơ công việc</a:t>
+            </a:r>
+            <a:endParaRPr lang="en-US">
+              <a:solidFill>
+                <a:schemeClr val="tx1"/>
+              </a:solidFill>
+            </a:endParaRPr>
+          </a:p>
+        </p:txBody>
+      </p:sp>
+      <p:sp>
+        <p:nvSpPr>
+          <p:cNvPr id="7" name="Rounded Rectangle 6"/>
+          <p:cNvSpPr/>
+          <p:nvPr/>
+        </p:nvSpPr>
+        <p:spPr>
+          <a:xfrm>
+            <a:off x="2217761" y="4419600"/>
+            <a:ext cx="1981200" cy="1828800"/>
+          </a:xfrm>
+          <a:prstGeom prst="roundRect">
+            <a:avLst/>
+          </a:prstGeom>
+          <a:noFill/>
+          <a:ln>
+            <a:solidFill>
+              <a:srgbClr val="FFC000"/>
+            </a:solidFill>
+            <a:prstDash val="dash"/>
+          </a:ln>
+        </p:spPr>
+        <p:style>
+          <a:lnRef idx="2">
+            <a:schemeClr val="accent1">
+              <a:shade val="50000"/>
+            </a:schemeClr>
+          </a:lnRef>
+          <a:fillRef idx="1">
+            <a:schemeClr val="accent1"/>
+          </a:fillRef>
+          <a:effectRef idx="0">
+            <a:schemeClr val="accent1"/>
+          </a:effectRef>
+          <a:fontRef idx="minor">
+            <a:schemeClr val="lt1"/>
+          </a:fontRef>
+        </p:style>
+        <p:txBody>
+          <a:bodyPr rtlCol="0" anchor="b"/>
+          <a:lstStyle/>
+          <a:p>
+            <a:pPr algn="ctr"/>
+            <a:r>
+              <a:rPr lang="en-US" sz="1200" b="1" smtClean="0">
+                <a:solidFill>
+                  <a:schemeClr val="tx1"/>
+                </a:solidFill>
+              </a:rPr>
+              <a:t>&lt;&lt;Mô hình thông tin 3&gt;&gt;</a:t>
+            </a:r>
+            <a:endParaRPr lang="en-US" sz="1200" b="1">
+              <a:solidFill>
+                <a:schemeClr val="tx1"/>
+              </a:solidFill>
+            </a:endParaRPr>
+          </a:p>
+        </p:txBody>
+      </p:sp>
+      <p:sp>
+        <p:nvSpPr>
+          <p:cNvPr id="8" name="Rounded Rectangle 7"/>
+          <p:cNvSpPr/>
+          <p:nvPr/>
+        </p:nvSpPr>
+        <p:spPr>
+          <a:xfrm>
+            <a:off x="2362199" y="2560093"/>
+            <a:ext cx="1981201" cy="1707107"/>
+          </a:xfrm>
+          <a:prstGeom prst="roundRect">
+            <a:avLst/>
+          </a:prstGeom>
+          <a:noFill/>
+          <a:ln>
+            <a:solidFill>
+              <a:srgbClr val="FFC000"/>
+            </a:solidFill>
+            <a:prstDash val="dash"/>
+          </a:ln>
+        </p:spPr>
+        <p:style>
+          <a:lnRef idx="2">
+            <a:schemeClr val="accent1">
+              <a:shade val="50000"/>
+            </a:schemeClr>
+          </a:lnRef>
+          <a:fillRef idx="1">
+            <a:schemeClr val="accent1"/>
+          </a:fillRef>
+          <a:effectRef idx="0">
+            <a:schemeClr val="accent1"/>
+          </a:effectRef>
+          <a:fontRef idx="minor">
+            <a:schemeClr val="lt1"/>
+          </a:fontRef>
+        </p:style>
+        <p:txBody>
+          <a:bodyPr rtlCol="0" anchor="t"/>
+          <a:lstStyle/>
+          <a:p>
+            <a:pPr algn="ctr"/>
+            <a:r>
+              <a:rPr lang="en-US" sz="1200" b="1">
+                <a:solidFill>
+                  <a:schemeClr val="tx1"/>
+                </a:solidFill>
+              </a:rPr>
+              <a:t>&lt;&lt;Mô hình thông </a:t>
+            </a:r>
+            <a:r>
+              <a:rPr lang="en-US" sz="1200" b="1">
+                <a:solidFill>
+                  <a:schemeClr val="tx1"/>
+                </a:solidFill>
+              </a:rPr>
+              <a:t>tin </a:t>
+            </a:r>
+            <a:r>
+              <a:rPr lang="en-US" sz="1200" b="1" smtClean="0">
+                <a:solidFill>
+                  <a:schemeClr val="tx1"/>
+                </a:solidFill>
+              </a:rPr>
+              <a:t>2</a:t>
+            </a:r>
+            <a:r>
+              <a:rPr lang="en-US" sz="1200" b="1" smtClean="0">
+                <a:solidFill>
+                  <a:schemeClr val="tx1"/>
+                </a:solidFill>
+              </a:rPr>
+              <a:t>&gt;&gt;</a:t>
+            </a:r>
+            <a:endParaRPr lang="en-US" sz="1200" b="1">
+              <a:solidFill>
+                <a:schemeClr val="tx1"/>
+              </a:solidFill>
+            </a:endParaRPr>
+          </a:p>
+        </p:txBody>
+      </p:sp>
+      <p:sp>
+        <p:nvSpPr>
+          <p:cNvPr id="10" name="Rounded Rectangle 9"/>
+          <p:cNvSpPr/>
+          <p:nvPr/>
+        </p:nvSpPr>
+        <p:spPr>
+          <a:xfrm>
+            <a:off x="2201839" y="389530"/>
+            <a:ext cx="1981200" cy="1828800"/>
+          </a:xfrm>
+          <a:prstGeom prst="roundRect">
+            <a:avLst/>
+          </a:prstGeom>
+          <a:noFill/>
+          <a:ln>
+            <a:solidFill>
+              <a:srgbClr val="FFC000"/>
+            </a:solidFill>
+            <a:prstDash val="dash"/>
+          </a:ln>
+        </p:spPr>
+        <p:style>
+          <a:lnRef idx="2">
+            <a:schemeClr val="accent1">
+              <a:shade val="50000"/>
+            </a:schemeClr>
+          </a:lnRef>
+          <a:fillRef idx="1">
+            <a:schemeClr val="accent1"/>
+          </a:fillRef>
+          <a:effectRef idx="0">
+            <a:schemeClr val="accent1"/>
+          </a:effectRef>
+          <a:fontRef idx="minor">
+            <a:schemeClr val="lt1"/>
+          </a:fontRef>
+        </p:style>
+        <p:txBody>
+          <a:bodyPr rtlCol="0" anchor="t"/>
+          <a:lstStyle/>
+          <a:p>
+            <a:pPr algn="ctr"/>
+            <a:r>
+              <a:rPr lang="en-US" sz="1200" b="1" smtClean="0">
+                <a:solidFill>
+                  <a:schemeClr val="tx1"/>
+                </a:solidFill>
+              </a:rPr>
+              <a:t>&lt;&lt;Mô hình thông tin 1&gt;&gt;</a:t>
+            </a:r>
+            <a:endParaRPr lang="en-US" sz="1200" b="1">
+              <a:solidFill>
+                <a:schemeClr val="tx1"/>
+              </a:solidFill>
+            </a:endParaRPr>
+          </a:p>
+        </p:txBody>
+      </p:sp>
+      <p:cxnSp>
+        <p:nvCxnSpPr>
+          <p:cNvPr id="12" name="Curved Connector 11"/>
+          <p:cNvCxnSpPr>
+            <a:stCxn id="10" idx="1"/>
+          </p:cNvCxnSpPr>
+          <p:nvPr/>
+        </p:nvCxnSpPr>
+        <p:spPr>
+          <a:xfrm rot="10800000" flipV="1">
+            <a:off x="1257301" y="1303930"/>
+            <a:ext cx="944539" cy="914400"/>
+          </a:xfrm>
+          <a:prstGeom prst="curvedConnector3">
+            <a:avLst/>
+          </a:prstGeom>
+          <a:ln>
+            <a:solidFill>
+              <a:srgbClr val="C00000"/>
+            </a:solidFill>
+            <a:tailEnd type="arrow"/>
+          </a:ln>
+        </p:spPr>
+        <p:style>
+          <a:lnRef idx="1">
+            <a:schemeClr val="accent1"/>
+          </a:lnRef>
+          <a:fillRef idx="0">
+            <a:schemeClr val="accent1"/>
+          </a:fillRef>
+          <a:effectRef idx="0">
+            <a:schemeClr val="accent1"/>
+          </a:effectRef>
+          <a:fontRef idx="minor">
+            <a:schemeClr val="tx1"/>
+          </a:fontRef>
+        </p:style>
+      </p:cxnSp>
+      <p:cxnSp>
+        <p:nvCxnSpPr>
+          <p:cNvPr id="14" name="Curved Connector 13"/>
+          <p:cNvCxnSpPr/>
+          <p:nvPr/>
+        </p:nvCxnSpPr>
+        <p:spPr>
+          <a:xfrm rot="10800000">
+            <a:off x="1524000" y="2819400"/>
+            <a:ext cx="1295400" cy="514350"/>
+          </a:xfrm>
+          <a:prstGeom prst="curvedConnector3">
+            <a:avLst/>
+          </a:prstGeom>
+          <a:ln>
+            <a:solidFill>
+              <a:srgbClr val="C00000"/>
+            </a:solidFill>
+            <a:tailEnd type="arrow"/>
+          </a:ln>
+        </p:spPr>
+        <p:style>
+          <a:lnRef idx="1">
+            <a:schemeClr val="accent1"/>
+          </a:lnRef>
+          <a:fillRef idx="0">
+            <a:schemeClr val="accent1"/>
+          </a:fillRef>
+          <a:effectRef idx="0">
+            <a:schemeClr val="accent1"/>
+          </a:effectRef>
+          <a:fontRef idx="minor">
+            <a:schemeClr val="tx1"/>
+          </a:fontRef>
+        </p:style>
+      </p:cxnSp>
+      <p:cxnSp>
+        <p:nvCxnSpPr>
+          <p:cNvPr id="16" name="Curved Connector 15"/>
+          <p:cNvCxnSpPr/>
+          <p:nvPr/>
+        </p:nvCxnSpPr>
+        <p:spPr>
+          <a:xfrm rot="16200000" flipV="1">
+            <a:off x="1321985" y="3988985"/>
+            <a:ext cx="1752600" cy="937430"/>
+          </a:xfrm>
+          <a:prstGeom prst="curvedConnector3">
+            <a:avLst/>
+          </a:prstGeom>
+          <a:ln>
+            <a:solidFill>
+              <a:srgbClr val="C00000"/>
+            </a:solidFill>
+            <a:tailEnd type="arrow"/>
+          </a:ln>
+        </p:spPr>
+        <p:style>
+          <a:lnRef idx="1">
+            <a:schemeClr val="accent1"/>
+          </a:lnRef>
+          <a:fillRef idx="0">
+            <a:schemeClr val="accent1"/>
+          </a:fillRef>
+          <a:effectRef idx="0">
+            <a:schemeClr val="accent1"/>
+          </a:effectRef>
+          <a:fontRef idx="minor">
+            <a:schemeClr val="tx1"/>
+          </a:fontRef>
+        </p:style>
+      </p:cxnSp>
+      <p:sp>
+        <p:nvSpPr>
+          <p:cNvPr id="17" name="Rounded Rectangle 16"/>
+          <p:cNvSpPr/>
+          <p:nvPr/>
+        </p:nvSpPr>
+        <p:spPr>
+          <a:xfrm>
+            <a:off x="4572000" y="76200"/>
+            <a:ext cx="1273222" cy="1447800"/>
+          </a:xfrm>
+          <a:prstGeom prst="roundRect">
+            <a:avLst/>
+          </a:prstGeom>
+          <a:noFill/>
+          <a:ln>
+            <a:solidFill>
+              <a:srgbClr val="FF0000"/>
+            </a:solidFill>
+          </a:ln>
+        </p:spPr>
+        <p:style>
+          <a:lnRef idx="2">
+            <a:schemeClr val="accent1">
+              <a:shade val="50000"/>
+            </a:schemeClr>
+          </a:lnRef>
+          <a:fillRef idx="1">
+            <a:schemeClr val="accent1"/>
+          </a:fillRef>
+          <a:effectRef idx="0">
+            <a:schemeClr val="accent1"/>
+          </a:effectRef>
+          <a:fontRef idx="minor">
+            <a:schemeClr val="lt1"/>
+          </a:fontRef>
+        </p:style>
+        <p:txBody>
+          <a:bodyPr rtlCol="0" anchor="ctr"/>
+          <a:lstStyle/>
+          <a:p>
+            <a:pPr algn="ctr"/>
+            <a:r>
+              <a:rPr lang="en-US" sz="1500" smtClean="0">
+                <a:solidFill>
+                  <a:schemeClr val="tx1"/>
+                </a:solidFill>
+              </a:rPr>
+              <a:t>Doanh nghiệp</a:t>
+            </a:r>
+            <a:endParaRPr lang="en-US" sz="1500">
+              <a:solidFill>
+                <a:schemeClr val="tx1"/>
+              </a:solidFill>
+            </a:endParaRPr>
+          </a:p>
+        </p:txBody>
+      </p:sp>
+      <p:sp>
+        <p:nvSpPr>
+          <p:cNvPr id="18" name="Rounded Rectangle 17"/>
+          <p:cNvSpPr/>
+          <p:nvPr/>
+        </p:nvSpPr>
+        <p:spPr>
+          <a:xfrm>
+            <a:off x="250777" y="5105400"/>
+            <a:ext cx="1273222" cy="1447800"/>
+          </a:xfrm>
+          <a:prstGeom prst="roundRect">
+            <a:avLst/>
+          </a:prstGeom>
+          <a:noFill/>
+          <a:ln>
+            <a:solidFill>
+              <a:srgbClr val="FF0000"/>
+            </a:solidFill>
+          </a:ln>
+        </p:spPr>
+        <p:style>
+          <a:lnRef idx="2">
+            <a:schemeClr val="accent1">
+              <a:shade val="50000"/>
+            </a:schemeClr>
+          </a:lnRef>
+          <a:fillRef idx="1">
+            <a:schemeClr val="accent1"/>
+          </a:fillRef>
+          <a:effectRef idx="0">
+            <a:schemeClr val="accent1"/>
+          </a:effectRef>
+          <a:fontRef idx="minor">
+            <a:schemeClr val="lt1"/>
+          </a:fontRef>
+        </p:style>
+        <p:txBody>
+          <a:bodyPr rtlCol="0" anchor="ctr"/>
+          <a:lstStyle/>
+          <a:p>
+            <a:pPr algn="ctr"/>
+            <a:r>
+              <a:rPr lang="en-US" sz="1500" smtClean="0">
+                <a:solidFill>
+                  <a:schemeClr val="tx1"/>
+                </a:solidFill>
+              </a:rPr>
+              <a:t>Ngành nghề</a:t>
+            </a:r>
+            <a:endParaRPr lang="en-US" sz="1500">
+              <a:solidFill>
+                <a:schemeClr val="tx1"/>
+              </a:solidFill>
+            </a:endParaRPr>
+          </a:p>
+        </p:txBody>
+      </p:sp>
+      <p:sp>
+        <p:nvSpPr>
+          <p:cNvPr id="19" name="Rounded Rectangle 18"/>
+          <p:cNvSpPr/>
+          <p:nvPr/>
+        </p:nvSpPr>
+        <p:spPr>
+          <a:xfrm>
+            <a:off x="4341125" y="5334000"/>
+            <a:ext cx="1273222" cy="1447800"/>
+          </a:xfrm>
+          <a:prstGeom prst="roundRect">
+            <a:avLst/>
+          </a:prstGeom>
+          <a:noFill/>
+          <a:ln>
+            <a:solidFill>
+              <a:srgbClr val="FF0000"/>
+            </a:solidFill>
+          </a:ln>
+        </p:spPr>
+        <p:style>
+          <a:lnRef idx="2">
+            <a:schemeClr val="accent1">
+              <a:shade val="50000"/>
+            </a:schemeClr>
+          </a:lnRef>
+          <a:fillRef idx="1">
+            <a:schemeClr val="accent1"/>
+          </a:fillRef>
+          <a:effectRef idx="0">
+            <a:schemeClr val="accent1"/>
+          </a:effectRef>
+          <a:fontRef idx="minor">
+            <a:schemeClr val="lt1"/>
+          </a:fontRef>
+        </p:style>
+        <p:txBody>
+          <a:bodyPr rtlCol="0" anchor="ctr"/>
+          <a:lstStyle/>
+          <a:p>
+            <a:pPr algn="ctr"/>
+            <a:r>
+              <a:rPr lang="en-US" sz="1500" smtClean="0">
+                <a:solidFill>
+                  <a:schemeClr val="tx1"/>
+                </a:solidFill>
+              </a:rPr>
+              <a:t>Vị trí công việc</a:t>
+            </a:r>
+            <a:endParaRPr lang="en-US" sz="1500">
+              <a:solidFill>
+                <a:schemeClr val="tx1"/>
+              </a:solidFill>
+            </a:endParaRPr>
+          </a:p>
+        </p:txBody>
+      </p:sp>
+    </p:spTree>
+    <p:extLst>
+      <p:ext uri="{BB962C8B-B14F-4D97-AF65-F5344CB8AC3E}">
+        <p14:creationId xmlns:p14="http://schemas.microsoft.com/office/powerpoint/2010/main" val="794813346"/>
+      </p:ext>
+    </p:extLst>
+  </p:cSld>
+  <p:clrMapOvr>
+    <a:masterClrMapping/>
+  </p:clrMapOvr>
+  <p:timing>
+    <p:tnLst>
+      <p:par>
+        <p:cTn id="1" dur="indefinite" restart="never" nodeType="tmRoot"/>
+      </p:par>
+    </p:tnLst>
+  </p:timing>
+</p:sld>
+</file>
+
 <file path=ppt/slides/slide2.xml><?xml version="1.0" encoding="utf-8"?>
 <p:sld xmlns:a="http://schemas.openxmlformats.org/drawingml/2006/main" xmlns:r="http://schemas.openxmlformats.org/officeDocument/2006/relationships" xmlns:p="http://schemas.openxmlformats.org/presentationml/2006/main">
   <p:cSld>

--- a/Documents/Thesis Report Picture.pptx
+++ b/Documents/Thesis Report Picture.pptx
@@ -22,6 +22,7 @@
     <p:sldId id="270" r:id="rId16"/>
     <p:sldId id="271" r:id="rId17"/>
     <p:sldId id="272" r:id="rId18"/>
+    <p:sldId id="273" r:id="rId19"/>
   </p:sldIdLst>
   <p:sldSz cx="9144000" cy="6858000" type="screen4x3"/>
   <p:notesSz cx="6858000" cy="9144000"/>
@@ -15479,6 +15480,698 @@
 </p:sld>
 </file>
 
+<file path=ppt/slides/slide18.xml><?xml version="1.0" encoding="utf-8"?>
+<p:sld xmlns:a="http://schemas.openxmlformats.org/drawingml/2006/main" xmlns:r="http://schemas.openxmlformats.org/officeDocument/2006/relationships" xmlns:p="http://schemas.openxmlformats.org/presentationml/2006/main">
+  <p:cSld>
+    <p:spTree>
+      <p:nvGrpSpPr>
+        <p:cNvPr id="1" name=""/>
+        <p:cNvGrpSpPr/>
+        <p:nvPr/>
+      </p:nvGrpSpPr>
+      <p:grpSpPr>
+        <a:xfrm>
+          <a:off x="0" y="0"/>
+          <a:ext cx="0" cy="0"/>
+          <a:chOff x="0" y="0"/>
+          <a:chExt cx="0" cy="0"/>
+        </a:xfrm>
+      </p:grpSpPr>
+      <p:sp>
+        <p:nvSpPr>
+          <p:cNvPr id="5" name="Rounded Rectangle 4"/>
+          <p:cNvSpPr/>
+          <p:nvPr/>
+        </p:nvSpPr>
+        <p:spPr>
+          <a:xfrm>
+            <a:off x="1143000" y="1981200"/>
+            <a:ext cx="1447800" cy="1600200"/>
+          </a:xfrm>
+          <a:prstGeom prst="roundRect">
+            <a:avLst/>
+          </a:prstGeom>
+        </p:spPr>
+        <p:style>
+          <a:lnRef idx="2">
+            <a:schemeClr val="accent5"/>
+          </a:lnRef>
+          <a:fillRef idx="1">
+            <a:schemeClr val="lt1"/>
+          </a:fillRef>
+          <a:effectRef idx="0">
+            <a:schemeClr val="accent5"/>
+          </a:effectRef>
+          <a:fontRef idx="minor">
+            <a:schemeClr val="dk1"/>
+          </a:fontRef>
+        </p:style>
+        <p:txBody>
+          <a:bodyPr rtlCol="0" anchor="ctr"/>
+          <a:lstStyle/>
+          <a:p>
+            <a:pPr algn="ctr"/>
+            <a:endParaRPr lang="en-US"/>
+          </a:p>
+        </p:txBody>
+      </p:sp>
+      <p:sp>
+        <p:nvSpPr>
+          <p:cNvPr id="6" name="Rounded Rectangle 5"/>
+          <p:cNvSpPr/>
+          <p:nvPr/>
+        </p:nvSpPr>
+        <p:spPr>
+          <a:xfrm>
+            <a:off x="914400" y="2209800"/>
+            <a:ext cx="1447800" cy="1600200"/>
+          </a:xfrm>
+          <a:prstGeom prst="roundRect">
+            <a:avLst/>
+          </a:prstGeom>
+        </p:spPr>
+        <p:style>
+          <a:lnRef idx="2">
+            <a:schemeClr val="accent5"/>
+          </a:lnRef>
+          <a:fillRef idx="1">
+            <a:schemeClr val="lt1"/>
+          </a:fillRef>
+          <a:effectRef idx="0">
+            <a:schemeClr val="accent5"/>
+          </a:effectRef>
+          <a:fontRef idx="minor">
+            <a:schemeClr val="dk1"/>
+          </a:fontRef>
+        </p:style>
+        <p:txBody>
+          <a:bodyPr rtlCol="0" anchor="ctr"/>
+          <a:lstStyle/>
+          <a:p>
+            <a:pPr algn="ctr"/>
+            <a:r>
+              <a:rPr lang="en-US" smtClean="0"/>
+              <a:t>Business Entity</a:t>
+            </a:r>
+            <a:endParaRPr lang="en-US"/>
+          </a:p>
+        </p:txBody>
+      </p:sp>
+      <p:sp>
+        <p:nvSpPr>
+          <p:cNvPr id="7" name="Rectangle 6"/>
+          <p:cNvSpPr/>
+          <p:nvPr/>
+        </p:nvSpPr>
+        <p:spPr>
+          <a:xfrm>
+            <a:off x="3886200" y="2086401"/>
+            <a:ext cx="1447800" cy="1447800"/>
+          </a:xfrm>
+          <a:prstGeom prst="rect">
+            <a:avLst/>
+          </a:prstGeom>
+        </p:spPr>
+        <p:style>
+          <a:lnRef idx="2">
+            <a:schemeClr val="accent1"/>
+          </a:lnRef>
+          <a:fillRef idx="1">
+            <a:schemeClr val="lt1"/>
+          </a:fillRef>
+          <a:effectRef idx="0">
+            <a:schemeClr val="accent1"/>
+          </a:effectRef>
+          <a:fontRef idx="minor">
+            <a:schemeClr val="dk1"/>
+          </a:fontRef>
+        </p:style>
+        <p:txBody>
+          <a:bodyPr rtlCol="0" anchor="ctr"/>
+          <a:lstStyle/>
+          <a:p>
+            <a:pPr algn="ctr"/>
+            <a:endParaRPr lang="en-US"/>
+          </a:p>
+        </p:txBody>
+      </p:sp>
+      <p:sp>
+        <p:nvSpPr>
+          <p:cNvPr id="8" name="Rectangle 7"/>
+          <p:cNvSpPr/>
+          <p:nvPr/>
+        </p:nvSpPr>
+        <p:spPr>
+          <a:xfrm>
+            <a:off x="3733800" y="2286000"/>
+            <a:ext cx="1447800" cy="1447800"/>
+          </a:xfrm>
+          <a:prstGeom prst="rect">
+            <a:avLst/>
+          </a:prstGeom>
+        </p:spPr>
+        <p:style>
+          <a:lnRef idx="2">
+            <a:schemeClr val="accent1"/>
+          </a:lnRef>
+          <a:fillRef idx="1">
+            <a:schemeClr val="lt1"/>
+          </a:fillRef>
+          <a:effectRef idx="0">
+            <a:schemeClr val="accent1"/>
+          </a:effectRef>
+          <a:fontRef idx="minor">
+            <a:schemeClr val="dk1"/>
+          </a:fontRef>
+        </p:style>
+        <p:txBody>
+          <a:bodyPr rtlCol="0" anchor="ctr"/>
+          <a:lstStyle/>
+          <a:p>
+            <a:pPr algn="ctr"/>
+            <a:r>
+              <a:rPr lang="en-US" smtClean="0"/>
+              <a:t>Classes</a:t>
+            </a:r>
+            <a:endParaRPr lang="en-US"/>
+          </a:p>
+        </p:txBody>
+      </p:sp>
+      <p:sp>
+        <p:nvSpPr>
+          <p:cNvPr id="9" name="Rectangle 8"/>
+          <p:cNvSpPr/>
+          <p:nvPr/>
+        </p:nvSpPr>
+        <p:spPr>
+          <a:xfrm>
+            <a:off x="3733800" y="4191000"/>
+            <a:ext cx="1447800" cy="1447800"/>
+          </a:xfrm>
+          <a:prstGeom prst="rect">
+            <a:avLst/>
+          </a:prstGeom>
+          <a:ln>
+            <a:prstDash val="dash"/>
+          </a:ln>
+        </p:spPr>
+        <p:style>
+          <a:lnRef idx="2">
+            <a:schemeClr val="accent1"/>
+          </a:lnRef>
+          <a:fillRef idx="1">
+            <a:schemeClr val="lt1"/>
+          </a:fillRef>
+          <a:effectRef idx="0">
+            <a:schemeClr val="accent1"/>
+          </a:effectRef>
+          <a:fontRef idx="minor">
+            <a:schemeClr val="dk1"/>
+          </a:fontRef>
+        </p:style>
+        <p:txBody>
+          <a:bodyPr rtlCol="0" anchor="ctr"/>
+          <a:lstStyle/>
+          <a:p>
+            <a:pPr algn="ctr"/>
+            <a:r>
+              <a:rPr lang="en-US" smtClean="0"/>
+              <a:t>Instances</a:t>
+            </a:r>
+          </a:p>
+          <a:p>
+            <a:pPr algn="ctr"/>
+            <a:r>
+              <a:rPr lang="en-US" smtClean="0"/>
+              <a:t>(objects)</a:t>
+            </a:r>
+            <a:endParaRPr lang="en-US"/>
+          </a:p>
+        </p:txBody>
+      </p:sp>
+      <p:cxnSp>
+        <p:nvCxnSpPr>
+          <p:cNvPr id="11" name="Curved Connector 10"/>
+          <p:cNvCxnSpPr>
+            <a:stCxn id="8" idx="1"/>
+          </p:cNvCxnSpPr>
+          <p:nvPr/>
+        </p:nvCxnSpPr>
+        <p:spPr>
+          <a:xfrm rot="10800000">
+            <a:off x="2743200" y="2590800"/>
+            <a:ext cx="990600" cy="419100"/>
+          </a:xfrm>
+          <a:prstGeom prst="curvedConnector3">
+            <a:avLst/>
+          </a:prstGeom>
+          <a:ln>
+            <a:tailEnd type="arrow"/>
+          </a:ln>
+        </p:spPr>
+        <p:style>
+          <a:lnRef idx="1">
+            <a:schemeClr val="accent1"/>
+          </a:lnRef>
+          <a:fillRef idx="0">
+            <a:schemeClr val="accent1"/>
+          </a:fillRef>
+          <a:effectRef idx="0">
+            <a:schemeClr val="accent1"/>
+          </a:effectRef>
+          <a:fontRef idx="minor">
+            <a:schemeClr val="tx1"/>
+          </a:fontRef>
+        </p:style>
+      </p:cxnSp>
+      <p:sp>
+        <p:nvSpPr>
+          <p:cNvPr id="12" name="TextBox 11"/>
+          <p:cNvSpPr txBox="1"/>
+          <p:nvPr/>
+        </p:nvSpPr>
+        <p:spPr>
+          <a:xfrm>
+            <a:off x="2837870" y="2810301"/>
+            <a:ext cx="728469" cy="369332"/>
+          </a:xfrm>
+          <a:prstGeom prst="rect">
+            <a:avLst/>
+          </a:prstGeom>
+          <a:noFill/>
+        </p:spPr>
+        <p:txBody>
+          <a:bodyPr wrap="none" rtlCol="0">
+            <a:spAutoFit/>
+          </a:bodyPr>
+          <a:lstStyle/>
+          <a:p>
+            <a:r>
+              <a:rPr lang="en-US" smtClean="0"/>
+              <a:t>mô tả</a:t>
+            </a:r>
+            <a:endParaRPr lang="en-US"/>
+          </a:p>
+        </p:txBody>
+      </p:sp>
+      <p:pic>
+        <p:nvPicPr>
+          <p:cNvPr id="13" name="Picture 12"/>
+          <p:cNvPicPr>
+            <a:picLocks noChangeAspect="1"/>
+          </p:cNvPicPr>
+          <p:nvPr/>
+        </p:nvPicPr>
+        <p:blipFill>
+          <a:blip r:embed="rId2">
+            <a:extLst>
+              <a:ext uri="{28A0092B-C50C-407E-A947-70E740481C1C}">
+                <a14:useLocalDpi xmlns:a14="http://schemas.microsoft.com/office/drawing/2010/main" val="0"/>
+              </a:ext>
+            </a:extLst>
+          </a:blip>
+          <a:stretch>
+            <a:fillRect/>
+          </a:stretch>
+        </p:blipFill>
+        <p:spPr>
+          <a:xfrm>
+            <a:off x="1485900" y="4419600"/>
+            <a:ext cx="1104900" cy="1104900"/>
+          </a:xfrm>
+          <a:prstGeom prst="rect">
+            <a:avLst/>
+          </a:prstGeom>
+        </p:spPr>
+      </p:pic>
+      <p:cxnSp>
+        <p:nvCxnSpPr>
+          <p:cNvPr id="15" name="Curved Connector 14"/>
+          <p:cNvCxnSpPr>
+            <a:stCxn id="13" idx="3"/>
+            <a:endCxn id="9" idx="1"/>
+          </p:cNvCxnSpPr>
+          <p:nvPr/>
+        </p:nvCxnSpPr>
+        <p:spPr>
+          <a:xfrm flipV="1">
+            <a:off x="2590800" y="4914900"/>
+            <a:ext cx="1143000" cy="57150"/>
+          </a:xfrm>
+          <a:prstGeom prst="curvedConnector3">
+            <a:avLst/>
+          </a:prstGeom>
+          <a:ln>
+            <a:tailEnd type="arrow"/>
+          </a:ln>
+        </p:spPr>
+        <p:style>
+          <a:lnRef idx="1">
+            <a:schemeClr val="accent1"/>
+          </a:lnRef>
+          <a:fillRef idx="0">
+            <a:schemeClr val="accent1"/>
+          </a:fillRef>
+          <a:effectRef idx="0">
+            <a:schemeClr val="accent1"/>
+          </a:effectRef>
+          <a:fontRef idx="minor">
+            <a:schemeClr val="tx1"/>
+          </a:fontRef>
+        </p:style>
+      </p:cxnSp>
+      <p:sp>
+        <p:nvSpPr>
+          <p:cNvPr id="18" name="TextBox 17"/>
+          <p:cNvSpPr txBox="1"/>
+          <p:nvPr/>
+        </p:nvSpPr>
+        <p:spPr>
+          <a:xfrm>
+            <a:off x="1485899" y="5524500"/>
+            <a:ext cx="1018227" cy="369332"/>
+          </a:xfrm>
+          <a:prstGeom prst="rect">
+            <a:avLst/>
+          </a:prstGeom>
+          <a:noFill/>
+        </p:spPr>
+        <p:txBody>
+          <a:bodyPr wrap="none" rtlCol="0">
+            <a:spAutoFit/>
+          </a:bodyPr>
+          <a:lstStyle/>
+          <a:p>
+            <a:r>
+              <a:rPr lang="en-US" smtClean="0"/>
+              <a:t>End-user</a:t>
+            </a:r>
+            <a:endParaRPr lang="en-US"/>
+          </a:p>
+        </p:txBody>
+      </p:sp>
+      <p:sp>
+        <p:nvSpPr>
+          <p:cNvPr id="19" name="TextBox 18"/>
+          <p:cNvSpPr txBox="1"/>
+          <p:nvPr/>
+        </p:nvSpPr>
+        <p:spPr>
+          <a:xfrm>
+            <a:off x="2590800" y="4631719"/>
+            <a:ext cx="956096" cy="369332"/>
+          </a:xfrm>
+          <a:prstGeom prst="rect">
+            <a:avLst/>
+          </a:prstGeom>
+          <a:noFill/>
+        </p:spPr>
+        <p:txBody>
+          <a:bodyPr wrap="none" rtlCol="0">
+            <a:spAutoFit/>
+          </a:bodyPr>
+          <a:lstStyle/>
+          <a:p>
+            <a:r>
+              <a:rPr lang="en-US" smtClean="0"/>
+              <a:t>khởi tạo</a:t>
+            </a:r>
+            <a:endParaRPr lang="en-US"/>
+          </a:p>
+        </p:txBody>
+      </p:sp>
+      <p:sp>
+        <p:nvSpPr>
+          <p:cNvPr id="22" name="TextBox 21"/>
+          <p:cNvSpPr txBox="1"/>
+          <p:nvPr/>
+        </p:nvSpPr>
+        <p:spPr>
+          <a:xfrm>
+            <a:off x="3965177" y="3733800"/>
+            <a:ext cx="1216423" cy="369332"/>
+          </a:xfrm>
+          <a:prstGeom prst="rect">
+            <a:avLst/>
+          </a:prstGeom>
+          <a:noFill/>
+        </p:spPr>
+        <p:txBody>
+          <a:bodyPr wrap="none" rtlCol="0">
+            <a:spAutoFit/>
+          </a:bodyPr>
+          <a:lstStyle/>
+          <a:p>
+            <a:r>
+              <a:rPr lang="en-US" smtClean="0"/>
+              <a:t>Instance of</a:t>
+            </a:r>
+            <a:endParaRPr lang="en-US"/>
+          </a:p>
+        </p:txBody>
+      </p:sp>
+      <p:cxnSp>
+        <p:nvCxnSpPr>
+          <p:cNvPr id="24" name="Curved Connector 23"/>
+          <p:cNvCxnSpPr>
+            <a:stCxn id="9" idx="0"/>
+            <a:endCxn id="8" idx="2"/>
+          </p:cNvCxnSpPr>
+          <p:nvPr/>
+        </p:nvCxnSpPr>
+        <p:spPr>
+          <a:xfrm rot="5400000" flipH="1" flipV="1">
+            <a:off x="4229100" y="3962400"/>
+            <a:ext cx="457200" cy="12700"/>
+          </a:xfrm>
+          <a:prstGeom prst="curvedConnector3">
+            <a:avLst/>
+          </a:prstGeom>
+          <a:ln>
+            <a:tailEnd type="arrow"/>
+          </a:ln>
+        </p:spPr>
+        <p:style>
+          <a:lnRef idx="1">
+            <a:schemeClr val="accent1"/>
+          </a:lnRef>
+          <a:fillRef idx="0">
+            <a:schemeClr val="accent1"/>
+          </a:fillRef>
+          <a:effectRef idx="0">
+            <a:schemeClr val="accent1"/>
+          </a:effectRef>
+          <a:fontRef idx="minor">
+            <a:schemeClr val="tx1"/>
+          </a:fontRef>
+        </p:style>
+      </p:cxnSp>
+      <p:sp>
+        <p:nvSpPr>
+          <p:cNvPr id="25" name="Right Arrow 24"/>
+          <p:cNvSpPr/>
+          <p:nvPr/>
+        </p:nvSpPr>
+        <p:spPr>
+          <a:xfrm>
+            <a:off x="5334000" y="4730234"/>
+            <a:ext cx="457200" cy="369332"/>
+          </a:xfrm>
+          <a:prstGeom prst="rightArrow">
+            <a:avLst/>
+          </a:prstGeom>
+        </p:spPr>
+        <p:style>
+          <a:lnRef idx="2">
+            <a:schemeClr val="accent1">
+              <a:shade val="50000"/>
+            </a:schemeClr>
+          </a:lnRef>
+          <a:fillRef idx="1">
+            <a:schemeClr val="accent1"/>
+          </a:fillRef>
+          <a:effectRef idx="0">
+            <a:schemeClr val="accent1"/>
+          </a:effectRef>
+          <a:fontRef idx="minor">
+            <a:schemeClr val="lt1"/>
+          </a:fontRef>
+        </p:style>
+        <p:txBody>
+          <a:bodyPr rtlCol="0" anchor="ctr"/>
+          <a:lstStyle/>
+          <a:p>
+            <a:pPr algn="ctr"/>
+            <a:endParaRPr lang="en-US"/>
+          </a:p>
+        </p:txBody>
+      </p:sp>
+      <p:pic>
+        <p:nvPicPr>
+          <p:cNvPr id="3074" name="Picture 2"/>
+          <p:cNvPicPr>
+            <a:picLocks noChangeAspect="1" noChangeArrowheads="1"/>
+          </p:cNvPicPr>
+          <p:nvPr/>
+        </p:nvPicPr>
+        <p:blipFill>
+          <a:blip r:embed="rId3">
+            <a:extLst>
+              <a:ext uri="{28A0092B-C50C-407E-A947-70E740481C1C}">
+                <a14:useLocalDpi xmlns:a14="http://schemas.microsoft.com/office/drawing/2010/main" val="0"/>
+              </a:ext>
+            </a:extLst>
+          </a:blip>
+          <a:srcRect/>
+          <a:stretch>
+            <a:fillRect/>
+          </a:stretch>
+        </p:blipFill>
+        <p:spPr bwMode="auto">
+          <a:xfrm>
+            <a:off x="7278806" y="4718140"/>
+            <a:ext cx="819150" cy="733425"/>
+          </a:xfrm>
+          <a:prstGeom prst="rect">
+            <a:avLst/>
+          </a:prstGeom>
+          <a:noFill/>
+          <a:ln>
+            <a:noFill/>
+          </a:ln>
+          <a:effectLst/>
+          <a:extLst>
+            <a:ext uri="{909E8E84-426E-40DD-AFC4-6F175D3DCCD1}">
+              <a14:hiddenFill xmlns:a14="http://schemas.microsoft.com/office/drawing/2010/main">
+                <a:solidFill>
+                  <a:schemeClr val="accent1"/>
+                </a:solidFill>
+              </a14:hiddenFill>
+            </a:ext>
+            <a:ext uri="{91240B29-F687-4F45-9708-019B960494DF}">
+              <a14:hiddenLine xmlns:a14="http://schemas.microsoft.com/office/drawing/2010/main" w="9525">
+                <a:solidFill>
+                  <a:schemeClr val="tx1"/>
+                </a:solidFill>
+                <a:miter lim="800000"/>
+                <a:headEnd/>
+                <a:tailEnd/>
+              </a14:hiddenLine>
+            </a:ext>
+            <a:ext uri="{AF507438-7753-43E0-B8FC-AC1667EBCBE1}">
+              <a14:hiddenEffects xmlns:a14="http://schemas.microsoft.com/office/drawing/2010/main">
+                <a:effectLst>
+                  <a:outerShdw dist="35921" dir="2700000" algn="ctr" rotWithShape="0">
+                    <a:schemeClr val="bg2"/>
+                  </a:outerShdw>
+                </a:effectLst>
+              </a14:hiddenEffects>
+            </a:ext>
+          </a:extLst>
+        </p:spPr>
+      </p:pic>
+      <p:sp>
+        <p:nvSpPr>
+          <p:cNvPr id="26" name="Rounded Rectangle 25"/>
+          <p:cNvSpPr/>
+          <p:nvPr/>
+        </p:nvSpPr>
+        <p:spPr>
+          <a:xfrm>
+            <a:off x="6172200" y="4248150"/>
+            <a:ext cx="1143000" cy="1333500"/>
+          </a:xfrm>
+          <a:prstGeom prst="roundRect">
+            <a:avLst/>
+          </a:prstGeom>
+        </p:spPr>
+        <p:style>
+          <a:lnRef idx="1">
+            <a:schemeClr val="accent6"/>
+          </a:lnRef>
+          <a:fillRef idx="2">
+            <a:schemeClr val="accent6"/>
+          </a:fillRef>
+          <a:effectRef idx="1">
+            <a:schemeClr val="accent6"/>
+          </a:effectRef>
+          <a:fontRef idx="minor">
+            <a:schemeClr val="dk1"/>
+          </a:fontRef>
+        </p:style>
+        <p:txBody>
+          <a:bodyPr rtlCol="0" anchor="ctr"/>
+          <a:lstStyle/>
+          <a:p>
+            <a:pPr algn="ctr"/>
+            <a:r>
+              <a:rPr lang="en-US" smtClean="0"/>
+              <a:t>Based tag &lt;table&gt;</a:t>
+            </a:r>
+            <a:endParaRPr lang="en-US"/>
+          </a:p>
+        </p:txBody>
+      </p:sp>
+      <p:sp>
+        <p:nvSpPr>
+          <p:cNvPr id="27" name="Rectangular Callout 26"/>
+          <p:cNvSpPr/>
+          <p:nvPr/>
+        </p:nvSpPr>
+        <p:spPr>
+          <a:xfrm>
+            <a:off x="5181600" y="1092958"/>
+            <a:ext cx="2354380" cy="888242"/>
+          </a:xfrm>
+          <a:prstGeom prst="wedgeRectCallout">
+            <a:avLst>
+              <a:gd name="adj1" fmla="val -36379"/>
+              <a:gd name="adj2" fmla="val 79163"/>
+            </a:avLst>
+          </a:prstGeom>
+        </p:spPr>
+        <p:style>
+          <a:lnRef idx="2">
+            <a:schemeClr val="accent5">
+              <a:shade val="50000"/>
+            </a:schemeClr>
+          </a:lnRef>
+          <a:fillRef idx="1">
+            <a:schemeClr val="accent5"/>
+          </a:fillRef>
+          <a:effectRef idx="0">
+            <a:schemeClr val="accent5"/>
+          </a:effectRef>
+          <a:fontRef idx="minor">
+            <a:schemeClr val="lt1"/>
+          </a:fontRef>
+        </p:style>
+        <p:txBody>
+          <a:bodyPr rtlCol="0" anchor="ctr"/>
+          <a:lstStyle/>
+          <a:p>
+            <a:pPr algn="ctr"/>
+            <a:r>
+              <a:rPr lang="en-US" smtClean="0"/>
+              <a:t>Mapping</a:t>
+            </a:r>
+            <a:endParaRPr lang="en-US"/>
+          </a:p>
+        </p:txBody>
+      </p:sp>
+    </p:spTree>
+    <p:extLst>
+      <p:ext uri="{BB962C8B-B14F-4D97-AF65-F5344CB8AC3E}">
+        <p14:creationId xmlns:p14="http://schemas.microsoft.com/office/powerpoint/2010/main" val="1491287420"/>
+      </p:ext>
+    </p:extLst>
+  </p:cSld>
+  <p:clrMapOvr>
+    <a:masterClrMapping/>
+  </p:clrMapOvr>
+</p:sld>
+</file>
+
 <file path=ppt/slides/slide2.xml><?xml version="1.0" encoding="utf-8"?>
 <p:sld xmlns:a="http://schemas.openxmlformats.org/drawingml/2006/main" xmlns:r="http://schemas.openxmlformats.org/officeDocument/2006/relationships" xmlns:p="http://schemas.openxmlformats.org/presentationml/2006/main">
   <p:cSld>

--- a/Documents/Thesis Report Picture.pptx
+++ b/Documents/Thesis Report Picture.pptx
@@ -23,6 +23,7 @@
     <p:sldId id="271" r:id="rId17"/>
     <p:sldId id="272" r:id="rId18"/>
     <p:sldId id="273" r:id="rId19"/>
+    <p:sldId id="274" r:id="rId20"/>
   </p:sldIdLst>
   <p:sldSz cx="9144000" cy="6858000" type="screen4x3"/>
   <p:notesSz cx="6858000" cy="9144000"/>
@@ -16172,6 +16173,582 @@
 </p:sld>
 </file>
 
+<file path=ppt/slides/slide19.xml><?xml version="1.0" encoding="utf-8"?>
+<p:sld xmlns:a="http://schemas.openxmlformats.org/drawingml/2006/main" xmlns:r="http://schemas.openxmlformats.org/officeDocument/2006/relationships" xmlns:p="http://schemas.openxmlformats.org/presentationml/2006/main">
+  <p:cSld>
+    <p:spTree>
+      <p:nvGrpSpPr>
+        <p:cNvPr id="1" name=""/>
+        <p:cNvGrpSpPr/>
+        <p:nvPr/>
+      </p:nvGrpSpPr>
+      <p:grpSpPr>
+        <a:xfrm>
+          <a:off x="0" y="0"/>
+          <a:ext cx="0" cy="0"/>
+          <a:chOff x="0" y="0"/>
+          <a:chExt cx="0" cy="0"/>
+        </a:xfrm>
+      </p:grpSpPr>
+      <p:pic>
+        <p:nvPicPr>
+          <p:cNvPr id="4098" name="Picture 2"/>
+          <p:cNvPicPr>
+            <a:picLocks noChangeAspect="1" noChangeArrowheads="1"/>
+          </p:cNvPicPr>
+          <p:nvPr/>
+        </p:nvPicPr>
+        <p:blipFill>
+          <a:blip r:embed="rId2">
+            <a:extLst>
+              <a:ext uri="{28A0092B-C50C-407E-A947-70E740481C1C}">
+                <a14:useLocalDpi xmlns:a14="http://schemas.microsoft.com/office/drawing/2010/main" val="0"/>
+              </a:ext>
+            </a:extLst>
+          </a:blip>
+          <a:srcRect/>
+          <a:stretch>
+            <a:fillRect/>
+          </a:stretch>
+        </p:blipFill>
+        <p:spPr bwMode="auto">
+          <a:xfrm>
+            <a:off x="3558724" y="2475291"/>
+            <a:ext cx="1514475" cy="2409825"/>
+          </a:xfrm>
+          <a:prstGeom prst="rect">
+            <a:avLst/>
+          </a:prstGeom>
+          <a:noFill/>
+          <a:ln>
+            <a:noFill/>
+          </a:ln>
+          <a:effectLst/>
+          <a:extLst>
+            <a:ext uri="{909E8E84-426E-40DD-AFC4-6F175D3DCCD1}">
+              <a14:hiddenFill xmlns:a14="http://schemas.microsoft.com/office/drawing/2010/main">
+                <a:solidFill>
+                  <a:schemeClr val="accent1"/>
+                </a:solidFill>
+              </a14:hiddenFill>
+            </a:ext>
+            <a:ext uri="{91240B29-F687-4F45-9708-019B960494DF}">
+              <a14:hiddenLine xmlns:a14="http://schemas.microsoft.com/office/drawing/2010/main" w="9525">
+                <a:solidFill>
+                  <a:schemeClr val="tx1"/>
+                </a:solidFill>
+                <a:miter lim="800000"/>
+                <a:headEnd/>
+                <a:tailEnd/>
+              </a14:hiddenLine>
+            </a:ext>
+            <a:ext uri="{AF507438-7753-43E0-B8FC-AC1667EBCBE1}">
+              <a14:hiddenEffects xmlns:a14="http://schemas.microsoft.com/office/drawing/2010/main">
+                <a:effectLst>
+                  <a:outerShdw dist="35921" dir="2700000" algn="ctr" rotWithShape="0">
+                    <a:schemeClr val="bg2"/>
+                  </a:outerShdw>
+                </a:effectLst>
+              </a14:hiddenEffects>
+            </a:ext>
+          </a:extLst>
+        </p:spPr>
+      </p:pic>
+      <p:sp>
+        <p:nvSpPr>
+          <p:cNvPr id="4" name="Rounded Rectangle 3"/>
+          <p:cNvSpPr/>
+          <p:nvPr/>
+        </p:nvSpPr>
+        <p:spPr>
+          <a:xfrm>
+            <a:off x="3406324" y="4190857"/>
+            <a:ext cx="1371600" cy="152400"/>
+          </a:xfrm>
+          <a:prstGeom prst="roundRect">
+            <a:avLst/>
+          </a:prstGeom>
+          <a:noFill/>
+          <a:ln>
+            <a:solidFill>
+              <a:srgbClr val="FF0000"/>
+            </a:solidFill>
+          </a:ln>
+        </p:spPr>
+        <p:style>
+          <a:lnRef idx="2">
+            <a:schemeClr val="accent1">
+              <a:shade val="50000"/>
+            </a:schemeClr>
+          </a:lnRef>
+          <a:fillRef idx="1">
+            <a:schemeClr val="accent1"/>
+          </a:fillRef>
+          <a:effectRef idx="0">
+            <a:schemeClr val="accent1"/>
+          </a:effectRef>
+          <a:fontRef idx="minor">
+            <a:schemeClr val="lt1"/>
+          </a:fontRef>
+        </p:style>
+        <p:txBody>
+          <a:bodyPr rtlCol="0" anchor="ctr"/>
+          <a:lstStyle/>
+          <a:p>
+            <a:pPr algn="ctr"/>
+            <a:endParaRPr lang="en-US"/>
+          </a:p>
+        </p:txBody>
+      </p:sp>
+      <p:sp>
+        <p:nvSpPr>
+          <p:cNvPr id="6" name="Rounded Rectangle 5"/>
+          <p:cNvSpPr/>
+          <p:nvPr/>
+        </p:nvSpPr>
+        <p:spPr>
+          <a:xfrm>
+            <a:off x="3406324" y="3840564"/>
+            <a:ext cx="1371600" cy="152400"/>
+          </a:xfrm>
+          <a:prstGeom prst="roundRect">
+            <a:avLst/>
+          </a:prstGeom>
+          <a:noFill/>
+          <a:ln>
+            <a:solidFill>
+              <a:srgbClr val="FF0000"/>
+            </a:solidFill>
+          </a:ln>
+        </p:spPr>
+        <p:style>
+          <a:lnRef idx="2">
+            <a:schemeClr val="accent1">
+              <a:shade val="50000"/>
+            </a:schemeClr>
+          </a:lnRef>
+          <a:fillRef idx="1">
+            <a:schemeClr val="accent1"/>
+          </a:fillRef>
+          <a:effectRef idx="0">
+            <a:schemeClr val="accent1"/>
+          </a:effectRef>
+          <a:fontRef idx="minor">
+            <a:schemeClr val="lt1"/>
+          </a:fontRef>
+        </p:style>
+        <p:txBody>
+          <a:bodyPr rtlCol="0" anchor="ctr"/>
+          <a:lstStyle/>
+          <a:p>
+            <a:pPr algn="ctr"/>
+            <a:endParaRPr lang="en-US"/>
+          </a:p>
+        </p:txBody>
+      </p:sp>
+      <p:pic>
+        <p:nvPicPr>
+          <p:cNvPr id="4099" name="Picture 3"/>
+          <p:cNvPicPr>
+            <a:picLocks noChangeAspect="1" noChangeArrowheads="1"/>
+          </p:cNvPicPr>
+          <p:nvPr/>
+        </p:nvPicPr>
+        <p:blipFill>
+          <a:blip r:embed="rId3">
+            <a:extLst>
+              <a:ext uri="{28A0092B-C50C-407E-A947-70E740481C1C}">
+                <a14:useLocalDpi xmlns:a14="http://schemas.microsoft.com/office/drawing/2010/main" val="0"/>
+              </a:ext>
+            </a:extLst>
+          </a:blip>
+          <a:srcRect/>
+          <a:stretch>
+            <a:fillRect/>
+          </a:stretch>
+        </p:blipFill>
+        <p:spPr bwMode="auto">
+          <a:xfrm>
+            <a:off x="7086600" y="1622803"/>
+            <a:ext cx="1485900" cy="4114800"/>
+          </a:xfrm>
+          <a:prstGeom prst="rect">
+            <a:avLst/>
+          </a:prstGeom>
+          <a:noFill/>
+          <a:ln>
+            <a:noFill/>
+          </a:ln>
+          <a:effectLst/>
+          <a:extLst>
+            <a:ext uri="{909E8E84-426E-40DD-AFC4-6F175D3DCCD1}">
+              <a14:hiddenFill xmlns:a14="http://schemas.microsoft.com/office/drawing/2010/main">
+                <a:solidFill>
+                  <a:schemeClr val="accent1"/>
+                </a:solidFill>
+              </a14:hiddenFill>
+            </a:ext>
+            <a:ext uri="{91240B29-F687-4F45-9708-019B960494DF}">
+              <a14:hiddenLine xmlns:a14="http://schemas.microsoft.com/office/drawing/2010/main" w="9525">
+                <a:solidFill>
+                  <a:schemeClr val="tx1"/>
+                </a:solidFill>
+                <a:miter lim="800000"/>
+                <a:headEnd/>
+                <a:tailEnd/>
+              </a14:hiddenLine>
+            </a:ext>
+            <a:ext uri="{AF507438-7753-43E0-B8FC-AC1667EBCBE1}">
+              <a14:hiddenEffects xmlns:a14="http://schemas.microsoft.com/office/drawing/2010/main">
+                <a:effectLst>
+                  <a:outerShdw dist="35921" dir="2700000" algn="ctr" rotWithShape="0">
+                    <a:schemeClr val="bg2"/>
+                  </a:outerShdw>
+                </a:effectLst>
+              </a14:hiddenEffects>
+            </a:ext>
+          </a:extLst>
+        </p:spPr>
+      </p:pic>
+      <p:cxnSp>
+        <p:nvCxnSpPr>
+          <p:cNvPr id="7" name="Curved Connector 6"/>
+          <p:cNvCxnSpPr>
+            <a:stCxn id="6" idx="3"/>
+          </p:cNvCxnSpPr>
+          <p:nvPr/>
+        </p:nvCxnSpPr>
+        <p:spPr>
+          <a:xfrm flipV="1">
+            <a:off x="4777924" y="3047857"/>
+            <a:ext cx="2362200" cy="868907"/>
+          </a:xfrm>
+          <a:prstGeom prst="curvedConnector3">
+            <a:avLst/>
+          </a:prstGeom>
+          <a:ln>
+            <a:tailEnd type="arrow"/>
+          </a:ln>
+        </p:spPr>
+        <p:style>
+          <a:lnRef idx="1">
+            <a:schemeClr val="accent1"/>
+          </a:lnRef>
+          <a:fillRef idx="0">
+            <a:schemeClr val="accent1"/>
+          </a:fillRef>
+          <a:effectRef idx="0">
+            <a:schemeClr val="accent1"/>
+          </a:effectRef>
+          <a:fontRef idx="minor">
+            <a:schemeClr val="tx1"/>
+          </a:fontRef>
+        </p:style>
+      </p:cxnSp>
+      <p:cxnSp>
+        <p:nvCxnSpPr>
+          <p:cNvPr id="11" name="Curved Connector 10"/>
+          <p:cNvCxnSpPr>
+            <a:stCxn id="4" idx="3"/>
+          </p:cNvCxnSpPr>
+          <p:nvPr/>
+        </p:nvCxnSpPr>
+        <p:spPr>
+          <a:xfrm flipV="1">
+            <a:off x="4777924" y="3840564"/>
+            <a:ext cx="2552700" cy="426493"/>
+          </a:xfrm>
+          <a:prstGeom prst="curvedConnector3">
+            <a:avLst/>
+          </a:prstGeom>
+          <a:ln>
+            <a:tailEnd type="arrow"/>
+          </a:ln>
+        </p:spPr>
+        <p:style>
+          <a:lnRef idx="1">
+            <a:schemeClr val="accent1"/>
+          </a:lnRef>
+          <a:fillRef idx="0">
+            <a:schemeClr val="accent1"/>
+          </a:fillRef>
+          <a:effectRef idx="0">
+            <a:schemeClr val="accent1"/>
+          </a:effectRef>
+          <a:fontRef idx="minor">
+            <a:schemeClr val="tx1"/>
+          </a:fontRef>
+        </p:style>
+      </p:cxnSp>
+      <p:sp>
+        <p:nvSpPr>
+          <p:cNvPr id="12" name="TextBox 11"/>
+          <p:cNvSpPr txBox="1"/>
+          <p:nvPr/>
+        </p:nvSpPr>
+        <p:spPr>
+          <a:xfrm>
+            <a:off x="5221418" y="2863191"/>
+            <a:ext cx="1416670" cy="323165"/>
+          </a:xfrm>
+          <a:prstGeom prst="rect">
+            <a:avLst/>
+          </a:prstGeom>
+          <a:noFill/>
+        </p:spPr>
+        <p:txBody>
+          <a:bodyPr wrap="none" rtlCol="0">
+            <a:spAutoFit/>
+          </a:bodyPr>
+          <a:lstStyle/>
+          <a:p>
+            <a:r>
+              <a:rPr lang="en-US" sz="1500"/>
+              <a:t>n</a:t>
+            </a:r>
+            <a:r>
+              <a:rPr lang="en-US" sz="1500" smtClean="0"/>
+              <a:t>ew instance of</a:t>
+            </a:r>
+            <a:endParaRPr lang="en-US" sz="1500"/>
+          </a:p>
+        </p:txBody>
+      </p:sp>
+      <p:sp>
+        <p:nvSpPr>
+          <p:cNvPr id="17" name="TextBox 16"/>
+          <p:cNvSpPr txBox="1"/>
+          <p:nvPr/>
+        </p:nvSpPr>
+        <p:spPr>
+          <a:xfrm>
+            <a:off x="5244164" y="3992964"/>
+            <a:ext cx="1416670" cy="323165"/>
+          </a:xfrm>
+          <a:prstGeom prst="rect">
+            <a:avLst/>
+          </a:prstGeom>
+          <a:noFill/>
+        </p:spPr>
+        <p:txBody>
+          <a:bodyPr wrap="none" rtlCol="0">
+            <a:spAutoFit/>
+          </a:bodyPr>
+          <a:lstStyle/>
+          <a:p>
+            <a:r>
+              <a:rPr lang="en-US" sz="1500"/>
+              <a:t>n</a:t>
+            </a:r>
+            <a:r>
+              <a:rPr lang="en-US" sz="1500" smtClean="0"/>
+              <a:t>ew instance of</a:t>
+            </a:r>
+            <a:endParaRPr lang="en-US" sz="1500"/>
+          </a:p>
+        </p:txBody>
+      </p:sp>
+      <p:pic>
+        <p:nvPicPr>
+          <p:cNvPr id="4100" name="Picture 4"/>
+          <p:cNvPicPr>
+            <a:picLocks noChangeAspect="1" noChangeArrowheads="1"/>
+          </p:cNvPicPr>
+          <p:nvPr/>
+        </p:nvPicPr>
+        <p:blipFill>
+          <a:blip r:embed="rId4">
+            <a:extLst>
+              <a:ext uri="{28A0092B-C50C-407E-A947-70E740481C1C}">
+                <a14:useLocalDpi xmlns:a14="http://schemas.microsoft.com/office/drawing/2010/main" val="0"/>
+              </a:ext>
+            </a:extLst>
+          </a:blip>
+          <a:srcRect/>
+          <a:stretch>
+            <a:fillRect/>
+          </a:stretch>
+        </p:blipFill>
+        <p:spPr bwMode="auto">
+          <a:xfrm>
+            <a:off x="-241751" y="2475291"/>
+            <a:ext cx="3648075" cy="2581275"/>
+          </a:xfrm>
+          <a:prstGeom prst="rect">
+            <a:avLst/>
+          </a:prstGeom>
+          <a:noFill/>
+          <a:ln>
+            <a:noFill/>
+          </a:ln>
+          <a:effectLst/>
+          <a:extLst>
+            <a:ext uri="{909E8E84-426E-40DD-AFC4-6F175D3DCCD1}">
+              <a14:hiddenFill xmlns:a14="http://schemas.microsoft.com/office/drawing/2010/main">
+                <a:solidFill>
+                  <a:schemeClr val="accent1"/>
+                </a:solidFill>
+              </a14:hiddenFill>
+            </a:ext>
+            <a:ext uri="{91240B29-F687-4F45-9708-019B960494DF}">
+              <a14:hiddenLine xmlns:a14="http://schemas.microsoft.com/office/drawing/2010/main" w="9525">
+                <a:solidFill>
+                  <a:schemeClr val="tx1"/>
+                </a:solidFill>
+                <a:miter lim="800000"/>
+                <a:headEnd/>
+                <a:tailEnd/>
+              </a14:hiddenLine>
+            </a:ext>
+            <a:ext uri="{AF507438-7753-43E0-B8FC-AC1667EBCBE1}">
+              <a14:hiddenEffects xmlns:a14="http://schemas.microsoft.com/office/drawing/2010/main">
+                <a:effectLst>
+                  <a:outerShdw dist="35921" dir="2700000" algn="ctr" rotWithShape="0">
+                    <a:schemeClr val="bg2"/>
+                  </a:outerShdw>
+                </a:effectLst>
+              </a14:hiddenEffects>
+            </a:ext>
+          </a:extLst>
+        </p:spPr>
+      </p:pic>
+      <p:sp>
+        <p:nvSpPr>
+          <p:cNvPr id="15" name="TextBox 14"/>
+          <p:cNvSpPr txBox="1"/>
+          <p:nvPr/>
+        </p:nvSpPr>
+        <p:spPr>
+          <a:xfrm>
+            <a:off x="3396799" y="2152126"/>
+            <a:ext cx="1989455" cy="323165"/>
+          </a:xfrm>
+          <a:prstGeom prst="rect">
+            <a:avLst/>
+          </a:prstGeom>
+          <a:noFill/>
+        </p:spPr>
+        <p:txBody>
+          <a:bodyPr wrap="none" rtlCol="0">
+            <a:spAutoFit/>
+          </a:bodyPr>
+          <a:lstStyle/>
+          <a:p>
+            <a:r>
+              <a:rPr lang="en-US" sz="1500" smtClean="0"/>
+              <a:t>&lt;business entity class&gt;</a:t>
+            </a:r>
+            <a:endParaRPr lang="en-US" sz="1500"/>
+          </a:p>
+        </p:txBody>
+      </p:sp>
+      <p:sp>
+        <p:nvSpPr>
+          <p:cNvPr id="16" name="Rectangle 15"/>
+          <p:cNvSpPr/>
+          <p:nvPr/>
+        </p:nvSpPr>
+        <p:spPr>
+          <a:xfrm>
+            <a:off x="0" y="3680203"/>
+            <a:ext cx="3124200" cy="373607"/>
+          </a:xfrm>
+          <a:prstGeom prst="rect">
+            <a:avLst/>
+          </a:prstGeom>
+          <a:noFill/>
+          <a:ln>
+            <a:solidFill>
+              <a:srgbClr val="FF0000"/>
+            </a:solidFill>
+            <a:prstDash val="lgDash"/>
+          </a:ln>
+        </p:spPr>
+        <p:style>
+          <a:lnRef idx="2">
+            <a:schemeClr val="accent1">
+              <a:shade val="50000"/>
+            </a:schemeClr>
+          </a:lnRef>
+          <a:fillRef idx="1">
+            <a:schemeClr val="accent1"/>
+          </a:fillRef>
+          <a:effectRef idx="0">
+            <a:schemeClr val="accent1"/>
+          </a:effectRef>
+          <a:fontRef idx="minor">
+            <a:schemeClr val="lt1"/>
+          </a:fontRef>
+        </p:style>
+        <p:txBody>
+          <a:bodyPr rtlCol="0" anchor="ctr"/>
+          <a:lstStyle/>
+          <a:p>
+            <a:pPr algn="ctr"/>
+            <a:endParaRPr lang="en-US"/>
+          </a:p>
+        </p:txBody>
+      </p:sp>
+      <p:sp>
+        <p:nvSpPr>
+          <p:cNvPr id="21" name="Rectangle 20"/>
+          <p:cNvSpPr/>
+          <p:nvPr/>
+        </p:nvSpPr>
+        <p:spPr>
+          <a:xfrm>
+            <a:off x="0" y="4343257"/>
+            <a:ext cx="3124200" cy="373607"/>
+          </a:xfrm>
+          <a:prstGeom prst="rect">
+            <a:avLst/>
+          </a:prstGeom>
+          <a:noFill/>
+          <a:ln>
+            <a:solidFill>
+              <a:srgbClr val="FF0000"/>
+            </a:solidFill>
+            <a:prstDash val="lgDash"/>
+          </a:ln>
+        </p:spPr>
+        <p:style>
+          <a:lnRef idx="2">
+            <a:schemeClr val="accent1">
+              <a:shade val="50000"/>
+            </a:schemeClr>
+          </a:lnRef>
+          <a:fillRef idx="1">
+            <a:schemeClr val="accent1"/>
+          </a:fillRef>
+          <a:effectRef idx="0">
+            <a:schemeClr val="accent1"/>
+          </a:effectRef>
+          <a:fontRef idx="minor">
+            <a:schemeClr val="lt1"/>
+          </a:fontRef>
+        </p:style>
+        <p:txBody>
+          <a:bodyPr rtlCol="0" anchor="ctr"/>
+          <a:lstStyle/>
+          <a:p>
+            <a:pPr algn="ctr"/>
+            <a:endParaRPr lang="en-US"/>
+          </a:p>
+        </p:txBody>
+      </p:sp>
+    </p:spTree>
+    <p:extLst>
+      <p:ext uri="{BB962C8B-B14F-4D97-AF65-F5344CB8AC3E}">
+        <p14:creationId xmlns:p14="http://schemas.microsoft.com/office/powerpoint/2010/main" val="1623391359"/>
+      </p:ext>
+    </p:extLst>
+  </p:cSld>
+  <p:clrMapOvr>
+    <a:masterClrMapping/>
+  </p:clrMapOvr>
+</p:sld>
+</file>
+
 <file path=ppt/slides/slide2.xml><?xml version="1.0" encoding="utf-8"?>
 <p:sld xmlns:a="http://schemas.openxmlformats.org/drawingml/2006/main" xmlns:r="http://schemas.openxmlformats.org/officeDocument/2006/relationships" xmlns:p="http://schemas.openxmlformats.org/presentationml/2006/main">
   <p:cSld>

--- a/Documents/Thesis Report Picture.pptx
+++ b/Documents/Thesis Report Picture.pptx
@@ -24,6 +24,7 @@
     <p:sldId id="272" r:id="rId18"/>
     <p:sldId id="273" r:id="rId19"/>
     <p:sldId id="274" r:id="rId20"/>
+    <p:sldId id="275" r:id="rId21"/>
   </p:sldIdLst>
   <p:sldSz cx="9144000" cy="6858000" type="screen4x3"/>
   <p:notesSz cx="6858000" cy="9144000"/>
@@ -16369,7 +16370,7 @@
         </p:blipFill>
         <p:spPr bwMode="auto">
           <a:xfrm>
-            <a:off x="7086600" y="1622803"/>
+            <a:off x="6400800" y="1708528"/>
             <a:ext cx="1485900" cy="4114800"/>
           </a:xfrm>
           <a:prstGeom prst="rect">
@@ -16413,15 +16414,13 @@
       <p:cxnSp>
         <p:nvCxnSpPr>
           <p:cNvPr id="7" name="Curved Connector 6"/>
-          <p:cNvCxnSpPr>
-            <a:stCxn id="6" idx="3"/>
-          </p:cNvCxnSpPr>
+          <p:cNvCxnSpPr/>
           <p:nvPr/>
         </p:nvCxnSpPr>
         <p:spPr>
           <a:xfrm flipV="1">
-            <a:off x="4777924" y="3047857"/>
-            <a:ext cx="2362200" cy="868907"/>
+            <a:off x="4777924" y="3123915"/>
+            <a:ext cx="1476375" cy="792849"/>
           </a:xfrm>
           <a:prstGeom prst="curvedConnector3">
             <a:avLst/>
@@ -16449,14 +16448,14 @@
         <p:nvCxnSpPr>
           <p:cNvPr id="11" name="Curved Connector 10"/>
           <p:cNvCxnSpPr>
-            <a:stCxn id="4" idx="3"/>
+            <a:endCxn id="4099" idx="1"/>
           </p:cNvCxnSpPr>
           <p:nvPr/>
         </p:nvCxnSpPr>
         <p:spPr>
           <a:xfrm flipV="1">
-            <a:off x="4777924" y="3840564"/>
-            <a:ext cx="2552700" cy="426493"/>
+            <a:off x="4701724" y="3765928"/>
+            <a:ext cx="1699076" cy="501129"/>
           </a:xfrm>
           <a:prstGeom prst="curvedConnector3">
             <a:avLst/>
@@ -16488,7 +16487,7 @@
         </p:nvSpPr>
         <p:spPr>
           <a:xfrm>
-            <a:off x="5221418" y="2863191"/>
+            <a:off x="5060330" y="2819400"/>
             <a:ext cx="1416670" cy="323165"/>
           </a:xfrm>
           <a:prstGeom prst="rect">
@@ -16522,7 +16521,7 @@
         </p:nvSpPr>
         <p:spPr>
           <a:xfrm>
-            <a:off x="5244164" y="3992964"/>
+            <a:off x="5060330" y="4267057"/>
             <a:ext cx="1416670" cy="323165"/>
           </a:xfrm>
           <a:prstGeom prst="rect">
@@ -16571,7 +16570,7 @@
         </p:blipFill>
         <p:spPr bwMode="auto">
           <a:xfrm>
-            <a:off x="-241751" y="2475291"/>
+            <a:off x="-76200" y="2475291"/>
             <a:ext cx="3648075" cy="2581275"/>
           </a:xfrm>
           <a:prstGeom prst="rect">
@@ -16650,7 +16649,7 @@
         </p:nvSpPr>
         <p:spPr>
           <a:xfrm>
-            <a:off x="0" y="3680203"/>
+            <a:off x="76200" y="3680203"/>
             <a:ext cx="3124200" cy="373607"/>
           </a:xfrm>
           <a:prstGeom prst="rect">
@@ -16697,7 +16696,7 @@
         </p:nvSpPr>
         <p:spPr>
           <a:xfrm>
-            <a:off x="0" y="4343257"/>
+            <a:off x="76200" y="4343257"/>
             <a:ext cx="3124200" cy="373607"/>
           </a:xfrm>
           <a:prstGeom prst="rect">
@@ -16856,6 +16855,742 @@
       </p:par>
     </p:tnLst>
   </p:timing>
+</p:sld>
+</file>
+
+<file path=ppt/slides/slide20.xml><?xml version="1.0" encoding="utf-8"?>
+<p:sld xmlns:a="http://schemas.openxmlformats.org/drawingml/2006/main" xmlns:r="http://schemas.openxmlformats.org/officeDocument/2006/relationships" xmlns:p="http://schemas.openxmlformats.org/presentationml/2006/main">
+  <p:cSld>
+    <p:spTree>
+      <p:nvGrpSpPr>
+        <p:cNvPr id="1" name=""/>
+        <p:cNvGrpSpPr/>
+        <p:nvPr/>
+      </p:nvGrpSpPr>
+      <p:grpSpPr>
+        <a:xfrm>
+          <a:off x="0" y="0"/>
+          <a:ext cx="0" cy="0"/>
+          <a:chOff x="0" y="0"/>
+          <a:chExt cx="0" cy="0"/>
+        </a:xfrm>
+      </p:grpSpPr>
+      <p:pic>
+        <p:nvPicPr>
+          <p:cNvPr id="5122" name="Picture 2"/>
+          <p:cNvPicPr>
+            <a:picLocks noChangeAspect="1" noChangeArrowheads="1"/>
+          </p:cNvPicPr>
+          <p:nvPr/>
+        </p:nvPicPr>
+        <p:blipFill>
+          <a:blip r:embed="rId2">
+            <a:extLst>
+              <a:ext uri="{28A0092B-C50C-407E-A947-70E740481C1C}">
+                <a14:useLocalDpi xmlns:a14="http://schemas.microsoft.com/office/drawing/2010/main" val="0"/>
+              </a:ext>
+            </a:extLst>
+          </a:blip>
+          <a:srcRect/>
+          <a:stretch>
+            <a:fillRect/>
+          </a:stretch>
+        </p:blipFill>
+        <p:spPr bwMode="auto">
+          <a:xfrm>
+            <a:off x="1371600" y="457200"/>
+            <a:ext cx="5000625" cy="1895475"/>
+          </a:xfrm>
+          <a:prstGeom prst="rect">
+            <a:avLst/>
+          </a:prstGeom>
+          <a:noFill/>
+          <a:ln>
+            <a:noFill/>
+          </a:ln>
+          <a:effectLst/>
+          <a:extLst>
+            <a:ext uri="{909E8E84-426E-40DD-AFC4-6F175D3DCCD1}">
+              <a14:hiddenFill xmlns:a14="http://schemas.microsoft.com/office/drawing/2010/main">
+                <a:solidFill>
+                  <a:schemeClr val="accent1"/>
+                </a:solidFill>
+              </a14:hiddenFill>
+            </a:ext>
+            <a:ext uri="{91240B29-F687-4F45-9708-019B960494DF}">
+              <a14:hiddenLine xmlns:a14="http://schemas.microsoft.com/office/drawing/2010/main" w="9525">
+                <a:solidFill>
+                  <a:schemeClr val="tx1"/>
+                </a:solidFill>
+                <a:miter lim="800000"/>
+                <a:headEnd/>
+                <a:tailEnd/>
+              </a14:hiddenLine>
+            </a:ext>
+            <a:ext uri="{AF507438-7753-43E0-B8FC-AC1667EBCBE1}">
+              <a14:hiddenEffects xmlns:a14="http://schemas.microsoft.com/office/drawing/2010/main">
+                <a:effectLst>
+                  <a:outerShdw dist="35921" dir="2700000" algn="ctr" rotWithShape="0">
+                    <a:schemeClr val="bg2"/>
+                  </a:outerShdw>
+                </a:effectLst>
+              </a14:hiddenEffects>
+            </a:ext>
+          </a:extLst>
+        </p:spPr>
+      </p:pic>
+      <p:sp>
+        <p:nvSpPr>
+          <p:cNvPr id="17" name="Rectangle 16"/>
+          <p:cNvSpPr/>
+          <p:nvPr/>
+        </p:nvSpPr>
+        <p:spPr>
+          <a:xfrm>
+            <a:off x="990600" y="1219200"/>
+            <a:ext cx="5486400" cy="762000"/>
+          </a:xfrm>
+          <a:prstGeom prst="rect">
+            <a:avLst/>
+          </a:prstGeom>
+          <a:noFill/>
+          <a:ln>
+            <a:solidFill>
+              <a:srgbClr val="FFC000"/>
+            </a:solidFill>
+            <a:prstDash val="dash"/>
+          </a:ln>
+        </p:spPr>
+        <p:style>
+          <a:lnRef idx="2">
+            <a:schemeClr val="accent1">
+              <a:shade val="50000"/>
+            </a:schemeClr>
+          </a:lnRef>
+          <a:fillRef idx="1">
+            <a:schemeClr val="accent1"/>
+          </a:fillRef>
+          <a:effectRef idx="0">
+            <a:schemeClr val="accent1"/>
+          </a:effectRef>
+          <a:fontRef idx="minor">
+            <a:schemeClr val="lt1"/>
+          </a:fontRef>
+        </p:style>
+        <p:txBody>
+          <a:bodyPr rtlCol="0" anchor="ctr"/>
+          <a:lstStyle/>
+          <a:p>
+            <a:pPr algn="ctr"/>
+            <a:endParaRPr lang="en-US"/>
+          </a:p>
+        </p:txBody>
+      </p:sp>
+      <p:sp>
+        <p:nvSpPr>
+          <p:cNvPr id="18" name="Rectangular Callout 17"/>
+          <p:cNvSpPr/>
+          <p:nvPr/>
+        </p:nvSpPr>
+        <p:spPr>
+          <a:xfrm>
+            <a:off x="-25021" y="301752"/>
+            <a:ext cx="1447800" cy="612648"/>
+          </a:xfrm>
+          <a:prstGeom prst="wedgeRectCallout">
+            <a:avLst>
+              <a:gd name="adj1" fmla="val 59350"/>
+              <a:gd name="adj2" fmla="val 130082"/>
+            </a:avLst>
+          </a:prstGeom>
+        </p:spPr>
+        <p:style>
+          <a:lnRef idx="2">
+            <a:schemeClr val="accent6"/>
+          </a:lnRef>
+          <a:fillRef idx="1">
+            <a:schemeClr val="lt1"/>
+          </a:fillRef>
+          <a:effectRef idx="0">
+            <a:schemeClr val="accent6"/>
+          </a:effectRef>
+          <a:fontRef idx="minor">
+            <a:schemeClr val="dk1"/>
+          </a:fontRef>
+        </p:style>
+        <p:txBody>
+          <a:bodyPr rtlCol="0" anchor="ctr"/>
+          <a:lstStyle/>
+          <a:p>
+            <a:pPr algn="ctr"/>
+            <a:r>
+              <a:rPr lang="en-US" smtClean="0"/>
+              <a:t>Classification</a:t>
+            </a:r>
+          </a:p>
+        </p:txBody>
+      </p:sp>
+      <p:pic>
+        <p:nvPicPr>
+          <p:cNvPr id="5123" name="Picture 3"/>
+          <p:cNvPicPr>
+            <a:picLocks noChangeAspect="1" noChangeArrowheads="1"/>
+          </p:cNvPicPr>
+          <p:nvPr/>
+        </p:nvPicPr>
+        <p:blipFill>
+          <a:blip r:embed="rId3">
+            <a:extLst>
+              <a:ext uri="{28A0092B-C50C-407E-A947-70E740481C1C}">
+                <a14:useLocalDpi xmlns:a14="http://schemas.microsoft.com/office/drawing/2010/main" val="0"/>
+              </a:ext>
+            </a:extLst>
+          </a:blip>
+          <a:srcRect/>
+          <a:stretch>
+            <a:fillRect/>
+          </a:stretch>
+        </p:blipFill>
+        <p:spPr bwMode="auto">
+          <a:xfrm>
+            <a:off x="-457200" y="4446896"/>
+            <a:ext cx="4049713" cy="2090738"/>
+          </a:xfrm>
+          <a:prstGeom prst="rect">
+            <a:avLst/>
+          </a:prstGeom>
+          <a:noFill/>
+          <a:ln>
+            <a:noFill/>
+          </a:ln>
+          <a:effectLst/>
+          <a:extLst>
+            <a:ext uri="{909E8E84-426E-40DD-AFC4-6F175D3DCCD1}">
+              <a14:hiddenFill xmlns:a14="http://schemas.microsoft.com/office/drawing/2010/main">
+                <a:solidFill>
+                  <a:schemeClr val="accent1"/>
+                </a:solidFill>
+              </a14:hiddenFill>
+            </a:ext>
+            <a:ext uri="{91240B29-F687-4F45-9708-019B960494DF}">
+              <a14:hiddenLine xmlns:a14="http://schemas.microsoft.com/office/drawing/2010/main" w="9525">
+                <a:solidFill>
+                  <a:schemeClr val="tx1"/>
+                </a:solidFill>
+                <a:miter lim="800000"/>
+                <a:headEnd/>
+                <a:tailEnd/>
+              </a14:hiddenLine>
+            </a:ext>
+            <a:ext uri="{AF507438-7753-43E0-B8FC-AC1667EBCBE1}">
+              <a14:hiddenEffects xmlns:a14="http://schemas.microsoft.com/office/drawing/2010/main">
+                <a:effectLst>
+                  <a:outerShdw dist="35921" dir="2700000" algn="ctr" rotWithShape="0">
+                    <a:schemeClr val="bg2"/>
+                  </a:outerShdw>
+                </a:effectLst>
+              </a14:hiddenEffects>
+            </a:ext>
+          </a:extLst>
+        </p:spPr>
+      </p:pic>
+      <p:pic>
+        <p:nvPicPr>
+          <p:cNvPr id="5124" name="Picture 4"/>
+          <p:cNvPicPr>
+            <a:picLocks noChangeAspect="1" noChangeArrowheads="1"/>
+          </p:cNvPicPr>
+          <p:nvPr/>
+        </p:nvPicPr>
+        <p:blipFill>
+          <a:blip r:embed="rId4">
+            <a:extLst>
+              <a:ext uri="{28A0092B-C50C-407E-A947-70E740481C1C}">
+                <a14:useLocalDpi xmlns:a14="http://schemas.microsoft.com/office/drawing/2010/main" val="0"/>
+              </a:ext>
+            </a:extLst>
+          </a:blip>
+          <a:srcRect/>
+          <a:stretch>
+            <a:fillRect/>
+          </a:stretch>
+        </p:blipFill>
+        <p:spPr bwMode="auto">
+          <a:xfrm>
+            <a:off x="5543549" y="4495800"/>
+            <a:ext cx="3600450" cy="1819275"/>
+          </a:xfrm>
+          <a:prstGeom prst="rect">
+            <a:avLst/>
+          </a:prstGeom>
+          <a:noFill/>
+          <a:ln>
+            <a:noFill/>
+          </a:ln>
+          <a:effectLst/>
+          <a:extLst>
+            <a:ext uri="{909E8E84-426E-40DD-AFC4-6F175D3DCCD1}">
+              <a14:hiddenFill xmlns:a14="http://schemas.microsoft.com/office/drawing/2010/main">
+                <a:solidFill>
+                  <a:schemeClr val="accent1"/>
+                </a:solidFill>
+              </a14:hiddenFill>
+            </a:ext>
+            <a:ext uri="{91240B29-F687-4F45-9708-019B960494DF}">
+              <a14:hiddenLine xmlns:a14="http://schemas.microsoft.com/office/drawing/2010/main" w="9525">
+                <a:solidFill>
+                  <a:schemeClr val="tx1"/>
+                </a:solidFill>
+                <a:miter lim="800000"/>
+                <a:headEnd/>
+                <a:tailEnd/>
+              </a14:hiddenLine>
+            </a:ext>
+            <a:ext uri="{AF507438-7753-43E0-B8FC-AC1667EBCBE1}">
+              <a14:hiddenEffects xmlns:a14="http://schemas.microsoft.com/office/drawing/2010/main">
+                <a:effectLst>
+                  <a:outerShdw dist="35921" dir="2700000" algn="ctr" rotWithShape="0">
+                    <a:schemeClr val="bg2"/>
+                  </a:outerShdw>
+                </a:effectLst>
+              </a14:hiddenEffects>
+            </a:ext>
+          </a:extLst>
+        </p:spPr>
+      </p:pic>
+      <p:sp>
+        <p:nvSpPr>
+          <p:cNvPr id="20" name="Rounded Rectangle 19"/>
+          <p:cNvSpPr/>
+          <p:nvPr/>
+        </p:nvSpPr>
+        <p:spPr>
+          <a:xfrm>
+            <a:off x="3437316" y="3055114"/>
+            <a:ext cx="1406434" cy="1199406"/>
+          </a:xfrm>
+          <a:prstGeom prst="roundRect">
+            <a:avLst/>
+          </a:prstGeom>
+        </p:spPr>
+        <p:style>
+          <a:lnRef idx="3">
+            <a:schemeClr val="lt1"/>
+          </a:lnRef>
+          <a:fillRef idx="1">
+            <a:schemeClr val="accent5"/>
+          </a:fillRef>
+          <a:effectRef idx="1">
+            <a:schemeClr val="accent5"/>
+          </a:effectRef>
+          <a:fontRef idx="minor">
+            <a:schemeClr val="lt1"/>
+          </a:fontRef>
+        </p:style>
+        <p:txBody>
+          <a:bodyPr rtlCol="0" anchor="ctr"/>
+          <a:lstStyle/>
+          <a:p>
+            <a:pPr algn="ctr"/>
+            <a:r>
+              <a:rPr lang="en-US" smtClean="0"/>
+              <a:t>Custom Tree</a:t>
+            </a:r>
+            <a:endParaRPr lang="en-US"/>
+          </a:p>
+        </p:txBody>
+      </p:sp>
+      <p:sp>
+        <p:nvSpPr>
+          <p:cNvPr id="26" name="Rounded Rectangle 25"/>
+          <p:cNvSpPr/>
+          <p:nvPr/>
+        </p:nvSpPr>
+        <p:spPr>
+          <a:xfrm>
+            <a:off x="6858000" y="914400"/>
+            <a:ext cx="1524000" cy="1219200"/>
+          </a:xfrm>
+          <a:prstGeom prst="roundRect">
+            <a:avLst/>
+          </a:prstGeom>
+        </p:spPr>
+        <p:style>
+          <a:lnRef idx="3">
+            <a:schemeClr val="lt1"/>
+          </a:lnRef>
+          <a:fillRef idx="1">
+            <a:schemeClr val="accent5"/>
+          </a:fillRef>
+          <a:effectRef idx="1">
+            <a:schemeClr val="accent5"/>
+          </a:effectRef>
+          <a:fontRef idx="minor">
+            <a:schemeClr val="lt1"/>
+          </a:fontRef>
+        </p:style>
+        <p:txBody>
+          <a:bodyPr rtlCol="0" anchor="ctr"/>
+          <a:lstStyle/>
+          <a:p>
+            <a:pPr algn="ctr"/>
+            <a:r>
+              <a:rPr lang="en-US" smtClean="0"/>
+              <a:t>Abstract</a:t>
+            </a:r>
+          </a:p>
+          <a:p>
+            <a:pPr algn="ctr"/>
+            <a:r>
+              <a:rPr lang="en-US" smtClean="0"/>
+              <a:t>JobZoom Tree</a:t>
+            </a:r>
+            <a:endParaRPr lang="en-US"/>
+          </a:p>
+        </p:txBody>
+      </p:sp>
+      <p:cxnSp>
+        <p:nvCxnSpPr>
+          <p:cNvPr id="29" name="Curved Connector 28"/>
+          <p:cNvCxnSpPr>
+            <a:stCxn id="20" idx="0"/>
+          </p:cNvCxnSpPr>
+          <p:nvPr/>
+        </p:nvCxnSpPr>
+        <p:spPr>
+          <a:xfrm rot="5400000" flipH="1" flipV="1">
+            <a:off x="4807728" y="1301325"/>
+            <a:ext cx="1086594" cy="2420985"/>
+          </a:xfrm>
+          <a:prstGeom prst="curvedConnector2">
+            <a:avLst/>
+          </a:prstGeom>
+          <a:ln>
+            <a:tailEnd type="arrow"/>
+          </a:ln>
+        </p:spPr>
+        <p:style>
+          <a:lnRef idx="1">
+            <a:schemeClr val="accent1"/>
+          </a:lnRef>
+          <a:fillRef idx="0">
+            <a:schemeClr val="accent1"/>
+          </a:fillRef>
+          <a:effectRef idx="0">
+            <a:schemeClr val="accent1"/>
+          </a:effectRef>
+          <a:fontRef idx="minor">
+            <a:schemeClr val="tx1"/>
+          </a:fontRef>
+        </p:style>
+      </p:cxnSp>
+      <p:sp>
+        <p:nvSpPr>
+          <p:cNvPr id="30" name="TextBox 29"/>
+          <p:cNvSpPr txBox="1"/>
+          <p:nvPr/>
+        </p:nvSpPr>
+        <p:spPr>
+          <a:xfrm>
+            <a:off x="5140234" y="2408113"/>
+            <a:ext cx="806631" cy="369332"/>
+          </a:xfrm>
+          <a:prstGeom prst="rect">
+            <a:avLst/>
+          </a:prstGeom>
+          <a:noFill/>
+        </p:spPr>
+        <p:txBody>
+          <a:bodyPr wrap="none" rtlCol="0">
+            <a:spAutoFit/>
+          </a:bodyPr>
+          <a:lstStyle/>
+          <a:p>
+            <a:r>
+              <a:rPr lang="en-US" smtClean="0"/>
+              <a:t>inherit</a:t>
+            </a:r>
+            <a:endParaRPr lang="en-US"/>
+          </a:p>
+        </p:txBody>
+      </p:sp>
+      <p:sp>
+        <p:nvSpPr>
+          <p:cNvPr id="39" name="Rounded Rectangle 38"/>
+          <p:cNvSpPr/>
+          <p:nvPr/>
+        </p:nvSpPr>
+        <p:spPr>
+          <a:xfrm>
+            <a:off x="1828800" y="3896097"/>
+            <a:ext cx="1101634" cy="828303"/>
+          </a:xfrm>
+          <a:prstGeom prst="roundRect">
+            <a:avLst/>
+          </a:prstGeom>
+          <a:ln>
+            <a:prstDash val="dash"/>
+          </a:ln>
+        </p:spPr>
+        <p:style>
+          <a:lnRef idx="2">
+            <a:schemeClr val="accent5"/>
+          </a:lnRef>
+          <a:fillRef idx="1">
+            <a:schemeClr val="lt1"/>
+          </a:fillRef>
+          <a:effectRef idx="0">
+            <a:schemeClr val="accent5"/>
+          </a:effectRef>
+          <a:fontRef idx="minor">
+            <a:schemeClr val="dk1"/>
+          </a:fontRef>
+        </p:style>
+        <p:txBody>
+          <a:bodyPr rtlCol="0" anchor="ctr"/>
+          <a:lstStyle/>
+          <a:p>
+            <a:pPr algn="ctr"/>
+            <a:r>
+              <a:rPr lang="en-US" smtClean="0"/>
+              <a:t>Object</a:t>
+            </a:r>
+            <a:endParaRPr lang="en-US"/>
+          </a:p>
+        </p:txBody>
+      </p:sp>
+      <p:sp>
+        <p:nvSpPr>
+          <p:cNvPr id="40" name="Rounded Rectangle 39"/>
+          <p:cNvSpPr/>
+          <p:nvPr/>
+        </p:nvSpPr>
+        <p:spPr>
+          <a:xfrm>
+            <a:off x="5451566" y="3886200"/>
+            <a:ext cx="1101634" cy="828303"/>
+          </a:xfrm>
+          <a:prstGeom prst="roundRect">
+            <a:avLst/>
+          </a:prstGeom>
+          <a:ln>
+            <a:prstDash val="dash"/>
+          </a:ln>
+        </p:spPr>
+        <p:style>
+          <a:lnRef idx="2">
+            <a:schemeClr val="accent5"/>
+          </a:lnRef>
+          <a:fillRef idx="1">
+            <a:schemeClr val="lt1"/>
+          </a:fillRef>
+          <a:effectRef idx="0">
+            <a:schemeClr val="accent5"/>
+          </a:effectRef>
+          <a:fontRef idx="minor">
+            <a:schemeClr val="dk1"/>
+          </a:fontRef>
+        </p:style>
+        <p:txBody>
+          <a:bodyPr rtlCol="0" anchor="ctr"/>
+          <a:lstStyle/>
+          <a:p>
+            <a:pPr algn="ctr"/>
+            <a:r>
+              <a:rPr lang="en-US" smtClean="0"/>
+              <a:t>Object</a:t>
+            </a:r>
+            <a:endParaRPr lang="en-US"/>
+          </a:p>
+        </p:txBody>
+      </p:sp>
+      <p:cxnSp>
+        <p:nvCxnSpPr>
+          <p:cNvPr id="5128" name="Curved Connector 5127"/>
+          <p:cNvCxnSpPr>
+            <a:stCxn id="39" idx="3"/>
+            <a:endCxn id="20" idx="1"/>
+          </p:cNvCxnSpPr>
+          <p:nvPr/>
+        </p:nvCxnSpPr>
+        <p:spPr>
+          <a:xfrm flipV="1">
+            <a:off x="2930434" y="3654817"/>
+            <a:ext cx="506882" cy="655432"/>
+          </a:xfrm>
+          <a:prstGeom prst="curvedConnector3">
+            <a:avLst/>
+          </a:prstGeom>
+          <a:ln>
+            <a:tailEnd type="arrow"/>
+          </a:ln>
+        </p:spPr>
+        <p:style>
+          <a:lnRef idx="1">
+            <a:schemeClr val="accent1"/>
+          </a:lnRef>
+          <a:fillRef idx="0">
+            <a:schemeClr val="accent1"/>
+          </a:fillRef>
+          <a:effectRef idx="0">
+            <a:schemeClr val="accent1"/>
+          </a:effectRef>
+          <a:fontRef idx="minor">
+            <a:schemeClr val="tx1"/>
+          </a:fontRef>
+        </p:style>
+      </p:cxnSp>
+      <p:cxnSp>
+        <p:nvCxnSpPr>
+          <p:cNvPr id="5130" name="Curved Connector 5129"/>
+          <p:cNvCxnSpPr>
+            <a:stCxn id="40" idx="1"/>
+            <a:endCxn id="20" idx="3"/>
+          </p:cNvCxnSpPr>
+          <p:nvPr/>
+        </p:nvCxnSpPr>
+        <p:spPr>
+          <a:xfrm rot="10800000">
+            <a:off x="4843750" y="3654818"/>
+            <a:ext cx="607816" cy="645535"/>
+          </a:xfrm>
+          <a:prstGeom prst="curvedConnector3">
+            <a:avLst/>
+          </a:prstGeom>
+          <a:ln>
+            <a:tailEnd type="arrow"/>
+          </a:ln>
+        </p:spPr>
+        <p:style>
+          <a:lnRef idx="1">
+            <a:schemeClr val="accent1"/>
+          </a:lnRef>
+          <a:fillRef idx="0">
+            <a:schemeClr val="accent1"/>
+          </a:fillRef>
+          <a:effectRef idx="0">
+            <a:schemeClr val="accent1"/>
+          </a:effectRef>
+          <a:fontRef idx="minor">
+            <a:schemeClr val="tx1"/>
+          </a:fontRef>
+        </p:style>
+      </p:cxnSp>
+      <p:sp>
+        <p:nvSpPr>
+          <p:cNvPr id="45" name="TextBox 44"/>
+          <p:cNvSpPr txBox="1"/>
+          <p:nvPr/>
+        </p:nvSpPr>
+        <p:spPr>
+          <a:xfrm>
+            <a:off x="2649122" y="3931355"/>
+            <a:ext cx="1213089" cy="323165"/>
+          </a:xfrm>
+          <a:prstGeom prst="rect">
+            <a:avLst/>
+          </a:prstGeom>
+          <a:noFill/>
+        </p:spPr>
+        <p:txBody>
+          <a:bodyPr wrap="none" rtlCol="0">
+            <a:spAutoFit/>
+          </a:bodyPr>
+          <a:lstStyle/>
+          <a:p>
+            <a:r>
+              <a:rPr lang="en-US" sz="1500" smtClean="0"/>
+              <a:t>new instance</a:t>
+            </a:r>
+            <a:endParaRPr lang="en-US" sz="1500"/>
+          </a:p>
+        </p:txBody>
+      </p:sp>
+      <p:sp>
+        <p:nvSpPr>
+          <p:cNvPr id="46" name="TextBox 45"/>
+          <p:cNvSpPr txBox="1"/>
+          <p:nvPr/>
+        </p:nvSpPr>
+        <p:spPr>
+          <a:xfrm>
+            <a:off x="4797043" y="3649132"/>
+            <a:ext cx="1213089" cy="323165"/>
+          </a:xfrm>
+          <a:prstGeom prst="rect">
+            <a:avLst/>
+          </a:prstGeom>
+          <a:noFill/>
+        </p:spPr>
+        <p:txBody>
+          <a:bodyPr wrap="none" rtlCol="0">
+            <a:spAutoFit/>
+          </a:bodyPr>
+          <a:lstStyle/>
+          <a:p>
+            <a:r>
+              <a:rPr lang="en-US" sz="1500" smtClean="0"/>
+              <a:t>new instance</a:t>
+            </a:r>
+            <a:endParaRPr lang="en-US" sz="1500"/>
+          </a:p>
+        </p:txBody>
+      </p:sp>
+      <p:sp>
+        <p:nvSpPr>
+          <p:cNvPr id="5131" name="Rectangular Callout 5130"/>
+          <p:cNvSpPr/>
+          <p:nvPr/>
+        </p:nvSpPr>
+        <p:spPr>
+          <a:xfrm>
+            <a:off x="5981700" y="2416643"/>
+            <a:ext cx="1752600" cy="990600"/>
+          </a:xfrm>
+          <a:prstGeom prst="wedgeRectCallout">
+            <a:avLst>
+              <a:gd name="adj1" fmla="val -73786"/>
+              <a:gd name="adj2" fmla="val 30812"/>
+            </a:avLst>
+          </a:prstGeom>
+        </p:spPr>
+        <p:style>
+          <a:lnRef idx="2">
+            <a:schemeClr val="accent3"/>
+          </a:lnRef>
+          <a:fillRef idx="1">
+            <a:schemeClr val="lt1"/>
+          </a:fillRef>
+          <a:effectRef idx="0">
+            <a:schemeClr val="accent3"/>
+          </a:effectRef>
+          <a:fontRef idx="minor">
+            <a:schemeClr val="dk1"/>
+          </a:fontRef>
+        </p:style>
+        <p:txBody>
+          <a:bodyPr rtlCol="0" anchor="ctr"/>
+          <a:lstStyle/>
+          <a:p>
+            <a:pPr algn="ctr"/>
+            <a:r>
+              <a:rPr lang="en-US" sz="1500" smtClean="0"/>
+              <a:t>Overide việc định nghĩa sự ràng buộc các classification node</a:t>
+            </a:r>
+            <a:endParaRPr lang="en-US" sz="1500"/>
+          </a:p>
+        </p:txBody>
+      </p:sp>
+    </p:spTree>
+    <p:extLst>
+      <p:ext uri="{BB962C8B-B14F-4D97-AF65-F5344CB8AC3E}">
+        <p14:creationId xmlns:p14="http://schemas.microsoft.com/office/powerpoint/2010/main" val="1695288249"/>
+      </p:ext>
+    </p:extLst>
+  </p:cSld>
+  <p:clrMapOvr>
+    <a:masterClrMapping/>
+  </p:clrMapOvr>
 </p:sld>
 </file>
 

--- a/Documents/Thesis Report Picture.pptx
+++ b/Documents/Thesis Report Picture.pptx
@@ -25,6 +25,7 @@
     <p:sldId id="273" r:id="rId19"/>
     <p:sldId id="274" r:id="rId20"/>
     <p:sldId id="275" r:id="rId21"/>
+    <p:sldId id="276" r:id="rId22"/>
   </p:sldIdLst>
   <p:sldSz cx="9144000" cy="6858000" type="screen4x3"/>
   <p:notesSz cx="6858000" cy="9144000"/>
@@ -5833,7 +5834,7 @@
           <a:p>
             <a:fld id="{AEBC359E-74D2-4BE3-B89B-803EEEC24772}" type="datetimeFigureOut">
               <a:rPr lang="en-US" smtClean="0"/>
-              <a:t>12/18/2011</a:t>
+              <a:t>12/19/2011</a:t>
             </a:fld>
             <a:endParaRPr lang="en-US"/>
           </a:p>
@@ -6003,7 +6004,7 @@
           <a:p>
             <a:fld id="{AEBC359E-74D2-4BE3-B89B-803EEEC24772}" type="datetimeFigureOut">
               <a:rPr lang="en-US" smtClean="0"/>
-              <a:t>12/18/2011</a:t>
+              <a:t>12/19/2011</a:t>
             </a:fld>
             <a:endParaRPr lang="en-US"/>
           </a:p>
@@ -6183,7 +6184,7 @@
           <a:p>
             <a:fld id="{AEBC359E-74D2-4BE3-B89B-803EEEC24772}" type="datetimeFigureOut">
               <a:rPr lang="en-US" smtClean="0"/>
-              <a:t>12/18/2011</a:t>
+              <a:t>12/19/2011</a:t>
             </a:fld>
             <a:endParaRPr lang="en-US"/>
           </a:p>
@@ -6353,7 +6354,7 @@
           <a:p>
             <a:fld id="{AEBC359E-74D2-4BE3-B89B-803EEEC24772}" type="datetimeFigureOut">
               <a:rPr lang="en-US" smtClean="0"/>
-              <a:t>12/18/2011</a:t>
+              <a:t>12/19/2011</a:t>
             </a:fld>
             <a:endParaRPr lang="en-US"/>
           </a:p>
@@ -6599,7 +6600,7 @@
           <a:p>
             <a:fld id="{AEBC359E-74D2-4BE3-B89B-803EEEC24772}" type="datetimeFigureOut">
               <a:rPr lang="en-US" smtClean="0"/>
-              <a:t>12/18/2011</a:t>
+              <a:t>12/19/2011</a:t>
             </a:fld>
             <a:endParaRPr lang="en-US"/>
           </a:p>
@@ -6887,7 +6888,7 @@
           <a:p>
             <a:fld id="{AEBC359E-74D2-4BE3-B89B-803EEEC24772}" type="datetimeFigureOut">
               <a:rPr lang="en-US" smtClean="0"/>
-              <a:t>12/18/2011</a:t>
+              <a:t>12/19/2011</a:t>
             </a:fld>
             <a:endParaRPr lang="en-US"/>
           </a:p>
@@ -7309,7 +7310,7 @@
           <a:p>
             <a:fld id="{AEBC359E-74D2-4BE3-B89B-803EEEC24772}" type="datetimeFigureOut">
               <a:rPr lang="en-US" smtClean="0"/>
-              <a:t>12/18/2011</a:t>
+              <a:t>12/19/2011</a:t>
             </a:fld>
             <a:endParaRPr lang="en-US"/>
           </a:p>
@@ -7427,7 +7428,7 @@
           <a:p>
             <a:fld id="{AEBC359E-74D2-4BE3-B89B-803EEEC24772}" type="datetimeFigureOut">
               <a:rPr lang="en-US" smtClean="0"/>
-              <a:t>12/18/2011</a:t>
+              <a:t>12/19/2011</a:t>
             </a:fld>
             <a:endParaRPr lang="en-US"/>
           </a:p>
@@ -7522,7 +7523,7 @@
           <a:p>
             <a:fld id="{AEBC359E-74D2-4BE3-B89B-803EEEC24772}" type="datetimeFigureOut">
               <a:rPr lang="en-US" smtClean="0"/>
-              <a:t>12/18/2011</a:t>
+              <a:t>12/19/2011</a:t>
             </a:fld>
             <a:endParaRPr lang="en-US"/>
           </a:p>
@@ -7799,7 +7800,7 @@
           <a:p>
             <a:fld id="{AEBC359E-74D2-4BE3-B89B-803EEEC24772}" type="datetimeFigureOut">
               <a:rPr lang="en-US" smtClean="0"/>
-              <a:t>12/18/2011</a:t>
+              <a:t>12/19/2011</a:t>
             </a:fld>
             <a:endParaRPr lang="en-US"/>
           </a:p>
@@ -8052,7 +8053,7 @@
           <a:p>
             <a:fld id="{AEBC359E-74D2-4BE3-B89B-803EEEC24772}" type="datetimeFigureOut">
               <a:rPr lang="en-US" smtClean="0"/>
-              <a:t>12/18/2011</a:t>
+              <a:t>12/19/2011</a:t>
             </a:fld>
             <a:endParaRPr lang="en-US"/>
           </a:p>
@@ -8265,7 +8266,7 @@
           <a:p>
             <a:fld id="{AEBC359E-74D2-4BE3-B89B-803EEEC24772}" type="datetimeFigureOut">
               <a:rPr lang="en-US" smtClean="0"/>
-              <a:t>12/18/2011</a:t>
+              <a:t>12/19/2011</a:t>
             </a:fld>
             <a:endParaRPr lang="en-US"/>
           </a:p>
@@ -15085,15 +15086,7 @@
                   <a:schemeClr val="tx1"/>
                 </a:solidFill>
               </a:rPr>
-              <a:t>&lt;&lt;Mô hình thông </a:t>
-            </a:r>
-            <a:r>
-              <a:rPr lang="en-US" sz="1200" b="1">
-                <a:solidFill>
-                  <a:schemeClr val="tx1"/>
-                </a:solidFill>
-              </a:rPr>
-              <a:t>tin </a:t>
+              <a:t>&lt;&lt;Mô hình thông tin </a:t>
             </a:r>
             <a:r>
               <a:rPr lang="en-US" sz="1200" b="1" smtClean="0">
@@ -15101,15 +15094,7 @@
                   <a:schemeClr val="tx1"/>
                 </a:solidFill>
               </a:rPr>
-              <a:t>2</a:t>
-            </a:r>
-            <a:r>
-              <a:rPr lang="en-US" sz="1200" b="1" smtClean="0">
-                <a:solidFill>
-                  <a:schemeClr val="tx1"/>
-                </a:solidFill>
-              </a:rPr>
-              <a:t>&gt;&gt;</a:t>
+              <a:t>2&gt;&gt;</a:t>
             </a:r>
             <a:endParaRPr lang="en-US" sz="1200" b="1">
               <a:solidFill>
@@ -17585,6 +17570,1565 @@
     <p:extLst>
       <p:ext uri="{BB962C8B-B14F-4D97-AF65-F5344CB8AC3E}">
         <p14:creationId xmlns:p14="http://schemas.microsoft.com/office/powerpoint/2010/main" val="1695288249"/>
+      </p:ext>
+    </p:extLst>
+  </p:cSld>
+  <p:clrMapOvr>
+    <a:masterClrMapping/>
+  </p:clrMapOvr>
+</p:sld>
+</file>
+
+<file path=ppt/slides/slide21.xml><?xml version="1.0" encoding="utf-8"?>
+<p:sld xmlns:a="http://schemas.openxmlformats.org/drawingml/2006/main" xmlns:r="http://schemas.openxmlformats.org/officeDocument/2006/relationships" xmlns:p="http://schemas.openxmlformats.org/presentationml/2006/main">
+  <p:cSld>
+    <p:spTree>
+      <p:nvGrpSpPr>
+        <p:cNvPr id="1" name=""/>
+        <p:cNvGrpSpPr/>
+        <p:nvPr/>
+      </p:nvGrpSpPr>
+      <p:grpSpPr>
+        <a:xfrm>
+          <a:off x="0" y="0"/>
+          <a:ext cx="0" cy="0"/>
+          <a:chOff x="0" y="0"/>
+          <a:chExt cx="0" cy="0"/>
+        </a:xfrm>
+      </p:grpSpPr>
+      <p:sp>
+        <p:nvSpPr>
+          <p:cNvPr id="4" name="Rectangle 3"/>
+          <p:cNvSpPr>
+            <a:spLocks noChangeArrowheads="1"/>
+          </p:cNvSpPr>
+          <p:nvPr/>
+        </p:nvSpPr>
+        <p:spPr bwMode="auto">
+          <a:xfrm>
+            <a:off x="1393208" y="2026805"/>
+            <a:ext cx="1523999" cy="444500"/>
+          </a:xfrm>
+          <a:prstGeom prst="rect">
+            <a:avLst/>
+          </a:prstGeom>
+          <a:solidFill>
+            <a:schemeClr val="accent1"/>
+          </a:solidFill>
+          <a:ln w="12700">
+            <a:solidFill>
+              <a:schemeClr val="tx2">
+                <a:lumMod val="60000"/>
+                <a:lumOff val="40000"/>
+              </a:schemeClr>
+            </a:solidFill>
+            <a:miter lim="800000"/>
+            <a:headEnd/>
+            <a:tailEnd/>
+          </a:ln>
+          <a:effectLst/>
+          <a:extLst>
+            <a:ext uri="{AF507438-7753-43E0-B8FC-AC1667EBCBE1}">
+              <a14:hiddenEffects xmlns:a14="http://schemas.microsoft.com/office/drawing/2010/main">
+                <a:effectLst>
+                  <a:outerShdw dist="35921" dir="2700000" algn="ctr" rotWithShape="0">
+                    <a:schemeClr val="bg2"/>
+                  </a:outerShdw>
+                </a:effectLst>
+              </a14:hiddenEffects>
+            </a:ext>
+          </a:extLst>
+        </p:spPr>
+        <p:txBody>
+          <a:bodyPr wrap="none" anchor="ctr"/>
+          <a:lstStyle/>
+          <a:p>
+            <a:pPr algn="ctr"/>
+            <a:r>
+              <a:rPr lang="en-US" dirty="0" err="1" smtClean="0">
+                <a:solidFill>
+                  <a:schemeClr val="bg1"/>
+                </a:solidFill>
+              </a:rPr>
+              <a:t>Điện</a:t>
+            </a:r>
+            <a:r>
+              <a:rPr lang="en-US" dirty="0" smtClean="0">
+                <a:solidFill>
+                  <a:schemeClr val="bg1"/>
+                </a:solidFill>
+              </a:rPr>
+              <a:t> </a:t>
+            </a:r>
+            <a:r>
+              <a:rPr lang="en-US" dirty="0" err="1" smtClean="0">
+                <a:solidFill>
+                  <a:schemeClr val="bg1"/>
+                </a:solidFill>
+              </a:rPr>
+              <a:t>thoại</a:t>
+            </a:r>
+            <a:endParaRPr lang="en-US" dirty="0">
+              <a:solidFill>
+                <a:schemeClr val="bg1"/>
+              </a:solidFill>
+            </a:endParaRPr>
+          </a:p>
+        </p:txBody>
+      </p:sp>
+      <p:sp>
+        <p:nvSpPr>
+          <p:cNvPr id="5" name="Rectangle 4"/>
+          <p:cNvSpPr>
+            <a:spLocks noChangeArrowheads="1"/>
+          </p:cNvSpPr>
+          <p:nvPr/>
+        </p:nvSpPr>
+        <p:spPr bwMode="auto">
+          <a:xfrm>
+            <a:off x="741810" y="2938379"/>
+            <a:ext cx="1302793" cy="444500"/>
+          </a:xfrm>
+          <a:prstGeom prst="rect">
+            <a:avLst/>
+          </a:prstGeom>
+          <a:solidFill>
+            <a:schemeClr val="accent1"/>
+          </a:solidFill>
+          <a:ln w="12700">
+            <a:solidFill>
+              <a:schemeClr val="tx2">
+                <a:lumMod val="60000"/>
+                <a:lumOff val="40000"/>
+              </a:schemeClr>
+            </a:solidFill>
+            <a:miter lim="800000"/>
+            <a:headEnd/>
+            <a:tailEnd/>
+          </a:ln>
+          <a:effectLst/>
+          <a:extLst>
+            <a:ext uri="{AF507438-7753-43E0-B8FC-AC1667EBCBE1}">
+              <a14:hiddenEffects xmlns:a14="http://schemas.microsoft.com/office/drawing/2010/main">
+                <a:effectLst>
+                  <a:outerShdw dist="35921" dir="2700000" algn="ctr" rotWithShape="0">
+                    <a:schemeClr val="bg2"/>
+                  </a:outerShdw>
+                </a:effectLst>
+              </a14:hiddenEffects>
+            </a:ext>
+          </a:extLst>
+        </p:spPr>
+        <p:txBody>
+          <a:bodyPr wrap="none" anchor="ctr"/>
+          <a:lstStyle/>
+          <a:p>
+            <a:r>
+              <a:rPr lang="en-US" dirty="0" err="1" smtClean="0">
+                <a:solidFill>
+                  <a:schemeClr val="bg1"/>
+                </a:solidFill>
+              </a:rPr>
+              <a:t>Màn</a:t>
+            </a:r>
+            <a:r>
+              <a:rPr lang="en-US" dirty="0" smtClean="0">
+                <a:solidFill>
+                  <a:schemeClr val="bg1"/>
+                </a:solidFill>
+              </a:rPr>
+              <a:t> </a:t>
+            </a:r>
+            <a:r>
+              <a:rPr lang="en-US" dirty="0" err="1" smtClean="0">
+                <a:solidFill>
+                  <a:schemeClr val="bg1"/>
+                </a:solidFill>
+              </a:rPr>
+              <a:t>hình</a:t>
+            </a:r>
+            <a:endParaRPr lang="en-US" dirty="0">
+              <a:solidFill>
+                <a:schemeClr val="bg1"/>
+              </a:solidFill>
+            </a:endParaRPr>
+          </a:p>
+        </p:txBody>
+      </p:sp>
+      <p:sp>
+        <p:nvSpPr>
+          <p:cNvPr id="7" name="Rectangle 6"/>
+          <p:cNvSpPr>
+            <a:spLocks noChangeArrowheads="1"/>
+          </p:cNvSpPr>
+          <p:nvPr/>
+        </p:nvSpPr>
+        <p:spPr bwMode="auto">
+          <a:xfrm>
+            <a:off x="2612220" y="2938379"/>
+            <a:ext cx="1732507" cy="444500"/>
+          </a:xfrm>
+          <a:prstGeom prst="rect">
+            <a:avLst/>
+          </a:prstGeom>
+          <a:solidFill>
+            <a:schemeClr val="accent1"/>
+          </a:solidFill>
+          <a:ln w="12700">
+            <a:solidFill>
+              <a:schemeClr val="tx2">
+                <a:lumMod val="60000"/>
+                <a:lumOff val="40000"/>
+              </a:schemeClr>
+            </a:solidFill>
+            <a:miter lim="800000"/>
+            <a:headEnd/>
+            <a:tailEnd/>
+          </a:ln>
+          <a:effectLst/>
+          <a:extLst>
+            <a:ext uri="{AF507438-7753-43E0-B8FC-AC1667EBCBE1}">
+              <a14:hiddenEffects xmlns:a14="http://schemas.microsoft.com/office/drawing/2010/main">
+                <a:effectLst>
+                  <a:outerShdw dist="35921" dir="2700000" algn="ctr" rotWithShape="0">
+                    <a:schemeClr val="bg2"/>
+                  </a:outerShdw>
+                </a:effectLst>
+              </a14:hiddenEffects>
+            </a:ext>
+          </a:extLst>
+        </p:spPr>
+        <p:txBody>
+          <a:bodyPr wrap="none" anchor="ctr"/>
+          <a:lstStyle/>
+          <a:p>
+            <a:pPr algn="ctr"/>
+            <a:r>
+              <a:rPr lang="en-US" dirty="0" err="1" smtClean="0">
+                <a:solidFill>
+                  <a:schemeClr val="bg1"/>
+                </a:solidFill>
+              </a:rPr>
+              <a:t>Hệ</a:t>
+            </a:r>
+            <a:r>
+              <a:rPr lang="en-US" dirty="0" smtClean="0">
+                <a:solidFill>
+                  <a:schemeClr val="bg1"/>
+                </a:solidFill>
+              </a:rPr>
+              <a:t> </a:t>
+            </a:r>
+            <a:r>
+              <a:rPr lang="en-US" dirty="0" err="1" smtClean="0">
+                <a:solidFill>
+                  <a:schemeClr val="bg1"/>
+                </a:solidFill>
+              </a:rPr>
+              <a:t>điều</a:t>
+            </a:r>
+            <a:r>
+              <a:rPr lang="en-US" dirty="0" smtClean="0">
+                <a:solidFill>
+                  <a:schemeClr val="bg1"/>
+                </a:solidFill>
+              </a:rPr>
+              <a:t> </a:t>
+            </a:r>
+            <a:r>
+              <a:rPr lang="en-US" dirty="0" err="1" smtClean="0">
+                <a:solidFill>
+                  <a:schemeClr val="bg1"/>
+                </a:solidFill>
+              </a:rPr>
+              <a:t>hành</a:t>
+            </a:r>
+            <a:endParaRPr lang="en-US" dirty="0">
+              <a:solidFill>
+                <a:schemeClr val="bg1"/>
+              </a:solidFill>
+            </a:endParaRPr>
+          </a:p>
+        </p:txBody>
+      </p:sp>
+      <p:sp>
+        <p:nvSpPr>
+          <p:cNvPr id="9" name="Rectangle 8"/>
+          <p:cNvSpPr>
+            <a:spLocks noChangeArrowheads="1"/>
+          </p:cNvSpPr>
+          <p:nvPr/>
+        </p:nvSpPr>
+        <p:spPr bwMode="auto">
+          <a:xfrm>
+            <a:off x="2917207" y="3932849"/>
+            <a:ext cx="1492152" cy="444500"/>
+          </a:xfrm>
+          <a:prstGeom prst="rect">
+            <a:avLst/>
+          </a:prstGeom>
+          <a:solidFill>
+            <a:schemeClr val="accent1"/>
+          </a:solidFill>
+          <a:ln w="12700">
+            <a:solidFill>
+              <a:schemeClr val="tx2">
+                <a:lumMod val="60000"/>
+                <a:lumOff val="40000"/>
+              </a:schemeClr>
+            </a:solidFill>
+            <a:miter lim="800000"/>
+            <a:headEnd/>
+            <a:tailEnd/>
+          </a:ln>
+          <a:effectLst/>
+          <a:extLst>
+            <a:ext uri="{AF507438-7753-43E0-B8FC-AC1667EBCBE1}">
+              <a14:hiddenEffects xmlns:a14="http://schemas.microsoft.com/office/drawing/2010/main">
+                <a:effectLst>
+                  <a:outerShdw dist="35921" dir="2700000" algn="ctr" rotWithShape="0">
+                    <a:schemeClr val="bg2"/>
+                  </a:outerShdw>
+                </a:effectLst>
+              </a14:hiddenEffects>
+            </a:ext>
+          </a:extLst>
+        </p:spPr>
+        <p:txBody>
+          <a:bodyPr wrap="none" anchor="ctr"/>
+          <a:lstStyle/>
+          <a:p>
+            <a:pPr algn="ctr"/>
+            <a:r>
+              <a:rPr lang="en-US" dirty="0" smtClean="0">
+                <a:solidFill>
+                  <a:schemeClr val="bg1"/>
+                </a:solidFill>
+              </a:rPr>
+              <a:t>Android</a:t>
+            </a:r>
+            <a:endParaRPr lang="en-US" dirty="0">
+              <a:solidFill>
+                <a:schemeClr val="bg1"/>
+              </a:solidFill>
+            </a:endParaRPr>
+          </a:p>
+        </p:txBody>
+      </p:sp>
+      <p:cxnSp>
+        <p:nvCxnSpPr>
+          <p:cNvPr id="13" name="Straight Connector 12"/>
+          <p:cNvCxnSpPr>
+            <a:stCxn id="4" idx="2"/>
+            <a:endCxn id="5" idx="0"/>
+          </p:cNvCxnSpPr>
+          <p:nvPr/>
+        </p:nvCxnSpPr>
+        <p:spPr>
+          <a:xfrm flipH="1">
+            <a:off x="1393207" y="2471305"/>
+            <a:ext cx="762001" cy="467074"/>
+          </a:xfrm>
+          <a:prstGeom prst="line">
+            <a:avLst/>
+          </a:prstGeom>
+          <a:ln>
+            <a:solidFill>
+              <a:schemeClr val="tx2">
+                <a:lumMod val="60000"/>
+                <a:lumOff val="40000"/>
+              </a:schemeClr>
+            </a:solidFill>
+          </a:ln>
+        </p:spPr>
+        <p:style>
+          <a:lnRef idx="1">
+            <a:schemeClr val="accent1"/>
+          </a:lnRef>
+          <a:fillRef idx="0">
+            <a:schemeClr val="accent1"/>
+          </a:fillRef>
+          <a:effectRef idx="0">
+            <a:schemeClr val="accent1"/>
+          </a:effectRef>
+          <a:fontRef idx="minor">
+            <a:schemeClr val="tx1"/>
+          </a:fontRef>
+        </p:style>
+      </p:cxnSp>
+      <p:cxnSp>
+        <p:nvCxnSpPr>
+          <p:cNvPr id="15" name="Straight Connector 14"/>
+          <p:cNvCxnSpPr>
+            <a:stCxn id="4" idx="2"/>
+            <a:endCxn id="7" idx="0"/>
+          </p:cNvCxnSpPr>
+          <p:nvPr/>
+        </p:nvCxnSpPr>
+        <p:spPr>
+          <a:xfrm>
+            <a:off x="2155208" y="2471305"/>
+            <a:ext cx="1323266" cy="467074"/>
+          </a:xfrm>
+          <a:prstGeom prst="line">
+            <a:avLst/>
+          </a:prstGeom>
+          <a:ln>
+            <a:solidFill>
+              <a:schemeClr val="tx2">
+                <a:lumMod val="60000"/>
+                <a:lumOff val="40000"/>
+              </a:schemeClr>
+            </a:solidFill>
+          </a:ln>
+        </p:spPr>
+        <p:style>
+          <a:lnRef idx="1">
+            <a:schemeClr val="accent1"/>
+          </a:lnRef>
+          <a:fillRef idx="0">
+            <a:schemeClr val="accent1"/>
+          </a:fillRef>
+          <a:effectRef idx="0">
+            <a:schemeClr val="accent1"/>
+          </a:effectRef>
+          <a:fontRef idx="minor">
+            <a:schemeClr val="tx1"/>
+          </a:fontRef>
+        </p:style>
+      </p:cxnSp>
+      <p:cxnSp>
+        <p:nvCxnSpPr>
+          <p:cNvPr id="17" name="Straight Connector 16"/>
+          <p:cNvCxnSpPr>
+            <a:stCxn id="7" idx="2"/>
+            <a:endCxn id="9" idx="0"/>
+          </p:cNvCxnSpPr>
+          <p:nvPr/>
+        </p:nvCxnSpPr>
+        <p:spPr>
+          <a:xfrm>
+            <a:off x="3478474" y="3382879"/>
+            <a:ext cx="184809" cy="549970"/>
+          </a:xfrm>
+          <a:prstGeom prst="line">
+            <a:avLst/>
+          </a:prstGeom>
+          <a:ln>
+            <a:solidFill>
+              <a:schemeClr val="tx2">
+                <a:lumMod val="60000"/>
+                <a:lumOff val="40000"/>
+              </a:schemeClr>
+            </a:solidFill>
+          </a:ln>
+        </p:spPr>
+        <p:style>
+          <a:lnRef idx="1">
+            <a:schemeClr val="accent1"/>
+          </a:lnRef>
+          <a:fillRef idx="0">
+            <a:schemeClr val="accent1"/>
+          </a:fillRef>
+          <a:effectRef idx="0">
+            <a:schemeClr val="accent1"/>
+          </a:effectRef>
+          <a:fontRef idx="minor">
+            <a:schemeClr val="tx1"/>
+          </a:fontRef>
+        </p:style>
+      </p:cxnSp>
+      <p:sp>
+        <p:nvSpPr>
+          <p:cNvPr id="24" name="Rectangle 23"/>
+          <p:cNvSpPr>
+            <a:spLocks noChangeArrowheads="1"/>
+          </p:cNvSpPr>
+          <p:nvPr/>
+        </p:nvSpPr>
+        <p:spPr bwMode="auto">
+          <a:xfrm>
+            <a:off x="222818" y="3970129"/>
+            <a:ext cx="1224981" cy="444500"/>
+          </a:xfrm>
+          <a:prstGeom prst="rect">
+            <a:avLst/>
+          </a:prstGeom>
+          <a:solidFill>
+            <a:schemeClr val="accent1"/>
+          </a:solidFill>
+          <a:ln w="12700">
+            <a:solidFill>
+              <a:schemeClr val="tx2">
+                <a:lumMod val="60000"/>
+                <a:lumOff val="40000"/>
+              </a:schemeClr>
+            </a:solidFill>
+            <a:miter lim="800000"/>
+            <a:headEnd/>
+            <a:tailEnd/>
+          </a:ln>
+          <a:effectLst/>
+          <a:extLst>
+            <a:ext uri="{AF507438-7753-43E0-B8FC-AC1667EBCBE1}">
+              <a14:hiddenEffects xmlns:a14="http://schemas.microsoft.com/office/drawing/2010/main">
+                <a:effectLst>
+                  <a:outerShdw dist="35921" dir="2700000" algn="ctr" rotWithShape="0">
+                    <a:schemeClr val="bg2"/>
+                  </a:outerShdw>
+                </a:effectLst>
+              </a14:hiddenEffects>
+            </a:ext>
+          </a:extLst>
+        </p:spPr>
+        <p:txBody>
+          <a:bodyPr wrap="none" anchor="ctr"/>
+          <a:lstStyle/>
+          <a:p>
+            <a:pPr algn="ctr"/>
+            <a:r>
+              <a:rPr lang="en-US" dirty="0" err="1" smtClean="0">
+                <a:solidFill>
+                  <a:schemeClr val="bg1"/>
+                </a:solidFill>
+              </a:rPr>
+              <a:t>Cảm</a:t>
+            </a:r>
+            <a:r>
+              <a:rPr lang="en-US" dirty="0" smtClean="0">
+                <a:solidFill>
+                  <a:schemeClr val="bg1"/>
+                </a:solidFill>
+              </a:rPr>
+              <a:t> </a:t>
+            </a:r>
+            <a:r>
+              <a:rPr lang="en-US" dirty="0" err="1" smtClean="0">
+                <a:solidFill>
+                  <a:schemeClr val="bg1"/>
+                </a:solidFill>
+              </a:rPr>
+              <a:t>ứng</a:t>
+            </a:r>
+            <a:endParaRPr lang="en-US" dirty="0">
+              <a:solidFill>
+                <a:schemeClr val="bg1"/>
+              </a:solidFill>
+            </a:endParaRPr>
+          </a:p>
+        </p:txBody>
+      </p:sp>
+      <p:cxnSp>
+        <p:nvCxnSpPr>
+          <p:cNvPr id="25" name="Straight Connector 24"/>
+          <p:cNvCxnSpPr>
+            <a:stCxn id="5" idx="2"/>
+          </p:cNvCxnSpPr>
+          <p:nvPr/>
+        </p:nvCxnSpPr>
+        <p:spPr>
+          <a:xfrm flipH="1">
+            <a:off x="780717" y="3382879"/>
+            <a:ext cx="612490" cy="587250"/>
+          </a:xfrm>
+          <a:prstGeom prst="line">
+            <a:avLst/>
+          </a:prstGeom>
+          <a:ln>
+            <a:solidFill>
+              <a:schemeClr val="tx2">
+                <a:lumMod val="60000"/>
+                <a:lumOff val="40000"/>
+              </a:schemeClr>
+            </a:solidFill>
+          </a:ln>
+        </p:spPr>
+        <p:style>
+          <a:lnRef idx="1">
+            <a:schemeClr val="accent1"/>
+          </a:lnRef>
+          <a:fillRef idx="0">
+            <a:schemeClr val="accent1"/>
+          </a:fillRef>
+          <a:effectRef idx="0">
+            <a:schemeClr val="accent1"/>
+          </a:effectRef>
+          <a:fontRef idx="minor">
+            <a:schemeClr val="tx1"/>
+          </a:fontRef>
+        </p:style>
+      </p:cxnSp>
+      <p:sp>
+        <p:nvSpPr>
+          <p:cNvPr id="45" name="Rectangle 44"/>
+          <p:cNvSpPr>
+            <a:spLocks noChangeArrowheads="1"/>
+          </p:cNvSpPr>
+          <p:nvPr/>
+        </p:nvSpPr>
+        <p:spPr bwMode="auto">
+          <a:xfrm>
+            <a:off x="1826856" y="3947866"/>
+            <a:ext cx="596900" cy="444500"/>
+          </a:xfrm>
+          <a:prstGeom prst="rect">
+            <a:avLst/>
+          </a:prstGeom>
+          <a:solidFill>
+            <a:schemeClr val="accent1"/>
+          </a:solidFill>
+          <a:ln w="12700">
+            <a:solidFill>
+              <a:schemeClr val="tx2">
+                <a:lumMod val="60000"/>
+                <a:lumOff val="40000"/>
+              </a:schemeClr>
+            </a:solidFill>
+            <a:miter lim="800000"/>
+            <a:headEnd/>
+            <a:tailEnd/>
+          </a:ln>
+          <a:effectLst/>
+          <a:extLst>
+            <a:ext uri="{AF507438-7753-43E0-B8FC-AC1667EBCBE1}">
+              <a14:hiddenEffects xmlns:a14="http://schemas.microsoft.com/office/drawing/2010/main">
+                <a:effectLst>
+                  <a:outerShdw dist="35921" dir="2700000" algn="ctr" rotWithShape="0">
+                    <a:schemeClr val="bg2"/>
+                  </a:outerShdw>
+                </a:effectLst>
+              </a14:hiddenEffects>
+            </a:ext>
+          </a:extLst>
+        </p:spPr>
+        <p:txBody>
+          <a:bodyPr wrap="none" anchor="ctr"/>
+          <a:lstStyle/>
+          <a:p>
+            <a:pPr algn="ctr"/>
+            <a:r>
+              <a:rPr lang="en-US" dirty="0" smtClean="0">
+                <a:solidFill>
+                  <a:schemeClr val="bg1"/>
+                </a:solidFill>
+              </a:rPr>
+              <a:t>5”</a:t>
+            </a:r>
+            <a:endParaRPr lang="en-US" dirty="0">
+              <a:solidFill>
+                <a:schemeClr val="bg1"/>
+              </a:solidFill>
+            </a:endParaRPr>
+          </a:p>
+        </p:txBody>
+      </p:sp>
+      <p:cxnSp>
+        <p:nvCxnSpPr>
+          <p:cNvPr id="46" name="Straight Connector 45"/>
+          <p:cNvCxnSpPr>
+            <a:stCxn id="5" idx="2"/>
+            <a:endCxn id="45" idx="0"/>
+          </p:cNvCxnSpPr>
+          <p:nvPr/>
+        </p:nvCxnSpPr>
+        <p:spPr>
+          <a:xfrm>
+            <a:off x="1393207" y="3382879"/>
+            <a:ext cx="732099" cy="564987"/>
+          </a:xfrm>
+          <a:prstGeom prst="line">
+            <a:avLst/>
+          </a:prstGeom>
+          <a:ln>
+            <a:solidFill>
+              <a:schemeClr val="tx2">
+                <a:lumMod val="60000"/>
+                <a:lumOff val="40000"/>
+              </a:schemeClr>
+            </a:solidFill>
+          </a:ln>
+        </p:spPr>
+        <p:style>
+          <a:lnRef idx="1">
+            <a:schemeClr val="accent1"/>
+          </a:lnRef>
+          <a:fillRef idx="0">
+            <a:schemeClr val="accent1"/>
+          </a:fillRef>
+          <a:effectRef idx="0">
+            <a:schemeClr val="accent1"/>
+          </a:effectRef>
+          <a:fontRef idx="minor">
+            <a:schemeClr val="tx1"/>
+          </a:fontRef>
+        </p:style>
+      </p:cxnSp>
+      <p:sp>
+        <p:nvSpPr>
+          <p:cNvPr id="63" name="Rectangle 62"/>
+          <p:cNvSpPr>
+            <a:spLocks noChangeArrowheads="1"/>
+          </p:cNvSpPr>
+          <p:nvPr/>
+        </p:nvSpPr>
+        <p:spPr bwMode="auto">
+          <a:xfrm>
+            <a:off x="5487226" y="1984183"/>
+            <a:ext cx="1830245" cy="444500"/>
+          </a:xfrm>
+          <a:prstGeom prst="rect">
+            <a:avLst/>
+          </a:prstGeom>
+          <a:solidFill>
+            <a:schemeClr val="accent1"/>
+          </a:solidFill>
+          <a:ln w="12700">
+            <a:solidFill>
+              <a:schemeClr val="tx2">
+                <a:lumMod val="60000"/>
+                <a:lumOff val="40000"/>
+              </a:schemeClr>
+            </a:solidFill>
+            <a:miter lim="800000"/>
+            <a:headEnd/>
+            <a:tailEnd/>
+          </a:ln>
+          <a:effectLst/>
+          <a:extLst>
+            <a:ext uri="{AF507438-7753-43E0-B8FC-AC1667EBCBE1}">
+              <a14:hiddenEffects xmlns:a14="http://schemas.microsoft.com/office/drawing/2010/main">
+                <a:effectLst>
+                  <a:outerShdw dist="35921" dir="2700000" algn="ctr" rotWithShape="0">
+                    <a:schemeClr val="bg2"/>
+                  </a:outerShdw>
+                </a:effectLst>
+              </a14:hiddenEffects>
+            </a:ext>
+          </a:extLst>
+        </p:spPr>
+        <p:txBody>
+          <a:bodyPr wrap="none" anchor="ctr"/>
+          <a:lstStyle/>
+          <a:p>
+            <a:pPr algn="ctr"/>
+            <a:r>
+              <a:rPr lang="en-US" dirty="0" smtClean="0">
+                <a:solidFill>
+                  <a:schemeClr val="bg1"/>
+                </a:solidFill>
+              </a:rPr>
+              <a:t>Samsung Galaxy S</a:t>
+            </a:r>
+            <a:endParaRPr lang="en-US" dirty="0">
+              <a:solidFill>
+                <a:schemeClr val="bg1"/>
+              </a:solidFill>
+            </a:endParaRPr>
+          </a:p>
+        </p:txBody>
+      </p:sp>
+      <p:sp>
+        <p:nvSpPr>
+          <p:cNvPr id="64" name="Rectangle 63"/>
+          <p:cNvSpPr>
+            <a:spLocks noChangeArrowheads="1"/>
+          </p:cNvSpPr>
+          <p:nvPr/>
+        </p:nvSpPr>
+        <p:spPr bwMode="auto">
+          <a:xfrm>
+            <a:off x="5142074" y="2895757"/>
+            <a:ext cx="1302793" cy="444500"/>
+          </a:xfrm>
+          <a:prstGeom prst="rect">
+            <a:avLst/>
+          </a:prstGeom>
+          <a:solidFill>
+            <a:schemeClr val="accent1"/>
+          </a:solidFill>
+          <a:ln w="12700">
+            <a:solidFill>
+              <a:schemeClr val="tx2">
+                <a:lumMod val="60000"/>
+                <a:lumOff val="40000"/>
+              </a:schemeClr>
+            </a:solidFill>
+            <a:miter lim="800000"/>
+            <a:headEnd/>
+            <a:tailEnd/>
+          </a:ln>
+          <a:effectLst/>
+          <a:extLst>
+            <a:ext uri="{AF507438-7753-43E0-B8FC-AC1667EBCBE1}">
+              <a14:hiddenEffects xmlns:a14="http://schemas.microsoft.com/office/drawing/2010/main">
+                <a:effectLst>
+                  <a:outerShdw dist="35921" dir="2700000" algn="ctr" rotWithShape="0">
+                    <a:schemeClr val="bg2"/>
+                  </a:outerShdw>
+                </a:effectLst>
+              </a14:hiddenEffects>
+            </a:ext>
+          </a:extLst>
+        </p:spPr>
+        <p:txBody>
+          <a:bodyPr wrap="none" anchor="ctr"/>
+          <a:lstStyle/>
+          <a:p>
+            <a:r>
+              <a:rPr lang="en-US" dirty="0" err="1" smtClean="0">
+                <a:solidFill>
+                  <a:schemeClr val="bg1"/>
+                </a:solidFill>
+              </a:rPr>
+              <a:t>Màn</a:t>
+            </a:r>
+            <a:r>
+              <a:rPr lang="en-US" dirty="0" smtClean="0">
+                <a:solidFill>
+                  <a:schemeClr val="bg1"/>
+                </a:solidFill>
+              </a:rPr>
+              <a:t> </a:t>
+            </a:r>
+            <a:r>
+              <a:rPr lang="en-US" dirty="0" err="1" smtClean="0">
+                <a:solidFill>
+                  <a:schemeClr val="bg1"/>
+                </a:solidFill>
+              </a:rPr>
+              <a:t>hình</a:t>
+            </a:r>
+            <a:endParaRPr lang="en-US" dirty="0">
+              <a:solidFill>
+                <a:schemeClr val="bg1"/>
+              </a:solidFill>
+            </a:endParaRPr>
+          </a:p>
+        </p:txBody>
+      </p:sp>
+      <p:sp>
+        <p:nvSpPr>
+          <p:cNvPr id="65" name="Rectangle 64"/>
+          <p:cNvSpPr>
+            <a:spLocks noChangeArrowheads="1"/>
+          </p:cNvSpPr>
+          <p:nvPr/>
+        </p:nvSpPr>
+        <p:spPr bwMode="auto">
+          <a:xfrm>
+            <a:off x="6626837" y="2895757"/>
+            <a:ext cx="1732507" cy="444500"/>
+          </a:xfrm>
+          <a:prstGeom prst="rect">
+            <a:avLst/>
+          </a:prstGeom>
+          <a:solidFill>
+            <a:schemeClr val="accent1"/>
+          </a:solidFill>
+          <a:ln w="12700">
+            <a:solidFill>
+              <a:schemeClr val="tx2">
+                <a:lumMod val="60000"/>
+                <a:lumOff val="40000"/>
+              </a:schemeClr>
+            </a:solidFill>
+            <a:miter lim="800000"/>
+            <a:headEnd/>
+            <a:tailEnd/>
+          </a:ln>
+          <a:effectLst/>
+          <a:extLst>
+            <a:ext uri="{AF507438-7753-43E0-B8FC-AC1667EBCBE1}">
+              <a14:hiddenEffects xmlns:a14="http://schemas.microsoft.com/office/drawing/2010/main">
+                <a:effectLst>
+                  <a:outerShdw dist="35921" dir="2700000" algn="ctr" rotWithShape="0">
+                    <a:schemeClr val="bg2"/>
+                  </a:outerShdw>
+                </a:effectLst>
+              </a14:hiddenEffects>
+            </a:ext>
+          </a:extLst>
+        </p:spPr>
+        <p:txBody>
+          <a:bodyPr wrap="none" anchor="ctr"/>
+          <a:lstStyle/>
+          <a:p>
+            <a:pPr algn="ctr"/>
+            <a:r>
+              <a:rPr lang="en-US" dirty="0" err="1" smtClean="0">
+                <a:solidFill>
+                  <a:schemeClr val="bg1"/>
+                </a:solidFill>
+              </a:rPr>
+              <a:t>Hệ</a:t>
+            </a:r>
+            <a:r>
+              <a:rPr lang="en-US" dirty="0" smtClean="0">
+                <a:solidFill>
+                  <a:schemeClr val="bg1"/>
+                </a:solidFill>
+              </a:rPr>
+              <a:t> </a:t>
+            </a:r>
+            <a:r>
+              <a:rPr lang="en-US" dirty="0" err="1" smtClean="0">
+                <a:solidFill>
+                  <a:schemeClr val="bg1"/>
+                </a:solidFill>
+              </a:rPr>
+              <a:t>điều</a:t>
+            </a:r>
+            <a:r>
+              <a:rPr lang="en-US" dirty="0" smtClean="0">
+                <a:solidFill>
+                  <a:schemeClr val="bg1"/>
+                </a:solidFill>
+              </a:rPr>
+              <a:t> </a:t>
+            </a:r>
+            <a:r>
+              <a:rPr lang="en-US" dirty="0" err="1" smtClean="0">
+                <a:solidFill>
+                  <a:schemeClr val="bg1"/>
+                </a:solidFill>
+              </a:rPr>
+              <a:t>hành</a:t>
+            </a:r>
+            <a:endParaRPr lang="en-US" dirty="0">
+              <a:solidFill>
+                <a:schemeClr val="bg1"/>
+              </a:solidFill>
+            </a:endParaRPr>
+          </a:p>
+        </p:txBody>
+      </p:sp>
+      <p:sp>
+        <p:nvSpPr>
+          <p:cNvPr id="66" name="Rectangle 65"/>
+          <p:cNvSpPr>
+            <a:spLocks noChangeArrowheads="1"/>
+          </p:cNvSpPr>
+          <p:nvPr/>
+        </p:nvSpPr>
+        <p:spPr bwMode="auto">
+          <a:xfrm>
+            <a:off x="7317471" y="3890227"/>
+            <a:ext cx="1492152" cy="444500"/>
+          </a:xfrm>
+          <a:prstGeom prst="rect">
+            <a:avLst/>
+          </a:prstGeom>
+          <a:solidFill>
+            <a:schemeClr val="accent1"/>
+          </a:solidFill>
+          <a:ln w="12700">
+            <a:solidFill>
+              <a:schemeClr val="tx2">
+                <a:lumMod val="60000"/>
+                <a:lumOff val="40000"/>
+              </a:schemeClr>
+            </a:solidFill>
+            <a:miter lim="800000"/>
+            <a:headEnd/>
+            <a:tailEnd/>
+          </a:ln>
+          <a:effectLst/>
+          <a:extLst>
+            <a:ext uri="{AF507438-7753-43E0-B8FC-AC1667EBCBE1}">
+              <a14:hiddenEffects xmlns:a14="http://schemas.microsoft.com/office/drawing/2010/main">
+                <a:effectLst>
+                  <a:outerShdw dist="35921" dir="2700000" algn="ctr" rotWithShape="0">
+                    <a:schemeClr val="bg2"/>
+                  </a:outerShdw>
+                </a:effectLst>
+              </a14:hiddenEffects>
+            </a:ext>
+          </a:extLst>
+        </p:spPr>
+        <p:txBody>
+          <a:bodyPr wrap="none" anchor="ctr"/>
+          <a:lstStyle/>
+          <a:p>
+            <a:pPr algn="ctr"/>
+            <a:r>
+              <a:rPr lang="en-US" dirty="0" smtClean="0">
+                <a:solidFill>
+                  <a:schemeClr val="bg1"/>
+                </a:solidFill>
+              </a:rPr>
+              <a:t>Android</a:t>
+            </a:r>
+            <a:endParaRPr lang="en-US" dirty="0">
+              <a:solidFill>
+                <a:schemeClr val="bg1"/>
+              </a:solidFill>
+            </a:endParaRPr>
+          </a:p>
+        </p:txBody>
+      </p:sp>
+      <p:cxnSp>
+        <p:nvCxnSpPr>
+          <p:cNvPr id="67" name="Straight Connector 66"/>
+          <p:cNvCxnSpPr>
+            <a:stCxn id="63" idx="2"/>
+            <a:endCxn id="64" idx="0"/>
+          </p:cNvCxnSpPr>
+          <p:nvPr/>
+        </p:nvCxnSpPr>
+        <p:spPr>
+          <a:xfrm flipH="1">
+            <a:off x="5793471" y="2428683"/>
+            <a:ext cx="608878" cy="467074"/>
+          </a:xfrm>
+          <a:prstGeom prst="line">
+            <a:avLst/>
+          </a:prstGeom>
+          <a:ln>
+            <a:solidFill>
+              <a:schemeClr val="tx2">
+                <a:lumMod val="60000"/>
+                <a:lumOff val="40000"/>
+              </a:schemeClr>
+            </a:solidFill>
+          </a:ln>
+        </p:spPr>
+        <p:style>
+          <a:lnRef idx="1">
+            <a:schemeClr val="accent1"/>
+          </a:lnRef>
+          <a:fillRef idx="0">
+            <a:schemeClr val="accent1"/>
+          </a:fillRef>
+          <a:effectRef idx="0">
+            <a:schemeClr val="accent1"/>
+          </a:effectRef>
+          <a:fontRef idx="minor">
+            <a:schemeClr val="tx1"/>
+          </a:fontRef>
+        </p:style>
+      </p:cxnSp>
+      <p:cxnSp>
+        <p:nvCxnSpPr>
+          <p:cNvPr id="68" name="Straight Connector 67"/>
+          <p:cNvCxnSpPr>
+            <a:stCxn id="63" idx="2"/>
+            <a:endCxn id="65" idx="0"/>
+          </p:cNvCxnSpPr>
+          <p:nvPr/>
+        </p:nvCxnSpPr>
+        <p:spPr>
+          <a:xfrm>
+            <a:off x="6402349" y="2428683"/>
+            <a:ext cx="1090742" cy="467074"/>
+          </a:xfrm>
+          <a:prstGeom prst="line">
+            <a:avLst/>
+          </a:prstGeom>
+          <a:ln>
+            <a:solidFill>
+              <a:schemeClr val="tx2">
+                <a:lumMod val="60000"/>
+                <a:lumOff val="40000"/>
+              </a:schemeClr>
+            </a:solidFill>
+          </a:ln>
+        </p:spPr>
+        <p:style>
+          <a:lnRef idx="1">
+            <a:schemeClr val="accent1"/>
+          </a:lnRef>
+          <a:fillRef idx="0">
+            <a:schemeClr val="accent1"/>
+          </a:fillRef>
+          <a:effectRef idx="0">
+            <a:schemeClr val="accent1"/>
+          </a:effectRef>
+          <a:fontRef idx="minor">
+            <a:schemeClr val="tx1"/>
+          </a:fontRef>
+        </p:style>
+      </p:cxnSp>
+      <p:cxnSp>
+        <p:nvCxnSpPr>
+          <p:cNvPr id="69" name="Straight Connector 68"/>
+          <p:cNvCxnSpPr>
+            <a:stCxn id="65" idx="2"/>
+            <a:endCxn id="66" idx="0"/>
+          </p:cNvCxnSpPr>
+          <p:nvPr/>
+        </p:nvCxnSpPr>
+        <p:spPr>
+          <a:xfrm>
+            <a:off x="7493091" y="3340257"/>
+            <a:ext cx="570456" cy="549970"/>
+          </a:xfrm>
+          <a:prstGeom prst="line">
+            <a:avLst/>
+          </a:prstGeom>
+          <a:ln>
+            <a:solidFill>
+              <a:schemeClr val="tx2">
+                <a:lumMod val="60000"/>
+                <a:lumOff val="40000"/>
+              </a:schemeClr>
+            </a:solidFill>
+          </a:ln>
+        </p:spPr>
+        <p:style>
+          <a:lnRef idx="1">
+            <a:schemeClr val="accent1"/>
+          </a:lnRef>
+          <a:fillRef idx="0">
+            <a:schemeClr val="accent1"/>
+          </a:fillRef>
+          <a:effectRef idx="0">
+            <a:schemeClr val="accent1"/>
+          </a:effectRef>
+          <a:fontRef idx="minor">
+            <a:schemeClr val="tx1"/>
+          </a:fontRef>
+        </p:style>
+      </p:cxnSp>
+      <p:sp>
+        <p:nvSpPr>
+          <p:cNvPr id="70" name="Rectangle 69"/>
+          <p:cNvSpPr>
+            <a:spLocks noChangeArrowheads="1"/>
+          </p:cNvSpPr>
+          <p:nvPr/>
+        </p:nvSpPr>
+        <p:spPr bwMode="auto">
+          <a:xfrm>
+            <a:off x="4568490" y="3927507"/>
+            <a:ext cx="1224981" cy="444500"/>
+          </a:xfrm>
+          <a:prstGeom prst="rect">
+            <a:avLst/>
+          </a:prstGeom>
+          <a:solidFill>
+            <a:schemeClr val="accent1"/>
+          </a:solidFill>
+          <a:ln w="12700">
+            <a:solidFill>
+              <a:schemeClr val="tx2">
+                <a:lumMod val="60000"/>
+                <a:lumOff val="40000"/>
+              </a:schemeClr>
+            </a:solidFill>
+            <a:miter lim="800000"/>
+            <a:headEnd/>
+            <a:tailEnd/>
+          </a:ln>
+          <a:effectLst/>
+          <a:extLst>
+            <a:ext uri="{AF507438-7753-43E0-B8FC-AC1667EBCBE1}">
+              <a14:hiddenEffects xmlns:a14="http://schemas.microsoft.com/office/drawing/2010/main">
+                <a:effectLst>
+                  <a:outerShdw dist="35921" dir="2700000" algn="ctr" rotWithShape="0">
+                    <a:schemeClr val="bg2"/>
+                  </a:outerShdw>
+                </a:effectLst>
+              </a14:hiddenEffects>
+            </a:ext>
+          </a:extLst>
+        </p:spPr>
+        <p:txBody>
+          <a:bodyPr wrap="none" anchor="ctr"/>
+          <a:lstStyle/>
+          <a:p>
+            <a:pPr algn="ctr"/>
+            <a:r>
+              <a:rPr lang="en-US" dirty="0" err="1" smtClean="0">
+                <a:solidFill>
+                  <a:schemeClr val="bg1"/>
+                </a:solidFill>
+              </a:rPr>
+              <a:t>Cảm</a:t>
+            </a:r>
+            <a:r>
+              <a:rPr lang="en-US" dirty="0" smtClean="0">
+                <a:solidFill>
+                  <a:schemeClr val="bg1"/>
+                </a:solidFill>
+              </a:rPr>
+              <a:t> </a:t>
+            </a:r>
+            <a:r>
+              <a:rPr lang="en-US" dirty="0" err="1" smtClean="0">
+                <a:solidFill>
+                  <a:schemeClr val="bg1"/>
+                </a:solidFill>
+              </a:rPr>
+              <a:t>ứng</a:t>
+            </a:r>
+            <a:endParaRPr lang="en-US" dirty="0">
+              <a:solidFill>
+                <a:schemeClr val="bg1"/>
+              </a:solidFill>
+            </a:endParaRPr>
+          </a:p>
+        </p:txBody>
+      </p:sp>
+      <p:cxnSp>
+        <p:nvCxnSpPr>
+          <p:cNvPr id="71" name="Straight Connector 70"/>
+          <p:cNvCxnSpPr>
+            <a:stCxn id="64" idx="2"/>
+            <a:endCxn id="70" idx="0"/>
+          </p:cNvCxnSpPr>
+          <p:nvPr/>
+        </p:nvCxnSpPr>
+        <p:spPr>
+          <a:xfrm flipH="1">
+            <a:off x="5180981" y="3340257"/>
+            <a:ext cx="612490" cy="587250"/>
+          </a:xfrm>
+          <a:prstGeom prst="line">
+            <a:avLst/>
+          </a:prstGeom>
+          <a:ln>
+            <a:solidFill>
+              <a:schemeClr val="tx2">
+                <a:lumMod val="60000"/>
+                <a:lumOff val="40000"/>
+              </a:schemeClr>
+            </a:solidFill>
+          </a:ln>
+        </p:spPr>
+        <p:style>
+          <a:lnRef idx="1">
+            <a:schemeClr val="accent1"/>
+          </a:lnRef>
+          <a:fillRef idx="0">
+            <a:schemeClr val="accent1"/>
+          </a:fillRef>
+          <a:effectRef idx="0">
+            <a:schemeClr val="accent1"/>
+          </a:effectRef>
+          <a:fontRef idx="minor">
+            <a:schemeClr val="tx1"/>
+          </a:fontRef>
+        </p:style>
+      </p:cxnSp>
+      <p:sp>
+        <p:nvSpPr>
+          <p:cNvPr id="72" name="Rectangle 71"/>
+          <p:cNvSpPr>
+            <a:spLocks noChangeArrowheads="1"/>
+          </p:cNvSpPr>
+          <p:nvPr/>
+        </p:nvSpPr>
+        <p:spPr bwMode="auto">
+          <a:xfrm>
+            <a:off x="5932980" y="3905244"/>
+            <a:ext cx="596900" cy="444500"/>
+          </a:xfrm>
+          <a:prstGeom prst="rect">
+            <a:avLst/>
+          </a:prstGeom>
+          <a:solidFill>
+            <a:schemeClr val="accent1"/>
+          </a:solidFill>
+          <a:ln w="12700">
+            <a:solidFill>
+              <a:schemeClr val="tx2">
+                <a:lumMod val="60000"/>
+                <a:lumOff val="40000"/>
+              </a:schemeClr>
+            </a:solidFill>
+            <a:miter lim="800000"/>
+            <a:headEnd/>
+            <a:tailEnd/>
+          </a:ln>
+          <a:effectLst/>
+          <a:extLst>
+            <a:ext uri="{AF507438-7753-43E0-B8FC-AC1667EBCBE1}">
+              <a14:hiddenEffects xmlns:a14="http://schemas.microsoft.com/office/drawing/2010/main">
+                <a:effectLst>
+                  <a:outerShdw dist="35921" dir="2700000" algn="ctr" rotWithShape="0">
+                    <a:schemeClr val="bg2"/>
+                  </a:outerShdw>
+                </a:effectLst>
+              </a14:hiddenEffects>
+            </a:ext>
+          </a:extLst>
+        </p:spPr>
+        <p:txBody>
+          <a:bodyPr wrap="none" anchor="ctr"/>
+          <a:lstStyle/>
+          <a:p>
+            <a:pPr algn="ctr"/>
+            <a:r>
+              <a:rPr lang="en-US" dirty="0" smtClean="0">
+                <a:solidFill>
+                  <a:schemeClr val="bg1"/>
+                </a:solidFill>
+              </a:rPr>
+              <a:t>5”</a:t>
+            </a:r>
+            <a:endParaRPr lang="en-US" dirty="0">
+              <a:solidFill>
+                <a:schemeClr val="bg1"/>
+              </a:solidFill>
+            </a:endParaRPr>
+          </a:p>
+        </p:txBody>
+      </p:sp>
+      <p:cxnSp>
+        <p:nvCxnSpPr>
+          <p:cNvPr id="73" name="Straight Connector 72"/>
+          <p:cNvCxnSpPr>
+            <a:stCxn id="64" idx="2"/>
+            <a:endCxn id="72" idx="0"/>
+          </p:cNvCxnSpPr>
+          <p:nvPr/>
+        </p:nvCxnSpPr>
+        <p:spPr>
+          <a:xfrm>
+            <a:off x="5793471" y="3340257"/>
+            <a:ext cx="437959" cy="564987"/>
+          </a:xfrm>
+          <a:prstGeom prst="line">
+            <a:avLst/>
+          </a:prstGeom>
+          <a:ln>
+            <a:solidFill>
+              <a:schemeClr val="tx2">
+                <a:lumMod val="60000"/>
+                <a:lumOff val="40000"/>
+              </a:schemeClr>
+            </a:solidFill>
+          </a:ln>
+        </p:spPr>
+        <p:style>
+          <a:lnRef idx="1">
+            <a:schemeClr val="accent1"/>
+          </a:lnRef>
+          <a:fillRef idx="0">
+            <a:schemeClr val="accent1"/>
+          </a:fillRef>
+          <a:effectRef idx="0">
+            <a:schemeClr val="accent1"/>
+          </a:effectRef>
+          <a:fontRef idx="minor">
+            <a:schemeClr val="tx1"/>
+          </a:fontRef>
+        </p:style>
+      </p:cxnSp>
+      <p:sp>
+        <p:nvSpPr>
+          <p:cNvPr id="76" name="Rectangle 75"/>
+          <p:cNvSpPr>
+            <a:spLocks noChangeArrowheads="1"/>
+          </p:cNvSpPr>
+          <p:nvPr/>
+        </p:nvSpPr>
+        <p:spPr bwMode="auto">
+          <a:xfrm>
+            <a:off x="6626837" y="3890227"/>
+            <a:ext cx="596900" cy="444500"/>
+          </a:xfrm>
+          <a:prstGeom prst="rect">
+            <a:avLst/>
+          </a:prstGeom>
+          <a:solidFill>
+            <a:schemeClr val="accent1"/>
+          </a:solidFill>
+          <a:ln w="12700">
+            <a:solidFill>
+              <a:schemeClr val="tx2">
+                <a:lumMod val="60000"/>
+                <a:lumOff val="40000"/>
+              </a:schemeClr>
+            </a:solidFill>
+            <a:miter lim="800000"/>
+            <a:headEnd/>
+            <a:tailEnd/>
+          </a:ln>
+          <a:effectLst/>
+          <a:extLst>
+            <a:ext uri="{AF507438-7753-43E0-B8FC-AC1667EBCBE1}">
+              <a14:hiddenEffects xmlns:a14="http://schemas.microsoft.com/office/drawing/2010/main">
+                <a:effectLst>
+                  <a:outerShdw dist="35921" dir="2700000" algn="ctr" rotWithShape="0">
+                    <a:schemeClr val="bg2"/>
+                  </a:outerShdw>
+                </a:effectLst>
+              </a14:hiddenEffects>
+            </a:ext>
+          </a:extLst>
+        </p:spPr>
+        <p:txBody>
+          <a:bodyPr wrap="none" anchor="ctr"/>
+          <a:lstStyle/>
+          <a:p>
+            <a:pPr algn="ctr"/>
+            <a:r>
+              <a:rPr lang="en-US" dirty="0" smtClean="0">
+                <a:solidFill>
+                  <a:schemeClr val="bg1"/>
+                </a:solidFill>
+              </a:rPr>
+              <a:t>…</a:t>
+            </a:r>
+            <a:endParaRPr lang="en-US" dirty="0">
+              <a:solidFill>
+                <a:schemeClr val="bg1"/>
+              </a:solidFill>
+            </a:endParaRPr>
+          </a:p>
+        </p:txBody>
+      </p:sp>
+      <p:sp>
+        <p:nvSpPr>
+          <p:cNvPr id="81" name="Rectangle 80"/>
+          <p:cNvSpPr>
+            <a:spLocks noChangeArrowheads="1"/>
+          </p:cNvSpPr>
+          <p:nvPr/>
+        </p:nvSpPr>
+        <p:spPr bwMode="auto">
+          <a:xfrm>
+            <a:off x="8511173" y="2906357"/>
+            <a:ext cx="596900" cy="444500"/>
+          </a:xfrm>
+          <a:prstGeom prst="rect">
+            <a:avLst/>
+          </a:prstGeom>
+          <a:solidFill>
+            <a:schemeClr val="accent1"/>
+          </a:solidFill>
+          <a:ln w="12700">
+            <a:solidFill>
+              <a:schemeClr val="tx2">
+                <a:lumMod val="60000"/>
+                <a:lumOff val="40000"/>
+              </a:schemeClr>
+            </a:solidFill>
+            <a:miter lim="800000"/>
+            <a:headEnd/>
+            <a:tailEnd/>
+          </a:ln>
+          <a:effectLst/>
+          <a:extLst>
+            <a:ext uri="{AF507438-7753-43E0-B8FC-AC1667EBCBE1}">
+              <a14:hiddenEffects xmlns:a14="http://schemas.microsoft.com/office/drawing/2010/main">
+                <a:effectLst>
+                  <a:outerShdw dist="35921" dir="2700000" algn="ctr" rotWithShape="0">
+                    <a:schemeClr val="bg2"/>
+                  </a:outerShdw>
+                </a:effectLst>
+              </a14:hiddenEffects>
+            </a:ext>
+          </a:extLst>
+        </p:spPr>
+        <p:txBody>
+          <a:bodyPr wrap="none" anchor="ctr"/>
+          <a:lstStyle/>
+          <a:p>
+            <a:pPr algn="ctr"/>
+            <a:r>
+              <a:rPr lang="en-US" dirty="0" smtClean="0">
+                <a:solidFill>
+                  <a:schemeClr val="bg1"/>
+                </a:solidFill>
+              </a:rPr>
+              <a:t>…</a:t>
+            </a:r>
+            <a:endParaRPr lang="en-US" dirty="0">
+              <a:solidFill>
+                <a:schemeClr val="bg1"/>
+              </a:solidFill>
+            </a:endParaRPr>
+          </a:p>
+        </p:txBody>
+      </p:sp>
+      <p:cxnSp>
+        <p:nvCxnSpPr>
+          <p:cNvPr id="82" name="Straight Connector 81"/>
+          <p:cNvCxnSpPr>
+            <a:stCxn id="64" idx="2"/>
+            <a:endCxn id="76" idx="0"/>
+          </p:cNvCxnSpPr>
+          <p:nvPr/>
+        </p:nvCxnSpPr>
+        <p:spPr>
+          <a:xfrm>
+            <a:off x="5793471" y="3340257"/>
+            <a:ext cx="1131816" cy="549970"/>
+          </a:xfrm>
+          <a:prstGeom prst="line">
+            <a:avLst/>
+          </a:prstGeom>
+          <a:ln>
+            <a:solidFill>
+              <a:schemeClr val="tx2">
+                <a:lumMod val="60000"/>
+                <a:lumOff val="40000"/>
+              </a:schemeClr>
+            </a:solidFill>
+          </a:ln>
+        </p:spPr>
+        <p:style>
+          <a:lnRef idx="1">
+            <a:schemeClr val="accent1"/>
+          </a:lnRef>
+          <a:fillRef idx="0">
+            <a:schemeClr val="accent1"/>
+          </a:fillRef>
+          <a:effectRef idx="0">
+            <a:schemeClr val="accent1"/>
+          </a:effectRef>
+          <a:fontRef idx="minor">
+            <a:schemeClr val="tx1"/>
+          </a:fontRef>
+        </p:style>
+      </p:cxnSp>
+      <p:cxnSp>
+        <p:nvCxnSpPr>
+          <p:cNvPr id="85" name="Straight Connector 84"/>
+          <p:cNvCxnSpPr>
+            <a:stCxn id="63" idx="2"/>
+            <a:endCxn id="81" idx="0"/>
+          </p:cNvCxnSpPr>
+          <p:nvPr/>
+        </p:nvCxnSpPr>
+        <p:spPr>
+          <a:xfrm>
+            <a:off x="6402349" y="2428683"/>
+            <a:ext cx="2407274" cy="477674"/>
+          </a:xfrm>
+          <a:prstGeom prst="line">
+            <a:avLst/>
+          </a:prstGeom>
+          <a:ln>
+            <a:solidFill>
+              <a:schemeClr val="tx2">
+                <a:lumMod val="60000"/>
+                <a:lumOff val="40000"/>
+              </a:schemeClr>
+            </a:solidFill>
+          </a:ln>
+        </p:spPr>
+        <p:style>
+          <a:lnRef idx="1">
+            <a:schemeClr val="accent1"/>
+          </a:lnRef>
+          <a:fillRef idx="0">
+            <a:schemeClr val="accent1"/>
+          </a:fillRef>
+          <a:effectRef idx="0">
+            <a:schemeClr val="accent1"/>
+          </a:effectRef>
+          <a:fontRef idx="minor">
+            <a:schemeClr val="tx1"/>
+          </a:fontRef>
+        </p:style>
+      </p:cxnSp>
+    </p:spTree>
+    <p:extLst>
+      <p:ext uri="{BB962C8B-B14F-4D97-AF65-F5344CB8AC3E}">
+        <p14:creationId xmlns:p14="http://schemas.microsoft.com/office/powerpoint/2010/main" val="3546407529"/>
       </p:ext>
     </p:extLst>
   </p:cSld>

--- a/Documents/Thesis Report Picture.pptx
+++ b/Documents/Thesis Report Picture.pptx
@@ -26,6 +26,7 @@
     <p:sldId id="274" r:id="rId20"/>
     <p:sldId id="275" r:id="rId21"/>
     <p:sldId id="276" r:id="rId22"/>
+    <p:sldId id="277" r:id="rId23"/>
   </p:sldIdLst>
   <p:sldSz cx="9144000" cy="6858000" type="screen4x3"/>
   <p:notesSz cx="6858000" cy="9144000"/>
@@ -5834,7 +5835,7 @@
           <a:p>
             <a:fld id="{AEBC359E-74D2-4BE3-B89B-803EEEC24772}" type="datetimeFigureOut">
               <a:rPr lang="en-US" smtClean="0"/>
-              <a:t>12/19/2011</a:t>
+              <a:t>12/21/2011</a:t>
             </a:fld>
             <a:endParaRPr lang="en-US"/>
           </a:p>
@@ -6004,7 +6005,7 @@
           <a:p>
             <a:fld id="{AEBC359E-74D2-4BE3-B89B-803EEEC24772}" type="datetimeFigureOut">
               <a:rPr lang="en-US" smtClean="0"/>
-              <a:t>12/19/2011</a:t>
+              <a:t>12/21/2011</a:t>
             </a:fld>
             <a:endParaRPr lang="en-US"/>
           </a:p>
@@ -6184,7 +6185,7 @@
           <a:p>
             <a:fld id="{AEBC359E-74D2-4BE3-B89B-803EEEC24772}" type="datetimeFigureOut">
               <a:rPr lang="en-US" smtClean="0"/>
-              <a:t>12/19/2011</a:t>
+              <a:t>12/21/2011</a:t>
             </a:fld>
             <a:endParaRPr lang="en-US"/>
           </a:p>
@@ -6354,7 +6355,7 @@
           <a:p>
             <a:fld id="{AEBC359E-74D2-4BE3-B89B-803EEEC24772}" type="datetimeFigureOut">
               <a:rPr lang="en-US" smtClean="0"/>
-              <a:t>12/19/2011</a:t>
+              <a:t>12/21/2011</a:t>
             </a:fld>
             <a:endParaRPr lang="en-US"/>
           </a:p>
@@ -6600,7 +6601,7 @@
           <a:p>
             <a:fld id="{AEBC359E-74D2-4BE3-B89B-803EEEC24772}" type="datetimeFigureOut">
               <a:rPr lang="en-US" smtClean="0"/>
-              <a:t>12/19/2011</a:t>
+              <a:t>12/21/2011</a:t>
             </a:fld>
             <a:endParaRPr lang="en-US"/>
           </a:p>
@@ -6888,7 +6889,7 @@
           <a:p>
             <a:fld id="{AEBC359E-74D2-4BE3-B89B-803EEEC24772}" type="datetimeFigureOut">
               <a:rPr lang="en-US" smtClean="0"/>
-              <a:t>12/19/2011</a:t>
+              <a:t>12/21/2011</a:t>
             </a:fld>
             <a:endParaRPr lang="en-US"/>
           </a:p>
@@ -7310,7 +7311,7 @@
           <a:p>
             <a:fld id="{AEBC359E-74D2-4BE3-B89B-803EEEC24772}" type="datetimeFigureOut">
               <a:rPr lang="en-US" smtClean="0"/>
-              <a:t>12/19/2011</a:t>
+              <a:t>12/21/2011</a:t>
             </a:fld>
             <a:endParaRPr lang="en-US"/>
           </a:p>
@@ -7428,7 +7429,7 @@
           <a:p>
             <a:fld id="{AEBC359E-74D2-4BE3-B89B-803EEEC24772}" type="datetimeFigureOut">
               <a:rPr lang="en-US" smtClean="0"/>
-              <a:t>12/19/2011</a:t>
+              <a:t>12/21/2011</a:t>
             </a:fld>
             <a:endParaRPr lang="en-US"/>
           </a:p>
@@ -7523,7 +7524,7 @@
           <a:p>
             <a:fld id="{AEBC359E-74D2-4BE3-B89B-803EEEC24772}" type="datetimeFigureOut">
               <a:rPr lang="en-US" smtClean="0"/>
-              <a:t>12/19/2011</a:t>
+              <a:t>12/21/2011</a:t>
             </a:fld>
             <a:endParaRPr lang="en-US"/>
           </a:p>
@@ -7800,7 +7801,7 @@
           <a:p>
             <a:fld id="{AEBC359E-74D2-4BE3-B89B-803EEEC24772}" type="datetimeFigureOut">
               <a:rPr lang="en-US" smtClean="0"/>
-              <a:t>12/19/2011</a:t>
+              <a:t>12/21/2011</a:t>
             </a:fld>
             <a:endParaRPr lang="en-US"/>
           </a:p>
@@ -8053,7 +8054,7 @@
           <a:p>
             <a:fld id="{AEBC359E-74D2-4BE3-B89B-803EEEC24772}" type="datetimeFigureOut">
               <a:rPr lang="en-US" smtClean="0"/>
-              <a:t>12/19/2011</a:t>
+              <a:t>12/21/2011</a:t>
             </a:fld>
             <a:endParaRPr lang="en-US"/>
           </a:p>
@@ -8266,7 +8267,7 @@
           <a:p>
             <a:fld id="{AEBC359E-74D2-4BE3-B89B-803EEEC24772}" type="datetimeFigureOut">
               <a:rPr lang="en-US" smtClean="0"/>
-              <a:t>12/19/2011</a:t>
+              <a:t>12/21/2011</a:t>
             </a:fld>
             <a:endParaRPr lang="en-US"/>
           </a:p>
@@ -19138,6 +19139,799 @@
 </p:sld>
 </file>
 
+<file path=ppt/slides/slide22.xml><?xml version="1.0" encoding="utf-8"?>
+<p:sld xmlns:a="http://schemas.openxmlformats.org/drawingml/2006/main" xmlns:r="http://schemas.openxmlformats.org/officeDocument/2006/relationships" xmlns:p="http://schemas.openxmlformats.org/presentationml/2006/main">
+  <p:cSld>
+    <p:spTree>
+      <p:nvGrpSpPr>
+        <p:cNvPr id="1" name=""/>
+        <p:cNvGrpSpPr/>
+        <p:nvPr/>
+      </p:nvGrpSpPr>
+      <p:grpSpPr>
+        <a:xfrm>
+          <a:off x="0" y="0"/>
+          <a:ext cx="0" cy="0"/>
+          <a:chOff x="0" y="0"/>
+          <a:chExt cx="0" cy="0"/>
+        </a:xfrm>
+      </p:grpSpPr>
+      <p:sp>
+        <p:nvSpPr>
+          <p:cNvPr id="4" name="Rounded Rectangle 3"/>
+          <p:cNvSpPr/>
+          <p:nvPr/>
+        </p:nvSpPr>
+        <p:spPr>
+          <a:xfrm>
+            <a:off x="7475561" y="2514600"/>
+            <a:ext cx="1363639" cy="1828800"/>
+          </a:xfrm>
+          <a:prstGeom prst="roundRect">
+            <a:avLst/>
+          </a:prstGeom>
+        </p:spPr>
+        <p:style>
+          <a:lnRef idx="3">
+            <a:schemeClr val="lt1"/>
+          </a:lnRef>
+          <a:fillRef idx="1">
+            <a:schemeClr val="accent3"/>
+          </a:fillRef>
+          <a:effectRef idx="1">
+            <a:schemeClr val="accent3"/>
+          </a:effectRef>
+          <a:fontRef idx="minor">
+            <a:schemeClr val="lt1"/>
+          </a:fontRef>
+        </p:style>
+        <p:txBody>
+          <a:bodyPr rtlCol="0" anchor="ctr"/>
+          <a:lstStyle/>
+          <a:p>
+            <a:pPr algn="ctr"/>
+            <a:r>
+              <a:rPr lang="en-US" smtClean="0"/>
+              <a:t>JobZoom framework</a:t>
+            </a:r>
+          </a:p>
+          <a:p>
+            <a:pPr algn="ctr"/>
+            <a:r>
+              <a:rPr lang="en-US" smtClean="0"/>
+              <a:t>API</a:t>
+            </a:r>
+            <a:endParaRPr lang="en-US"/>
+          </a:p>
+        </p:txBody>
+      </p:sp>
+      <p:pic>
+        <p:nvPicPr>
+          <p:cNvPr id="5" name="Picture 4"/>
+          <p:cNvPicPr>
+            <a:picLocks noChangeAspect="1"/>
+          </p:cNvPicPr>
+          <p:nvPr/>
+        </p:nvPicPr>
+        <p:blipFill>
+          <a:blip r:embed="rId2" cstate="print">
+            <a:extLst>
+              <a:ext uri="{28A0092B-C50C-407E-A947-70E740481C1C}">
+                <a14:useLocalDpi xmlns:a14="http://schemas.microsoft.com/office/drawing/2010/main" val="0"/>
+              </a:ext>
+            </a:extLst>
+          </a:blip>
+          <a:stretch>
+            <a:fillRect/>
+          </a:stretch>
+        </p:blipFill>
+        <p:spPr>
+          <a:xfrm>
+            <a:off x="5440680" y="3063240"/>
+            <a:ext cx="731520" cy="731520"/>
+          </a:xfrm>
+          <a:prstGeom prst="rect">
+            <a:avLst/>
+          </a:prstGeom>
+        </p:spPr>
+      </p:pic>
+      <p:cxnSp>
+        <p:nvCxnSpPr>
+          <p:cNvPr id="7" name="Straight Arrow Connector 6"/>
+          <p:cNvCxnSpPr>
+            <a:stCxn id="5" idx="3"/>
+            <a:endCxn id="4" idx="1"/>
+          </p:cNvCxnSpPr>
+          <p:nvPr/>
+        </p:nvCxnSpPr>
+        <p:spPr>
+          <a:xfrm>
+            <a:off x="6172200" y="3429000"/>
+            <a:ext cx="1303361" cy="0"/>
+          </a:xfrm>
+          <a:prstGeom prst="straightConnector1">
+            <a:avLst/>
+          </a:prstGeom>
+          <a:ln w="12700">
+            <a:tailEnd type="arrow"/>
+          </a:ln>
+        </p:spPr>
+        <p:style>
+          <a:lnRef idx="1">
+            <a:schemeClr val="accent1"/>
+          </a:lnRef>
+          <a:fillRef idx="0">
+            <a:schemeClr val="accent1"/>
+          </a:fillRef>
+          <a:effectRef idx="0">
+            <a:schemeClr val="accent1"/>
+          </a:effectRef>
+          <a:fontRef idx="minor">
+            <a:schemeClr val="tx1"/>
+          </a:fontRef>
+        </p:style>
+      </p:cxnSp>
+      <p:sp>
+        <p:nvSpPr>
+          <p:cNvPr id="8" name="TextBox 7"/>
+          <p:cNvSpPr txBox="1"/>
+          <p:nvPr/>
+        </p:nvSpPr>
+        <p:spPr>
+          <a:xfrm>
+            <a:off x="5867400" y="2514600"/>
+            <a:ext cx="1450203" cy="923330"/>
+          </a:xfrm>
+          <a:prstGeom prst="rect">
+            <a:avLst/>
+          </a:prstGeom>
+          <a:noFill/>
+        </p:spPr>
+        <p:txBody>
+          <a:bodyPr wrap="square" rtlCol="0">
+            <a:spAutoFit/>
+          </a:bodyPr>
+          <a:lstStyle/>
+          <a:p>
+            <a:pPr algn="ctr"/>
+            <a:r>
+              <a:rPr lang="en-US" smtClean="0"/>
+              <a:t>Use library to Implement website</a:t>
+            </a:r>
+            <a:endParaRPr lang="en-US"/>
+          </a:p>
+        </p:txBody>
+      </p:sp>
+      <p:pic>
+        <p:nvPicPr>
+          <p:cNvPr id="10" name="Picture 9"/>
+          <p:cNvPicPr>
+            <a:picLocks noChangeAspect="1"/>
+          </p:cNvPicPr>
+          <p:nvPr/>
+        </p:nvPicPr>
+        <p:blipFill>
+          <a:blip r:embed="rId3" cstate="print">
+            <a:extLst>
+              <a:ext uri="{28A0092B-C50C-407E-A947-70E740481C1C}">
+                <a14:useLocalDpi xmlns:a14="http://schemas.microsoft.com/office/drawing/2010/main" val="0"/>
+              </a:ext>
+            </a:extLst>
+          </a:blip>
+          <a:stretch>
+            <a:fillRect/>
+          </a:stretch>
+        </p:blipFill>
+        <p:spPr>
+          <a:xfrm>
+            <a:off x="3505200" y="2921356"/>
+            <a:ext cx="1752600" cy="1211580"/>
+          </a:xfrm>
+          <a:prstGeom prst="rect">
+            <a:avLst/>
+          </a:prstGeom>
+        </p:spPr>
+      </p:pic>
+      <p:sp>
+        <p:nvSpPr>
+          <p:cNvPr id="11" name="TextBox 10"/>
+          <p:cNvSpPr txBox="1"/>
+          <p:nvPr/>
+        </p:nvSpPr>
+        <p:spPr>
+          <a:xfrm>
+            <a:off x="3762551" y="2267922"/>
+            <a:ext cx="1399999" cy="646331"/>
+          </a:xfrm>
+          <a:prstGeom prst="rect">
+            <a:avLst/>
+          </a:prstGeom>
+          <a:noFill/>
+        </p:spPr>
+        <p:txBody>
+          <a:bodyPr wrap="none" rtlCol="0">
+            <a:spAutoFit/>
+          </a:bodyPr>
+          <a:lstStyle/>
+          <a:p>
+            <a:r>
+              <a:rPr lang="en-US" smtClean="0"/>
+              <a:t>Recruitment </a:t>
+            </a:r>
+          </a:p>
+          <a:p>
+            <a:pPr algn="ctr"/>
+            <a:r>
+              <a:rPr lang="en-US" smtClean="0"/>
+              <a:t>website</a:t>
+            </a:r>
+            <a:endParaRPr lang="en-US"/>
+          </a:p>
+        </p:txBody>
+      </p:sp>
+      <p:pic>
+        <p:nvPicPr>
+          <p:cNvPr id="12" name="Picture 11"/>
+          <p:cNvPicPr>
+            <a:picLocks noChangeAspect="1"/>
+          </p:cNvPicPr>
+          <p:nvPr/>
+        </p:nvPicPr>
+        <p:blipFill>
+          <a:blip r:embed="rId4" cstate="print">
+            <a:extLst>
+              <a:ext uri="{28A0092B-C50C-407E-A947-70E740481C1C}">
+                <a14:useLocalDpi xmlns:a14="http://schemas.microsoft.com/office/drawing/2010/main" val="0"/>
+              </a:ext>
+            </a:extLst>
+          </a:blip>
+          <a:stretch>
+            <a:fillRect/>
+          </a:stretch>
+        </p:blipFill>
+        <p:spPr>
+          <a:xfrm>
+            <a:off x="1901190" y="4325322"/>
+            <a:ext cx="975360" cy="975360"/>
+          </a:xfrm>
+          <a:prstGeom prst="rect">
+            <a:avLst/>
+          </a:prstGeom>
+        </p:spPr>
+      </p:pic>
+      <p:pic>
+        <p:nvPicPr>
+          <p:cNvPr id="13" name="Picture 12"/>
+          <p:cNvPicPr>
+            <a:picLocks noChangeAspect="1"/>
+          </p:cNvPicPr>
+          <p:nvPr/>
+        </p:nvPicPr>
+        <p:blipFill>
+          <a:blip r:embed="rId5" cstate="print">
+            <a:extLst>
+              <a:ext uri="{28A0092B-C50C-407E-A947-70E740481C1C}">
+                <a14:useLocalDpi xmlns:a14="http://schemas.microsoft.com/office/drawing/2010/main" val="0"/>
+              </a:ext>
+            </a:extLst>
+          </a:blip>
+          <a:stretch>
+            <a:fillRect/>
+          </a:stretch>
+        </p:blipFill>
+        <p:spPr>
+          <a:xfrm>
+            <a:off x="1885950" y="1521162"/>
+            <a:ext cx="975360" cy="975360"/>
+          </a:xfrm>
+          <a:prstGeom prst="rect">
+            <a:avLst/>
+          </a:prstGeom>
+        </p:spPr>
+      </p:pic>
+      <p:cxnSp>
+        <p:nvCxnSpPr>
+          <p:cNvPr id="17" name="Curved Connector 16"/>
+          <p:cNvCxnSpPr>
+            <a:stCxn id="13" idx="3"/>
+          </p:cNvCxnSpPr>
+          <p:nvPr/>
+        </p:nvCxnSpPr>
+        <p:spPr>
+          <a:xfrm>
+            <a:off x="2861310" y="2008842"/>
+            <a:ext cx="796290" cy="875377"/>
+          </a:xfrm>
+          <a:prstGeom prst="curvedConnector2">
+            <a:avLst/>
+          </a:prstGeom>
+          <a:ln>
+            <a:tailEnd type="arrow"/>
+          </a:ln>
+        </p:spPr>
+        <p:style>
+          <a:lnRef idx="1">
+            <a:schemeClr val="accent1"/>
+          </a:lnRef>
+          <a:fillRef idx="0">
+            <a:schemeClr val="accent1"/>
+          </a:fillRef>
+          <a:effectRef idx="0">
+            <a:schemeClr val="accent1"/>
+          </a:effectRef>
+          <a:fontRef idx="minor">
+            <a:schemeClr val="tx1"/>
+          </a:fontRef>
+        </p:style>
+      </p:cxnSp>
+      <p:cxnSp>
+        <p:nvCxnSpPr>
+          <p:cNvPr id="19" name="Curved Connector 18"/>
+          <p:cNvCxnSpPr>
+            <a:stCxn id="12" idx="3"/>
+          </p:cNvCxnSpPr>
+          <p:nvPr/>
+        </p:nvCxnSpPr>
+        <p:spPr>
+          <a:xfrm flipV="1">
+            <a:off x="2876550" y="4005282"/>
+            <a:ext cx="1143000" cy="807720"/>
+          </a:xfrm>
+          <a:prstGeom prst="curvedConnector3">
+            <a:avLst/>
+          </a:prstGeom>
+          <a:ln>
+            <a:tailEnd type="arrow"/>
+          </a:ln>
+        </p:spPr>
+        <p:style>
+          <a:lnRef idx="1">
+            <a:schemeClr val="accent1"/>
+          </a:lnRef>
+          <a:fillRef idx="0">
+            <a:schemeClr val="accent1"/>
+          </a:fillRef>
+          <a:effectRef idx="0">
+            <a:schemeClr val="accent1"/>
+          </a:effectRef>
+          <a:fontRef idx="minor">
+            <a:schemeClr val="tx1"/>
+          </a:fontRef>
+        </p:style>
+      </p:cxnSp>
+      <p:sp>
+        <p:nvSpPr>
+          <p:cNvPr id="23" name="Rounded Rectangle 22"/>
+          <p:cNvSpPr/>
+          <p:nvPr/>
+        </p:nvSpPr>
+        <p:spPr>
+          <a:xfrm>
+            <a:off x="8915400" y="2682240"/>
+            <a:ext cx="1447800" cy="762000"/>
+          </a:xfrm>
+          <a:prstGeom prst="roundRect">
+            <a:avLst/>
+          </a:prstGeom>
+        </p:spPr>
+        <p:style>
+          <a:lnRef idx="2">
+            <a:schemeClr val="accent1">
+              <a:shade val="50000"/>
+            </a:schemeClr>
+          </a:lnRef>
+          <a:fillRef idx="1">
+            <a:schemeClr val="accent1"/>
+          </a:fillRef>
+          <a:effectRef idx="0">
+            <a:schemeClr val="accent1"/>
+          </a:effectRef>
+          <a:fontRef idx="minor">
+            <a:schemeClr val="lt1"/>
+          </a:fontRef>
+        </p:style>
+        <p:txBody>
+          <a:bodyPr rtlCol="0" anchor="ctr"/>
+          <a:lstStyle/>
+          <a:p>
+            <a:pPr algn="ctr"/>
+            <a:r>
+              <a:rPr lang="en-US" sz="1500" smtClean="0"/>
+              <a:t>Decision tree &lt;component&gt;</a:t>
+            </a:r>
+            <a:endParaRPr lang="en-US" sz="1500"/>
+          </a:p>
+        </p:txBody>
+      </p:sp>
+      <p:sp>
+        <p:nvSpPr>
+          <p:cNvPr id="24" name="Rounded Rectangle 23"/>
+          <p:cNvSpPr/>
+          <p:nvPr/>
+        </p:nvSpPr>
+        <p:spPr>
+          <a:xfrm>
+            <a:off x="8925636" y="3657600"/>
+            <a:ext cx="1447800" cy="762000"/>
+          </a:xfrm>
+          <a:prstGeom prst="roundRect">
+            <a:avLst/>
+          </a:prstGeom>
+        </p:spPr>
+        <p:style>
+          <a:lnRef idx="2">
+            <a:schemeClr val="accent1">
+              <a:shade val="50000"/>
+            </a:schemeClr>
+          </a:lnRef>
+          <a:fillRef idx="1">
+            <a:schemeClr val="accent1"/>
+          </a:fillRef>
+          <a:effectRef idx="0">
+            <a:schemeClr val="accent1"/>
+          </a:effectRef>
+          <a:fontRef idx="minor">
+            <a:schemeClr val="lt1"/>
+          </a:fontRef>
+        </p:style>
+        <p:txBody>
+          <a:bodyPr rtlCol="0" anchor="ctr"/>
+          <a:lstStyle/>
+          <a:p>
+            <a:pPr algn="ctr"/>
+            <a:r>
+              <a:rPr lang="en-US" sz="1500" smtClean="0"/>
+              <a:t>taxonomy &lt;component&gt;</a:t>
+            </a:r>
+            <a:endParaRPr lang="en-US" sz="1500"/>
+          </a:p>
+        </p:txBody>
+      </p:sp>
+      <p:sp>
+        <p:nvSpPr>
+          <p:cNvPr id="25" name="Rounded Rectangle 24"/>
+          <p:cNvSpPr/>
+          <p:nvPr/>
+        </p:nvSpPr>
+        <p:spPr>
+          <a:xfrm>
+            <a:off x="8915400" y="1778069"/>
+            <a:ext cx="1447800" cy="762000"/>
+          </a:xfrm>
+          <a:prstGeom prst="roundRect">
+            <a:avLst/>
+          </a:prstGeom>
+        </p:spPr>
+        <p:style>
+          <a:lnRef idx="2">
+            <a:schemeClr val="accent1">
+              <a:shade val="50000"/>
+            </a:schemeClr>
+          </a:lnRef>
+          <a:fillRef idx="1">
+            <a:schemeClr val="accent1"/>
+          </a:fillRef>
+          <a:effectRef idx="0">
+            <a:schemeClr val="accent1"/>
+          </a:effectRef>
+          <a:fontRef idx="minor">
+            <a:schemeClr val="lt1"/>
+          </a:fontRef>
+        </p:style>
+        <p:txBody>
+          <a:bodyPr rtlCol="0" anchor="ctr"/>
+          <a:lstStyle/>
+          <a:p>
+            <a:pPr algn="ctr"/>
+            <a:r>
+              <a:rPr lang="en-US" sz="1500" smtClean="0"/>
+              <a:t>Flexiblity attribute &lt;component&gt;</a:t>
+            </a:r>
+            <a:endParaRPr lang="en-US" sz="1500"/>
+          </a:p>
+        </p:txBody>
+      </p:sp>
+      <p:sp>
+        <p:nvSpPr>
+          <p:cNvPr id="27" name="Rounded Rectangle 26"/>
+          <p:cNvSpPr/>
+          <p:nvPr/>
+        </p:nvSpPr>
+        <p:spPr>
+          <a:xfrm>
+            <a:off x="8925636" y="4603845"/>
+            <a:ext cx="1447800" cy="762000"/>
+          </a:xfrm>
+          <a:prstGeom prst="roundRect">
+            <a:avLst/>
+          </a:prstGeom>
+        </p:spPr>
+        <p:style>
+          <a:lnRef idx="2">
+            <a:schemeClr val="accent1">
+              <a:shade val="50000"/>
+            </a:schemeClr>
+          </a:lnRef>
+          <a:fillRef idx="1">
+            <a:schemeClr val="accent1"/>
+          </a:fillRef>
+          <a:effectRef idx="0">
+            <a:schemeClr val="accent1"/>
+          </a:effectRef>
+          <a:fontRef idx="minor">
+            <a:schemeClr val="lt1"/>
+          </a:fontRef>
+        </p:style>
+        <p:txBody>
+          <a:bodyPr rtlCol="0" anchor="ctr"/>
+          <a:lstStyle/>
+          <a:p>
+            <a:pPr algn="ctr"/>
+            <a:r>
+              <a:rPr lang="en-US" sz="1500" smtClean="0"/>
+              <a:t>others &lt;component&gt;</a:t>
+            </a:r>
+            <a:endParaRPr lang="en-US" sz="1500"/>
+          </a:p>
+        </p:txBody>
+      </p:sp>
+      <p:sp>
+        <p:nvSpPr>
+          <p:cNvPr id="28" name="Rounded Rectangle 27"/>
+          <p:cNvSpPr/>
+          <p:nvPr/>
+        </p:nvSpPr>
+        <p:spPr>
+          <a:xfrm>
+            <a:off x="7315200" y="1523999"/>
+            <a:ext cx="3276600" cy="3962401"/>
+          </a:xfrm>
+          <a:prstGeom prst="roundRect">
+            <a:avLst/>
+          </a:prstGeom>
+          <a:noFill/>
+          <a:ln w="28575">
+            <a:prstDash val="solid"/>
+          </a:ln>
+        </p:spPr>
+        <p:style>
+          <a:lnRef idx="2">
+            <a:schemeClr val="accent1">
+              <a:shade val="50000"/>
+            </a:schemeClr>
+          </a:lnRef>
+          <a:fillRef idx="1">
+            <a:schemeClr val="accent1"/>
+          </a:fillRef>
+          <a:effectRef idx="0">
+            <a:schemeClr val="accent1"/>
+          </a:effectRef>
+          <a:fontRef idx="minor">
+            <a:schemeClr val="lt1"/>
+          </a:fontRef>
+        </p:style>
+        <p:txBody>
+          <a:bodyPr rtlCol="0" anchor="b"/>
+          <a:lstStyle/>
+          <a:p>
+            <a:pPr algn="ctr"/>
+            <a:endParaRPr lang="en-US">
+              <a:solidFill>
+                <a:srgbClr val="FF0000"/>
+              </a:solidFill>
+            </a:endParaRPr>
+          </a:p>
+        </p:txBody>
+      </p:sp>
+      <p:sp>
+        <p:nvSpPr>
+          <p:cNvPr id="30" name="TextBox 29"/>
+          <p:cNvSpPr txBox="1"/>
+          <p:nvPr/>
+        </p:nvSpPr>
+        <p:spPr>
+          <a:xfrm>
+            <a:off x="2963250" y="2173357"/>
+            <a:ext cx="522900" cy="323165"/>
+          </a:xfrm>
+          <a:prstGeom prst="rect">
+            <a:avLst/>
+          </a:prstGeom>
+          <a:noFill/>
+        </p:spPr>
+        <p:txBody>
+          <a:bodyPr wrap="none" rtlCol="0">
+            <a:spAutoFit/>
+          </a:bodyPr>
+          <a:lstStyle/>
+          <a:p>
+            <a:r>
+              <a:rPr lang="en-US" sz="1500" smtClean="0"/>
+              <a:t>Use </a:t>
+            </a:r>
+            <a:endParaRPr lang="en-US" sz="1500"/>
+          </a:p>
+        </p:txBody>
+      </p:sp>
+      <p:sp>
+        <p:nvSpPr>
+          <p:cNvPr id="31" name="TextBox 30"/>
+          <p:cNvSpPr txBox="1"/>
+          <p:nvPr/>
+        </p:nvSpPr>
+        <p:spPr>
+          <a:xfrm>
+            <a:off x="3039450" y="4172922"/>
+            <a:ext cx="522900" cy="323165"/>
+          </a:xfrm>
+          <a:prstGeom prst="rect">
+            <a:avLst/>
+          </a:prstGeom>
+          <a:noFill/>
+        </p:spPr>
+        <p:txBody>
+          <a:bodyPr wrap="none" rtlCol="0">
+            <a:spAutoFit/>
+          </a:bodyPr>
+          <a:lstStyle/>
+          <a:p>
+            <a:r>
+              <a:rPr lang="en-US" sz="1500" smtClean="0"/>
+              <a:t>Use </a:t>
+            </a:r>
+            <a:endParaRPr lang="en-US" sz="1500"/>
+          </a:p>
+        </p:txBody>
+      </p:sp>
+      <p:sp>
+        <p:nvSpPr>
+          <p:cNvPr id="32" name="TextBox 31"/>
+          <p:cNvSpPr txBox="1"/>
+          <p:nvPr/>
+        </p:nvSpPr>
+        <p:spPr>
+          <a:xfrm>
+            <a:off x="5314950" y="3896268"/>
+            <a:ext cx="989758" cy="323165"/>
+          </a:xfrm>
+          <a:prstGeom prst="rect">
+            <a:avLst/>
+          </a:prstGeom>
+          <a:noFill/>
+        </p:spPr>
+        <p:txBody>
+          <a:bodyPr wrap="none" rtlCol="0">
+            <a:spAutoFit/>
+          </a:bodyPr>
+          <a:lstStyle/>
+          <a:p>
+            <a:r>
+              <a:rPr lang="en-US" sz="1500"/>
+              <a:t>D</a:t>
+            </a:r>
+            <a:r>
+              <a:rPr lang="en-US" sz="1500" smtClean="0"/>
+              <a:t>eveloper</a:t>
+            </a:r>
+            <a:endParaRPr lang="en-US" sz="1500"/>
+          </a:p>
+        </p:txBody>
+      </p:sp>
+      <p:sp>
+        <p:nvSpPr>
+          <p:cNvPr id="33" name="TextBox 32"/>
+          <p:cNvSpPr txBox="1"/>
+          <p:nvPr/>
+        </p:nvSpPr>
+        <p:spPr>
+          <a:xfrm>
+            <a:off x="1925538" y="5315635"/>
+            <a:ext cx="926664" cy="323165"/>
+          </a:xfrm>
+          <a:prstGeom prst="rect">
+            <a:avLst/>
+          </a:prstGeom>
+          <a:noFill/>
+        </p:spPr>
+        <p:txBody>
+          <a:bodyPr wrap="none" rtlCol="0">
+            <a:spAutoFit/>
+          </a:bodyPr>
+          <a:lstStyle/>
+          <a:p>
+            <a:r>
+              <a:rPr lang="en-US" sz="1500" smtClean="0"/>
+              <a:t>Employer</a:t>
+            </a:r>
+            <a:endParaRPr lang="en-US" sz="1500"/>
+          </a:p>
+        </p:txBody>
+      </p:sp>
+      <p:sp>
+        <p:nvSpPr>
+          <p:cNvPr id="34" name="TextBox 33"/>
+          <p:cNvSpPr txBox="1"/>
+          <p:nvPr/>
+        </p:nvSpPr>
+        <p:spPr>
+          <a:xfrm>
+            <a:off x="1872557" y="2494297"/>
+            <a:ext cx="1003993" cy="323165"/>
+          </a:xfrm>
+          <a:prstGeom prst="rect">
+            <a:avLst/>
+          </a:prstGeom>
+          <a:noFill/>
+        </p:spPr>
+        <p:txBody>
+          <a:bodyPr wrap="none" rtlCol="0">
+            <a:spAutoFit/>
+          </a:bodyPr>
+          <a:lstStyle/>
+          <a:p>
+            <a:r>
+              <a:rPr lang="en-US" sz="1500" smtClean="0"/>
+              <a:t>Job seeker</a:t>
+            </a:r>
+            <a:endParaRPr lang="en-US" sz="1500"/>
+          </a:p>
+        </p:txBody>
+      </p:sp>
+      <p:sp>
+        <p:nvSpPr>
+          <p:cNvPr id="39" name="TextBox 38"/>
+          <p:cNvSpPr txBox="1"/>
+          <p:nvPr/>
+        </p:nvSpPr>
+        <p:spPr>
+          <a:xfrm>
+            <a:off x="7086600" y="5449669"/>
+            <a:ext cx="3695755" cy="646331"/>
+          </a:xfrm>
+          <a:prstGeom prst="rect">
+            <a:avLst/>
+          </a:prstGeom>
+          <a:noFill/>
+        </p:spPr>
+        <p:txBody>
+          <a:bodyPr wrap="none" rtlCol="0">
+            <a:spAutoFit/>
+          </a:bodyPr>
+          <a:lstStyle/>
+          <a:p>
+            <a:pPr algn="ctr"/>
+            <a:r>
+              <a:rPr lang="en-US" b="1" smtClean="0">
+                <a:solidFill>
+                  <a:srgbClr val="FF0000"/>
+                </a:solidFill>
+              </a:rPr>
+              <a:t>JobZoom framework architecture</a:t>
+            </a:r>
+          </a:p>
+          <a:p>
+            <a:pPr algn="ctr"/>
+            <a:r>
+              <a:rPr lang="en-US" smtClean="0"/>
+              <a:t>{components, connectors, constraint}</a:t>
+            </a:r>
+            <a:endParaRPr lang="en-US"/>
+          </a:p>
+        </p:txBody>
+      </p:sp>
+    </p:spTree>
+    <p:extLst>
+      <p:ext uri="{BB962C8B-B14F-4D97-AF65-F5344CB8AC3E}">
+        <p14:creationId xmlns:p14="http://schemas.microsoft.com/office/powerpoint/2010/main" val="796176087"/>
+      </p:ext>
+    </p:extLst>
+  </p:cSld>
+  <p:clrMapOvr>
+    <a:masterClrMapping/>
+  </p:clrMapOvr>
+</p:sld>
+</file>
+
 <file path=ppt/slides/slide3.xml><?xml version="1.0" encoding="utf-8"?>
 <p:sld xmlns:a="http://schemas.openxmlformats.org/drawingml/2006/main" xmlns:r="http://schemas.openxmlformats.org/officeDocument/2006/relationships" xmlns:p="http://schemas.openxmlformats.org/presentationml/2006/main">
   <p:cSld>

--- a/Documents/Thesis Report Picture.pptx
+++ b/Documents/Thesis Report Picture.pptx
@@ -27,6 +27,7 @@
     <p:sldId id="275" r:id="rId21"/>
     <p:sldId id="276" r:id="rId22"/>
     <p:sldId id="277" r:id="rId23"/>
+    <p:sldId id="278" r:id="rId24"/>
   </p:sldIdLst>
   <p:sldSz cx="9144000" cy="6858000" type="screen4x3"/>
   <p:notesSz cx="6858000" cy="9144000"/>
@@ -5835,7 +5836,7 @@
           <a:p>
             <a:fld id="{AEBC359E-74D2-4BE3-B89B-803EEEC24772}" type="datetimeFigureOut">
               <a:rPr lang="en-US" smtClean="0"/>
-              <a:t>12/21/2011</a:t>
+              <a:t>12/23/2011</a:t>
             </a:fld>
             <a:endParaRPr lang="en-US"/>
           </a:p>
@@ -6005,7 +6006,7 @@
           <a:p>
             <a:fld id="{AEBC359E-74D2-4BE3-B89B-803EEEC24772}" type="datetimeFigureOut">
               <a:rPr lang="en-US" smtClean="0"/>
-              <a:t>12/21/2011</a:t>
+              <a:t>12/23/2011</a:t>
             </a:fld>
             <a:endParaRPr lang="en-US"/>
           </a:p>
@@ -6185,7 +6186,7 @@
           <a:p>
             <a:fld id="{AEBC359E-74D2-4BE3-B89B-803EEEC24772}" type="datetimeFigureOut">
               <a:rPr lang="en-US" smtClean="0"/>
-              <a:t>12/21/2011</a:t>
+              <a:t>12/23/2011</a:t>
             </a:fld>
             <a:endParaRPr lang="en-US"/>
           </a:p>
@@ -6355,7 +6356,7 @@
           <a:p>
             <a:fld id="{AEBC359E-74D2-4BE3-B89B-803EEEC24772}" type="datetimeFigureOut">
               <a:rPr lang="en-US" smtClean="0"/>
-              <a:t>12/21/2011</a:t>
+              <a:t>12/23/2011</a:t>
             </a:fld>
             <a:endParaRPr lang="en-US"/>
           </a:p>
@@ -6601,7 +6602,7 @@
           <a:p>
             <a:fld id="{AEBC359E-74D2-4BE3-B89B-803EEEC24772}" type="datetimeFigureOut">
               <a:rPr lang="en-US" smtClean="0"/>
-              <a:t>12/21/2011</a:t>
+              <a:t>12/23/2011</a:t>
             </a:fld>
             <a:endParaRPr lang="en-US"/>
           </a:p>
@@ -6889,7 +6890,7 @@
           <a:p>
             <a:fld id="{AEBC359E-74D2-4BE3-B89B-803EEEC24772}" type="datetimeFigureOut">
               <a:rPr lang="en-US" smtClean="0"/>
-              <a:t>12/21/2011</a:t>
+              <a:t>12/23/2011</a:t>
             </a:fld>
             <a:endParaRPr lang="en-US"/>
           </a:p>
@@ -7311,7 +7312,7 @@
           <a:p>
             <a:fld id="{AEBC359E-74D2-4BE3-B89B-803EEEC24772}" type="datetimeFigureOut">
               <a:rPr lang="en-US" smtClean="0"/>
-              <a:t>12/21/2011</a:t>
+              <a:t>12/23/2011</a:t>
             </a:fld>
             <a:endParaRPr lang="en-US"/>
           </a:p>
@@ -7429,7 +7430,7 @@
           <a:p>
             <a:fld id="{AEBC359E-74D2-4BE3-B89B-803EEEC24772}" type="datetimeFigureOut">
               <a:rPr lang="en-US" smtClean="0"/>
-              <a:t>12/21/2011</a:t>
+              <a:t>12/23/2011</a:t>
             </a:fld>
             <a:endParaRPr lang="en-US"/>
           </a:p>
@@ -7524,7 +7525,7 @@
           <a:p>
             <a:fld id="{AEBC359E-74D2-4BE3-B89B-803EEEC24772}" type="datetimeFigureOut">
               <a:rPr lang="en-US" smtClean="0"/>
-              <a:t>12/21/2011</a:t>
+              <a:t>12/23/2011</a:t>
             </a:fld>
             <a:endParaRPr lang="en-US"/>
           </a:p>
@@ -7801,7 +7802,7 @@
           <a:p>
             <a:fld id="{AEBC359E-74D2-4BE3-B89B-803EEEC24772}" type="datetimeFigureOut">
               <a:rPr lang="en-US" smtClean="0"/>
-              <a:t>12/21/2011</a:t>
+              <a:t>12/23/2011</a:t>
             </a:fld>
             <a:endParaRPr lang="en-US"/>
           </a:p>
@@ -8054,7 +8055,7 @@
           <a:p>
             <a:fld id="{AEBC359E-74D2-4BE3-B89B-803EEEC24772}" type="datetimeFigureOut">
               <a:rPr lang="en-US" smtClean="0"/>
-              <a:t>12/21/2011</a:t>
+              <a:t>12/23/2011</a:t>
             </a:fld>
             <a:endParaRPr lang="en-US"/>
           </a:p>
@@ -8267,7 +8268,7 @@
           <a:p>
             <a:fld id="{AEBC359E-74D2-4BE3-B89B-803EEEC24772}" type="datetimeFigureOut">
               <a:rPr lang="en-US" smtClean="0"/>
-              <a:t>12/21/2011</a:t>
+              <a:t>12/23/2011</a:t>
             </a:fld>
             <a:endParaRPr lang="en-US"/>
           </a:p>
@@ -19932,6 +19933,1804 @@
 </p:sld>
 </file>
 
+<file path=ppt/slides/slide23.xml><?xml version="1.0" encoding="utf-8"?>
+<p:sld xmlns:a="http://schemas.openxmlformats.org/drawingml/2006/main" xmlns:r="http://schemas.openxmlformats.org/officeDocument/2006/relationships" xmlns:p="http://schemas.openxmlformats.org/presentationml/2006/main">
+  <p:cSld>
+    <p:spTree>
+      <p:nvGrpSpPr>
+        <p:cNvPr id="1" name=""/>
+        <p:cNvGrpSpPr/>
+        <p:nvPr/>
+      </p:nvGrpSpPr>
+      <p:grpSpPr>
+        <a:xfrm>
+          <a:off x="0" y="0"/>
+          <a:ext cx="0" cy="0"/>
+          <a:chOff x="0" y="0"/>
+          <a:chExt cx="0" cy="0"/>
+        </a:xfrm>
+      </p:grpSpPr>
+      <p:sp>
+        <p:nvSpPr>
+          <p:cNvPr id="4" name="Rounded Rectangle 3"/>
+          <p:cNvSpPr/>
+          <p:nvPr/>
+        </p:nvSpPr>
+        <p:spPr>
+          <a:xfrm>
+            <a:off x="2913413" y="475582"/>
+            <a:ext cx="5163787" cy="6230018"/>
+          </a:xfrm>
+          <a:prstGeom prst="roundRect">
+            <a:avLst>
+              <a:gd name="adj" fmla="val 3874"/>
+            </a:avLst>
+          </a:prstGeom>
+        </p:spPr>
+        <p:style>
+          <a:lnRef idx="1">
+            <a:schemeClr val="accent3"/>
+          </a:lnRef>
+          <a:fillRef idx="2">
+            <a:schemeClr val="accent3"/>
+          </a:fillRef>
+          <a:effectRef idx="1">
+            <a:schemeClr val="accent3"/>
+          </a:effectRef>
+          <a:fontRef idx="minor">
+            <a:schemeClr val="dk1"/>
+          </a:fontRef>
+        </p:style>
+        <p:txBody>
+          <a:bodyPr rtlCol="0" anchor="t"/>
+          <a:lstStyle/>
+          <a:p>
+            <a:pPr algn="ctr"/>
+            <a:r>
+              <a:rPr lang="en-US" dirty="0" smtClean="0"/>
+              <a:t>JOBZOOM FRAMEWORK API</a:t>
+            </a:r>
+            <a:endParaRPr lang="vi-VN" dirty="0"/>
+          </a:p>
+        </p:txBody>
+      </p:sp>
+      <p:sp>
+        <p:nvSpPr>
+          <p:cNvPr id="5" name="Rectangle 4"/>
+          <p:cNvSpPr/>
+          <p:nvPr/>
+        </p:nvSpPr>
+        <p:spPr>
+          <a:xfrm>
+            <a:off x="3485710" y="3946963"/>
+            <a:ext cx="1752600" cy="457200"/>
+          </a:xfrm>
+          <a:prstGeom prst="rect">
+            <a:avLst/>
+          </a:prstGeom>
+        </p:spPr>
+        <p:style>
+          <a:lnRef idx="1">
+            <a:schemeClr val="accent2"/>
+          </a:lnRef>
+          <a:fillRef idx="2">
+            <a:schemeClr val="accent2"/>
+          </a:fillRef>
+          <a:effectRef idx="1">
+            <a:schemeClr val="accent2"/>
+          </a:effectRef>
+          <a:fontRef idx="minor">
+            <a:schemeClr val="dk1"/>
+          </a:fontRef>
+        </p:style>
+        <p:txBody>
+          <a:bodyPr rtlCol="0" anchor="ctr"/>
+          <a:lstStyle/>
+          <a:p>
+            <a:pPr algn="ctr"/>
+            <a:r>
+              <a:rPr lang="en-US" sz="1200" b="1" dirty="0" smtClean="0">
+                <a:solidFill>
+                  <a:schemeClr val="tx2"/>
+                </a:solidFill>
+                <a:latin typeface="Times New Roman" pitchFamily="18" charset="0"/>
+                <a:cs typeface="Times New Roman" pitchFamily="18" charset="0"/>
+              </a:rPr>
+              <a:t>Interface </a:t>
+            </a:r>
+            <a:r>
+              <a:rPr lang="en-US" sz="1200" b="1" noProof="1" smtClean="0">
+                <a:solidFill>
+                  <a:schemeClr val="tx2"/>
+                </a:solidFill>
+                <a:latin typeface="Times New Roman" pitchFamily="18" charset="0"/>
+                <a:cs typeface="Times New Roman" pitchFamily="18" charset="0"/>
+              </a:rPr>
+              <a:t>IAnalysisServices</a:t>
+            </a:r>
+            <a:endParaRPr lang="en-US" sz="1200" b="1" noProof="1">
+              <a:solidFill>
+                <a:schemeClr val="tx2"/>
+              </a:solidFill>
+              <a:latin typeface="Times New Roman" pitchFamily="18" charset="0"/>
+              <a:cs typeface="Times New Roman" pitchFamily="18" charset="0"/>
+            </a:endParaRPr>
+          </a:p>
+        </p:txBody>
+      </p:sp>
+      <p:sp>
+        <p:nvSpPr>
+          <p:cNvPr id="6" name="Rectangle 5"/>
+          <p:cNvSpPr/>
+          <p:nvPr/>
+        </p:nvSpPr>
+        <p:spPr>
+          <a:xfrm>
+            <a:off x="3485710" y="4610509"/>
+            <a:ext cx="1752600" cy="457200"/>
+          </a:xfrm>
+          <a:prstGeom prst="rect">
+            <a:avLst/>
+          </a:prstGeom>
+        </p:spPr>
+        <p:style>
+          <a:lnRef idx="1">
+            <a:schemeClr val="accent2"/>
+          </a:lnRef>
+          <a:fillRef idx="2">
+            <a:schemeClr val="accent2"/>
+          </a:fillRef>
+          <a:effectRef idx="1">
+            <a:schemeClr val="accent2"/>
+          </a:effectRef>
+          <a:fontRef idx="minor">
+            <a:schemeClr val="dk1"/>
+          </a:fontRef>
+        </p:style>
+        <p:txBody>
+          <a:bodyPr rtlCol="0" anchor="ctr"/>
+          <a:lstStyle/>
+          <a:p>
+            <a:pPr algn="ctr"/>
+            <a:r>
+              <a:rPr lang="en-US" sz="1200" b="1" dirty="0" smtClean="0">
+                <a:solidFill>
+                  <a:schemeClr val="tx2"/>
+                </a:solidFill>
+                <a:latin typeface="Times New Roman" pitchFamily="18" charset="0"/>
+                <a:cs typeface="Times New Roman" pitchFamily="18" charset="0"/>
+              </a:rPr>
+              <a:t>Interface</a:t>
+            </a:r>
+          </a:p>
+          <a:p>
+            <a:pPr algn="ctr"/>
+            <a:r>
+              <a:rPr lang="vi-VN" sz="1200" b="1" noProof="1" smtClean="0">
+                <a:solidFill>
+                  <a:schemeClr val="tx2"/>
+                </a:solidFill>
+                <a:latin typeface="Times New Roman" pitchFamily="18" charset="0"/>
+                <a:cs typeface="Times New Roman" pitchFamily="18" charset="0"/>
+              </a:rPr>
+              <a:t>IDecisionTreeStructure</a:t>
+            </a:r>
+            <a:endParaRPr lang="vi-VN" sz="1200" b="1" noProof="1">
+              <a:solidFill>
+                <a:schemeClr val="tx2"/>
+              </a:solidFill>
+              <a:latin typeface="Times New Roman" pitchFamily="18" charset="0"/>
+              <a:cs typeface="Times New Roman" pitchFamily="18" charset="0"/>
+            </a:endParaRPr>
+          </a:p>
+        </p:txBody>
+      </p:sp>
+      <p:sp>
+        <p:nvSpPr>
+          <p:cNvPr id="8" name="TextBox 7"/>
+          <p:cNvSpPr txBox="1"/>
+          <p:nvPr/>
+        </p:nvSpPr>
+        <p:spPr>
+          <a:xfrm>
+            <a:off x="986558" y="4514444"/>
+            <a:ext cx="1151084" cy="369332"/>
+          </a:xfrm>
+          <a:prstGeom prst="rect">
+            <a:avLst/>
+          </a:prstGeom>
+          <a:noFill/>
+        </p:spPr>
+        <p:txBody>
+          <a:bodyPr wrap="none" rtlCol="0">
+            <a:spAutoFit/>
+          </a:bodyPr>
+          <a:lstStyle/>
+          <a:p>
+            <a:pPr algn="ctr"/>
+            <a:r>
+              <a:rPr lang="en-US" dirty="0" smtClean="0"/>
+              <a:t>Developer</a:t>
+            </a:r>
+            <a:endParaRPr lang="en-US" dirty="0"/>
+          </a:p>
+        </p:txBody>
+      </p:sp>
+      <p:sp>
+        <p:nvSpPr>
+          <p:cNvPr id="9" name="Rectangle 8"/>
+          <p:cNvSpPr/>
+          <p:nvPr/>
+        </p:nvSpPr>
+        <p:spPr>
+          <a:xfrm>
+            <a:off x="3473614" y="1681917"/>
+            <a:ext cx="1752600" cy="457200"/>
+          </a:xfrm>
+          <a:prstGeom prst="rect">
+            <a:avLst/>
+          </a:prstGeom>
+        </p:spPr>
+        <p:style>
+          <a:lnRef idx="1">
+            <a:schemeClr val="accent5"/>
+          </a:lnRef>
+          <a:fillRef idx="2">
+            <a:schemeClr val="accent5"/>
+          </a:fillRef>
+          <a:effectRef idx="1">
+            <a:schemeClr val="accent5"/>
+          </a:effectRef>
+          <a:fontRef idx="minor">
+            <a:schemeClr val="dk1"/>
+          </a:fontRef>
+        </p:style>
+        <p:txBody>
+          <a:bodyPr rtlCol="0" anchor="ctr"/>
+          <a:lstStyle/>
+          <a:p>
+            <a:pPr algn="ctr"/>
+            <a:r>
+              <a:rPr lang="en-US" sz="1200" b="1" noProof="1" smtClean="0">
+                <a:solidFill>
+                  <a:schemeClr val="tx2"/>
+                </a:solidFill>
+                <a:latin typeface="Times New Roman" pitchFamily="18" charset="0"/>
+                <a:cs typeface="Times New Roman" pitchFamily="18" charset="0"/>
+              </a:rPr>
+              <a:t>Attribute Mapping Class</a:t>
+            </a:r>
+            <a:endParaRPr lang="vi-VN" sz="1200" b="1" noProof="1">
+              <a:solidFill>
+                <a:schemeClr val="tx2"/>
+              </a:solidFill>
+              <a:latin typeface="Times New Roman" pitchFamily="18" charset="0"/>
+              <a:cs typeface="Times New Roman" pitchFamily="18" charset="0"/>
+            </a:endParaRPr>
+          </a:p>
+        </p:txBody>
+      </p:sp>
+      <p:sp>
+        <p:nvSpPr>
+          <p:cNvPr id="10" name="Rectangle 9"/>
+          <p:cNvSpPr/>
+          <p:nvPr/>
+        </p:nvSpPr>
+        <p:spPr>
+          <a:xfrm>
+            <a:off x="3484114" y="5382868"/>
+            <a:ext cx="1752600" cy="457200"/>
+          </a:xfrm>
+          <a:prstGeom prst="rect">
+            <a:avLst/>
+          </a:prstGeom>
+        </p:spPr>
+        <p:style>
+          <a:lnRef idx="1">
+            <a:schemeClr val="accent2"/>
+          </a:lnRef>
+          <a:fillRef idx="2">
+            <a:schemeClr val="accent2"/>
+          </a:fillRef>
+          <a:effectRef idx="1">
+            <a:schemeClr val="accent2"/>
+          </a:effectRef>
+          <a:fontRef idx="minor">
+            <a:schemeClr val="dk1"/>
+          </a:fontRef>
+        </p:style>
+        <p:txBody>
+          <a:bodyPr rtlCol="0" anchor="ctr"/>
+          <a:lstStyle/>
+          <a:p>
+            <a:pPr algn="ctr"/>
+            <a:r>
+              <a:rPr lang="en-US" sz="1200" b="1" dirty="0" smtClean="0">
+                <a:solidFill>
+                  <a:schemeClr val="tx2"/>
+                </a:solidFill>
+                <a:latin typeface="Times New Roman" pitchFamily="18" charset="0"/>
+                <a:cs typeface="Times New Roman" pitchFamily="18" charset="0"/>
+              </a:rPr>
+              <a:t>Interface</a:t>
+            </a:r>
+          </a:p>
+          <a:p>
+            <a:pPr algn="ctr"/>
+            <a:r>
+              <a:rPr lang="vi-VN" sz="1200" b="1" noProof="1" smtClean="0">
+                <a:solidFill>
+                  <a:schemeClr val="tx2"/>
+                </a:solidFill>
+                <a:latin typeface="Times New Roman" pitchFamily="18" charset="0"/>
+                <a:cs typeface="Times New Roman" pitchFamily="18" charset="0"/>
+              </a:rPr>
+              <a:t>I</a:t>
+            </a:r>
+            <a:r>
+              <a:rPr lang="en-US" sz="1200" b="1" noProof="1" smtClean="0">
+                <a:solidFill>
+                  <a:schemeClr val="tx2"/>
+                </a:solidFill>
+                <a:latin typeface="Times New Roman" pitchFamily="18" charset="0"/>
+                <a:cs typeface="Times New Roman" pitchFamily="18" charset="0"/>
+              </a:rPr>
+              <a:t>SimilarityTerm</a:t>
+            </a:r>
+            <a:endParaRPr lang="vi-VN" sz="1200" b="1" noProof="1">
+              <a:solidFill>
+                <a:schemeClr val="tx2"/>
+              </a:solidFill>
+              <a:latin typeface="Times New Roman" pitchFamily="18" charset="0"/>
+              <a:cs typeface="Times New Roman" pitchFamily="18" charset="0"/>
+            </a:endParaRPr>
+          </a:p>
+        </p:txBody>
+      </p:sp>
+      <p:sp>
+        <p:nvSpPr>
+          <p:cNvPr id="11" name="Rectangle 10"/>
+          <p:cNvSpPr/>
+          <p:nvPr/>
+        </p:nvSpPr>
+        <p:spPr>
+          <a:xfrm>
+            <a:off x="3485710" y="6019375"/>
+            <a:ext cx="1752600" cy="457200"/>
+          </a:xfrm>
+          <a:prstGeom prst="rect">
+            <a:avLst/>
+          </a:prstGeom>
+        </p:spPr>
+        <p:style>
+          <a:lnRef idx="1">
+            <a:schemeClr val="accent2"/>
+          </a:lnRef>
+          <a:fillRef idx="2">
+            <a:schemeClr val="accent2"/>
+          </a:fillRef>
+          <a:effectRef idx="1">
+            <a:schemeClr val="accent2"/>
+          </a:effectRef>
+          <a:fontRef idx="minor">
+            <a:schemeClr val="dk1"/>
+          </a:fontRef>
+        </p:style>
+        <p:txBody>
+          <a:bodyPr rtlCol="0" anchor="ctr"/>
+          <a:lstStyle/>
+          <a:p>
+            <a:pPr algn="ctr"/>
+            <a:r>
+              <a:rPr lang="en-US" sz="1200" b="1" dirty="0" smtClean="0">
+                <a:solidFill>
+                  <a:schemeClr val="tx2"/>
+                </a:solidFill>
+                <a:latin typeface="Times New Roman" pitchFamily="18" charset="0"/>
+                <a:cs typeface="Times New Roman" pitchFamily="18" charset="0"/>
+              </a:rPr>
+              <a:t>Interface</a:t>
+            </a:r>
+          </a:p>
+          <a:p>
+            <a:pPr algn="ctr"/>
+            <a:r>
+              <a:rPr lang="vi-VN" sz="1200" b="1" noProof="1" smtClean="0">
+                <a:solidFill>
+                  <a:schemeClr val="tx2"/>
+                </a:solidFill>
+                <a:latin typeface="Times New Roman" pitchFamily="18" charset="0"/>
+                <a:cs typeface="Times New Roman" pitchFamily="18" charset="0"/>
+              </a:rPr>
+              <a:t>I</a:t>
+            </a:r>
+            <a:r>
+              <a:rPr lang="en-US" sz="1200" b="1" noProof="1" smtClean="0">
+                <a:solidFill>
+                  <a:schemeClr val="tx2"/>
+                </a:solidFill>
+                <a:latin typeface="Times New Roman" pitchFamily="18" charset="0"/>
+                <a:cs typeface="Times New Roman" pitchFamily="18" charset="0"/>
+              </a:rPr>
+              <a:t>MatchingTool</a:t>
+            </a:r>
+            <a:endParaRPr lang="vi-VN" sz="1200" b="1" noProof="1">
+              <a:solidFill>
+                <a:schemeClr val="tx2"/>
+              </a:solidFill>
+              <a:latin typeface="Times New Roman" pitchFamily="18" charset="0"/>
+              <a:cs typeface="Times New Roman" pitchFamily="18" charset="0"/>
+            </a:endParaRPr>
+          </a:p>
+        </p:txBody>
+      </p:sp>
+      <p:sp>
+        <p:nvSpPr>
+          <p:cNvPr id="12" name="Rectangle 11"/>
+          <p:cNvSpPr/>
+          <p:nvPr/>
+        </p:nvSpPr>
+        <p:spPr>
+          <a:xfrm>
+            <a:off x="5997038" y="3953481"/>
+            <a:ext cx="1752600" cy="457200"/>
+          </a:xfrm>
+          <a:prstGeom prst="rect">
+            <a:avLst/>
+          </a:prstGeom>
+        </p:spPr>
+        <p:style>
+          <a:lnRef idx="1">
+            <a:schemeClr val="dk1"/>
+          </a:lnRef>
+          <a:fillRef idx="2">
+            <a:schemeClr val="dk1"/>
+          </a:fillRef>
+          <a:effectRef idx="1">
+            <a:schemeClr val="dk1"/>
+          </a:effectRef>
+          <a:fontRef idx="minor">
+            <a:schemeClr val="dk1"/>
+          </a:fontRef>
+        </p:style>
+        <p:txBody>
+          <a:bodyPr rtlCol="0" anchor="ctr"/>
+          <a:lstStyle/>
+          <a:p>
+            <a:pPr algn="ctr"/>
+            <a:r>
+              <a:rPr lang="en-US" sz="1200" b="1" noProof="1" smtClean="0">
+                <a:solidFill>
+                  <a:schemeClr val="tx1"/>
+                </a:solidFill>
+                <a:latin typeface="Times New Roman" pitchFamily="18" charset="0"/>
+                <a:cs typeface="Times New Roman" pitchFamily="18" charset="0"/>
+              </a:rPr>
+              <a:t>AnalysisServices</a:t>
+            </a:r>
+            <a:endParaRPr lang="en-US" sz="1200" b="1" noProof="1">
+              <a:solidFill>
+                <a:schemeClr val="tx1"/>
+              </a:solidFill>
+              <a:latin typeface="Times New Roman" pitchFamily="18" charset="0"/>
+              <a:cs typeface="Times New Roman" pitchFamily="18" charset="0"/>
+            </a:endParaRPr>
+          </a:p>
+        </p:txBody>
+      </p:sp>
+      <p:sp>
+        <p:nvSpPr>
+          <p:cNvPr id="13" name="Rectangle 12"/>
+          <p:cNvSpPr/>
+          <p:nvPr/>
+        </p:nvSpPr>
+        <p:spPr>
+          <a:xfrm>
+            <a:off x="5997038" y="4601430"/>
+            <a:ext cx="1752600" cy="457200"/>
+          </a:xfrm>
+          <a:prstGeom prst="rect">
+            <a:avLst/>
+          </a:prstGeom>
+        </p:spPr>
+        <p:style>
+          <a:lnRef idx="1">
+            <a:schemeClr val="accent1"/>
+          </a:lnRef>
+          <a:fillRef idx="2">
+            <a:schemeClr val="accent1"/>
+          </a:fillRef>
+          <a:effectRef idx="1">
+            <a:schemeClr val="accent1"/>
+          </a:effectRef>
+          <a:fontRef idx="minor">
+            <a:schemeClr val="dk1"/>
+          </a:fontRef>
+        </p:style>
+        <p:txBody>
+          <a:bodyPr rtlCol="0" anchor="ctr"/>
+          <a:lstStyle/>
+          <a:p>
+            <a:pPr algn="ctr"/>
+            <a:r>
+              <a:rPr lang="en-US" sz="1200" b="1" noProof="1" smtClean="0">
+                <a:solidFill>
+                  <a:schemeClr val="tx1"/>
+                </a:solidFill>
+                <a:latin typeface="Times New Roman" pitchFamily="18" charset="0"/>
+                <a:cs typeface="Times New Roman" pitchFamily="18" charset="0"/>
+              </a:rPr>
+              <a:t>DecisionTreeStructure</a:t>
+            </a:r>
+            <a:endParaRPr lang="en-US" sz="1200" b="1" noProof="1">
+              <a:solidFill>
+                <a:schemeClr val="tx1"/>
+              </a:solidFill>
+              <a:latin typeface="Times New Roman" pitchFamily="18" charset="0"/>
+              <a:cs typeface="Times New Roman" pitchFamily="18" charset="0"/>
+            </a:endParaRPr>
+          </a:p>
+        </p:txBody>
+      </p:sp>
+      <p:sp>
+        <p:nvSpPr>
+          <p:cNvPr id="14" name="Right Triangle 13"/>
+          <p:cNvSpPr/>
+          <p:nvPr/>
+        </p:nvSpPr>
+        <p:spPr>
+          <a:xfrm rot="8006167" flipH="1">
+            <a:off x="5305474" y="4081403"/>
+            <a:ext cx="194991" cy="201357"/>
+          </a:xfrm>
+          <a:prstGeom prst="rtTriangle">
+            <a:avLst/>
+          </a:prstGeom>
+        </p:spPr>
+        <p:style>
+          <a:lnRef idx="2">
+            <a:schemeClr val="accent1"/>
+          </a:lnRef>
+          <a:fillRef idx="1">
+            <a:schemeClr val="lt1"/>
+          </a:fillRef>
+          <a:effectRef idx="0">
+            <a:schemeClr val="accent1"/>
+          </a:effectRef>
+          <a:fontRef idx="minor">
+            <a:schemeClr val="dk1"/>
+          </a:fontRef>
+        </p:style>
+        <p:txBody>
+          <a:bodyPr rtlCol="0" anchor="ctr"/>
+          <a:lstStyle/>
+          <a:p>
+            <a:pPr algn="ctr"/>
+            <a:endParaRPr lang="vi-VN"/>
+          </a:p>
+        </p:txBody>
+      </p:sp>
+      <p:cxnSp>
+        <p:nvCxnSpPr>
+          <p:cNvPr id="15" name="Straight Connector 14"/>
+          <p:cNvCxnSpPr>
+            <a:stCxn id="14" idx="5"/>
+            <a:endCxn id="12" idx="1"/>
+          </p:cNvCxnSpPr>
+          <p:nvPr/>
+        </p:nvCxnSpPr>
+        <p:spPr>
+          <a:xfrm>
+            <a:off x="5402969" y="4182081"/>
+            <a:ext cx="594069" cy="0"/>
+          </a:xfrm>
+          <a:prstGeom prst="line">
+            <a:avLst/>
+          </a:prstGeom>
+        </p:spPr>
+        <p:style>
+          <a:lnRef idx="1">
+            <a:schemeClr val="accent1"/>
+          </a:lnRef>
+          <a:fillRef idx="0">
+            <a:schemeClr val="accent1"/>
+          </a:fillRef>
+          <a:effectRef idx="0">
+            <a:schemeClr val="accent1"/>
+          </a:effectRef>
+          <a:fontRef idx="minor">
+            <a:schemeClr val="tx1"/>
+          </a:fontRef>
+        </p:style>
+      </p:cxnSp>
+      <p:sp>
+        <p:nvSpPr>
+          <p:cNvPr id="18" name="Rectangle 17"/>
+          <p:cNvSpPr/>
+          <p:nvPr/>
+        </p:nvSpPr>
+        <p:spPr>
+          <a:xfrm>
+            <a:off x="5977246" y="5382868"/>
+            <a:ext cx="1752600" cy="457200"/>
+          </a:xfrm>
+          <a:prstGeom prst="rect">
+            <a:avLst/>
+          </a:prstGeom>
+        </p:spPr>
+        <p:style>
+          <a:lnRef idx="1">
+            <a:schemeClr val="accent3"/>
+          </a:lnRef>
+          <a:fillRef idx="2">
+            <a:schemeClr val="accent3"/>
+          </a:fillRef>
+          <a:effectRef idx="1">
+            <a:schemeClr val="accent3"/>
+          </a:effectRef>
+          <a:fontRef idx="minor">
+            <a:schemeClr val="dk1"/>
+          </a:fontRef>
+        </p:style>
+        <p:txBody>
+          <a:bodyPr rtlCol="0" anchor="ctr"/>
+          <a:lstStyle/>
+          <a:p>
+            <a:pPr algn="ctr"/>
+            <a:r>
+              <a:rPr lang="en-US" sz="1200" b="1" noProof="1" smtClean="0">
+                <a:solidFill>
+                  <a:schemeClr val="tx1"/>
+                </a:solidFill>
+                <a:latin typeface="Times New Roman" pitchFamily="18" charset="0"/>
+                <a:cs typeface="Times New Roman" pitchFamily="18" charset="0"/>
+              </a:rPr>
+              <a:t>SimilarityTerm</a:t>
+            </a:r>
+            <a:endParaRPr lang="en-US" sz="1200" b="1" noProof="1">
+              <a:solidFill>
+                <a:schemeClr val="tx1"/>
+              </a:solidFill>
+              <a:latin typeface="Times New Roman" pitchFamily="18" charset="0"/>
+              <a:cs typeface="Times New Roman" pitchFamily="18" charset="0"/>
+            </a:endParaRPr>
+          </a:p>
+        </p:txBody>
+      </p:sp>
+      <p:sp>
+        <p:nvSpPr>
+          <p:cNvPr id="19" name="Right Triangle 18"/>
+          <p:cNvSpPr/>
+          <p:nvPr/>
+        </p:nvSpPr>
+        <p:spPr>
+          <a:xfrm rot="8006167" flipH="1">
+            <a:off x="5285682" y="5510790"/>
+            <a:ext cx="194991" cy="201357"/>
+          </a:xfrm>
+          <a:prstGeom prst="rtTriangle">
+            <a:avLst/>
+          </a:prstGeom>
+        </p:spPr>
+        <p:style>
+          <a:lnRef idx="2">
+            <a:schemeClr val="accent1"/>
+          </a:lnRef>
+          <a:fillRef idx="1">
+            <a:schemeClr val="lt1"/>
+          </a:fillRef>
+          <a:effectRef idx="0">
+            <a:schemeClr val="accent1"/>
+          </a:effectRef>
+          <a:fontRef idx="minor">
+            <a:schemeClr val="dk1"/>
+          </a:fontRef>
+        </p:style>
+        <p:txBody>
+          <a:bodyPr rtlCol="0" anchor="ctr"/>
+          <a:lstStyle/>
+          <a:p>
+            <a:pPr algn="ctr"/>
+            <a:endParaRPr lang="vi-VN"/>
+          </a:p>
+        </p:txBody>
+      </p:sp>
+      <p:cxnSp>
+        <p:nvCxnSpPr>
+          <p:cNvPr id="20" name="Straight Connector 19"/>
+          <p:cNvCxnSpPr>
+            <a:stCxn id="19" idx="5"/>
+            <a:endCxn id="18" idx="1"/>
+          </p:cNvCxnSpPr>
+          <p:nvPr/>
+        </p:nvCxnSpPr>
+        <p:spPr>
+          <a:xfrm>
+            <a:off x="5383177" y="5611468"/>
+            <a:ext cx="594069" cy="0"/>
+          </a:xfrm>
+          <a:prstGeom prst="line">
+            <a:avLst/>
+          </a:prstGeom>
+        </p:spPr>
+        <p:style>
+          <a:lnRef idx="1">
+            <a:schemeClr val="accent1"/>
+          </a:lnRef>
+          <a:fillRef idx="0">
+            <a:schemeClr val="accent1"/>
+          </a:fillRef>
+          <a:effectRef idx="0">
+            <a:schemeClr val="accent1"/>
+          </a:effectRef>
+          <a:fontRef idx="minor">
+            <a:schemeClr val="tx1"/>
+          </a:fontRef>
+        </p:style>
+      </p:cxnSp>
+      <p:sp>
+        <p:nvSpPr>
+          <p:cNvPr id="21" name="Rectangle 20"/>
+          <p:cNvSpPr/>
+          <p:nvPr/>
+        </p:nvSpPr>
+        <p:spPr>
+          <a:xfrm>
+            <a:off x="5960422" y="6019375"/>
+            <a:ext cx="1752600" cy="457200"/>
+          </a:xfrm>
+          <a:prstGeom prst="rect">
+            <a:avLst/>
+          </a:prstGeom>
+        </p:spPr>
+        <p:style>
+          <a:lnRef idx="1">
+            <a:schemeClr val="accent6"/>
+          </a:lnRef>
+          <a:fillRef idx="2">
+            <a:schemeClr val="accent6"/>
+          </a:fillRef>
+          <a:effectRef idx="1">
+            <a:schemeClr val="accent6"/>
+          </a:effectRef>
+          <a:fontRef idx="minor">
+            <a:schemeClr val="dk1"/>
+          </a:fontRef>
+        </p:style>
+        <p:txBody>
+          <a:bodyPr rtlCol="0" anchor="ctr"/>
+          <a:lstStyle/>
+          <a:p>
+            <a:pPr algn="ctr"/>
+            <a:r>
+              <a:rPr lang="en-US" sz="1200" b="1" noProof="1" smtClean="0">
+                <a:solidFill>
+                  <a:schemeClr val="tx1"/>
+                </a:solidFill>
+                <a:latin typeface="Times New Roman" pitchFamily="18" charset="0"/>
+                <a:cs typeface="Times New Roman" pitchFamily="18" charset="0"/>
+              </a:rPr>
+              <a:t>MatchingTool</a:t>
+            </a:r>
+            <a:endParaRPr lang="en-US" sz="1200" b="1" noProof="1">
+              <a:solidFill>
+                <a:schemeClr val="tx1"/>
+              </a:solidFill>
+              <a:latin typeface="Times New Roman" pitchFamily="18" charset="0"/>
+              <a:cs typeface="Times New Roman" pitchFamily="18" charset="0"/>
+            </a:endParaRPr>
+          </a:p>
+        </p:txBody>
+      </p:sp>
+      <p:sp>
+        <p:nvSpPr>
+          <p:cNvPr id="22" name="Right Triangle 21"/>
+          <p:cNvSpPr/>
+          <p:nvPr/>
+        </p:nvSpPr>
+        <p:spPr>
+          <a:xfrm rot="8006167" flipH="1">
+            <a:off x="5268858" y="6147297"/>
+            <a:ext cx="194991" cy="201357"/>
+          </a:xfrm>
+          <a:prstGeom prst="rtTriangle">
+            <a:avLst/>
+          </a:prstGeom>
+        </p:spPr>
+        <p:style>
+          <a:lnRef idx="2">
+            <a:schemeClr val="accent1"/>
+          </a:lnRef>
+          <a:fillRef idx="1">
+            <a:schemeClr val="lt1"/>
+          </a:fillRef>
+          <a:effectRef idx="0">
+            <a:schemeClr val="accent1"/>
+          </a:effectRef>
+          <a:fontRef idx="minor">
+            <a:schemeClr val="dk1"/>
+          </a:fontRef>
+        </p:style>
+        <p:txBody>
+          <a:bodyPr rtlCol="0" anchor="ctr"/>
+          <a:lstStyle/>
+          <a:p>
+            <a:pPr algn="ctr"/>
+            <a:endParaRPr lang="vi-VN"/>
+          </a:p>
+        </p:txBody>
+      </p:sp>
+      <p:cxnSp>
+        <p:nvCxnSpPr>
+          <p:cNvPr id="23" name="Straight Connector 22"/>
+          <p:cNvCxnSpPr>
+            <a:stCxn id="22" idx="5"/>
+            <a:endCxn id="21" idx="1"/>
+          </p:cNvCxnSpPr>
+          <p:nvPr/>
+        </p:nvCxnSpPr>
+        <p:spPr>
+          <a:xfrm>
+            <a:off x="5366353" y="6247975"/>
+            <a:ext cx="594069" cy="0"/>
+          </a:xfrm>
+          <a:prstGeom prst="line">
+            <a:avLst/>
+          </a:prstGeom>
+        </p:spPr>
+        <p:style>
+          <a:lnRef idx="1">
+            <a:schemeClr val="accent1"/>
+          </a:lnRef>
+          <a:fillRef idx="0">
+            <a:schemeClr val="accent1"/>
+          </a:fillRef>
+          <a:effectRef idx="0">
+            <a:schemeClr val="accent1"/>
+          </a:effectRef>
+          <a:fontRef idx="minor">
+            <a:schemeClr val="tx1"/>
+          </a:fontRef>
+        </p:style>
+      </p:cxnSp>
+      <p:cxnSp>
+        <p:nvCxnSpPr>
+          <p:cNvPr id="24" name="Straight Connector 23"/>
+          <p:cNvCxnSpPr>
+            <a:endCxn id="5" idx="1"/>
+          </p:cNvCxnSpPr>
+          <p:nvPr/>
+        </p:nvCxnSpPr>
+        <p:spPr>
+          <a:xfrm>
+            <a:off x="2209800" y="4043772"/>
+            <a:ext cx="1275910" cy="131791"/>
+          </a:xfrm>
+          <a:prstGeom prst="line">
+            <a:avLst/>
+          </a:prstGeom>
+        </p:spPr>
+        <p:style>
+          <a:lnRef idx="1">
+            <a:schemeClr val="accent1"/>
+          </a:lnRef>
+          <a:fillRef idx="0">
+            <a:schemeClr val="accent1"/>
+          </a:fillRef>
+          <a:effectRef idx="0">
+            <a:schemeClr val="accent1"/>
+          </a:effectRef>
+          <a:fontRef idx="minor">
+            <a:schemeClr val="tx1"/>
+          </a:fontRef>
+        </p:style>
+      </p:cxnSp>
+      <p:cxnSp>
+        <p:nvCxnSpPr>
+          <p:cNvPr id="25" name="Straight Connector 24"/>
+          <p:cNvCxnSpPr>
+            <a:endCxn id="6" idx="1"/>
+          </p:cNvCxnSpPr>
+          <p:nvPr/>
+        </p:nvCxnSpPr>
+        <p:spPr>
+          <a:xfrm>
+            <a:off x="2209800" y="4043772"/>
+            <a:ext cx="1275910" cy="795337"/>
+          </a:xfrm>
+          <a:prstGeom prst="line">
+            <a:avLst/>
+          </a:prstGeom>
+        </p:spPr>
+        <p:style>
+          <a:lnRef idx="1">
+            <a:schemeClr val="accent1"/>
+          </a:lnRef>
+          <a:fillRef idx="0">
+            <a:schemeClr val="accent1"/>
+          </a:fillRef>
+          <a:effectRef idx="0">
+            <a:schemeClr val="accent1"/>
+          </a:effectRef>
+          <a:fontRef idx="minor">
+            <a:schemeClr val="tx1"/>
+          </a:fontRef>
+        </p:style>
+      </p:cxnSp>
+      <p:cxnSp>
+        <p:nvCxnSpPr>
+          <p:cNvPr id="26" name="Straight Connector 25"/>
+          <p:cNvCxnSpPr>
+            <a:endCxn id="10" idx="1"/>
+          </p:cNvCxnSpPr>
+          <p:nvPr/>
+        </p:nvCxnSpPr>
+        <p:spPr>
+          <a:xfrm>
+            <a:off x="2209800" y="4043772"/>
+            <a:ext cx="1274314" cy="1567696"/>
+          </a:xfrm>
+          <a:prstGeom prst="line">
+            <a:avLst/>
+          </a:prstGeom>
+        </p:spPr>
+        <p:style>
+          <a:lnRef idx="1">
+            <a:schemeClr val="accent1"/>
+          </a:lnRef>
+          <a:fillRef idx="0">
+            <a:schemeClr val="accent1"/>
+          </a:fillRef>
+          <a:effectRef idx="0">
+            <a:schemeClr val="accent1"/>
+          </a:effectRef>
+          <a:fontRef idx="minor">
+            <a:schemeClr val="tx1"/>
+          </a:fontRef>
+        </p:style>
+      </p:cxnSp>
+      <p:cxnSp>
+        <p:nvCxnSpPr>
+          <p:cNvPr id="27" name="Straight Connector 26"/>
+          <p:cNvCxnSpPr>
+            <a:endCxn id="11" idx="1"/>
+          </p:cNvCxnSpPr>
+          <p:nvPr/>
+        </p:nvCxnSpPr>
+        <p:spPr>
+          <a:xfrm>
+            <a:off x="2209800" y="4043772"/>
+            <a:ext cx="1275910" cy="2204203"/>
+          </a:xfrm>
+          <a:prstGeom prst="line">
+            <a:avLst/>
+          </a:prstGeom>
+        </p:spPr>
+        <p:style>
+          <a:lnRef idx="1">
+            <a:schemeClr val="accent1"/>
+          </a:lnRef>
+          <a:fillRef idx="0">
+            <a:schemeClr val="accent1"/>
+          </a:fillRef>
+          <a:effectRef idx="0">
+            <a:schemeClr val="accent1"/>
+          </a:effectRef>
+          <a:fontRef idx="minor">
+            <a:schemeClr val="tx1"/>
+          </a:fontRef>
+        </p:style>
+      </p:cxnSp>
+      <p:cxnSp>
+        <p:nvCxnSpPr>
+          <p:cNvPr id="28" name="Straight Connector 27"/>
+          <p:cNvCxnSpPr>
+            <a:endCxn id="9" idx="1"/>
+          </p:cNvCxnSpPr>
+          <p:nvPr/>
+        </p:nvCxnSpPr>
+        <p:spPr>
+          <a:xfrm flipV="1">
+            <a:off x="2209800" y="1910517"/>
+            <a:ext cx="1263814" cy="2127886"/>
+          </a:xfrm>
+          <a:prstGeom prst="line">
+            <a:avLst/>
+          </a:prstGeom>
+        </p:spPr>
+        <p:style>
+          <a:lnRef idx="1">
+            <a:schemeClr val="accent1"/>
+          </a:lnRef>
+          <a:fillRef idx="0">
+            <a:schemeClr val="accent1"/>
+          </a:fillRef>
+          <a:effectRef idx="0">
+            <a:schemeClr val="accent1"/>
+          </a:effectRef>
+          <a:fontRef idx="minor">
+            <a:schemeClr val="tx1"/>
+          </a:fontRef>
+        </p:style>
+      </p:cxnSp>
+      <p:sp>
+        <p:nvSpPr>
+          <p:cNvPr id="29" name="Rectangle 28"/>
+          <p:cNvSpPr/>
+          <p:nvPr/>
+        </p:nvSpPr>
+        <p:spPr>
+          <a:xfrm>
+            <a:off x="3473614" y="3149918"/>
+            <a:ext cx="1752600" cy="457200"/>
+          </a:xfrm>
+          <a:prstGeom prst="rect">
+            <a:avLst/>
+          </a:prstGeom>
+        </p:spPr>
+        <p:style>
+          <a:lnRef idx="1">
+            <a:schemeClr val="accent2"/>
+          </a:lnRef>
+          <a:fillRef idx="2">
+            <a:schemeClr val="accent2"/>
+          </a:fillRef>
+          <a:effectRef idx="1">
+            <a:schemeClr val="accent2"/>
+          </a:effectRef>
+          <a:fontRef idx="minor">
+            <a:schemeClr val="dk1"/>
+          </a:fontRef>
+        </p:style>
+        <p:txBody>
+          <a:bodyPr rtlCol="0" anchor="ctr"/>
+          <a:lstStyle/>
+          <a:p>
+            <a:pPr algn="ctr"/>
+            <a:r>
+              <a:rPr lang="en-US" sz="1200" b="1" dirty="0" smtClean="0">
+                <a:solidFill>
+                  <a:schemeClr val="tx2"/>
+                </a:solidFill>
+                <a:latin typeface="Times New Roman" pitchFamily="18" charset="0"/>
+                <a:cs typeface="Times New Roman" pitchFamily="18" charset="0"/>
+              </a:rPr>
+              <a:t>Interface </a:t>
+            </a:r>
+            <a:r>
+              <a:rPr lang="en-US" sz="1200" b="1" noProof="1" smtClean="0">
+                <a:solidFill>
+                  <a:schemeClr val="tx2"/>
+                </a:solidFill>
+                <a:latin typeface="Times New Roman" pitchFamily="18" charset="0"/>
+                <a:cs typeface="Times New Roman" pitchFamily="18" charset="0"/>
+              </a:rPr>
+              <a:t>IJobZoomDataAccess</a:t>
+            </a:r>
+            <a:endParaRPr lang="en-US" sz="1200" b="1" noProof="1">
+              <a:solidFill>
+                <a:schemeClr val="tx2"/>
+              </a:solidFill>
+              <a:latin typeface="Times New Roman" pitchFamily="18" charset="0"/>
+              <a:cs typeface="Times New Roman" pitchFamily="18" charset="0"/>
+            </a:endParaRPr>
+          </a:p>
+        </p:txBody>
+      </p:sp>
+      <p:sp>
+        <p:nvSpPr>
+          <p:cNvPr id="30" name="Rectangle 29"/>
+          <p:cNvSpPr/>
+          <p:nvPr/>
+        </p:nvSpPr>
+        <p:spPr>
+          <a:xfrm>
+            <a:off x="5997038" y="3149918"/>
+            <a:ext cx="1752600" cy="457200"/>
+          </a:xfrm>
+          <a:prstGeom prst="rect">
+            <a:avLst/>
+          </a:prstGeom>
+        </p:spPr>
+        <p:style>
+          <a:lnRef idx="1">
+            <a:schemeClr val="accent4"/>
+          </a:lnRef>
+          <a:fillRef idx="2">
+            <a:schemeClr val="accent4"/>
+          </a:fillRef>
+          <a:effectRef idx="1">
+            <a:schemeClr val="accent4"/>
+          </a:effectRef>
+          <a:fontRef idx="minor">
+            <a:schemeClr val="dk1"/>
+          </a:fontRef>
+        </p:style>
+        <p:txBody>
+          <a:bodyPr rtlCol="0" anchor="ctr"/>
+          <a:lstStyle/>
+          <a:p>
+            <a:pPr algn="ctr"/>
+            <a:r>
+              <a:rPr lang="en-US" sz="1200" b="1" noProof="1" smtClean="0">
+                <a:solidFill>
+                  <a:schemeClr val="tx1"/>
+                </a:solidFill>
+                <a:latin typeface="Times New Roman" pitchFamily="18" charset="0"/>
+                <a:cs typeface="Times New Roman" pitchFamily="18" charset="0"/>
+              </a:rPr>
+              <a:t>JobZoomDataAccess</a:t>
+            </a:r>
+            <a:endParaRPr lang="en-US" sz="1200" b="1" noProof="1">
+              <a:solidFill>
+                <a:schemeClr val="tx1"/>
+              </a:solidFill>
+              <a:latin typeface="Times New Roman" pitchFamily="18" charset="0"/>
+              <a:cs typeface="Times New Roman" pitchFamily="18" charset="0"/>
+            </a:endParaRPr>
+          </a:p>
+        </p:txBody>
+      </p:sp>
+      <p:cxnSp>
+        <p:nvCxnSpPr>
+          <p:cNvPr id="31" name="Straight Connector 30"/>
+          <p:cNvCxnSpPr>
+            <a:endCxn id="29" idx="1"/>
+          </p:cNvCxnSpPr>
+          <p:nvPr/>
+        </p:nvCxnSpPr>
+        <p:spPr>
+          <a:xfrm flipV="1">
+            <a:off x="2209800" y="3378518"/>
+            <a:ext cx="1263814" cy="665254"/>
+          </a:xfrm>
+          <a:prstGeom prst="line">
+            <a:avLst/>
+          </a:prstGeom>
+        </p:spPr>
+        <p:style>
+          <a:lnRef idx="1">
+            <a:schemeClr val="accent1"/>
+          </a:lnRef>
+          <a:fillRef idx="0">
+            <a:schemeClr val="accent1"/>
+          </a:fillRef>
+          <a:effectRef idx="0">
+            <a:schemeClr val="accent1"/>
+          </a:effectRef>
+          <a:fontRef idx="minor">
+            <a:schemeClr val="tx1"/>
+          </a:fontRef>
+        </p:style>
+      </p:cxnSp>
+      <p:sp>
+        <p:nvSpPr>
+          <p:cNvPr id="32" name="Right Triangle 31"/>
+          <p:cNvSpPr/>
+          <p:nvPr/>
+        </p:nvSpPr>
+        <p:spPr>
+          <a:xfrm rot="8006167" flipH="1">
+            <a:off x="5279358" y="3277840"/>
+            <a:ext cx="194991" cy="201357"/>
+          </a:xfrm>
+          <a:prstGeom prst="rtTriangle">
+            <a:avLst/>
+          </a:prstGeom>
+        </p:spPr>
+        <p:style>
+          <a:lnRef idx="2">
+            <a:schemeClr val="accent1"/>
+          </a:lnRef>
+          <a:fillRef idx="1">
+            <a:schemeClr val="lt1"/>
+          </a:fillRef>
+          <a:effectRef idx="0">
+            <a:schemeClr val="accent1"/>
+          </a:effectRef>
+          <a:fontRef idx="minor">
+            <a:schemeClr val="dk1"/>
+          </a:fontRef>
+        </p:style>
+        <p:txBody>
+          <a:bodyPr rtlCol="0" anchor="ctr"/>
+          <a:lstStyle/>
+          <a:p>
+            <a:pPr algn="ctr"/>
+            <a:endParaRPr lang="vi-VN"/>
+          </a:p>
+        </p:txBody>
+      </p:sp>
+      <p:cxnSp>
+        <p:nvCxnSpPr>
+          <p:cNvPr id="33" name="Straight Connector 32"/>
+          <p:cNvCxnSpPr>
+            <a:stCxn id="32" idx="5"/>
+          </p:cNvCxnSpPr>
+          <p:nvPr/>
+        </p:nvCxnSpPr>
+        <p:spPr>
+          <a:xfrm>
+            <a:off x="5376853" y="3378518"/>
+            <a:ext cx="594069" cy="0"/>
+          </a:xfrm>
+          <a:prstGeom prst="line">
+            <a:avLst/>
+          </a:prstGeom>
+        </p:spPr>
+        <p:style>
+          <a:lnRef idx="1">
+            <a:schemeClr val="accent1"/>
+          </a:lnRef>
+          <a:fillRef idx="0">
+            <a:schemeClr val="accent1"/>
+          </a:fillRef>
+          <a:effectRef idx="0">
+            <a:schemeClr val="accent1"/>
+          </a:effectRef>
+          <a:fontRef idx="minor">
+            <a:schemeClr val="tx1"/>
+          </a:fontRef>
+        </p:style>
+      </p:cxnSp>
+      <p:cxnSp>
+        <p:nvCxnSpPr>
+          <p:cNvPr id="35" name="Straight Connector 34"/>
+          <p:cNvCxnSpPr/>
+          <p:nvPr/>
+        </p:nvCxnSpPr>
+        <p:spPr>
+          <a:xfrm flipV="1">
+            <a:off x="2209800" y="2712783"/>
+            <a:ext cx="1266783" cy="1330989"/>
+          </a:xfrm>
+          <a:prstGeom prst="line">
+            <a:avLst/>
+          </a:prstGeom>
+        </p:spPr>
+        <p:style>
+          <a:lnRef idx="1">
+            <a:schemeClr val="accent1"/>
+          </a:lnRef>
+          <a:fillRef idx="0">
+            <a:schemeClr val="accent1"/>
+          </a:fillRef>
+          <a:effectRef idx="0">
+            <a:schemeClr val="accent1"/>
+          </a:effectRef>
+          <a:fontRef idx="minor">
+            <a:schemeClr val="tx1"/>
+          </a:fontRef>
+        </p:style>
+      </p:cxnSp>
+      <p:pic>
+        <p:nvPicPr>
+          <p:cNvPr id="36" name="Picture 35"/>
+          <p:cNvPicPr>
+            <a:picLocks noChangeAspect="1"/>
+          </p:cNvPicPr>
+          <p:nvPr/>
+        </p:nvPicPr>
+        <p:blipFill>
+          <a:blip r:embed="rId2" cstate="print">
+            <a:extLst>
+              <a:ext uri="{28A0092B-C50C-407E-A947-70E740481C1C}">
+                <a14:useLocalDpi xmlns:a14="http://schemas.microsoft.com/office/drawing/2010/main" val="0"/>
+              </a:ext>
+            </a:extLst>
+          </a:blip>
+          <a:stretch>
+            <a:fillRect/>
+          </a:stretch>
+        </p:blipFill>
+        <p:spPr>
+          <a:xfrm>
+            <a:off x="1196340" y="3672643"/>
+            <a:ext cx="731520" cy="731520"/>
+          </a:xfrm>
+          <a:prstGeom prst="rect">
+            <a:avLst/>
+          </a:prstGeom>
+        </p:spPr>
+      </p:pic>
+      <p:sp>
+        <p:nvSpPr>
+          <p:cNvPr id="37" name="Rectangle 36"/>
+          <p:cNvSpPr/>
+          <p:nvPr/>
+        </p:nvSpPr>
+        <p:spPr>
+          <a:xfrm>
+            <a:off x="6019800" y="2438400"/>
+            <a:ext cx="1752600" cy="457200"/>
+          </a:xfrm>
+          <a:prstGeom prst="rect">
+            <a:avLst/>
+          </a:prstGeom>
+        </p:spPr>
+        <p:style>
+          <a:lnRef idx="1">
+            <a:schemeClr val="accent5"/>
+          </a:lnRef>
+          <a:fillRef idx="2">
+            <a:schemeClr val="accent5"/>
+          </a:fillRef>
+          <a:effectRef idx="1">
+            <a:schemeClr val="accent5"/>
+          </a:effectRef>
+          <a:fontRef idx="minor">
+            <a:schemeClr val="dk1"/>
+          </a:fontRef>
+        </p:style>
+        <p:txBody>
+          <a:bodyPr rtlCol="0" anchor="ctr"/>
+          <a:lstStyle/>
+          <a:p>
+            <a:pPr algn="ctr"/>
+            <a:r>
+              <a:rPr lang="en-US" sz="1200" b="1" noProof="1" smtClean="0">
+                <a:solidFill>
+                  <a:schemeClr val="tx2"/>
+                </a:solidFill>
+                <a:latin typeface="Times New Roman" pitchFamily="18" charset="0"/>
+                <a:cs typeface="Times New Roman" pitchFamily="18" charset="0"/>
+              </a:rPr>
+              <a:t>Abstract Hierarchy Tree Class</a:t>
+            </a:r>
+            <a:endParaRPr lang="vi-VN" sz="1200" b="1" noProof="1">
+              <a:solidFill>
+                <a:schemeClr val="tx2"/>
+              </a:solidFill>
+              <a:latin typeface="Times New Roman" pitchFamily="18" charset="0"/>
+              <a:cs typeface="Times New Roman" pitchFamily="18" charset="0"/>
+            </a:endParaRPr>
+          </a:p>
+        </p:txBody>
+      </p:sp>
+      <p:sp>
+        <p:nvSpPr>
+          <p:cNvPr id="39" name="Right Triangle 38"/>
+          <p:cNvSpPr/>
+          <p:nvPr/>
+        </p:nvSpPr>
+        <p:spPr>
+          <a:xfrm rot="8006167" flipH="1">
+            <a:off x="5328236" y="2612105"/>
+            <a:ext cx="194991" cy="201357"/>
+          </a:xfrm>
+          <a:prstGeom prst="rtTriangle">
+            <a:avLst/>
+          </a:prstGeom>
+        </p:spPr>
+        <p:style>
+          <a:lnRef idx="2">
+            <a:schemeClr val="accent1"/>
+          </a:lnRef>
+          <a:fillRef idx="1">
+            <a:schemeClr val="lt1"/>
+          </a:fillRef>
+          <a:effectRef idx="0">
+            <a:schemeClr val="accent1"/>
+          </a:effectRef>
+          <a:fontRef idx="minor">
+            <a:schemeClr val="dk1"/>
+          </a:fontRef>
+        </p:style>
+        <p:txBody>
+          <a:bodyPr rtlCol="0" anchor="ctr"/>
+          <a:lstStyle/>
+          <a:p>
+            <a:pPr algn="ctr"/>
+            <a:endParaRPr lang="vi-VN"/>
+          </a:p>
+        </p:txBody>
+      </p:sp>
+      <p:cxnSp>
+        <p:nvCxnSpPr>
+          <p:cNvPr id="40" name="Straight Connector 39"/>
+          <p:cNvCxnSpPr>
+            <a:stCxn id="39" idx="5"/>
+          </p:cNvCxnSpPr>
+          <p:nvPr/>
+        </p:nvCxnSpPr>
+        <p:spPr>
+          <a:xfrm>
+            <a:off x="5425731" y="2712783"/>
+            <a:ext cx="594069" cy="0"/>
+          </a:xfrm>
+          <a:prstGeom prst="line">
+            <a:avLst/>
+          </a:prstGeom>
+        </p:spPr>
+        <p:style>
+          <a:lnRef idx="1">
+            <a:schemeClr val="accent1"/>
+          </a:lnRef>
+          <a:fillRef idx="0">
+            <a:schemeClr val="accent1"/>
+          </a:fillRef>
+          <a:effectRef idx="0">
+            <a:schemeClr val="accent1"/>
+          </a:effectRef>
+          <a:fontRef idx="minor">
+            <a:schemeClr val="tx1"/>
+          </a:fontRef>
+        </p:style>
+      </p:cxnSp>
+      <p:sp>
+        <p:nvSpPr>
+          <p:cNvPr id="41" name="Right Triangle 40"/>
+          <p:cNvSpPr/>
+          <p:nvPr/>
+        </p:nvSpPr>
+        <p:spPr>
+          <a:xfrm rot="8006167" flipH="1">
+            <a:off x="5267668" y="4753533"/>
+            <a:ext cx="194991" cy="201357"/>
+          </a:xfrm>
+          <a:prstGeom prst="rtTriangle">
+            <a:avLst/>
+          </a:prstGeom>
+        </p:spPr>
+        <p:style>
+          <a:lnRef idx="2">
+            <a:schemeClr val="accent1"/>
+          </a:lnRef>
+          <a:fillRef idx="1">
+            <a:schemeClr val="lt1"/>
+          </a:fillRef>
+          <a:effectRef idx="0">
+            <a:schemeClr val="accent1"/>
+          </a:effectRef>
+          <a:fontRef idx="minor">
+            <a:schemeClr val="dk1"/>
+          </a:fontRef>
+        </p:style>
+        <p:txBody>
+          <a:bodyPr rtlCol="0" anchor="ctr"/>
+          <a:lstStyle/>
+          <a:p>
+            <a:pPr algn="ctr"/>
+            <a:endParaRPr lang="vi-VN"/>
+          </a:p>
+        </p:txBody>
+      </p:sp>
+      <p:cxnSp>
+        <p:nvCxnSpPr>
+          <p:cNvPr id="42" name="Straight Connector 41"/>
+          <p:cNvCxnSpPr>
+            <a:stCxn id="41" idx="5"/>
+          </p:cNvCxnSpPr>
+          <p:nvPr/>
+        </p:nvCxnSpPr>
+        <p:spPr>
+          <a:xfrm>
+            <a:off x="5365163" y="4854211"/>
+            <a:ext cx="594069" cy="0"/>
+          </a:xfrm>
+          <a:prstGeom prst="line">
+            <a:avLst/>
+          </a:prstGeom>
+        </p:spPr>
+        <p:style>
+          <a:lnRef idx="1">
+            <a:schemeClr val="accent1"/>
+          </a:lnRef>
+          <a:fillRef idx="0">
+            <a:schemeClr val="accent1"/>
+          </a:fillRef>
+          <a:effectRef idx="0">
+            <a:schemeClr val="accent1"/>
+          </a:effectRef>
+          <a:fontRef idx="minor">
+            <a:schemeClr val="tx1"/>
+          </a:fontRef>
+        </p:style>
+      </p:cxnSp>
+      <p:sp>
+        <p:nvSpPr>
+          <p:cNvPr id="45" name="Rectangle 44"/>
+          <p:cNvSpPr/>
+          <p:nvPr/>
+        </p:nvSpPr>
+        <p:spPr>
+          <a:xfrm>
+            <a:off x="3505200" y="1085182"/>
+            <a:ext cx="1752600" cy="457200"/>
+          </a:xfrm>
+          <a:prstGeom prst="rect">
+            <a:avLst/>
+          </a:prstGeom>
+        </p:spPr>
+        <p:style>
+          <a:lnRef idx="1">
+            <a:schemeClr val="accent5"/>
+          </a:lnRef>
+          <a:fillRef idx="2">
+            <a:schemeClr val="accent5"/>
+          </a:fillRef>
+          <a:effectRef idx="1">
+            <a:schemeClr val="accent5"/>
+          </a:effectRef>
+          <a:fontRef idx="minor">
+            <a:schemeClr val="dk1"/>
+          </a:fontRef>
+        </p:style>
+        <p:txBody>
+          <a:bodyPr rtlCol="0" anchor="ctr"/>
+          <a:lstStyle/>
+          <a:p>
+            <a:pPr algn="ctr"/>
+            <a:r>
+              <a:rPr lang="en-US" sz="1200" b="1" noProof="1" smtClean="0">
+                <a:solidFill>
+                  <a:schemeClr val="tx2"/>
+                </a:solidFill>
+                <a:latin typeface="Times New Roman" pitchFamily="18" charset="0"/>
+                <a:cs typeface="Times New Roman" pitchFamily="18" charset="0"/>
+              </a:rPr>
+              <a:t>Interface</a:t>
+            </a:r>
+          </a:p>
+          <a:p>
+            <a:pPr algn="ctr"/>
+            <a:r>
+              <a:rPr lang="en-US" sz="1200" b="1" noProof="1" smtClean="0">
+                <a:solidFill>
+                  <a:schemeClr val="tx2"/>
+                </a:solidFill>
+                <a:latin typeface="Times New Roman" pitchFamily="18" charset="0"/>
+                <a:cs typeface="Times New Roman" pitchFamily="18" charset="0"/>
+              </a:rPr>
+              <a:t>IAttributeTag</a:t>
+            </a:r>
+            <a:endParaRPr lang="vi-VN" sz="1200" b="1" noProof="1">
+              <a:solidFill>
+                <a:schemeClr val="tx2"/>
+              </a:solidFill>
+              <a:latin typeface="Times New Roman" pitchFamily="18" charset="0"/>
+              <a:cs typeface="Times New Roman" pitchFamily="18" charset="0"/>
+            </a:endParaRPr>
+          </a:p>
+        </p:txBody>
+      </p:sp>
+      <p:sp>
+        <p:nvSpPr>
+          <p:cNvPr id="46" name="Rectangle 45"/>
+          <p:cNvSpPr/>
+          <p:nvPr/>
+        </p:nvSpPr>
+        <p:spPr>
+          <a:xfrm>
+            <a:off x="5955820" y="1085182"/>
+            <a:ext cx="1752600" cy="457200"/>
+          </a:xfrm>
+          <a:prstGeom prst="rect">
+            <a:avLst/>
+          </a:prstGeom>
+        </p:spPr>
+        <p:style>
+          <a:lnRef idx="1">
+            <a:schemeClr val="accent4"/>
+          </a:lnRef>
+          <a:fillRef idx="2">
+            <a:schemeClr val="accent4"/>
+          </a:fillRef>
+          <a:effectRef idx="1">
+            <a:schemeClr val="accent4"/>
+          </a:effectRef>
+          <a:fontRef idx="minor">
+            <a:schemeClr val="dk1"/>
+          </a:fontRef>
+        </p:style>
+        <p:txBody>
+          <a:bodyPr rtlCol="0" anchor="ctr"/>
+          <a:lstStyle/>
+          <a:p>
+            <a:pPr algn="ctr"/>
+            <a:r>
+              <a:rPr lang="en-US" sz="1200" b="1" noProof="1" smtClean="0">
+                <a:solidFill>
+                  <a:schemeClr val="tx1"/>
+                </a:solidFill>
+                <a:latin typeface="Times New Roman" pitchFamily="18" charset="0"/>
+                <a:cs typeface="Times New Roman" pitchFamily="18" charset="0"/>
+              </a:rPr>
+              <a:t>AttributeTag</a:t>
+            </a:r>
+            <a:endParaRPr lang="en-US" sz="1200" b="1" noProof="1">
+              <a:solidFill>
+                <a:schemeClr val="tx1"/>
+              </a:solidFill>
+              <a:latin typeface="Times New Roman" pitchFamily="18" charset="0"/>
+              <a:cs typeface="Times New Roman" pitchFamily="18" charset="0"/>
+            </a:endParaRPr>
+          </a:p>
+        </p:txBody>
+      </p:sp>
+      <p:sp>
+        <p:nvSpPr>
+          <p:cNvPr id="47" name="Right Triangle 46"/>
+          <p:cNvSpPr/>
+          <p:nvPr/>
+        </p:nvSpPr>
+        <p:spPr>
+          <a:xfrm rot="8006167" flipH="1">
+            <a:off x="5305473" y="1213104"/>
+            <a:ext cx="194991" cy="201357"/>
+          </a:xfrm>
+          <a:prstGeom prst="rtTriangle">
+            <a:avLst/>
+          </a:prstGeom>
+        </p:spPr>
+        <p:style>
+          <a:lnRef idx="2">
+            <a:schemeClr val="accent1"/>
+          </a:lnRef>
+          <a:fillRef idx="1">
+            <a:schemeClr val="lt1"/>
+          </a:fillRef>
+          <a:effectRef idx="0">
+            <a:schemeClr val="accent1"/>
+          </a:effectRef>
+          <a:fontRef idx="minor">
+            <a:schemeClr val="dk1"/>
+          </a:fontRef>
+        </p:style>
+        <p:txBody>
+          <a:bodyPr rtlCol="0" anchor="ctr"/>
+          <a:lstStyle/>
+          <a:p>
+            <a:pPr algn="ctr"/>
+            <a:endParaRPr lang="vi-VN"/>
+          </a:p>
+        </p:txBody>
+      </p:sp>
+      <p:cxnSp>
+        <p:nvCxnSpPr>
+          <p:cNvPr id="48" name="Straight Connector 47"/>
+          <p:cNvCxnSpPr>
+            <a:stCxn id="47" idx="5"/>
+            <a:endCxn id="46" idx="1"/>
+          </p:cNvCxnSpPr>
+          <p:nvPr/>
+        </p:nvCxnSpPr>
+        <p:spPr>
+          <a:xfrm>
+            <a:off x="5402968" y="1313782"/>
+            <a:ext cx="552852" cy="0"/>
+          </a:xfrm>
+          <a:prstGeom prst="line">
+            <a:avLst/>
+          </a:prstGeom>
+        </p:spPr>
+        <p:style>
+          <a:lnRef idx="1">
+            <a:schemeClr val="accent1"/>
+          </a:lnRef>
+          <a:fillRef idx="0">
+            <a:schemeClr val="accent1"/>
+          </a:fillRef>
+          <a:effectRef idx="0">
+            <a:schemeClr val="accent1"/>
+          </a:effectRef>
+          <a:fontRef idx="minor">
+            <a:schemeClr val="tx1"/>
+          </a:fontRef>
+        </p:style>
+      </p:cxnSp>
+      <p:cxnSp>
+        <p:nvCxnSpPr>
+          <p:cNvPr id="49" name="Straight Connector 48"/>
+          <p:cNvCxnSpPr>
+            <a:endCxn id="45" idx="1"/>
+          </p:cNvCxnSpPr>
+          <p:nvPr/>
+        </p:nvCxnSpPr>
+        <p:spPr>
+          <a:xfrm flipV="1">
+            <a:off x="2209800" y="1313782"/>
+            <a:ext cx="1295400" cy="2724621"/>
+          </a:xfrm>
+          <a:prstGeom prst="line">
+            <a:avLst/>
+          </a:prstGeom>
+        </p:spPr>
+        <p:style>
+          <a:lnRef idx="1">
+            <a:schemeClr val="accent1"/>
+          </a:lnRef>
+          <a:fillRef idx="0">
+            <a:schemeClr val="accent1"/>
+          </a:fillRef>
+          <a:effectRef idx="0">
+            <a:schemeClr val="accent1"/>
+          </a:effectRef>
+          <a:fontRef idx="minor">
+            <a:schemeClr val="tx1"/>
+          </a:fontRef>
+        </p:style>
+      </p:cxnSp>
+      <p:sp>
+        <p:nvSpPr>
+          <p:cNvPr id="52" name="Rectangle 51"/>
+          <p:cNvSpPr/>
+          <p:nvPr/>
+        </p:nvSpPr>
+        <p:spPr>
+          <a:xfrm>
+            <a:off x="3505200" y="2400594"/>
+            <a:ext cx="1752600" cy="540789"/>
+          </a:xfrm>
+          <a:prstGeom prst="rect">
+            <a:avLst/>
+          </a:prstGeom>
+        </p:spPr>
+        <p:style>
+          <a:lnRef idx="1">
+            <a:schemeClr val="accent5"/>
+          </a:lnRef>
+          <a:fillRef idx="2">
+            <a:schemeClr val="accent5"/>
+          </a:fillRef>
+          <a:effectRef idx="1">
+            <a:schemeClr val="accent5"/>
+          </a:effectRef>
+          <a:fontRef idx="minor">
+            <a:schemeClr val="dk1"/>
+          </a:fontRef>
+        </p:style>
+        <p:txBody>
+          <a:bodyPr rtlCol="0" anchor="ctr"/>
+          <a:lstStyle/>
+          <a:p>
+            <a:pPr algn="ctr"/>
+            <a:r>
+              <a:rPr lang="en-US" sz="1200" b="1" noProof="1" smtClean="0">
+                <a:solidFill>
+                  <a:schemeClr val="tx2"/>
+                </a:solidFill>
+                <a:latin typeface="Times New Roman" pitchFamily="18" charset="0"/>
+                <a:cs typeface="Times New Roman" pitchFamily="18" charset="0"/>
+              </a:rPr>
+              <a:t>Interface</a:t>
+            </a:r>
+          </a:p>
+          <a:p>
+            <a:pPr algn="ctr"/>
+            <a:r>
+              <a:rPr lang="en-US" sz="1200" b="1" noProof="1" smtClean="0">
+                <a:solidFill>
+                  <a:schemeClr val="tx2"/>
+                </a:solidFill>
+                <a:latin typeface="Times New Roman" pitchFamily="18" charset="0"/>
+                <a:cs typeface="Times New Roman" pitchFamily="18" charset="0"/>
+              </a:rPr>
+              <a:t>IAbstract Hierarchy Tree</a:t>
+            </a:r>
+            <a:endParaRPr lang="vi-VN" sz="1200" b="1" noProof="1">
+              <a:solidFill>
+                <a:schemeClr val="tx2"/>
+              </a:solidFill>
+              <a:latin typeface="Times New Roman" pitchFamily="18" charset="0"/>
+              <a:cs typeface="Times New Roman" pitchFamily="18" charset="0"/>
+            </a:endParaRPr>
+          </a:p>
+        </p:txBody>
+      </p:sp>
+    </p:spTree>
+    <p:extLst>
+      <p:ext uri="{BB962C8B-B14F-4D97-AF65-F5344CB8AC3E}">
+        <p14:creationId xmlns:p14="http://schemas.microsoft.com/office/powerpoint/2010/main" val="4147481103"/>
+      </p:ext>
+    </p:extLst>
+  </p:cSld>
+  <p:clrMapOvr>
+    <a:masterClrMapping/>
+  </p:clrMapOvr>
+</p:sld>
+</file>
+
 <file path=ppt/slides/slide3.xml><?xml version="1.0" encoding="utf-8"?>
 <p:sld xmlns:a="http://schemas.openxmlformats.org/drawingml/2006/main" xmlns:r="http://schemas.openxmlformats.org/officeDocument/2006/relationships" xmlns:p="http://schemas.openxmlformats.org/presentationml/2006/main">
   <p:cSld>

--- a/Documents/Thesis Report Picture.pptx
+++ b/Documents/Thesis Report Picture.pptx
@@ -2613,1574 +2613,6 @@
       <dsp:cNvGrpSpPr/>
     </dsp:nvGrpSpPr>
     <dsp:grpSpPr/>
-    <dsp:sp modelId="{A61B2339-8366-4111-8F73-67EF3F113E4A}">
-      <dsp:nvSpPr>
-        <dsp:cNvPr id="0" name=""/>
-        <dsp:cNvSpPr/>
-      </dsp:nvSpPr>
-      <dsp:spPr>
-        <a:xfrm>
-          <a:off x="0" y="5223177"/>
-          <a:ext cx="5943600" cy="489737"/>
-        </a:xfrm>
-        <a:prstGeom prst="rect">
-          <a:avLst/>
-        </a:prstGeom>
-        <a:gradFill rotWithShape="0">
-          <a:gsLst>
-            <a:gs pos="0">
-              <a:schemeClr val="accent2">
-                <a:hueOff val="0"/>
-                <a:satOff val="0"/>
-                <a:lumOff val="0"/>
-                <a:alphaOff val="0"/>
-                <a:shade val="51000"/>
-                <a:satMod val="130000"/>
-              </a:schemeClr>
-            </a:gs>
-            <a:gs pos="80000">
-              <a:schemeClr val="accent2">
-                <a:hueOff val="0"/>
-                <a:satOff val="0"/>
-                <a:lumOff val="0"/>
-                <a:alphaOff val="0"/>
-                <a:shade val="93000"/>
-                <a:satMod val="130000"/>
-              </a:schemeClr>
-            </a:gs>
-            <a:gs pos="100000">
-              <a:schemeClr val="accent2">
-                <a:hueOff val="0"/>
-                <a:satOff val="0"/>
-                <a:lumOff val="0"/>
-                <a:alphaOff val="0"/>
-                <a:shade val="94000"/>
-                <a:satMod val="135000"/>
-              </a:schemeClr>
-            </a:gs>
-          </a:gsLst>
-          <a:lin ang="16200000" scaled="0"/>
-        </a:gradFill>
-        <a:ln>
-          <a:noFill/>
-        </a:ln>
-        <a:effectLst>
-          <a:outerShdw blurRad="40000" dist="23000" dir="5400000" rotWithShape="0">
-            <a:srgbClr val="000000">
-              <a:alpha val="35000"/>
-            </a:srgbClr>
-          </a:outerShdw>
-        </a:effectLst>
-        <a:scene3d>
-          <a:camera prst="orthographicFront"/>
-          <a:lightRig rig="flat" dir="t"/>
-        </a:scene3d>
-        <a:sp3d prstMaterial="plastic">
-          <a:bevelT w="120900" h="88900"/>
-          <a:bevelB w="88900" h="31750" prst="angle"/>
-        </a:sp3d>
-      </dsp:spPr>
-      <dsp:style>
-        <a:lnRef idx="0">
-          <a:scrgbClr r="0" g="0" b="0"/>
-        </a:lnRef>
-        <a:fillRef idx="3">
-          <a:scrgbClr r="0" g="0" b="0"/>
-        </a:fillRef>
-        <a:effectRef idx="2">
-          <a:scrgbClr r="0" g="0" b="0"/>
-        </a:effectRef>
-        <a:fontRef idx="minor">
-          <a:schemeClr val="lt1"/>
-        </a:fontRef>
-      </dsp:style>
-      <dsp:txBody>
-        <a:bodyPr spcFirstLastPara="0" vert="horz" wrap="square" lIns="113792" tIns="113792" rIns="113792" bIns="113792" numCol="1" spcCol="1270" anchor="ctr" anchorCtr="0">
-          <a:noAutofit/>
-          <a:scene3d>
-            <a:camera prst="orthographicFront"/>
-            <a:lightRig rig="balanced" dir="t">
-              <a:rot lat="0" lon="0" rev="2100000"/>
-            </a:lightRig>
-          </a:scene3d>
-          <a:sp3d extrusionH="57150" prstMaterial="metal">
-            <a:bevelT w="38100" h="25400"/>
-            <a:contourClr>
-              <a:schemeClr val="bg2"/>
-            </a:contourClr>
-          </a:sp3d>
-        </a:bodyPr>
-        <a:lstStyle/>
-        <a:p>
-          <a:pPr lvl="0" algn="ctr" defTabSz="711200">
-            <a:lnSpc>
-              <a:spcPct val="90000"/>
-            </a:lnSpc>
-            <a:spcBef>
-              <a:spcPct val="0"/>
-            </a:spcBef>
-            <a:spcAft>
-              <a:spcPct val="35000"/>
-            </a:spcAft>
-          </a:pPr>
-          <a:r>
-            <a:rPr lang="en-US" sz="1600" b="1" kern="1200" cap="none" spc="0" smtClean="0">
-              <a:ln w="17780" cmpd="sng">
-                <a:solidFill>
-                  <a:schemeClr val="accent1">
-                    <a:tint val="3000"/>
-                  </a:schemeClr>
-                </a:solidFill>
-                <a:prstDash val="solid"/>
-                <a:miter lim="800000"/>
-              </a:ln>
-              <a:gradFill>
-                <a:gsLst>
-                  <a:gs pos="10000">
-                    <a:schemeClr val="accent1">
-                      <a:tint val="63000"/>
-                      <a:sat val="105000"/>
-                    </a:schemeClr>
-                  </a:gs>
-                  <a:gs pos="90000">
-                    <a:schemeClr val="accent1">
-                      <a:shade val="50000"/>
-                      <a:satMod val="100000"/>
-                    </a:schemeClr>
-                  </a:gs>
-                </a:gsLst>
-                <a:lin ang="5400000"/>
-              </a:gradFill>
-              <a:effectLst>
-                <a:outerShdw blurRad="55000" dist="50800" dir="5400000" algn="tl">
-                  <a:srgbClr val="000000">
-                    <a:alpha val="33000"/>
-                  </a:srgbClr>
-                </a:outerShdw>
-              </a:effectLst>
-              <a:latin typeface="Times New Roman" pitchFamily="18" charset="0"/>
-              <a:ea typeface="Verdana" pitchFamily="34" charset="0"/>
-              <a:cs typeface="Times New Roman" pitchFamily="18" charset="0"/>
-            </a:rPr>
-            <a:t>8. Clean up and close connections</a:t>
-          </a:r>
-          <a:endParaRPr lang="en-US" sz="1600" b="1" kern="1200" cap="none" spc="0">
-            <a:ln w="17780" cmpd="sng">
-              <a:solidFill>
-                <a:schemeClr val="accent1">
-                  <a:tint val="3000"/>
-                </a:schemeClr>
-              </a:solidFill>
-              <a:prstDash val="solid"/>
-              <a:miter lim="800000"/>
-            </a:ln>
-            <a:gradFill>
-              <a:gsLst>
-                <a:gs pos="10000">
-                  <a:schemeClr val="accent1">
-                    <a:tint val="63000"/>
-                    <a:sat val="105000"/>
-                  </a:schemeClr>
-                </a:gs>
-                <a:gs pos="90000">
-                  <a:schemeClr val="accent1">
-                    <a:shade val="50000"/>
-                    <a:satMod val="100000"/>
-                  </a:schemeClr>
-                </a:gs>
-              </a:gsLst>
-              <a:lin ang="5400000"/>
-            </a:gradFill>
-            <a:effectLst>
-              <a:outerShdw blurRad="55000" dist="50800" dir="5400000" algn="tl">
-                <a:srgbClr val="000000">
-                  <a:alpha val="33000"/>
-                </a:srgbClr>
-              </a:outerShdw>
-            </a:effectLst>
-            <a:latin typeface="Times New Roman" pitchFamily="18" charset="0"/>
-            <a:ea typeface="Verdana" pitchFamily="34" charset="0"/>
-            <a:cs typeface="Times New Roman" pitchFamily="18" charset="0"/>
-          </a:endParaRPr>
-        </a:p>
-      </dsp:txBody>
-      <dsp:txXfrm>
-        <a:off x="0" y="5223177"/>
-        <a:ext cx="5943600" cy="489737"/>
-      </dsp:txXfrm>
-    </dsp:sp>
-    <dsp:sp modelId="{6B53B39A-8B54-49BE-9D9D-CAD2969480A0}">
-      <dsp:nvSpPr>
-        <dsp:cNvPr id="0" name=""/>
-        <dsp:cNvSpPr/>
-      </dsp:nvSpPr>
-      <dsp:spPr>
-        <a:xfrm rot="10800000">
-          <a:off x="0" y="4477306"/>
-          <a:ext cx="5943600" cy="753216"/>
-        </a:xfrm>
-        <a:prstGeom prst="upArrowCallout">
-          <a:avLst/>
-        </a:prstGeom>
-        <a:gradFill rotWithShape="0">
-          <a:gsLst>
-            <a:gs pos="0">
-              <a:schemeClr val="accent2">
-                <a:hueOff val="668788"/>
-                <a:satOff val="-834"/>
-                <a:lumOff val="196"/>
-                <a:alphaOff val="0"/>
-                <a:shade val="51000"/>
-                <a:satMod val="130000"/>
-              </a:schemeClr>
-            </a:gs>
-            <a:gs pos="80000">
-              <a:schemeClr val="accent2">
-                <a:hueOff val="668788"/>
-                <a:satOff val="-834"/>
-                <a:lumOff val="196"/>
-                <a:alphaOff val="0"/>
-                <a:shade val="93000"/>
-                <a:satMod val="130000"/>
-              </a:schemeClr>
-            </a:gs>
-            <a:gs pos="100000">
-              <a:schemeClr val="accent2">
-                <a:hueOff val="668788"/>
-                <a:satOff val="-834"/>
-                <a:lumOff val="196"/>
-                <a:alphaOff val="0"/>
-                <a:shade val="94000"/>
-                <a:satMod val="135000"/>
-              </a:schemeClr>
-            </a:gs>
-          </a:gsLst>
-          <a:lin ang="16200000" scaled="0"/>
-        </a:gradFill>
-        <a:ln>
-          <a:noFill/>
-        </a:ln>
-        <a:effectLst>
-          <a:outerShdw blurRad="40000" dist="23000" dir="5400000" rotWithShape="0">
-            <a:srgbClr val="000000">
-              <a:alpha val="35000"/>
-            </a:srgbClr>
-          </a:outerShdw>
-        </a:effectLst>
-        <a:scene3d>
-          <a:camera prst="orthographicFront"/>
-          <a:lightRig rig="flat" dir="t"/>
-        </a:scene3d>
-        <a:sp3d prstMaterial="plastic">
-          <a:bevelT w="120900" h="88900"/>
-          <a:bevelB w="88900" h="31750" prst="angle"/>
-        </a:sp3d>
-      </dsp:spPr>
-      <dsp:style>
-        <a:lnRef idx="0">
-          <a:scrgbClr r="0" g="0" b="0"/>
-        </a:lnRef>
-        <a:fillRef idx="3">
-          <a:scrgbClr r="0" g="0" b="0"/>
-        </a:fillRef>
-        <a:effectRef idx="2">
-          <a:scrgbClr r="0" g="0" b="0"/>
-        </a:effectRef>
-        <a:fontRef idx="minor">
-          <a:schemeClr val="lt1"/>
-        </a:fontRef>
-      </dsp:style>
-      <dsp:txBody>
-        <a:bodyPr spcFirstLastPara="0" vert="horz" wrap="square" lIns="113792" tIns="113792" rIns="113792" bIns="113792" numCol="1" spcCol="1270" anchor="ctr" anchorCtr="0">
-          <a:noAutofit/>
-          <a:scene3d>
-            <a:camera prst="orthographicFront"/>
-            <a:lightRig rig="balanced" dir="t">
-              <a:rot lat="0" lon="0" rev="2100000"/>
-            </a:lightRig>
-          </a:scene3d>
-          <a:sp3d extrusionH="57150" prstMaterial="metal">
-            <a:bevelT w="38100" h="25400"/>
-            <a:contourClr>
-              <a:schemeClr val="bg2"/>
-            </a:contourClr>
-          </a:sp3d>
-        </a:bodyPr>
-        <a:lstStyle/>
-        <a:p>
-          <a:pPr lvl="0" algn="ctr" defTabSz="711200">
-            <a:lnSpc>
-              <a:spcPct val="90000"/>
-            </a:lnSpc>
-            <a:spcBef>
-              <a:spcPct val="0"/>
-            </a:spcBef>
-            <a:spcAft>
-              <a:spcPct val="35000"/>
-            </a:spcAft>
-          </a:pPr>
-          <a:r>
-            <a:rPr lang="en-US" sz="1600" b="1" kern="1200" cap="none" spc="0" smtClean="0">
-              <a:ln w="17780" cmpd="sng">
-                <a:solidFill>
-                  <a:schemeClr val="accent1">
-                    <a:tint val="3000"/>
-                  </a:schemeClr>
-                </a:solidFill>
-                <a:prstDash val="solid"/>
-                <a:miter lim="800000"/>
-              </a:ln>
-              <a:gradFill>
-                <a:gsLst>
-                  <a:gs pos="10000">
-                    <a:schemeClr val="accent1">
-                      <a:tint val="63000"/>
-                      <a:sat val="105000"/>
-                    </a:schemeClr>
-                  </a:gs>
-                  <a:gs pos="90000">
-                    <a:schemeClr val="accent1">
-                      <a:shade val="50000"/>
-                      <a:satMod val="100000"/>
-                    </a:schemeClr>
-                  </a:gs>
-                </a:gsLst>
-                <a:lin ang="5400000"/>
-              </a:gradFill>
-              <a:effectLst>
-                <a:outerShdw blurRad="55000" dist="50800" dir="5400000" algn="tl">
-                  <a:srgbClr val="000000">
-                    <a:alpha val="33000"/>
-                  </a:srgbClr>
-                </a:outerShdw>
-              </a:effectLst>
-              <a:latin typeface="Times New Roman" pitchFamily="18" charset="0"/>
-              <a:ea typeface="Verdana" pitchFamily="34" charset="0"/>
-              <a:cs typeface="Times New Roman" pitchFamily="18" charset="0"/>
-            </a:rPr>
-            <a:t>7. Export Mining Model data to database (Database Engine)</a:t>
-          </a:r>
-          <a:endParaRPr lang="en-US" sz="1600" b="1" kern="1200" cap="none" spc="0">
-            <a:ln w="17780" cmpd="sng">
-              <a:solidFill>
-                <a:schemeClr val="accent1">
-                  <a:tint val="3000"/>
-                </a:schemeClr>
-              </a:solidFill>
-              <a:prstDash val="solid"/>
-              <a:miter lim="800000"/>
-            </a:ln>
-            <a:gradFill>
-              <a:gsLst>
-                <a:gs pos="10000">
-                  <a:schemeClr val="accent1">
-                    <a:tint val="63000"/>
-                    <a:sat val="105000"/>
-                  </a:schemeClr>
-                </a:gs>
-                <a:gs pos="90000">
-                  <a:schemeClr val="accent1">
-                    <a:shade val="50000"/>
-                    <a:satMod val="100000"/>
-                  </a:schemeClr>
-                </a:gs>
-              </a:gsLst>
-              <a:lin ang="5400000"/>
-            </a:gradFill>
-            <a:effectLst>
-              <a:outerShdw blurRad="55000" dist="50800" dir="5400000" algn="tl">
-                <a:srgbClr val="000000">
-                  <a:alpha val="33000"/>
-                </a:srgbClr>
-              </a:outerShdw>
-            </a:effectLst>
-            <a:latin typeface="Times New Roman" pitchFamily="18" charset="0"/>
-            <a:ea typeface="Verdana" pitchFamily="34" charset="0"/>
-            <a:cs typeface="Times New Roman" pitchFamily="18" charset="0"/>
-          </a:endParaRPr>
-        </a:p>
-      </dsp:txBody>
-      <dsp:txXfrm rot="10800000">
-        <a:off x="0" y="4477306"/>
-        <a:ext cx="5943600" cy="489417"/>
-      </dsp:txXfrm>
-    </dsp:sp>
-    <dsp:sp modelId="{AE3A404D-D0C1-450D-BDB3-6FCA1E0EFD6F}">
-      <dsp:nvSpPr>
-        <dsp:cNvPr id="0" name=""/>
-        <dsp:cNvSpPr/>
-      </dsp:nvSpPr>
-      <dsp:spPr>
-        <a:xfrm rot="10800000">
-          <a:off x="0" y="3731436"/>
-          <a:ext cx="5943600" cy="753216"/>
-        </a:xfrm>
-        <a:prstGeom prst="upArrowCallout">
-          <a:avLst/>
-        </a:prstGeom>
-        <a:gradFill rotWithShape="0">
-          <a:gsLst>
-            <a:gs pos="0">
-              <a:schemeClr val="accent2">
-                <a:hueOff val="1337577"/>
-                <a:satOff val="-1668"/>
-                <a:lumOff val="392"/>
-                <a:alphaOff val="0"/>
-                <a:shade val="51000"/>
-                <a:satMod val="130000"/>
-              </a:schemeClr>
-            </a:gs>
-            <a:gs pos="80000">
-              <a:schemeClr val="accent2">
-                <a:hueOff val="1337577"/>
-                <a:satOff val="-1668"/>
-                <a:lumOff val="392"/>
-                <a:alphaOff val="0"/>
-                <a:shade val="93000"/>
-                <a:satMod val="130000"/>
-              </a:schemeClr>
-            </a:gs>
-            <a:gs pos="100000">
-              <a:schemeClr val="accent2">
-                <a:hueOff val="1337577"/>
-                <a:satOff val="-1668"/>
-                <a:lumOff val="392"/>
-                <a:alphaOff val="0"/>
-                <a:shade val="94000"/>
-                <a:satMod val="135000"/>
-              </a:schemeClr>
-            </a:gs>
-          </a:gsLst>
-          <a:lin ang="16200000" scaled="0"/>
-        </a:gradFill>
-        <a:ln>
-          <a:noFill/>
-        </a:ln>
-        <a:effectLst>
-          <a:outerShdw blurRad="40000" dist="23000" dir="5400000" rotWithShape="0">
-            <a:srgbClr val="000000">
-              <a:alpha val="35000"/>
-            </a:srgbClr>
-          </a:outerShdw>
-        </a:effectLst>
-        <a:scene3d>
-          <a:camera prst="orthographicFront"/>
-          <a:lightRig rig="flat" dir="t"/>
-        </a:scene3d>
-        <a:sp3d prstMaterial="plastic">
-          <a:bevelT w="120900" h="88900"/>
-          <a:bevelB w="88900" h="31750" prst="angle"/>
-        </a:sp3d>
-      </dsp:spPr>
-      <dsp:style>
-        <a:lnRef idx="0">
-          <a:scrgbClr r="0" g="0" b="0"/>
-        </a:lnRef>
-        <a:fillRef idx="3">
-          <a:scrgbClr r="0" g="0" b="0"/>
-        </a:fillRef>
-        <a:effectRef idx="2">
-          <a:scrgbClr r="0" g="0" b="0"/>
-        </a:effectRef>
-        <a:fontRef idx="minor">
-          <a:schemeClr val="lt1"/>
-        </a:fontRef>
-      </dsp:style>
-      <dsp:txBody>
-        <a:bodyPr spcFirstLastPara="0" vert="horz" wrap="square" lIns="113792" tIns="113792" rIns="113792" bIns="113792" numCol="1" spcCol="1270" anchor="ctr" anchorCtr="0">
-          <a:noAutofit/>
-          <a:scene3d>
-            <a:camera prst="orthographicFront"/>
-            <a:lightRig rig="balanced" dir="t">
-              <a:rot lat="0" lon="0" rev="2100000"/>
-            </a:lightRig>
-          </a:scene3d>
-          <a:sp3d extrusionH="57150" prstMaterial="metal">
-            <a:bevelT w="38100" h="25400"/>
-            <a:contourClr>
-              <a:schemeClr val="bg2"/>
-            </a:contourClr>
-          </a:sp3d>
-        </a:bodyPr>
-        <a:lstStyle/>
-        <a:p>
-          <a:pPr lvl="0" algn="ctr" defTabSz="711200">
-            <a:lnSpc>
-              <a:spcPct val="90000"/>
-            </a:lnSpc>
-            <a:spcBef>
-              <a:spcPct val="0"/>
-            </a:spcBef>
-            <a:spcAft>
-              <a:spcPct val="35000"/>
-            </a:spcAft>
-          </a:pPr>
-          <a:r>
-            <a:rPr lang="en-US" sz="1600" b="1" kern="1200" cap="none" spc="0" smtClean="0">
-              <a:ln w="17780" cmpd="sng">
-                <a:solidFill>
-                  <a:schemeClr val="accent1">
-                    <a:tint val="3000"/>
-                  </a:schemeClr>
-                </a:solidFill>
-                <a:prstDash val="solid"/>
-                <a:miter lim="800000"/>
-              </a:ln>
-              <a:gradFill>
-                <a:gsLst>
-                  <a:gs pos="10000">
-                    <a:schemeClr val="accent1">
-                      <a:tint val="63000"/>
-                      <a:sat val="105000"/>
-                    </a:schemeClr>
-                  </a:gs>
-                  <a:gs pos="90000">
-                    <a:schemeClr val="accent1">
-                      <a:shade val="50000"/>
-                      <a:satMod val="100000"/>
-                    </a:schemeClr>
-                  </a:gs>
-                </a:gsLst>
-                <a:lin ang="5400000"/>
-              </a:gradFill>
-              <a:effectLst>
-                <a:outerShdw blurRad="55000" dist="50800" dir="5400000" algn="tl">
-                  <a:srgbClr val="000000">
-                    <a:alpha val="33000"/>
-                  </a:srgbClr>
-                </a:outerShdw>
-              </a:effectLst>
-              <a:latin typeface="Times New Roman" pitchFamily="18" charset="0"/>
-              <a:ea typeface="Verdana" pitchFamily="34" charset="0"/>
-              <a:cs typeface="Times New Roman" pitchFamily="18" charset="0"/>
-            </a:rPr>
-            <a:t>6. Processing Mining Model</a:t>
-          </a:r>
-          <a:endParaRPr lang="en-US" sz="1600" b="1" kern="1200" cap="none" spc="0">
-            <a:ln w="17780" cmpd="sng">
-              <a:solidFill>
-                <a:schemeClr val="accent1">
-                  <a:tint val="3000"/>
-                </a:schemeClr>
-              </a:solidFill>
-              <a:prstDash val="solid"/>
-              <a:miter lim="800000"/>
-            </a:ln>
-            <a:gradFill>
-              <a:gsLst>
-                <a:gs pos="10000">
-                  <a:schemeClr val="accent1">
-                    <a:tint val="63000"/>
-                    <a:sat val="105000"/>
-                  </a:schemeClr>
-                </a:gs>
-                <a:gs pos="90000">
-                  <a:schemeClr val="accent1">
-                    <a:shade val="50000"/>
-                    <a:satMod val="100000"/>
-                  </a:schemeClr>
-                </a:gs>
-              </a:gsLst>
-              <a:lin ang="5400000"/>
-            </a:gradFill>
-            <a:effectLst>
-              <a:outerShdw blurRad="55000" dist="50800" dir="5400000" algn="tl">
-                <a:srgbClr val="000000">
-                  <a:alpha val="33000"/>
-                </a:srgbClr>
-              </a:outerShdw>
-            </a:effectLst>
-            <a:latin typeface="Times New Roman" pitchFamily="18" charset="0"/>
-            <a:ea typeface="Verdana" pitchFamily="34" charset="0"/>
-            <a:cs typeface="Times New Roman" pitchFamily="18" charset="0"/>
-          </a:endParaRPr>
-        </a:p>
-      </dsp:txBody>
-      <dsp:txXfrm rot="10800000">
-        <a:off x="0" y="3731436"/>
-        <a:ext cx="5943600" cy="489417"/>
-      </dsp:txXfrm>
-    </dsp:sp>
-    <dsp:sp modelId="{1C9A3B25-0DFC-4C02-BE56-CE508DCA8953}">
-      <dsp:nvSpPr>
-        <dsp:cNvPr id="0" name=""/>
-        <dsp:cNvSpPr/>
-      </dsp:nvSpPr>
-      <dsp:spPr>
-        <a:xfrm rot="10800000">
-          <a:off x="0" y="2985566"/>
-          <a:ext cx="5943600" cy="753216"/>
-        </a:xfrm>
-        <a:prstGeom prst="upArrowCallout">
-          <a:avLst/>
-        </a:prstGeom>
-        <a:gradFill rotWithShape="0">
-          <a:gsLst>
-            <a:gs pos="0">
-              <a:schemeClr val="accent2">
-                <a:hueOff val="2006365"/>
-                <a:satOff val="-2502"/>
-                <a:lumOff val="588"/>
-                <a:alphaOff val="0"/>
-                <a:shade val="51000"/>
-                <a:satMod val="130000"/>
-              </a:schemeClr>
-            </a:gs>
-            <a:gs pos="80000">
-              <a:schemeClr val="accent2">
-                <a:hueOff val="2006365"/>
-                <a:satOff val="-2502"/>
-                <a:lumOff val="588"/>
-                <a:alphaOff val="0"/>
-                <a:shade val="93000"/>
-                <a:satMod val="130000"/>
-              </a:schemeClr>
-            </a:gs>
-            <a:gs pos="100000">
-              <a:schemeClr val="accent2">
-                <a:hueOff val="2006365"/>
-                <a:satOff val="-2502"/>
-                <a:lumOff val="588"/>
-                <a:alphaOff val="0"/>
-                <a:shade val="94000"/>
-                <a:satMod val="135000"/>
-              </a:schemeClr>
-            </a:gs>
-          </a:gsLst>
-          <a:lin ang="16200000" scaled="0"/>
-        </a:gradFill>
-        <a:ln>
-          <a:noFill/>
-        </a:ln>
-        <a:effectLst>
-          <a:outerShdw blurRad="40000" dist="23000" dir="5400000" rotWithShape="0">
-            <a:srgbClr val="000000">
-              <a:alpha val="35000"/>
-            </a:srgbClr>
-          </a:outerShdw>
-        </a:effectLst>
-        <a:scene3d>
-          <a:camera prst="orthographicFront"/>
-          <a:lightRig rig="flat" dir="t"/>
-        </a:scene3d>
-        <a:sp3d prstMaterial="plastic">
-          <a:bevelT w="120900" h="88900"/>
-          <a:bevelB w="88900" h="31750" prst="angle"/>
-        </a:sp3d>
-      </dsp:spPr>
-      <dsp:style>
-        <a:lnRef idx="0">
-          <a:scrgbClr r="0" g="0" b="0"/>
-        </a:lnRef>
-        <a:fillRef idx="3">
-          <a:scrgbClr r="0" g="0" b="0"/>
-        </a:fillRef>
-        <a:effectRef idx="2">
-          <a:scrgbClr r="0" g="0" b="0"/>
-        </a:effectRef>
-        <a:fontRef idx="minor">
-          <a:schemeClr val="lt1"/>
-        </a:fontRef>
-      </dsp:style>
-      <dsp:txBody>
-        <a:bodyPr spcFirstLastPara="0" vert="horz" wrap="square" lIns="113792" tIns="113792" rIns="113792" bIns="113792" numCol="1" spcCol="1270" anchor="ctr" anchorCtr="0">
-          <a:noAutofit/>
-          <a:scene3d>
-            <a:camera prst="orthographicFront"/>
-            <a:lightRig rig="balanced" dir="t">
-              <a:rot lat="0" lon="0" rev="2100000"/>
-            </a:lightRig>
-          </a:scene3d>
-          <a:sp3d extrusionH="57150" prstMaterial="metal">
-            <a:bevelT w="38100" h="25400"/>
-            <a:contourClr>
-              <a:schemeClr val="bg2"/>
-            </a:contourClr>
-          </a:sp3d>
-        </a:bodyPr>
-        <a:lstStyle/>
-        <a:p>
-          <a:pPr lvl="0" algn="ctr" defTabSz="711200">
-            <a:lnSpc>
-              <a:spcPct val="90000"/>
-            </a:lnSpc>
-            <a:spcBef>
-              <a:spcPct val="0"/>
-            </a:spcBef>
-            <a:spcAft>
-              <a:spcPct val="35000"/>
-            </a:spcAft>
-          </a:pPr>
-          <a:r>
-            <a:rPr lang="en-US" sz="1600" b="1" kern="1200" cap="none" spc="0" smtClean="0">
-              <a:ln w="17780" cmpd="sng">
-                <a:solidFill>
-                  <a:schemeClr val="accent1">
-                    <a:tint val="3000"/>
-                  </a:schemeClr>
-                </a:solidFill>
-                <a:prstDash val="solid"/>
-                <a:miter lim="800000"/>
-              </a:ln>
-              <a:gradFill>
-                <a:gsLst>
-                  <a:gs pos="10000">
-                    <a:schemeClr val="accent1">
-                      <a:tint val="63000"/>
-                      <a:sat val="105000"/>
-                    </a:schemeClr>
-                  </a:gs>
-                  <a:gs pos="90000">
-                    <a:schemeClr val="accent1">
-                      <a:shade val="50000"/>
-                      <a:satMod val="100000"/>
-                    </a:schemeClr>
-                  </a:gs>
-                </a:gsLst>
-                <a:lin ang="5400000"/>
-              </a:gradFill>
-              <a:effectLst>
-                <a:outerShdw blurRad="55000" dist="50800" dir="5400000" algn="tl">
-                  <a:srgbClr val="000000">
-                    <a:alpha val="33000"/>
-                  </a:srgbClr>
-                </a:outerShdw>
-              </a:effectLst>
-              <a:latin typeface="Times New Roman" pitchFamily="18" charset="0"/>
-              <a:ea typeface="Verdana" pitchFamily="34" charset="0"/>
-              <a:cs typeface="Times New Roman" pitchFamily="18" charset="0"/>
-            </a:rPr>
-            <a:t>5. Create Mining structures and mining models</a:t>
-          </a:r>
-          <a:endParaRPr lang="en-US" sz="1600" b="1" kern="1200" cap="none" spc="0">
-            <a:ln w="17780" cmpd="sng">
-              <a:solidFill>
-                <a:schemeClr val="accent1">
-                  <a:tint val="3000"/>
-                </a:schemeClr>
-              </a:solidFill>
-              <a:prstDash val="solid"/>
-              <a:miter lim="800000"/>
-            </a:ln>
-            <a:gradFill>
-              <a:gsLst>
-                <a:gs pos="10000">
-                  <a:schemeClr val="accent1">
-                    <a:tint val="63000"/>
-                    <a:sat val="105000"/>
-                  </a:schemeClr>
-                </a:gs>
-                <a:gs pos="90000">
-                  <a:schemeClr val="accent1">
-                    <a:shade val="50000"/>
-                    <a:satMod val="100000"/>
-                  </a:schemeClr>
-                </a:gs>
-              </a:gsLst>
-              <a:lin ang="5400000"/>
-            </a:gradFill>
-            <a:effectLst>
-              <a:outerShdw blurRad="55000" dist="50800" dir="5400000" algn="tl">
-                <a:srgbClr val="000000">
-                  <a:alpha val="33000"/>
-                </a:srgbClr>
-              </a:outerShdw>
-            </a:effectLst>
-            <a:latin typeface="Times New Roman" pitchFamily="18" charset="0"/>
-            <a:ea typeface="Verdana" pitchFamily="34" charset="0"/>
-            <a:cs typeface="Times New Roman" pitchFamily="18" charset="0"/>
-          </a:endParaRPr>
-        </a:p>
-      </dsp:txBody>
-      <dsp:txXfrm rot="10800000">
-        <a:off x="0" y="2985566"/>
-        <a:ext cx="5943600" cy="489417"/>
-      </dsp:txXfrm>
-    </dsp:sp>
-    <dsp:sp modelId="{A90049AA-CBD6-4AEF-9EBA-5C7B5F86C71F}">
-      <dsp:nvSpPr>
-        <dsp:cNvPr id="0" name=""/>
-        <dsp:cNvSpPr/>
-      </dsp:nvSpPr>
-      <dsp:spPr>
-        <a:xfrm rot="10800000">
-          <a:off x="0" y="2239696"/>
-          <a:ext cx="5943600" cy="753216"/>
-        </a:xfrm>
-        <a:prstGeom prst="upArrowCallout">
-          <a:avLst/>
-        </a:prstGeom>
-        <a:gradFill rotWithShape="0">
-          <a:gsLst>
-            <a:gs pos="0">
-              <a:schemeClr val="accent2">
-                <a:hueOff val="2675154"/>
-                <a:satOff val="-3337"/>
-                <a:lumOff val="785"/>
-                <a:alphaOff val="0"/>
-                <a:shade val="51000"/>
-                <a:satMod val="130000"/>
-              </a:schemeClr>
-            </a:gs>
-            <a:gs pos="80000">
-              <a:schemeClr val="accent2">
-                <a:hueOff val="2675154"/>
-                <a:satOff val="-3337"/>
-                <a:lumOff val="785"/>
-                <a:alphaOff val="0"/>
-                <a:shade val="93000"/>
-                <a:satMod val="130000"/>
-              </a:schemeClr>
-            </a:gs>
-            <a:gs pos="100000">
-              <a:schemeClr val="accent2">
-                <a:hueOff val="2675154"/>
-                <a:satOff val="-3337"/>
-                <a:lumOff val="785"/>
-                <a:alphaOff val="0"/>
-                <a:shade val="94000"/>
-                <a:satMod val="135000"/>
-              </a:schemeClr>
-            </a:gs>
-          </a:gsLst>
-          <a:lin ang="16200000" scaled="0"/>
-        </a:gradFill>
-        <a:ln>
-          <a:noFill/>
-        </a:ln>
-        <a:effectLst>
-          <a:outerShdw blurRad="40000" dist="23000" dir="5400000" rotWithShape="0">
-            <a:srgbClr val="000000">
-              <a:alpha val="35000"/>
-            </a:srgbClr>
-          </a:outerShdw>
-        </a:effectLst>
-        <a:scene3d>
-          <a:camera prst="orthographicFront"/>
-          <a:lightRig rig="flat" dir="t"/>
-        </a:scene3d>
-        <a:sp3d prstMaterial="plastic">
-          <a:bevelT w="120900" h="88900"/>
-          <a:bevelB w="88900" h="31750" prst="angle"/>
-        </a:sp3d>
-      </dsp:spPr>
-      <dsp:style>
-        <a:lnRef idx="0">
-          <a:scrgbClr r="0" g="0" b="0"/>
-        </a:lnRef>
-        <a:fillRef idx="3">
-          <a:scrgbClr r="0" g="0" b="0"/>
-        </a:fillRef>
-        <a:effectRef idx="2">
-          <a:scrgbClr r="0" g="0" b="0"/>
-        </a:effectRef>
-        <a:fontRef idx="minor">
-          <a:schemeClr val="lt1"/>
-        </a:fontRef>
-      </dsp:style>
-      <dsp:txBody>
-        <a:bodyPr spcFirstLastPara="0" vert="horz" wrap="square" lIns="113792" tIns="113792" rIns="113792" bIns="113792" numCol="1" spcCol="1270" anchor="ctr" anchorCtr="0">
-          <a:noAutofit/>
-          <a:scene3d>
-            <a:camera prst="orthographicFront"/>
-            <a:lightRig rig="balanced" dir="t">
-              <a:rot lat="0" lon="0" rev="2100000"/>
-            </a:lightRig>
-          </a:scene3d>
-          <a:sp3d extrusionH="57150" prstMaterial="metal">
-            <a:bevelT w="38100" h="25400"/>
-            <a:contourClr>
-              <a:schemeClr val="bg2"/>
-            </a:contourClr>
-          </a:sp3d>
-        </a:bodyPr>
-        <a:lstStyle/>
-        <a:p>
-          <a:pPr lvl="0" algn="ctr" defTabSz="711200">
-            <a:lnSpc>
-              <a:spcPct val="90000"/>
-            </a:lnSpc>
-            <a:spcBef>
-              <a:spcPct val="0"/>
-            </a:spcBef>
-            <a:spcAft>
-              <a:spcPct val="35000"/>
-            </a:spcAft>
-          </a:pPr>
-          <a:r>
-            <a:rPr lang="en-US" sz="1600" b="1" kern="1200" cap="none" spc="0" smtClean="0">
-              <a:ln w="17780" cmpd="sng">
-                <a:solidFill>
-                  <a:schemeClr val="accent1">
-                    <a:tint val="3000"/>
-                  </a:schemeClr>
-                </a:solidFill>
-                <a:prstDash val="solid"/>
-                <a:miter lim="800000"/>
-              </a:ln>
-              <a:gradFill>
-                <a:gsLst>
-                  <a:gs pos="10000">
-                    <a:schemeClr val="accent1">
-                      <a:tint val="63000"/>
-                      <a:sat val="105000"/>
-                    </a:schemeClr>
-                  </a:gs>
-                  <a:gs pos="90000">
-                    <a:schemeClr val="accent1">
-                      <a:shade val="50000"/>
-                      <a:satMod val="100000"/>
-                    </a:schemeClr>
-                  </a:gs>
-                </a:gsLst>
-                <a:lin ang="5400000"/>
-              </a:gradFill>
-              <a:effectLst>
-                <a:outerShdw blurRad="55000" dist="50800" dir="5400000" algn="tl">
-                  <a:srgbClr val="000000">
-                    <a:alpha val="33000"/>
-                  </a:srgbClr>
-                </a:outerShdw>
-              </a:effectLst>
-              <a:latin typeface="Times New Roman" pitchFamily="18" charset="0"/>
-              <a:ea typeface="Verdana" pitchFamily="34" charset="0"/>
-              <a:cs typeface="Times New Roman" pitchFamily="18" charset="0"/>
-            </a:rPr>
-            <a:t>4. Select Algorithm and declare parameters</a:t>
-          </a:r>
-          <a:endParaRPr lang="en-US" sz="1600" b="1" kern="1200" cap="none" spc="0">
-            <a:ln w="17780" cmpd="sng">
-              <a:solidFill>
-                <a:schemeClr val="accent1">
-                  <a:tint val="3000"/>
-                </a:schemeClr>
-              </a:solidFill>
-              <a:prstDash val="solid"/>
-              <a:miter lim="800000"/>
-            </a:ln>
-            <a:gradFill>
-              <a:gsLst>
-                <a:gs pos="10000">
-                  <a:schemeClr val="accent1">
-                    <a:tint val="63000"/>
-                    <a:sat val="105000"/>
-                  </a:schemeClr>
-                </a:gs>
-                <a:gs pos="90000">
-                  <a:schemeClr val="accent1">
-                    <a:shade val="50000"/>
-                    <a:satMod val="100000"/>
-                  </a:schemeClr>
-                </a:gs>
-              </a:gsLst>
-              <a:lin ang="5400000"/>
-            </a:gradFill>
-            <a:effectLst>
-              <a:outerShdw blurRad="55000" dist="50800" dir="5400000" algn="tl">
-                <a:srgbClr val="000000">
-                  <a:alpha val="33000"/>
-                </a:srgbClr>
-              </a:outerShdw>
-            </a:effectLst>
-            <a:latin typeface="Times New Roman" pitchFamily="18" charset="0"/>
-            <a:ea typeface="Verdana" pitchFamily="34" charset="0"/>
-            <a:cs typeface="Times New Roman" pitchFamily="18" charset="0"/>
-          </a:endParaRPr>
-        </a:p>
-      </dsp:txBody>
-      <dsp:txXfrm rot="10800000">
-        <a:off x="0" y="2239696"/>
-        <a:ext cx="5943600" cy="489417"/>
-      </dsp:txXfrm>
-    </dsp:sp>
-    <dsp:sp modelId="{3AC56C42-DFCB-4D8D-BA1D-03C9949DD54E}">
-      <dsp:nvSpPr>
-        <dsp:cNvPr id="0" name=""/>
-        <dsp:cNvSpPr/>
-      </dsp:nvSpPr>
-      <dsp:spPr>
-        <a:xfrm rot="10800000">
-          <a:off x="0" y="1493825"/>
-          <a:ext cx="5943600" cy="753216"/>
-        </a:xfrm>
-        <a:prstGeom prst="upArrowCallout">
-          <a:avLst/>
-        </a:prstGeom>
-        <a:gradFill rotWithShape="0">
-          <a:gsLst>
-            <a:gs pos="0">
-              <a:schemeClr val="accent2">
-                <a:hueOff val="3343942"/>
-                <a:satOff val="-4171"/>
-                <a:lumOff val="981"/>
-                <a:alphaOff val="0"/>
-                <a:shade val="51000"/>
-                <a:satMod val="130000"/>
-              </a:schemeClr>
-            </a:gs>
-            <a:gs pos="80000">
-              <a:schemeClr val="accent2">
-                <a:hueOff val="3343942"/>
-                <a:satOff val="-4171"/>
-                <a:lumOff val="981"/>
-                <a:alphaOff val="0"/>
-                <a:shade val="93000"/>
-                <a:satMod val="130000"/>
-              </a:schemeClr>
-            </a:gs>
-            <a:gs pos="100000">
-              <a:schemeClr val="accent2">
-                <a:hueOff val="3343942"/>
-                <a:satOff val="-4171"/>
-                <a:lumOff val="981"/>
-                <a:alphaOff val="0"/>
-                <a:shade val="94000"/>
-                <a:satMod val="135000"/>
-              </a:schemeClr>
-            </a:gs>
-          </a:gsLst>
-          <a:lin ang="16200000" scaled="0"/>
-        </a:gradFill>
-        <a:ln>
-          <a:noFill/>
-        </a:ln>
-        <a:effectLst>
-          <a:outerShdw blurRad="40000" dist="23000" dir="5400000" rotWithShape="0">
-            <a:srgbClr val="000000">
-              <a:alpha val="35000"/>
-            </a:srgbClr>
-          </a:outerShdw>
-        </a:effectLst>
-        <a:scene3d>
-          <a:camera prst="orthographicFront"/>
-          <a:lightRig rig="flat" dir="t"/>
-        </a:scene3d>
-        <a:sp3d prstMaterial="plastic">
-          <a:bevelT w="120900" h="88900"/>
-          <a:bevelB w="88900" h="31750" prst="angle"/>
-        </a:sp3d>
-      </dsp:spPr>
-      <dsp:style>
-        <a:lnRef idx="0">
-          <a:scrgbClr r="0" g="0" b="0"/>
-        </a:lnRef>
-        <a:fillRef idx="3">
-          <a:scrgbClr r="0" g="0" b="0"/>
-        </a:fillRef>
-        <a:effectRef idx="2">
-          <a:scrgbClr r="0" g="0" b="0"/>
-        </a:effectRef>
-        <a:fontRef idx="minor">
-          <a:schemeClr val="lt1"/>
-        </a:fontRef>
-      </dsp:style>
-      <dsp:txBody>
-        <a:bodyPr spcFirstLastPara="0" vert="horz" wrap="square" lIns="113792" tIns="113792" rIns="113792" bIns="113792" numCol="1" spcCol="1270" anchor="ctr" anchorCtr="0">
-          <a:noAutofit/>
-          <a:scene3d>
-            <a:camera prst="orthographicFront"/>
-            <a:lightRig rig="balanced" dir="t">
-              <a:rot lat="0" lon="0" rev="2100000"/>
-            </a:lightRig>
-          </a:scene3d>
-          <a:sp3d extrusionH="57150" prstMaterial="metal">
-            <a:bevelT w="38100" h="25400"/>
-            <a:contourClr>
-              <a:schemeClr val="bg2"/>
-            </a:contourClr>
-          </a:sp3d>
-        </a:bodyPr>
-        <a:lstStyle/>
-        <a:p>
-          <a:pPr lvl="0" algn="ctr" defTabSz="711200">
-            <a:lnSpc>
-              <a:spcPct val="90000"/>
-            </a:lnSpc>
-            <a:spcBef>
-              <a:spcPct val="0"/>
-            </a:spcBef>
-            <a:spcAft>
-              <a:spcPct val="35000"/>
-            </a:spcAft>
-          </a:pPr>
-          <a:r>
-            <a:rPr lang="en-US" sz="1600" b="1" kern="1200" cap="none" spc="0" smtClean="0">
-              <a:ln w="17780" cmpd="sng">
-                <a:solidFill>
-                  <a:schemeClr val="accent1">
-                    <a:tint val="3000"/>
-                  </a:schemeClr>
-                </a:solidFill>
-                <a:prstDash val="solid"/>
-                <a:miter lim="800000"/>
-              </a:ln>
-              <a:gradFill>
-                <a:gsLst>
-                  <a:gs pos="10000">
-                    <a:schemeClr val="accent1">
-                      <a:tint val="63000"/>
-                      <a:sat val="105000"/>
-                    </a:schemeClr>
-                  </a:gs>
-                  <a:gs pos="90000">
-                    <a:schemeClr val="accent1">
-                      <a:shade val="50000"/>
-                      <a:satMod val="100000"/>
-                    </a:schemeClr>
-                  </a:gs>
-                </a:gsLst>
-                <a:lin ang="5400000"/>
-              </a:gradFill>
-              <a:effectLst>
-                <a:outerShdw blurRad="55000" dist="50800" dir="5400000" algn="tl">
-                  <a:srgbClr val="000000">
-                    <a:alpha val="33000"/>
-                  </a:srgbClr>
-                </a:outerShdw>
-              </a:effectLst>
-              <a:latin typeface="Times New Roman" pitchFamily="18" charset="0"/>
-              <a:ea typeface="Verdana" pitchFamily="34" charset="0"/>
-              <a:cs typeface="Times New Roman" pitchFamily="18" charset="0"/>
-            </a:rPr>
-            <a:t>3. Create Analysis Service Data Source View</a:t>
-          </a:r>
-          <a:endParaRPr lang="en-US" sz="1600" b="1" kern="1200" cap="none" spc="0">
-            <a:ln w="17780" cmpd="sng">
-              <a:solidFill>
-                <a:schemeClr val="accent1">
-                  <a:tint val="3000"/>
-                </a:schemeClr>
-              </a:solidFill>
-              <a:prstDash val="solid"/>
-              <a:miter lim="800000"/>
-            </a:ln>
-            <a:gradFill>
-              <a:gsLst>
-                <a:gs pos="10000">
-                  <a:schemeClr val="accent1">
-                    <a:tint val="63000"/>
-                    <a:sat val="105000"/>
-                  </a:schemeClr>
-                </a:gs>
-                <a:gs pos="90000">
-                  <a:schemeClr val="accent1">
-                    <a:shade val="50000"/>
-                    <a:satMod val="100000"/>
-                  </a:schemeClr>
-                </a:gs>
-              </a:gsLst>
-              <a:lin ang="5400000"/>
-            </a:gradFill>
-            <a:effectLst>
-              <a:outerShdw blurRad="55000" dist="50800" dir="5400000" algn="tl">
-                <a:srgbClr val="000000">
-                  <a:alpha val="33000"/>
-                </a:srgbClr>
-              </a:outerShdw>
-            </a:effectLst>
-            <a:latin typeface="Times New Roman" pitchFamily="18" charset="0"/>
-            <a:ea typeface="Verdana" pitchFamily="34" charset="0"/>
-            <a:cs typeface="Times New Roman" pitchFamily="18" charset="0"/>
-          </a:endParaRPr>
-        </a:p>
-      </dsp:txBody>
-      <dsp:txXfrm rot="10800000">
-        <a:off x="0" y="1493825"/>
-        <a:ext cx="5943600" cy="489417"/>
-      </dsp:txXfrm>
-    </dsp:sp>
-    <dsp:sp modelId="{56E09A99-A56C-4723-832F-E8CEEE729B73}">
-      <dsp:nvSpPr>
-        <dsp:cNvPr id="0" name=""/>
-        <dsp:cNvSpPr/>
-      </dsp:nvSpPr>
-      <dsp:spPr>
-        <a:xfrm rot="10800000">
-          <a:off x="0" y="747955"/>
-          <a:ext cx="5943600" cy="753216"/>
-        </a:xfrm>
-        <a:prstGeom prst="upArrowCallout">
-          <a:avLst/>
-        </a:prstGeom>
-        <a:gradFill rotWithShape="0">
-          <a:gsLst>
-            <a:gs pos="0">
-              <a:schemeClr val="accent2">
-                <a:hueOff val="4012731"/>
-                <a:satOff val="-5005"/>
-                <a:lumOff val="1177"/>
-                <a:alphaOff val="0"/>
-                <a:shade val="51000"/>
-                <a:satMod val="130000"/>
-              </a:schemeClr>
-            </a:gs>
-            <a:gs pos="80000">
-              <a:schemeClr val="accent2">
-                <a:hueOff val="4012731"/>
-                <a:satOff val="-5005"/>
-                <a:lumOff val="1177"/>
-                <a:alphaOff val="0"/>
-                <a:shade val="93000"/>
-                <a:satMod val="130000"/>
-              </a:schemeClr>
-            </a:gs>
-            <a:gs pos="100000">
-              <a:schemeClr val="accent2">
-                <a:hueOff val="4012731"/>
-                <a:satOff val="-5005"/>
-                <a:lumOff val="1177"/>
-                <a:alphaOff val="0"/>
-                <a:shade val="94000"/>
-                <a:satMod val="135000"/>
-              </a:schemeClr>
-            </a:gs>
-          </a:gsLst>
-          <a:lin ang="16200000" scaled="0"/>
-        </a:gradFill>
-        <a:ln>
-          <a:noFill/>
-        </a:ln>
-        <a:effectLst>
-          <a:outerShdw blurRad="40000" dist="23000" dir="5400000" rotWithShape="0">
-            <a:srgbClr val="000000">
-              <a:alpha val="35000"/>
-            </a:srgbClr>
-          </a:outerShdw>
-        </a:effectLst>
-        <a:scene3d>
-          <a:camera prst="orthographicFront"/>
-          <a:lightRig rig="flat" dir="t"/>
-        </a:scene3d>
-        <a:sp3d prstMaterial="plastic">
-          <a:bevelT w="120900" h="88900"/>
-          <a:bevelB w="88900" h="31750" prst="angle"/>
-        </a:sp3d>
-      </dsp:spPr>
-      <dsp:style>
-        <a:lnRef idx="0">
-          <a:scrgbClr r="0" g="0" b="0"/>
-        </a:lnRef>
-        <a:fillRef idx="3">
-          <a:scrgbClr r="0" g="0" b="0"/>
-        </a:fillRef>
-        <a:effectRef idx="2">
-          <a:scrgbClr r="0" g="0" b="0"/>
-        </a:effectRef>
-        <a:fontRef idx="minor">
-          <a:schemeClr val="lt1"/>
-        </a:fontRef>
-      </dsp:style>
-      <dsp:txBody>
-        <a:bodyPr spcFirstLastPara="0" vert="horz" wrap="square" lIns="113792" tIns="113792" rIns="113792" bIns="113792" numCol="1" spcCol="1270" anchor="ctr" anchorCtr="0">
-          <a:noAutofit/>
-          <a:scene3d>
-            <a:camera prst="orthographicFront"/>
-            <a:lightRig rig="soft" dir="t">
-              <a:rot lat="0" lon="0" rev="10800000"/>
-            </a:lightRig>
-          </a:scene3d>
-          <a:sp3d>
-            <a:bevelT w="27940" h="12700"/>
-            <a:contourClr>
-              <a:srgbClr val="DDDDDD"/>
-            </a:contourClr>
-          </a:sp3d>
-        </a:bodyPr>
-        <a:lstStyle/>
-        <a:p>
-          <a:pPr lvl="0" algn="ctr" defTabSz="711200">
-            <a:lnSpc>
-              <a:spcPct val="90000"/>
-            </a:lnSpc>
-            <a:spcBef>
-              <a:spcPct val="0"/>
-            </a:spcBef>
-            <a:spcAft>
-              <a:spcPct val="35000"/>
-            </a:spcAft>
-          </a:pPr>
-          <a:r>
-            <a:rPr lang="en-US" sz="1600" b="1" kern="1200" cap="none" spc="0" smtClean="0">
-              <a:ln w="17780" cmpd="sng">
-                <a:solidFill>
-                  <a:schemeClr val="accent1">
-                    <a:tint val="3000"/>
-                  </a:schemeClr>
-                </a:solidFill>
-                <a:prstDash val="solid"/>
-                <a:miter lim="800000"/>
-              </a:ln>
-              <a:gradFill>
-                <a:gsLst>
-                  <a:gs pos="10000">
-                    <a:schemeClr val="accent1">
-                      <a:tint val="63000"/>
-                      <a:sat val="105000"/>
-                    </a:schemeClr>
-                  </a:gs>
-                  <a:gs pos="90000">
-                    <a:schemeClr val="accent1">
-                      <a:shade val="50000"/>
-                      <a:satMod val="100000"/>
-                    </a:schemeClr>
-                  </a:gs>
-                </a:gsLst>
-                <a:lin ang="5400000"/>
-              </a:gradFill>
-              <a:effectLst>
-                <a:outerShdw blurRad="55000" dist="50800" dir="5400000" algn="tl">
-                  <a:srgbClr val="000000">
-                    <a:alpha val="33000"/>
-                  </a:srgbClr>
-                </a:outerShdw>
-              </a:effectLst>
-              <a:latin typeface="Times New Roman" pitchFamily="18" charset="0"/>
-              <a:ea typeface="Verdana" pitchFamily="34" charset="0"/>
-              <a:cs typeface="Times New Roman" pitchFamily="18" charset="0"/>
-            </a:rPr>
-            <a:t>2. Create Analysis Services Data Source</a:t>
-          </a:r>
-          <a:endParaRPr lang="en-US" sz="1600" b="1" kern="1200" cap="none" spc="0">
-            <a:ln w="17780" cmpd="sng">
-              <a:solidFill>
-                <a:schemeClr val="accent1">
-                  <a:tint val="3000"/>
-                </a:schemeClr>
-              </a:solidFill>
-              <a:prstDash val="solid"/>
-              <a:miter lim="800000"/>
-            </a:ln>
-            <a:gradFill>
-              <a:gsLst>
-                <a:gs pos="10000">
-                  <a:schemeClr val="accent1">
-                    <a:tint val="63000"/>
-                    <a:sat val="105000"/>
-                  </a:schemeClr>
-                </a:gs>
-                <a:gs pos="90000">
-                  <a:schemeClr val="accent1">
-                    <a:shade val="50000"/>
-                    <a:satMod val="100000"/>
-                  </a:schemeClr>
-                </a:gs>
-              </a:gsLst>
-              <a:lin ang="5400000"/>
-            </a:gradFill>
-            <a:effectLst>
-              <a:outerShdw blurRad="55000" dist="50800" dir="5400000" algn="tl">
-                <a:srgbClr val="000000">
-                  <a:alpha val="33000"/>
-                </a:srgbClr>
-              </a:outerShdw>
-            </a:effectLst>
-            <a:latin typeface="Times New Roman" pitchFamily="18" charset="0"/>
-            <a:ea typeface="Verdana" pitchFamily="34" charset="0"/>
-            <a:cs typeface="Times New Roman" pitchFamily="18" charset="0"/>
-          </a:endParaRPr>
-        </a:p>
-      </dsp:txBody>
-      <dsp:txXfrm rot="10800000">
-        <a:off x="0" y="747955"/>
-        <a:ext cx="5943600" cy="489417"/>
-      </dsp:txXfrm>
-    </dsp:sp>
-    <dsp:sp modelId="{FA5DED89-4573-4A62-99C6-B233D4E4BEF8}">
-      <dsp:nvSpPr>
-        <dsp:cNvPr id="0" name=""/>
-        <dsp:cNvSpPr/>
-      </dsp:nvSpPr>
-      <dsp:spPr>
-        <a:xfrm rot="10800000">
-          <a:off x="0" y="2085"/>
-          <a:ext cx="5943600" cy="753216"/>
-        </a:xfrm>
-        <a:prstGeom prst="upArrowCallout">
-          <a:avLst/>
-        </a:prstGeom>
-        <a:gradFill rotWithShape="0">
-          <a:gsLst>
-            <a:gs pos="0">
-              <a:schemeClr val="accent2">
-                <a:hueOff val="4681519"/>
-                <a:satOff val="-5839"/>
-                <a:lumOff val="1373"/>
-                <a:alphaOff val="0"/>
-                <a:shade val="51000"/>
-                <a:satMod val="130000"/>
-              </a:schemeClr>
-            </a:gs>
-            <a:gs pos="80000">
-              <a:schemeClr val="accent2">
-                <a:hueOff val="4681519"/>
-                <a:satOff val="-5839"/>
-                <a:lumOff val="1373"/>
-                <a:alphaOff val="0"/>
-                <a:shade val="93000"/>
-                <a:satMod val="130000"/>
-              </a:schemeClr>
-            </a:gs>
-            <a:gs pos="100000">
-              <a:schemeClr val="accent2">
-                <a:hueOff val="4681519"/>
-                <a:satOff val="-5839"/>
-                <a:lumOff val="1373"/>
-                <a:alphaOff val="0"/>
-                <a:shade val="94000"/>
-                <a:satMod val="135000"/>
-              </a:schemeClr>
-            </a:gs>
-          </a:gsLst>
-          <a:lin ang="16200000" scaled="0"/>
-        </a:gradFill>
-        <a:ln>
-          <a:noFill/>
-        </a:ln>
-        <a:effectLst>
-          <a:outerShdw blurRad="40000" dist="23000" dir="5400000" rotWithShape="0">
-            <a:srgbClr val="000000">
-              <a:alpha val="35000"/>
-            </a:srgbClr>
-          </a:outerShdw>
-        </a:effectLst>
-        <a:scene3d>
-          <a:camera prst="orthographicFront"/>
-          <a:lightRig rig="flat" dir="t"/>
-        </a:scene3d>
-        <a:sp3d prstMaterial="plastic">
-          <a:bevelT w="120900" h="88900"/>
-          <a:bevelB w="88900" h="31750" prst="angle"/>
-        </a:sp3d>
-      </dsp:spPr>
-      <dsp:style>
-        <a:lnRef idx="0">
-          <a:scrgbClr r="0" g="0" b="0"/>
-        </a:lnRef>
-        <a:fillRef idx="3">
-          <a:scrgbClr r="0" g="0" b="0"/>
-        </a:fillRef>
-        <a:effectRef idx="2">
-          <a:scrgbClr r="0" g="0" b="0"/>
-        </a:effectRef>
-        <a:fontRef idx="minor">
-          <a:schemeClr val="lt1"/>
-        </a:fontRef>
-      </dsp:style>
-      <dsp:txBody>
-        <a:bodyPr spcFirstLastPara="0" vert="horz" wrap="square" lIns="113792" tIns="113792" rIns="113792" bIns="113792" numCol="1" spcCol="1270" anchor="ctr" anchorCtr="0">
-          <a:noAutofit/>
-          <a:scene3d>
-            <a:camera prst="orthographicFront"/>
-            <a:lightRig rig="soft" dir="t">
-              <a:rot lat="0" lon="0" rev="10800000"/>
-            </a:lightRig>
-          </a:scene3d>
-          <a:sp3d>
-            <a:bevelT w="27940" h="12700"/>
-            <a:contourClr>
-              <a:srgbClr val="DDDDDD"/>
-            </a:contourClr>
-          </a:sp3d>
-        </a:bodyPr>
-        <a:lstStyle/>
-        <a:p>
-          <a:pPr lvl="0" algn="ctr" defTabSz="711200">
-            <a:lnSpc>
-              <a:spcPct val="90000"/>
-            </a:lnSpc>
-            <a:spcBef>
-              <a:spcPct val="0"/>
-            </a:spcBef>
-            <a:spcAft>
-              <a:spcPct val="35000"/>
-            </a:spcAft>
-          </a:pPr>
-          <a:r>
-            <a:rPr lang="en-US" sz="1600" b="1" kern="1200" cap="none" spc="0" smtClean="0">
-              <a:ln w="17780" cmpd="sng">
-                <a:solidFill>
-                  <a:schemeClr val="accent1">
-                    <a:tint val="3000"/>
-                  </a:schemeClr>
-                </a:solidFill>
-                <a:prstDash val="solid"/>
-                <a:miter lim="800000"/>
-              </a:ln>
-              <a:gradFill>
-                <a:gsLst>
-                  <a:gs pos="10000">
-                    <a:schemeClr val="accent1">
-                      <a:tint val="63000"/>
-                      <a:sat val="105000"/>
-                    </a:schemeClr>
-                  </a:gs>
-                  <a:gs pos="90000">
-                    <a:schemeClr val="accent1">
-                      <a:shade val="50000"/>
-                      <a:satMod val="100000"/>
-                    </a:schemeClr>
-                  </a:gs>
-                </a:gsLst>
-                <a:lin ang="5400000"/>
-              </a:gradFill>
-              <a:effectLst>
-                <a:outerShdw blurRad="55000" dist="50800" dir="5400000" algn="tl">
-                  <a:srgbClr val="000000">
-                    <a:alpha val="33000"/>
-                  </a:srgbClr>
-                </a:outerShdw>
-              </a:effectLst>
-              <a:latin typeface="Times New Roman" pitchFamily="18" charset="0"/>
-              <a:ea typeface="Verdana" pitchFamily="34" charset="0"/>
-              <a:cs typeface="Times New Roman" pitchFamily="18" charset="0"/>
-            </a:rPr>
-            <a:t>1. Preprocessing data and export data to view</a:t>
-          </a:r>
-          <a:endParaRPr lang="en-US" sz="1600" b="1" kern="1200" cap="none" spc="0">
-            <a:ln w="17780" cmpd="sng">
-              <a:solidFill>
-                <a:schemeClr val="accent1">
-                  <a:tint val="3000"/>
-                </a:schemeClr>
-              </a:solidFill>
-              <a:prstDash val="solid"/>
-              <a:miter lim="800000"/>
-            </a:ln>
-            <a:gradFill>
-              <a:gsLst>
-                <a:gs pos="10000">
-                  <a:schemeClr val="accent1">
-                    <a:tint val="63000"/>
-                    <a:sat val="105000"/>
-                  </a:schemeClr>
-                </a:gs>
-                <a:gs pos="90000">
-                  <a:schemeClr val="accent1">
-                    <a:shade val="50000"/>
-                    <a:satMod val="100000"/>
-                  </a:schemeClr>
-                </a:gs>
-              </a:gsLst>
-              <a:lin ang="5400000"/>
-            </a:gradFill>
-            <a:effectLst>
-              <a:outerShdw blurRad="55000" dist="50800" dir="5400000" algn="tl">
-                <a:srgbClr val="000000">
-                  <a:alpha val="33000"/>
-                </a:srgbClr>
-              </a:outerShdw>
-            </a:effectLst>
-            <a:latin typeface="Times New Roman" pitchFamily="18" charset="0"/>
-            <a:ea typeface="Verdana" pitchFamily="34" charset="0"/>
-            <a:cs typeface="Times New Roman" pitchFamily="18" charset="0"/>
-          </a:endParaRPr>
-        </a:p>
-      </dsp:txBody>
-      <dsp:txXfrm rot="10800000">
-        <a:off x="0" y="2085"/>
-        <a:ext cx="5943600" cy="489417"/>
-      </dsp:txXfrm>
-    </dsp:sp>
   </dsp:spTree>
 </dsp:drawing>
 </file>
@@ -19958,8 +18390,8 @@
         </p:nvSpPr>
         <p:spPr>
           <a:xfrm>
-            <a:off x="2913413" y="475582"/>
-            <a:ext cx="5163787" cy="6230018"/>
+            <a:off x="2913413" y="1066800"/>
+            <a:ext cx="5163787" cy="5638800"/>
           </a:xfrm>
           <a:prstGeom prst="roundRect">
             <a:avLst>
@@ -21429,14 +19861,14 @@
       </p:cxnSp>
       <p:sp>
         <p:nvSpPr>
-          <p:cNvPr id="45" name="Rectangle 44"/>
+          <p:cNvPr id="52" name="Rectangle 51"/>
           <p:cNvSpPr/>
           <p:nvPr/>
         </p:nvSpPr>
         <p:spPr>
           <a:xfrm>
-            <a:off x="3505200" y="1085182"/>
-            <a:ext cx="1752600" cy="457200"/>
+            <a:off x="3505200" y="2400594"/>
+            <a:ext cx="1752600" cy="540789"/>
           </a:xfrm>
           <a:prstGeom prst="rect">
             <a:avLst/>
@@ -21482,231 +19914,7 @@
                 <a:latin typeface="Times New Roman" pitchFamily="18" charset="0"/>
                 <a:cs typeface="Times New Roman" pitchFamily="18" charset="0"/>
               </a:rPr>
-              <a:t>IAttributeTag</a:t>
-            </a:r>
-            <a:endParaRPr lang="vi-VN" sz="1200" b="1" noProof="1">
-              <a:solidFill>
-                <a:schemeClr val="tx2"/>
-              </a:solidFill>
-              <a:latin typeface="Times New Roman" pitchFamily="18" charset="0"/>
-              <a:cs typeface="Times New Roman" pitchFamily="18" charset="0"/>
-            </a:endParaRPr>
-          </a:p>
-        </p:txBody>
-      </p:sp>
-      <p:sp>
-        <p:nvSpPr>
-          <p:cNvPr id="46" name="Rectangle 45"/>
-          <p:cNvSpPr/>
-          <p:nvPr/>
-        </p:nvSpPr>
-        <p:spPr>
-          <a:xfrm>
-            <a:off x="5955820" y="1085182"/>
-            <a:ext cx="1752600" cy="457200"/>
-          </a:xfrm>
-          <a:prstGeom prst="rect">
-            <a:avLst/>
-          </a:prstGeom>
-        </p:spPr>
-        <p:style>
-          <a:lnRef idx="1">
-            <a:schemeClr val="accent4"/>
-          </a:lnRef>
-          <a:fillRef idx="2">
-            <a:schemeClr val="accent4"/>
-          </a:fillRef>
-          <a:effectRef idx="1">
-            <a:schemeClr val="accent4"/>
-          </a:effectRef>
-          <a:fontRef idx="minor">
-            <a:schemeClr val="dk1"/>
-          </a:fontRef>
-        </p:style>
-        <p:txBody>
-          <a:bodyPr rtlCol="0" anchor="ctr"/>
-          <a:lstStyle/>
-          <a:p>
-            <a:pPr algn="ctr"/>
-            <a:r>
-              <a:rPr lang="en-US" sz="1200" b="1" noProof="1" smtClean="0">
-                <a:solidFill>
-                  <a:schemeClr val="tx1"/>
-                </a:solidFill>
-                <a:latin typeface="Times New Roman" pitchFamily="18" charset="0"/>
-                <a:cs typeface="Times New Roman" pitchFamily="18" charset="0"/>
-              </a:rPr>
-              <a:t>AttributeTag</a:t>
-            </a:r>
-            <a:endParaRPr lang="en-US" sz="1200" b="1" noProof="1">
-              <a:solidFill>
-                <a:schemeClr val="tx1"/>
-              </a:solidFill>
-              <a:latin typeface="Times New Roman" pitchFamily="18" charset="0"/>
-              <a:cs typeface="Times New Roman" pitchFamily="18" charset="0"/>
-            </a:endParaRPr>
-          </a:p>
-        </p:txBody>
-      </p:sp>
-      <p:sp>
-        <p:nvSpPr>
-          <p:cNvPr id="47" name="Right Triangle 46"/>
-          <p:cNvSpPr/>
-          <p:nvPr/>
-        </p:nvSpPr>
-        <p:spPr>
-          <a:xfrm rot="8006167" flipH="1">
-            <a:off x="5305473" y="1213104"/>
-            <a:ext cx="194991" cy="201357"/>
-          </a:xfrm>
-          <a:prstGeom prst="rtTriangle">
-            <a:avLst/>
-          </a:prstGeom>
-        </p:spPr>
-        <p:style>
-          <a:lnRef idx="2">
-            <a:schemeClr val="accent1"/>
-          </a:lnRef>
-          <a:fillRef idx="1">
-            <a:schemeClr val="lt1"/>
-          </a:fillRef>
-          <a:effectRef idx="0">
-            <a:schemeClr val="accent1"/>
-          </a:effectRef>
-          <a:fontRef idx="minor">
-            <a:schemeClr val="dk1"/>
-          </a:fontRef>
-        </p:style>
-        <p:txBody>
-          <a:bodyPr rtlCol="0" anchor="ctr"/>
-          <a:lstStyle/>
-          <a:p>
-            <a:pPr algn="ctr"/>
-            <a:endParaRPr lang="vi-VN"/>
-          </a:p>
-        </p:txBody>
-      </p:sp>
-      <p:cxnSp>
-        <p:nvCxnSpPr>
-          <p:cNvPr id="48" name="Straight Connector 47"/>
-          <p:cNvCxnSpPr>
-            <a:stCxn id="47" idx="5"/>
-            <a:endCxn id="46" idx="1"/>
-          </p:cNvCxnSpPr>
-          <p:nvPr/>
-        </p:nvCxnSpPr>
-        <p:spPr>
-          <a:xfrm>
-            <a:off x="5402968" y="1313782"/>
-            <a:ext cx="552852" cy="0"/>
-          </a:xfrm>
-          <a:prstGeom prst="line">
-            <a:avLst/>
-          </a:prstGeom>
-        </p:spPr>
-        <p:style>
-          <a:lnRef idx="1">
-            <a:schemeClr val="accent1"/>
-          </a:lnRef>
-          <a:fillRef idx="0">
-            <a:schemeClr val="accent1"/>
-          </a:fillRef>
-          <a:effectRef idx="0">
-            <a:schemeClr val="accent1"/>
-          </a:effectRef>
-          <a:fontRef idx="minor">
-            <a:schemeClr val="tx1"/>
-          </a:fontRef>
-        </p:style>
-      </p:cxnSp>
-      <p:cxnSp>
-        <p:nvCxnSpPr>
-          <p:cNvPr id="49" name="Straight Connector 48"/>
-          <p:cNvCxnSpPr>
-            <a:endCxn id="45" idx="1"/>
-          </p:cNvCxnSpPr>
-          <p:nvPr/>
-        </p:nvCxnSpPr>
-        <p:spPr>
-          <a:xfrm flipV="1">
-            <a:off x="2209800" y="1313782"/>
-            <a:ext cx="1295400" cy="2724621"/>
-          </a:xfrm>
-          <a:prstGeom prst="line">
-            <a:avLst/>
-          </a:prstGeom>
-        </p:spPr>
-        <p:style>
-          <a:lnRef idx="1">
-            <a:schemeClr val="accent1"/>
-          </a:lnRef>
-          <a:fillRef idx="0">
-            <a:schemeClr val="accent1"/>
-          </a:fillRef>
-          <a:effectRef idx="0">
-            <a:schemeClr val="accent1"/>
-          </a:effectRef>
-          <a:fontRef idx="minor">
-            <a:schemeClr val="tx1"/>
-          </a:fontRef>
-        </p:style>
-      </p:cxnSp>
-      <p:sp>
-        <p:nvSpPr>
-          <p:cNvPr id="52" name="Rectangle 51"/>
-          <p:cNvSpPr/>
-          <p:nvPr/>
-        </p:nvSpPr>
-        <p:spPr>
-          <a:xfrm>
-            <a:off x="3505200" y="2400594"/>
-            <a:ext cx="1752600" cy="540789"/>
-          </a:xfrm>
-          <a:prstGeom prst="rect">
-            <a:avLst/>
-          </a:prstGeom>
-        </p:spPr>
-        <p:style>
-          <a:lnRef idx="1">
-            <a:schemeClr val="accent5"/>
-          </a:lnRef>
-          <a:fillRef idx="2">
-            <a:schemeClr val="accent5"/>
-          </a:fillRef>
-          <a:effectRef idx="1">
-            <a:schemeClr val="accent5"/>
-          </a:effectRef>
-          <a:fontRef idx="minor">
-            <a:schemeClr val="dk1"/>
-          </a:fontRef>
-        </p:style>
-        <p:txBody>
-          <a:bodyPr rtlCol="0" anchor="ctr"/>
-          <a:lstStyle/>
-          <a:p>
-            <a:pPr algn="ctr"/>
-            <a:r>
-              <a:rPr lang="en-US" sz="1200" b="1" noProof="1" smtClean="0">
-                <a:solidFill>
-                  <a:schemeClr val="tx2"/>
-                </a:solidFill>
-                <a:latin typeface="Times New Roman" pitchFamily="18" charset="0"/>
-                <a:cs typeface="Times New Roman" pitchFamily="18" charset="0"/>
-              </a:rPr>
-              <a:t>Interface</a:t>
-            </a:r>
-          </a:p>
-          <a:p>
-            <a:pPr algn="ctr"/>
-            <a:r>
-              <a:rPr lang="en-US" sz="1200" b="1" noProof="1" smtClean="0">
-                <a:solidFill>
-                  <a:schemeClr val="tx2"/>
-                </a:solidFill>
-                <a:latin typeface="Times New Roman" pitchFamily="18" charset="0"/>
-                <a:cs typeface="Times New Roman" pitchFamily="18" charset="0"/>
-              </a:rPr>
-              <a:t>IAbstract Hierarchy Tree</a:t>
+              <a:t>IHierarchyTree</a:t>
             </a:r>
             <a:endParaRPr lang="vi-VN" sz="1200" b="1" noProof="1">
               <a:solidFill>

--- a/Documents/Thesis Report Picture.pptx
+++ b/Documents/Thesis Report Picture.pptx
@@ -29,9 +29,8 @@
     <p:sldId id="276" r:id="rId23"/>
     <p:sldId id="277" r:id="rId24"/>
     <p:sldId id="278" r:id="rId25"/>
-    <p:sldId id="279" r:id="rId26"/>
-    <p:sldId id="281" r:id="rId27"/>
-    <p:sldId id="282" r:id="rId28"/>
+    <p:sldId id="282" r:id="rId26"/>
+    <p:sldId id="283" r:id="rId27"/>
   </p:sldIdLst>
   <p:sldSz cx="9144000" cy="6858000" type="screen4x3"/>
   <p:notesSz cx="6858000" cy="9144000"/>
@@ -22473,195 +22472,6 @@
       </p:grpSpPr>
       <p:sp>
         <p:nvSpPr>
-          <p:cNvPr id="4" name="Rounded Rectangle 3"/>
-          <p:cNvSpPr/>
-          <p:nvPr/>
-        </p:nvSpPr>
-        <p:spPr>
-          <a:xfrm>
-            <a:off x="2514600" y="2209800"/>
-            <a:ext cx="1981200" cy="2057400"/>
-          </a:xfrm>
-          <a:prstGeom prst="roundRect">
-            <a:avLst/>
-          </a:prstGeom>
-        </p:spPr>
-        <p:style>
-          <a:lnRef idx="2">
-            <a:schemeClr val="accent1"/>
-          </a:lnRef>
-          <a:fillRef idx="1">
-            <a:schemeClr val="lt1"/>
-          </a:fillRef>
-          <a:effectRef idx="0">
-            <a:schemeClr val="accent1"/>
-          </a:effectRef>
-          <a:fontRef idx="minor">
-            <a:schemeClr val="dk1"/>
-          </a:fontRef>
-        </p:style>
-        <p:txBody>
-          <a:bodyPr rtlCol="0" anchor="ctr"/>
-          <a:lstStyle/>
-          <a:p>
-            <a:pPr algn="ctr"/>
-            <a:r>
-              <a:rPr lang="en-US" smtClean="0"/>
-              <a:t>Mô tả thông tin</a:t>
-            </a:r>
-          </a:p>
-          <a:p>
-            <a:pPr algn="ctr"/>
-            <a:r>
-              <a:rPr lang="en-US" smtClean="0"/>
-              <a:t>Của một đối tượng </a:t>
-            </a:r>
-            <a:endParaRPr lang="en-US"/>
-          </a:p>
-        </p:txBody>
-      </p:sp>
-      <p:sp>
-        <p:nvSpPr>
-          <p:cNvPr id="5" name="Rounded Rectangle 4"/>
-          <p:cNvSpPr/>
-          <p:nvPr/>
-        </p:nvSpPr>
-        <p:spPr>
-          <a:xfrm>
-            <a:off x="647700" y="1829937"/>
-            <a:ext cx="800100" cy="608463"/>
-          </a:xfrm>
-          <a:prstGeom prst="roundRect">
-            <a:avLst/>
-          </a:prstGeom>
-        </p:spPr>
-        <p:style>
-          <a:lnRef idx="2">
-            <a:schemeClr val="accent1">
-              <a:shade val="50000"/>
-            </a:schemeClr>
-          </a:lnRef>
-          <a:fillRef idx="1">
-            <a:schemeClr val="accent1"/>
-          </a:fillRef>
-          <a:effectRef idx="0">
-            <a:schemeClr val="accent1"/>
-          </a:effectRef>
-          <a:fontRef idx="minor">
-            <a:schemeClr val="lt1"/>
-          </a:fontRef>
-        </p:style>
-        <p:txBody>
-          <a:bodyPr rtlCol="0" anchor="ctr"/>
-          <a:lstStyle/>
-          <a:p>
-            <a:pPr algn="ctr"/>
-            <a:endParaRPr lang="en-US"/>
-          </a:p>
-        </p:txBody>
-      </p:sp>
-      <p:sp>
-        <p:nvSpPr>
-          <p:cNvPr id="6" name="Rounded Rectangle 5"/>
-          <p:cNvSpPr/>
-          <p:nvPr/>
-        </p:nvSpPr>
-        <p:spPr>
-          <a:xfrm>
-            <a:off x="647700" y="2781300"/>
-            <a:ext cx="838200" cy="457200"/>
-          </a:xfrm>
-          <a:prstGeom prst="roundRect">
-            <a:avLst/>
-          </a:prstGeom>
-        </p:spPr>
-        <p:style>
-          <a:lnRef idx="2">
-            <a:schemeClr val="accent1">
-              <a:shade val="50000"/>
-            </a:schemeClr>
-          </a:lnRef>
-          <a:fillRef idx="1">
-            <a:schemeClr val="accent1"/>
-          </a:fillRef>
-          <a:effectRef idx="0">
-            <a:schemeClr val="accent1"/>
-          </a:effectRef>
-          <a:fontRef idx="minor">
-            <a:schemeClr val="lt1"/>
-          </a:fontRef>
-        </p:style>
-        <p:txBody>
-          <a:bodyPr rtlCol="0" anchor="ctr"/>
-          <a:lstStyle/>
-          <a:p>
-            <a:pPr algn="ctr"/>
-            <a:endParaRPr lang="en-US"/>
-          </a:p>
-        </p:txBody>
-      </p:sp>
-    </p:spTree>
-    <p:extLst>
-      <p:ext uri="{BB962C8B-B14F-4D97-AF65-F5344CB8AC3E}">
-        <p14:creationId xmlns:p14="http://schemas.microsoft.com/office/powerpoint/2010/main" val="185921877"/>
-      </p:ext>
-    </p:extLst>
-  </p:cSld>
-  <p:clrMapOvr>
-    <a:masterClrMapping/>
-  </p:clrMapOvr>
-</p:sld>
-</file>
-
-<file path=ppt/slides/slide26.xml><?xml version="1.0" encoding="utf-8"?>
-<p:sld xmlns:a="http://schemas.openxmlformats.org/drawingml/2006/main" xmlns:r="http://schemas.openxmlformats.org/officeDocument/2006/relationships" xmlns:p="http://schemas.openxmlformats.org/presentationml/2006/main">
-  <p:cSld>
-    <p:spTree>
-      <p:nvGrpSpPr>
-        <p:cNvPr id="1" name=""/>
-        <p:cNvGrpSpPr/>
-        <p:nvPr/>
-      </p:nvGrpSpPr>
-      <p:grpSpPr>
-        <a:xfrm>
-          <a:off x="0" y="0"/>
-          <a:ext cx="0" cy="0"/>
-          <a:chOff x="0" y="0"/>
-          <a:chExt cx="0" cy="0"/>
-        </a:xfrm>
-      </p:grpSpPr>
-    </p:spTree>
-    <p:extLst>
-      <p:ext uri="{BB962C8B-B14F-4D97-AF65-F5344CB8AC3E}">
-        <p14:creationId xmlns:p14="http://schemas.microsoft.com/office/powerpoint/2010/main" val="3889674625"/>
-      </p:ext>
-    </p:extLst>
-  </p:cSld>
-  <p:clrMapOvr>
-    <a:masterClrMapping/>
-  </p:clrMapOvr>
-</p:sld>
-</file>
-
-<file path=ppt/slides/slide27.xml><?xml version="1.0" encoding="utf-8"?>
-<p:sld xmlns:a="http://schemas.openxmlformats.org/drawingml/2006/main" xmlns:r="http://schemas.openxmlformats.org/officeDocument/2006/relationships" xmlns:p="http://schemas.openxmlformats.org/presentationml/2006/main">
-  <p:cSld>
-    <p:spTree>
-      <p:nvGrpSpPr>
-        <p:cNvPr id="1" name=""/>
-        <p:cNvGrpSpPr/>
-        <p:nvPr/>
-      </p:nvGrpSpPr>
-      <p:grpSpPr>
-        <a:xfrm>
-          <a:off x="0" y="0"/>
-          <a:ext cx="0" cy="0"/>
-          <a:chOff x="0" y="0"/>
-          <a:chExt cx="0" cy="0"/>
-        </a:xfrm>
-      </p:grpSpPr>
-      <p:sp>
-        <p:nvSpPr>
           <p:cNvPr id="8" name="Rounded Rectangle 7"/>
           <p:cNvSpPr/>
           <p:nvPr/>
@@ -24077,6 +23887,100 @@
       </p:par>
     </p:tnLst>
   </p:timing>
+</p:sld>
+</file>
+
+<file path=ppt/slides/slide26.xml><?xml version="1.0" encoding="utf-8"?>
+<p:sld xmlns:a="http://schemas.openxmlformats.org/drawingml/2006/main" xmlns:r="http://schemas.openxmlformats.org/officeDocument/2006/relationships" xmlns:p="http://schemas.openxmlformats.org/presentationml/2006/main">
+  <p:cSld>
+    <p:spTree>
+      <p:nvGrpSpPr>
+        <p:cNvPr id="1" name=""/>
+        <p:cNvGrpSpPr/>
+        <p:nvPr/>
+      </p:nvGrpSpPr>
+      <p:grpSpPr>
+        <a:xfrm>
+          <a:off x="0" y="0"/>
+          <a:ext cx="0" cy="0"/>
+          <a:chOff x="0" y="0"/>
+          <a:chExt cx="0" cy="0"/>
+        </a:xfrm>
+      </p:grpSpPr>
+      <p:pic>
+        <p:nvPicPr>
+          <p:cNvPr id="1026" name="Picture 2"/>
+          <p:cNvPicPr>
+            <a:picLocks noChangeAspect="1" noChangeArrowheads="1"/>
+          </p:cNvPicPr>
+          <p:nvPr/>
+        </p:nvPicPr>
+        <p:blipFill>
+          <a:blip r:embed="rId2">
+            <a:extLst>
+              <a:ext uri="{28A0092B-C50C-407E-A947-70E740481C1C}">
+                <a14:useLocalDpi xmlns:a14="http://schemas.microsoft.com/office/drawing/2010/main" val="0"/>
+              </a:ext>
+            </a:extLst>
+          </a:blip>
+          <a:srcRect/>
+          <a:stretch>
+            <a:fillRect/>
+          </a:stretch>
+        </p:blipFill>
+        <p:spPr bwMode="auto">
+          <a:xfrm>
+            <a:off x="2024063" y="595313"/>
+            <a:ext cx="5095875" cy="5667375"/>
+          </a:xfrm>
+          <a:prstGeom prst="rect">
+            <a:avLst/>
+          </a:prstGeom>
+          <a:noFill/>
+          <a:ln>
+            <a:noFill/>
+          </a:ln>
+          <a:effectLst/>
+          <a:extLst>
+            <a:ext uri="{909E8E84-426E-40DD-AFC4-6F175D3DCCD1}">
+              <a14:hiddenFill xmlns:a14="http://schemas.microsoft.com/office/drawing/2010/main">
+                <a:solidFill>
+                  <a:schemeClr val="accent1"/>
+                </a:solidFill>
+              </a14:hiddenFill>
+            </a:ext>
+            <a:ext uri="{91240B29-F687-4F45-9708-019B960494DF}">
+              <a14:hiddenLine xmlns:a14="http://schemas.microsoft.com/office/drawing/2010/main" w="9525">
+                <a:solidFill>
+                  <a:schemeClr val="tx1"/>
+                </a:solidFill>
+                <a:miter lim="800000"/>
+                <a:headEnd/>
+                <a:tailEnd/>
+              </a14:hiddenLine>
+            </a:ext>
+            <a:ext uri="{AF507438-7753-43E0-B8FC-AC1667EBCBE1}">
+              <a14:hiddenEffects xmlns:a14="http://schemas.microsoft.com/office/drawing/2010/main">
+                <a:effectLst>
+                  <a:outerShdw dist="35921" dir="2700000" algn="ctr" rotWithShape="0">
+                    <a:schemeClr val="bg2"/>
+                  </a:outerShdw>
+                </a:effectLst>
+              </a14:hiddenEffects>
+            </a:ext>
+          </a:extLst>
+        </p:spPr>
+      </p:pic>
+    </p:spTree>
+    <p:extLst>
+      <p:ext uri="{BB962C8B-B14F-4D97-AF65-F5344CB8AC3E}">
+        <p14:creationId xmlns:p14="http://schemas.microsoft.com/office/powerpoint/2010/main" val="3415122297"/>
+      </p:ext>
+    </p:extLst>
+  </p:cSld>
+  <p:clrMapOvr>
+    <a:masterClrMapping/>
+  </p:clrMapOvr>
 </p:sld>
 </file>
 

--- a/Documents/Thesis Report Picture.pptx
+++ b/Documents/Thesis Report Picture.pptx
@@ -31,6 +31,7 @@
     <p:sldId id="278" r:id="rId25"/>
     <p:sldId id="282" r:id="rId26"/>
     <p:sldId id="283" r:id="rId27"/>
+    <p:sldId id="284" r:id="rId28"/>
   </p:sldIdLst>
   <p:sldSz cx="9144000" cy="6858000" type="screen4x3"/>
   <p:notesSz cx="6858000" cy="9144000"/>
@@ -5839,7 +5840,7 @@
           <a:p>
             <a:fld id="{AEBC359E-74D2-4BE3-B89B-803EEEC24772}" type="datetimeFigureOut">
               <a:rPr lang="en-US" smtClean="0"/>
-              <a:t>12/24/2011</a:t>
+              <a:t>12/26/2011</a:t>
             </a:fld>
             <a:endParaRPr lang="en-US"/>
           </a:p>
@@ -6009,7 +6010,7 @@
           <a:p>
             <a:fld id="{AEBC359E-74D2-4BE3-B89B-803EEEC24772}" type="datetimeFigureOut">
               <a:rPr lang="en-US" smtClean="0"/>
-              <a:t>12/24/2011</a:t>
+              <a:t>12/26/2011</a:t>
             </a:fld>
             <a:endParaRPr lang="en-US"/>
           </a:p>
@@ -6189,7 +6190,7 @@
           <a:p>
             <a:fld id="{AEBC359E-74D2-4BE3-B89B-803EEEC24772}" type="datetimeFigureOut">
               <a:rPr lang="en-US" smtClean="0"/>
-              <a:t>12/24/2011</a:t>
+              <a:t>12/26/2011</a:t>
             </a:fld>
             <a:endParaRPr lang="en-US"/>
           </a:p>
@@ -6359,7 +6360,7 @@
           <a:p>
             <a:fld id="{AEBC359E-74D2-4BE3-B89B-803EEEC24772}" type="datetimeFigureOut">
               <a:rPr lang="en-US" smtClean="0"/>
-              <a:t>12/24/2011</a:t>
+              <a:t>12/26/2011</a:t>
             </a:fld>
             <a:endParaRPr lang="en-US"/>
           </a:p>
@@ -6605,7 +6606,7 @@
           <a:p>
             <a:fld id="{AEBC359E-74D2-4BE3-B89B-803EEEC24772}" type="datetimeFigureOut">
               <a:rPr lang="en-US" smtClean="0"/>
-              <a:t>12/24/2011</a:t>
+              <a:t>12/26/2011</a:t>
             </a:fld>
             <a:endParaRPr lang="en-US"/>
           </a:p>
@@ -6893,7 +6894,7 @@
           <a:p>
             <a:fld id="{AEBC359E-74D2-4BE3-B89B-803EEEC24772}" type="datetimeFigureOut">
               <a:rPr lang="en-US" smtClean="0"/>
-              <a:t>12/24/2011</a:t>
+              <a:t>12/26/2011</a:t>
             </a:fld>
             <a:endParaRPr lang="en-US"/>
           </a:p>
@@ -7315,7 +7316,7 @@
           <a:p>
             <a:fld id="{AEBC359E-74D2-4BE3-B89B-803EEEC24772}" type="datetimeFigureOut">
               <a:rPr lang="en-US" smtClean="0"/>
-              <a:t>12/24/2011</a:t>
+              <a:t>12/26/2011</a:t>
             </a:fld>
             <a:endParaRPr lang="en-US"/>
           </a:p>
@@ -7433,7 +7434,7 @@
           <a:p>
             <a:fld id="{AEBC359E-74D2-4BE3-B89B-803EEEC24772}" type="datetimeFigureOut">
               <a:rPr lang="en-US" smtClean="0"/>
-              <a:t>12/24/2011</a:t>
+              <a:t>12/26/2011</a:t>
             </a:fld>
             <a:endParaRPr lang="en-US"/>
           </a:p>
@@ -7528,7 +7529,7 @@
           <a:p>
             <a:fld id="{AEBC359E-74D2-4BE3-B89B-803EEEC24772}" type="datetimeFigureOut">
               <a:rPr lang="en-US" smtClean="0"/>
-              <a:t>12/24/2011</a:t>
+              <a:t>12/26/2011</a:t>
             </a:fld>
             <a:endParaRPr lang="en-US"/>
           </a:p>
@@ -7805,7 +7806,7 @@
           <a:p>
             <a:fld id="{AEBC359E-74D2-4BE3-B89B-803EEEC24772}" type="datetimeFigureOut">
               <a:rPr lang="en-US" smtClean="0"/>
-              <a:t>12/24/2011</a:t>
+              <a:t>12/26/2011</a:t>
             </a:fld>
             <a:endParaRPr lang="en-US"/>
           </a:p>
@@ -8058,7 +8059,7 @@
           <a:p>
             <a:fld id="{AEBC359E-74D2-4BE3-B89B-803EEEC24772}" type="datetimeFigureOut">
               <a:rPr lang="en-US" smtClean="0"/>
-              <a:t>12/24/2011</a:t>
+              <a:t>12/26/2011</a:t>
             </a:fld>
             <a:endParaRPr lang="en-US"/>
           </a:p>
@@ -8271,7 +8272,7 @@
           <a:p>
             <a:fld id="{AEBC359E-74D2-4BE3-B89B-803EEEC24772}" type="datetimeFigureOut">
               <a:rPr lang="en-US" smtClean="0"/>
-              <a:t>12/24/2011</a:t>
+              <a:t>12/26/2011</a:t>
             </a:fld>
             <a:endParaRPr lang="en-US"/>
           </a:p>
@@ -23984,6 +23985,66 @@
 </p:sld>
 </file>
 
+<file path=ppt/slides/slide27.xml><?xml version="1.0" encoding="utf-8"?>
+<p:sld xmlns:a="http://schemas.openxmlformats.org/drawingml/2006/main" xmlns:r="http://schemas.openxmlformats.org/officeDocument/2006/relationships" xmlns:p="http://schemas.openxmlformats.org/presentationml/2006/main">
+  <p:cSld>
+    <p:spTree>
+      <p:nvGrpSpPr>
+        <p:cNvPr id="1" name=""/>
+        <p:cNvGrpSpPr/>
+        <p:nvPr/>
+      </p:nvGrpSpPr>
+      <p:grpSpPr>
+        <a:xfrm>
+          <a:off x="0" y="0"/>
+          <a:ext cx="0" cy="0"/>
+          <a:chOff x="0" y="0"/>
+          <a:chExt cx="0" cy="0"/>
+        </a:xfrm>
+      </p:grpSpPr>
+      <p:pic>
+        <p:nvPicPr>
+          <p:cNvPr id="4" name="Picture 3"/>
+          <p:cNvPicPr/>
+          <p:nvPr/>
+        </p:nvPicPr>
+        <p:blipFill>
+          <a:blip r:embed="rId2">
+            <a:extLst>
+              <a:ext uri="{28A0092B-C50C-407E-A947-70E740481C1C}">
+                <a14:useLocalDpi xmlns:a14="http://schemas.microsoft.com/office/drawing/2010/main" val="0"/>
+              </a:ext>
+            </a:extLst>
+          </a:blip>
+          <a:srcRect/>
+          <a:stretch>
+            <a:fillRect/>
+          </a:stretch>
+        </p:blipFill>
+        <p:spPr bwMode="auto">
+          <a:xfrm>
+            <a:off x="1815147" y="2267902"/>
+            <a:ext cx="5513705" cy="2322195"/>
+          </a:xfrm>
+          <a:prstGeom prst="rect">
+            <a:avLst/>
+          </a:prstGeom>
+          <a:noFill/>
+        </p:spPr>
+      </p:pic>
+    </p:spTree>
+    <p:extLst>
+      <p:ext uri="{BB962C8B-B14F-4D97-AF65-F5344CB8AC3E}">
+        <p14:creationId xmlns:p14="http://schemas.microsoft.com/office/powerpoint/2010/main" val="1783883585"/>
+      </p:ext>
+    </p:extLst>
+  </p:cSld>
+  <p:clrMapOvr>
+    <a:masterClrMapping/>
+  </p:clrMapOvr>
+</p:sld>
+</file>
+
 <file path=ppt/slides/slide3.xml><?xml version="1.0" encoding="utf-8"?>
 <p:sld xmlns:a="http://schemas.openxmlformats.org/drawingml/2006/main" xmlns:r="http://schemas.openxmlformats.org/officeDocument/2006/relationships" xmlns:p="http://schemas.openxmlformats.org/presentationml/2006/main">
   <p:cSld>

--- a/Documents/Thesis Report Picture.pptx
+++ b/Documents/Thesis Report Picture.pptx
@@ -32,6 +32,7 @@
     <p:sldId id="282" r:id="rId26"/>
     <p:sldId id="283" r:id="rId27"/>
     <p:sldId id="284" r:id="rId28"/>
+    <p:sldId id="285" r:id="rId29"/>
   </p:sldIdLst>
   <p:sldSz cx="9144000" cy="6858000" type="screen4x3"/>
   <p:notesSz cx="6858000" cy="9144000"/>
@@ -2617,1574 +2618,6 @@
       <dsp:cNvGrpSpPr/>
     </dsp:nvGrpSpPr>
     <dsp:grpSpPr/>
-    <dsp:sp modelId="{A61B2339-8366-4111-8F73-67EF3F113E4A}">
-      <dsp:nvSpPr>
-        <dsp:cNvPr id="0" name=""/>
-        <dsp:cNvSpPr/>
-      </dsp:nvSpPr>
-      <dsp:spPr>
-        <a:xfrm>
-          <a:off x="0" y="5223177"/>
-          <a:ext cx="5943600" cy="489737"/>
-        </a:xfrm>
-        <a:prstGeom prst="rect">
-          <a:avLst/>
-        </a:prstGeom>
-        <a:gradFill rotWithShape="0">
-          <a:gsLst>
-            <a:gs pos="0">
-              <a:schemeClr val="accent2">
-                <a:hueOff val="0"/>
-                <a:satOff val="0"/>
-                <a:lumOff val="0"/>
-                <a:alphaOff val="0"/>
-                <a:shade val="51000"/>
-                <a:satMod val="130000"/>
-              </a:schemeClr>
-            </a:gs>
-            <a:gs pos="80000">
-              <a:schemeClr val="accent2">
-                <a:hueOff val="0"/>
-                <a:satOff val="0"/>
-                <a:lumOff val="0"/>
-                <a:alphaOff val="0"/>
-                <a:shade val="93000"/>
-                <a:satMod val="130000"/>
-              </a:schemeClr>
-            </a:gs>
-            <a:gs pos="100000">
-              <a:schemeClr val="accent2">
-                <a:hueOff val="0"/>
-                <a:satOff val="0"/>
-                <a:lumOff val="0"/>
-                <a:alphaOff val="0"/>
-                <a:shade val="94000"/>
-                <a:satMod val="135000"/>
-              </a:schemeClr>
-            </a:gs>
-          </a:gsLst>
-          <a:lin ang="16200000" scaled="0"/>
-        </a:gradFill>
-        <a:ln>
-          <a:noFill/>
-        </a:ln>
-        <a:effectLst>
-          <a:outerShdw blurRad="40000" dist="23000" dir="5400000" rotWithShape="0">
-            <a:srgbClr val="000000">
-              <a:alpha val="35000"/>
-            </a:srgbClr>
-          </a:outerShdw>
-        </a:effectLst>
-        <a:scene3d>
-          <a:camera prst="orthographicFront"/>
-          <a:lightRig rig="flat" dir="t"/>
-        </a:scene3d>
-        <a:sp3d prstMaterial="plastic">
-          <a:bevelT w="120900" h="88900"/>
-          <a:bevelB w="88900" h="31750" prst="angle"/>
-        </a:sp3d>
-      </dsp:spPr>
-      <dsp:style>
-        <a:lnRef idx="0">
-          <a:scrgbClr r="0" g="0" b="0"/>
-        </a:lnRef>
-        <a:fillRef idx="3">
-          <a:scrgbClr r="0" g="0" b="0"/>
-        </a:fillRef>
-        <a:effectRef idx="2">
-          <a:scrgbClr r="0" g="0" b="0"/>
-        </a:effectRef>
-        <a:fontRef idx="minor">
-          <a:schemeClr val="lt1"/>
-        </a:fontRef>
-      </dsp:style>
-      <dsp:txBody>
-        <a:bodyPr spcFirstLastPara="0" vert="horz" wrap="square" lIns="113792" tIns="113792" rIns="113792" bIns="113792" numCol="1" spcCol="1270" anchor="ctr" anchorCtr="0">
-          <a:noAutofit/>
-          <a:scene3d>
-            <a:camera prst="orthographicFront"/>
-            <a:lightRig rig="balanced" dir="t">
-              <a:rot lat="0" lon="0" rev="2100000"/>
-            </a:lightRig>
-          </a:scene3d>
-          <a:sp3d extrusionH="57150" prstMaterial="metal">
-            <a:bevelT w="38100" h="25400"/>
-            <a:contourClr>
-              <a:schemeClr val="bg2"/>
-            </a:contourClr>
-          </a:sp3d>
-        </a:bodyPr>
-        <a:lstStyle/>
-        <a:p>
-          <a:pPr lvl="0" algn="ctr" defTabSz="711200">
-            <a:lnSpc>
-              <a:spcPct val="90000"/>
-            </a:lnSpc>
-            <a:spcBef>
-              <a:spcPct val="0"/>
-            </a:spcBef>
-            <a:spcAft>
-              <a:spcPct val="35000"/>
-            </a:spcAft>
-          </a:pPr>
-          <a:r>
-            <a:rPr lang="en-US" sz="1600" b="1" kern="1200" cap="none" spc="0" smtClean="0">
-              <a:ln w="17780" cmpd="sng">
-                <a:solidFill>
-                  <a:schemeClr val="accent1">
-                    <a:tint val="3000"/>
-                  </a:schemeClr>
-                </a:solidFill>
-                <a:prstDash val="solid"/>
-                <a:miter lim="800000"/>
-              </a:ln>
-              <a:gradFill>
-                <a:gsLst>
-                  <a:gs pos="10000">
-                    <a:schemeClr val="accent1">
-                      <a:tint val="63000"/>
-                      <a:sat val="105000"/>
-                    </a:schemeClr>
-                  </a:gs>
-                  <a:gs pos="90000">
-                    <a:schemeClr val="accent1">
-                      <a:shade val="50000"/>
-                      <a:satMod val="100000"/>
-                    </a:schemeClr>
-                  </a:gs>
-                </a:gsLst>
-                <a:lin ang="5400000"/>
-              </a:gradFill>
-              <a:effectLst>
-                <a:outerShdw blurRad="55000" dist="50800" dir="5400000" algn="tl">
-                  <a:srgbClr val="000000">
-                    <a:alpha val="33000"/>
-                  </a:srgbClr>
-                </a:outerShdw>
-              </a:effectLst>
-              <a:latin typeface="Times New Roman" pitchFamily="18" charset="0"/>
-              <a:ea typeface="Verdana" pitchFamily="34" charset="0"/>
-              <a:cs typeface="Times New Roman" pitchFamily="18" charset="0"/>
-            </a:rPr>
-            <a:t>8. Clean up and close connections</a:t>
-          </a:r>
-          <a:endParaRPr lang="en-US" sz="1600" b="1" kern="1200" cap="none" spc="0">
-            <a:ln w="17780" cmpd="sng">
-              <a:solidFill>
-                <a:schemeClr val="accent1">
-                  <a:tint val="3000"/>
-                </a:schemeClr>
-              </a:solidFill>
-              <a:prstDash val="solid"/>
-              <a:miter lim="800000"/>
-            </a:ln>
-            <a:gradFill>
-              <a:gsLst>
-                <a:gs pos="10000">
-                  <a:schemeClr val="accent1">
-                    <a:tint val="63000"/>
-                    <a:sat val="105000"/>
-                  </a:schemeClr>
-                </a:gs>
-                <a:gs pos="90000">
-                  <a:schemeClr val="accent1">
-                    <a:shade val="50000"/>
-                    <a:satMod val="100000"/>
-                  </a:schemeClr>
-                </a:gs>
-              </a:gsLst>
-              <a:lin ang="5400000"/>
-            </a:gradFill>
-            <a:effectLst>
-              <a:outerShdw blurRad="55000" dist="50800" dir="5400000" algn="tl">
-                <a:srgbClr val="000000">
-                  <a:alpha val="33000"/>
-                </a:srgbClr>
-              </a:outerShdw>
-            </a:effectLst>
-            <a:latin typeface="Times New Roman" pitchFamily="18" charset="0"/>
-            <a:ea typeface="Verdana" pitchFamily="34" charset="0"/>
-            <a:cs typeface="Times New Roman" pitchFamily="18" charset="0"/>
-          </a:endParaRPr>
-        </a:p>
-      </dsp:txBody>
-      <dsp:txXfrm>
-        <a:off x="0" y="5223177"/>
-        <a:ext cx="5943600" cy="489737"/>
-      </dsp:txXfrm>
-    </dsp:sp>
-    <dsp:sp modelId="{6B53B39A-8B54-49BE-9D9D-CAD2969480A0}">
-      <dsp:nvSpPr>
-        <dsp:cNvPr id="0" name=""/>
-        <dsp:cNvSpPr/>
-      </dsp:nvSpPr>
-      <dsp:spPr>
-        <a:xfrm rot="10800000">
-          <a:off x="0" y="4477306"/>
-          <a:ext cx="5943600" cy="753216"/>
-        </a:xfrm>
-        <a:prstGeom prst="upArrowCallout">
-          <a:avLst/>
-        </a:prstGeom>
-        <a:gradFill rotWithShape="0">
-          <a:gsLst>
-            <a:gs pos="0">
-              <a:schemeClr val="accent2">
-                <a:hueOff val="668788"/>
-                <a:satOff val="-834"/>
-                <a:lumOff val="196"/>
-                <a:alphaOff val="0"/>
-                <a:shade val="51000"/>
-                <a:satMod val="130000"/>
-              </a:schemeClr>
-            </a:gs>
-            <a:gs pos="80000">
-              <a:schemeClr val="accent2">
-                <a:hueOff val="668788"/>
-                <a:satOff val="-834"/>
-                <a:lumOff val="196"/>
-                <a:alphaOff val="0"/>
-                <a:shade val="93000"/>
-                <a:satMod val="130000"/>
-              </a:schemeClr>
-            </a:gs>
-            <a:gs pos="100000">
-              <a:schemeClr val="accent2">
-                <a:hueOff val="668788"/>
-                <a:satOff val="-834"/>
-                <a:lumOff val="196"/>
-                <a:alphaOff val="0"/>
-                <a:shade val="94000"/>
-                <a:satMod val="135000"/>
-              </a:schemeClr>
-            </a:gs>
-          </a:gsLst>
-          <a:lin ang="16200000" scaled="0"/>
-        </a:gradFill>
-        <a:ln>
-          <a:noFill/>
-        </a:ln>
-        <a:effectLst>
-          <a:outerShdw blurRad="40000" dist="23000" dir="5400000" rotWithShape="0">
-            <a:srgbClr val="000000">
-              <a:alpha val="35000"/>
-            </a:srgbClr>
-          </a:outerShdw>
-        </a:effectLst>
-        <a:scene3d>
-          <a:camera prst="orthographicFront"/>
-          <a:lightRig rig="flat" dir="t"/>
-        </a:scene3d>
-        <a:sp3d prstMaterial="plastic">
-          <a:bevelT w="120900" h="88900"/>
-          <a:bevelB w="88900" h="31750" prst="angle"/>
-        </a:sp3d>
-      </dsp:spPr>
-      <dsp:style>
-        <a:lnRef idx="0">
-          <a:scrgbClr r="0" g="0" b="0"/>
-        </a:lnRef>
-        <a:fillRef idx="3">
-          <a:scrgbClr r="0" g="0" b="0"/>
-        </a:fillRef>
-        <a:effectRef idx="2">
-          <a:scrgbClr r="0" g="0" b="0"/>
-        </a:effectRef>
-        <a:fontRef idx="minor">
-          <a:schemeClr val="lt1"/>
-        </a:fontRef>
-      </dsp:style>
-      <dsp:txBody>
-        <a:bodyPr spcFirstLastPara="0" vert="horz" wrap="square" lIns="113792" tIns="113792" rIns="113792" bIns="113792" numCol="1" spcCol="1270" anchor="ctr" anchorCtr="0">
-          <a:noAutofit/>
-          <a:scene3d>
-            <a:camera prst="orthographicFront"/>
-            <a:lightRig rig="balanced" dir="t">
-              <a:rot lat="0" lon="0" rev="2100000"/>
-            </a:lightRig>
-          </a:scene3d>
-          <a:sp3d extrusionH="57150" prstMaterial="metal">
-            <a:bevelT w="38100" h="25400"/>
-            <a:contourClr>
-              <a:schemeClr val="bg2"/>
-            </a:contourClr>
-          </a:sp3d>
-        </a:bodyPr>
-        <a:lstStyle/>
-        <a:p>
-          <a:pPr lvl="0" algn="ctr" defTabSz="711200">
-            <a:lnSpc>
-              <a:spcPct val="90000"/>
-            </a:lnSpc>
-            <a:spcBef>
-              <a:spcPct val="0"/>
-            </a:spcBef>
-            <a:spcAft>
-              <a:spcPct val="35000"/>
-            </a:spcAft>
-          </a:pPr>
-          <a:r>
-            <a:rPr lang="en-US" sz="1600" b="1" kern="1200" cap="none" spc="0" smtClean="0">
-              <a:ln w="17780" cmpd="sng">
-                <a:solidFill>
-                  <a:schemeClr val="accent1">
-                    <a:tint val="3000"/>
-                  </a:schemeClr>
-                </a:solidFill>
-                <a:prstDash val="solid"/>
-                <a:miter lim="800000"/>
-              </a:ln>
-              <a:gradFill>
-                <a:gsLst>
-                  <a:gs pos="10000">
-                    <a:schemeClr val="accent1">
-                      <a:tint val="63000"/>
-                      <a:sat val="105000"/>
-                    </a:schemeClr>
-                  </a:gs>
-                  <a:gs pos="90000">
-                    <a:schemeClr val="accent1">
-                      <a:shade val="50000"/>
-                      <a:satMod val="100000"/>
-                    </a:schemeClr>
-                  </a:gs>
-                </a:gsLst>
-                <a:lin ang="5400000"/>
-              </a:gradFill>
-              <a:effectLst>
-                <a:outerShdw blurRad="55000" dist="50800" dir="5400000" algn="tl">
-                  <a:srgbClr val="000000">
-                    <a:alpha val="33000"/>
-                  </a:srgbClr>
-                </a:outerShdw>
-              </a:effectLst>
-              <a:latin typeface="Times New Roman" pitchFamily="18" charset="0"/>
-              <a:ea typeface="Verdana" pitchFamily="34" charset="0"/>
-              <a:cs typeface="Times New Roman" pitchFamily="18" charset="0"/>
-            </a:rPr>
-            <a:t>7. Export Mining Model data to database (Database Engine)</a:t>
-          </a:r>
-          <a:endParaRPr lang="en-US" sz="1600" b="1" kern="1200" cap="none" spc="0">
-            <a:ln w="17780" cmpd="sng">
-              <a:solidFill>
-                <a:schemeClr val="accent1">
-                  <a:tint val="3000"/>
-                </a:schemeClr>
-              </a:solidFill>
-              <a:prstDash val="solid"/>
-              <a:miter lim="800000"/>
-            </a:ln>
-            <a:gradFill>
-              <a:gsLst>
-                <a:gs pos="10000">
-                  <a:schemeClr val="accent1">
-                    <a:tint val="63000"/>
-                    <a:sat val="105000"/>
-                  </a:schemeClr>
-                </a:gs>
-                <a:gs pos="90000">
-                  <a:schemeClr val="accent1">
-                    <a:shade val="50000"/>
-                    <a:satMod val="100000"/>
-                  </a:schemeClr>
-                </a:gs>
-              </a:gsLst>
-              <a:lin ang="5400000"/>
-            </a:gradFill>
-            <a:effectLst>
-              <a:outerShdw blurRad="55000" dist="50800" dir="5400000" algn="tl">
-                <a:srgbClr val="000000">
-                  <a:alpha val="33000"/>
-                </a:srgbClr>
-              </a:outerShdw>
-            </a:effectLst>
-            <a:latin typeface="Times New Roman" pitchFamily="18" charset="0"/>
-            <a:ea typeface="Verdana" pitchFamily="34" charset="0"/>
-            <a:cs typeface="Times New Roman" pitchFamily="18" charset="0"/>
-          </a:endParaRPr>
-        </a:p>
-      </dsp:txBody>
-      <dsp:txXfrm rot="10800000">
-        <a:off x="0" y="4477306"/>
-        <a:ext cx="5943600" cy="489417"/>
-      </dsp:txXfrm>
-    </dsp:sp>
-    <dsp:sp modelId="{AE3A404D-D0C1-450D-BDB3-6FCA1E0EFD6F}">
-      <dsp:nvSpPr>
-        <dsp:cNvPr id="0" name=""/>
-        <dsp:cNvSpPr/>
-      </dsp:nvSpPr>
-      <dsp:spPr>
-        <a:xfrm rot="10800000">
-          <a:off x="0" y="3731436"/>
-          <a:ext cx="5943600" cy="753216"/>
-        </a:xfrm>
-        <a:prstGeom prst="upArrowCallout">
-          <a:avLst/>
-        </a:prstGeom>
-        <a:gradFill rotWithShape="0">
-          <a:gsLst>
-            <a:gs pos="0">
-              <a:schemeClr val="accent2">
-                <a:hueOff val="1337577"/>
-                <a:satOff val="-1668"/>
-                <a:lumOff val="392"/>
-                <a:alphaOff val="0"/>
-                <a:shade val="51000"/>
-                <a:satMod val="130000"/>
-              </a:schemeClr>
-            </a:gs>
-            <a:gs pos="80000">
-              <a:schemeClr val="accent2">
-                <a:hueOff val="1337577"/>
-                <a:satOff val="-1668"/>
-                <a:lumOff val="392"/>
-                <a:alphaOff val="0"/>
-                <a:shade val="93000"/>
-                <a:satMod val="130000"/>
-              </a:schemeClr>
-            </a:gs>
-            <a:gs pos="100000">
-              <a:schemeClr val="accent2">
-                <a:hueOff val="1337577"/>
-                <a:satOff val="-1668"/>
-                <a:lumOff val="392"/>
-                <a:alphaOff val="0"/>
-                <a:shade val="94000"/>
-                <a:satMod val="135000"/>
-              </a:schemeClr>
-            </a:gs>
-          </a:gsLst>
-          <a:lin ang="16200000" scaled="0"/>
-        </a:gradFill>
-        <a:ln>
-          <a:noFill/>
-        </a:ln>
-        <a:effectLst>
-          <a:outerShdw blurRad="40000" dist="23000" dir="5400000" rotWithShape="0">
-            <a:srgbClr val="000000">
-              <a:alpha val="35000"/>
-            </a:srgbClr>
-          </a:outerShdw>
-        </a:effectLst>
-        <a:scene3d>
-          <a:camera prst="orthographicFront"/>
-          <a:lightRig rig="flat" dir="t"/>
-        </a:scene3d>
-        <a:sp3d prstMaterial="plastic">
-          <a:bevelT w="120900" h="88900"/>
-          <a:bevelB w="88900" h="31750" prst="angle"/>
-        </a:sp3d>
-      </dsp:spPr>
-      <dsp:style>
-        <a:lnRef idx="0">
-          <a:scrgbClr r="0" g="0" b="0"/>
-        </a:lnRef>
-        <a:fillRef idx="3">
-          <a:scrgbClr r="0" g="0" b="0"/>
-        </a:fillRef>
-        <a:effectRef idx="2">
-          <a:scrgbClr r="0" g="0" b="0"/>
-        </a:effectRef>
-        <a:fontRef idx="minor">
-          <a:schemeClr val="lt1"/>
-        </a:fontRef>
-      </dsp:style>
-      <dsp:txBody>
-        <a:bodyPr spcFirstLastPara="0" vert="horz" wrap="square" lIns="113792" tIns="113792" rIns="113792" bIns="113792" numCol="1" spcCol="1270" anchor="ctr" anchorCtr="0">
-          <a:noAutofit/>
-          <a:scene3d>
-            <a:camera prst="orthographicFront"/>
-            <a:lightRig rig="balanced" dir="t">
-              <a:rot lat="0" lon="0" rev="2100000"/>
-            </a:lightRig>
-          </a:scene3d>
-          <a:sp3d extrusionH="57150" prstMaterial="metal">
-            <a:bevelT w="38100" h="25400"/>
-            <a:contourClr>
-              <a:schemeClr val="bg2"/>
-            </a:contourClr>
-          </a:sp3d>
-        </a:bodyPr>
-        <a:lstStyle/>
-        <a:p>
-          <a:pPr lvl="0" algn="ctr" defTabSz="711200">
-            <a:lnSpc>
-              <a:spcPct val="90000"/>
-            </a:lnSpc>
-            <a:spcBef>
-              <a:spcPct val="0"/>
-            </a:spcBef>
-            <a:spcAft>
-              <a:spcPct val="35000"/>
-            </a:spcAft>
-          </a:pPr>
-          <a:r>
-            <a:rPr lang="en-US" sz="1600" b="1" kern="1200" cap="none" spc="0" smtClean="0">
-              <a:ln w="17780" cmpd="sng">
-                <a:solidFill>
-                  <a:schemeClr val="accent1">
-                    <a:tint val="3000"/>
-                  </a:schemeClr>
-                </a:solidFill>
-                <a:prstDash val="solid"/>
-                <a:miter lim="800000"/>
-              </a:ln>
-              <a:gradFill>
-                <a:gsLst>
-                  <a:gs pos="10000">
-                    <a:schemeClr val="accent1">
-                      <a:tint val="63000"/>
-                      <a:sat val="105000"/>
-                    </a:schemeClr>
-                  </a:gs>
-                  <a:gs pos="90000">
-                    <a:schemeClr val="accent1">
-                      <a:shade val="50000"/>
-                      <a:satMod val="100000"/>
-                    </a:schemeClr>
-                  </a:gs>
-                </a:gsLst>
-                <a:lin ang="5400000"/>
-              </a:gradFill>
-              <a:effectLst>
-                <a:outerShdw blurRad="55000" dist="50800" dir="5400000" algn="tl">
-                  <a:srgbClr val="000000">
-                    <a:alpha val="33000"/>
-                  </a:srgbClr>
-                </a:outerShdw>
-              </a:effectLst>
-              <a:latin typeface="Times New Roman" pitchFamily="18" charset="0"/>
-              <a:ea typeface="Verdana" pitchFamily="34" charset="0"/>
-              <a:cs typeface="Times New Roman" pitchFamily="18" charset="0"/>
-            </a:rPr>
-            <a:t>6. Processing Mining Model</a:t>
-          </a:r>
-          <a:endParaRPr lang="en-US" sz="1600" b="1" kern="1200" cap="none" spc="0">
-            <a:ln w="17780" cmpd="sng">
-              <a:solidFill>
-                <a:schemeClr val="accent1">
-                  <a:tint val="3000"/>
-                </a:schemeClr>
-              </a:solidFill>
-              <a:prstDash val="solid"/>
-              <a:miter lim="800000"/>
-            </a:ln>
-            <a:gradFill>
-              <a:gsLst>
-                <a:gs pos="10000">
-                  <a:schemeClr val="accent1">
-                    <a:tint val="63000"/>
-                    <a:sat val="105000"/>
-                  </a:schemeClr>
-                </a:gs>
-                <a:gs pos="90000">
-                  <a:schemeClr val="accent1">
-                    <a:shade val="50000"/>
-                    <a:satMod val="100000"/>
-                  </a:schemeClr>
-                </a:gs>
-              </a:gsLst>
-              <a:lin ang="5400000"/>
-            </a:gradFill>
-            <a:effectLst>
-              <a:outerShdw blurRad="55000" dist="50800" dir="5400000" algn="tl">
-                <a:srgbClr val="000000">
-                  <a:alpha val="33000"/>
-                </a:srgbClr>
-              </a:outerShdw>
-            </a:effectLst>
-            <a:latin typeface="Times New Roman" pitchFamily="18" charset="0"/>
-            <a:ea typeface="Verdana" pitchFamily="34" charset="0"/>
-            <a:cs typeface="Times New Roman" pitchFamily="18" charset="0"/>
-          </a:endParaRPr>
-        </a:p>
-      </dsp:txBody>
-      <dsp:txXfrm rot="10800000">
-        <a:off x="0" y="3731436"/>
-        <a:ext cx="5943600" cy="489417"/>
-      </dsp:txXfrm>
-    </dsp:sp>
-    <dsp:sp modelId="{1C9A3B25-0DFC-4C02-BE56-CE508DCA8953}">
-      <dsp:nvSpPr>
-        <dsp:cNvPr id="0" name=""/>
-        <dsp:cNvSpPr/>
-      </dsp:nvSpPr>
-      <dsp:spPr>
-        <a:xfrm rot="10800000">
-          <a:off x="0" y="2985566"/>
-          <a:ext cx="5943600" cy="753216"/>
-        </a:xfrm>
-        <a:prstGeom prst="upArrowCallout">
-          <a:avLst/>
-        </a:prstGeom>
-        <a:gradFill rotWithShape="0">
-          <a:gsLst>
-            <a:gs pos="0">
-              <a:schemeClr val="accent2">
-                <a:hueOff val="2006365"/>
-                <a:satOff val="-2502"/>
-                <a:lumOff val="588"/>
-                <a:alphaOff val="0"/>
-                <a:shade val="51000"/>
-                <a:satMod val="130000"/>
-              </a:schemeClr>
-            </a:gs>
-            <a:gs pos="80000">
-              <a:schemeClr val="accent2">
-                <a:hueOff val="2006365"/>
-                <a:satOff val="-2502"/>
-                <a:lumOff val="588"/>
-                <a:alphaOff val="0"/>
-                <a:shade val="93000"/>
-                <a:satMod val="130000"/>
-              </a:schemeClr>
-            </a:gs>
-            <a:gs pos="100000">
-              <a:schemeClr val="accent2">
-                <a:hueOff val="2006365"/>
-                <a:satOff val="-2502"/>
-                <a:lumOff val="588"/>
-                <a:alphaOff val="0"/>
-                <a:shade val="94000"/>
-                <a:satMod val="135000"/>
-              </a:schemeClr>
-            </a:gs>
-          </a:gsLst>
-          <a:lin ang="16200000" scaled="0"/>
-        </a:gradFill>
-        <a:ln>
-          <a:noFill/>
-        </a:ln>
-        <a:effectLst>
-          <a:outerShdw blurRad="40000" dist="23000" dir="5400000" rotWithShape="0">
-            <a:srgbClr val="000000">
-              <a:alpha val="35000"/>
-            </a:srgbClr>
-          </a:outerShdw>
-        </a:effectLst>
-        <a:scene3d>
-          <a:camera prst="orthographicFront"/>
-          <a:lightRig rig="flat" dir="t"/>
-        </a:scene3d>
-        <a:sp3d prstMaterial="plastic">
-          <a:bevelT w="120900" h="88900"/>
-          <a:bevelB w="88900" h="31750" prst="angle"/>
-        </a:sp3d>
-      </dsp:spPr>
-      <dsp:style>
-        <a:lnRef idx="0">
-          <a:scrgbClr r="0" g="0" b="0"/>
-        </a:lnRef>
-        <a:fillRef idx="3">
-          <a:scrgbClr r="0" g="0" b="0"/>
-        </a:fillRef>
-        <a:effectRef idx="2">
-          <a:scrgbClr r="0" g="0" b="0"/>
-        </a:effectRef>
-        <a:fontRef idx="minor">
-          <a:schemeClr val="lt1"/>
-        </a:fontRef>
-      </dsp:style>
-      <dsp:txBody>
-        <a:bodyPr spcFirstLastPara="0" vert="horz" wrap="square" lIns="113792" tIns="113792" rIns="113792" bIns="113792" numCol="1" spcCol="1270" anchor="ctr" anchorCtr="0">
-          <a:noAutofit/>
-          <a:scene3d>
-            <a:camera prst="orthographicFront"/>
-            <a:lightRig rig="balanced" dir="t">
-              <a:rot lat="0" lon="0" rev="2100000"/>
-            </a:lightRig>
-          </a:scene3d>
-          <a:sp3d extrusionH="57150" prstMaterial="metal">
-            <a:bevelT w="38100" h="25400"/>
-            <a:contourClr>
-              <a:schemeClr val="bg2"/>
-            </a:contourClr>
-          </a:sp3d>
-        </a:bodyPr>
-        <a:lstStyle/>
-        <a:p>
-          <a:pPr lvl="0" algn="ctr" defTabSz="711200">
-            <a:lnSpc>
-              <a:spcPct val="90000"/>
-            </a:lnSpc>
-            <a:spcBef>
-              <a:spcPct val="0"/>
-            </a:spcBef>
-            <a:spcAft>
-              <a:spcPct val="35000"/>
-            </a:spcAft>
-          </a:pPr>
-          <a:r>
-            <a:rPr lang="en-US" sz="1600" b="1" kern="1200" cap="none" spc="0" smtClean="0">
-              <a:ln w="17780" cmpd="sng">
-                <a:solidFill>
-                  <a:schemeClr val="accent1">
-                    <a:tint val="3000"/>
-                  </a:schemeClr>
-                </a:solidFill>
-                <a:prstDash val="solid"/>
-                <a:miter lim="800000"/>
-              </a:ln>
-              <a:gradFill>
-                <a:gsLst>
-                  <a:gs pos="10000">
-                    <a:schemeClr val="accent1">
-                      <a:tint val="63000"/>
-                      <a:sat val="105000"/>
-                    </a:schemeClr>
-                  </a:gs>
-                  <a:gs pos="90000">
-                    <a:schemeClr val="accent1">
-                      <a:shade val="50000"/>
-                      <a:satMod val="100000"/>
-                    </a:schemeClr>
-                  </a:gs>
-                </a:gsLst>
-                <a:lin ang="5400000"/>
-              </a:gradFill>
-              <a:effectLst>
-                <a:outerShdw blurRad="55000" dist="50800" dir="5400000" algn="tl">
-                  <a:srgbClr val="000000">
-                    <a:alpha val="33000"/>
-                  </a:srgbClr>
-                </a:outerShdw>
-              </a:effectLst>
-              <a:latin typeface="Times New Roman" pitchFamily="18" charset="0"/>
-              <a:ea typeface="Verdana" pitchFamily="34" charset="0"/>
-              <a:cs typeface="Times New Roman" pitchFamily="18" charset="0"/>
-            </a:rPr>
-            <a:t>5. Create Mining structures and mining models</a:t>
-          </a:r>
-          <a:endParaRPr lang="en-US" sz="1600" b="1" kern="1200" cap="none" spc="0">
-            <a:ln w="17780" cmpd="sng">
-              <a:solidFill>
-                <a:schemeClr val="accent1">
-                  <a:tint val="3000"/>
-                </a:schemeClr>
-              </a:solidFill>
-              <a:prstDash val="solid"/>
-              <a:miter lim="800000"/>
-            </a:ln>
-            <a:gradFill>
-              <a:gsLst>
-                <a:gs pos="10000">
-                  <a:schemeClr val="accent1">
-                    <a:tint val="63000"/>
-                    <a:sat val="105000"/>
-                  </a:schemeClr>
-                </a:gs>
-                <a:gs pos="90000">
-                  <a:schemeClr val="accent1">
-                    <a:shade val="50000"/>
-                    <a:satMod val="100000"/>
-                  </a:schemeClr>
-                </a:gs>
-              </a:gsLst>
-              <a:lin ang="5400000"/>
-            </a:gradFill>
-            <a:effectLst>
-              <a:outerShdw blurRad="55000" dist="50800" dir="5400000" algn="tl">
-                <a:srgbClr val="000000">
-                  <a:alpha val="33000"/>
-                </a:srgbClr>
-              </a:outerShdw>
-            </a:effectLst>
-            <a:latin typeface="Times New Roman" pitchFamily="18" charset="0"/>
-            <a:ea typeface="Verdana" pitchFamily="34" charset="0"/>
-            <a:cs typeface="Times New Roman" pitchFamily="18" charset="0"/>
-          </a:endParaRPr>
-        </a:p>
-      </dsp:txBody>
-      <dsp:txXfrm rot="10800000">
-        <a:off x="0" y="2985566"/>
-        <a:ext cx="5943600" cy="489417"/>
-      </dsp:txXfrm>
-    </dsp:sp>
-    <dsp:sp modelId="{A90049AA-CBD6-4AEF-9EBA-5C7B5F86C71F}">
-      <dsp:nvSpPr>
-        <dsp:cNvPr id="0" name=""/>
-        <dsp:cNvSpPr/>
-      </dsp:nvSpPr>
-      <dsp:spPr>
-        <a:xfrm rot="10800000">
-          <a:off x="0" y="2239696"/>
-          <a:ext cx="5943600" cy="753216"/>
-        </a:xfrm>
-        <a:prstGeom prst="upArrowCallout">
-          <a:avLst/>
-        </a:prstGeom>
-        <a:gradFill rotWithShape="0">
-          <a:gsLst>
-            <a:gs pos="0">
-              <a:schemeClr val="accent2">
-                <a:hueOff val="2675154"/>
-                <a:satOff val="-3337"/>
-                <a:lumOff val="785"/>
-                <a:alphaOff val="0"/>
-                <a:shade val="51000"/>
-                <a:satMod val="130000"/>
-              </a:schemeClr>
-            </a:gs>
-            <a:gs pos="80000">
-              <a:schemeClr val="accent2">
-                <a:hueOff val="2675154"/>
-                <a:satOff val="-3337"/>
-                <a:lumOff val="785"/>
-                <a:alphaOff val="0"/>
-                <a:shade val="93000"/>
-                <a:satMod val="130000"/>
-              </a:schemeClr>
-            </a:gs>
-            <a:gs pos="100000">
-              <a:schemeClr val="accent2">
-                <a:hueOff val="2675154"/>
-                <a:satOff val="-3337"/>
-                <a:lumOff val="785"/>
-                <a:alphaOff val="0"/>
-                <a:shade val="94000"/>
-                <a:satMod val="135000"/>
-              </a:schemeClr>
-            </a:gs>
-          </a:gsLst>
-          <a:lin ang="16200000" scaled="0"/>
-        </a:gradFill>
-        <a:ln>
-          <a:noFill/>
-        </a:ln>
-        <a:effectLst>
-          <a:outerShdw blurRad="40000" dist="23000" dir="5400000" rotWithShape="0">
-            <a:srgbClr val="000000">
-              <a:alpha val="35000"/>
-            </a:srgbClr>
-          </a:outerShdw>
-        </a:effectLst>
-        <a:scene3d>
-          <a:camera prst="orthographicFront"/>
-          <a:lightRig rig="flat" dir="t"/>
-        </a:scene3d>
-        <a:sp3d prstMaterial="plastic">
-          <a:bevelT w="120900" h="88900"/>
-          <a:bevelB w="88900" h="31750" prst="angle"/>
-        </a:sp3d>
-      </dsp:spPr>
-      <dsp:style>
-        <a:lnRef idx="0">
-          <a:scrgbClr r="0" g="0" b="0"/>
-        </a:lnRef>
-        <a:fillRef idx="3">
-          <a:scrgbClr r="0" g="0" b="0"/>
-        </a:fillRef>
-        <a:effectRef idx="2">
-          <a:scrgbClr r="0" g="0" b="0"/>
-        </a:effectRef>
-        <a:fontRef idx="minor">
-          <a:schemeClr val="lt1"/>
-        </a:fontRef>
-      </dsp:style>
-      <dsp:txBody>
-        <a:bodyPr spcFirstLastPara="0" vert="horz" wrap="square" lIns="113792" tIns="113792" rIns="113792" bIns="113792" numCol="1" spcCol="1270" anchor="ctr" anchorCtr="0">
-          <a:noAutofit/>
-          <a:scene3d>
-            <a:camera prst="orthographicFront"/>
-            <a:lightRig rig="balanced" dir="t">
-              <a:rot lat="0" lon="0" rev="2100000"/>
-            </a:lightRig>
-          </a:scene3d>
-          <a:sp3d extrusionH="57150" prstMaterial="metal">
-            <a:bevelT w="38100" h="25400"/>
-            <a:contourClr>
-              <a:schemeClr val="bg2"/>
-            </a:contourClr>
-          </a:sp3d>
-        </a:bodyPr>
-        <a:lstStyle/>
-        <a:p>
-          <a:pPr lvl="0" algn="ctr" defTabSz="711200">
-            <a:lnSpc>
-              <a:spcPct val="90000"/>
-            </a:lnSpc>
-            <a:spcBef>
-              <a:spcPct val="0"/>
-            </a:spcBef>
-            <a:spcAft>
-              <a:spcPct val="35000"/>
-            </a:spcAft>
-          </a:pPr>
-          <a:r>
-            <a:rPr lang="en-US" sz="1600" b="1" kern="1200" cap="none" spc="0" smtClean="0">
-              <a:ln w="17780" cmpd="sng">
-                <a:solidFill>
-                  <a:schemeClr val="accent1">
-                    <a:tint val="3000"/>
-                  </a:schemeClr>
-                </a:solidFill>
-                <a:prstDash val="solid"/>
-                <a:miter lim="800000"/>
-              </a:ln>
-              <a:gradFill>
-                <a:gsLst>
-                  <a:gs pos="10000">
-                    <a:schemeClr val="accent1">
-                      <a:tint val="63000"/>
-                      <a:sat val="105000"/>
-                    </a:schemeClr>
-                  </a:gs>
-                  <a:gs pos="90000">
-                    <a:schemeClr val="accent1">
-                      <a:shade val="50000"/>
-                      <a:satMod val="100000"/>
-                    </a:schemeClr>
-                  </a:gs>
-                </a:gsLst>
-                <a:lin ang="5400000"/>
-              </a:gradFill>
-              <a:effectLst>
-                <a:outerShdw blurRad="55000" dist="50800" dir="5400000" algn="tl">
-                  <a:srgbClr val="000000">
-                    <a:alpha val="33000"/>
-                  </a:srgbClr>
-                </a:outerShdw>
-              </a:effectLst>
-              <a:latin typeface="Times New Roman" pitchFamily="18" charset="0"/>
-              <a:ea typeface="Verdana" pitchFamily="34" charset="0"/>
-              <a:cs typeface="Times New Roman" pitchFamily="18" charset="0"/>
-            </a:rPr>
-            <a:t>4. Select Algorithm and declare parameters</a:t>
-          </a:r>
-          <a:endParaRPr lang="en-US" sz="1600" b="1" kern="1200" cap="none" spc="0">
-            <a:ln w="17780" cmpd="sng">
-              <a:solidFill>
-                <a:schemeClr val="accent1">
-                  <a:tint val="3000"/>
-                </a:schemeClr>
-              </a:solidFill>
-              <a:prstDash val="solid"/>
-              <a:miter lim="800000"/>
-            </a:ln>
-            <a:gradFill>
-              <a:gsLst>
-                <a:gs pos="10000">
-                  <a:schemeClr val="accent1">
-                    <a:tint val="63000"/>
-                    <a:sat val="105000"/>
-                  </a:schemeClr>
-                </a:gs>
-                <a:gs pos="90000">
-                  <a:schemeClr val="accent1">
-                    <a:shade val="50000"/>
-                    <a:satMod val="100000"/>
-                  </a:schemeClr>
-                </a:gs>
-              </a:gsLst>
-              <a:lin ang="5400000"/>
-            </a:gradFill>
-            <a:effectLst>
-              <a:outerShdw blurRad="55000" dist="50800" dir="5400000" algn="tl">
-                <a:srgbClr val="000000">
-                  <a:alpha val="33000"/>
-                </a:srgbClr>
-              </a:outerShdw>
-            </a:effectLst>
-            <a:latin typeface="Times New Roman" pitchFamily="18" charset="0"/>
-            <a:ea typeface="Verdana" pitchFamily="34" charset="0"/>
-            <a:cs typeface="Times New Roman" pitchFamily="18" charset="0"/>
-          </a:endParaRPr>
-        </a:p>
-      </dsp:txBody>
-      <dsp:txXfrm rot="10800000">
-        <a:off x="0" y="2239696"/>
-        <a:ext cx="5943600" cy="489417"/>
-      </dsp:txXfrm>
-    </dsp:sp>
-    <dsp:sp modelId="{3AC56C42-DFCB-4D8D-BA1D-03C9949DD54E}">
-      <dsp:nvSpPr>
-        <dsp:cNvPr id="0" name=""/>
-        <dsp:cNvSpPr/>
-      </dsp:nvSpPr>
-      <dsp:spPr>
-        <a:xfrm rot="10800000">
-          <a:off x="0" y="1493825"/>
-          <a:ext cx="5943600" cy="753216"/>
-        </a:xfrm>
-        <a:prstGeom prst="upArrowCallout">
-          <a:avLst/>
-        </a:prstGeom>
-        <a:gradFill rotWithShape="0">
-          <a:gsLst>
-            <a:gs pos="0">
-              <a:schemeClr val="accent2">
-                <a:hueOff val="3343942"/>
-                <a:satOff val="-4171"/>
-                <a:lumOff val="981"/>
-                <a:alphaOff val="0"/>
-                <a:shade val="51000"/>
-                <a:satMod val="130000"/>
-              </a:schemeClr>
-            </a:gs>
-            <a:gs pos="80000">
-              <a:schemeClr val="accent2">
-                <a:hueOff val="3343942"/>
-                <a:satOff val="-4171"/>
-                <a:lumOff val="981"/>
-                <a:alphaOff val="0"/>
-                <a:shade val="93000"/>
-                <a:satMod val="130000"/>
-              </a:schemeClr>
-            </a:gs>
-            <a:gs pos="100000">
-              <a:schemeClr val="accent2">
-                <a:hueOff val="3343942"/>
-                <a:satOff val="-4171"/>
-                <a:lumOff val="981"/>
-                <a:alphaOff val="0"/>
-                <a:shade val="94000"/>
-                <a:satMod val="135000"/>
-              </a:schemeClr>
-            </a:gs>
-          </a:gsLst>
-          <a:lin ang="16200000" scaled="0"/>
-        </a:gradFill>
-        <a:ln>
-          <a:noFill/>
-        </a:ln>
-        <a:effectLst>
-          <a:outerShdw blurRad="40000" dist="23000" dir="5400000" rotWithShape="0">
-            <a:srgbClr val="000000">
-              <a:alpha val="35000"/>
-            </a:srgbClr>
-          </a:outerShdw>
-        </a:effectLst>
-        <a:scene3d>
-          <a:camera prst="orthographicFront"/>
-          <a:lightRig rig="flat" dir="t"/>
-        </a:scene3d>
-        <a:sp3d prstMaterial="plastic">
-          <a:bevelT w="120900" h="88900"/>
-          <a:bevelB w="88900" h="31750" prst="angle"/>
-        </a:sp3d>
-      </dsp:spPr>
-      <dsp:style>
-        <a:lnRef idx="0">
-          <a:scrgbClr r="0" g="0" b="0"/>
-        </a:lnRef>
-        <a:fillRef idx="3">
-          <a:scrgbClr r="0" g="0" b="0"/>
-        </a:fillRef>
-        <a:effectRef idx="2">
-          <a:scrgbClr r="0" g="0" b="0"/>
-        </a:effectRef>
-        <a:fontRef idx="minor">
-          <a:schemeClr val="lt1"/>
-        </a:fontRef>
-      </dsp:style>
-      <dsp:txBody>
-        <a:bodyPr spcFirstLastPara="0" vert="horz" wrap="square" lIns="113792" tIns="113792" rIns="113792" bIns="113792" numCol="1" spcCol="1270" anchor="ctr" anchorCtr="0">
-          <a:noAutofit/>
-          <a:scene3d>
-            <a:camera prst="orthographicFront"/>
-            <a:lightRig rig="balanced" dir="t">
-              <a:rot lat="0" lon="0" rev="2100000"/>
-            </a:lightRig>
-          </a:scene3d>
-          <a:sp3d extrusionH="57150" prstMaterial="metal">
-            <a:bevelT w="38100" h="25400"/>
-            <a:contourClr>
-              <a:schemeClr val="bg2"/>
-            </a:contourClr>
-          </a:sp3d>
-        </a:bodyPr>
-        <a:lstStyle/>
-        <a:p>
-          <a:pPr lvl="0" algn="ctr" defTabSz="711200">
-            <a:lnSpc>
-              <a:spcPct val="90000"/>
-            </a:lnSpc>
-            <a:spcBef>
-              <a:spcPct val="0"/>
-            </a:spcBef>
-            <a:spcAft>
-              <a:spcPct val="35000"/>
-            </a:spcAft>
-          </a:pPr>
-          <a:r>
-            <a:rPr lang="en-US" sz="1600" b="1" kern="1200" cap="none" spc="0" smtClean="0">
-              <a:ln w="17780" cmpd="sng">
-                <a:solidFill>
-                  <a:schemeClr val="accent1">
-                    <a:tint val="3000"/>
-                  </a:schemeClr>
-                </a:solidFill>
-                <a:prstDash val="solid"/>
-                <a:miter lim="800000"/>
-              </a:ln>
-              <a:gradFill>
-                <a:gsLst>
-                  <a:gs pos="10000">
-                    <a:schemeClr val="accent1">
-                      <a:tint val="63000"/>
-                      <a:sat val="105000"/>
-                    </a:schemeClr>
-                  </a:gs>
-                  <a:gs pos="90000">
-                    <a:schemeClr val="accent1">
-                      <a:shade val="50000"/>
-                      <a:satMod val="100000"/>
-                    </a:schemeClr>
-                  </a:gs>
-                </a:gsLst>
-                <a:lin ang="5400000"/>
-              </a:gradFill>
-              <a:effectLst>
-                <a:outerShdw blurRad="55000" dist="50800" dir="5400000" algn="tl">
-                  <a:srgbClr val="000000">
-                    <a:alpha val="33000"/>
-                  </a:srgbClr>
-                </a:outerShdw>
-              </a:effectLst>
-              <a:latin typeface="Times New Roman" pitchFamily="18" charset="0"/>
-              <a:ea typeface="Verdana" pitchFamily="34" charset="0"/>
-              <a:cs typeface="Times New Roman" pitchFamily="18" charset="0"/>
-            </a:rPr>
-            <a:t>3. Create Analysis Service Data Source View</a:t>
-          </a:r>
-          <a:endParaRPr lang="en-US" sz="1600" b="1" kern="1200" cap="none" spc="0">
-            <a:ln w="17780" cmpd="sng">
-              <a:solidFill>
-                <a:schemeClr val="accent1">
-                  <a:tint val="3000"/>
-                </a:schemeClr>
-              </a:solidFill>
-              <a:prstDash val="solid"/>
-              <a:miter lim="800000"/>
-            </a:ln>
-            <a:gradFill>
-              <a:gsLst>
-                <a:gs pos="10000">
-                  <a:schemeClr val="accent1">
-                    <a:tint val="63000"/>
-                    <a:sat val="105000"/>
-                  </a:schemeClr>
-                </a:gs>
-                <a:gs pos="90000">
-                  <a:schemeClr val="accent1">
-                    <a:shade val="50000"/>
-                    <a:satMod val="100000"/>
-                  </a:schemeClr>
-                </a:gs>
-              </a:gsLst>
-              <a:lin ang="5400000"/>
-            </a:gradFill>
-            <a:effectLst>
-              <a:outerShdw blurRad="55000" dist="50800" dir="5400000" algn="tl">
-                <a:srgbClr val="000000">
-                  <a:alpha val="33000"/>
-                </a:srgbClr>
-              </a:outerShdw>
-            </a:effectLst>
-            <a:latin typeface="Times New Roman" pitchFamily="18" charset="0"/>
-            <a:ea typeface="Verdana" pitchFamily="34" charset="0"/>
-            <a:cs typeface="Times New Roman" pitchFamily="18" charset="0"/>
-          </a:endParaRPr>
-        </a:p>
-      </dsp:txBody>
-      <dsp:txXfrm rot="10800000">
-        <a:off x="0" y="1493825"/>
-        <a:ext cx="5943600" cy="489417"/>
-      </dsp:txXfrm>
-    </dsp:sp>
-    <dsp:sp modelId="{56E09A99-A56C-4723-832F-E8CEEE729B73}">
-      <dsp:nvSpPr>
-        <dsp:cNvPr id="0" name=""/>
-        <dsp:cNvSpPr/>
-      </dsp:nvSpPr>
-      <dsp:spPr>
-        <a:xfrm rot="10800000">
-          <a:off x="0" y="747955"/>
-          <a:ext cx="5943600" cy="753216"/>
-        </a:xfrm>
-        <a:prstGeom prst="upArrowCallout">
-          <a:avLst/>
-        </a:prstGeom>
-        <a:gradFill rotWithShape="0">
-          <a:gsLst>
-            <a:gs pos="0">
-              <a:schemeClr val="accent2">
-                <a:hueOff val="4012731"/>
-                <a:satOff val="-5005"/>
-                <a:lumOff val="1177"/>
-                <a:alphaOff val="0"/>
-                <a:shade val="51000"/>
-                <a:satMod val="130000"/>
-              </a:schemeClr>
-            </a:gs>
-            <a:gs pos="80000">
-              <a:schemeClr val="accent2">
-                <a:hueOff val="4012731"/>
-                <a:satOff val="-5005"/>
-                <a:lumOff val="1177"/>
-                <a:alphaOff val="0"/>
-                <a:shade val="93000"/>
-                <a:satMod val="130000"/>
-              </a:schemeClr>
-            </a:gs>
-            <a:gs pos="100000">
-              <a:schemeClr val="accent2">
-                <a:hueOff val="4012731"/>
-                <a:satOff val="-5005"/>
-                <a:lumOff val="1177"/>
-                <a:alphaOff val="0"/>
-                <a:shade val="94000"/>
-                <a:satMod val="135000"/>
-              </a:schemeClr>
-            </a:gs>
-          </a:gsLst>
-          <a:lin ang="16200000" scaled="0"/>
-        </a:gradFill>
-        <a:ln>
-          <a:noFill/>
-        </a:ln>
-        <a:effectLst>
-          <a:outerShdw blurRad="40000" dist="23000" dir="5400000" rotWithShape="0">
-            <a:srgbClr val="000000">
-              <a:alpha val="35000"/>
-            </a:srgbClr>
-          </a:outerShdw>
-        </a:effectLst>
-        <a:scene3d>
-          <a:camera prst="orthographicFront"/>
-          <a:lightRig rig="flat" dir="t"/>
-        </a:scene3d>
-        <a:sp3d prstMaterial="plastic">
-          <a:bevelT w="120900" h="88900"/>
-          <a:bevelB w="88900" h="31750" prst="angle"/>
-        </a:sp3d>
-      </dsp:spPr>
-      <dsp:style>
-        <a:lnRef idx="0">
-          <a:scrgbClr r="0" g="0" b="0"/>
-        </a:lnRef>
-        <a:fillRef idx="3">
-          <a:scrgbClr r="0" g="0" b="0"/>
-        </a:fillRef>
-        <a:effectRef idx="2">
-          <a:scrgbClr r="0" g="0" b="0"/>
-        </a:effectRef>
-        <a:fontRef idx="minor">
-          <a:schemeClr val="lt1"/>
-        </a:fontRef>
-      </dsp:style>
-      <dsp:txBody>
-        <a:bodyPr spcFirstLastPara="0" vert="horz" wrap="square" lIns="113792" tIns="113792" rIns="113792" bIns="113792" numCol="1" spcCol="1270" anchor="ctr" anchorCtr="0">
-          <a:noAutofit/>
-          <a:scene3d>
-            <a:camera prst="orthographicFront"/>
-            <a:lightRig rig="soft" dir="t">
-              <a:rot lat="0" lon="0" rev="10800000"/>
-            </a:lightRig>
-          </a:scene3d>
-          <a:sp3d>
-            <a:bevelT w="27940" h="12700"/>
-            <a:contourClr>
-              <a:srgbClr val="DDDDDD"/>
-            </a:contourClr>
-          </a:sp3d>
-        </a:bodyPr>
-        <a:lstStyle/>
-        <a:p>
-          <a:pPr lvl="0" algn="ctr" defTabSz="711200">
-            <a:lnSpc>
-              <a:spcPct val="90000"/>
-            </a:lnSpc>
-            <a:spcBef>
-              <a:spcPct val="0"/>
-            </a:spcBef>
-            <a:spcAft>
-              <a:spcPct val="35000"/>
-            </a:spcAft>
-          </a:pPr>
-          <a:r>
-            <a:rPr lang="en-US" sz="1600" b="1" kern="1200" cap="none" spc="0" smtClean="0">
-              <a:ln w="17780" cmpd="sng">
-                <a:solidFill>
-                  <a:schemeClr val="accent1">
-                    <a:tint val="3000"/>
-                  </a:schemeClr>
-                </a:solidFill>
-                <a:prstDash val="solid"/>
-                <a:miter lim="800000"/>
-              </a:ln>
-              <a:gradFill>
-                <a:gsLst>
-                  <a:gs pos="10000">
-                    <a:schemeClr val="accent1">
-                      <a:tint val="63000"/>
-                      <a:sat val="105000"/>
-                    </a:schemeClr>
-                  </a:gs>
-                  <a:gs pos="90000">
-                    <a:schemeClr val="accent1">
-                      <a:shade val="50000"/>
-                      <a:satMod val="100000"/>
-                    </a:schemeClr>
-                  </a:gs>
-                </a:gsLst>
-                <a:lin ang="5400000"/>
-              </a:gradFill>
-              <a:effectLst>
-                <a:outerShdw blurRad="55000" dist="50800" dir="5400000" algn="tl">
-                  <a:srgbClr val="000000">
-                    <a:alpha val="33000"/>
-                  </a:srgbClr>
-                </a:outerShdw>
-              </a:effectLst>
-              <a:latin typeface="Times New Roman" pitchFamily="18" charset="0"/>
-              <a:ea typeface="Verdana" pitchFamily="34" charset="0"/>
-              <a:cs typeface="Times New Roman" pitchFamily="18" charset="0"/>
-            </a:rPr>
-            <a:t>2. Create Analysis Services Data Source</a:t>
-          </a:r>
-          <a:endParaRPr lang="en-US" sz="1600" b="1" kern="1200" cap="none" spc="0">
-            <a:ln w="17780" cmpd="sng">
-              <a:solidFill>
-                <a:schemeClr val="accent1">
-                  <a:tint val="3000"/>
-                </a:schemeClr>
-              </a:solidFill>
-              <a:prstDash val="solid"/>
-              <a:miter lim="800000"/>
-            </a:ln>
-            <a:gradFill>
-              <a:gsLst>
-                <a:gs pos="10000">
-                  <a:schemeClr val="accent1">
-                    <a:tint val="63000"/>
-                    <a:sat val="105000"/>
-                  </a:schemeClr>
-                </a:gs>
-                <a:gs pos="90000">
-                  <a:schemeClr val="accent1">
-                    <a:shade val="50000"/>
-                    <a:satMod val="100000"/>
-                  </a:schemeClr>
-                </a:gs>
-              </a:gsLst>
-              <a:lin ang="5400000"/>
-            </a:gradFill>
-            <a:effectLst>
-              <a:outerShdw blurRad="55000" dist="50800" dir="5400000" algn="tl">
-                <a:srgbClr val="000000">
-                  <a:alpha val="33000"/>
-                </a:srgbClr>
-              </a:outerShdw>
-            </a:effectLst>
-            <a:latin typeface="Times New Roman" pitchFamily="18" charset="0"/>
-            <a:ea typeface="Verdana" pitchFamily="34" charset="0"/>
-            <a:cs typeface="Times New Roman" pitchFamily="18" charset="0"/>
-          </a:endParaRPr>
-        </a:p>
-      </dsp:txBody>
-      <dsp:txXfrm rot="10800000">
-        <a:off x="0" y="747955"/>
-        <a:ext cx="5943600" cy="489417"/>
-      </dsp:txXfrm>
-    </dsp:sp>
-    <dsp:sp modelId="{FA5DED89-4573-4A62-99C6-B233D4E4BEF8}">
-      <dsp:nvSpPr>
-        <dsp:cNvPr id="0" name=""/>
-        <dsp:cNvSpPr/>
-      </dsp:nvSpPr>
-      <dsp:spPr>
-        <a:xfrm rot="10800000">
-          <a:off x="0" y="2085"/>
-          <a:ext cx="5943600" cy="753216"/>
-        </a:xfrm>
-        <a:prstGeom prst="upArrowCallout">
-          <a:avLst/>
-        </a:prstGeom>
-        <a:gradFill rotWithShape="0">
-          <a:gsLst>
-            <a:gs pos="0">
-              <a:schemeClr val="accent2">
-                <a:hueOff val="4681519"/>
-                <a:satOff val="-5839"/>
-                <a:lumOff val="1373"/>
-                <a:alphaOff val="0"/>
-                <a:shade val="51000"/>
-                <a:satMod val="130000"/>
-              </a:schemeClr>
-            </a:gs>
-            <a:gs pos="80000">
-              <a:schemeClr val="accent2">
-                <a:hueOff val="4681519"/>
-                <a:satOff val="-5839"/>
-                <a:lumOff val="1373"/>
-                <a:alphaOff val="0"/>
-                <a:shade val="93000"/>
-                <a:satMod val="130000"/>
-              </a:schemeClr>
-            </a:gs>
-            <a:gs pos="100000">
-              <a:schemeClr val="accent2">
-                <a:hueOff val="4681519"/>
-                <a:satOff val="-5839"/>
-                <a:lumOff val="1373"/>
-                <a:alphaOff val="0"/>
-                <a:shade val="94000"/>
-                <a:satMod val="135000"/>
-              </a:schemeClr>
-            </a:gs>
-          </a:gsLst>
-          <a:lin ang="16200000" scaled="0"/>
-        </a:gradFill>
-        <a:ln>
-          <a:noFill/>
-        </a:ln>
-        <a:effectLst>
-          <a:outerShdw blurRad="40000" dist="23000" dir="5400000" rotWithShape="0">
-            <a:srgbClr val="000000">
-              <a:alpha val="35000"/>
-            </a:srgbClr>
-          </a:outerShdw>
-        </a:effectLst>
-        <a:scene3d>
-          <a:camera prst="orthographicFront"/>
-          <a:lightRig rig="flat" dir="t"/>
-        </a:scene3d>
-        <a:sp3d prstMaterial="plastic">
-          <a:bevelT w="120900" h="88900"/>
-          <a:bevelB w="88900" h="31750" prst="angle"/>
-        </a:sp3d>
-      </dsp:spPr>
-      <dsp:style>
-        <a:lnRef idx="0">
-          <a:scrgbClr r="0" g="0" b="0"/>
-        </a:lnRef>
-        <a:fillRef idx="3">
-          <a:scrgbClr r="0" g="0" b="0"/>
-        </a:fillRef>
-        <a:effectRef idx="2">
-          <a:scrgbClr r="0" g="0" b="0"/>
-        </a:effectRef>
-        <a:fontRef idx="minor">
-          <a:schemeClr val="lt1"/>
-        </a:fontRef>
-      </dsp:style>
-      <dsp:txBody>
-        <a:bodyPr spcFirstLastPara="0" vert="horz" wrap="square" lIns="113792" tIns="113792" rIns="113792" bIns="113792" numCol="1" spcCol="1270" anchor="ctr" anchorCtr="0">
-          <a:noAutofit/>
-          <a:scene3d>
-            <a:camera prst="orthographicFront"/>
-            <a:lightRig rig="soft" dir="t">
-              <a:rot lat="0" lon="0" rev="10800000"/>
-            </a:lightRig>
-          </a:scene3d>
-          <a:sp3d>
-            <a:bevelT w="27940" h="12700"/>
-            <a:contourClr>
-              <a:srgbClr val="DDDDDD"/>
-            </a:contourClr>
-          </a:sp3d>
-        </a:bodyPr>
-        <a:lstStyle/>
-        <a:p>
-          <a:pPr lvl="0" algn="ctr" defTabSz="711200">
-            <a:lnSpc>
-              <a:spcPct val="90000"/>
-            </a:lnSpc>
-            <a:spcBef>
-              <a:spcPct val="0"/>
-            </a:spcBef>
-            <a:spcAft>
-              <a:spcPct val="35000"/>
-            </a:spcAft>
-          </a:pPr>
-          <a:r>
-            <a:rPr lang="en-US" sz="1600" b="1" kern="1200" cap="none" spc="0" smtClean="0">
-              <a:ln w="17780" cmpd="sng">
-                <a:solidFill>
-                  <a:schemeClr val="accent1">
-                    <a:tint val="3000"/>
-                  </a:schemeClr>
-                </a:solidFill>
-                <a:prstDash val="solid"/>
-                <a:miter lim="800000"/>
-              </a:ln>
-              <a:gradFill>
-                <a:gsLst>
-                  <a:gs pos="10000">
-                    <a:schemeClr val="accent1">
-                      <a:tint val="63000"/>
-                      <a:sat val="105000"/>
-                    </a:schemeClr>
-                  </a:gs>
-                  <a:gs pos="90000">
-                    <a:schemeClr val="accent1">
-                      <a:shade val="50000"/>
-                      <a:satMod val="100000"/>
-                    </a:schemeClr>
-                  </a:gs>
-                </a:gsLst>
-                <a:lin ang="5400000"/>
-              </a:gradFill>
-              <a:effectLst>
-                <a:outerShdw blurRad="55000" dist="50800" dir="5400000" algn="tl">
-                  <a:srgbClr val="000000">
-                    <a:alpha val="33000"/>
-                  </a:srgbClr>
-                </a:outerShdw>
-              </a:effectLst>
-              <a:latin typeface="Times New Roman" pitchFamily="18" charset="0"/>
-              <a:ea typeface="Verdana" pitchFamily="34" charset="0"/>
-              <a:cs typeface="Times New Roman" pitchFamily="18" charset="0"/>
-            </a:rPr>
-            <a:t>1. Preprocessing data and export data to view</a:t>
-          </a:r>
-          <a:endParaRPr lang="en-US" sz="1600" b="1" kern="1200" cap="none" spc="0">
-            <a:ln w="17780" cmpd="sng">
-              <a:solidFill>
-                <a:schemeClr val="accent1">
-                  <a:tint val="3000"/>
-                </a:schemeClr>
-              </a:solidFill>
-              <a:prstDash val="solid"/>
-              <a:miter lim="800000"/>
-            </a:ln>
-            <a:gradFill>
-              <a:gsLst>
-                <a:gs pos="10000">
-                  <a:schemeClr val="accent1">
-                    <a:tint val="63000"/>
-                    <a:sat val="105000"/>
-                  </a:schemeClr>
-                </a:gs>
-                <a:gs pos="90000">
-                  <a:schemeClr val="accent1">
-                    <a:shade val="50000"/>
-                    <a:satMod val="100000"/>
-                  </a:schemeClr>
-                </a:gs>
-              </a:gsLst>
-              <a:lin ang="5400000"/>
-            </a:gradFill>
-            <a:effectLst>
-              <a:outerShdw blurRad="55000" dist="50800" dir="5400000" algn="tl">
-                <a:srgbClr val="000000">
-                  <a:alpha val="33000"/>
-                </a:srgbClr>
-              </a:outerShdw>
-            </a:effectLst>
-            <a:latin typeface="Times New Roman" pitchFamily="18" charset="0"/>
-            <a:ea typeface="Verdana" pitchFamily="34" charset="0"/>
-            <a:cs typeface="Times New Roman" pitchFamily="18" charset="0"/>
-          </a:endParaRPr>
-        </a:p>
-      </dsp:txBody>
-      <dsp:txXfrm rot="10800000">
-        <a:off x="0" y="2085"/>
-        <a:ext cx="5943600" cy="489417"/>
-      </dsp:txXfrm>
-    </dsp:sp>
   </dsp:spTree>
 </dsp:drawing>
 </file>
@@ -5840,7 +4273,7 @@
           <a:p>
             <a:fld id="{AEBC359E-74D2-4BE3-B89B-803EEEC24772}" type="datetimeFigureOut">
               <a:rPr lang="en-US" smtClean="0"/>
-              <a:t>12/26/2011</a:t>
+              <a:t>1/3/2012</a:t>
             </a:fld>
             <a:endParaRPr lang="en-US"/>
           </a:p>
@@ -6010,7 +4443,7 @@
           <a:p>
             <a:fld id="{AEBC359E-74D2-4BE3-B89B-803EEEC24772}" type="datetimeFigureOut">
               <a:rPr lang="en-US" smtClean="0"/>
-              <a:t>12/26/2011</a:t>
+              <a:t>1/3/2012</a:t>
             </a:fld>
             <a:endParaRPr lang="en-US"/>
           </a:p>
@@ -6190,7 +4623,7 @@
           <a:p>
             <a:fld id="{AEBC359E-74D2-4BE3-B89B-803EEEC24772}" type="datetimeFigureOut">
               <a:rPr lang="en-US" smtClean="0"/>
-              <a:t>12/26/2011</a:t>
+              <a:t>1/3/2012</a:t>
             </a:fld>
             <a:endParaRPr lang="en-US"/>
           </a:p>
@@ -6360,7 +4793,7 @@
           <a:p>
             <a:fld id="{AEBC359E-74D2-4BE3-B89B-803EEEC24772}" type="datetimeFigureOut">
               <a:rPr lang="en-US" smtClean="0"/>
-              <a:t>12/26/2011</a:t>
+              <a:t>1/3/2012</a:t>
             </a:fld>
             <a:endParaRPr lang="en-US"/>
           </a:p>
@@ -6606,7 +5039,7 @@
           <a:p>
             <a:fld id="{AEBC359E-74D2-4BE3-B89B-803EEEC24772}" type="datetimeFigureOut">
               <a:rPr lang="en-US" smtClean="0"/>
-              <a:t>12/26/2011</a:t>
+              <a:t>1/3/2012</a:t>
             </a:fld>
             <a:endParaRPr lang="en-US"/>
           </a:p>
@@ -6894,7 +5327,7 @@
           <a:p>
             <a:fld id="{AEBC359E-74D2-4BE3-B89B-803EEEC24772}" type="datetimeFigureOut">
               <a:rPr lang="en-US" smtClean="0"/>
-              <a:t>12/26/2011</a:t>
+              <a:t>1/3/2012</a:t>
             </a:fld>
             <a:endParaRPr lang="en-US"/>
           </a:p>
@@ -7316,7 +5749,7 @@
           <a:p>
             <a:fld id="{AEBC359E-74D2-4BE3-B89B-803EEEC24772}" type="datetimeFigureOut">
               <a:rPr lang="en-US" smtClean="0"/>
-              <a:t>12/26/2011</a:t>
+              <a:t>1/3/2012</a:t>
             </a:fld>
             <a:endParaRPr lang="en-US"/>
           </a:p>
@@ -7434,7 +5867,7 @@
           <a:p>
             <a:fld id="{AEBC359E-74D2-4BE3-B89B-803EEEC24772}" type="datetimeFigureOut">
               <a:rPr lang="en-US" smtClean="0"/>
-              <a:t>12/26/2011</a:t>
+              <a:t>1/3/2012</a:t>
             </a:fld>
             <a:endParaRPr lang="en-US"/>
           </a:p>
@@ -7529,7 +5962,7 @@
           <a:p>
             <a:fld id="{AEBC359E-74D2-4BE3-B89B-803EEEC24772}" type="datetimeFigureOut">
               <a:rPr lang="en-US" smtClean="0"/>
-              <a:t>12/26/2011</a:t>
+              <a:t>1/3/2012</a:t>
             </a:fld>
             <a:endParaRPr lang="en-US"/>
           </a:p>
@@ -7806,7 +6239,7 @@
           <a:p>
             <a:fld id="{AEBC359E-74D2-4BE3-B89B-803EEEC24772}" type="datetimeFigureOut">
               <a:rPr lang="en-US" smtClean="0"/>
-              <a:t>12/26/2011</a:t>
+              <a:t>1/3/2012</a:t>
             </a:fld>
             <a:endParaRPr lang="en-US"/>
           </a:p>
@@ -8059,7 +6492,7 @@
           <a:p>
             <a:fld id="{AEBC359E-74D2-4BE3-B89B-803EEEC24772}" type="datetimeFigureOut">
               <a:rPr lang="en-US" smtClean="0"/>
-              <a:t>12/26/2011</a:t>
+              <a:t>1/3/2012</a:t>
             </a:fld>
             <a:endParaRPr lang="en-US"/>
           </a:p>
@@ -8272,7 +6705,7 @@
           <a:p>
             <a:fld id="{AEBC359E-74D2-4BE3-B89B-803EEEC24772}" type="datetimeFigureOut">
               <a:rPr lang="en-US" smtClean="0"/>
-              <a:t>12/26/2011</a:t>
+              <a:t>1/3/2012</a:t>
             </a:fld>
             <a:endParaRPr lang="en-US"/>
           </a:p>
@@ -24045,6 +22478,817 @@
 </p:sld>
 </file>
 
+<file path=ppt/slides/slide28.xml><?xml version="1.0" encoding="utf-8"?>
+<p:sld xmlns:a="http://schemas.openxmlformats.org/drawingml/2006/main" xmlns:r="http://schemas.openxmlformats.org/officeDocument/2006/relationships" xmlns:p="http://schemas.openxmlformats.org/presentationml/2006/main">
+  <p:cSld>
+    <p:spTree>
+      <p:nvGrpSpPr>
+        <p:cNvPr id="1" name=""/>
+        <p:cNvGrpSpPr/>
+        <p:nvPr/>
+      </p:nvGrpSpPr>
+      <p:grpSpPr>
+        <a:xfrm>
+          <a:off x="0" y="0"/>
+          <a:ext cx="0" cy="0"/>
+          <a:chOff x="0" y="0"/>
+          <a:chExt cx="0" cy="0"/>
+        </a:xfrm>
+      </p:grpSpPr>
+      <p:pic>
+        <p:nvPicPr>
+          <p:cNvPr id="1026" name="Picture 2"/>
+          <p:cNvPicPr>
+            <a:picLocks noChangeAspect="1" noChangeArrowheads="1"/>
+          </p:cNvPicPr>
+          <p:nvPr/>
+        </p:nvPicPr>
+        <p:blipFill>
+          <a:blip r:embed="rId2">
+            <a:extLst>
+              <a:ext uri="{28A0092B-C50C-407E-A947-70E740481C1C}">
+                <a14:useLocalDpi xmlns:a14="http://schemas.microsoft.com/office/drawing/2010/main" val="0"/>
+              </a:ext>
+            </a:extLst>
+          </a:blip>
+          <a:srcRect/>
+          <a:stretch>
+            <a:fillRect/>
+          </a:stretch>
+        </p:blipFill>
+        <p:spPr bwMode="auto">
+          <a:xfrm>
+            <a:off x="2576513" y="1719263"/>
+            <a:ext cx="3990975" cy="3419475"/>
+          </a:xfrm>
+          <a:prstGeom prst="rect">
+            <a:avLst/>
+          </a:prstGeom>
+          <a:noFill/>
+          <a:ln>
+            <a:noFill/>
+          </a:ln>
+          <a:effectLst/>
+          <a:extLst>
+            <a:ext uri="{909E8E84-426E-40DD-AFC4-6F175D3DCCD1}">
+              <a14:hiddenFill xmlns:a14="http://schemas.microsoft.com/office/drawing/2010/main">
+                <a:solidFill>
+                  <a:schemeClr val="accent1"/>
+                </a:solidFill>
+              </a14:hiddenFill>
+            </a:ext>
+            <a:ext uri="{91240B29-F687-4F45-9708-019B960494DF}">
+              <a14:hiddenLine xmlns:a14="http://schemas.microsoft.com/office/drawing/2010/main" w="9525">
+                <a:solidFill>
+                  <a:schemeClr val="tx1"/>
+                </a:solidFill>
+                <a:miter lim="800000"/>
+                <a:headEnd/>
+                <a:tailEnd/>
+              </a14:hiddenLine>
+            </a:ext>
+            <a:ext uri="{AF507438-7753-43E0-B8FC-AC1667EBCBE1}">
+              <a14:hiddenEffects xmlns:a14="http://schemas.microsoft.com/office/drawing/2010/main">
+                <a:effectLst>
+                  <a:outerShdw dist="35921" dir="2700000" algn="ctr" rotWithShape="0">
+                    <a:schemeClr val="bg2"/>
+                  </a:outerShdw>
+                </a:effectLst>
+              </a14:hiddenEffects>
+            </a:ext>
+          </a:extLst>
+        </p:spPr>
+      </p:pic>
+      <p:sp>
+        <p:nvSpPr>
+          <p:cNvPr id="4" name="Rounded Rectangle 3"/>
+          <p:cNvSpPr/>
+          <p:nvPr/>
+        </p:nvSpPr>
+        <p:spPr>
+          <a:xfrm>
+            <a:off x="3505200" y="1371600"/>
+            <a:ext cx="2057400" cy="1998260"/>
+          </a:xfrm>
+          <a:prstGeom prst="roundRect">
+            <a:avLst/>
+          </a:prstGeom>
+          <a:noFill/>
+          <a:ln>
+            <a:solidFill>
+              <a:srgbClr val="FF0000"/>
+            </a:solidFill>
+          </a:ln>
+        </p:spPr>
+        <p:style>
+          <a:lnRef idx="2">
+            <a:schemeClr val="accent1">
+              <a:shade val="50000"/>
+            </a:schemeClr>
+          </a:lnRef>
+          <a:fillRef idx="1">
+            <a:schemeClr val="accent1"/>
+          </a:fillRef>
+          <a:effectRef idx="0">
+            <a:schemeClr val="accent1"/>
+          </a:effectRef>
+          <a:fontRef idx="minor">
+            <a:schemeClr val="lt1"/>
+          </a:fontRef>
+        </p:style>
+        <p:txBody>
+          <a:bodyPr rtlCol="0" anchor="ctr"/>
+          <a:lstStyle/>
+          <a:p>
+            <a:pPr algn="ctr"/>
+            <a:endParaRPr lang="en-US"/>
+          </a:p>
+        </p:txBody>
+      </p:sp>
+      <p:sp>
+        <p:nvSpPr>
+          <p:cNvPr id="5" name="Rectangular Callout 4"/>
+          <p:cNvSpPr/>
+          <p:nvPr/>
+        </p:nvSpPr>
+        <p:spPr>
+          <a:xfrm>
+            <a:off x="6172200" y="1168030"/>
+            <a:ext cx="2590800" cy="1575170"/>
+          </a:xfrm>
+          <a:prstGeom prst="wedgeRectCallout">
+            <a:avLst>
+              <a:gd name="adj1" fmla="val -78691"/>
+              <a:gd name="adj2" fmla="val 25371"/>
+            </a:avLst>
+          </a:prstGeom>
+        </p:spPr>
+        <p:style>
+          <a:lnRef idx="2">
+            <a:schemeClr val="accent5"/>
+          </a:lnRef>
+          <a:fillRef idx="1">
+            <a:schemeClr val="lt1"/>
+          </a:fillRef>
+          <a:effectRef idx="0">
+            <a:schemeClr val="accent5"/>
+          </a:effectRef>
+          <a:fontRef idx="minor">
+            <a:schemeClr val="dk1"/>
+          </a:fontRef>
+        </p:style>
+        <p:txBody>
+          <a:bodyPr rtlCol="0" anchor="ctr"/>
+          <a:lstStyle/>
+          <a:p>
+            <a:pPr algn="ctr"/>
+            <a:r>
+              <a:rPr lang="en-US" smtClean="0"/>
+              <a:t>1 cây thông tin</a:t>
+            </a:r>
+          </a:p>
+          <a:p>
+            <a:pPr algn="ctr"/>
+            <a:r>
+              <a:rPr lang="en-US" smtClean="0"/>
+              <a:t>&lt;ObjectId&gt; key</a:t>
+            </a:r>
+            <a:endParaRPr lang="en-US"/>
+          </a:p>
+        </p:txBody>
+      </p:sp>
+      <p:sp>
+        <p:nvSpPr>
+          <p:cNvPr id="7" name="Rectangle 6"/>
+          <p:cNvSpPr/>
+          <p:nvPr/>
+        </p:nvSpPr>
+        <p:spPr>
+          <a:xfrm>
+            <a:off x="2514600" y="5488675"/>
+            <a:ext cx="381000" cy="304800"/>
+          </a:xfrm>
+          <a:prstGeom prst="rect">
+            <a:avLst/>
+          </a:prstGeom>
+        </p:spPr>
+        <p:style>
+          <a:lnRef idx="2">
+            <a:schemeClr val="accent1">
+              <a:shade val="50000"/>
+            </a:schemeClr>
+          </a:lnRef>
+          <a:fillRef idx="1">
+            <a:schemeClr val="accent1"/>
+          </a:fillRef>
+          <a:effectRef idx="0">
+            <a:schemeClr val="accent1"/>
+          </a:effectRef>
+          <a:fontRef idx="minor">
+            <a:schemeClr val="lt1"/>
+          </a:fontRef>
+        </p:style>
+        <p:txBody>
+          <a:bodyPr rtlCol="0" anchor="ctr"/>
+          <a:lstStyle/>
+          <a:p>
+            <a:pPr algn="ctr"/>
+            <a:endParaRPr lang="en-US"/>
+          </a:p>
+        </p:txBody>
+      </p:sp>
+      <p:sp>
+        <p:nvSpPr>
+          <p:cNvPr id="9" name="Rectangle 8"/>
+          <p:cNvSpPr/>
+          <p:nvPr/>
+        </p:nvSpPr>
+        <p:spPr>
+          <a:xfrm>
+            <a:off x="3048000" y="5488675"/>
+            <a:ext cx="381000" cy="304800"/>
+          </a:xfrm>
+          <a:prstGeom prst="rect">
+            <a:avLst/>
+          </a:prstGeom>
+        </p:spPr>
+        <p:style>
+          <a:lnRef idx="2">
+            <a:schemeClr val="accent1">
+              <a:shade val="50000"/>
+            </a:schemeClr>
+          </a:lnRef>
+          <a:fillRef idx="1">
+            <a:schemeClr val="accent1"/>
+          </a:fillRef>
+          <a:effectRef idx="0">
+            <a:schemeClr val="accent1"/>
+          </a:effectRef>
+          <a:fontRef idx="minor">
+            <a:schemeClr val="lt1"/>
+          </a:fontRef>
+        </p:style>
+        <p:txBody>
+          <a:bodyPr rtlCol="0" anchor="ctr"/>
+          <a:lstStyle/>
+          <a:p>
+            <a:pPr algn="ctr"/>
+            <a:endParaRPr lang="en-US"/>
+          </a:p>
+        </p:txBody>
+      </p:sp>
+      <p:sp>
+        <p:nvSpPr>
+          <p:cNvPr id="10" name="Rectangle 9"/>
+          <p:cNvSpPr/>
+          <p:nvPr/>
+        </p:nvSpPr>
+        <p:spPr>
+          <a:xfrm>
+            <a:off x="3581400" y="5488675"/>
+            <a:ext cx="381000" cy="304800"/>
+          </a:xfrm>
+          <a:prstGeom prst="rect">
+            <a:avLst/>
+          </a:prstGeom>
+        </p:spPr>
+        <p:style>
+          <a:lnRef idx="2">
+            <a:schemeClr val="accent1">
+              <a:shade val="50000"/>
+            </a:schemeClr>
+          </a:lnRef>
+          <a:fillRef idx="1">
+            <a:schemeClr val="accent1"/>
+          </a:fillRef>
+          <a:effectRef idx="0">
+            <a:schemeClr val="accent1"/>
+          </a:effectRef>
+          <a:fontRef idx="minor">
+            <a:schemeClr val="lt1"/>
+          </a:fontRef>
+        </p:style>
+        <p:txBody>
+          <a:bodyPr rtlCol="0" anchor="ctr"/>
+          <a:lstStyle/>
+          <a:p>
+            <a:pPr algn="ctr"/>
+            <a:endParaRPr lang="en-US"/>
+          </a:p>
+        </p:txBody>
+      </p:sp>
+      <p:sp>
+        <p:nvSpPr>
+          <p:cNvPr id="11" name="Rectangle 10"/>
+          <p:cNvSpPr/>
+          <p:nvPr/>
+        </p:nvSpPr>
+        <p:spPr>
+          <a:xfrm>
+            <a:off x="4114800" y="5488675"/>
+            <a:ext cx="381000" cy="304800"/>
+          </a:xfrm>
+          <a:prstGeom prst="rect">
+            <a:avLst/>
+          </a:prstGeom>
+        </p:spPr>
+        <p:style>
+          <a:lnRef idx="2">
+            <a:schemeClr val="accent1">
+              <a:shade val="50000"/>
+            </a:schemeClr>
+          </a:lnRef>
+          <a:fillRef idx="1">
+            <a:schemeClr val="accent1"/>
+          </a:fillRef>
+          <a:effectRef idx="0">
+            <a:schemeClr val="accent1"/>
+          </a:effectRef>
+          <a:fontRef idx="minor">
+            <a:schemeClr val="lt1"/>
+          </a:fontRef>
+        </p:style>
+        <p:txBody>
+          <a:bodyPr rtlCol="0" anchor="ctr"/>
+          <a:lstStyle/>
+          <a:p>
+            <a:pPr algn="ctr"/>
+            <a:endParaRPr lang="en-US"/>
+          </a:p>
+        </p:txBody>
+      </p:sp>
+      <p:cxnSp>
+        <p:nvCxnSpPr>
+          <p:cNvPr id="14" name="Straight Arrow Connector 13"/>
+          <p:cNvCxnSpPr/>
+          <p:nvPr/>
+        </p:nvCxnSpPr>
+        <p:spPr>
+          <a:xfrm flipH="1">
+            <a:off x="2705100" y="5138738"/>
+            <a:ext cx="800100" cy="271462"/>
+          </a:xfrm>
+          <a:prstGeom prst="straightConnector1">
+            <a:avLst/>
+          </a:prstGeom>
+          <a:ln>
+            <a:tailEnd type="arrow"/>
+          </a:ln>
+        </p:spPr>
+        <p:style>
+          <a:lnRef idx="1">
+            <a:schemeClr val="accent1"/>
+          </a:lnRef>
+          <a:fillRef idx="0">
+            <a:schemeClr val="accent1"/>
+          </a:fillRef>
+          <a:effectRef idx="0">
+            <a:schemeClr val="accent1"/>
+          </a:effectRef>
+          <a:fontRef idx="minor">
+            <a:schemeClr val="tx1"/>
+          </a:fontRef>
+        </p:style>
+      </p:cxnSp>
+      <p:cxnSp>
+        <p:nvCxnSpPr>
+          <p:cNvPr id="16" name="Straight Arrow Connector 15"/>
+          <p:cNvCxnSpPr/>
+          <p:nvPr/>
+        </p:nvCxnSpPr>
+        <p:spPr>
+          <a:xfrm>
+            <a:off x="3505200" y="5138738"/>
+            <a:ext cx="800100" cy="271462"/>
+          </a:xfrm>
+          <a:prstGeom prst="straightConnector1">
+            <a:avLst/>
+          </a:prstGeom>
+          <a:ln>
+            <a:tailEnd type="arrow"/>
+          </a:ln>
+        </p:spPr>
+        <p:style>
+          <a:lnRef idx="1">
+            <a:schemeClr val="accent1"/>
+          </a:lnRef>
+          <a:fillRef idx="0">
+            <a:schemeClr val="accent1"/>
+          </a:fillRef>
+          <a:effectRef idx="0">
+            <a:schemeClr val="accent1"/>
+          </a:effectRef>
+          <a:fontRef idx="minor">
+            <a:schemeClr val="tx1"/>
+          </a:fontRef>
+        </p:style>
+      </p:cxnSp>
+      <p:cxnSp>
+        <p:nvCxnSpPr>
+          <p:cNvPr id="18" name="Straight Arrow Connector 17"/>
+          <p:cNvCxnSpPr/>
+          <p:nvPr/>
+        </p:nvCxnSpPr>
+        <p:spPr>
+          <a:xfrm flipH="1">
+            <a:off x="3429000" y="5138738"/>
+            <a:ext cx="76200" cy="271462"/>
+          </a:xfrm>
+          <a:prstGeom prst="straightConnector1">
+            <a:avLst/>
+          </a:prstGeom>
+          <a:ln>
+            <a:tailEnd type="arrow"/>
+          </a:ln>
+        </p:spPr>
+        <p:style>
+          <a:lnRef idx="1">
+            <a:schemeClr val="accent1"/>
+          </a:lnRef>
+          <a:fillRef idx="0">
+            <a:schemeClr val="accent1"/>
+          </a:fillRef>
+          <a:effectRef idx="0">
+            <a:schemeClr val="accent1"/>
+          </a:effectRef>
+          <a:fontRef idx="minor">
+            <a:schemeClr val="tx1"/>
+          </a:fontRef>
+        </p:style>
+      </p:cxnSp>
+      <p:sp>
+        <p:nvSpPr>
+          <p:cNvPr id="20" name="Rectangle 19"/>
+          <p:cNvSpPr/>
+          <p:nvPr/>
+        </p:nvSpPr>
+        <p:spPr>
+          <a:xfrm>
+            <a:off x="4776788" y="5488675"/>
+            <a:ext cx="381000" cy="304800"/>
+          </a:xfrm>
+          <a:prstGeom prst="rect">
+            <a:avLst/>
+          </a:prstGeom>
+        </p:spPr>
+        <p:style>
+          <a:lnRef idx="2">
+            <a:schemeClr val="accent1">
+              <a:shade val="50000"/>
+            </a:schemeClr>
+          </a:lnRef>
+          <a:fillRef idx="1">
+            <a:schemeClr val="accent1"/>
+          </a:fillRef>
+          <a:effectRef idx="0">
+            <a:schemeClr val="accent1"/>
+          </a:effectRef>
+          <a:fontRef idx="minor">
+            <a:schemeClr val="lt1"/>
+          </a:fontRef>
+        </p:style>
+        <p:txBody>
+          <a:bodyPr rtlCol="0" anchor="ctr"/>
+          <a:lstStyle/>
+          <a:p>
+            <a:pPr algn="ctr"/>
+            <a:endParaRPr lang="en-US"/>
+          </a:p>
+        </p:txBody>
+      </p:sp>
+      <p:sp>
+        <p:nvSpPr>
+          <p:cNvPr id="21" name="Rectangle 20"/>
+          <p:cNvSpPr/>
+          <p:nvPr/>
+        </p:nvSpPr>
+        <p:spPr>
+          <a:xfrm>
+            <a:off x="5310188" y="5488675"/>
+            <a:ext cx="381000" cy="304800"/>
+          </a:xfrm>
+          <a:prstGeom prst="rect">
+            <a:avLst/>
+          </a:prstGeom>
+        </p:spPr>
+        <p:style>
+          <a:lnRef idx="2">
+            <a:schemeClr val="accent1">
+              <a:shade val="50000"/>
+            </a:schemeClr>
+          </a:lnRef>
+          <a:fillRef idx="1">
+            <a:schemeClr val="accent1"/>
+          </a:fillRef>
+          <a:effectRef idx="0">
+            <a:schemeClr val="accent1"/>
+          </a:effectRef>
+          <a:fontRef idx="minor">
+            <a:schemeClr val="lt1"/>
+          </a:fontRef>
+        </p:style>
+        <p:txBody>
+          <a:bodyPr rtlCol="0" anchor="ctr"/>
+          <a:lstStyle/>
+          <a:p>
+            <a:pPr algn="ctr"/>
+            <a:endParaRPr lang="en-US"/>
+          </a:p>
+        </p:txBody>
+      </p:sp>
+      <p:sp>
+        <p:nvSpPr>
+          <p:cNvPr id="22" name="Rectangle 21"/>
+          <p:cNvSpPr/>
+          <p:nvPr/>
+        </p:nvSpPr>
+        <p:spPr>
+          <a:xfrm>
+            <a:off x="5843588" y="5488675"/>
+            <a:ext cx="381000" cy="304800"/>
+          </a:xfrm>
+          <a:prstGeom prst="rect">
+            <a:avLst/>
+          </a:prstGeom>
+        </p:spPr>
+        <p:style>
+          <a:lnRef idx="2">
+            <a:schemeClr val="accent1">
+              <a:shade val="50000"/>
+            </a:schemeClr>
+          </a:lnRef>
+          <a:fillRef idx="1">
+            <a:schemeClr val="accent1"/>
+          </a:fillRef>
+          <a:effectRef idx="0">
+            <a:schemeClr val="accent1"/>
+          </a:effectRef>
+          <a:fontRef idx="minor">
+            <a:schemeClr val="lt1"/>
+          </a:fontRef>
+        </p:style>
+        <p:txBody>
+          <a:bodyPr rtlCol="0" anchor="ctr"/>
+          <a:lstStyle/>
+          <a:p>
+            <a:pPr algn="ctr"/>
+            <a:endParaRPr lang="en-US"/>
+          </a:p>
+        </p:txBody>
+      </p:sp>
+      <p:sp>
+        <p:nvSpPr>
+          <p:cNvPr id="23" name="Rectangle 22"/>
+          <p:cNvSpPr/>
+          <p:nvPr/>
+        </p:nvSpPr>
+        <p:spPr>
+          <a:xfrm>
+            <a:off x="6376988" y="5488675"/>
+            <a:ext cx="381000" cy="304800"/>
+          </a:xfrm>
+          <a:prstGeom prst="rect">
+            <a:avLst/>
+          </a:prstGeom>
+        </p:spPr>
+        <p:style>
+          <a:lnRef idx="2">
+            <a:schemeClr val="accent1">
+              <a:shade val="50000"/>
+            </a:schemeClr>
+          </a:lnRef>
+          <a:fillRef idx="1">
+            <a:schemeClr val="accent1"/>
+          </a:fillRef>
+          <a:effectRef idx="0">
+            <a:schemeClr val="accent1"/>
+          </a:effectRef>
+          <a:fontRef idx="minor">
+            <a:schemeClr val="lt1"/>
+          </a:fontRef>
+        </p:style>
+        <p:txBody>
+          <a:bodyPr rtlCol="0" anchor="ctr"/>
+          <a:lstStyle/>
+          <a:p>
+            <a:pPr algn="ctr"/>
+            <a:endParaRPr lang="en-US"/>
+          </a:p>
+        </p:txBody>
+      </p:sp>
+      <p:cxnSp>
+        <p:nvCxnSpPr>
+          <p:cNvPr id="24" name="Straight Arrow Connector 23"/>
+          <p:cNvCxnSpPr/>
+          <p:nvPr/>
+        </p:nvCxnSpPr>
+        <p:spPr>
+          <a:xfrm flipH="1">
+            <a:off x="4967288" y="5138738"/>
+            <a:ext cx="800100" cy="271462"/>
+          </a:xfrm>
+          <a:prstGeom prst="straightConnector1">
+            <a:avLst/>
+          </a:prstGeom>
+          <a:ln>
+            <a:tailEnd type="arrow"/>
+          </a:ln>
+        </p:spPr>
+        <p:style>
+          <a:lnRef idx="1">
+            <a:schemeClr val="accent1"/>
+          </a:lnRef>
+          <a:fillRef idx="0">
+            <a:schemeClr val="accent1"/>
+          </a:fillRef>
+          <a:effectRef idx="0">
+            <a:schemeClr val="accent1"/>
+          </a:effectRef>
+          <a:fontRef idx="minor">
+            <a:schemeClr val="tx1"/>
+          </a:fontRef>
+        </p:style>
+      </p:cxnSp>
+      <p:cxnSp>
+        <p:nvCxnSpPr>
+          <p:cNvPr id="25" name="Straight Arrow Connector 24"/>
+          <p:cNvCxnSpPr/>
+          <p:nvPr/>
+        </p:nvCxnSpPr>
+        <p:spPr>
+          <a:xfrm>
+            <a:off x="5767388" y="5138738"/>
+            <a:ext cx="800100" cy="271462"/>
+          </a:xfrm>
+          <a:prstGeom prst="straightConnector1">
+            <a:avLst/>
+          </a:prstGeom>
+          <a:ln>
+            <a:tailEnd type="arrow"/>
+          </a:ln>
+        </p:spPr>
+        <p:style>
+          <a:lnRef idx="1">
+            <a:schemeClr val="accent1"/>
+          </a:lnRef>
+          <a:fillRef idx="0">
+            <a:schemeClr val="accent1"/>
+          </a:fillRef>
+          <a:effectRef idx="0">
+            <a:schemeClr val="accent1"/>
+          </a:effectRef>
+          <a:fontRef idx="minor">
+            <a:schemeClr val="tx1"/>
+          </a:fontRef>
+        </p:style>
+      </p:cxnSp>
+      <p:cxnSp>
+        <p:nvCxnSpPr>
+          <p:cNvPr id="26" name="Straight Arrow Connector 25"/>
+          <p:cNvCxnSpPr/>
+          <p:nvPr/>
+        </p:nvCxnSpPr>
+        <p:spPr>
+          <a:xfrm flipH="1">
+            <a:off x="5691188" y="5138738"/>
+            <a:ext cx="76200" cy="271462"/>
+          </a:xfrm>
+          <a:prstGeom prst="straightConnector1">
+            <a:avLst/>
+          </a:prstGeom>
+          <a:ln>
+            <a:tailEnd type="arrow"/>
+          </a:ln>
+        </p:spPr>
+        <p:style>
+          <a:lnRef idx="1">
+            <a:schemeClr val="accent1"/>
+          </a:lnRef>
+          <a:fillRef idx="0">
+            <a:schemeClr val="accent1"/>
+          </a:fillRef>
+          <a:effectRef idx="0">
+            <a:schemeClr val="accent1"/>
+          </a:effectRef>
+          <a:fontRef idx="minor">
+            <a:schemeClr val="tx1"/>
+          </a:fontRef>
+        </p:style>
+      </p:cxnSp>
+      <p:sp>
+        <p:nvSpPr>
+          <p:cNvPr id="19" name="Rounded Rectangle 18"/>
+          <p:cNvSpPr/>
+          <p:nvPr/>
+        </p:nvSpPr>
+        <p:spPr>
+          <a:xfrm>
+            <a:off x="2133600" y="5138738"/>
+            <a:ext cx="2438400" cy="957262"/>
+          </a:xfrm>
+          <a:prstGeom prst="roundRect">
+            <a:avLst/>
+          </a:prstGeom>
+          <a:noFill/>
+          <a:ln>
+            <a:prstDash val="sysDot"/>
+          </a:ln>
+        </p:spPr>
+        <p:style>
+          <a:lnRef idx="2">
+            <a:schemeClr val="accent1">
+              <a:shade val="50000"/>
+            </a:schemeClr>
+          </a:lnRef>
+          <a:fillRef idx="1">
+            <a:schemeClr val="accent1"/>
+          </a:fillRef>
+          <a:effectRef idx="0">
+            <a:schemeClr val="accent1"/>
+          </a:effectRef>
+          <a:fontRef idx="minor">
+            <a:schemeClr val="lt1"/>
+          </a:fontRef>
+        </p:style>
+        <p:txBody>
+          <a:bodyPr rtlCol="0" anchor="ctr"/>
+          <a:lstStyle/>
+          <a:p>
+            <a:pPr algn="ctr"/>
+            <a:endParaRPr lang="en-US"/>
+          </a:p>
+        </p:txBody>
+      </p:sp>
+      <p:sp>
+        <p:nvSpPr>
+          <p:cNvPr id="27" name="Rounded Rectangular Callout 26"/>
+          <p:cNvSpPr/>
+          <p:nvPr/>
+        </p:nvSpPr>
+        <p:spPr>
+          <a:xfrm>
+            <a:off x="304800" y="4495800"/>
+            <a:ext cx="1524000" cy="907576"/>
+          </a:xfrm>
+          <a:prstGeom prst="wedgeRoundRectCallout">
+            <a:avLst>
+              <a:gd name="adj1" fmla="val 82152"/>
+              <a:gd name="adj2" fmla="val 31313"/>
+              <a:gd name="adj3" fmla="val 16667"/>
+            </a:avLst>
+          </a:prstGeom>
+          <a:noFill/>
+        </p:spPr>
+        <p:style>
+          <a:lnRef idx="2">
+            <a:schemeClr val="accent1">
+              <a:shade val="50000"/>
+            </a:schemeClr>
+          </a:lnRef>
+          <a:fillRef idx="1">
+            <a:schemeClr val="accent1"/>
+          </a:fillRef>
+          <a:effectRef idx="0">
+            <a:schemeClr val="accent1"/>
+          </a:effectRef>
+          <a:fontRef idx="minor">
+            <a:schemeClr val="lt1"/>
+          </a:fontRef>
+        </p:style>
+        <p:txBody>
+          <a:bodyPr rtlCol="0" anchor="ctr"/>
+          <a:lstStyle/>
+          <a:p>
+            <a:pPr algn="ctr"/>
+            <a:r>
+              <a:rPr lang="en-US" smtClean="0">
+                <a:solidFill>
+                  <a:schemeClr val="tx1"/>
+                </a:solidFill>
+              </a:rPr>
+              <a:t>Classification node</a:t>
+            </a:r>
+            <a:endParaRPr lang="en-US">
+              <a:solidFill>
+                <a:schemeClr val="tx1"/>
+              </a:solidFill>
+            </a:endParaRPr>
+          </a:p>
+        </p:txBody>
+      </p:sp>
+    </p:spTree>
+    <p:extLst>
+      <p:ext uri="{BB962C8B-B14F-4D97-AF65-F5344CB8AC3E}">
+        <p14:creationId xmlns:p14="http://schemas.microsoft.com/office/powerpoint/2010/main" val="2660490888"/>
+      </p:ext>
+    </p:extLst>
+  </p:cSld>
+  <p:clrMapOvr>
+    <a:masterClrMapping/>
+  </p:clrMapOvr>
+</p:sld>
+</file>
+
 <file path=ppt/slides/slide3.xml><?xml version="1.0" encoding="utf-8"?>
 <p:sld xmlns:a="http://schemas.openxmlformats.org/drawingml/2006/main" xmlns:r="http://schemas.openxmlformats.org/officeDocument/2006/relationships" xmlns:p="http://schemas.openxmlformats.org/presentationml/2006/main">
   <p:cSld>

--- a/Documents/Thesis Report Picture.pptx
+++ b/Documents/Thesis Report Picture.pptx
@@ -135,28 +135,17 @@
 </file>
 
 <file path=ppt/diagrams/colors1.xml><?xml version="1.0" encoding="utf-8"?>
-<dgm:colorsDef xmlns:dgm="http://schemas.openxmlformats.org/drawingml/2006/diagram" xmlns:a="http://schemas.openxmlformats.org/drawingml/2006/main" uniqueId="urn:microsoft.com/office/officeart/2005/8/colors/colorful2">
+<dgm:colorsDef xmlns:dgm="http://schemas.openxmlformats.org/drawingml/2006/diagram" xmlns:a="http://schemas.openxmlformats.org/drawingml/2006/main" uniqueId="urn:microsoft.com/office/officeart/2005/8/colors/accent1_3">
   <dgm:title val=""/>
   <dgm:desc val=""/>
   <dgm:catLst>
-    <dgm:cat type="colorful" pri="10200"/>
+    <dgm:cat type="accent1" pri="11300"/>
   </dgm:catLst>
   <dgm:styleLbl name="node0">
     <dgm:fillClrLst meth="repeat">
-      <a:schemeClr val="accent1"/>
-    </dgm:fillClrLst>
-    <dgm:linClrLst meth="repeat">
-      <a:schemeClr val="lt1"/>
-    </dgm:linClrLst>
-    <dgm:effectClrLst/>
-    <dgm:txLinClrLst/>
-    <dgm:txFillClrLst/>
-    <dgm:txEffectClrLst/>
-  </dgm:styleLbl>
-  <dgm:styleLbl name="node1">
-    <dgm:fillClrLst>
-      <a:schemeClr val="accent2"/>
-      <a:schemeClr val="accent3"/>
+      <a:schemeClr val="accent1">
+        <a:shade val="80000"/>
+      </a:schemeClr>
     </dgm:fillClrLst>
     <dgm:linClrLst meth="repeat">
       <a:schemeClr val="lt1"/>
@@ -168,12 +157,37 @@
   </dgm:styleLbl>
   <dgm:styleLbl name="alignNode1">
     <dgm:fillClrLst>
-      <a:schemeClr val="accent2"/>
-      <a:schemeClr val="accent3"/>
+      <a:schemeClr val="accent1">
+        <a:shade val="80000"/>
+      </a:schemeClr>
+      <a:schemeClr val="accent1">
+        <a:tint val="70000"/>
+      </a:schemeClr>
     </dgm:fillClrLst>
     <dgm:linClrLst>
-      <a:schemeClr val="accent2"/>
-      <a:schemeClr val="accent3"/>
+      <a:schemeClr val="accent1">
+        <a:shade val="80000"/>
+      </a:schemeClr>
+      <a:schemeClr val="accent1">
+        <a:tint val="70000"/>
+      </a:schemeClr>
+    </dgm:linClrLst>
+    <dgm:effectClrLst/>
+    <dgm:txLinClrLst/>
+    <dgm:txFillClrLst/>
+    <dgm:txEffectClrLst/>
+  </dgm:styleLbl>
+  <dgm:styleLbl name="node1">
+    <dgm:fillClrLst>
+      <a:schemeClr val="accent1">
+        <a:shade val="80000"/>
+      </a:schemeClr>
+      <a:schemeClr val="accent1">
+        <a:tint val="70000"/>
+      </a:schemeClr>
+    </dgm:fillClrLst>
+    <dgm:linClrLst meth="repeat">
+      <a:schemeClr val="lt1"/>
     </dgm:linClrLst>
     <dgm:effectClrLst/>
     <dgm:txLinClrLst/>
@@ -182,8 +196,12 @@
   </dgm:styleLbl>
   <dgm:styleLbl name="lnNode1">
     <dgm:fillClrLst>
-      <a:schemeClr val="accent2"/>
-      <a:schemeClr val="accent3"/>
+      <a:schemeClr val="accent1">
+        <a:shade val="80000"/>
+      </a:schemeClr>
+      <a:schemeClr val="accent1">
+        <a:tint val="70000"/>
+      </a:schemeClr>
     </dgm:fillClrLst>
     <dgm:linClrLst meth="repeat">
       <a:schemeClr val="lt1"/>
@@ -195,10 +213,12 @@
   </dgm:styleLbl>
   <dgm:styleLbl name="vennNode1">
     <dgm:fillClrLst>
-      <a:schemeClr val="accent2">
+      <a:schemeClr val="accent1">
+        <a:shade val="80000"/>
         <a:alpha val="50000"/>
       </a:schemeClr>
-      <a:schemeClr val="accent3">
+      <a:schemeClr val="accent1">
+        <a:tint val="70000"/>
         <a:alpha val="50000"/>
       </a:schemeClr>
     </dgm:fillClrLst>
@@ -212,7 +232,9 @@
   </dgm:styleLbl>
   <dgm:styleLbl name="node2">
     <dgm:fillClrLst>
-      <a:schemeClr val="accent3"/>
+      <a:schemeClr val="accent1">
+        <a:tint val="99000"/>
+      </a:schemeClr>
     </dgm:fillClrLst>
     <dgm:linClrLst meth="repeat">
       <a:schemeClr val="lt1"/>
@@ -224,7 +246,9 @@
   </dgm:styleLbl>
   <dgm:styleLbl name="node3">
     <dgm:fillClrLst>
-      <a:schemeClr val="accent4"/>
+      <a:schemeClr val="accent1">
+        <a:tint val="80000"/>
+      </a:schemeClr>
     </dgm:fillClrLst>
     <dgm:linClrLst meth="repeat">
       <a:schemeClr val="lt1"/>
@@ -236,7 +260,9 @@
   </dgm:styleLbl>
   <dgm:styleLbl name="node4">
     <dgm:fillClrLst>
-      <a:schemeClr val="accent5"/>
+      <a:schemeClr val="accent1">
+        <a:tint val="70000"/>
+      </a:schemeClr>
     </dgm:fillClrLst>
     <dgm:linClrLst meth="repeat">
       <a:schemeClr val="lt1"/>
@@ -248,11 +274,11 @@
   </dgm:styleLbl>
   <dgm:styleLbl name="fgImgPlace1">
     <dgm:fillClrLst>
-      <a:schemeClr val="accent2">
+      <a:schemeClr val="accent1">
         <a:tint val="50000"/>
       </a:schemeClr>
-      <a:schemeClr val="accent3">
-        <a:tint val="50000"/>
+      <a:schemeClr val="accent1">
+        <a:tint val="20000"/>
       </a:schemeClr>
     </dgm:fillClrLst>
     <dgm:linClrLst meth="repeat">
@@ -267,10 +293,10 @@
   </dgm:styleLbl>
   <dgm:styleLbl name="alignImgPlace1">
     <dgm:fillClrLst>
-      <a:schemeClr val="accent2">
+      <a:schemeClr val="accent1">
         <a:tint val="50000"/>
       </a:schemeClr>
-      <a:schemeClr val="accent3">
+      <a:schemeClr val="accent1">
         <a:tint val="20000"/>
       </a:schemeClr>
     </dgm:fillClrLst>
@@ -286,10 +312,10 @@
   </dgm:styleLbl>
   <dgm:styleLbl name="bgImgPlace1">
     <dgm:fillClrLst>
-      <a:schemeClr val="accent2">
+      <a:schemeClr val="accent1">
         <a:tint val="50000"/>
       </a:schemeClr>
-      <a:schemeClr val="accent3">
+      <a:schemeClr val="accent1">
         <a:tint val="20000"/>
       </a:schemeClr>
     </dgm:fillClrLst>
@@ -305,11 +331,20 @@
   </dgm:styleLbl>
   <dgm:styleLbl name="sibTrans2D1">
     <dgm:fillClrLst>
-      <a:schemeClr val="accent2"/>
-      <a:schemeClr val="accent3"/>
+      <a:schemeClr val="accent1">
+        <a:shade val="90000"/>
+      </a:schemeClr>
+      <a:schemeClr val="accent1">
+        <a:tint val="70000"/>
+      </a:schemeClr>
     </dgm:fillClrLst>
-    <dgm:linClrLst meth="repeat">
-      <a:schemeClr val="lt1"/>
+    <dgm:linClrLst>
+      <a:schemeClr val="accent1">
+        <a:shade val="90000"/>
+      </a:schemeClr>
+      <a:schemeClr val="accent1">
+        <a:tint val="70000"/>
+      </a:schemeClr>
     </dgm:linClrLst>
     <dgm:effectClrLst/>
     <dgm:txLinClrLst/>
@@ -318,11 +353,20 @@
   </dgm:styleLbl>
   <dgm:styleLbl name="fgSibTrans2D1">
     <dgm:fillClrLst>
-      <a:schemeClr val="accent2"/>
-      <a:schemeClr val="accent3"/>
+      <a:schemeClr val="accent1">
+        <a:shade val="90000"/>
+      </a:schemeClr>
+      <a:schemeClr val="accent1">
+        <a:tint val="70000"/>
+      </a:schemeClr>
     </dgm:fillClrLst>
-    <dgm:linClrLst meth="repeat">
-      <a:schemeClr val="lt1"/>
+    <dgm:linClrLst>
+      <a:schemeClr val="accent1">
+        <a:shade val="90000"/>
+      </a:schemeClr>
+      <a:schemeClr val="accent1">
+        <a:tint val="70000"/>
+      </a:schemeClr>
     </dgm:linClrLst>
     <dgm:effectClrLst/>
     <dgm:txLinClrLst/>
@@ -333,11 +377,20 @@
   </dgm:styleLbl>
   <dgm:styleLbl name="bgSibTrans2D1">
     <dgm:fillClrLst>
-      <a:schemeClr val="accent2"/>
-      <a:schemeClr val="accent3"/>
+      <a:schemeClr val="accent1">
+        <a:shade val="90000"/>
+      </a:schemeClr>
+      <a:schemeClr val="accent1">
+        <a:tint val="70000"/>
+      </a:schemeClr>
     </dgm:fillClrLst>
-    <dgm:linClrLst meth="repeat">
-      <a:schemeClr val="lt1"/>
+    <dgm:linClrLst>
+      <a:schemeClr val="accent1">
+        <a:shade val="90000"/>
+      </a:schemeClr>
+      <a:schemeClr val="accent1">
+        <a:tint val="70000"/>
+      </a:schemeClr>
     </dgm:linClrLst>
     <dgm:effectClrLst/>
     <dgm:txLinClrLst/>
@@ -347,10 +400,21 @@
     <dgm:txEffectClrLst/>
   </dgm:styleLbl>
   <dgm:styleLbl name="sibTrans1D1">
-    <dgm:fillClrLst/>
+    <dgm:fillClrLst>
+      <a:schemeClr val="accent1">
+        <a:shade val="90000"/>
+      </a:schemeClr>
+      <a:schemeClr val="accent1">
+        <a:tint val="70000"/>
+      </a:schemeClr>
+    </dgm:fillClrLst>
     <dgm:linClrLst>
-      <a:schemeClr val="accent2"/>
-      <a:schemeClr val="accent3"/>
+      <a:schemeClr val="accent1">
+        <a:shade val="90000"/>
+      </a:schemeClr>
+      <a:schemeClr val="accent1">
+        <a:tint val="70000"/>
+      </a:schemeClr>
     </dgm:linClrLst>
     <dgm:effectClrLst/>
     <dgm:txLinClrLst/>
@@ -361,12 +425,10 @@
   </dgm:styleLbl>
   <dgm:styleLbl name="callout">
     <dgm:fillClrLst meth="repeat">
-      <a:schemeClr val="accent2"/>
+      <a:schemeClr val="accent1"/>
     </dgm:fillClrLst>
     <dgm:linClrLst meth="repeat">
-      <a:schemeClr val="accent2">
-        <a:tint val="50000"/>
-      </a:schemeClr>
+      <a:schemeClr val="accent1"/>
     </dgm:linClrLst>
     <dgm:effectClrLst/>
     <dgm:txLinClrLst/>
@@ -377,12 +439,12 @@
   </dgm:styleLbl>
   <dgm:styleLbl name="asst0">
     <dgm:fillClrLst meth="repeat">
-      <a:schemeClr val="accent2"/>
+      <a:schemeClr val="accent1">
+        <a:shade val="80000"/>
+      </a:schemeClr>
     </dgm:fillClrLst>
     <dgm:linClrLst meth="repeat">
-      <a:schemeClr val="lt1">
-        <a:shade val="80000"/>
-      </a:schemeClr>
+      <a:schemeClr val="lt1"/>
     </dgm:linClrLst>
     <dgm:effectClrLst/>
     <dgm:txLinClrLst/>
@@ -391,12 +453,12 @@
   </dgm:styleLbl>
   <dgm:styleLbl name="asst1">
     <dgm:fillClrLst meth="repeat">
-      <a:schemeClr val="accent3"/>
+      <a:schemeClr val="accent1">
+        <a:shade val="80000"/>
+      </a:schemeClr>
     </dgm:fillClrLst>
     <dgm:linClrLst meth="repeat">
-      <a:schemeClr val="lt1">
-        <a:shade val="80000"/>
-      </a:schemeClr>
+      <a:schemeClr val="lt1"/>
     </dgm:linClrLst>
     <dgm:effectClrLst/>
     <dgm:txLinClrLst/>
@@ -405,7 +467,9 @@
   </dgm:styleLbl>
   <dgm:styleLbl name="asst2">
     <dgm:fillClrLst>
-      <a:schemeClr val="accent4"/>
+      <a:schemeClr val="accent1">
+        <a:tint val="99000"/>
+      </a:schemeClr>
     </dgm:fillClrLst>
     <dgm:linClrLst meth="repeat">
       <a:schemeClr val="lt1"/>
@@ -417,7 +481,9 @@
   </dgm:styleLbl>
   <dgm:styleLbl name="asst3">
     <dgm:fillClrLst>
-      <a:schemeClr val="accent5"/>
+      <a:schemeClr val="accent1">
+        <a:tint val="80000"/>
+      </a:schemeClr>
     </dgm:fillClrLst>
     <dgm:linClrLst meth="repeat">
       <a:schemeClr val="lt1"/>
@@ -429,7 +495,9 @@
   </dgm:styleLbl>
   <dgm:styleLbl name="asst4">
     <dgm:fillClrLst>
-      <a:schemeClr val="accent6"/>
+      <a:schemeClr val="accent1">
+        <a:tint val="70000"/>
+      </a:schemeClr>
     </dgm:fillClrLst>
     <dgm:linClrLst meth="repeat">
       <a:schemeClr val="lt1"/>
@@ -441,10 +509,14 @@
   </dgm:styleLbl>
   <dgm:styleLbl name="parChTrans2D1">
     <dgm:fillClrLst meth="repeat">
-      <a:schemeClr val="accent2"/>
+      <a:schemeClr val="accent1">
+        <a:tint val="60000"/>
+      </a:schemeClr>
     </dgm:fillClrLst>
     <dgm:linClrLst meth="repeat">
-      <a:schemeClr val="lt1"/>
+      <a:schemeClr val="accent1">
+        <a:tint val="60000"/>
+      </a:schemeClr>
     </dgm:linClrLst>
     <dgm:effectClrLst/>
     <dgm:txLinClrLst/>
@@ -455,10 +527,14 @@
   </dgm:styleLbl>
   <dgm:styleLbl name="parChTrans2D2">
     <dgm:fillClrLst meth="repeat">
-      <a:schemeClr val="accent3"/>
+      <a:schemeClr val="accent1">
+        <a:tint val="90000"/>
+      </a:schemeClr>
     </dgm:fillClrLst>
     <dgm:linClrLst meth="repeat">
-      <a:schemeClr val="lt1"/>
+      <a:schemeClr val="accent1">
+        <a:tint val="90000"/>
+      </a:schemeClr>
     </dgm:linClrLst>
     <dgm:effectClrLst/>
     <dgm:txLinClrLst/>
@@ -467,10 +543,14 @@
   </dgm:styleLbl>
   <dgm:styleLbl name="parChTrans2D3">
     <dgm:fillClrLst meth="repeat">
-      <a:schemeClr val="accent4"/>
+      <a:schemeClr val="accent1">
+        <a:tint val="70000"/>
+      </a:schemeClr>
     </dgm:fillClrLst>
     <dgm:linClrLst meth="repeat">
-      <a:schemeClr val="lt1"/>
+      <a:schemeClr val="accent1">
+        <a:tint val="70000"/>
+      </a:schemeClr>
     </dgm:linClrLst>
     <dgm:effectClrLst/>
     <dgm:txLinClrLst/>
@@ -479,10 +559,14 @@
   </dgm:styleLbl>
   <dgm:styleLbl name="parChTrans2D4">
     <dgm:fillClrLst meth="repeat">
-      <a:schemeClr val="accent5"/>
+      <a:schemeClr val="accent1">
+        <a:tint val="50000"/>
+      </a:schemeClr>
     </dgm:fillClrLst>
     <dgm:linClrLst meth="repeat">
-      <a:schemeClr val="lt1"/>
+      <a:schemeClr val="accent1">
+        <a:tint val="50000"/>
+      </a:schemeClr>
     </dgm:linClrLst>
     <dgm:effectClrLst/>
     <dgm:txLinClrLst/>
@@ -493,10 +577,14 @@
   </dgm:styleLbl>
   <dgm:styleLbl name="parChTrans1D1">
     <dgm:fillClrLst meth="repeat">
-      <a:schemeClr val="accent2"/>
+      <a:schemeClr val="accent1">
+        <a:shade val="80000"/>
+      </a:schemeClr>
     </dgm:fillClrLst>
     <dgm:linClrLst meth="repeat">
-      <a:schemeClr val="accent2"/>
+      <a:schemeClr val="accent1">
+        <a:shade val="80000"/>
+      </a:schemeClr>
     </dgm:linClrLst>
     <dgm:effectClrLst/>
     <dgm:txLinClrLst/>
@@ -507,12 +595,14 @@
   </dgm:styleLbl>
   <dgm:styleLbl name="parChTrans1D2">
     <dgm:fillClrLst meth="repeat">
-      <a:schemeClr val="accent2">
-        <a:tint val="90000"/>
+      <a:schemeClr val="accent1">
+        <a:tint val="99000"/>
       </a:schemeClr>
     </dgm:fillClrLst>
     <dgm:linClrLst meth="repeat">
-      <a:schemeClr val="accent3"/>
+      <a:schemeClr val="accent1">
+        <a:tint val="99000"/>
+      </a:schemeClr>
     </dgm:linClrLst>
     <dgm:effectClrLst/>
     <dgm:txLinClrLst/>
@@ -523,12 +613,14 @@
   </dgm:styleLbl>
   <dgm:styleLbl name="parChTrans1D3">
     <dgm:fillClrLst meth="repeat">
-      <a:schemeClr val="accent2">
-        <a:tint val="70000"/>
+      <a:schemeClr val="accent1">
+        <a:tint val="80000"/>
       </a:schemeClr>
     </dgm:fillClrLst>
     <dgm:linClrLst meth="repeat">
-      <a:schemeClr val="accent4"/>
+      <a:schemeClr val="accent1">
+        <a:tint val="80000"/>
+      </a:schemeClr>
     </dgm:linClrLst>
     <dgm:effectClrLst/>
     <dgm:txLinClrLst/>
@@ -539,12 +631,14 @@
   </dgm:styleLbl>
   <dgm:styleLbl name="parChTrans1D4">
     <dgm:fillClrLst meth="repeat">
-      <a:schemeClr val="accent2">
-        <a:tint val="50000"/>
+      <a:schemeClr val="accent1">
+        <a:tint val="70000"/>
       </a:schemeClr>
     </dgm:fillClrLst>
     <dgm:linClrLst meth="repeat">
-      <a:schemeClr val="accent5"/>
+      <a:schemeClr val="accent1">
+        <a:tint val="70000"/>
+      </a:schemeClr>
     </dgm:linClrLst>
     <dgm:effectClrLst/>
     <dgm:txLinClrLst/>
@@ -560,8 +654,12 @@
       </a:schemeClr>
     </dgm:fillClrLst>
     <dgm:linClrLst>
-      <a:schemeClr val="accent2"/>
-      <a:schemeClr val="accent3"/>
+      <a:schemeClr val="accent1">
+        <a:shade val="80000"/>
+      </a:schemeClr>
+      <a:schemeClr val="accent1">
+        <a:tint val="70000"/>
+      </a:schemeClr>
     </dgm:linClrLst>
     <dgm:effectClrLst/>
     <dgm:txLinClrLst/>
@@ -577,8 +675,12 @@
       </a:schemeClr>
     </dgm:fillClrLst>
     <dgm:linClrLst>
-      <a:schemeClr val="accent2"/>
-      <a:schemeClr val="accent3"/>
+      <a:schemeClr val="accent1">
+        <a:shade val="80000"/>
+      </a:schemeClr>
+      <a:schemeClr val="accent1">
+        <a:tint val="70000"/>
+      </a:schemeClr>
     </dgm:linClrLst>
     <dgm:effectClrLst/>
     <dgm:txLinClrLst/>
@@ -594,8 +696,12 @@
       </a:schemeClr>
     </dgm:fillClrLst>
     <dgm:linClrLst>
-      <a:schemeClr val="accent2"/>
-      <a:schemeClr val="accent3"/>
+      <a:schemeClr val="accent1">
+        <a:shade val="80000"/>
+      </a:schemeClr>
+      <a:schemeClr val="accent1">
+        <a:tint val="70000"/>
+      </a:schemeClr>
     </dgm:linClrLst>
     <dgm:effectClrLst/>
     <dgm:txLinClrLst/>
@@ -611,7 +717,7 @@
       </a:schemeClr>
     </dgm:fillClrLst>
     <dgm:linClrLst meth="repeat">
-      <a:schemeClr val="accent2"/>
+      <a:schemeClr val="accent1"/>
     </dgm:linClrLst>
     <dgm:effectClrLst/>
     <dgm:txLinClrLst/>
@@ -627,8 +733,12 @@
       </a:schemeClr>
     </dgm:fillClrLst>
     <dgm:linClrLst>
-      <a:schemeClr val="accent2"/>
-      <a:schemeClr val="accent3"/>
+      <a:schemeClr val="accent1">
+        <a:shade val="80000"/>
+      </a:schemeClr>
+      <a:schemeClr val="accent1">
+        <a:tint val="70000"/>
+      </a:schemeClr>
     </dgm:linClrLst>
     <dgm:effectClrLst/>
     <dgm:txLinClrLst/>
@@ -642,8 +752,12 @@
       <a:schemeClr val="lt1"/>
     </dgm:fillClrLst>
     <dgm:linClrLst>
-      <a:schemeClr val="accent2"/>
-      <a:schemeClr val="accent3"/>
+      <a:schemeClr val="accent1">
+        <a:shade val="80000"/>
+      </a:schemeClr>
+      <a:schemeClr val="accent1">
+        <a:tint val="70000"/>
+      </a:schemeClr>
     </dgm:linClrLst>
     <dgm:effectClrLst/>
     <dgm:txLinClrLst/>
@@ -656,9 +770,8 @@
     <dgm:fillClrLst meth="repeat">
       <a:schemeClr val="lt1"/>
     </dgm:fillClrLst>
-    <dgm:linClrLst>
-      <a:schemeClr val="accent2"/>
-      <a:schemeClr val="accent3"/>
+    <dgm:linClrLst meth="repeat">
+      <a:schemeClr val="accent1"/>
     </dgm:linClrLst>
     <dgm:effectClrLst/>
     <dgm:txLinClrLst/>
@@ -671,9 +784,8 @@
     <dgm:fillClrLst meth="repeat">
       <a:schemeClr val="lt1"/>
     </dgm:fillClrLst>
-    <dgm:linClrLst>
-      <a:schemeClr val="accent2"/>
-      <a:schemeClr val="accent3"/>
+    <dgm:linClrLst meth="repeat">
+      <a:schemeClr val="accent1"/>
     </dgm:linClrLst>
     <dgm:effectClrLst/>
     <dgm:txLinClrLst/>
@@ -683,24 +795,16 @@
     <dgm:txEffectClrLst/>
   </dgm:styleLbl>
   <dgm:styleLbl name="fgAccFollowNode1">
-    <dgm:fillClrLst>
-      <a:schemeClr val="accent2">
+    <dgm:fillClrLst meth="repeat">
+      <a:schemeClr val="accent1">
+        <a:alpha val="90000"/>
         <a:tint val="40000"/>
-        <a:alpha val="90000"/>
-      </a:schemeClr>
-      <a:schemeClr val="accent3">
-        <a:tint val="40000"/>
-        <a:alpha val="90000"/>
       </a:schemeClr>
     </dgm:fillClrLst>
-    <dgm:linClrLst>
-      <a:schemeClr val="accent2">
+    <dgm:linClrLst meth="repeat">
+      <a:schemeClr val="accent1">
+        <a:alpha val="90000"/>
         <a:tint val="40000"/>
-        <a:alpha val="90000"/>
-      </a:schemeClr>
-      <a:schemeClr val="accent3">
-        <a:tint val="40000"/>
-        <a:alpha val="90000"/>
       </a:schemeClr>
     </dgm:linClrLst>
     <dgm:effectClrLst/>
@@ -711,24 +815,16 @@
     <dgm:txEffectClrLst/>
   </dgm:styleLbl>
   <dgm:styleLbl name="alignAccFollowNode1">
-    <dgm:fillClrLst>
-      <a:schemeClr val="accent2">
+    <dgm:fillClrLst meth="repeat">
+      <a:schemeClr val="accent1">
+        <a:alpha val="90000"/>
         <a:tint val="40000"/>
-        <a:alpha val="90000"/>
-      </a:schemeClr>
-      <a:schemeClr val="accent3">
-        <a:tint val="40000"/>
-        <a:alpha val="90000"/>
       </a:schemeClr>
     </dgm:fillClrLst>
-    <dgm:linClrLst>
-      <a:schemeClr val="accent2">
+    <dgm:linClrLst meth="repeat">
+      <a:schemeClr val="accent1">
+        <a:alpha val="90000"/>
         <a:tint val="40000"/>
-        <a:alpha val="90000"/>
-      </a:schemeClr>
-      <a:schemeClr val="accent3">
-        <a:tint val="40000"/>
-        <a:alpha val="90000"/>
       </a:schemeClr>
     </dgm:linClrLst>
     <dgm:effectClrLst/>
@@ -739,25 +835,14 @@
     <dgm:txEffectClrLst/>
   </dgm:styleLbl>
   <dgm:styleLbl name="bgAccFollowNode1">
-    <dgm:fillClrLst>
-      <a:schemeClr val="accent2">
+    <dgm:fillClrLst meth="repeat">
+      <a:schemeClr val="accent1">
+        <a:alpha val="90000"/>
         <a:tint val="40000"/>
-        <a:alpha val="90000"/>
-      </a:schemeClr>
-      <a:schemeClr val="accent3">
-        <a:tint val="40000"/>
-        <a:alpha val="90000"/>
       </a:schemeClr>
     </dgm:fillClrLst>
-    <dgm:linClrLst>
-      <a:schemeClr val="accent2">
-        <a:tint val="40000"/>
-        <a:alpha val="90000"/>
-      </a:schemeClr>
-      <a:schemeClr val="accent3">
-        <a:tint val="40000"/>
-        <a:alpha val="90000"/>
-      </a:schemeClr>
+    <dgm:linClrLst meth="repeat">
+      <a:schemeClr val="lt1"/>
     </dgm:linClrLst>
     <dgm:effectClrLst/>
     <dgm:txLinClrLst/>
@@ -772,8 +857,10 @@
         <a:alpha val="90000"/>
       </a:schemeClr>
     </dgm:fillClrLst>
-    <dgm:linClrLst>
-      <a:schemeClr val="accent1"/>
+    <dgm:linClrLst meth="repeat">
+      <a:schemeClr val="accent1">
+        <a:shade val="80000"/>
+      </a:schemeClr>
     </dgm:linClrLst>
     <dgm:effectClrLst/>
     <dgm:txLinClrLst/>
@@ -788,8 +875,10 @@
         <a:alpha val="90000"/>
       </a:schemeClr>
     </dgm:fillClrLst>
-    <dgm:linClrLst>
-      <a:schemeClr val="accent3"/>
+    <dgm:linClrLst meth="repeat">
+      <a:schemeClr val="accent1">
+        <a:tint val="99000"/>
+      </a:schemeClr>
     </dgm:linClrLst>
     <dgm:effectClrLst/>
     <dgm:txLinClrLst/>
@@ -804,8 +893,10 @@
         <a:alpha val="90000"/>
       </a:schemeClr>
     </dgm:fillClrLst>
-    <dgm:linClrLst>
-      <a:schemeClr val="accent4"/>
+    <dgm:linClrLst meth="repeat">
+      <a:schemeClr val="accent1">
+        <a:tint val="80000"/>
+      </a:schemeClr>
     </dgm:linClrLst>
     <dgm:effectClrLst/>
     <dgm:txLinClrLst/>
@@ -820,8 +911,10 @@
         <a:alpha val="90000"/>
       </a:schemeClr>
     </dgm:fillClrLst>
-    <dgm:linClrLst>
-      <a:schemeClr val="accent5"/>
+    <dgm:linClrLst meth="repeat">
+      <a:schemeClr val="accent1">
+        <a:tint val="70000"/>
+      </a:schemeClr>
     </dgm:linClrLst>
     <dgm:effectClrLst/>
     <dgm:txLinClrLst/>
@@ -832,7 +925,7 @@
   </dgm:styleLbl>
   <dgm:styleLbl name="bgShp">
     <dgm:fillClrLst meth="repeat">
-      <a:schemeClr val="accent2">
+      <a:schemeClr val="accent1">
         <a:tint val="40000"/>
       </a:schemeClr>
     </dgm:fillClrLst>
@@ -848,7 +941,7 @@
   </dgm:styleLbl>
   <dgm:styleLbl name="dkBgShp">
     <dgm:fillClrLst meth="repeat">
-      <a:schemeClr val="accent2">
+      <a:schemeClr val="accent1">
         <a:shade val="90000"/>
       </a:schemeClr>
     </dgm:fillClrLst>
@@ -864,13 +957,13 @@
   </dgm:styleLbl>
   <dgm:styleLbl name="trBgShp">
     <dgm:fillClrLst meth="repeat">
-      <a:schemeClr val="accent2">
+      <a:schemeClr val="accent1">
         <a:tint val="50000"/>
         <a:alpha val="40000"/>
       </a:schemeClr>
     </dgm:fillClrLst>
     <dgm:linClrLst meth="repeat">
-      <a:schemeClr val="accent2"/>
+      <a:schemeClr val="accent1"/>
     </dgm:linClrLst>
     <dgm:effectClrLst/>
     <dgm:txLinClrLst/>
@@ -881,7 +974,7 @@
   </dgm:styleLbl>
   <dgm:styleLbl name="fgShp">
     <dgm:fillClrLst meth="repeat">
-      <a:schemeClr val="accent2">
+      <a:schemeClr val="accent1">
         <a:tint val="40000"/>
       </a:schemeClr>
     </dgm:fillClrLst>
@@ -920,7 +1013,7 @@
 <dgm:dataModel xmlns:dgm="http://schemas.openxmlformats.org/drawingml/2006/diagram" xmlns:a="http://schemas.openxmlformats.org/drawingml/2006/main">
   <dgm:ptLst>
     <dgm:pt modelId="{4FD1A248-6CFA-41A5-973A-57438E99BB4D}" type="doc">
-      <dgm:prSet loTypeId="urn:microsoft.com/office/officeart/2005/8/layout/process4" loCatId="process" qsTypeId="urn:microsoft.com/office/officeart/2005/8/quickstyle/3d1" qsCatId="3D" csTypeId="urn:microsoft.com/office/officeart/2005/8/colors/colorful2" csCatId="colorful" phldr="1"/>
+      <dgm:prSet loTypeId="urn:microsoft.com/office/officeart/2005/8/layout/process4" loCatId="process" qsTypeId="urn:microsoft.com/office/officeart/2005/8/quickstyle/3d1" qsCatId="3D" csTypeId="urn:microsoft.com/office/officeart/2005/8/colors/accent1_3" csCatId="accent1" phldr="1"/>
       <dgm:spPr/>
       <dgm:t>
         <a:bodyPr/>
@@ -953,31 +1046,15 @@
           <a:r>
             <a:rPr lang="en-US" sz="1600" b="1" cap="none" spc="0" smtClean="0">
               <a:ln w="17780" cmpd="sng">
-                <a:solidFill>
-                  <a:schemeClr val="accent1">
-                    <a:tint val="3000"/>
-                  </a:schemeClr>
-                </a:solidFill>
                 <a:prstDash val="solid"/>
                 <a:miter lim="800000"/>
               </a:ln>
-              <a:gradFill>
-                <a:gsLst>
-                  <a:gs pos="10000">
-                    <a:schemeClr val="accent1">
-                      <a:tint val="63000"/>
-                      <a:sat val="105000"/>
-                    </a:schemeClr>
-                  </a:gs>
-                  <a:gs pos="90000">
-                    <a:schemeClr val="accent1">
-                      <a:shade val="50000"/>
-                      <a:satMod val="100000"/>
-                    </a:schemeClr>
-                  </a:gs>
-                </a:gsLst>
-                <a:lin ang="5400000"/>
-              </a:gradFill>
+              <a:solidFill>
+                <a:schemeClr val="accent5">
+                  <a:lumMod val="20000"/>
+                  <a:lumOff val="80000"/>
+                </a:schemeClr>
+              </a:solidFill>
               <a:effectLst>
                 <a:outerShdw blurRad="55000" dist="50800" dir="5400000" algn="tl">
                   <a:srgbClr val="000000">
@@ -993,31 +1070,15 @@
           </a:r>
           <a:endParaRPr lang="en-US" sz="1600" b="1" cap="none" spc="0">
             <a:ln w="17780" cmpd="sng">
-              <a:solidFill>
-                <a:schemeClr val="accent1">
-                  <a:tint val="3000"/>
-                </a:schemeClr>
-              </a:solidFill>
               <a:prstDash val="solid"/>
               <a:miter lim="800000"/>
             </a:ln>
-            <a:gradFill>
-              <a:gsLst>
-                <a:gs pos="10000">
-                  <a:schemeClr val="accent1">
-                    <a:tint val="63000"/>
-                    <a:sat val="105000"/>
-                  </a:schemeClr>
-                </a:gs>
-                <a:gs pos="90000">
-                  <a:schemeClr val="accent1">
-                    <a:shade val="50000"/>
-                    <a:satMod val="100000"/>
-                  </a:schemeClr>
-                </a:gs>
-              </a:gsLst>
-              <a:lin ang="5400000"/>
-            </a:gradFill>
+            <a:solidFill>
+              <a:schemeClr val="accent5">
+                <a:lumMod val="20000"/>
+                <a:lumOff val="80000"/>
+              </a:schemeClr>
+            </a:solidFill>
             <a:effectLst>
               <a:outerShdw blurRad="55000" dist="50800" dir="5400000" algn="tl">
                 <a:srgbClr val="000000">
@@ -1062,23 +1123,12 @@
               <a:prstDash val="solid"/>
               <a:miter lim="800000"/>
             </a:ln>
-            <a:gradFill>
-              <a:gsLst>
-                <a:gs pos="10000">
-                  <a:schemeClr val="accent1">
-                    <a:tint val="63000"/>
-                    <a:sat val="105000"/>
-                  </a:schemeClr>
-                </a:gs>
-                <a:gs pos="90000">
-                  <a:schemeClr val="accent1">
-                    <a:shade val="50000"/>
-                    <a:satMod val="100000"/>
-                  </a:schemeClr>
-                </a:gs>
-              </a:gsLst>
-              <a:lin ang="5400000"/>
-            </a:gradFill>
+            <a:solidFill>
+              <a:schemeClr val="accent5">
+                <a:lumMod val="20000"/>
+                <a:lumOff val="80000"/>
+              </a:schemeClr>
+            </a:solidFill>
             <a:effectLst>
               <a:outerShdw blurRad="55000" dist="50800" dir="5400000" algn="tl">
                 <a:srgbClr val="000000">
@@ -1120,23 +1170,12 @@
               <a:prstDash val="solid"/>
               <a:miter lim="800000"/>
             </a:ln>
-            <a:gradFill>
-              <a:gsLst>
-                <a:gs pos="10000">
-                  <a:schemeClr val="accent1">
-                    <a:tint val="63000"/>
-                    <a:sat val="105000"/>
-                  </a:schemeClr>
-                </a:gs>
-                <a:gs pos="90000">
-                  <a:schemeClr val="accent1">
-                    <a:shade val="50000"/>
-                    <a:satMod val="100000"/>
-                  </a:schemeClr>
-                </a:gs>
-              </a:gsLst>
-              <a:lin ang="5400000"/>
-            </a:gradFill>
+            <a:solidFill>
+              <a:schemeClr val="accent5">
+                <a:lumMod val="20000"/>
+                <a:lumOff val="80000"/>
+              </a:schemeClr>
+            </a:solidFill>
             <a:effectLst>
               <a:outerShdw blurRad="55000" dist="50800" dir="5400000" algn="tl">
                 <a:srgbClr val="000000">
@@ -1171,31 +1210,15 @@
           <a:r>
             <a:rPr lang="en-US" sz="1600" b="1" cap="none" spc="0" smtClean="0">
               <a:ln w="17780" cmpd="sng">
-                <a:solidFill>
-                  <a:schemeClr val="accent1">
-                    <a:tint val="3000"/>
-                  </a:schemeClr>
-                </a:solidFill>
                 <a:prstDash val="solid"/>
                 <a:miter lim="800000"/>
               </a:ln>
-              <a:gradFill>
-                <a:gsLst>
-                  <a:gs pos="10000">
-                    <a:schemeClr val="accent1">
-                      <a:tint val="63000"/>
-                      <a:sat val="105000"/>
-                    </a:schemeClr>
-                  </a:gs>
-                  <a:gs pos="90000">
-                    <a:schemeClr val="accent1">
-                      <a:shade val="50000"/>
-                      <a:satMod val="100000"/>
-                    </a:schemeClr>
-                  </a:gs>
-                </a:gsLst>
-                <a:lin ang="5400000"/>
-              </a:gradFill>
+              <a:solidFill>
+                <a:schemeClr val="accent5">
+                  <a:lumMod val="20000"/>
+                  <a:lumOff val="80000"/>
+                </a:schemeClr>
+              </a:solidFill>
               <a:effectLst>
                 <a:outerShdw blurRad="55000" dist="50800" dir="5400000" algn="tl">
                   <a:srgbClr val="000000">
@@ -1211,31 +1234,15 @@
           </a:r>
           <a:endParaRPr lang="en-US" sz="1600" b="1" cap="none" spc="0">
             <a:ln w="17780" cmpd="sng">
-              <a:solidFill>
-                <a:schemeClr val="accent1">
-                  <a:tint val="3000"/>
-                </a:schemeClr>
-              </a:solidFill>
               <a:prstDash val="solid"/>
               <a:miter lim="800000"/>
             </a:ln>
-            <a:gradFill>
-              <a:gsLst>
-                <a:gs pos="10000">
-                  <a:schemeClr val="accent1">
-                    <a:tint val="63000"/>
-                    <a:sat val="105000"/>
-                  </a:schemeClr>
-                </a:gs>
-                <a:gs pos="90000">
-                  <a:schemeClr val="accent1">
-                    <a:shade val="50000"/>
-                    <a:satMod val="100000"/>
-                  </a:schemeClr>
-                </a:gs>
-              </a:gsLst>
-              <a:lin ang="5400000"/>
-            </a:gradFill>
+            <a:solidFill>
+              <a:schemeClr val="accent5">
+                <a:lumMod val="20000"/>
+                <a:lumOff val="80000"/>
+              </a:schemeClr>
+            </a:solidFill>
             <a:effectLst>
               <a:outerShdw blurRad="55000" dist="50800" dir="5400000" algn="tl">
                 <a:srgbClr val="000000">
@@ -1280,23 +1287,12 @@
               <a:prstDash val="solid"/>
               <a:miter lim="800000"/>
             </a:ln>
-            <a:gradFill>
-              <a:gsLst>
-                <a:gs pos="10000">
-                  <a:schemeClr val="accent1">
-                    <a:tint val="63000"/>
-                    <a:sat val="105000"/>
-                  </a:schemeClr>
-                </a:gs>
-                <a:gs pos="90000">
-                  <a:schemeClr val="accent1">
-                    <a:shade val="50000"/>
-                    <a:satMod val="100000"/>
-                  </a:schemeClr>
-                </a:gs>
-              </a:gsLst>
-              <a:lin ang="5400000"/>
-            </a:gradFill>
+            <a:solidFill>
+              <a:schemeClr val="accent5">
+                <a:lumMod val="20000"/>
+                <a:lumOff val="80000"/>
+              </a:schemeClr>
+            </a:solidFill>
             <a:effectLst>
               <a:outerShdw blurRad="55000" dist="50800" dir="5400000" algn="tl">
                 <a:srgbClr val="000000">
@@ -1338,23 +1334,12 @@
               <a:prstDash val="solid"/>
               <a:miter lim="800000"/>
             </a:ln>
-            <a:gradFill>
-              <a:gsLst>
-                <a:gs pos="10000">
-                  <a:schemeClr val="accent1">
-                    <a:tint val="63000"/>
-                    <a:sat val="105000"/>
-                  </a:schemeClr>
-                </a:gs>
-                <a:gs pos="90000">
-                  <a:schemeClr val="accent1">
-                    <a:shade val="50000"/>
-                    <a:satMod val="100000"/>
-                  </a:schemeClr>
-                </a:gs>
-              </a:gsLst>
-              <a:lin ang="5400000"/>
-            </a:gradFill>
+            <a:solidFill>
+              <a:schemeClr val="accent5">
+                <a:lumMod val="20000"/>
+                <a:lumOff val="80000"/>
+              </a:schemeClr>
+            </a:solidFill>
             <a:effectLst>
               <a:outerShdw blurRad="55000" dist="50800" dir="5400000" algn="tl">
                 <a:srgbClr val="000000">
@@ -1389,31 +1374,15 @@
           <a:r>
             <a:rPr lang="en-US" sz="1600" b="1" cap="none" spc="0" smtClean="0">
               <a:ln w="17780" cmpd="sng">
-                <a:solidFill>
-                  <a:schemeClr val="accent1">
-                    <a:tint val="3000"/>
-                  </a:schemeClr>
-                </a:solidFill>
                 <a:prstDash val="solid"/>
                 <a:miter lim="800000"/>
               </a:ln>
-              <a:gradFill>
-                <a:gsLst>
-                  <a:gs pos="10000">
-                    <a:schemeClr val="accent1">
-                      <a:tint val="63000"/>
-                      <a:sat val="105000"/>
-                    </a:schemeClr>
-                  </a:gs>
-                  <a:gs pos="90000">
-                    <a:schemeClr val="accent1">
-                      <a:shade val="50000"/>
-                      <a:satMod val="100000"/>
-                    </a:schemeClr>
-                  </a:gs>
-                </a:gsLst>
-                <a:lin ang="5400000"/>
-              </a:gradFill>
+              <a:solidFill>
+                <a:schemeClr val="accent5">
+                  <a:lumMod val="20000"/>
+                  <a:lumOff val="80000"/>
+                </a:schemeClr>
+              </a:solidFill>
               <a:effectLst>
                 <a:outerShdw blurRad="55000" dist="50800" dir="5400000" algn="tl">
                   <a:srgbClr val="000000">
@@ -1429,31 +1398,15 @@
           </a:r>
           <a:endParaRPr lang="en-US" sz="1600" b="1" cap="none" spc="0">
             <a:ln w="17780" cmpd="sng">
-              <a:solidFill>
-                <a:schemeClr val="accent1">
-                  <a:tint val="3000"/>
-                </a:schemeClr>
-              </a:solidFill>
               <a:prstDash val="solid"/>
               <a:miter lim="800000"/>
             </a:ln>
-            <a:gradFill>
-              <a:gsLst>
-                <a:gs pos="10000">
-                  <a:schemeClr val="accent1">
-                    <a:tint val="63000"/>
-                    <a:sat val="105000"/>
-                  </a:schemeClr>
-                </a:gs>
-                <a:gs pos="90000">
-                  <a:schemeClr val="accent1">
-                    <a:shade val="50000"/>
-                    <a:satMod val="100000"/>
-                  </a:schemeClr>
-                </a:gs>
-              </a:gsLst>
-              <a:lin ang="5400000"/>
-            </a:gradFill>
+            <a:solidFill>
+              <a:schemeClr val="accent5">
+                <a:lumMod val="20000"/>
+                <a:lumOff val="80000"/>
+              </a:schemeClr>
+            </a:solidFill>
             <a:effectLst>
               <a:outerShdw blurRad="55000" dist="50800" dir="5400000" algn="tl">
                 <a:srgbClr val="000000">
@@ -1498,23 +1451,12 @@
               <a:prstDash val="solid"/>
               <a:miter lim="800000"/>
             </a:ln>
-            <a:gradFill>
-              <a:gsLst>
-                <a:gs pos="10000">
-                  <a:schemeClr val="accent1">
-                    <a:tint val="63000"/>
-                    <a:sat val="105000"/>
-                  </a:schemeClr>
-                </a:gs>
-                <a:gs pos="90000">
-                  <a:schemeClr val="accent1">
-                    <a:shade val="50000"/>
-                    <a:satMod val="100000"/>
-                  </a:schemeClr>
-                </a:gs>
-              </a:gsLst>
-              <a:lin ang="5400000"/>
-            </a:gradFill>
+            <a:solidFill>
+              <a:schemeClr val="accent5">
+                <a:lumMod val="20000"/>
+                <a:lumOff val="80000"/>
+              </a:schemeClr>
+            </a:solidFill>
             <a:effectLst>
               <a:outerShdw blurRad="55000" dist="50800" dir="5400000" algn="tl">
                 <a:srgbClr val="000000">
@@ -1556,23 +1498,12 @@
               <a:prstDash val="solid"/>
               <a:miter lim="800000"/>
             </a:ln>
-            <a:gradFill>
-              <a:gsLst>
-                <a:gs pos="10000">
-                  <a:schemeClr val="accent1">
-                    <a:tint val="63000"/>
-                    <a:sat val="105000"/>
-                  </a:schemeClr>
-                </a:gs>
-                <a:gs pos="90000">
-                  <a:schemeClr val="accent1">
-                    <a:shade val="50000"/>
-                    <a:satMod val="100000"/>
-                  </a:schemeClr>
-                </a:gs>
-              </a:gsLst>
-              <a:lin ang="5400000"/>
-            </a:gradFill>
+            <a:solidFill>
+              <a:schemeClr val="accent5">
+                <a:lumMod val="20000"/>
+                <a:lumOff val="80000"/>
+              </a:schemeClr>
+            </a:solidFill>
             <a:effectLst>
               <a:outerShdw blurRad="55000" dist="50800" dir="5400000" algn="tl">
                 <a:srgbClr val="000000">
@@ -1607,31 +1538,15 @@
           <a:r>
             <a:rPr lang="en-US" sz="1600" b="1" cap="none" spc="0" smtClean="0">
               <a:ln w="17780" cmpd="sng">
-                <a:solidFill>
-                  <a:schemeClr val="accent1">
-                    <a:tint val="3000"/>
-                  </a:schemeClr>
-                </a:solidFill>
                 <a:prstDash val="solid"/>
                 <a:miter lim="800000"/>
               </a:ln>
-              <a:gradFill>
-                <a:gsLst>
-                  <a:gs pos="10000">
-                    <a:schemeClr val="accent1">
-                      <a:tint val="63000"/>
-                      <a:sat val="105000"/>
-                    </a:schemeClr>
-                  </a:gs>
-                  <a:gs pos="90000">
-                    <a:schemeClr val="accent1">
-                      <a:shade val="50000"/>
-                      <a:satMod val="100000"/>
-                    </a:schemeClr>
-                  </a:gs>
-                </a:gsLst>
-                <a:lin ang="5400000"/>
-              </a:gradFill>
+              <a:solidFill>
+                <a:schemeClr val="accent5">
+                  <a:lumMod val="20000"/>
+                  <a:lumOff val="80000"/>
+                </a:schemeClr>
+              </a:solidFill>
               <a:effectLst>
                 <a:outerShdw blurRad="55000" dist="50800" dir="5400000" algn="tl">
                   <a:srgbClr val="000000">
@@ -1647,31 +1562,15 @@
           </a:r>
           <a:endParaRPr lang="en-US" sz="1600" b="1" cap="none" spc="0">
             <a:ln w="17780" cmpd="sng">
-              <a:solidFill>
-                <a:schemeClr val="accent1">
-                  <a:tint val="3000"/>
-                </a:schemeClr>
-              </a:solidFill>
               <a:prstDash val="solid"/>
               <a:miter lim="800000"/>
             </a:ln>
-            <a:gradFill>
-              <a:gsLst>
-                <a:gs pos="10000">
-                  <a:schemeClr val="accent1">
-                    <a:tint val="63000"/>
-                    <a:sat val="105000"/>
-                  </a:schemeClr>
-                </a:gs>
-                <a:gs pos="90000">
-                  <a:schemeClr val="accent1">
-                    <a:shade val="50000"/>
-                    <a:satMod val="100000"/>
-                  </a:schemeClr>
-                </a:gs>
-              </a:gsLst>
-              <a:lin ang="5400000"/>
-            </a:gradFill>
+            <a:solidFill>
+              <a:schemeClr val="accent5">
+                <a:lumMod val="20000"/>
+                <a:lumOff val="80000"/>
+              </a:schemeClr>
+            </a:solidFill>
             <a:effectLst>
               <a:outerShdw blurRad="55000" dist="50800" dir="5400000" algn="tl">
                 <a:srgbClr val="000000">
@@ -1716,23 +1615,12 @@
               <a:prstDash val="solid"/>
               <a:miter lim="800000"/>
             </a:ln>
-            <a:gradFill>
-              <a:gsLst>
-                <a:gs pos="10000">
-                  <a:schemeClr val="accent1">
-                    <a:tint val="63000"/>
-                    <a:sat val="105000"/>
-                  </a:schemeClr>
-                </a:gs>
-                <a:gs pos="90000">
-                  <a:schemeClr val="accent1">
-                    <a:shade val="50000"/>
-                    <a:satMod val="100000"/>
-                  </a:schemeClr>
-                </a:gs>
-              </a:gsLst>
-              <a:lin ang="5400000"/>
-            </a:gradFill>
+            <a:solidFill>
+              <a:schemeClr val="accent5">
+                <a:lumMod val="20000"/>
+                <a:lumOff val="80000"/>
+              </a:schemeClr>
+            </a:solidFill>
             <a:effectLst>
               <a:outerShdw blurRad="55000" dist="50800" dir="5400000" algn="tl">
                 <a:srgbClr val="000000">
@@ -1774,23 +1662,12 @@
               <a:prstDash val="solid"/>
               <a:miter lim="800000"/>
             </a:ln>
-            <a:gradFill>
-              <a:gsLst>
-                <a:gs pos="10000">
-                  <a:schemeClr val="accent1">
-                    <a:tint val="63000"/>
-                    <a:sat val="105000"/>
-                  </a:schemeClr>
-                </a:gs>
-                <a:gs pos="90000">
-                  <a:schemeClr val="accent1">
-                    <a:shade val="50000"/>
-                    <a:satMod val="100000"/>
-                  </a:schemeClr>
-                </a:gs>
-              </a:gsLst>
-              <a:lin ang="5400000"/>
-            </a:gradFill>
+            <a:solidFill>
+              <a:schemeClr val="accent5">
+                <a:lumMod val="20000"/>
+                <a:lumOff val="80000"/>
+              </a:schemeClr>
+            </a:solidFill>
             <a:effectLst>
               <a:outerShdw blurRad="55000" dist="50800" dir="5400000" algn="tl">
                 <a:srgbClr val="000000">
@@ -1825,31 +1702,15 @@
           <a:r>
             <a:rPr lang="en-US" sz="1600" b="1" cap="none" spc="0" smtClean="0">
               <a:ln w="17780" cmpd="sng">
-                <a:solidFill>
-                  <a:schemeClr val="accent1">
-                    <a:tint val="3000"/>
-                  </a:schemeClr>
-                </a:solidFill>
                 <a:prstDash val="solid"/>
                 <a:miter lim="800000"/>
               </a:ln>
-              <a:gradFill>
-                <a:gsLst>
-                  <a:gs pos="10000">
-                    <a:schemeClr val="accent1">
-                      <a:tint val="63000"/>
-                      <a:sat val="105000"/>
-                    </a:schemeClr>
-                  </a:gs>
-                  <a:gs pos="90000">
-                    <a:schemeClr val="accent1">
-                      <a:shade val="50000"/>
-                      <a:satMod val="100000"/>
-                    </a:schemeClr>
-                  </a:gs>
-                </a:gsLst>
-                <a:lin ang="5400000"/>
-              </a:gradFill>
+              <a:solidFill>
+                <a:schemeClr val="accent5">
+                  <a:lumMod val="20000"/>
+                  <a:lumOff val="80000"/>
+                </a:schemeClr>
+              </a:solidFill>
               <a:effectLst>
                 <a:outerShdw blurRad="55000" dist="50800" dir="5400000" algn="tl">
                   <a:srgbClr val="000000">
@@ -1865,31 +1726,15 @@
           </a:r>
           <a:endParaRPr lang="en-US" sz="1600" b="1" cap="none" spc="0">
             <a:ln w="17780" cmpd="sng">
-              <a:solidFill>
-                <a:schemeClr val="accent1">
-                  <a:tint val="3000"/>
-                </a:schemeClr>
-              </a:solidFill>
               <a:prstDash val="solid"/>
               <a:miter lim="800000"/>
             </a:ln>
-            <a:gradFill>
-              <a:gsLst>
-                <a:gs pos="10000">
-                  <a:schemeClr val="accent1">
-                    <a:tint val="63000"/>
-                    <a:sat val="105000"/>
-                  </a:schemeClr>
-                </a:gs>
-                <a:gs pos="90000">
-                  <a:schemeClr val="accent1">
-                    <a:shade val="50000"/>
-                    <a:satMod val="100000"/>
-                  </a:schemeClr>
-                </a:gs>
-              </a:gsLst>
-              <a:lin ang="5400000"/>
-            </a:gradFill>
+            <a:solidFill>
+              <a:schemeClr val="accent5">
+                <a:lumMod val="20000"/>
+                <a:lumOff val="80000"/>
+              </a:schemeClr>
+            </a:solidFill>
             <a:effectLst>
               <a:outerShdw blurRad="55000" dist="50800" dir="5400000" algn="tl">
                 <a:srgbClr val="000000">
@@ -1934,23 +1779,12 @@
               <a:prstDash val="solid"/>
               <a:miter lim="800000"/>
             </a:ln>
-            <a:gradFill>
-              <a:gsLst>
-                <a:gs pos="10000">
-                  <a:schemeClr val="accent1">
-                    <a:tint val="63000"/>
-                    <a:sat val="105000"/>
-                  </a:schemeClr>
-                </a:gs>
-                <a:gs pos="90000">
-                  <a:schemeClr val="accent1">
-                    <a:shade val="50000"/>
-                    <a:satMod val="100000"/>
-                  </a:schemeClr>
-                </a:gs>
-              </a:gsLst>
-              <a:lin ang="5400000"/>
-            </a:gradFill>
+            <a:solidFill>
+              <a:schemeClr val="accent5">
+                <a:lumMod val="20000"/>
+                <a:lumOff val="80000"/>
+              </a:schemeClr>
+            </a:solidFill>
             <a:effectLst>
               <a:outerShdw blurRad="55000" dist="50800" dir="5400000" algn="tl">
                 <a:srgbClr val="000000">
@@ -1992,23 +1826,12 @@
               <a:prstDash val="solid"/>
               <a:miter lim="800000"/>
             </a:ln>
-            <a:gradFill>
-              <a:gsLst>
-                <a:gs pos="10000">
-                  <a:schemeClr val="accent1">
-                    <a:tint val="63000"/>
-                    <a:sat val="105000"/>
-                  </a:schemeClr>
-                </a:gs>
-                <a:gs pos="90000">
-                  <a:schemeClr val="accent1">
-                    <a:shade val="50000"/>
-                    <a:satMod val="100000"/>
-                  </a:schemeClr>
-                </a:gs>
-              </a:gsLst>
-              <a:lin ang="5400000"/>
-            </a:gradFill>
+            <a:solidFill>
+              <a:schemeClr val="accent5">
+                <a:lumMod val="20000"/>
+                <a:lumOff val="80000"/>
+              </a:schemeClr>
+            </a:solidFill>
             <a:effectLst>
               <a:outerShdw blurRad="55000" dist="50800" dir="5400000" algn="tl">
                 <a:srgbClr val="000000">
@@ -2043,31 +1866,15 @@
           <a:r>
             <a:rPr lang="en-US" sz="1600" b="1" cap="none" spc="0" smtClean="0">
               <a:ln w="17780" cmpd="sng">
-                <a:solidFill>
-                  <a:schemeClr val="accent1">
-                    <a:tint val="3000"/>
-                  </a:schemeClr>
-                </a:solidFill>
                 <a:prstDash val="solid"/>
                 <a:miter lim="800000"/>
               </a:ln>
-              <a:gradFill>
-                <a:gsLst>
-                  <a:gs pos="10000">
-                    <a:schemeClr val="accent1">
-                      <a:tint val="63000"/>
-                      <a:sat val="105000"/>
-                    </a:schemeClr>
-                  </a:gs>
-                  <a:gs pos="90000">
-                    <a:schemeClr val="accent1">
-                      <a:shade val="50000"/>
-                      <a:satMod val="100000"/>
-                    </a:schemeClr>
-                  </a:gs>
-                </a:gsLst>
-                <a:lin ang="5400000"/>
-              </a:gradFill>
+              <a:solidFill>
+                <a:schemeClr val="accent5">
+                  <a:lumMod val="20000"/>
+                  <a:lumOff val="80000"/>
+                </a:schemeClr>
+              </a:solidFill>
               <a:effectLst>
                 <a:outerShdw blurRad="55000" dist="50800" dir="5400000" algn="tl">
                   <a:srgbClr val="000000">
@@ -2083,31 +1890,15 @@
           </a:r>
           <a:endParaRPr lang="en-US" sz="1600" b="1" cap="none" spc="0">
             <a:ln w="17780" cmpd="sng">
-              <a:solidFill>
-                <a:schemeClr val="accent1">
-                  <a:tint val="3000"/>
-                </a:schemeClr>
-              </a:solidFill>
               <a:prstDash val="solid"/>
               <a:miter lim="800000"/>
             </a:ln>
-            <a:gradFill>
-              <a:gsLst>
-                <a:gs pos="10000">
-                  <a:schemeClr val="accent1">
-                    <a:tint val="63000"/>
-                    <a:sat val="105000"/>
-                  </a:schemeClr>
-                </a:gs>
-                <a:gs pos="90000">
-                  <a:schemeClr val="accent1">
-                    <a:shade val="50000"/>
-                    <a:satMod val="100000"/>
-                  </a:schemeClr>
-                </a:gs>
-              </a:gsLst>
-              <a:lin ang="5400000"/>
-            </a:gradFill>
+            <a:solidFill>
+              <a:schemeClr val="accent5">
+                <a:lumMod val="20000"/>
+                <a:lumOff val="80000"/>
+              </a:schemeClr>
+            </a:solidFill>
             <a:effectLst>
               <a:outerShdw blurRad="55000" dist="50800" dir="5400000" algn="tl">
                 <a:srgbClr val="000000">
@@ -2129,7 +1920,14 @@
         <a:bodyPr/>
         <a:lstStyle/>
         <a:p>
-          <a:endParaRPr lang="en-US"/>
+          <a:endParaRPr lang="en-US">
+            <a:solidFill>
+              <a:schemeClr val="accent5">
+                <a:lumMod val="20000"/>
+                <a:lumOff val="80000"/>
+              </a:schemeClr>
+            </a:solidFill>
+          </a:endParaRPr>
         </a:p>
       </dgm:t>
     </dgm:pt>
@@ -2140,7 +1938,14 @@
         <a:bodyPr/>
         <a:lstStyle/>
         <a:p>
-          <a:endParaRPr lang="en-US"/>
+          <a:endParaRPr lang="en-US">
+            <a:solidFill>
+              <a:schemeClr val="accent5">
+                <a:lumMod val="20000"/>
+                <a:lumOff val="80000"/>
+              </a:schemeClr>
+            </a:solidFill>
+          </a:endParaRPr>
         </a:p>
       </dgm:t>
     </dgm:pt>
@@ -2167,31 +1972,15 @@
           <a:r>
             <a:rPr lang="en-US" sz="1600" b="1" cap="none" spc="0" smtClean="0">
               <a:ln w="17780" cmpd="sng">
-                <a:solidFill>
-                  <a:schemeClr val="accent1">
-                    <a:tint val="3000"/>
-                  </a:schemeClr>
-                </a:solidFill>
                 <a:prstDash val="solid"/>
                 <a:miter lim="800000"/>
               </a:ln>
-              <a:gradFill>
-                <a:gsLst>
-                  <a:gs pos="10000">
-                    <a:schemeClr val="accent1">
-                      <a:tint val="63000"/>
-                      <a:sat val="105000"/>
-                    </a:schemeClr>
-                  </a:gs>
-                  <a:gs pos="90000">
-                    <a:schemeClr val="accent1">
-                      <a:shade val="50000"/>
-                      <a:satMod val="100000"/>
-                    </a:schemeClr>
-                  </a:gs>
-                </a:gsLst>
-                <a:lin ang="5400000"/>
-              </a:gradFill>
+              <a:solidFill>
+                <a:schemeClr val="accent5">
+                  <a:lumMod val="20000"/>
+                  <a:lumOff val="80000"/>
+                </a:schemeClr>
+              </a:solidFill>
               <a:effectLst>
                 <a:outerShdw blurRad="55000" dist="50800" dir="5400000" algn="tl">
                   <a:srgbClr val="000000">
@@ -2207,31 +1996,15 @@
           </a:r>
           <a:endParaRPr lang="en-US" sz="1600" b="1" cap="none" spc="0">
             <a:ln w="17780" cmpd="sng">
-              <a:solidFill>
-                <a:schemeClr val="accent1">
-                  <a:tint val="3000"/>
-                </a:schemeClr>
-              </a:solidFill>
               <a:prstDash val="solid"/>
               <a:miter lim="800000"/>
             </a:ln>
-            <a:gradFill>
-              <a:gsLst>
-                <a:gs pos="10000">
-                  <a:schemeClr val="accent1">
-                    <a:tint val="63000"/>
-                    <a:sat val="105000"/>
-                  </a:schemeClr>
-                </a:gs>
-                <a:gs pos="90000">
-                  <a:schemeClr val="accent1">
-                    <a:shade val="50000"/>
-                    <a:satMod val="100000"/>
-                  </a:schemeClr>
-                </a:gs>
-              </a:gsLst>
-              <a:lin ang="5400000"/>
-            </a:gradFill>
+            <a:solidFill>
+              <a:schemeClr val="accent5">
+                <a:lumMod val="20000"/>
+                <a:lumOff val="80000"/>
+              </a:schemeClr>
+            </a:solidFill>
             <a:effectLst>
               <a:outerShdw blurRad="55000" dist="50800" dir="5400000" algn="tl">
                 <a:srgbClr val="000000">
@@ -2253,7 +2026,14 @@
         <a:bodyPr/>
         <a:lstStyle/>
         <a:p>
-          <a:endParaRPr lang="en-US"/>
+          <a:endParaRPr lang="en-US">
+            <a:solidFill>
+              <a:schemeClr val="accent5">
+                <a:lumMod val="20000"/>
+                <a:lumOff val="80000"/>
+              </a:schemeClr>
+            </a:solidFill>
+          </a:endParaRPr>
         </a:p>
       </dgm:t>
     </dgm:pt>
@@ -2264,7 +2044,14 @@
         <a:bodyPr/>
         <a:lstStyle/>
         <a:p>
-          <a:endParaRPr lang="en-US"/>
+          <a:endParaRPr lang="en-US">
+            <a:solidFill>
+              <a:schemeClr val="accent5">
+                <a:lumMod val="20000"/>
+                <a:lumOff val="80000"/>
+              </a:schemeClr>
+            </a:solidFill>
+          </a:endParaRPr>
         </a:p>
       </dgm:t>
     </dgm:pt>
@@ -2291,31 +2078,15 @@
           <a:r>
             <a:rPr lang="en-US" sz="1600" b="1" cap="none" spc="0" smtClean="0">
               <a:ln w="17780" cmpd="sng">
-                <a:solidFill>
-                  <a:schemeClr val="accent1">
-                    <a:tint val="3000"/>
-                  </a:schemeClr>
-                </a:solidFill>
                 <a:prstDash val="solid"/>
                 <a:miter lim="800000"/>
               </a:ln>
-              <a:gradFill>
-                <a:gsLst>
-                  <a:gs pos="10000">
-                    <a:schemeClr val="accent1">
-                      <a:tint val="63000"/>
-                      <a:sat val="105000"/>
-                    </a:schemeClr>
-                  </a:gs>
-                  <a:gs pos="90000">
-                    <a:schemeClr val="accent1">
-                      <a:shade val="50000"/>
-                      <a:satMod val="100000"/>
-                    </a:schemeClr>
-                  </a:gs>
-                </a:gsLst>
-                <a:lin ang="5400000"/>
-              </a:gradFill>
+              <a:solidFill>
+                <a:schemeClr val="accent5">
+                  <a:lumMod val="20000"/>
+                  <a:lumOff val="80000"/>
+                </a:schemeClr>
+              </a:solidFill>
               <a:effectLst>
                 <a:outerShdw blurRad="55000" dist="50800" dir="5400000" algn="tl">
                   <a:srgbClr val="000000">
@@ -2331,31 +2102,15 @@
           </a:r>
           <a:endParaRPr lang="en-US" sz="1600" b="1" cap="none" spc="0">
             <a:ln w="17780" cmpd="sng">
-              <a:solidFill>
-                <a:schemeClr val="accent1">
-                  <a:tint val="3000"/>
-                </a:schemeClr>
-              </a:solidFill>
               <a:prstDash val="solid"/>
               <a:miter lim="800000"/>
             </a:ln>
-            <a:gradFill>
-              <a:gsLst>
-                <a:gs pos="10000">
-                  <a:schemeClr val="accent1">
-                    <a:tint val="63000"/>
-                    <a:sat val="105000"/>
-                  </a:schemeClr>
-                </a:gs>
-                <a:gs pos="90000">
-                  <a:schemeClr val="accent1">
-                    <a:shade val="50000"/>
-                    <a:satMod val="100000"/>
-                  </a:schemeClr>
-                </a:gs>
-              </a:gsLst>
-              <a:lin ang="5400000"/>
-            </a:gradFill>
+            <a:solidFill>
+              <a:schemeClr val="accent5">
+                <a:lumMod val="20000"/>
+                <a:lumOff val="80000"/>
+              </a:schemeClr>
+            </a:solidFill>
             <a:effectLst>
               <a:outerShdw blurRad="55000" dist="50800" dir="5400000" algn="tl">
                 <a:srgbClr val="000000">
@@ -2377,7 +2132,14 @@
         <a:bodyPr/>
         <a:lstStyle/>
         <a:p>
-          <a:endParaRPr lang="en-US"/>
+          <a:endParaRPr lang="en-US">
+            <a:solidFill>
+              <a:schemeClr val="accent5">
+                <a:lumMod val="20000"/>
+                <a:lumOff val="80000"/>
+              </a:schemeClr>
+            </a:solidFill>
+          </a:endParaRPr>
         </a:p>
       </dgm:t>
     </dgm:pt>
@@ -2388,7 +2150,14 @@
         <a:bodyPr/>
         <a:lstStyle/>
         <a:p>
-          <a:endParaRPr lang="en-US"/>
+          <a:endParaRPr lang="en-US">
+            <a:solidFill>
+              <a:schemeClr val="accent5">
+                <a:lumMod val="20000"/>
+                <a:lumOff val="80000"/>
+              </a:schemeClr>
+            </a:solidFill>
+          </a:endParaRPr>
         </a:p>
       </dgm:t>
     </dgm:pt>
@@ -2412,6 +2181,13 @@
     <dgm:pt modelId="{6163F8D6-8333-4912-B050-60B4CE4F0486}" type="pres">
       <dgm:prSet presAssocID="{FD4ABFBB-B11E-4E6D-ACAD-01A167DB79C4}" presName="boxAndChildren" presStyleCnt="0"/>
       <dgm:spPr/>
+      <dgm:t>
+        <a:bodyPr/>
+        <a:lstStyle/>
+        <a:p>
+          <a:endParaRPr lang="vi-VN"/>
+        </a:p>
+      </dgm:t>
     </dgm:pt>
     <dgm:pt modelId="{A61B2339-8366-4111-8F73-67EF3F113E4A}" type="pres">
       <dgm:prSet presAssocID="{FD4ABFBB-B11E-4E6D-ACAD-01A167DB79C4}" presName="parentTextBox" presStyleLbl="node1" presStyleIdx="0" presStyleCnt="8"/>
@@ -2427,10 +2203,24 @@
     <dgm:pt modelId="{553B009C-ACBA-4D5A-B2EB-FE417302314F}" type="pres">
       <dgm:prSet presAssocID="{10AB3DE6-563F-472F-89C5-7023F5B70BFC}" presName="sp" presStyleCnt="0"/>
       <dgm:spPr/>
+      <dgm:t>
+        <a:bodyPr/>
+        <a:lstStyle/>
+        <a:p>
+          <a:endParaRPr lang="vi-VN"/>
+        </a:p>
+      </dgm:t>
     </dgm:pt>
     <dgm:pt modelId="{3546D0EE-D5D6-4045-9429-53033718D812}" type="pres">
       <dgm:prSet presAssocID="{2139A81A-65CE-443C-B053-0C7D90844589}" presName="arrowAndChildren" presStyleCnt="0"/>
       <dgm:spPr/>
+      <dgm:t>
+        <a:bodyPr/>
+        <a:lstStyle/>
+        <a:p>
+          <a:endParaRPr lang="vi-VN"/>
+        </a:p>
+      </dgm:t>
     </dgm:pt>
     <dgm:pt modelId="{6B53B39A-8B54-49BE-9D9D-CAD2969480A0}" type="pres">
       <dgm:prSet presAssocID="{2139A81A-65CE-443C-B053-0C7D90844589}" presName="parentTextArrow" presStyleLbl="node1" presStyleIdx="1" presStyleCnt="8"/>
@@ -2446,10 +2236,24 @@
     <dgm:pt modelId="{0AD8CAF8-4405-406A-A082-B7070964A122}" type="pres">
       <dgm:prSet presAssocID="{CD9D0FF1-BA3D-42F9-8462-20BFEDD195BF}" presName="sp" presStyleCnt="0"/>
       <dgm:spPr/>
+      <dgm:t>
+        <a:bodyPr/>
+        <a:lstStyle/>
+        <a:p>
+          <a:endParaRPr lang="vi-VN"/>
+        </a:p>
+      </dgm:t>
     </dgm:pt>
     <dgm:pt modelId="{0477FAB4-A7CF-41C1-9133-7FBE6D52DF3A}" type="pres">
       <dgm:prSet presAssocID="{910E38C0-92F0-4AC3-856E-8BE9318DAD23}" presName="arrowAndChildren" presStyleCnt="0"/>
       <dgm:spPr/>
+      <dgm:t>
+        <a:bodyPr/>
+        <a:lstStyle/>
+        <a:p>
+          <a:endParaRPr lang="vi-VN"/>
+        </a:p>
+      </dgm:t>
     </dgm:pt>
     <dgm:pt modelId="{AE3A404D-D0C1-450D-BDB3-6FCA1E0EFD6F}" type="pres">
       <dgm:prSet presAssocID="{910E38C0-92F0-4AC3-856E-8BE9318DAD23}" presName="parentTextArrow" presStyleLbl="node1" presStyleIdx="2" presStyleCnt="8"/>
@@ -2465,10 +2269,24 @@
     <dgm:pt modelId="{6418FFFC-4A61-4336-BD1C-3E609F50CF83}" type="pres">
       <dgm:prSet presAssocID="{5F2851CC-C5DE-4954-B7EC-68985A9EEBEA}" presName="sp" presStyleCnt="0"/>
       <dgm:spPr/>
+      <dgm:t>
+        <a:bodyPr/>
+        <a:lstStyle/>
+        <a:p>
+          <a:endParaRPr lang="vi-VN"/>
+        </a:p>
+      </dgm:t>
     </dgm:pt>
     <dgm:pt modelId="{B8564EDA-54EC-469F-B284-0F4EC845E3D7}" type="pres">
       <dgm:prSet presAssocID="{D851DEF2-A205-4728-BAFE-DAA917AAEA71}" presName="arrowAndChildren" presStyleCnt="0"/>
       <dgm:spPr/>
+      <dgm:t>
+        <a:bodyPr/>
+        <a:lstStyle/>
+        <a:p>
+          <a:endParaRPr lang="vi-VN"/>
+        </a:p>
+      </dgm:t>
     </dgm:pt>
     <dgm:pt modelId="{1C9A3B25-0DFC-4C02-BE56-CE508DCA8953}" type="pres">
       <dgm:prSet presAssocID="{D851DEF2-A205-4728-BAFE-DAA917AAEA71}" presName="parentTextArrow" presStyleLbl="node1" presStyleIdx="3" presStyleCnt="8"/>
@@ -2484,10 +2302,24 @@
     <dgm:pt modelId="{CFFF00B8-11D0-4B7F-901B-F882183D8D2B}" type="pres">
       <dgm:prSet presAssocID="{83633C24-FBB9-498B-868D-FCFBB5700535}" presName="sp" presStyleCnt="0"/>
       <dgm:spPr/>
+      <dgm:t>
+        <a:bodyPr/>
+        <a:lstStyle/>
+        <a:p>
+          <a:endParaRPr lang="vi-VN"/>
+        </a:p>
+      </dgm:t>
     </dgm:pt>
     <dgm:pt modelId="{E79FB78F-18A9-4EDA-874E-41CC124D337C}" type="pres">
       <dgm:prSet presAssocID="{6CC80194-E7D1-4367-99DF-6633093B9BA8}" presName="arrowAndChildren" presStyleCnt="0"/>
       <dgm:spPr/>
+      <dgm:t>
+        <a:bodyPr/>
+        <a:lstStyle/>
+        <a:p>
+          <a:endParaRPr lang="vi-VN"/>
+        </a:p>
+      </dgm:t>
     </dgm:pt>
     <dgm:pt modelId="{A90049AA-CBD6-4AEF-9EBA-5C7B5F86C71F}" type="pres">
       <dgm:prSet presAssocID="{6CC80194-E7D1-4367-99DF-6633093B9BA8}" presName="parentTextArrow" presStyleLbl="node1" presStyleIdx="4" presStyleCnt="8"/>
@@ -2503,10 +2335,24 @@
     <dgm:pt modelId="{CD0A88A9-D499-437C-9B29-8E866E803EBC}" type="pres">
       <dgm:prSet presAssocID="{9BB42828-E00C-4FC3-BFF7-B6432BC9881B}" presName="sp" presStyleCnt="0"/>
       <dgm:spPr/>
+      <dgm:t>
+        <a:bodyPr/>
+        <a:lstStyle/>
+        <a:p>
+          <a:endParaRPr lang="vi-VN"/>
+        </a:p>
+      </dgm:t>
     </dgm:pt>
     <dgm:pt modelId="{E8BC6539-1E3E-4F81-9C30-50D3EE42E113}" type="pres">
       <dgm:prSet presAssocID="{D28633D4-708C-44AF-9674-55E8F112E606}" presName="arrowAndChildren" presStyleCnt="0"/>
       <dgm:spPr/>
+      <dgm:t>
+        <a:bodyPr/>
+        <a:lstStyle/>
+        <a:p>
+          <a:endParaRPr lang="vi-VN"/>
+        </a:p>
+      </dgm:t>
     </dgm:pt>
     <dgm:pt modelId="{3AC56C42-DFCB-4D8D-BA1D-03C9949DD54E}" type="pres">
       <dgm:prSet presAssocID="{D28633D4-708C-44AF-9674-55E8F112E606}" presName="parentTextArrow" presStyleLbl="node1" presStyleIdx="5" presStyleCnt="8"/>
@@ -2522,10 +2368,24 @@
     <dgm:pt modelId="{4B2AAFC8-041E-494C-89F6-E7AE11C76BD4}" type="pres">
       <dgm:prSet presAssocID="{F694FD01-4100-419C-BFC5-DA4CF67B460E}" presName="sp" presStyleCnt="0"/>
       <dgm:spPr/>
+      <dgm:t>
+        <a:bodyPr/>
+        <a:lstStyle/>
+        <a:p>
+          <a:endParaRPr lang="vi-VN"/>
+        </a:p>
+      </dgm:t>
     </dgm:pt>
     <dgm:pt modelId="{23623D10-235D-41C3-AB5C-3D77882200EE}" type="pres">
       <dgm:prSet presAssocID="{D18A456B-D536-4B9C-8BE1-536E137D21B4}" presName="arrowAndChildren" presStyleCnt="0"/>
       <dgm:spPr/>
+      <dgm:t>
+        <a:bodyPr/>
+        <a:lstStyle/>
+        <a:p>
+          <a:endParaRPr lang="vi-VN"/>
+        </a:p>
+      </dgm:t>
     </dgm:pt>
     <dgm:pt modelId="{56E09A99-A56C-4723-832F-E8CEEE729B73}" type="pres">
       <dgm:prSet presAssocID="{D18A456B-D536-4B9C-8BE1-536E137D21B4}" presName="parentTextArrow" presStyleLbl="node1" presStyleIdx="6" presStyleCnt="8"/>
@@ -2541,10 +2401,24 @@
     <dgm:pt modelId="{22675F40-8F65-4C32-9712-AB78C54FB738}" type="pres">
       <dgm:prSet presAssocID="{B83A4629-D988-491B-8084-FEA8AD6C13D7}" presName="sp" presStyleCnt="0"/>
       <dgm:spPr/>
+      <dgm:t>
+        <a:bodyPr/>
+        <a:lstStyle/>
+        <a:p>
+          <a:endParaRPr lang="vi-VN"/>
+        </a:p>
+      </dgm:t>
     </dgm:pt>
     <dgm:pt modelId="{7B1F42B7-2992-4296-AB40-989030AE669E}" type="pres">
       <dgm:prSet presAssocID="{845F252D-438F-4082-9AD4-B767CF145353}" presName="arrowAndChildren" presStyleCnt="0"/>
       <dgm:spPr/>
+      <dgm:t>
+        <a:bodyPr/>
+        <a:lstStyle/>
+        <a:p>
+          <a:endParaRPr lang="vi-VN"/>
+        </a:p>
+      </dgm:t>
     </dgm:pt>
     <dgm:pt modelId="{FA5DED89-4573-4A62-99C6-B233D4E4BEF8}" type="pres">
       <dgm:prSet presAssocID="{845F252D-438F-4082-9AD4-B767CF145353}" presName="parentTextArrow" presStyleLbl="node1" presStyleIdx="7" presStyleCnt="8"/>
@@ -2618,6 +2492,1342 @@
       <dsp:cNvGrpSpPr/>
     </dsp:nvGrpSpPr>
     <dsp:grpSpPr/>
+    <dsp:sp modelId="{A61B2339-8366-4111-8F73-67EF3F113E4A}">
+      <dsp:nvSpPr>
+        <dsp:cNvPr id="0" name=""/>
+        <dsp:cNvSpPr/>
+      </dsp:nvSpPr>
+      <dsp:spPr>
+        <a:xfrm>
+          <a:off x="0" y="5223177"/>
+          <a:ext cx="5943600" cy="489737"/>
+        </a:xfrm>
+        <a:prstGeom prst="rect">
+          <a:avLst/>
+        </a:prstGeom>
+        <a:gradFill rotWithShape="0">
+          <a:gsLst>
+            <a:gs pos="0">
+              <a:schemeClr val="accent1">
+                <a:shade val="80000"/>
+                <a:hueOff val="0"/>
+                <a:satOff val="0"/>
+                <a:lumOff val="0"/>
+                <a:alphaOff val="0"/>
+                <a:shade val="51000"/>
+                <a:satMod val="130000"/>
+              </a:schemeClr>
+            </a:gs>
+            <a:gs pos="80000">
+              <a:schemeClr val="accent1">
+                <a:shade val="80000"/>
+                <a:hueOff val="0"/>
+                <a:satOff val="0"/>
+                <a:lumOff val="0"/>
+                <a:alphaOff val="0"/>
+                <a:shade val="93000"/>
+                <a:satMod val="130000"/>
+              </a:schemeClr>
+            </a:gs>
+            <a:gs pos="100000">
+              <a:schemeClr val="accent1">
+                <a:shade val="80000"/>
+                <a:hueOff val="0"/>
+                <a:satOff val="0"/>
+                <a:lumOff val="0"/>
+                <a:alphaOff val="0"/>
+                <a:shade val="94000"/>
+                <a:satMod val="135000"/>
+              </a:schemeClr>
+            </a:gs>
+          </a:gsLst>
+          <a:lin ang="16200000" scaled="0"/>
+        </a:gradFill>
+        <a:ln>
+          <a:noFill/>
+        </a:ln>
+        <a:effectLst>
+          <a:outerShdw blurRad="40000" dist="23000" dir="5400000" rotWithShape="0">
+            <a:srgbClr val="000000">
+              <a:alpha val="35000"/>
+            </a:srgbClr>
+          </a:outerShdw>
+        </a:effectLst>
+        <a:scene3d>
+          <a:camera prst="orthographicFront"/>
+          <a:lightRig rig="flat" dir="t"/>
+        </a:scene3d>
+        <a:sp3d prstMaterial="plastic">
+          <a:bevelT w="120900" h="88900"/>
+          <a:bevelB w="88900" h="31750" prst="angle"/>
+        </a:sp3d>
+      </dsp:spPr>
+      <dsp:style>
+        <a:lnRef idx="0">
+          <a:scrgbClr r="0" g="0" b="0"/>
+        </a:lnRef>
+        <a:fillRef idx="3">
+          <a:scrgbClr r="0" g="0" b="0"/>
+        </a:fillRef>
+        <a:effectRef idx="2">
+          <a:scrgbClr r="0" g="0" b="0"/>
+        </a:effectRef>
+        <a:fontRef idx="minor">
+          <a:schemeClr val="lt1"/>
+        </a:fontRef>
+      </dsp:style>
+      <dsp:txBody>
+        <a:bodyPr spcFirstLastPara="0" vert="horz" wrap="square" lIns="113792" tIns="113792" rIns="113792" bIns="113792" numCol="1" spcCol="1270" anchor="ctr" anchorCtr="0">
+          <a:noAutofit/>
+          <a:scene3d>
+            <a:camera prst="orthographicFront"/>
+            <a:lightRig rig="balanced" dir="t">
+              <a:rot lat="0" lon="0" rev="2100000"/>
+            </a:lightRig>
+          </a:scene3d>
+          <a:sp3d extrusionH="57150" prstMaterial="metal">
+            <a:bevelT w="38100" h="25400"/>
+            <a:contourClr>
+              <a:schemeClr val="bg2"/>
+            </a:contourClr>
+          </a:sp3d>
+        </a:bodyPr>
+        <a:lstStyle/>
+        <a:p>
+          <a:pPr lvl="0" algn="ctr" defTabSz="711200">
+            <a:lnSpc>
+              <a:spcPct val="90000"/>
+            </a:lnSpc>
+            <a:spcBef>
+              <a:spcPct val="0"/>
+            </a:spcBef>
+            <a:spcAft>
+              <a:spcPct val="35000"/>
+            </a:spcAft>
+          </a:pPr>
+          <a:r>
+            <a:rPr lang="en-US" sz="1600" b="1" kern="1200" cap="none" spc="0" smtClean="0">
+              <a:ln w="17780" cmpd="sng">
+                <a:prstDash val="solid"/>
+                <a:miter lim="800000"/>
+              </a:ln>
+              <a:solidFill>
+                <a:schemeClr val="accent5">
+                  <a:lumMod val="20000"/>
+                  <a:lumOff val="80000"/>
+                </a:schemeClr>
+              </a:solidFill>
+              <a:effectLst>
+                <a:outerShdw blurRad="55000" dist="50800" dir="5400000" algn="tl">
+                  <a:srgbClr val="000000">
+                    <a:alpha val="33000"/>
+                  </a:srgbClr>
+                </a:outerShdw>
+              </a:effectLst>
+              <a:latin typeface="Times New Roman" pitchFamily="18" charset="0"/>
+              <a:ea typeface="Verdana" pitchFamily="34" charset="0"/>
+              <a:cs typeface="Times New Roman" pitchFamily="18" charset="0"/>
+            </a:rPr>
+            <a:t>8. Clean up and close connections</a:t>
+          </a:r>
+          <a:endParaRPr lang="en-US" sz="1600" b="1" kern="1200" cap="none" spc="0">
+            <a:ln w="17780" cmpd="sng">
+              <a:prstDash val="solid"/>
+              <a:miter lim="800000"/>
+            </a:ln>
+            <a:solidFill>
+              <a:schemeClr val="accent5">
+                <a:lumMod val="20000"/>
+                <a:lumOff val="80000"/>
+              </a:schemeClr>
+            </a:solidFill>
+            <a:effectLst>
+              <a:outerShdw blurRad="55000" dist="50800" dir="5400000" algn="tl">
+                <a:srgbClr val="000000">
+                  <a:alpha val="33000"/>
+                </a:srgbClr>
+              </a:outerShdw>
+            </a:effectLst>
+            <a:latin typeface="Times New Roman" pitchFamily="18" charset="0"/>
+            <a:ea typeface="Verdana" pitchFamily="34" charset="0"/>
+            <a:cs typeface="Times New Roman" pitchFamily="18" charset="0"/>
+          </a:endParaRPr>
+        </a:p>
+      </dsp:txBody>
+      <dsp:txXfrm>
+        <a:off x="0" y="5223177"/>
+        <a:ext cx="5943600" cy="489737"/>
+      </dsp:txXfrm>
+    </dsp:sp>
+    <dsp:sp modelId="{6B53B39A-8B54-49BE-9D9D-CAD2969480A0}">
+      <dsp:nvSpPr>
+        <dsp:cNvPr id="0" name=""/>
+        <dsp:cNvSpPr/>
+      </dsp:nvSpPr>
+      <dsp:spPr>
+        <a:xfrm rot="10800000">
+          <a:off x="0" y="4477306"/>
+          <a:ext cx="5943600" cy="753216"/>
+        </a:xfrm>
+        <a:prstGeom prst="upArrowCallout">
+          <a:avLst/>
+        </a:prstGeom>
+        <a:gradFill rotWithShape="0">
+          <a:gsLst>
+            <a:gs pos="0">
+              <a:schemeClr val="accent1">
+                <a:shade val="80000"/>
+                <a:hueOff val="43749"/>
+                <a:satOff val="-627"/>
+                <a:lumOff val="3659"/>
+                <a:alphaOff val="0"/>
+                <a:shade val="51000"/>
+                <a:satMod val="130000"/>
+              </a:schemeClr>
+            </a:gs>
+            <a:gs pos="80000">
+              <a:schemeClr val="accent1">
+                <a:shade val="80000"/>
+                <a:hueOff val="43749"/>
+                <a:satOff val="-627"/>
+                <a:lumOff val="3659"/>
+                <a:alphaOff val="0"/>
+                <a:shade val="93000"/>
+                <a:satMod val="130000"/>
+              </a:schemeClr>
+            </a:gs>
+            <a:gs pos="100000">
+              <a:schemeClr val="accent1">
+                <a:shade val="80000"/>
+                <a:hueOff val="43749"/>
+                <a:satOff val="-627"/>
+                <a:lumOff val="3659"/>
+                <a:alphaOff val="0"/>
+                <a:shade val="94000"/>
+                <a:satMod val="135000"/>
+              </a:schemeClr>
+            </a:gs>
+          </a:gsLst>
+          <a:lin ang="16200000" scaled="0"/>
+        </a:gradFill>
+        <a:ln>
+          <a:noFill/>
+        </a:ln>
+        <a:effectLst>
+          <a:outerShdw blurRad="40000" dist="23000" dir="5400000" rotWithShape="0">
+            <a:srgbClr val="000000">
+              <a:alpha val="35000"/>
+            </a:srgbClr>
+          </a:outerShdw>
+        </a:effectLst>
+        <a:scene3d>
+          <a:camera prst="orthographicFront"/>
+          <a:lightRig rig="flat" dir="t"/>
+        </a:scene3d>
+        <a:sp3d prstMaterial="plastic">
+          <a:bevelT w="120900" h="88900"/>
+          <a:bevelB w="88900" h="31750" prst="angle"/>
+        </a:sp3d>
+      </dsp:spPr>
+      <dsp:style>
+        <a:lnRef idx="0">
+          <a:scrgbClr r="0" g="0" b="0"/>
+        </a:lnRef>
+        <a:fillRef idx="3">
+          <a:scrgbClr r="0" g="0" b="0"/>
+        </a:fillRef>
+        <a:effectRef idx="2">
+          <a:scrgbClr r="0" g="0" b="0"/>
+        </a:effectRef>
+        <a:fontRef idx="minor">
+          <a:schemeClr val="lt1"/>
+        </a:fontRef>
+      </dsp:style>
+      <dsp:txBody>
+        <a:bodyPr spcFirstLastPara="0" vert="horz" wrap="square" lIns="113792" tIns="113792" rIns="113792" bIns="113792" numCol="1" spcCol="1270" anchor="ctr" anchorCtr="0">
+          <a:noAutofit/>
+          <a:scene3d>
+            <a:camera prst="orthographicFront"/>
+            <a:lightRig rig="balanced" dir="t">
+              <a:rot lat="0" lon="0" rev="2100000"/>
+            </a:lightRig>
+          </a:scene3d>
+          <a:sp3d extrusionH="57150" prstMaterial="metal">
+            <a:bevelT w="38100" h="25400"/>
+            <a:contourClr>
+              <a:schemeClr val="bg2"/>
+            </a:contourClr>
+          </a:sp3d>
+        </a:bodyPr>
+        <a:lstStyle/>
+        <a:p>
+          <a:pPr lvl="0" algn="ctr" defTabSz="711200">
+            <a:lnSpc>
+              <a:spcPct val="90000"/>
+            </a:lnSpc>
+            <a:spcBef>
+              <a:spcPct val="0"/>
+            </a:spcBef>
+            <a:spcAft>
+              <a:spcPct val="35000"/>
+            </a:spcAft>
+          </a:pPr>
+          <a:r>
+            <a:rPr lang="en-US" sz="1600" b="1" kern="1200" cap="none" spc="0" smtClean="0">
+              <a:ln w="17780" cmpd="sng">
+                <a:prstDash val="solid"/>
+                <a:miter lim="800000"/>
+              </a:ln>
+              <a:solidFill>
+                <a:schemeClr val="accent5">
+                  <a:lumMod val="20000"/>
+                  <a:lumOff val="80000"/>
+                </a:schemeClr>
+              </a:solidFill>
+              <a:effectLst>
+                <a:outerShdw blurRad="55000" dist="50800" dir="5400000" algn="tl">
+                  <a:srgbClr val="000000">
+                    <a:alpha val="33000"/>
+                  </a:srgbClr>
+                </a:outerShdw>
+              </a:effectLst>
+              <a:latin typeface="Times New Roman" pitchFamily="18" charset="0"/>
+              <a:ea typeface="Verdana" pitchFamily="34" charset="0"/>
+              <a:cs typeface="Times New Roman" pitchFamily="18" charset="0"/>
+            </a:rPr>
+            <a:t>7. Export Mining Model data to database (Database Engine)</a:t>
+          </a:r>
+          <a:endParaRPr lang="en-US" sz="1600" b="1" kern="1200" cap="none" spc="0">
+            <a:ln w="17780" cmpd="sng">
+              <a:prstDash val="solid"/>
+              <a:miter lim="800000"/>
+            </a:ln>
+            <a:solidFill>
+              <a:schemeClr val="accent5">
+                <a:lumMod val="20000"/>
+                <a:lumOff val="80000"/>
+              </a:schemeClr>
+            </a:solidFill>
+            <a:effectLst>
+              <a:outerShdw blurRad="55000" dist="50800" dir="5400000" algn="tl">
+                <a:srgbClr val="000000">
+                  <a:alpha val="33000"/>
+                </a:srgbClr>
+              </a:outerShdw>
+            </a:effectLst>
+            <a:latin typeface="Times New Roman" pitchFamily="18" charset="0"/>
+            <a:ea typeface="Verdana" pitchFamily="34" charset="0"/>
+            <a:cs typeface="Times New Roman" pitchFamily="18" charset="0"/>
+          </a:endParaRPr>
+        </a:p>
+      </dsp:txBody>
+      <dsp:txXfrm rot="10800000">
+        <a:off x="0" y="4477306"/>
+        <a:ext cx="5943600" cy="489417"/>
+      </dsp:txXfrm>
+    </dsp:sp>
+    <dsp:sp modelId="{AE3A404D-D0C1-450D-BDB3-6FCA1E0EFD6F}">
+      <dsp:nvSpPr>
+        <dsp:cNvPr id="0" name=""/>
+        <dsp:cNvSpPr/>
+      </dsp:nvSpPr>
+      <dsp:spPr>
+        <a:xfrm rot="10800000">
+          <a:off x="0" y="3731436"/>
+          <a:ext cx="5943600" cy="753216"/>
+        </a:xfrm>
+        <a:prstGeom prst="upArrowCallout">
+          <a:avLst/>
+        </a:prstGeom>
+        <a:gradFill rotWithShape="0">
+          <a:gsLst>
+            <a:gs pos="0">
+              <a:schemeClr val="accent1">
+                <a:shade val="80000"/>
+                <a:hueOff val="87499"/>
+                <a:satOff val="-1255"/>
+                <a:lumOff val="7319"/>
+                <a:alphaOff val="0"/>
+                <a:shade val="51000"/>
+                <a:satMod val="130000"/>
+              </a:schemeClr>
+            </a:gs>
+            <a:gs pos="80000">
+              <a:schemeClr val="accent1">
+                <a:shade val="80000"/>
+                <a:hueOff val="87499"/>
+                <a:satOff val="-1255"/>
+                <a:lumOff val="7319"/>
+                <a:alphaOff val="0"/>
+                <a:shade val="93000"/>
+                <a:satMod val="130000"/>
+              </a:schemeClr>
+            </a:gs>
+            <a:gs pos="100000">
+              <a:schemeClr val="accent1">
+                <a:shade val="80000"/>
+                <a:hueOff val="87499"/>
+                <a:satOff val="-1255"/>
+                <a:lumOff val="7319"/>
+                <a:alphaOff val="0"/>
+                <a:shade val="94000"/>
+                <a:satMod val="135000"/>
+              </a:schemeClr>
+            </a:gs>
+          </a:gsLst>
+          <a:lin ang="16200000" scaled="0"/>
+        </a:gradFill>
+        <a:ln>
+          <a:noFill/>
+        </a:ln>
+        <a:effectLst>
+          <a:outerShdw blurRad="40000" dist="23000" dir="5400000" rotWithShape="0">
+            <a:srgbClr val="000000">
+              <a:alpha val="35000"/>
+            </a:srgbClr>
+          </a:outerShdw>
+        </a:effectLst>
+        <a:scene3d>
+          <a:camera prst="orthographicFront"/>
+          <a:lightRig rig="flat" dir="t"/>
+        </a:scene3d>
+        <a:sp3d prstMaterial="plastic">
+          <a:bevelT w="120900" h="88900"/>
+          <a:bevelB w="88900" h="31750" prst="angle"/>
+        </a:sp3d>
+      </dsp:spPr>
+      <dsp:style>
+        <a:lnRef idx="0">
+          <a:scrgbClr r="0" g="0" b="0"/>
+        </a:lnRef>
+        <a:fillRef idx="3">
+          <a:scrgbClr r="0" g="0" b="0"/>
+        </a:fillRef>
+        <a:effectRef idx="2">
+          <a:scrgbClr r="0" g="0" b="0"/>
+        </a:effectRef>
+        <a:fontRef idx="minor">
+          <a:schemeClr val="lt1"/>
+        </a:fontRef>
+      </dsp:style>
+      <dsp:txBody>
+        <a:bodyPr spcFirstLastPara="0" vert="horz" wrap="square" lIns="113792" tIns="113792" rIns="113792" bIns="113792" numCol="1" spcCol="1270" anchor="ctr" anchorCtr="0">
+          <a:noAutofit/>
+          <a:scene3d>
+            <a:camera prst="orthographicFront"/>
+            <a:lightRig rig="balanced" dir="t">
+              <a:rot lat="0" lon="0" rev="2100000"/>
+            </a:lightRig>
+          </a:scene3d>
+          <a:sp3d extrusionH="57150" prstMaterial="metal">
+            <a:bevelT w="38100" h="25400"/>
+            <a:contourClr>
+              <a:schemeClr val="bg2"/>
+            </a:contourClr>
+          </a:sp3d>
+        </a:bodyPr>
+        <a:lstStyle/>
+        <a:p>
+          <a:pPr lvl="0" algn="ctr" defTabSz="711200">
+            <a:lnSpc>
+              <a:spcPct val="90000"/>
+            </a:lnSpc>
+            <a:spcBef>
+              <a:spcPct val="0"/>
+            </a:spcBef>
+            <a:spcAft>
+              <a:spcPct val="35000"/>
+            </a:spcAft>
+          </a:pPr>
+          <a:r>
+            <a:rPr lang="en-US" sz="1600" b="1" kern="1200" cap="none" spc="0" smtClean="0">
+              <a:ln w="17780" cmpd="sng">
+                <a:prstDash val="solid"/>
+                <a:miter lim="800000"/>
+              </a:ln>
+              <a:solidFill>
+                <a:schemeClr val="accent5">
+                  <a:lumMod val="20000"/>
+                  <a:lumOff val="80000"/>
+                </a:schemeClr>
+              </a:solidFill>
+              <a:effectLst>
+                <a:outerShdw blurRad="55000" dist="50800" dir="5400000" algn="tl">
+                  <a:srgbClr val="000000">
+                    <a:alpha val="33000"/>
+                  </a:srgbClr>
+                </a:outerShdw>
+              </a:effectLst>
+              <a:latin typeface="Times New Roman" pitchFamily="18" charset="0"/>
+              <a:ea typeface="Verdana" pitchFamily="34" charset="0"/>
+              <a:cs typeface="Times New Roman" pitchFamily="18" charset="0"/>
+            </a:rPr>
+            <a:t>6. Processing Mining Model</a:t>
+          </a:r>
+          <a:endParaRPr lang="en-US" sz="1600" b="1" kern="1200" cap="none" spc="0">
+            <a:ln w="17780" cmpd="sng">
+              <a:prstDash val="solid"/>
+              <a:miter lim="800000"/>
+            </a:ln>
+            <a:solidFill>
+              <a:schemeClr val="accent5">
+                <a:lumMod val="20000"/>
+                <a:lumOff val="80000"/>
+              </a:schemeClr>
+            </a:solidFill>
+            <a:effectLst>
+              <a:outerShdw blurRad="55000" dist="50800" dir="5400000" algn="tl">
+                <a:srgbClr val="000000">
+                  <a:alpha val="33000"/>
+                </a:srgbClr>
+              </a:outerShdw>
+            </a:effectLst>
+            <a:latin typeface="Times New Roman" pitchFamily="18" charset="0"/>
+            <a:ea typeface="Verdana" pitchFamily="34" charset="0"/>
+            <a:cs typeface="Times New Roman" pitchFamily="18" charset="0"/>
+          </a:endParaRPr>
+        </a:p>
+      </dsp:txBody>
+      <dsp:txXfrm rot="10800000">
+        <a:off x="0" y="3731436"/>
+        <a:ext cx="5943600" cy="489417"/>
+      </dsp:txXfrm>
+    </dsp:sp>
+    <dsp:sp modelId="{1C9A3B25-0DFC-4C02-BE56-CE508DCA8953}">
+      <dsp:nvSpPr>
+        <dsp:cNvPr id="0" name=""/>
+        <dsp:cNvSpPr/>
+      </dsp:nvSpPr>
+      <dsp:spPr>
+        <a:xfrm rot="10800000">
+          <a:off x="0" y="2985566"/>
+          <a:ext cx="5943600" cy="753216"/>
+        </a:xfrm>
+        <a:prstGeom prst="upArrowCallout">
+          <a:avLst/>
+        </a:prstGeom>
+        <a:gradFill rotWithShape="0">
+          <a:gsLst>
+            <a:gs pos="0">
+              <a:schemeClr val="accent1">
+                <a:shade val="80000"/>
+                <a:hueOff val="131248"/>
+                <a:satOff val="-1882"/>
+                <a:lumOff val="10978"/>
+                <a:alphaOff val="0"/>
+                <a:shade val="51000"/>
+                <a:satMod val="130000"/>
+              </a:schemeClr>
+            </a:gs>
+            <a:gs pos="80000">
+              <a:schemeClr val="accent1">
+                <a:shade val="80000"/>
+                <a:hueOff val="131248"/>
+                <a:satOff val="-1882"/>
+                <a:lumOff val="10978"/>
+                <a:alphaOff val="0"/>
+                <a:shade val="93000"/>
+                <a:satMod val="130000"/>
+              </a:schemeClr>
+            </a:gs>
+            <a:gs pos="100000">
+              <a:schemeClr val="accent1">
+                <a:shade val="80000"/>
+                <a:hueOff val="131248"/>
+                <a:satOff val="-1882"/>
+                <a:lumOff val="10978"/>
+                <a:alphaOff val="0"/>
+                <a:shade val="94000"/>
+                <a:satMod val="135000"/>
+              </a:schemeClr>
+            </a:gs>
+          </a:gsLst>
+          <a:lin ang="16200000" scaled="0"/>
+        </a:gradFill>
+        <a:ln>
+          <a:noFill/>
+        </a:ln>
+        <a:effectLst>
+          <a:outerShdw blurRad="40000" dist="23000" dir="5400000" rotWithShape="0">
+            <a:srgbClr val="000000">
+              <a:alpha val="35000"/>
+            </a:srgbClr>
+          </a:outerShdw>
+        </a:effectLst>
+        <a:scene3d>
+          <a:camera prst="orthographicFront"/>
+          <a:lightRig rig="flat" dir="t"/>
+        </a:scene3d>
+        <a:sp3d prstMaterial="plastic">
+          <a:bevelT w="120900" h="88900"/>
+          <a:bevelB w="88900" h="31750" prst="angle"/>
+        </a:sp3d>
+      </dsp:spPr>
+      <dsp:style>
+        <a:lnRef idx="0">
+          <a:scrgbClr r="0" g="0" b="0"/>
+        </a:lnRef>
+        <a:fillRef idx="3">
+          <a:scrgbClr r="0" g="0" b="0"/>
+        </a:fillRef>
+        <a:effectRef idx="2">
+          <a:scrgbClr r="0" g="0" b="0"/>
+        </a:effectRef>
+        <a:fontRef idx="minor">
+          <a:schemeClr val="lt1"/>
+        </a:fontRef>
+      </dsp:style>
+      <dsp:txBody>
+        <a:bodyPr spcFirstLastPara="0" vert="horz" wrap="square" lIns="113792" tIns="113792" rIns="113792" bIns="113792" numCol="1" spcCol="1270" anchor="ctr" anchorCtr="0">
+          <a:noAutofit/>
+          <a:scene3d>
+            <a:camera prst="orthographicFront"/>
+            <a:lightRig rig="balanced" dir="t">
+              <a:rot lat="0" lon="0" rev="2100000"/>
+            </a:lightRig>
+          </a:scene3d>
+          <a:sp3d extrusionH="57150" prstMaterial="metal">
+            <a:bevelT w="38100" h="25400"/>
+            <a:contourClr>
+              <a:schemeClr val="bg2"/>
+            </a:contourClr>
+          </a:sp3d>
+        </a:bodyPr>
+        <a:lstStyle/>
+        <a:p>
+          <a:pPr lvl="0" algn="ctr" defTabSz="711200">
+            <a:lnSpc>
+              <a:spcPct val="90000"/>
+            </a:lnSpc>
+            <a:spcBef>
+              <a:spcPct val="0"/>
+            </a:spcBef>
+            <a:spcAft>
+              <a:spcPct val="35000"/>
+            </a:spcAft>
+          </a:pPr>
+          <a:r>
+            <a:rPr lang="en-US" sz="1600" b="1" kern="1200" cap="none" spc="0" smtClean="0">
+              <a:ln w="17780" cmpd="sng">
+                <a:prstDash val="solid"/>
+                <a:miter lim="800000"/>
+              </a:ln>
+              <a:solidFill>
+                <a:schemeClr val="accent5">
+                  <a:lumMod val="20000"/>
+                  <a:lumOff val="80000"/>
+                </a:schemeClr>
+              </a:solidFill>
+              <a:effectLst>
+                <a:outerShdw blurRad="55000" dist="50800" dir="5400000" algn="tl">
+                  <a:srgbClr val="000000">
+                    <a:alpha val="33000"/>
+                  </a:srgbClr>
+                </a:outerShdw>
+              </a:effectLst>
+              <a:latin typeface="Times New Roman" pitchFamily="18" charset="0"/>
+              <a:ea typeface="Verdana" pitchFamily="34" charset="0"/>
+              <a:cs typeface="Times New Roman" pitchFamily="18" charset="0"/>
+            </a:rPr>
+            <a:t>5. Create Mining structures and mining models</a:t>
+          </a:r>
+          <a:endParaRPr lang="en-US" sz="1600" b="1" kern="1200" cap="none" spc="0">
+            <a:ln w="17780" cmpd="sng">
+              <a:prstDash val="solid"/>
+              <a:miter lim="800000"/>
+            </a:ln>
+            <a:solidFill>
+              <a:schemeClr val="accent5">
+                <a:lumMod val="20000"/>
+                <a:lumOff val="80000"/>
+              </a:schemeClr>
+            </a:solidFill>
+            <a:effectLst>
+              <a:outerShdw blurRad="55000" dist="50800" dir="5400000" algn="tl">
+                <a:srgbClr val="000000">
+                  <a:alpha val="33000"/>
+                </a:srgbClr>
+              </a:outerShdw>
+            </a:effectLst>
+            <a:latin typeface="Times New Roman" pitchFamily="18" charset="0"/>
+            <a:ea typeface="Verdana" pitchFamily="34" charset="0"/>
+            <a:cs typeface="Times New Roman" pitchFamily="18" charset="0"/>
+          </a:endParaRPr>
+        </a:p>
+      </dsp:txBody>
+      <dsp:txXfrm rot="10800000">
+        <a:off x="0" y="2985566"/>
+        <a:ext cx="5943600" cy="489417"/>
+      </dsp:txXfrm>
+    </dsp:sp>
+    <dsp:sp modelId="{A90049AA-CBD6-4AEF-9EBA-5C7B5F86C71F}">
+      <dsp:nvSpPr>
+        <dsp:cNvPr id="0" name=""/>
+        <dsp:cNvSpPr/>
+      </dsp:nvSpPr>
+      <dsp:spPr>
+        <a:xfrm rot="10800000">
+          <a:off x="0" y="2239696"/>
+          <a:ext cx="5943600" cy="753216"/>
+        </a:xfrm>
+        <a:prstGeom prst="upArrowCallout">
+          <a:avLst/>
+        </a:prstGeom>
+        <a:gradFill rotWithShape="0">
+          <a:gsLst>
+            <a:gs pos="0">
+              <a:schemeClr val="accent1">
+                <a:shade val="80000"/>
+                <a:hueOff val="174998"/>
+                <a:satOff val="-2510"/>
+                <a:lumOff val="14637"/>
+                <a:alphaOff val="0"/>
+                <a:shade val="51000"/>
+                <a:satMod val="130000"/>
+              </a:schemeClr>
+            </a:gs>
+            <a:gs pos="80000">
+              <a:schemeClr val="accent1">
+                <a:shade val="80000"/>
+                <a:hueOff val="174998"/>
+                <a:satOff val="-2510"/>
+                <a:lumOff val="14637"/>
+                <a:alphaOff val="0"/>
+                <a:shade val="93000"/>
+                <a:satMod val="130000"/>
+              </a:schemeClr>
+            </a:gs>
+            <a:gs pos="100000">
+              <a:schemeClr val="accent1">
+                <a:shade val="80000"/>
+                <a:hueOff val="174998"/>
+                <a:satOff val="-2510"/>
+                <a:lumOff val="14637"/>
+                <a:alphaOff val="0"/>
+                <a:shade val="94000"/>
+                <a:satMod val="135000"/>
+              </a:schemeClr>
+            </a:gs>
+          </a:gsLst>
+          <a:lin ang="16200000" scaled="0"/>
+        </a:gradFill>
+        <a:ln>
+          <a:noFill/>
+        </a:ln>
+        <a:effectLst>
+          <a:outerShdw blurRad="40000" dist="23000" dir="5400000" rotWithShape="0">
+            <a:srgbClr val="000000">
+              <a:alpha val="35000"/>
+            </a:srgbClr>
+          </a:outerShdw>
+        </a:effectLst>
+        <a:scene3d>
+          <a:camera prst="orthographicFront"/>
+          <a:lightRig rig="flat" dir="t"/>
+        </a:scene3d>
+        <a:sp3d prstMaterial="plastic">
+          <a:bevelT w="120900" h="88900"/>
+          <a:bevelB w="88900" h="31750" prst="angle"/>
+        </a:sp3d>
+      </dsp:spPr>
+      <dsp:style>
+        <a:lnRef idx="0">
+          <a:scrgbClr r="0" g="0" b="0"/>
+        </a:lnRef>
+        <a:fillRef idx="3">
+          <a:scrgbClr r="0" g="0" b="0"/>
+        </a:fillRef>
+        <a:effectRef idx="2">
+          <a:scrgbClr r="0" g="0" b="0"/>
+        </a:effectRef>
+        <a:fontRef idx="minor">
+          <a:schemeClr val="lt1"/>
+        </a:fontRef>
+      </dsp:style>
+      <dsp:txBody>
+        <a:bodyPr spcFirstLastPara="0" vert="horz" wrap="square" lIns="113792" tIns="113792" rIns="113792" bIns="113792" numCol="1" spcCol="1270" anchor="ctr" anchorCtr="0">
+          <a:noAutofit/>
+          <a:scene3d>
+            <a:camera prst="orthographicFront"/>
+            <a:lightRig rig="balanced" dir="t">
+              <a:rot lat="0" lon="0" rev="2100000"/>
+            </a:lightRig>
+          </a:scene3d>
+          <a:sp3d extrusionH="57150" prstMaterial="metal">
+            <a:bevelT w="38100" h="25400"/>
+            <a:contourClr>
+              <a:schemeClr val="bg2"/>
+            </a:contourClr>
+          </a:sp3d>
+        </a:bodyPr>
+        <a:lstStyle/>
+        <a:p>
+          <a:pPr lvl="0" algn="ctr" defTabSz="711200">
+            <a:lnSpc>
+              <a:spcPct val="90000"/>
+            </a:lnSpc>
+            <a:spcBef>
+              <a:spcPct val="0"/>
+            </a:spcBef>
+            <a:spcAft>
+              <a:spcPct val="35000"/>
+            </a:spcAft>
+          </a:pPr>
+          <a:r>
+            <a:rPr lang="en-US" sz="1600" b="1" kern="1200" cap="none" spc="0" smtClean="0">
+              <a:ln w="17780" cmpd="sng">
+                <a:prstDash val="solid"/>
+                <a:miter lim="800000"/>
+              </a:ln>
+              <a:solidFill>
+                <a:schemeClr val="accent5">
+                  <a:lumMod val="20000"/>
+                  <a:lumOff val="80000"/>
+                </a:schemeClr>
+              </a:solidFill>
+              <a:effectLst>
+                <a:outerShdw blurRad="55000" dist="50800" dir="5400000" algn="tl">
+                  <a:srgbClr val="000000">
+                    <a:alpha val="33000"/>
+                  </a:srgbClr>
+                </a:outerShdw>
+              </a:effectLst>
+              <a:latin typeface="Times New Roman" pitchFamily="18" charset="0"/>
+              <a:ea typeface="Verdana" pitchFamily="34" charset="0"/>
+              <a:cs typeface="Times New Roman" pitchFamily="18" charset="0"/>
+            </a:rPr>
+            <a:t>4. Select Algorithm and declare parameters</a:t>
+          </a:r>
+          <a:endParaRPr lang="en-US" sz="1600" b="1" kern="1200" cap="none" spc="0">
+            <a:ln w="17780" cmpd="sng">
+              <a:prstDash val="solid"/>
+              <a:miter lim="800000"/>
+            </a:ln>
+            <a:solidFill>
+              <a:schemeClr val="accent5">
+                <a:lumMod val="20000"/>
+                <a:lumOff val="80000"/>
+              </a:schemeClr>
+            </a:solidFill>
+            <a:effectLst>
+              <a:outerShdw blurRad="55000" dist="50800" dir="5400000" algn="tl">
+                <a:srgbClr val="000000">
+                  <a:alpha val="33000"/>
+                </a:srgbClr>
+              </a:outerShdw>
+            </a:effectLst>
+            <a:latin typeface="Times New Roman" pitchFamily="18" charset="0"/>
+            <a:ea typeface="Verdana" pitchFamily="34" charset="0"/>
+            <a:cs typeface="Times New Roman" pitchFamily="18" charset="0"/>
+          </a:endParaRPr>
+        </a:p>
+      </dsp:txBody>
+      <dsp:txXfrm rot="10800000">
+        <a:off x="0" y="2239696"/>
+        <a:ext cx="5943600" cy="489417"/>
+      </dsp:txXfrm>
+    </dsp:sp>
+    <dsp:sp modelId="{3AC56C42-DFCB-4D8D-BA1D-03C9949DD54E}">
+      <dsp:nvSpPr>
+        <dsp:cNvPr id="0" name=""/>
+        <dsp:cNvSpPr/>
+      </dsp:nvSpPr>
+      <dsp:spPr>
+        <a:xfrm rot="10800000">
+          <a:off x="0" y="1493825"/>
+          <a:ext cx="5943600" cy="753216"/>
+        </a:xfrm>
+        <a:prstGeom prst="upArrowCallout">
+          <a:avLst/>
+        </a:prstGeom>
+        <a:gradFill rotWithShape="0">
+          <a:gsLst>
+            <a:gs pos="0">
+              <a:schemeClr val="accent1">
+                <a:shade val="80000"/>
+                <a:hueOff val="218747"/>
+                <a:satOff val="-3137"/>
+                <a:lumOff val="18296"/>
+                <a:alphaOff val="0"/>
+                <a:shade val="51000"/>
+                <a:satMod val="130000"/>
+              </a:schemeClr>
+            </a:gs>
+            <a:gs pos="80000">
+              <a:schemeClr val="accent1">
+                <a:shade val="80000"/>
+                <a:hueOff val="218747"/>
+                <a:satOff val="-3137"/>
+                <a:lumOff val="18296"/>
+                <a:alphaOff val="0"/>
+                <a:shade val="93000"/>
+                <a:satMod val="130000"/>
+              </a:schemeClr>
+            </a:gs>
+            <a:gs pos="100000">
+              <a:schemeClr val="accent1">
+                <a:shade val="80000"/>
+                <a:hueOff val="218747"/>
+                <a:satOff val="-3137"/>
+                <a:lumOff val="18296"/>
+                <a:alphaOff val="0"/>
+                <a:shade val="94000"/>
+                <a:satMod val="135000"/>
+              </a:schemeClr>
+            </a:gs>
+          </a:gsLst>
+          <a:lin ang="16200000" scaled="0"/>
+        </a:gradFill>
+        <a:ln>
+          <a:noFill/>
+        </a:ln>
+        <a:effectLst>
+          <a:outerShdw blurRad="40000" dist="23000" dir="5400000" rotWithShape="0">
+            <a:srgbClr val="000000">
+              <a:alpha val="35000"/>
+            </a:srgbClr>
+          </a:outerShdw>
+        </a:effectLst>
+        <a:scene3d>
+          <a:camera prst="orthographicFront"/>
+          <a:lightRig rig="flat" dir="t"/>
+        </a:scene3d>
+        <a:sp3d prstMaterial="plastic">
+          <a:bevelT w="120900" h="88900"/>
+          <a:bevelB w="88900" h="31750" prst="angle"/>
+        </a:sp3d>
+      </dsp:spPr>
+      <dsp:style>
+        <a:lnRef idx="0">
+          <a:scrgbClr r="0" g="0" b="0"/>
+        </a:lnRef>
+        <a:fillRef idx="3">
+          <a:scrgbClr r="0" g="0" b="0"/>
+        </a:fillRef>
+        <a:effectRef idx="2">
+          <a:scrgbClr r="0" g="0" b="0"/>
+        </a:effectRef>
+        <a:fontRef idx="minor">
+          <a:schemeClr val="lt1"/>
+        </a:fontRef>
+      </dsp:style>
+      <dsp:txBody>
+        <a:bodyPr spcFirstLastPara="0" vert="horz" wrap="square" lIns="113792" tIns="113792" rIns="113792" bIns="113792" numCol="1" spcCol="1270" anchor="ctr" anchorCtr="0">
+          <a:noAutofit/>
+          <a:scene3d>
+            <a:camera prst="orthographicFront"/>
+            <a:lightRig rig="balanced" dir="t">
+              <a:rot lat="0" lon="0" rev="2100000"/>
+            </a:lightRig>
+          </a:scene3d>
+          <a:sp3d extrusionH="57150" prstMaterial="metal">
+            <a:bevelT w="38100" h="25400"/>
+            <a:contourClr>
+              <a:schemeClr val="bg2"/>
+            </a:contourClr>
+          </a:sp3d>
+        </a:bodyPr>
+        <a:lstStyle/>
+        <a:p>
+          <a:pPr lvl="0" algn="ctr" defTabSz="711200">
+            <a:lnSpc>
+              <a:spcPct val="90000"/>
+            </a:lnSpc>
+            <a:spcBef>
+              <a:spcPct val="0"/>
+            </a:spcBef>
+            <a:spcAft>
+              <a:spcPct val="35000"/>
+            </a:spcAft>
+          </a:pPr>
+          <a:r>
+            <a:rPr lang="en-US" sz="1600" b="1" kern="1200" cap="none" spc="0" smtClean="0">
+              <a:ln w="17780" cmpd="sng">
+                <a:prstDash val="solid"/>
+                <a:miter lim="800000"/>
+              </a:ln>
+              <a:solidFill>
+                <a:schemeClr val="accent5">
+                  <a:lumMod val="20000"/>
+                  <a:lumOff val="80000"/>
+                </a:schemeClr>
+              </a:solidFill>
+              <a:effectLst>
+                <a:outerShdw blurRad="55000" dist="50800" dir="5400000" algn="tl">
+                  <a:srgbClr val="000000">
+                    <a:alpha val="33000"/>
+                  </a:srgbClr>
+                </a:outerShdw>
+              </a:effectLst>
+              <a:latin typeface="Times New Roman" pitchFamily="18" charset="0"/>
+              <a:ea typeface="Verdana" pitchFamily="34" charset="0"/>
+              <a:cs typeface="Times New Roman" pitchFamily="18" charset="0"/>
+            </a:rPr>
+            <a:t>3. Create Analysis Service Data Source View</a:t>
+          </a:r>
+          <a:endParaRPr lang="en-US" sz="1600" b="1" kern="1200" cap="none" spc="0">
+            <a:ln w="17780" cmpd="sng">
+              <a:prstDash val="solid"/>
+              <a:miter lim="800000"/>
+            </a:ln>
+            <a:solidFill>
+              <a:schemeClr val="accent5">
+                <a:lumMod val="20000"/>
+                <a:lumOff val="80000"/>
+              </a:schemeClr>
+            </a:solidFill>
+            <a:effectLst>
+              <a:outerShdw blurRad="55000" dist="50800" dir="5400000" algn="tl">
+                <a:srgbClr val="000000">
+                  <a:alpha val="33000"/>
+                </a:srgbClr>
+              </a:outerShdw>
+            </a:effectLst>
+            <a:latin typeface="Times New Roman" pitchFamily="18" charset="0"/>
+            <a:ea typeface="Verdana" pitchFamily="34" charset="0"/>
+            <a:cs typeface="Times New Roman" pitchFamily="18" charset="0"/>
+          </a:endParaRPr>
+        </a:p>
+      </dsp:txBody>
+      <dsp:txXfrm rot="10800000">
+        <a:off x="0" y="1493825"/>
+        <a:ext cx="5943600" cy="489417"/>
+      </dsp:txXfrm>
+    </dsp:sp>
+    <dsp:sp modelId="{56E09A99-A56C-4723-832F-E8CEEE729B73}">
+      <dsp:nvSpPr>
+        <dsp:cNvPr id="0" name=""/>
+        <dsp:cNvSpPr/>
+      </dsp:nvSpPr>
+      <dsp:spPr>
+        <a:xfrm rot="10800000">
+          <a:off x="0" y="747955"/>
+          <a:ext cx="5943600" cy="753216"/>
+        </a:xfrm>
+        <a:prstGeom prst="upArrowCallout">
+          <a:avLst/>
+        </a:prstGeom>
+        <a:gradFill rotWithShape="0">
+          <a:gsLst>
+            <a:gs pos="0">
+              <a:schemeClr val="accent1">
+                <a:shade val="80000"/>
+                <a:hueOff val="262496"/>
+                <a:satOff val="-3765"/>
+                <a:lumOff val="21956"/>
+                <a:alphaOff val="0"/>
+                <a:shade val="51000"/>
+                <a:satMod val="130000"/>
+              </a:schemeClr>
+            </a:gs>
+            <a:gs pos="80000">
+              <a:schemeClr val="accent1">
+                <a:shade val="80000"/>
+                <a:hueOff val="262496"/>
+                <a:satOff val="-3765"/>
+                <a:lumOff val="21956"/>
+                <a:alphaOff val="0"/>
+                <a:shade val="93000"/>
+                <a:satMod val="130000"/>
+              </a:schemeClr>
+            </a:gs>
+            <a:gs pos="100000">
+              <a:schemeClr val="accent1">
+                <a:shade val="80000"/>
+                <a:hueOff val="262496"/>
+                <a:satOff val="-3765"/>
+                <a:lumOff val="21956"/>
+                <a:alphaOff val="0"/>
+                <a:shade val="94000"/>
+                <a:satMod val="135000"/>
+              </a:schemeClr>
+            </a:gs>
+          </a:gsLst>
+          <a:lin ang="16200000" scaled="0"/>
+        </a:gradFill>
+        <a:ln>
+          <a:noFill/>
+        </a:ln>
+        <a:effectLst>
+          <a:outerShdw blurRad="40000" dist="23000" dir="5400000" rotWithShape="0">
+            <a:srgbClr val="000000">
+              <a:alpha val="35000"/>
+            </a:srgbClr>
+          </a:outerShdw>
+        </a:effectLst>
+        <a:scene3d>
+          <a:camera prst="orthographicFront"/>
+          <a:lightRig rig="flat" dir="t"/>
+        </a:scene3d>
+        <a:sp3d prstMaterial="plastic">
+          <a:bevelT w="120900" h="88900"/>
+          <a:bevelB w="88900" h="31750" prst="angle"/>
+        </a:sp3d>
+      </dsp:spPr>
+      <dsp:style>
+        <a:lnRef idx="0">
+          <a:scrgbClr r="0" g="0" b="0"/>
+        </a:lnRef>
+        <a:fillRef idx="3">
+          <a:scrgbClr r="0" g="0" b="0"/>
+        </a:fillRef>
+        <a:effectRef idx="2">
+          <a:scrgbClr r="0" g="0" b="0"/>
+        </a:effectRef>
+        <a:fontRef idx="minor">
+          <a:schemeClr val="lt1"/>
+        </a:fontRef>
+      </dsp:style>
+      <dsp:txBody>
+        <a:bodyPr spcFirstLastPara="0" vert="horz" wrap="square" lIns="113792" tIns="113792" rIns="113792" bIns="113792" numCol="1" spcCol="1270" anchor="ctr" anchorCtr="0">
+          <a:noAutofit/>
+          <a:scene3d>
+            <a:camera prst="orthographicFront"/>
+            <a:lightRig rig="soft" dir="t">
+              <a:rot lat="0" lon="0" rev="10800000"/>
+            </a:lightRig>
+          </a:scene3d>
+          <a:sp3d>
+            <a:bevelT w="27940" h="12700"/>
+            <a:contourClr>
+              <a:srgbClr val="DDDDDD"/>
+            </a:contourClr>
+          </a:sp3d>
+        </a:bodyPr>
+        <a:lstStyle/>
+        <a:p>
+          <a:pPr lvl="0" algn="ctr" defTabSz="711200">
+            <a:lnSpc>
+              <a:spcPct val="90000"/>
+            </a:lnSpc>
+            <a:spcBef>
+              <a:spcPct val="0"/>
+            </a:spcBef>
+            <a:spcAft>
+              <a:spcPct val="35000"/>
+            </a:spcAft>
+          </a:pPr>
+          <a:r>
+            <a:rPr lang="en-US" sz="1600" b="1" kern="1200" cap="none" spc="0" smtClean="0">
+              <a:ln w="17780" cmpd="sng">
+                <a:prstDash val="solid"/>
+                <a:miter lim="800000"/>
+              </a:ln>
+              <a:solidFill>
+                <a:schemeClr val="accent5">
+                  <a:lumMod val="20000"/>
+                  <a:lumOff val="80000"/>
+                </a:schemeClr>
+              </a:solidFill>
+              <a:effectLst>
+                <a:outerShdw blurRad="55000" dist="50800" dir="5400000" algn="tl">
+                  <a:srgbClr val="000000">
+                    <a:alpha val="33000"/>
+                  </a:srgbClr>
+                </a:outerShdw>
+              </a:effectLst>
+              <a:latin typeface="Times New Roman" pitchFamily="18" charset="0"/>
+              <a:ea typeface="Verdana" pitchFamily="34" charset="0"/>
+              <a:cs typeface="Times New Roman" pitchFamily="18" charset="0"/>
+            </a:rPr>
+            <a:t>2. Create Analysis Services Data Source</a:t>
+          </a:r>
+          <a:endParaRPr lang="en-US" sz="1600" b="1" kern="1200" cap="none" spc="0">
+            <a:ln w="17780" cmpd="sng">
+              <a:prstDash val="solid"/>
+              <a:miter lim="800000"/>
+            </a:ln>
+            <a:solidFill>
+              <a:schemeClr val="accent5">
+                <a:lumMod val="20000"/>
+                <a:lumOff val="80000"/>
+              </a:schemeClr>
+            </a:solidFill>
+            <a:effectLst>
+              <a:outerShdw blurRad="55000" dist="50800" dir="5400000" algn="tl">
+                <a:srgbClr val="000000">
+                  <a:alpha val="33000"/>
+                </a:srgbClr>
+              </a:outerShdw>
+            </a:effectLst>
+            <a:latin typeface="Times New Roman" pitchFamily="18" charset="0"/>
+            <a:ea typeface="Verdana" pitchFamily="34" charset="0"/>
+            <a:cs typeface="Times New Roman" pitchFamily="18" charset="0"/>
+          </a:endParaRPr>
+        </a:p>
+      </dsp:txBody>
+      <dsp:txXfrm rot="10800000">
+        <a:off x="0" y="747955"/>
+        <a:ext cx="5943600" cy="489417"/>
+      </dsp:txXfrm>
+    </dsp:sp>
+    <dsp:sp modelId="{FA5DED89-4573-4A62-99C6-B233D4E4BEF8}">
+      <dsp:nvSpPr>
+        <dsp:cNvPr id="0" name=""/>
+        <dsp:cNvSpPr/>
+      </dsp:nvSpPr>
+      <dsp:spPr>
+        <a:xfrm rot="10800000">
+          <a:off x="0" y="2085"/>
+          <a:ext cx="5943600" cy="753216"/>
+        </a:xfrm>
+        <a:prstGeom prst="upArrowCallout">
+          <a:avLst/>
+        </a:prstGeom>
+        <a:gradFill rotWithShape="0">
+          <a:gsLst>
+            <a:gs pos="0">
+              <a:schemeClr val="accent1">
+                <a:shade val="80000"/>
+                <a:hueOff val="306246"/>
+                <a:satOff val="-4392"/>
+                <a:lumOff val="25615"/>
+                <a:alphaOff val="0"/>
+                <a:shade val="51000"/>
+                <a:satMod val="130000"/>
+              </a:schemeClr>
+            </a:gs>
+            <a:gs pos="80000">
+              <a:schemeClr val="accent1">
+                <a:shade val="80000"/>
+                <a:hueOff val="306246"/>
+                <a:satOff val="-4392"/>
+                <a:lumOff val="25615"/>
+                <a:alphaOff val="0"/>
+                <a:shade val="93000"/>
+                <a:satMod val="130000"/>
+              </a:schemeClr>
+            </a:gs>
+            <a:gs pos="100000">
+              <a:schemeClr val="accent1">
+                <a:shade val="80000"/>
+                <a:hueOff val="306246"/>
+                <a:satOff val="-4392"/>
+                <a:lumOff val="25615"/>
+                <a:alphaOff val="0"/>
+                <a:shade val="94000"/>
+                <a:satMod val="135000"/>
+              </a:schemeClr>
+            </a:gs>
+          </a:gsLst>
+          <a:lin ang="16200000" scaled="0"/>
+        </a:gradFill>
+        <a:ln>
+          <a:noFill/>
+        </a:ln>
+        <a:effectLst>
+          <a:outerShdw blurRad="40000" dist="23000" dir="5400000" rotWithShape="0">
+            <a:srgbClr val="000000">
+              <a:alpha val="35000"/>
+            </a:srgbClr>
+          </a:outerShdw>
+        </a:effectLst>
+        <a:scene3d>
+          <a:camera prst="orthographicFront"/>
+          <a:lightRig rig="flat" dir="t"/>
+        </a:scene3d>
+        <a:sp3d prstMaterial="plastic">
+          <a:bevelT w="120900" h="88900"/>
+          <a:bevelB w="88900" h="31750" prst="angle"/>
+        </a:sp3d>
+      </dsp:spPr>
+      <dsp:style>
+        <a:lnRef idx="0">
+          <a:scrgbClr r="0" g="0" b="0"/>
+        </a:lnRef>
+        <a:fillRef idx="3">
+          <a:scrgbClr r="0" g="0" b="0"/>
+        </a:fillRef>
+        <a:effectRef idx="2">
+          <a:scrgbClr r="0" g="0" b="0"/>
+        </a:effectRef>
+        <a:fontRef idx="minor">
+          <a:schemeClr val="lt1"/>
+        </a:fontRef>
+      </dsp:style>
+      <dsp:txBody>
+        <a:bodyPr spcFirstLastPara="0" vert="horz" wrap="square" lIns="113792" tIns="113792" rIns="113792" bIns="113792" numCol="1" spcCol="1270" anchor="ctr" anchorCtr="0">
+          <a:noAutofit/>
+          <a:scene3d>
+            <a:camera prst="orthographicFront"/>
+            <a:lightRig rig="soft" dir="t">
+              <a:rot lat="0" lon="0" rev="10800000"/>
+            </a:lightRig>
+          </a:scene3d>
+          <a:sp3d>
+            <a:bevelT w="27940" h="12700"/>
+            <a:contourClr>
+              <a:srgbClr val="DDDDDD"/>
+            </a:contourClr>
+          </a:sp3d>
+        </a:bodyPr>
+        <a:lstStyle/>
+        <a:p>
+          <a:pPr lvl="0" algn="ctr" defTabSz="711200">
+            <a:lnSpc>
+              <a:spcPct val="90000"/>
+            </a:lnSpc>
+            <a:spcBef>
+              <a:spcPct val="0"/>
+            </a:spcBef>
+            <a:spcAft>
+              <a:spcPct val="35000"/>
+            </a:spcAft>
+          </a:pPr>
+          <a:r>
+            <a:rPr lang="en-US" sz="1600" b="1" kern="1200" cap="none" spc="0" smtClean="0">
+              <a:ln w="17780" cmpd="sng">
+                <a:prstDash val="solid"/>
+                <a:miter lim="800000"/>
+              </a:ln>
+              <a:solidFill>
+                <a:schemeClr val="accent5">
+                  <a:lumMod val="20000"/>
+                  <a:lumOff val="80000"/>
+                </a:schemeClr>
+              </a:solidFill>
+              <a:effectLst>
+                <a:outerShdw blurRad="55000" dist="50800" dir="5400000" algn="tl">
+                  <a:srgbClr val="000000">
+                    <a:alpha val="33000"/>
+                  </a:srgbClr>
+                </a:outerShdw>
+              </a:effectLst>
+              <a:latin typeface="Times New Roman" pitchFamily="18" charset="0"/>
+              <a:ea typeface="Verdana" pitchFamily="34" charset="0"/>
+              <a:cs typeface="Times New Roman" pitchFamily="18" charset="0"/>
+            </a:rPr>
+            <a:t>1. Preprocessing data and export data to view</a:t>
+          </a:r>
+          <a:endParaRPr lang="en-US" sz="1600" b="1" kern="1200" cap="none" spc="0">
+            <a:ln w="17780" cmpd="sng">
+              <a:prstDash val="solid"/>
+              <a:miter lim="800000"/>
+            </a:ln>
+            <a:solidFill>
+              <a:schemeClr val="accent5">
+                <a:lumMod val="20000"/>
+                <a:lumOff val="80000"/>
+              </a:schemeClr>
+            </a:solidFill>
+            <a:effectLst>
+              <a:outerShdw blurRad="55000" dist="50800" dir="5400000" algn="tl">
+                <a:srgbClr val="000000">
+                  <a:alpha val="33000"/>
+                </a:srgbClr>
+              </a:outerShdw>
+            </a:effectLst>
+            <a:latin typeface="Times New Roman" pitchFamily="18" charset="0"/>
+            <a:ea typeface="Verdana" pitchFamily="34" charset="0"/>
+            <a:cs typeface="Times New Roman" pitchFamily="18" charset="0"/>
+          </a:endParaRPr>
+        </a:p>
+      </dsp:txBody>
+      <dsp:txXfrm rot="10800000">
+        <a:off x="0" y="2085"/>
+        <a:ext cx="5943600" cy="489417"/>
+      </dsp:txXfrm>
+    </dsp:sp>
   </dsp:spTree>
 </dsp:drawing>
 </file>
@@ -4273,7 +5483,7 @@
           <a:p>
             <a:fld id="{AEBC359E-74D2-4BE3-B89B-803EEEC24772}" type="datetimeFigureOut">
               <a:rPr lang="en-US" smtClean="0"/>
-              <a:t>1/3/2012</a:t>
+              <a:t>1/8/2012</a:t>
             </a:fld>
             <a:endParaRPr lang="en-US"/>
           </a:p>
@@ -4443,7 +5653,7 @@
           <a:p>
             <a:fld id="{AEBC359E-74D2-4BE3-B89B-803EEEC24772}" type="datetimeFigureOut">
               <a:rPr lang="en-US" smtClean="0"/>
-              <a:t>1/3/2012</a:t>
+              <a:t>1/8/2012</a:t>
             </a:fld>
             <a:endParaRPr lang="en-US"/>
           </a:p>
@@ -4623,7 +5833,7 @@
           <a:p>
             <a:fld id="{AEBC359E-74D2-4BE3-B89B-803EEEC24772}" type="datetimeFigureOut">
               <a:rPr lang="en-US" smtClean="0"/>
-              <a:t>1/3/2012</a:t>
+              <a:t>1/8/2012</a:t>
             </a:fld>
             <a:endParaRPr lang="en-US"/>
           </a:p>
@@ -4793,7 +6003,7 @@
           <a:p>
             <a:fld id="{AEBC359E-74D2-4BE3-B89B-803EEEC24772}" type="datetimeFigureOut">
               <a:rPr lang="en-US" smtClean="0"/>
-              <a:t>1/3/2012</a:t>
+              <a:t>1/8/2012</a:t>
             </a:fld>
             <a:endParaRPr lang="en-US"/>
           </a:p>
@@ -5039,7 +6249,7 @@
           <a:p>
             <a:fld id="{AEBC359E-74D2-4BE3-B89B-803EEEC24772}" type="datetimeFigureOut">
               <a:rPr lang="en-US" smtClean="0"/>
-              <a:t>1/3/2012</a:t>
+              <a:t>1/8/2012</a:t>
             </a:fld>
             <a:endParaRPr lang="en-US"/>
           </a:p>
@@ -5327,7 +6537,7 @@
           <a:p>
             <a:fld id="{AEBC359E-74D2-4BE3-B89B-803EEEC24772}" type="datetimeFigureOut">
               <a:rPr lang="en-US" smtClean="0"/>
-              <a:t>1/3/2012</a:t>
+              <a:t>1/8/2012</a:t>
             </a:fld>
             <a:endParaRPr lang="en-US"/>
           </a:p>
@@ -5749,7 +6959,7 @@
           <a:p>
             <a:fld id="{AEBC359E-74D2-4BE3-B89B-803EEEC24772}" type="datetimeFigureOut">
               <a:rPr lang="en-US" smtClean="0"/>
-              <a:t>1/3/2012</a:t>
+              <a:t>1/8/2012</a:t>
             </a:fld>
             <a:endParaRPr lang="en-US"/>
           </a:p>
@@ -5867,7 +7077,7 @@
           <a:p>
             <a:fld id="{AEBC359E-74D2-4BE3-B89B-803EEEC24772}" type="datetimeFigureOut">
               <a:rPr lang="en-US" smtClean="0"/>
-              <a:t>1/3/2012</a:t>
+              <a:t>1/8/2012</a:t>
             </a:fld>
             <a:endParaRPr lang="en-US"/>
           </a:p>
@@ -5962,7 +7172,7 @@
           <a:p>
             <a:fld id="{AEBC359E-74D2-4BE3-B89B-803EEEC24772}" type="datetimeFigureOut">
               <a:rPr lang="en-US" smtClean="0"/>
-              <a:t>1/3/2012</a:t>
+              <a:t>1/8/2012</a:t>
             </a:fld>
             <a:endParaRPr lang="en-US"/>
           </a:p>
@@ -6239,7 +7449,7 @@
           <a:p>
             <a:fld id="{AEBC359E-74D2-4BE3-B89B-803EEEC24772}" type="datetimeFigureOut">
               <a:rPr lang="en-US" smtClean="0"/>
-              <a:t>1/3/2012</a:t>
+              <a:t>1/8/2012</a:t>
             </a:fld>
             <a:endParaRPr lang="en-US"/>
           </a:p>
@@ -6492,7 +7702,7 @@
           <a:p>
             <a:fld id="{AEBC359E-74D2-4BE3-B89B-803EEEC24772}" type="datetimeFigureOut">
               <a:rPr lang="en-US" smtClean="0"/>
-              <a:t>1/3/2012</a:t>
+              <a:t>1/8/2012</a:t>
             </a:fld>
             <a:endParaRPr lang="en-US"/>
           </a:p>
@@ -6705,7 +7915,7 @@
           <a:p>
             <a:fld id="{AEBC359E-74D2-4BE3-B89B-803EEEC24772}" type="datetimeFigureOut">
               <a:rPr lang="en-US" smtClean="0"/>
-              <a:t>1/3/2012</a:t>
+              <a:t>1/8/2012</a:t>
             </a:fld>
             <a:endParaRPr lang="en-US"/>
           </a:p>
@@ -10868,7 +12078,7 @@
           <p:nvPr>
             <p:extLst>
               <p:ext uri="{D42A27DB-BD31-4B8C-83A1-F6EECF244321}">
-                <p14:modId xmlns:p14="http://schemas.microsoft.com/office/powerpoint/2010/main" val="2233629894"/>
+                <p14:modId xmlns:p14="http://schemas.microsoft.com/office/powerpoint/2010/main" val="2333330922"/>
               </p:ext>
             </p:extLst>
           </p:nvPr>
